--- a/Documentation/Pre-defense/First/Presentation.pptx
+++ b/Documentation/Pre-defense/First/Presentation.pptx
@@ -9,18 +9,17 @@
     <p:sldId id="257" r:id="rId3"/>
     <p:sldId id="258" r:id="rId4"/>
     <p:sldId id="259" r:id="rId5"/>
-    <p:sldId id="276" r:id="rId6"/>
-    <p:sldId id="261" r:id="rId7"/>
-    <p:sldId id="268" r:id="rId8"/>
-    <p:sldId id="262" r:id="rId9"/>
-    <p:sldId id="267" r:id="rId10"/>
-    <p:sldId id="277" r:id="rId11"/>
-    <p:sldId id="263" r:id="rId12"/>
-    <p:sldId id="264" r:id="rId13"/>
-    <p:sldId id="275" r:id="rId14"/>
-    <p:sldId id="265" r:id="rId15"/>
-    <p:sldId id="266" r:id="rId16"/>
-    <p:sldId id="272" r:id="rId17"/>
+    <p:sldId id="261" r:id="rId6"/>
+    <p:sldId id="268" r:id="rId7"/>
+    <p:sldId id="262" r:id="rId8"/>
+    <p:sldId id="267" r:id="rId9"/>
+    <p:sldId id="277" r:id="rId10"/>
+    <p:sldId id="263" r:id="rId11"/>
+    <p:sldId id="264" r:id="rId12"/>
+    <p:sldId id="275" r:id="rId13"/>
+    <p:sldId id="265" r:id="rId14"/>
+    <p:sldId id="266" r:id="rId15"/>
+    <p:sldId id="272" r:id="rId16"/>
   </p:sldIdLst>
   <p:sldSz cx="9144000" cy="6858000" type="screen4x3"/>
   <p:notesSz cx="6858000" cy="9144000"/>
@@ -3441,6 +3440,2592 @@
 </file>
 
 <file path=ppt/slides/slide10.xml><?xml version="1.0" encoding="utf-8"?>
+<p:sld xmlns:a="http://schemas.openxmlformats.org/drawingml/2006/main" xmlns:r="http://schemas.openxmlformats.org/officeDocument/2006/relationships" xmlns:p="http://schemas.openxmlformats.org/presentationml/2006/main">
+  <p:cSld>
+    <p:spTree>
+      <p:nvGrpSpPr>
+        <p:cNvPr id="1" name=""/>
+        <p:cNvGrpSpPr/>
+        <p:nvPr/>
+      </p:nvGrpSpPr>
+      <p:grpSpPr>
+        <a:xfrm>
+          <a:off x="0" y="0"/>
+          <a:ext cx="0" cy="0"/>
+          <a:chOff x="0" y="0"/>
+          <a:chExt cx="0" cy="0"/>
+        </a:xfrm>
+      </p:grpSpPr>
+      <p:sp>
+        <p:nvSpPr>
+          <p:cNvPr id="2" name="Заголовок 1"/>
+          <p:cNvSpPr>
+            <a:spLocks noGrp="1"/>
+          </p:cNvSpPr>
+          <p:nvPr>
+            <p:ph type="ctrTitle"/>
+          </p:nvPr>
+        </p:nvSpPr>
+        <p:spPr>
+          <a:xfrm>
+            <a:off x="467544" y="188640"/>
+            <a:ext cx="8136904" cy="648071"/>
+          </a:xfrm>
+        </p:spPr>
+        <p:txBody>
+          <a:bodyPr>
+            <a:normAutofit fontScale="90000"/>
+          </a:bodyPr>
+          <a:lstStyle/>
+          <a:p>
+            <a:r>
+              <a:rPr lang="ru-RU" dirty="0">
+                <a:latin typeface="Times New Roman" panose="02020603050405020304" pitchFamily="18" charset="0"/>
+                <a:cs typeface="Times New Roman" panose="02020603050405020304" pitchFamily="18" charset="0"/>
+              </a:rPr>
+              <a:t>Функциональные требования</a:t>
+            </a:r>
+          </a:p>
+        </p:txBody>
+      </p:sp>
+      <p:sp>
+        <p:nvSpPr>
+          <p:cNvPr id="3" name="Подзаголовок 2"/>
+          <p:cNvSpPr>
+            <a:spLocks noGrp="1"/>
+          </p:cNvSpPr>
+          <p:nvPr>
+            <p:ph type="subTitle" idx="1"/>
+          </p:nvPr>
+        </p:nvSpPr>
+        <p:spPr>
+          <a:xfrm>
+            <a:off x="498190" y="1340768"/>
+            <a:ext cx="8106258" cy="4896544"/>
+          </a:xfrm>
+        </p:spPr>
+        <p:txBody>
+          <a:bodyPr numCol="1" anchor="ctr">
+            <a:normAutofit/>
+          </a:bodyPr>
+          <a:lstStyle/>
+          <a:p>
+            <a:pPr algn="l"/>
+            <a:r>
+              <a:rPr lang="ru-RU" sz="2600" b="0" i="0" dirty="0">
+                <a:solidFill>
+                  <a:srgbClr val="000000"/>
+                </a:solidFill>
+                <a:effectLst/>
+                <a:latin typeface="Times New Roman" panose="02020603050405020304" pitchFamily="18" charset="0"/>
+                <a:cs typeface="Times New Roman" panose="02020603050405020304" pitchFamily="18" charset="0"/>
+              </a:rPr>
+              <a:t>Сервис должен предоставлять возможность поиска тарифов по компании, количеству минут разговора, количеству гигабайт интернета</a:t>
+            </a:r>
+            <a:r>
+              <a:rPr lang="en-US" sz="2600" b="0" i="0" dirty="0">
+                <a:solidFill>
+                  <a:srgbClr val="000000"/>
+                </a:solidFill>
+                <a:effectLst/>
+                <a:latin typeface="Times New Roman" panose="02020603050405020304" pitchFamily="18" charset="0"/>
+                <a:cs typeface="Times New Roman" panose="02020603050405020304" pitchFamily="18" charset="0"/>
+              </a:rPr>
+              <a:t>,</a:t>
+            </a:r>
+            <a:r>
+              <a:rPr lang="ru-RU" sz="2600" b="0" i="0" dirty="0">
+                <a:solidFill>
+                  <a:srgbClr val="000000"/>
+                </a:solidFill>
+                <a:effectLst/>
+                <a:latin typeface="Times New Roman" panose="02020603050405020304" pitchFamily="18" charset="0"/>
+                <a:cs typeface="Times New Roman" panose="02020603050405020304" pitchFamily="18" charset="0"/>
+              </a:rPr>
+              <a:t> количеству смс.</a:t>
+            </a:r>
+            <a:br>
+              <a:rPr lang="ru-RU" sz="2600" dirty="0">
+                <a:latin typeface="Times New Roman" panose="02020603050405020304" pitchFamily="18" charset="0"/>
+                <a:cs typeface="Times New Roman" panose="02020603050405020304" pitchFamily="18" charset="0"/>
+              </a:rPr>
+            </a:br>
+            <a:br>
+              <a:rPr lang="ru-RU" sz="2600" dirty="0">
+                <a:latin typeface="Times New Roman" panose="02020603050405020304" pitchFamily="18" charset="0"/>
+                <a:cs typeface="Times New Roman" panose="02020603050405020304" pitchFamily="18" charset="0"/>
+              </a:rPr>
+            </a:br>
+            <a:r>
+              <a:rPr lang="ru-RU" sz="2600" dirty="0">
+                <a:solidFill>
+                  <a:srgbClr val="000000"/>
+                </a:solidFill>
+                <a:latin typeface="Times New Roman" panose="02020603050405020304" pitchFamily="18" charset="0"/>
+                <a:cs typeface="Times New Roman" panose="02020603050405020304" pitchFamily="18" charset="0"/>
+              </a:rPr>
+              <a:t>Сервис должен о</a:t>
+            </a:r>
+            <a:r>
+              <a:rPr lang="ru-RU" sz="2600" b="0" i="0" dirty="0">
+                <a:solidFill>
+                  <a:srgbClr val="000000"/>
+                </a:solidFill>
+                <a:effectLst/>
+                <a:latin typeface="Times New Roman" panose="02020603050405020304" pitchFamily="18" charset="0"/>
+                <a:cs typeface="Times New Roman" panose="02020603050405020304" pitchFamily="18" charset="0"/>
+              </a:rPr>
+              <a:t>тображать всю перечисленную</a:t>
+            </a:r>
+            <a:r>
+              <a:rPr lang="ru-RU" sz="2600" dirty="0">
+                <a:solidFill>
+                  <a:srgbClr val="000000"/>
+                </a:solidFill>
+                <a:latin typeface="Times New Roman" panose="02020603050405020304" pitchFamily="18" charset="0"/>
+                <a:cs typeface="Times New Roman" panose="02020603050405020304" pitchFamily="18" charset="0"/>
+              </a:rPr>
+              <a:t> </a:t>
+            </a:r>
+            <a:r>
+              <a:rPr lang="ru-RU" sz="2600" b="0" i="0" dirty="0">
+                <a:solidFill>
+                  <a:srgbClr val="000000"/>
+                </a:solidFill>
+                <a:effectLst/>
+                <a:latin typeface="Times New Roman" panose="02020603050405020304" pitchFamily="18" charset="0"/>
+                <a:cs typeface="Times New Roman" panose="02020603050405020304" pitchFamily="18" charset="0"/>
+              </a:rPr>
+              <a:t>информацию о тарифах</a:t>
+            </a:r>
+            <a:r>
+              <a:rPr lang="en-US" sz="2600" b="0" i="0" dirty="0">
+                <a:solidFill>
+                  <a:srgbClr val="000000"/>
+                </a:solidFill>
+                <a:effectLst/>
+                <a:latin typeface="Times New Roman" panose="02020603050405020304" pitchFamily="18" charset="0"/>
+                <a:cs typeface="Times New Roman" panose="02020603050405020304" pitchFamily="18" charset="0"/>
+              </a:rPr>
+              <a:t>,</a:t>
+            </a:r>
+            <a:r>
+              <a:rPr lang="ru-RU" sz="2600" b="0" i="0" dirty="0">
+                <a:solidFill>
+                  <a:srgbClr val="000000"/>
+                </a:solidFill>
+                <a:effectLst/>
+                <a:latin typeface="Times New Roman" panose="02020603050405020304" pitchFamily="18" charset="0"/>
+                <a:cs typeface="Times New Roman" panose="02020603050405020304" pitchFamily="18" charset="0"/>
+              </a:rPr>
+              <a:t> а также ссылку на страницу с выбранным тарифом у официального провайдера услуги.</a:t>
+            </a:r>
+            <a:br>
+              <a:rPr lang="ru-RU" dirty="0">
+                <a:latin typeface="Times New Roman" panose="02020603050405020304" pitchFamily="18" charset="0"/>
+                <a:cs typeface="Times New Roman" panose="02020603050405020304" pitchFamily="18" charset="0"/>
+              </a:rPr>
+            </a:br>
+            <a:endParaRPr lang="ru-RU" dirty="0">
+              <a:latin typeface="Times New Roman" panose="02020603050405020304" pitchFamily="18" charset="0"/>
+              <a:cs typeface="Times New Roman" panose="02020603050405020304" pitchFamily="18" charset="0"/>
+            </a:endParaRPr>
+          </a:p>
+        </p:txBody>
+      </p:sp>
+    </p:spTree>
+    <p:extLst>
+      <p:ext uri="{BB962C8B-B14F-4D97-AF65-F5344CB8AC3E}">
+        <p14:creationId xmlns:p14="http://schemas.microsoft.com/office/powerpoint/2010/main" val="197728668"/>
+      </p:ext>
+    </p:extLst>
+  </p:cSld>
+  <p:clrMapOvr>
+    <a:masterClrMapping/>
+  </p:clrMapOvr>
+</p:sld>
+</file>
+
+<file path=ppt/slides/slide11.xml><?xml version="1.0" encoding="utf-8"?>
+<p:sld xmlns:a="http://schemas.openxmlformats.org/drawingml/2006/main" xmlns:r="http://schemas.openxmlformats.org/officeDocument/2006/relationships" xmlns:p="http://schemas.openxmlformats.org/presentationml/2006/main">
+  <p:cSld>
+    <p:spTree>
+      <p:nvGrpSpPr>
+        <p:cNvPr id="1" name=""/>
+        <p:cNvGrpSpPr/>
+        <p:nvPr/>
+      </p:nvGrpSpPr>
+      <p:grpSpPr>
+        <a:xfrm>
+          <a:off x="0" y="0"/>
+          <a:ext cx="0" cy="0"/>
+          <a:chOff x="0" y="0"/>
+          <a:chExt cx="0" cy="0"/>
+        </a:xfrm>
+      </p:grpSpPr>
+      <p:sp>
+        <p:nvSpPr>
+          <p:cNvPr id="2" name="Заголовок 1"/>
+          <p:cNvSpPr>
+            <a:spLocks noGrp="1"/>
+          </p:cNvSpPr>
+          <p:nvPr>
+            <p:ph type="ctrTitle"/>
+          </p:nvPr>
+        </p:nvSpPr>
+        <p:spPr>
+          <a:xfrm>
+            <a:off x="467544" y="188640"/>
+            <a:ext cx="8136904" cy="648071"/>
+          </a:xfrm>
+        </p:spPr>
+        <p:txBody>
+          <a:bodyPr>
+            <a:normAutofit fontScale="90000"/>
+          </a:bodyPr>
+          <a:lstStyle/>
+          <a:p>
+            <a:r>
+              <a:rPr lang="ru-RU" dirty="0">
+                <a:latin typeface="Times New Roman" panose="02020603050405020304" pitchFamily="18" charset="0"/>
+                <a:cs typeface="Times New Roman" panose="02020603050405020304" pitchFamily="18" charset="0"/>
+              </a:rPr>
+              <a:t>Входные и выходные данные</a:t>
+            </a:r>
+          </a:p>
+        </p:txBody>
+      </p:sp>
+      <p:sp>
+        <p:nvSpPr>
+          <p:cNvPr id="3" name="Подзаголовок 2"/>
+          <p:cNvSpPr>
+            <a:spLocks noGrp="1"/>
+          </p:cNvSpPr>
+          <p:nvPr>
+            <p:ph type="subTitle" idx="1"/>
+          </p:nvPr>
+        </p:nvSpPr>
+        <p:spPr>
+          <a:xfrm>
+            <a:off x="498190" y="1340768"/>
+            <a:ext cx="8106258" cy="4896544"/>
+          </a:xfrm>
+        </p:spPr>
+        <p:txBody>
+          <a:bodyPr anchor="ctr">
+            <a:normAutofit/>
+          </a:bodyPr>
+          <a:lstStyle/>
+          <a:p>
+            <a:pPr algn="l"/>
+            <a:r>
+              <a:rPr lang="ru-RU" sz="2400" b="1" dirty="0">
+                <a:solidFill>
+                  <a:schemeClr val="tx1"/>
+                </a:solidFill>
+                <a:latin typeface="Times New Roman" panose="02020603050405020304" pitchFamily="18" charset="0"/>
+                <a:cs typeface="Times New Roman" panose="02020603050405020304" pitchFamily="18" charset="0"/>
+              </a:rPr>
+              <a:t>Входные данные: </a:t>
+            </a:r>
+          </a:p>
+          <a:p>
+            <a:pPr algn="l"/>
+            <a:r>
+              <a:rPr lang="ru-RU" sz="2400" dirty="0">
+                <a:solidFill>
+                  <a:schemeClr val="tx1"/>
+                </a:solidFill>
+                <a:latin typeface="Times New Roman" panose="02020603050405020304" pitchFamily="18" charset="0"/>
+                <a:cs typeface="Times New Roman" panose="02020603050405020304" pitchFamily="18" charset="0"/>
+              </a:rPr>
+              <a:t>Данные фильтрации</a:t>
+            </a:r>
+            <a:r>
+              <a:rPr lang="en-US" sz="2400" dirty="0">
+                <a:solidFill>
+                  <a:schemeClr val="tx1"/>
+                </a:solidFill>
+                <a:latin typeface="Times New Roman" panose="02020603050405020304" pitchFamily="18" charset="0"/>
+                <a:cs typeface="Times New Roman" panose="02020603050405020304" pitchFamily="18" charset="0"/>
+              </a:rPr>
+              <a:t>,</a:t>
+            </a:r>
+            <a:r>
+              <a:rPr lang="ru-RU" sz="2400" dirty="0">
+                <a:solidFill>
+                  <a:schemeClr val="tx1"/>
+                </a:solidFill>
+                <a:latin typeface="Times New Roman" panose="02020603050405020304" pitchFamily="18" charset="0"/>
+                <a:cs typeface="Times New Roman" panose="02020603050405020304" pitchFamily="18" charset="0"/>
+              </a:rPr>
+              <a:t> выставленный пользователем</a:t>
+            </a:r>
+          </a:p>
+          <a:p>
+            <a:pPr algn="l"/>
+            <a:endParaRPr lang="ru-RU" sz="2400" dirty="0">
+              <a:solidFill>
+                <a:schemeClr val="tx1"/>
+              </a:solidFill>
+              <a:latin typeface="Times New Roman" panose="02020603050405020304" pitchFamily="18" charset="0"/>
+              <a:cs typeface="Times New Roman" panose="02020603050405020304" pitchFamily="18" charset="0"/>
+            </a:endParaRPr>
+          </a:p>
+          <a:p>
+            <a:pPr algn="l"/>
+            <a:r>
+              <a:rPr lang="ru-RU" sz="2400" b="1" dirty="0">
+                <a:solidFill>
+                  <a:schemeClr val="tx1"/>
+                </a:solidFill>
+                <a:latin typeface="Times New Roman" panose="02020603050405020304" pitchFamily="18" charset="0"/>
+                <a:cs typeface="Times New Roman" panose="02020603050405020304" pitchFamily="18" charset="0"/>
+              </a:rPr>
+              <a:t>Выходные данные: </a:t>
+            </a:r>
+          </a:p>
+          <a:p>
+            <a:pPr algn="l"/>
+            <a:r>
+              <a:rPr lang="ru-RU" sz="2400" dirty="0">
+                <a:solidFill>
+                  <a:schemeClr val="tx1"/>
+                </a:solidFill>
+                <a:latin typeface="Times New Roman" panose="02020603050405020304" pitchFamily="18" charset="0"/>
+                <a:cs typeface="Times New Roman" panose="02020603050405020304" pitchFamily="18" charset="0"/>
+              </a:rPr>
+              <a:t>Список тарифов мобильных операторов</a:t>
+            </a:r>
+            <a:r>
+              <a:rPr lang="en-US" sz="2400" dirty="0">
+                <a:solidFill>
+                  <a:schemeClr val="tx1"/>
+                </a:solidFill>
+                <a:latin typeface="Times New Roman" panose="02020603050405020304" pitchFamily="18" charset="0"/>
+                <a:cs typeface="Times New Roman" panose="02020603050405020304" pitchFamily="18" charset="0"/>
+              </a:rPr>
+              <a:t>,</a:t>
+            </a:r>
+            <a:r>
+              <a:rPr lang="ru-RU" sz="2400" dirty="0">
+                <a:solidFill>
+                  <a:schemeClr val="tx1"/>
+                </a:solidFill>
+                <a:latin typeface="Times New Roman" panose="02020603050405020304" pitchFamily="18" charset="0"/>
+                <a:cs typeface="Times New Roman" panose="02020603050405020304" pitchFamily="18" charset="0"/>
+              </a:rPr>
+              <a:t> попадающих под заданные пользователем условия.</a:t>
+            </a:r>
+          </a:p>
+        </p:txBody>
+      </p:sp>
+    </p:spTree>
+    <p:extLst>
+      <p:ext uri="{BB962C8B-B14F-4D97-AF65-F5344CB8AC3E}">
+        <p14:creationId xmlns:p14="http://schemas.microsoft.com/office/powerpoint/2010/main" val="3278695884"/>
+      </p:ext>
+    </p:extLst>
+  </p:cSld>
+  <p:clrMapOvr>
+    <a:masterClrMapping/>
+  </p:clrMapOvr>
+</p:sld>
+</file>
+
+<file path=ppt/slides/slide12.xml><?xml version="1.0" encoding="utf-8"?>
+<p:sld xmlns:a="http://schemas.openxmlformats.org/drawingml/2006/main" xmlns:r="http://schemas.openxmlformats.org/officeDocument/2006/relationships" xmlns:p="http://schemas.openxmlformats.org/presentationml/2006/main">
+  <p:cSld>
+    <p:spTree>
+      <p:nvGrpSpPr>
+        <p:cNvPr id="1" name=""/>
+        <p:cNvGrpSpPr/>
+        <p:nvPr/>
+      </p:nvGrpSpPr>
+      <p:grpSpPr>
+        <a:xfrm>
+          <a:off x="0" y="0"/>
+          <a:ext cx="0" cy="0"/>
+          <a:chOff x="0" y="0"/>
+          <a:chExt cx="0" cy="0"/>
+        </a:xfrm>
+      </p:grpSpPr>
+      <p:sp>
+        <p:nvSpPr>
+          <p:cNvPr id="2" name="Заголовок 1"/>
+          <p:cNvSpPr>
+            <a:spLocks noGrp="1"/>
+          </p:cNvSpPr>
+          <p:nvPr>
+            <p:ph type="ctrTitle"/>
+          </p:nvPr>
+        </p:nvSpPr>
+        <p:spPr>
+          <a:xfrm>
+            <a:off x="467544" y="188640"/>
+            <a:ext cx="8136904" cy="648071"/>
+          </a:xfrm>
+        </p:spPr>
+        <p:txBody>
+          <a:bodyPr>
+            <a:noAutofit/>
+          </a:bodyPr>
+          <a:lstStyle/>
+          <a:p>
+            <a:r>
+              <a:rPr lang="ru-RU" altLang="en-US" sz="3600" dirty="0">
+                <a:latin typeface="Times New Roman" panose="02020603050405020304" pitchFamily="18" charset="0"/>
+                <a:cs typeface="Times New Roman" panose="02020603050405020304" pitchFamily="18" charset="0"/>
+              </a:rPr>
+              <a:t>Инструментальные средства</a:t>
+            </a:r>
+          </a:p>
+        </p:txBody>
+      </p:sp>
+      <p:sp>
+        <p:nvSpPr>
+          <p:cNvPr id="3" name="Подзаголовок 2"/>
+          <p:cNvSpPr>
+            <a:spLocks noGrp="1"/>
+          </p:cNvSpPr>
+          <p:nvPr>
+            <p:ph type="subTitle" idx="1"/>
+          </p:nvPr>
+        </p:nvSpPr>
+        <p:spPr>
+          <a:xfrm>
+            <a:off x="498190" y="1340768"/>
+            <a:ext cx="8106258" cy="4896544"/>
+          </a:xfrm>
+        </p:spPr>
+        <p:txBody>
+          <a:bodyPr anchor="ctr">
+            <a:normAutofit/>
+          </a:bodyPr>
+          <a:lstStyle/>
+          <a:p>
+            <a:pPr algn="l"/>
+            <a:r>
+              <a:rPr lang="ru-RU" sz="3600" dirty="0" err="1">
+                <a:solidFill>
+                  <a:schemeClr val="tx1"/>
+                </a:solidFill>
+                <a:latin typeface="Times New Roman" panose="02020603050405020304" pitchFamily="18" charset="0"/>
+                <a:cs typeface="Times New Roman" panose="02020603050405020304" pitchFamily="18" charset="0"/>
+              </a:rPr>
+              <a:t>Фронтенд</a:t>
+            </a:r>
+            <a:r>
+              <a:rPr lang="ru-RU" sz="3600" dirty="0">
+                <a:solidFill>
+                  <a:schemeClr val="tx1"/>
+                </a:solidFill>
+                <a:latin typeface="Times New Roman" panose="02020603050405020304" pitchFamily="18" charset="0"/>
+                <a:cs typeface="Times New Roman" panose="02020603050405020304" pitchFamily="18" charset="0"/>
+              </a:rPr>
+              <a:t>: </a:t>
+            </a:r>
+            <a:r>
+              <a:rPr lang="en-US" sz="3600" dirty="0">
+                <a:solidFill>
+                  <a:schemeClr val="tx1"/>
+                </a:solidFill>
+                <a:latin typeface="Times New Roman" panose="02020603050405020304" pitchFamily="18" charset="0"/>
+                <a:cs typeface="Times New Roman" panose="02020603050405020304" pitchFamily="18" charset="0"/>
+              </a:rPr>
+              <a:t>bootstrap</a:t>
+            </a:r>
+            <a:endParaRPr lang="ru-RU" sz="3600" dirty="0">
+              <a:solidFill>
+                <a:schemeClr val="tx1"/>
+              </a:solidFill>
+              <a:latin typeface="Times New Roman" panose="02020603050405020304" pitchFamily="18" charset="0"/>
+              <a:cs typeface="Times New Roman" panose="02020603050405020304" pitchFamily="18" charset="0"/>
+            </a:endParaRPr>
+          </a:p>
+          <a:p>
+            <a:pPr algn="l"/>
+            <a:endParaRPr lang="ru-RU" sz="3600" dirty="0">
+              <a:solidFill>
+                <a:schemeClr val="tx1"/>
+              </a:solidFill>
+              <a:latin typeface="Times New Roman" panose="02020603050405020304" pitchFamily="18" charset="0"/>
+              <a:cs typeface="Times New Roman" panose="02020603050405020304" pitchFamily="18" charset="0"/>
+            </a:endParaRPr>
+          </a:p>
+          <a:p>
+            <a:pPr algn="l"/>
+            <a:r>
+              <a:rPr lang="ru-RU" sz="3600" dirty="0">
+                <a:solidFill>
+                  <a:schemeClr val="tx1"/>
+                </a:solidFill>
+                <a:latin typeface="Times New Roman" panose="02020603050405020304" pitchFamily="18" charset="0"/>
+                <a:cs typeface="Times New Roman" panose="02020603050405020304" pitchFamily="18" charset="0"/>
+              </a:rPr>
+              <a:t>Бэкенд: </a:t>
+            </a:r>
+            <a:r>
+              <a:rPr lang="en-US" sz="3600" dirty="0">
+                <a:solidFill>
+                  <a:schemeClr val="tx1"/>
+                </a:solidFill>
+                <a:latin typeface="Times New Roman" panose="02020603050405020304" pitchFamily="18" charset="0"/>
+                <a:cs typeface="Times New Roman" panose="02020603050405020304" pitchFamily="18" charset="0"/>
+              </a:rPr>
+              <a:t>Java</a:t>
+            </a:r>
+            <a:endParaRPr lang="ru-RU" sz="3600" dirty="0">
+              <a:solidFill>
+                <a:schemeClr val="tx1"/>
+              </a:solidFill>
+              <a:latin typeface="Times New Roman" panose="02020603050405020304" pitchFamily="18" charset="0"/>
+              <a:cs typeface="Times New Roman" panose="02020603050405020304" pitchFamily="18" charset="0"/>
+            </a:endParaRPr>
+          </a:p>
+        </p:txBody>
+      </p:sp>
+    </p:spTree>
+    <p:extLst>
+      <p:ext uri="{BB962C8B-B14F-4D97-AF65-F5344CB8AC3E}">
+        <p14:creationId xmlns:p14="http://schemas.microsoft.com/office/powerpoint/2010/main" val="3597652776"/>
+      </p:ext>
+    </p:extLst>
+  </p:cSld>
+  <p:clrMapOvr>
+    <a:masterClrMapping/>
+  </p:clrMapOvr>
+</p:sld>
+</file>
+
+<file path=ppt/slides/slide13.xml><?xml version="1.0" encoding="utf-8"?>
+<p:sld xmlns:a="http://schemas.openxmlformats.org/drawingml/2006/main" xmlns:r="http://schemas.openxmlformats.org/officeDocument/2006/relationships" xmlns:p="http://schemas.openxmlformats.org/presentationml/2006/main">
+  <p:cSld>
+    <p:spTree>
+      <p:nvGrpSpPr>
+        <p:cNvPr id="1" name=""/>
+        <p:cNvGrpSpPr/>
+        <p:nvPr/>
+      </p:nvGrpSpPr>
+      <p:grpSpPr>
+        <a:xfrm>
+          <a:off x="0" y="0"/>
+          <a:ext cx="0" cy="0"/>
+          <a:chOff x="0" y="0"/>
+          <a:chExt cx="0" cy="0"/>
+        </a:xfrm>
+      </p:grpSpPr>
+      <p:sp>
+        <p:nvSpPr>
+          <p:cNvPr id="2" name="Заголовок 1"/>
+          <p:cNvSpPr>
+            <a:spLocks noGrp="1"/>
+          </p:cNvSpPr>
+          <p:nvPr>
+            <p:ph type="ctrTitle"/>
+          </p:nvPr>
+        </p:nvSpPr>
+        <p:spPr>
+          <a:xfrm>
+            <a:off x="467544" y="188640"/>
+            <a:ext cx="8136904" cy="648071"/>
+          </a:xfrm>
+        </p:spPr>
+        <p:txBody>
+          <a:bodyPr>
+            <a:normAutofit fontScale="90000"/>
+          </a:bodyPr>
+          <a:lstStyle/>
+          <a:p>
+            <a:r>
+              <a:rPr lang="ru-RU" dirty="0">
+                <a:latin typeface="Times New Roman" panose="02020603050405020304" pitchFamily="18" charset="0"/>
+                <a:cs typeface="Times New Roman" panose="02020603050405020304" pitchFamily="18" charset="0"/>
+              </a:rPr>
+              <a:t>Структура классов</a:t>
+            </a:r>
+          </a:p>
+        </p:txBody>
+      </p:sp>
+      <p:sp>
+        <p:nvSpPr>
+          <p:cNvPr id="3" name="Подзаголовок 2"/>
+          <p:cNvSpPr>
+            <a:spLocks noGrp="1"/>
+          </p:cNvSpPr>
+          <p:nvPr>
+            <p:ph type="subTitle" idx="1"/>
+          </p:nvPr>
+        </p:nvSpPr>
+        <p:spPr>
+          <a:xfrm>
+            <a:off x="498190" y="5589240"/>
+            <a:ext cx="8106258" cy="648071"/>
+          </a:xfrm>
+        </p:spPr>
+        <p:txBody>
+          <a:bodyPr>
+            <a:normAutofit/>
+          </a:bodyPr>
+          <a:lstStyle/>
+          <a:p>
+            <a:r>
+              <a:rPr lang="ru-RU" altLang="en-US" sz="2400" dirty="0">
+                <a:solidFill>
+                  <a:schemeClr val="tx1"/>
+                </a:solidFill>
+                <a:latin typeface="Times New Roman" panose="02020603050405020304" pitchFamily="18" charset="0"/>
+                <a:cs typeface="Times New Roman" panose="02020603050405020304" pitchFamily="18" charset="0"/>
+              </a:rPr>
+              <a:t>Схема 3.</a:t>
+            </a:r>
+            <a:r>
+              <a:rPr lang="en-US" altLang="en-US" sz="2400" dirty="0">
+                <a:solidFill>
+                  <a:schemeClr val="tx1"/>
+                </a:solidFill>
+                <a:latin typeface="Times New Roman" panose="02020603050405020304" pitchFamily="18" charset="0"/>
+                <a:cs typeface="Times New Roman" panose="02020603050405020304" pitchFamily="18" charset="0"/>
+              </a:rPr>
+              <a:t> </a:t>
+            </a:r>
+            <a:r>
+              <a:rPr lang="ru-RU" altLang="en-US" sz="2400" dirty="0">
+                <a:solidFill>
+                  <a:schemeClr val="tx1"/>
+                </a:solidFill>
+                <a:latin typeface="Times New Roman" panose="02020603050405020304" pitchFamily="18" charset="0"/>
+                <a:cs typeface="Times New Roman" panose="02020603050405020304" pitchFamily="18" charset="0"/>
+              </a:rPr>
+              <a:t>структура классов</a:t>
+            </a:r>
+          </a:p>
+        </p:txBody>
+      </p:sp>
+      <p:pic>
+        <p:nvPicPr>
+          <p:cNvPr id="6" name="Рисунок 5">
+            <a:extLst>
+              <a:ext uri="{FF2B5EF4-FFF2-40B4-BE49-F238E27FC236}">
+                <a16:creationId xmlns:a16="http://schemas.microsoft.com/office/drawing/2014/main" id="{AFFB9863-5972-600E-6CCA-49BE86AEF086}"/>
+              </a:ext>
+            </a:extLst>
+          </p:cNvPr>
+          <p:cNvPicPr>
+            <a:picLocks noChangeAspect="1"/>
+          </p:cNvPicPr>
+          <p:nvPr/>
+        </p:nvPicPr>
+        <p:blipFill>
+          <a:blip r:embed="rId2"/>
+          <a:stretch>
+            <a:fillRect/>
+          </a:stretch>
+        </p:blipFill>
+        <p:spPr>
+          <a:xfrm>
+            <a:off x="1947862" y="1519237"/>
+            <a:ext cx="5248275" cy="3819525"/>
+          </a:xfrm>
+          <a:prstGeom prst="rect">
+            <a:avLst/>
+          </a:prstGeom>
+        </p:spPr>
+      </p:pic>
+    </p:spTree>
+    <p:extLst>
+      <p:ext uri="{BB962C8B-B14F-4D97-AF65-F5344CB8AC3E}">
+        <p14:creationId xmlns:p14="http://schemas.microsoft.com/office/powerpoint/2010/main" val="3515527969"/>
+      </p:ext>
+    </p:extLst>
+  </p:cSld>
+  <p:clrMapOvr>
+    <a:masterClrMapping/>
+  </p:clrMapOvr>
+</p:sld>
+</file>
+
+<file path=ppt/slides/slide14.xml><?xml version="1.0" encoding="utf-8"?>
+<p:sld xmlns:a="http://schemas.openxmlformats.org/drawingml/2006/main" xmlns:r="http://schemas.openxmlformats.org/officeDocument/2006/relationships" xmlns:p="http://schemas.openxmlformats.org/presentationml/2006/main">
+  <p:cSld>
+    <p:spTree>
+      <p:nvGrpSpPr>
+        <p:cNvPr id="1" name=""/>
+        <p:cNvGrpSpPr/>
+        <p:nvPr/>
+      </p:nvGrpSpPr>
+      <p:grpSpPr>
+        <a:xfrm>
+          <a:off x="0" y="0"/>
+          <a:ext cx="0" cy="0"/>
+          <a:chOff x="0" y="0"/>
+          <a:chExt cx="0" cy="0"/>
+        </a:xfrm>
+      </p:grpSpPr>
+      <p:sp>
+        <p:nvSpPr>
+          <p:cNvPr id="2" name="Заголовок 1"/>
+          <p:cNvSpPr>
+            <a:spLocks noGrp="1"/>
+          </p:cNvSpPr>
+          <p:nvPr>
+            <p:ph type="ctrTitle"/>
+          </p:nvPr>
+        </p:nvSpPr>
+        <p:spPr>
+          <a:xfrm>
+            <a:off x="467544" y="188640"/>
+            <a:ext cx="8136904" cy="648071"/>
+          </a:xfrm>
+        </p:spPr>
+        <p:txBody>
+          <a:bodyPr>
+            <a:normAutofit fontScale="90000"/>
+          </a:bodyPr>
+          <a:lstStyle/>
+          <a:p>
+            <a:r>
+              <a:rPr lang="ru-RU" dirty="0">
+                <a:latin typeface="Times New Roman" panose="02020603050405020304" pitchFamily="18" charset="0"/>
+                <a:cs typeface="Times New Roman" panose="02020603050405020304" pitchFamily="18" charset="0"/>
+              </a:rPr>
+              <a:t>Структура базы данных</a:t>
+            </a:r>
+          </a:p>
+        </p:txBody>
+      </p:sp>
+      <p:sp>
+        <p:nvSpPr>
+          <p:cNvPr id="3" name="Подзаголовок 2"/>
+          <p:cNvSpPr>
+            <a:spLocks noGrp="1"/>
+          </p:cNvSpPr>
+          <p:nvPr>
+            <p:ph type="subTitle" idx="1"/>
+          </p:nvPr>
+        </p:nvSpPr>
+        <p:spPr>
+          <a:xfrm>
+            <a:off x="498190" y="5589240"/>
+            <a:ext cx="8106258" cy="648072"/>
+          </a:xfrm>
+        </p:spPr>
+        <p:txBody>
+          <a:bodyPr>
+            <a:normAutofit/>
+          </a:bodyPr>
+          <a:lstStyle/>
+          <a:p>
+            <a:r>
+              <a:rPr lang="ru-RU" altLang="en-US" sz="2400" dirty="0">
+                <a:solidFill>
+                  <a:schemeClr val="tx1"/>
+                </a:solidFill>
+                <a:latin typeface="Times New Roman" panose="02020603050405020304" pitchFamily="18" charset="0"/>
+                <a:cs typeface="Times New Roman" panose="02020603050405020304" pitchFamily="18" charset="0"/>
+              </a:rPr>
+              <a:t>Схема 4.</a:t>
+            </a:r>
+            <a:r>
+              <a:rPr lang="en-US" altLang="en-US" sz="2400" dirty="0">
+                <a:solidFill>
+                  <a:schemeClr val="tx1"/>
+                </a:solidFill>
+                <a:latin typeface="Times New Roman" panose="02020603050405020304" pitchFamily="18" charset="0"/>
+                <a:cs typeface="Times New Roman" panose="02020603050405020304" pitchFamily="18" charset="0"/>
+              </a:rPr>
+              <a:t> </a:t>
+            </a:r>
+            <a:r>
+              <a:rPr lang="ru-RU" altLang="en-US" sz="2400" dirty="0">
+                <a:solidFill>
+                  <a:schemeClr val="tx1"/>
+                </a:solidFill>
+                <a:latin typeface="Times New Roman" panose="02020603050405020304" pitchFamily="18" charset="0"/>
+                <a:cs typeface="Times New Roman" panose="02020603050405020304" pitchFamily="18" charset="0"/>
+              </a:rPr>
+              <a:t>структура базы данных</a:t>
+            </a:r>
+          </a:p>
+        </p:txBody>
+      </p:sp>
+      <p:pic>
+        <p:nvPicPr>
+          <p:cNvPr id="5" name="Рисунок 4">
+            <a:extLst>
+              <a:ext uri="{FF2B5EF4-FFF2-40B4-BE49-F238E27FC236}">
+                <a16:creationId xmlns:a16="http://schemas.microsoft.com/office/drawing/2014/main" id="{F5DF51F1-64AA-BD6E-5614-377DC0D0D29B}"/>
+              </a:ext>
+            </a:extLst>
+          </p:cNvPr>
+          <p:cNvPicPr>
+            <a:picLocks noChangeAspect="1"/>
+          </p:cNvPicPr>
+          <p:nvPr/>
+        </p:nvPicPr>
+        <p:blipFill>
+          <a:blip r:embed="rId2"/>
+          <a:stretch>
+            <a:fillRect/>
+          </a:stretch>
+        </p:blipFill>
+        <p:spPr>
+          <a:xfrm>
+            <a:off x="3109912" y="1762125"/>
+            <a:ext cx="2924175" cy="3333750"/>
+          </a:xfrm>
+          <a:prstGeom prst="rect">
+            <a:avLst/>
+          </a:prstGeom>
+        </p:spPr>
+      </p:pic>
+    </p:spTree>
+    <p:extLst>
+      <p:ext uri="{BB962C8B-B14F-4D97-AF65-F5344CB8AC3E}">
+        <p14:creationId xmlns:p14="http://schemas.microsoft.com/office/powerpoint/2010/main" val="2839491125"/>
+      </p:ext>
+    </p:extLst>
+  </p:cSld>
+  <p:clrMapOvr>
+    <a:masterClrMapping/>
+  </p:clrMapOvr>
+</p:sld>
+</file>
+
+<file path=ppt/slides/slide15.xml><?xml version="1.0" encoding="utf-8"?>
+<p:sld xmlns:a="http://schemas.openxmlformats.org/drawingml/2006/main" xmlns:r="http://schemas.openxmlformats.org/officeDocument/2006/relationships" xmlns:p="http://schemas.openxmlformats.org/presentationml/2006/main">
+  <p:cSld>
+    <p:spTree>
+      <p:nvGrpSpPr>
+        <p:cNvPr id="1" name=""/>
+        <p:cNvGrpSpPr/>
+        <p:nvPr/>
+      </p:nvGrpSpPr>
+      <p:grpSpPr>
+        <a:xfrm>
+          <a:off x="0" y="0"/>
+          <a:ext cx="0" cy="0"/>
+          <a:chOff x="0" y="0"/>
+          <a:chExt cx="0" cy="0"/>
+        </a:xfrm>
+      </p:grpSpPr>
+      <p:sp>
+        <p:nvSpPr>
+          <p:cNvPr id="2" name="Заголовок 1">
+            <a:extLst>
+              <a:ext uri="{FF2B5EF4-FFF2-40B4-BE49-F238E27FC236}">
+                <a16:creationId xmlns:a16="http://schemas.microsoft.com/office/drawing/2014/main" id="{491F3AE5-8F5E-FB66-D9E0-D86BDEFC85E5}"/>
+              </a:ext>
+            </a:extLst>
+          </p:cNvPr>
+          <p:cNvSpPr>
+            <a:spLocks noGrp="1"/>
+          </p:cNvSpPr>
+          <p:nvPr>
+            <p:ph type="title"/>
+          </p:nvPr>
+        </p:nvSpPr>
+        <p:spPr/>
+        <p:txBody>
+          <a:bodyPr>
+            <a:normAutofit/>
+          </a:bodyPr>
+          <a:lstStyle/>
+          <a:p>
+            <a:r>
+              <a:rPr lang="ru-RU" sz="3600" dirty="0">
+                <a:latin typeface="Times New Roman" panose="02020603050405020304" pitchFamily="18" charset="0"/>
+                <a:cs typeface="Times New Roman" panose="02020603050405020304" pitchFamily="18" charset="0"/>
+              </a:rPr>
+              <a:t>Готовность работы</a:t>
+            </a:r>
+          </a:p>
+        </p:txBody>
+      </p:sp>
+      <p:sp>
+        <p:nvSpPr>
+          <p:cNvPr id="3" name="Объект 2">
+            <a:extLst>
+              <a:ext uri="{FF2B5EF4-FFF2-40B4-BE49-F238E27FC236}">
+                <a16:creationId xmlns:a16="http://schemas.microsoft.com/office/drawing/2014/main" id="{86D743FF-0B1E-2705-B3B4-92263E9E1D2C}"/>
+              </a:ext>
+            </a:extLst>
+          </p:cNvPr>
+          <p:cNvSpPr>
+            <a:spLocks noGrp="1"/>
+          </p:cNvSpPr>
+          <p:nvPr>
+            <p:ph idx="1"/>
+          </p:nvPr>
+        </p:nvSpPr>
+        <p:spPr/>
+        <p:txBody>
+          <a:bodyPr anchor="ctr">
+            <a:normAutofit/>
+          </a:bodyPr>
+          <a:lstStyle/>
+          <a:p>
+            <a:pPr marL="0" indent="0" algn="ctr">
+              <a:buNone/>
+            </a:pPr>
+            <a:r>
+              <a:rPr lang="ru-RU" altLang="en-US" sz="2800" dirty="0">
+                <a:solidFill>
+                  <a:schemeClr val="tx1"/>
+                </a:solidFill>
+                <a:latin typeface="Times New Roman" panose="02020603050405020304" pitchFamily="18" charset="0"/>
+                <a:cs typeface="Times New Roman" panose="02020603050405020304" pitchFamily="18" charset="0"/>
+              </a:rPr>
+              <a:t>ТЗ: </a:t>
+            </a:r>
+            <a:r>
+              <a:rPr lang="en-US" altLang="en-US" sz="2800" dirty="0">
+                <a:latin typeface="Times New Roman" panose="02020603050405020304" pitchFamily="18" charset="0"/>
+                <a:cs typeface="Times New Roman" panose="02020603050405020304" pitchFamily="18" charset="0"/>
+              </a:rPr>
+              <a:t>~</a:t>
+            </a:r>
+            <a:r>
+              <a:rPr lang="ru-RU" altLang="en-US" sz="2800" dirty="0">
+                <a:solidFill>
+                  <a:schemeClr val="tx1"/>
+                </a:solidFill>
+                <a:latin typeface="Times New Roman" panose="02020603050405020304" pitchFamily="18" charset="0"/>
+                <a:cs typeface="Times New Roman" panose="02020603050405020304" pitchFamily="18" charset="0"/>
+              </a:rPr>
+              <a:t>готово</a:t>
+            </a:r>
+            <a:endParaRPr lang="en-US" altLang="en-US" sz="2800" dirty="0">
+              <a:solidFill>
+                <a:schemeClr val="tx1"/>
+              </a:solidFill>
+              <a:latin typeface="Times New Roman" panose="02020603050405020304" pitchFamily="18" charset="0"/>
+              <a:cs typeface="Times New Roman" panose="02020603050405020304" pitchFamily="18" charset="0"/>
+            </a:endParaRPr>
+          </a:p>
+          <a:p>
+            <a:pPr marL="0" indent="0" algn="ctr">
+              <a:buNone/>
+            </a:pPr>
+            <a:r>
+              <a:rPr lang="ru-RU" altLang="en-US" sz="2800" dirty="0">
+                <a:solidFill>
+                  <a:schemeClr val="tx1"/>
+                </a:solidFill>
+                <a:latin typeface="Times New Roman" panose="02020603050405020304" pitchFamily="18" charset="0"/>
+                <a:cs typeface="Times New Roman" panose="02020603050405020304" pitchFamily="18" charset="0"/>
+              </a:rPr>
+              <a:t>ПЗ: </a:t>
+            </a:r>
+            <a:r>
+              <a:rPr lang="en-US" altLang="en-US" sz="2800" dirty="0">
+                <a:solidFill>
+                  <a:schemeClr val="tx1"/>
+                </a:solidFill>
+                <a:latin typeface="Times New Roman" panose="02020603050405020304" pitchFamily="18" charset="0"/>
+                <a:cs typeface="Times New Roman" panose="02020603050405020304" pitchFamily="18" charset="0"/>
+              </a:rPr>
+              <a:t>~</a:t>
+            </a:r>
+            <a:r>
+              <a:rPr lang="ru-RU" altLang="en-US" sz="2800" dirty="0">
+                <a:solidFill>
+                  <a:schemeClr val="tx1"/>
+                </a:solidFill>
+                <a:latin typeface="Times New Roman" panose="02020603050405020304" pitchFamily="18" charset="0"/>
+                <a:cs typeface="Times New Roman" panose="02020603050405020304" pitchFamily="18" charset="0"/>
+              </a:rPr>
+              <a:t>50</a:t>
+            </a:r>
+            <a:r>
+              <a:rPr lang="en-US" altLang="en-US" sz="2800" dirty="0">
+                <a:solidFill>
+                  <a:schemeClr val="tx1"/>
+                </a:solidFill>
+                <a:latin typeface="Times New Roman" panose="02020603050405020304" pitchFamily="18" charset="0"/>
+                <a:cs typeface="Times New Roman" panose="02020603050405020304" pitchFamily="18" charset="0"/>
+              </a:rPr>
+              <a:t>%</a:t>
+            </a:r>
+          </a:p>
+          <a:p>
+            <a:pPr marL="0" indent="0" algn="ctr">
+              <a:buNone/>
+            </a:pPr>
+            <a:r>
+              <a:rPr lang="ru-RU" altLang="en-US" sz="2800" dirty="0">
+                <a:solidFill>
+                  <a:schemeClr val="tx1"/>
+                </a:solidFill>
+                <a:latin typeface="Times New Roman" panose="02020603050405020304" pitchFamily="18" charset="0"/>
+                <a:cs typeface="Times New Roman" panose="02020603050405020304" pitchFamily="18" charset="0"/>
+              </a:rPr>
+              <a:t>Программа: </a:t>
+            </a:r>
+            <a:r>
+              <a:rPr lang="en-US" altLang="en-US" sz="2800" dirty="0">
+                <a:solidFill>
+                  <a:schemeClr val="tx1"/>
+                </a:solidFill>
+                <a:latin typeface="Times New Roman" panose="02020603050405020304" pitchFamily="18" charset="0"/>
+                <a:cs typeface="Times New Roman" panose="02020603050405020304" pitchFamily="18" charset="0"/>
+              </a:rPr>
+              <a:t>~</a:t>
+            </a:r>
+            <a:r>
+              <a:rPr lang="ru-RU" altLang="en-US" sz="2800" dirty="0">
+                <a:solidFill>
+                  <a:schemeClr val="tx1"/>
+                </a:solidFill>
+                <a:latin typeface="Times New Roman" panose="02020603050405020304" pitchFamily="18" charset="0"/>
+                <a:cs typeface="Times New Roman" panose="02020603050405020304" pitchFamily="18" charset="0"/>
+              </a:rPr>
+              <a:t>50</a:t>
+            </a:r>
+            <a:r>
+              <a:rPr lang="en-US" altLang="en-US" sz="2800" dirty="0">
+                <a:solidFill>
+                  <a:schemeClr val="tx1"/>
+                </a:solidFill>
+                <a:latin typeface="Times New Roman" panose="02020603050405020304" pitchFamily="18" charset="0"/>
+                <a:cs typeface="Times New Roman" panose="02020603050405020304" pitchFamily="18" charset="0"/>
+              </a:rPr>
+              <a:t>%</a:t>
+            </a:r>
+          </a:p>
+        </p:txBody>
+      </p:sp>
+    </p:spTree>
+    <p:extLst>
+      <p:ext uri="{BB962C8B-B14F-4D97-AF65-F5344CB8AC3E}">
+        <p14:creationId xmlns:p14="http://schemas.microsoft.com/office/powerpoint/2010/main" val="1717102549"/>
+      </p:ext>
+    </p:extLst>
+  </p:cSld>
+  <p:clrMapOvr>
+    <a:masterClrMapping/>
+  </p:clrMapOvr>
+</p:sld>
+</file>
+
+<file path=ppt/slides/slide2.xml><?xml version="1.0" encoding="utf-8"?>
+<p:sld xmlns:a="http://schemas.openxmlformats.org/drawingml/2006/main" xmlns:r="http://schemas.openxmlformats.org/officeDocument/2006/relationships" xmlns:p="http://schemas.openxmlformats.org/presentationml/2006/main">
+  <p:cSld>
+    <p:spTree>
+      <p:nvGrpSpPr>
+        <p:cNvPr id="1" name=""/>
+        <p:cNvGrpSpPr/>
+        <p:nvPr/>
+      </p:nvGrpSpPr>
+      <p:grpSpPr>
+        <a:xfrm>
+          <a:off x="0" y="0"/>
+          <a:ext cx="0" cy="0"/>
+          <a:chOff x="0" y="0"/>
+          <a:chExt cx="0" cy="0"/>
+        </a:xfrm>
+      </p:grpSpPr>
+      <p:sp>
+        <p:nvSpPr>
+          <p:cNvPr id="2" name="Заголовок 1"/>
+          <p:cNvSpPr>
+            <a:spLocks noGrp="1"/>
+          </p:cNvSpPr>
+          <p:nvPr>
+            <p:ph type="ctrTitle"/>
+          </p:nvPr>
+        </p:nvSpPr>
+        <p:spPr>
+          <a:xfrm>
+            <a:off x="683568" y="188640"/>
+            <a:ext cx="7772400" cy="648071"/>
+          </a:xfrm>
+        </p:spPr>
+        <p:txBody>
+          <a:bodyPr>
+            <a:normAutofit/>
+          </a:bodyPr>
+          <a:lstStyle/>
+          <a:p>
+            <a:r>
+              <a:rPr lang="ru-RU" sz="3600" dirty="0">
+                <a:latin typeface="Times New Roman" panose="02020603050405020304" pitchFamily="18" charset="0"/>
+                <a:cs typeface="Times New Roman" panose="02020603050405020304" pitchFamily="18" charset="0"/>
+              </a:rPr>
+              <a:t>Актуальность работы</a:t>
+            </a:r>
+          </a:p>
+        </p:txBody>
+      </p:sp>
+      <p:sp>
+        <p:nvSpPr>
+          <p:cNvPr id="3" name="Подзаголовок 2"/>
+          <p:cNvSpPr>
+            <a:spLocks noGrp="1"/>
+          </p:cNvSpPr>
+          <p:nvPr>
+            <p:ph type="subTitle" idx="1"/>
+          </p:nvPr>
+        </p:nvSpPr>
+        <p:spPr>
+          <a:xfrm>
+            <a:off x="498190" y="1340768"/>
+            <a:ext cx="8106258" cy="4896544"/>
+          </a:xfrm>
+        </p:spPr>
+        <p:txBody>
+          <a:bodyPr anchor="ctr">
+            <a:normAutofit/>
+          </a:bodyPr>
+          <a:lstStyle/>
+          <a:p>
+            <a:pPr algn="l">
+              <a:lnSpc>
+                <a:spcPct val="120000"/>
+              </a:lnSpc>
+              <a:spcBef>
+                <a:spcPts val="600"/>
+              </a:spcBef>
+            </a:pPr>
+            <a:r>
+              <a:rPr lang="ru-RU" sz="2800" b="1" dirty="0">
+                <a:solidFill>
+                  <a:schemeClr val="tx1"/>
+                </a:solidFill>
+                <a:latin typeface="Times New Roman" panose="02020603050405020304" pitchFamily="18" charset="0"/>
+                <a:cs typeface="Times New Roman" panose="02020603050405020304" pitchFamily="18" charset="0"/>
+              </a:rPr>
+              <a:t>Актуальность работы обусловлена:</a:t>
+            </a:r>
+          </a:p>
+          <a:p>
+            <a:pPr marL="457200" indent="-457200" algn="l">
+              <a:lnSpc>
+                <a:spcPct val="120000"/>
+              </a:lnSpc>
+              <a:spcBef>
+                <a:spcPts val="600"/>
+              </a:spcBef>
+              <a:buFont typeface="Arial" panose="020B0604020202020204" pitchFamily="34" charset="0"/>
+              <a:buChar char="•"/>
+            </a:pPr>
+            <a:r>
+              <a:rPr lang="ru-RU" sz="2800" dirty="0">
+                <a:solidFill>
+                  <a:schemeClr val="tx1"/>
+                </a:solidFill>
+                <a:latin typeface="Times New Roman" panose="02020603050405020304" pitchFamily="18" charset="0"/>
+                <a:ea typeface="Times New Roman" panose="02020603050405020304" pitchFamily="18" charset="0"/>
+                <a:cs typeface="Times New Roman" panose="02020603050405020304" pitchFamily="18" charset="0"/>
+              </a:rPr>
+              <a:t>р</a:t>
+            </a:r>
+            <a:r>
+              <a:rPr lang="ru-RU" sz="2800" dirty="0">
+                <a:solidFill>
+                  <a:schemeClr val="tx1"/>
+                </a:solidFill>
+                <a:effectLst/>
+                <a:latin typeface="Times New Roman" panose="02020603050405020304" pitchFamily="18" charset="0"/>
+                <a:ea typeface="Times New Roman" panose="02020603050405020304" pitchFamily="18" charset="0"/>
+                <a:cs typeface="Times New Roman" panose="02020603050405020304" pitchFamily="18" charset="0"/>
+              </a:rPr>
+              <a:t>остом рынка мобильной связи</a:t>
+            </a:r>
+          </a:p>
+          <a:p>
+            <a:pPr marL="457200" indent="-457200" algn="l">
+              <a:lnSpc>
+                <a:spcPct val="120000"/>
+              </a:lnSpc>
+              <a:spcBef>
+                <a:spcPts val="600"/>
+              </a:spcBef>
+              <a:buFont typeface="Arial" panose="020B0604020202020204" pitchFamily="34" charset="0"/>
+              <a:buChar char="•"/>
+            </a:pPr>
+            <a:r>
+              <a:rPr lang="ru-RU" sz="2800" dirty="0">
+                <a:solidFill>
+                  <a:schemeClr val="tx1"/>
+                </a:solidFill>
+                <a:latin typeface="Times New Roman" panose="02020603050405020304" pitchFamily="18" charset="0"/>
+                <a:ea typeface="Times New Roman" panose="02020603050405020304" pitchFamily="18" charset="0"/>
+                <a:cs typeface="Times New Roman" panose="02020603050405020304" pitchFamily="18" charset="0"/>
+              </a:rPr>
+              <a:t>м</a:t>
+            </a:r>
+            <a:r>
+              <a:rPr lang="ru-RU" sz="2800" dirty="0">
+                <a:solidFill>
+                  <a:schemeClr val="tx1"/>
+                </a:solidFill>
+                <a:effectLst/>
+                <a:latin typeface="Times New Roman" panose="02020603050405020304" pitchFamily="18" charset="0"/>
+                <a:ea typeface="Times New Roman" panose="02020603050405020304" pitchFamily="18" charset="0"/>
+                <a:cs typeface="Times New Roman" panose="02020603050405020304" pitchFamily="18" charset="0"/>
+              </a:rPr>
+              <a:t>ногообразием тарифов и услуг</a:t>
+            </a:r>
+          </a:p>
+          <a:p>
+            <a:pPr marL="457200" indent="-457200" algn="l">
+              <a:lnSpc>
+                <a:spcPct val="120000"/>
+              </a:lnSpc>
+              <a:spcBef>
+                <a:spcPts val="600"/>
+              </a:spcBef>
+              <a:buFont typeface="Arial" panose="020B0604020202020204" pitchFamily="34" charset="0"/>
+              <a:buChar char="•"/>
+            </a:pPr>
+            <a:r>
+              <a:rPr lang="ru-RU" sz="2800" dirty="0">
+                <a:solidFill>
+                  <a:schemeClr val="tx1"/>
+                </a:solidFill>
+                <a:latin typeface="Times New Roman" panose="02020603050405020304" pitchFamily="18" charset="0"/>
+                <a:ea typeface="Times New Roman" panose="02020603050405020304" pitchFamily="18" charset="0"/>
+                <a:cs typeface="Times New Roman" panose="02020603050405020304" pitchFamily="18" charset="0"/>
+              </a:rPr>
+              <a:t>с</a:t>
+            </a:r>
+            <a:r>
+              <a:rPr lang="ru-RU" sz="2800" dirty="0">
+                <a:solidFill>
+                  <a:schemeClr val="tx1"/>
+                </a:solidFill>
+                <a:effectLst/>
+                <a:latin typeface="Times New Roman" panose="02020603050405020304" pitchFamily="18" charset="0"/>
+                <a:ea typeface="Times New Roman" panose="02020603050405020304" pitchFamily="18" charset="0"/>
+                <a:cs typeface="Times New Roman" panose="02020603050405020304" pitchFamily="18" charset="0"/>
+              </a:rPr>
+              <a:t>тремлением потребителей получить услуги по оптимальным ценам</a:t>
+            </a:r>
+          </a:p>
+          <a:p>
+            <a:pPr marL="457200" indent="-457200" algn="l">
+              <a:lnSpc>
+                <a:spcPct val="120000"/>
+              </a:lnSpc>
+              <a:spcBef>
+                <a:spcPts val="600"/>
+              </a:spcBef>
+              <a:buFont typeface="Arial" panose="020B0604020202020204" pitchFamily="34" charset="0"/>
+              <a:buChar char="•"/>
+            </a:pPr>
+            <a:r>
+              <a:rPr lang="ru-RU" sz="2800" dirty="0">
+                <a:solidFill>
+                  <a:schemeClr val="tx1"/>
+                </a:solidFill>
+                <a:latin typeface="Times New Roman" panose="02020603050405020304" pitchFamily="18" charset="0"/>
+                <a:ea typeface="Times New Roman" panose="02020603050405020304" pitchFamily="18" charset="0"/>
+                <a:cs typeface="Times New Roman" panose="02020603050405020304" pitchFamily="18" charset="0"/>
+              </a:rPr>
+              <a:t>цифровизацией и онлайн-сервисами</a:t>
+            </a:r>
+            <a:endParaRPr lang="ru-RU" sz="2800" dirty="0">
+              <a:solidFill>
+                <a:schemeClr val="tx1"/>
+              </a:solidFill>
+              <a:effectLst/>
+              <a:latin typeface="Times New Roman" panose="02020603050405020304" pitchFamily="18" charset="0"/>
+              <a:ea typeface="Times New Roman" panose="02020603050405020304" pitchFamily="18" charset="0"/>
+              <a:cs typeface="Times New Roman" panose="02020603050405020304" pitchFamily="18" charset="0"/>
+            </a:endParaRPr>
+          </a:p>
+          <a:p>
+            <a:pPr marL="457200" indent="-457200" algn="l">
+              <a:lnSpc>
+                <a:spcPct val="120000"/>
+              </a:lnSpc>
+              <a:spcBef>
+                <a:spcPts val="600"/>
+              </a:spcBef>
+              <a:buFont typeface="Arial" panose="020B0604020202020204" pitchFamily="34" charset="0"/>
+              <a:buChar char="•"/>
+            </a:pPr>
+            <a:r>
+              <a:rPr lang="ru-RU" sz="2800" dirty="0">
+                <a:solidFill>
+                  <a:schemeClr val="tx1"/>
+                </a:solidFill>
+                <a:latin typeface="Times New Roman" panose="02020603050405020304" pitchFamily="18" charset="0"/>
+                <a:ea typeface="Times New Roman" panose="02020603050405020304" pitchFamily="18" charset="0"/>
+                <a:cs typeface="Times New Roman" panose="02020603050405020304" pitchFamily="18" charset="0"/>
+              </a:rPr>
+              <a:t>отсутствием качественных существующих решений</a:t>
+            </a:r>
+            <a:endParaRPr lang="ru-RU" sz="2800" dirty="0">
+              <a:solidFill>
+                <a:schemeClr val="tx1"/>
+              </a:solidFill>
+              <a:effectLst/>
+              <a:latin typeface="Times New Roman" panose="02020603050405020304" pitchFamily="18" charset="0"/>
+              <a:ea typeface="Times New Roman" panose="02020603050405020304" pitchFamily="18" charset="0"/>
+              <a:cs typeface="Times New Roman" panose="02020603050405020304" pitchFamily="18" charset="0"/>
+            </a:endParaRPr>
+          </a:p>
+        </p:txBody>
+      </p:sp>
+    </p:spTree>
+    <p:extLst>
+      <p:ext uri="{BB962C8B-B14F-4D97-AF65-F5344CB8AC3E}">
+        <p14:creationId xmlns:p14="http://schemas.microsoft.com/office/powerpoint/2010/main" val="1053462166"/>
+      </p:ext>
+    </p:extLst>
+  </p:cSld>
+  <p:clrMapOvr>
+    <a:masterClrMapping/>
+  </p:clrMapOvr>
+</p:sld>
+</file>
+
+<file path=ppt/slides/slide3.xml><?xml version="1.0" encoding="utf-8"?>
+<p:sld xmlns:a="http://schemas.openxmlformats.org/drawingml/2006/main" xmlns:r="http://schemas.openxmlformats.org/officeDocument/2006/relationships" xmlns:p="http://schemas.openxmlformats.org/presentationml/2006/main">
+  <p:cSld>
+    <p:spTree>
+      <p:nvGrpSpPr>
+        <p:cNvPr id="1" name=""/>
+        <p:cNvGrpSpPr/>
+        <p:nvPr/>
+      </p:nvGrpSpPr>
+      <p:grpSpPr>
+        <a:xfrm>
+          <a:off x="0" y="0"/>
+          <a:ext cx="0" cy="0"/>
+          <a:chOff x="0" y="0"/>
+          <a:chExt cx="0" cy="0"/>
+        </a:xfrm>
+      </p:grpSpPr>
+      <p:sp>
+        <p:nvSpPr>
+          <p:cNvPr id="2" name="Заголовок 1"/>
+          <p:cNvSpPr>
+            <a:spLocks noGrp="1"/>
+          </p:cNvSpPr>
+          <p:nvPr>
+            <p:ph type="ctrTitle"/>
+          </p:nvPr>
+        </p:nvSpPr>
+        <p:spPr>
+          <a:xfrm>
+            <a:off x="467544" y="188640"/>
+            <a:ext cx="8136904" cy="648071"/>
+          </a:xfrm>
+        </p:spPr>
+        <p:txBody>
+          <a:bodyPr>
+            <a:noAutofit/>
+          </a:bodyPr>
+          <a:lstStyle/>
+          <a:p>
+            <a:r>
+              <a:rPr lang="ru-RU" sz="3600" dirty="0">
+                <a:latin typeface="Times New Roman" panose="02020603050405020304" pitchFamily="18" charset="0"/>
+                <a:cs typeface="Times New Roman" panose="02020603050405020304" pitchFamily="18" charset="0"/>
+              </a:rPr>
+              <a:t>Цель работы и задачи исследования</a:t>
+            </a:r>
+          </a:p>
+        </p:txBody>
+      </p:sp>
+      <p:sp>
+        <p:nvSpPr>
+          <p:cNvPr id="3" name="Подзаголовок 2"/>
+          <p:cNvSpPr>
+            <a:spLocks noGrp="1"/>
+          </p:cNvSpPr>
+          <p:nvPr>
+            <p:ph type="subTitle" idx="1"/>
+          </p:nvPr>
+        </p:nvSpPr>
+        <p:spPr>
+          <a:xfrm>
+            <a:off x="498190" y="1340768"/>
+            <a:ext cx="8106258" cy="5112568"/>
+          </a:xfrm>
+        </p:spPr>
+        <p:txBody>
+          <a:bodyPr anchor="ctr">
+            <a:noAutofit/>
+          </a:bodyPr>
+          <a:lstStyle/>
+          <a:p>
+            <a:pPr indent="450215" algn="just">
+              <a:lnSpc>
+                <a:spcPct val="150000"/>
+              </a:lnSpc>
+            </a:pPr>
+            <a:r>
+              <a:rPr lang="ru-RU" sz="1800" b="1" dirty="0">
+                <a:solidFill>
+                  <a:schemeClr val="tx1"/>
+                </a:solidFill>
+                <a:latin typeface="Times New Roman" panose="02020603050405020304" pitchFamily="18" charset="0"/>
+                <a:cs typeface="Times New Roman" panose="02020603050405020304" pitchFamily="18" charset="0"/>
+              </a:rPr>
+              <a:t>Цель работы: </a:t>
+            </a:r>
+            <a:r>
+              <a:rPr lang="ru-RU" sz="1800" dirty="0">
+                <a:solidFill>
+                  <a:schemeClr val="tx1"/>
+                </a:solidFill>
+                <a:effectLst/>
+                <a:latin typeface="Times New Roman" panose="02020603050405020304" pitchFamily="18" charset="0"/>
+                <a:ea typeface="Times New Roman" panose="02020603050405020304" pitchFamily="18" charset="0"/>
+                <a:cs typeface="Times New Roman" panose="02020603050405020304" pitchFamily="18" charset="0"/>
+              </a:rPr>
+              <a:t>предоставление пользователям удобного интерфейса для выбора актуального и подходящего под личные нужны тарифного плана в Волгоградской области.</a:t>
+            </a:r>
+            <a:endParaRPr lang="ru-RU" sz="1800" dirty="0">
+              <a:solidFill>
+                <a:schemeClr val="tx1"/>
+              </a:solidFill>
+              <a:latin typeface="Times New Roman" panose="02020603050405020304" pitchFamily="18" charset="0"/>
+              <a:cs typeface="Times New Roman" panose="02020603050405020304" pitchFamily="18" charset="0"/>
+            </a:endParaRPr>
+          </a:p>
+          <a:p>
+            <a:pPr algn="just"/>
+            <a:r>
+              <a:rPr lang="en-US" sz="1800" b="1" dirty="0">
+                <a:solidFill>
+                  <a:schemeClr val="tx1"/>
+                </a:solidFill>
+                <a:latin typeface="Times New Roman" panose="02020603050405020304" pitchFamily="18" charset="0"/>
+                <a:cs typeface="Times New Roman" panose="02020603050405020304" pitchFamily="18" charset="0"/>
+              </a:rPr>
+              <a:t>      </a:t>
+            </a:r>
+            <a:r>
+              <a:rPr lang="ru-RU" sz="1800" b="1" dirty="0">
+                <a:solidFill>
+                  <a:schemeClr val="tx1"/>
+                </a:solidFill>
+                <a:latin typeface="Times New Roman" panose="02020603050405020304" pitchFamily="18" charset="0"/>
+                <a:cs typeface="Times New Roman" panose="02020603050405020304" pitchFamily="18" charset="0"/>
+              </a:rPr>
+              <a:t>Задачи:</a:t>
+            </a:r>
+          </a:p>
+          <a:p>
+            <a:pPr marL="342900" indent="-342900" algn="just">
+              <a:lnSpc>
+                <a:spcPct val="150000"/>
+              </a:lnSpc>
+              <a:buFont typeface="Arial" panose="020B0604020202020204" pitchFamily="34" charset="0"/>
+              <a:buChar char="•"/>
+            </a:pPr>
+            <a:r>
+              <a:rPr lang="ru-RU" sz="1800" dirty="0">
+                <a:solidFill>
+                  <a:schemeClr val="tx1"/>
+                </a:solidFill>
+                <a:effectLst/>
+                <a:latin typeface="Times New Roman" panose="02020603050405020304" pitchFamily="18" charset="0"/>
+                <a:ea typeface="Times New Roman" panose="02020603050405020304" pitchFamily="18" charset="0"/>
+                <a:cs typeface="Times New Roman" panose="02020603050405020304" pitchFamily="18" charset="0"/>
+              </a:rPr>
+              <a:t>произвести анализ предметной области;</a:t>
+            </a:r>
+          </a:p>
+          <a:p>
+            <a:pPr marL="342900" indent="-342900" algn="just">
+              <a:lnSpc>
+                <a:spcPct val="150000"/>
+              </a:lnSpc>
+              <a:buFont typeface="Arial" panose="020B0604020202020204" pitchFamily="34" charset="0"/>
+              <a:buChar char="•"/>
+            </a:pPr>
+            <a:r>
+              <a:rPr lang="ru-RU" sz="1800" dirty="0">
+                <a:solidFill>
+                  <a:schemeClr val="tx1"/>
+                </a:solidFill>
+                <a:effectLst/>
+                <a:latin typeface="Times New Roman" panose="02020603050405020304" pitchFamily="18" charset="0"/>
+                <a:ea typeface="Times New Roman" panose="02020603050405020304" pitchFamily="18" charset="0"/>
+                <a:cs typeface="Times New Roman" panose="02020603050405020304" pitchFamily="18" charset="0"/>
+              </a:rPr>
+              <a:t>произвести обзор существующих аналогов и выявить их основные преимущества и недостатки;</a:t>
+            </a:r>
+          </a:p>
+          <a:p>
+            <a:pPr marL="342900" indent="-342900" algn="just">
+              <a:lnSpc>
+                <a:spcPct val="150000"/>
+              </a:lnSpc>
+              <a:buFont typeface="Arial" panose="020B0604020202020204" pitchFamily="34" charset="0"/>
+              <a:buChar char="•"/>
+            </a:pPr>
+            <a:r>
+              <a:rPr lang="ru-RU" sz="1800" dirty="0">
+                <a:solidFill>
+                  <a:schemeClr val="tx1"/>
+                </a:solidFill>
+                <a:effectLst/>
+                <a:latin typeface="Times New Roman" panose="02020603050405020304" pitchFamily="18" charset="0"/>
+                <a:ea typeface="Times New Roman" panose="02020603050405020304" pitchFamily="18" charset="0"/>
+                <a:cs typeface="Times New Roman" panose="02020603050405020304" pitchFamily="18" charset="0"/>
+              </a:rPr>
+              <a:t>определить требования к разрабатываемому веб-сервису;</a:t>
+            </a:r>
+          </a:p>
+          <a:p>
+            <a:pPr marL="342900" indent="-342900" algn="just">
+              <a:lnSpc>
+                <a:spcPct val="150000"/>
+              </a:lnSpc>
+              <a:buFont typeface="Arial" panose="020B0604020202020204" pitchFamily="34" charset="0"/>
+              <a:buChar char="•"/>
+            </a:pPr>
+            <a:r>
+              <a:rPr lang="ru-RU" sz="1800" dirty="0">
+                <a:solidFill>
+                  <a:schemeClr val="tx1"/>
+                </a:solidFill>
+                <a:effectLst/>
+                <a:latin typeface="Times New Roman" panose="02020603050405020304" pitchFamily="18" charset="0"/>
+                <a:ea typeface="Times New Roman" panose="02020603050405020304" pitchFamily="18" charset="0"/>
+                <a:cs typeface="Times New Roman" panose="02020603050405020304" pitchFamily="18" charset="0"/>
+              </a:rPr>
+              <a:t>произвести проектирование базы данных;</a:t>
+            </a:r>
+          </a:p>
+          <a:p>
+            <a:pPr marL="342900" indent="-342900" algn="just">
+              <a:lnSpc>
+                <a:spcPct val="150000"/>
+              </a:lnSpc>
+              <a:buFont typeface="Arial" panose="020B0604020202020204" pitchFamily="34" charset="0"/>
+              <a:buChar char="•"/>
+            </a:pPr>
+            <a:r>
+              <a:rPr lang="ru-RU" sz="1800" dirty="0">
+                <a:solidFill>
+                  <a:schemeClr val="tx1"/>
+                </a:solidFill>
+                <a:effectLst/>
+                <a:latin typeface="Times New Roman" panose="02020603050405020304" pitchFamily="18" charset="0"/>
+                <a:ea typeface="Times New Roman" panose="02020603050405020304" pitchFamily="18" charset="0"/>
+                <a:cs typeface="Times New Roman" panose="02020603050405020304" pitchFamily="18" charset="0"/>
+              </a:rPr>
+              <a:t>протестировать работоспособность разработанного веб-сервиса.</a:t>
+            </a:r>
+          </a:p>
+        </p:txBody>
+      </p:sp>
+    </p:spTree>
+    <p:extLst>
+      <p:ext uri="{BB962C8B-B14F-4D97-AF65-F5344CB8AC3E}">
+        <p14:creationId xmlns:p14="http://schemas.microsoft.com/office/powerpoint/2010/main" val="2550941481"/>
+      </p:ext>
+    </p:extLst>
+  </p:cSld>
+  <p:clrMapOvr>
+    <a:masterClrMapping/>
+  </p:clrMapOvr>
+</p:sld>
+</file>
+
+<file path=ppt/slides/slide4.xml><?xml version="1.0" encoding="utf-8"?>
+<p:sld xmlns:a="http://schemas.openxmlformats.org/drawingml/2006/main" xmlns:r="http://schemas.openxmlformats.org/officeDocument/2006/relationships" xmlns:p="http://schemas.openxmlformats.org/presentationml/2006/main">
+  <p:cSld>
+    <p:spTree>
+      <p:nvGrpSpPr>
+        <p:cNvPr id="1" name=""/>
+        <p:cNvGrpSpPr/>
+        <p:nvPr/>
+      </p:nvGrpSpPr>
+      <p:grpSpPr>
+        <a:xfrm>
+          <a:off x="0" y="0"/>
+          <a:ext cx="0" cy="0"/>
+          <a:chOff x="0" y="0"/>
+          <a:chExt cx="0" cy="0"/>
+        </a:xfrm>
+      </p:grpSpPr>
+      <p:sp>
+        <p:nvSpPr>
+          <p:cNvPr id="2" name="Заголовок 1"/>
+          <p:cNvSpPr>
+            <a:spLocks noGrp="1"/>
+          </p:cNvSpPr>
+          <p:nvPr>
+            <p:ph type="ctrTitle"/>
+          </p:nvPr>
+        </p:nvSpPr>
+        <p:spPr>
+          <a:xfrm>
+            <a:off x="467544" y="188640"/>
+            <a:ext cx="8136904" cy="648071"/>
+          </a:xfrm>
+        </p:spPr>
+        <p:txBody>
+          <a:bodyPr>
+            <a:normAutofit/>
+          </a:bodyPr>
+          <a:lstStyle/>
+          <a:p>
+            <a:r>
+              <a:rPr lang="ru-RU" sz="3600" dirty="0">
+                <a:latin typeface="Times New Roman" panose="02020603050405020304" pitchFamily="18" charset="0"/>
+                <a:cs typeface="Times New Roman" panose="02020603050405020304" pitchFamily="18" charset="0"/>
+              </a:rPr>
+              <a:t>Объект</a:t>
+            </a:r>
+            <a:r>
+              <a:rPr lang="en-US" sz="3600" dirty="0">
+                <a:latin typeface="Times New Roman" panose="02020603050405020304" pitchFamily="18" charset="0"/>
+                <a:cs typeface="Times New Roman" panose="02020603050405020304" pitchFamily="18" charset="0"/>
+              </a:rPr>
+              <a:t> </a:t>
+            </a:r>
+            <a:r>
+              <a:rPr lang="ru-RU" sz="3600" dirty="0">
+                <a:latin typeface="Times New Roman" panose="02020603050405020304" pitchFamily="18" charset="0"/>
+                <a:cs typeface="Times New Roman" panose="02020603050405020304" pitchFamily="18" charset="0"/>
+              </a:rPr>
+              <a:t>и предмет исследования</a:t>
+            </a:r>
+          </a:p>
+        </p:txBody>
+      </p:sp>
+      <p:sp>
+        <p:nvSpPr>
+          <p:cNvPr id="3" name="Подзаголовок 2"/>
+          <p:cNvSpPr>
+            <a:spLocks noGrp="1"/>
+          </p:cNvSpPr>
+          <p:nvPr>
+            <p:ph type="subTitle" idx="1"/>
+          </p:nvPr>
+        </p:nvSpPr>
+        <p:spPr>
+          <a:xfrm>
+            <a:off x="498190" y="908720"/>
+            <a:ext cx="8106258" cy="5328592"/>
+          </a:xfrm>
+        </p:spPr>
+        <p:txBody>
+          <a:bodyPr anchor="ctr">
+            <a:normAutofit/>
+          </a:bodyPr>
+          <a:lstStyle/>
+          <a:p>
+            <a:pPr indent="450215" algn="just">
+              <a:lnSpc>
+                <a:spcPct val="150000"/>
+              </a:lnSpc>
+            </a:pPr>
+            <a:r>
+              <a:rPr lang="ru-RU" sz="2400" b="1" dirty="0">
+                <a:solidFill>
+                  <a:schemeClr val="tx1"/>
+                </a:solidFill>
+                <a:effectLst/>
+                <a:latin typeface="Times New Roman" panose="02020603050405020304" pitchFamily="18" charset="0"/>
+                <a:ea typeface="Times New Roman" panose="02020603050405020304" pitchFamily="18" charset="0"/>
+                <a:cs typeface="Times New Roman" panose="02020603050405020304" pitchFamily="18" charset="0"/>
+              </a:rPr>
+              <a:t>Объектом исследования</a:t>
+            </a:r>
+            <a:r>
+              <a:rPr lang="ru-RU" sz="2400" b="1" dirty="0">
+                <a:solidFill>
+                  <a:schemeClr val="tx1"/>
+                </a:solidFill>
+                <a:latin typeface="Times New Roman" panose="02020603050405020304" pitchFamily="18" charset="0"/>
+                <a:ea typeface="Times New Roman" panose="02020603050405020304" pitchFamily="18" charset="0"/>
+                <a:cs typeface="Times New Roman" panose="02020603050405020304" pitchFamily="18" charset="0"/>
+              </a:rPr>
+              <a:t> </a:t>
+            </a:r>
+            <a:r>
+              <a:rPr lang="ru-RU" sz="2400" dirty="0">
+                <a:solidFill>
+                  <a:schemeClr val="tx1"/>
+                </a:solidFill>
+                <a:latin typeface="Times New Roman" panose="02020603050405020304" pitchFamily="18" charset="0"/>
+                <a:ea typeface="Times New Roman" panose="02020603050405020304" pitchFamily="18" charset="0"/>
+                <a:cs typeface="Times New Roman" panose="02020603050405020304" pitchFamily="18" charset="0"/>
+              </a:rPr>
+              <a:t>является рынок мобильной связи в Волгоградской области</a:t>
+            </a:r>
+            <a:r>
+              <a:rPr lang="ru-RU" sz="2400" dirty="0">
+                <a:solidFill>
+                  <a:schemeClr val="tx1"/>
+                </a:solidFill>
+                <a:effectLst/>
+                <a:latin typeface="Times New Roman" panose="02020603050405020304" pitchFamily="18" charset="0"/>
+                <a:ea typeface="Times New Roman" panose="02020603050405020304" pitchFamily="18" charset="0"/>
+                <a:cs typeface="Times New Roman" panose="02020603050405020304" pitchFamily="18" charset="0"/>
+              </a:rPr>
+              <a:t>.</a:t>
+            </a:r>
+          </a:p>
+          <a:p>
+            <a:pPr indent="450215" algn="just">
+              <a:lnSpc>
+                <a:spcPct val="150000"/>
+              </a:lnSpc>
+            </a:pPr>
+            <a:endParaRPr lang="ru-RU" sz="2400" dirty="0">
+              <a:solidFill>
+                <a:schemeClr val="tx1"/>
+              </a:solidFill>
+              <a:latin typeface="Times New Roman" panose="02020603050405020304" pitchFamily="18" charset="0"/>
+              <a:ea typeface="Times New Roman" panose="02020603050405020304" pitchFamily="18" charset="0"/>
+              <a:cs typeface="Times New Roman" panose="02020603050405020304" pitchFamily="18" charset="0"/>
+            </a:endParaRPr>
+          </a:p>
+          <a:p>
+            <a:pPr indent="450215" algn="just">
+              <a:lnSpc>
+                <a:spcPct val="150000"/>
+              </a:lnSpc>
+            </a:pPr>
+            <a:r>
+              <a:rPr lang="ru-RU" sz="2400" b="1" dirty="0">
+                <a:solidFill>
+                  <a:schemeClr val="tx1"/>
+                </a:solidFill>
+                <a:effectLst/>
+                <a:latin typeface="Times New Roman" panose="02020603050405020304" pitchFamily="18" charset="0"/>
+                <a:ea typeface="Times New Roman" panose="02020603050405020304" pitchFamily="18" charset="0"/>
+                <a:cs typeface="Times New Roman" panose="02020603050405020304" pitchFamily="18" charset="0"/>
+              </a:rPr>
+              <a:t>Предметом исследования</a:t>
+            </a:r>
+            <a:r>
+              <a:rPr lang="ru-RU" sz="2400" dirty="0">
+                <a:solidFill>
+                  <a:schemeClr val="tx1"/>
+                </a:solidFill>
+                <a:effectLst/>
+                <a:latin typeface="Times New Roman" panose="02020603050405020304" pitchFamily="18" charset="0"/>
+                <a:ea typeface="Times New Roman" panose="02020603050405020304" pitchFamily="18" charset="0"/>
+                <a:cs typeface="Times New Roman" panose="02020603050405020304" pitchFamily="18" charset="0"/>
+              </a:rPr>
+              <a:t> является процесс создания веб-сервиса, который обеспечивает удобство</a:t>
+            </a:r>
+            <a:r>
+              <a:rPr lang="ru-RU" sz="2400" dirty="0">
+                <a:solidFill>
+                  <a:schemeClr val="tx1"/>
+                </a:solidFill>
+                <a:latin typeface="Times New Roman" panose="02020603050405020304" pitchFamily="18" charset="0"/>
+                <a:ea typeface="Times New Roman" panose="02020603050405020304" pitchFamily="18" charset="0"/>
+                <a:cs typeface="Times New Roman" panose="02020603050405020304" pitchFamily="18" charset="0"/>
+              </a:rPr>
+              <a:t> в выборе тарифного плана</a:t>
+            </a:r>
+            <a:r>
+              <a:rPr lang="en-US" sz="2400" dirty="0">
+                <a:solidFill>
+                  <a:schemeClr val="tx1"/>
+                </a:solidFill>
+                <a:latin typeface="Times New Roman" panose="02020603050405020304" pitchFamily="18" charset="0"/>
+                <a:ea typeface="Times New Roman" panose="02020603050405020304" pitchFamily="18" charset="0"/>
+                <a:cs typeface="Times New Roman" panose="02020603050405020304" pitchFamily="18" charset="0"/>
+              </a:rPr>
+              <a:t>,</a:t>
+            </a:r>
+            <a:r>
+              <a:rPr lang="ru-RU" sz="2400" dirty="0">
+                <a:solidFill>
+                  <a:schemeClr val="tx1"/>
+                </a:solidFill>
+                <a:latin typeface="Times New Roman" panose="02020603050405020304" pitchFamily="18" charset="0"/>
+                <a:ea typeface="Times New Roman" panose="02020603050405020304" pitchFamily="18" charset="0"/>
+                <a:cs typeface="Times New Roman" panose="02020603050405020304" pitchFamily="18" charset="0"/>
+              </a:rPr>
+              <a:t> подходящего под личные нужды пользователя</a:t>
+            </a:r>
+            <a:r>
+              <a:rPr lang="ru-RU" sz="2400" dirty="0">
+                <a:solidFill>
+                  <a:schemeClr val="tx1"/>
+                </a:solidFill>
+                <a:effectLst/>
+                <a:latin typeface="Times New Roman" panose="02020603050405020304" pitchFamily="18" charset="0"/>
+                <a:ea typeface="Times New Roman" panose="02020603050405020304" pitchFamily="18" charset="0"/>
+                <a:cs typeface="Times New Roman" panose="02020603050405020304" pitchFamily="18" charset="0"/>
+              </a:rPr>
+              <a:t>.</a:t>
+            </a:r>
+          </a:p>
+          <a:p>
+            <a:pPr indent="450215" algn="just">
+              <a:lnSpc>
+                <a:spcPct val="150000"/>
+              </a:lnSpc>
+            </a:pPr>
+            <a:endParaRPr lang="ru-RU" sz="2400" dirty="0">
+              <a:solidFill>
+                <a:schemeClr val="tx1"/>
+              </a:solidFill>
+              <a:effectLst/>
+              <a:latin typeface="Times New Roman" panose="02020603050405020304" pitchFamily="18" charset="0"/>
+              <a:ea typeface="Times New Roman" panose="02020603050405020304" pitchFamily="18" charset="0"/>
+              <a:cs typeface="Times New Roman" panose="02020603050405020304" pitchFamily="18" charset="0"/>
+            </a:endParaRPr>
+          </a:p>
+        </p:txBody>
+      </p:sp>
+    </p:spTree>
+    <p:extLst>
+      <p:ext uri="{BB962C8B-B14F-4D97-AF65-F5344CB8AC3E}">
+        <p14:creationId xmlns:p14="http://schemas.microsoft.com/office/powerpoint/2010/main" val="4098215581"/>
+      </p:ext>
+    </p:extLst>
+  </p:cSld>
+  <p:clrMapOvr>
+    <a:masterClrMapping/>
+  </p:clrMapOvr>
+</p:sld>
+</file>
+
+<file path=ppt/slides/slide5.xml><?xml version="1.0" encoding="utf-8"?>
+<p:sld xmlns:a="http://schemas.openxmlformats.org/drawingml/2006/main" xmlns:r="http://schemas.openxmlformats.org/officeDocument/2006/relationships" xmlns:p="http://schemas.openxmlformats.org/presentationml/2006/main">
+  <p:cSld>
+    <p:spTree>
+      <p:nvGrpSpPr>
+        <p:cNvPr id="1" name=""/>
+        <p:cNvGrpSpPr/>
+        <p:nvPr/>
+      </p:nvGrpSpPr>
+      <p:grpSpPr>
+        <a:xfrm>
+          <a:off x="0" y="0"/>
+          <a:ext cx="0" cy="0"/>
+          <a:chOff x="0" y="0"/>
+          <a:chExt cx="0" cy="0"/>
+        </a:xfrm>
+      </p:grpSpPr>
+      <p:sp>
+        <p:nvSpPr>
+          <p:cNvPr id="2" name="Заголовок 1"/>
+          <p:cNvSpPr>
+            <a:spLocks noGrp="1"/>
+          </p:cNvSpPr>
+          <p:nvPr>
+            <p:ph type="ctrTitle"/>
+          </p:nvPr>
+        </p:nvSpPr>
+        <p:spPr>
+          <a:xfrm>
+            <a:off x="467544" y="188640"/>
+            <a:ext cx="8136904" cy="648071"/>
+          </a:xfrm>
+        </p:spPr>
+        <p:txBody>
+          <a:bodyPr>
+            <a:noAutofit/>
+          </a:bodyPr>
+          <a:lstStyle/>
+          <a:p>
+            <a:r>
+              <a:rPr lang="ru-RU" sz="3600" dirty="0">
+                <a:latin typeface="Times New Roman" panose="02020603050405020304" pitchFamily="18" charset="0"/>
+                <a:cs typeface="Times New Roman" panose="02020603050405020304" pitchFamily="18" charset="0"/>
+              </a:rPr>
+              <a:t>Описание</a:t>
+            </a:r>
+            <a:r>
+              <a:rPr lang="ru-RU" sz="3600" dirty="0"/>
+              <a:t> проблемы</a:t>
+            </a:r>
+          </a:p>
+        </p:txBody>
+      </p:sp>
+      <p:sp>
+        <p:nvSpPr>
+          <p:cNvPr id="3" name="Подзаголовок 2"/>
+          <p:cNvSpPr>
+            <a:spLocks noGrp="1"/>
+          </p:cNvSpPr>
+          <p:nvPr>
+            <p:ph type="subTitle" idx="1"/>
+          </p:nvPr>
+        </p:nvSpPr>
+        <p:spPr>
+          <a:xfrm>
+            <a:off x="498190" y="1340768"/>
+            <a:ext cx="8106258" cy="4896544"/>
+          </a:xfrm>
+        </p:spPr>
+        <p:txBody>
+          <a:bodyPr anchor="ctr">
+            <a:normAutofit/>
+          </a:bodyPr>
+          <a:lstStyle/>
+          <a:p>
+            <a:pPr algn="l"/>
+            <a:r>
+              <a:rPr lang="ru-RU" sz="2400" dirty="0">
+                <a:solidFill>
+                  <a:srgbClr val="000000"/>
+                </a:solidFill>
+                <a:latin typeface="Times New Roman" panose="02020603050405020304" pitchFamily="18" charset="0"/>
+                <a:cs typeface="Times New Roman" panose="02020603050405020304" pitchFamily="18" charset="0"/>
+              </a:rPr>
+              <a:t>Неудобство и затруднение пользователей при выборе оптимального тарифного плана мобильной связи из-за сложности сравнения большого количества предложений от различных операторов</a:t>
+            </a:r>
+            <a:r>
+              <a:rPr lang="ru-RU" sz="2400" b="0" i="0" dirty="0">
+                <a:solidFill>
+                  <a:srgbClr val="000000"/>
+                </a:solidFill>
+                <a:effectLst/>
+                <a:latin typeface="Times New Roman" panose="02020603050405020304" pitchFamily="18" charset="0"/>
+                <a:cs typeface="Times New Roman" panose="02020603050405020304" pitchFamily="18" charset="0"/>
+              </a:rPr>
+              <a:t>.</a:t>
+            </a:r>
+            <a:endParaRPr lang="en-US" sz="2400" b="0" i="0" dirty="0">
+              <a:solidFill>
+                <a:srgbClr val="000000"/>
+              </a:solidFill>
+              <a:effectLst/>
+              <a:latin typeface="Times New Roman" panose="02020603050405020304" pitchFamily="18" charset="0"/>
+              <a:cs typeface="Times New Roman" panose="02020603050405020304" pitchFamily="18" charset="0"/>
+            </a:endParaRPr>
+          </a:p>
+          <a:p>
+            <a:pPr algn="l"/>
+            <a:r>
+              <a:rPr lang="ru-RU" sz="2400" b="0" i="0" dirty="0">
+                <a:solidFill>
+                  <a:srgbClr val="000000"/>
+                </a:solidFill>
+                <a:effectLst/>
+                <a:latin typeface="Times New Roman" panose="02020603050405020304" pitchFamily="18" charset="0"/>
+                <a:cs typeface="Times New Roman" panose="02020603050405020304" pitchFamily="18" charset="0"/>
+              </a:rPr>
+              <a:t> </a:t>
+            </a:r>
+            <a:br>
+              <a:rPr lang="ru-RU" sz="2400" dirty="0">
+                <a:latin typeface="Times New Roman" panose="02020603050405020304" pitchFamily="18" charset="0"/>
+                <a:cs typeface="Times New Roman" panose="02020603050405020304" pitchFamily="18" charset="0"/>
+              </a:rPr>
+            </a:br>
+            <a:r>
+              <a:rPr lang="ru-RU" sz="2400" dirty="0">
+                <a:solidFill>
+                  <a:schemeClr val="tx1"/>
+                </a:solidFill>
+                <a:latin typeface="Times New Roman" panose="02020603050405020304" pitchFamily="18" charset="0"/>
+                <a:cs typeface="Times New Roman" panose="02020603050405020304" pitchFamily="18" charset="0"/>
+              </a:rPr>
+              <a:t>Отсутствие качественных платформ</a:t>
+            </a:r>
+            <a:r>
+              <a:rPr lang="en-US" sz="2400" dirty="0">
+                <a:solidFill>
+                  <a:schemeClr val="tx1"/>
+                </a:solidFill>
+                <a:latin typeface="Times New Roman" panose="02020603050405020304" pitchFamily="18" charset="0"/>
+                <a:cs typeface="Times New Roman" panose="02020603050405020304" pitchFamily="18" charset="0"/>
+              </a:rPr>
+              <a:t>, </a:t>
+            </a:r>
+            <a:r>
+              <a:rPr lang="ru-RU" sz="2400" dirty="0">
+                <a:solidFill>
+                  <a:schemeClr val="tx1"/>
+                </a:solidFill>
+                <a:latin typeface="Times New Roman" panose="02020603050405020304" pitchFamily="18" charset="0"/>
+                <a:cs typeface="Times New Roman" panose="02020603050405020304" pitchFamily="18" charset="0"/>
+              </a:rPr>
+              <a:t>на которых можно бы было сравнить различные тарифные планы и выбрать подходящий</a:t>
+            </a:r>
+            <a:r>
+              <a:rPr lang="en-US" sz="2400" dirty="0">
+                <a:solidFill>
+                  <a:schemeClr val="tx1"/>
+                </a:solidFill>
+                <a:latin typeface="Times New Roman" panose="02020603050405020304" pitchFamily="18" charset="0"/>
+                <a:cs typeface="Times New Roman" panose="02020603050405020304" pitchFamily="18" charset="0"/>
+              </a:rPr>
+              <a:t>,</a:t>
+            </a:r>
+            <a:r>
+              <a:rPr lang="ru-RU" sz="2400" dirty="0">
+                <a:solidFill>
+                  <a:schemeClr val="tx1"/>
+                </a:solidFill>
+                <a:latin typeface="Times New Roman" panose="02020603050405020304" pitchFamily="18" charset="0"/>
+                <a:cs typeface="Times New Roman" panose="02020603050405020304" pitchFamily="18" charset="0"/>
+              </a:rPr>
+              <a:t> исходя из личных предпочтений. </a:t>
+            </a:r>
+          </a:p>
+        </p:txBody>
+      </p:sp>
+    </p:spTree>
+    <p:extLst>
+      <p:ext uri="{BB962C8B-B14F-4D97-AF65-F5344CB8AC3E}">
+        <p14:creationId xmlns:p14="http://schemas.microsoft.com/office/powerpoint/2010/main" val="2081038248"/>
+      </p:ext>
+    </p:extLst>
+  </p:cSld>
+  <p:clrMapOvr>
+    <a:masterClrMapping/>
+  </p:clrMapOvr>
+</p:sld>
+</file>
+
+<file path=ppt/slides/slide6.xml><?xml version="1.0" encoding="utf-8"?>
+<p:sld xmlns:a="http://schemas.openxmlformats.org/drawingml/2006/main" xmlns:r="http://schemas.openxmlformats.org/officeDocument/2006/relationships" xmlns:p="http://schemas.openxmlformats.org/presentationml/2006/main">
+  <p:cSld>
+    <p:spTree>
+      <p:nvGrpSpPr>
+        <p:cNvPr id="1" name=""/>
+        <p:cNvGrpSpPr/>
+        <p:nvPr/>
+      </p:nvGrpSpPr>
+      <p:grpSpPr>
+        <a:xfrm>
+          <a:off x="0" y="0"/>
+          <a:ext cx="0" cy="0"/>
+          <a:chOff x="0" y="0"/>
+          <a:chExt cx="0" cy="0"/>
+        </a:xfrm>
+      </p:grpSpPr>
+      <p:sp>
+        <p:nvSpPr>
+          <p:cNvPr id="2" name="Заголовок 1"/>
+          <p:cNvSpPr>
+            <a:spLocks noGrp="1"/>
+          </p:cNvSpPr>
+          <p:nvPr>
+            <p:ph type="ctrTitle"/>
+          </p:nvPr>
+        </p:nvSpPr>
+        <p:spPr>
+          <a:xfrm>
+            <a:off x="467544" y="188640"/>
+            <a:ext cx="8136904" cy="648071"/>
+          </a:xfrm>
+        </p:spPr>
+        <p:txBody>
+          <a:bodyPr>
+            <a:normAutofit fontScale="90000"/>
+          </a:bodyPr>
+          <a:lstStyle/>
+          <a:p>
+            <a:r>
+              <a:rPr lang="ru-RU" dirty="0">
+                <a:latin typeface="Times New Roman" panose="02020603050405020304" pitchFamily="18" charset="0"/>
+                <a:cs typeface="Times New Roman" panose="02020603050405020304" pitchFamily="18" charset="0"/>
+              </a:rPr>
+              <a:t>Как ранее решалась проблема</a:t>
+            </a:r>
+          </a:p>
+        </p:txBody>
+      </p:sp>
+      <p:sp>
+        <p:nvSpPr>
+          <p:cNvPr id="3" name="Подзаголовок 2"/>
+          <p:cNvSpPr>
+            <a:spLocks noGrp="1"/>
+          </p:cNvSpPr>
+          <p:nvPr>
+            <p:ph type="subTitle" idx="1"/>
+          </p:nvPr>
+        </p:nvSpPr>
+        <p:spPr>
+          <a:xfrm>
+            <a:off x="498190" y="5877272"/>
+            <a:ext cx="8106258" cy="648070"/>
+          </a:xfrm>
+        </p:spPr>
+        <p:txBody>
+          <a:bodyPr>
+            <a:normAutofit/>
+          </a:bodyPr>
+          <a:lstStyle/>
+          <a:p>
+            <a:r>
+              <a:rPr lang="ru-RU" altLang="en-US" sz="2000" dirty="0">
+                <a:solidFill>
+                  <a:schemeClr val="tx1"/>
+                </a:solidFill>
+                <a:latin typeface="Times New Roman" panose="02020603050405020304" pitchFamily="18" charset="0"/>
+                <a:cs typeface="Times New Roman" panose="02020603050405020304" pitchFamily="18" charset="0"/>
+              </a:rPr>
+              <a:t>Схема </a:t>
+            </a:r>
+            <a:r>
+              <a:rPr lang="en-US" altLang="en-US" sz="2000" dirty="0">
+                <a:solidFill>
+                  <a:schemeClr val="tx1"/>
+                </a:solidFill>
+                <a:latin typeface="Times New Roman" panose="02020603050405020304" pitchFamily="18" charset="0"/>
+                <a:cs typeface="Times New Roman" panose="02020603050405020304" pitchFamily="18" charset="0"/>
+              </a:rPr>
+              <a:t>1</a:t>
+            </a:r>
+            <a:r>
+              <a:rPr lang="ru-RU" altLang="en-US" sz="2000" dirty="0">
+                <a:solidFill>
+                  <a:schemeClr val="tx1"/>
+                </a:solidFill>
+                <a:latin typeface="Times New Roman" panose="02020603050405020304" pitchFamily="18" charset="0"/>
+                <a:cs typeface="Times New Roman" panose="02020603050405020304" pitchFamily="18" charset="0"/>
+              </a:rPr>
+              <a:t>. </a:t>
+            </a:r>
+            <a:r>
+              <a:rPr lang="en-US" altLang="en-US" sz="2000" dirty="0">
+                <a:solidFill>
+                  <a:schemeClr val="tx1"/>
+                </a:solidFill>
+                <a:latin typeface="Times New Roman" panose="02020603050405020304" pitchFamily="18" charset="0"/>
+                <a:cs typeface="Times New Roman" panose="02020603050405020304" pitchFamily="18" charset="0"/>
+              </a:rPr>
+              <a:t>idef0 as is</a:t>
+            </a:r>
+            <a:endParaRPr lang="ru-RU" sz="2000" dirty="0">
+              <a:latin typeface="Times New Roman" panose="02020603050405020304" pitchFamily="18" charset="0"/>
+              <a:cs typeface="Times New Roman" panose="02020603050405020304" pitchFamily="18" charset="0"/>
+            </a:endParaRPr>
+          </a:p>
+        </p:txBody>
+      </p:sp>
+      <p:pic>
+        <p:nvPicPr>
+          <p:cNvPr id="6" name="Рисунок 5">
+            <a:extLst>
+              <a:ext uri="{FF2B5EF4-FFF2-40B4-BE49-F238E27FC236}">
+                <a16:creationId xmlns:a16="http://schemas.microsoft.com/office/drawing/2014/main" id="{0AC609A8-DE33-075B-0120-5526E8058A4D}"/>
+              </a:ext>
+            </a:extLst>
+          </p:cNvPr>
+          <p:cNvPicPr>
+            <a:picLocks noChangeAspect="1"/>
+          </p:cNvPicPr>
+          <p:nvPr/>
+        </p:nvPicPr>
+        <p:blipFill>
+          <a:blip r:embed="rId2"/>
+          <a:stretch>
+            <a:fillRect/>
+          </a:stretch>
+        </p:blipFill>
+        <p:spPr>
+          <a:xfrm>
+            <a:off x="0" y="2573919"/>
+            <a:ext cx="9144000" cy="1710161"/>
+          </a:xfrm>
+          <a:prstGeom prst="rect">
+            <a:avLst/>
+          </a:prstGeom>
+        </p:spPr>
+      </p:pic>
+    </p:spTree>
+    <p:extLst>
+      <p:ext uri="{BB962C8B-B14F-4D97-AF65-F5344CB8AC3E}">
+        <p14:creationId xmlns:p14="http://schemas.microsoft.com/office/powerpoint/2010/main" val="3055209718"/>
+      </p:ext>
+    </p:extLst>
+  </p:cSld>
+  <p:clrMapOvr>
+    <a:masterClrMapping/>
+  </p:clrMapOvr>
+</p:sld>
+</file>
+
+<file path=ppt/slides/slide7.xml><?xml version="1.0" encoding="utf-8"?>
+<p:sld xmlns:a="http://schemas.openxmlformats.org/drawingml/2006/main" xmlns:r="http://schemas.openxmlformats.org/officeDocument/2006/relationships" xmlns:p="http://schemas.openxmlformats.org/presentationml/2006/main">
+  <p:cSld>
+    <p:spTree>
+      <p:nvGrpSpPr>
+        <p:cNvPr id="1" name=""/>
+        <p:cNvGrpSpPr/>
+        <p:nvPr/>
+      </p:nvGrpSpPr>
+      <p:grpSpPr>
+        <a:xfrm>
+          <a:off x="0" y="0"/>
+          <a:ext cx="0" cy="0"/>
+          <a:chOff x="0" y="0"/>
+          <a:chExt cx="0" cy="0"/>
+        </a:xfrm>
+      </p:grpSpPr>
+      <p:sp>
+        <p:nvSpPr>
+          <p:cNvPr id="2" name="Заголовок 1"/>
+          <p:cNvSpPr>
+            <a:spLocks noGrp="1"/>
+          </p:cNvSpPr>
+          <p:nvPr>
+            <p:ph type="ctrTitle"/>
+          </p:nvPr>
+        </p:nvSpPr>
+        <p:spPr>
+          <a:xfrm>
+            <a:off x="467544" y="188640"/>
+            <a:ext cx="8136904" cy="648071"/>
+          </a:xfrm>
+        </p:spPr>
+        <p:txBody>
+          <a:bodyPr>
+            <a:normAutofit fontScale="90000"/>
+          </a:bodyPr>
+          <a:lstStyle/>
+          <a:p>
+            <a:r>
+              <a:rPr lang="ru-RU" dirty="0">
+                <a:latin typeface="Times New Roman" panose="02020603050405020304" pitchFamily="18" charset="0"/>
+                <a:cs typeface="Times New Roman" panose="02020603050405020304" pitchFamily="18" charset="0"/>
+              </a:rPr>
+              <a:t>Предлагаемое решение</a:t>
+            </a:r>
+          </a:p>
+        </p:txBody>
+      </p:sp>
+      <p:sp>
+        <p:nvSpPr>
+          <p:cNvPr id="3" name="Подзаголовок 2"/>
+          <p:cNvSpPr>
+            <a:spLocks noGrp="1"/>
+          </p:cNvSpPr>
+          <p:nvPr>
+            <p:ph type="subTitle" idx="1"/>
+          </p:nvPr>
+        </p:nvSpPr>
+        <p:spPr>
+          <a:xfrm>
+            <a:off x="516934" y="4839681"/>
+            <a:ext cx="8106258" cy="792088"/>
+          </a:xfrm>
+        </p:spPr>
+        <p:txBody>
+          <a:bodyPr>
+            <a:normAutofit/>
+          </a:bodyPr>
+          <a:lstStyle/>
+          <a:p>
+            <a:r>
+              <a:rPr lang="ru-RU" altLang="en-US" sz="2000" dirty="0">
+                <a:solidFill>
+                  <a:schemeClr val="tx1"/>
+                </a:solidFill>
+                <a:latin typeface="Times New Roman" panose="02020603050405020304" pitchFamily="18" charset="0"/>
+                <a:cs typeface="Times New Roman" panose="02020603050405020304" pitchFamily="18" charset="0"/>
+              </a:rPr>
+              <a:t>Схема 2. </a:t>
+            </a:r>
+            <a:r>
+              <a:rPr lang="en-US" altLang="en-US" sz="2000" dirty="0">
+                <a:solidFill>
+                  <a:schemeClr val="tx1"/>
+                </a:solidFill>
+                <a:latin typeface="Times New Roman" panose="02020603050405020304" pitchFamily="18" charset="0"/>
+                <a:cs typeface="Times New Roman" panose="02020603050405020304" pitchFamily="18" charset="0"/>
+              </a:rPr>
+              <a:t>idef0 to be</a:t>
+            </a:r>
+            <a:endParaRPr lang="ru-RU" altLang="en-US" sz="2000" dirty="0">
+              <a:solidFill>
+                <a:schemeClr val="tx1"/>
+              </a:solidFill>
+              <a:latin typeface="Times New Roman" panose="02020603050405020304" pitchFamily="18" charset="0"/>
+              <a:cs typeface="Times New Roman" panose="02020603050405020304" pitchFamily="18" charset="0"/>
+            </a:endParaRPr>
+          </a:p>
+        </p:txBody>
+      </p:sp>
+      <p:pic>
+        <p:nvPicPr>
+          <p:cNvPr id="10" name="Рисунок 9">
+            <a:extLst>
+              <a:ext uri="{FF2B5EF4-FFF2-40B4-BE49-F238E27FC236}">
+                <a16:creationId xmlns:a16="http://schemas.microsoft.com/office/drawing/2014/main" id="{61D52E50-FE5C-FFC9-AFE9-A1C79AC10355}"/>
+              </a:ext>
+            </a:extLst>
+          </p:cNvPr>
+          <p:cNvPicPr>
+            <a:picLocks noChangeAspect="1"/>
+          </p:cNvPicPr>
+          <p:nvPr/>
+        </p:nvPicPr>
+        <p:blipFill>
+          <a:blip r:embed="rId2"/>
+          <a:stretch>
+            <a:fillRect/>
+          </a:stretch>
+        </p:blipFill>
+        <p:spPr>
+          <a:xfrm>
+            <a:off x="23812" y="2081212"/>
+            <a:ext cx="9096375" cy="2695575"/>
+          </a:xfrm>
+          <a:prstGeom prst="rect">
+            <a:avLst/>
+          </a:prstGeom>
+        </p:spPr>
+      </p:pic>
+    </p:spTree>
+    <p:extLst>
+      <p:ext uri="{BB962C8B-B14F-4D97-AF65-F5344CB8AC3E}">
+        <p14:creationId xmlns:p14="http://schemas.microsoft.com/office/powerpoint/2010/main" val="3514561471"/>
+      </p:ext>
+    </p:extLst>
+  </p:cSld>
+  <p:clrMapOvr>
+    <a:masterClrMapping/>
+  </p:clrMapOvr>
+</p:sld>
+</file>
+
+<file path=ppt/slides/slide8.xml><?xml version="1.0" encoding="utf-8"?>
+<p:sld xmlns:a="http://schemas.openxmlformats.org/drawingml/2006/main" xmlns:r="http://schemas.openxmlformats.org/officeDocument/2006/relationships" xmlns:p="http://schemas.openxmlformats.org/presentationml/2006/main">
+  <p:cSld>
+    <p:spTree>
+      <p:nvGrpSpPr>
+        <p:cNvPr id="1" name=""/>
+        <p:cNvGrpSpPr/>
+        <p:nvPr/>
+      </p:nvGrpSpPr>
+      <p:grpSpPr>
+        <a:xfrm>
+          <a:off x="0" y="0"/>
+          <a:ext cx="0" cy="0"/>
+          <a:chOff x="0" y="0"/>
+          <a:chExt cx="0" cy="0"/>
+        </a:xfrm>
+      </p:grpSpPr>
+      <p:sp>
+        <p:nvSpPr>
+          <p:cNvPr id="2" name="Заголовок 1"/>
+          <p:cNvSpPr>
+            <a:spLocks noGrp="1"/>
+          </p:cNvSpPr>
+          <p:nvPr>
+            <p:ph type="ctrTitle"/>
+          </p:nvPr>
+        </p:nvSpPr>
+        <p:spPr>
+          <a:xfrm>
+            <a:off x="467544" y="188640"/>
+            <a:ext cx="8136904" cy="648071"/>
+          </a:xfrm>
+        </p:spPr>
+        <p:txBody>
+          <a:bodyPr>
+            <a:normAutofit/>
+          </a:bodyPr>
+          <a:lstStyle/>
+          <a:p>
+            <a:r>
+              <a:rPr lang="ru-RU" sz="3600" dirty="0">
+                <a:latin typeface="Times New Roman" panose="02020603050405020304" pitchFamily="18" charset="0"/>
+                <a:cs typeface="Times New Roman" panose="02020603050405020304" pitchFamily="18" charset="0"/>
+              </a:rPr>
+              <a:t>Обзор аналогов</a:t>
+            </a:r>
+          </a:p>
+        </p:txBody>
+      </p:sp>
+      <p:sp>
+        <p:nvSpPr>
+          <p:cNvPr id="3" name="Подзаголовок 2"/>
+          <p:cNvSpPr>
+            <a:spLocks noGrp="1"/>
+          </p:cNvSpPr>
+          <p:nvPr>
+            <p:ph type="subTitle" idx="1"/>
+          </p:nvPr>
+        </p:nvSpPr>
+        <p:spPr>
+          <a:xfrm>
+            <a:off x="498190" y="1340768"/>
+            <a:ext cx="8106258" cy="4896544"/>
+          </a:xfrm>
+        </p:spPr>
+        <p:txBody>
+          <a:bodyPr anchor="t">
+            <a:normAutofit/>
+          </a:bodyPr>
+          <a:lstStyle/>
+          <a:p>
+            <a:pPr algn="l"/>
+            <a:r>
+              <a:rPr lang="ru-RU" sz="2400" b="1" dirty="0">
+                <a:solidFill>
+                  <a:schemeClr val="tx1"/>
+                </a:solidFill>
+                <a:latin typeface="Times New Roman" panose="02020603050405020304" pitchFamily="18" charset="0"/>
+                <a:cs typeface="Times New Roman" panose="02020603050405020304" pitchFamily="18" charset="0"/>
+              </a:rPr>
+              <a:t>Критерии сравнения</a:t>
+            </a:r>
+            <a:r>
+              <a:rPr lang="ru-RU" sz="2400" dirty="0">
+                <a:solidFill>
+                  <a:schemeClr val="tx1"/>
+                </a:solidFill>
+                <a:latin typeface="Times New Roman" panose="02020603050405020304" pitchFamily="18" charset="0"/>
+                <a:cs typeface="Times New Roman" panose="02020603050405020304" pitchFamily="18" charset="0"/>
+              </a:rPr>
+              <a:t>:</a:t>
+            </a:r>
+          </a:p>
+          <a:p>
+            <a:pPr indent="449580" algn="just">
+              <a:lnSpc>
+                <a:spcPct val="150000"/>
+              </a:lnSpc>
+            </a:pPr>
+            <a:r>
+              <a:rPr lang="ru-RU" sz="2400" dirty="0">
+                <a:solidFill>
+                  <a:schemeClr val="tx1"/>
+                </a:solidFill>
+                <a:effectLst/>
+                <a:latin typeface="Times New Roman" panose="02020603050405020304" pitchFamily="18" charset="0"/>
+                <a:ea typeface="Times New Roman" panose="02020603050405020304" pitchFamily="18" charset="0"/>
+                <a:cs typeface="Times New Roman" panose="02020603050405020304" pitchFamily="18" charset="0"/>
+              </a:rPr>
+              <a:t>1. Интуитивность интерфейса</a:t>
+            </a:r>
+          </a:p>
+          <a:p>
+            <a:pPr indent="449580" algn="just">
+              <a:lnSpc>
+                <a:spcPct val="150000"/>
+              </a:lnSpc>
+            </a:pPr>
+            <a:r>
+              <a:rPr lang="ru-RU" sz="2400" dirty="0">
+                <a:solidFill>
+                  <a:schemeClr val="tx1"/>
+                </a:solidFill>
+                <a:effectLst/>
+                <a:latin typeface="Times New Roman" panose="02020603050405020304" pitchFamily="18" charset="0"/>
+                <a:ea typeface="Times New Roman" panose="02020603050405020304" pitchFamily="18" charset="0"/>
+                <a:cs typeface="Times New Roman" panose="02020603050405020304" pitchFamily="18" charset="0"/>
+              </a:rPr>
+              <a:t>2. Персонализированный подбор</a:t>
+            </a:r>
+          </a:p>
+          <a:p>
+            <a:pPr indent="449580" algn="just">
+              <a:lnSpc>
+                <a:spcPct val="150000"/>
+              </a:lnSpc>
+            </a:pPr>
+            <a:r>
+              <a:rPr lang="ru-RU" sz="2400" dirty="0">
+                <a:solidFill>
+                  <a:schemeClr val="tx1"/>
+                </a:solidFill>
+                <a:effectLst/>
+                <a:latin typeface="Times New Roman" panose="02020603050405020304" pitchFamily="18" charset="0"/>
+                <a:ea typeface="Times New Roman" panose="02020603050405020304" pitchFamily="18" charset="0"/>
+                <a:cs typeface="Times New Roman" panose="02020603050405020304" pitchFamily="18" charset="0"/>
+              </a:rPr>
+              <a:t>3. Сравнение тарифов и услуг</a:t>
+            </a:r>
+          </a:p>
+          <a:p>
+            <a:pPr indent="449580" algn="just">
+              <a:lnSpc>
+                <a:spcPct val="150000"/>
+              </a:lnSpc>
+            </a:pPr>
+            <a:r>
+              <a:rPr lang="ru-RU" sz="2400" dirty="0">
+                <a:solidFill>
+                  <a:schemeClr val="tx1"/>
+                </a:solidFill>
+                <a:effectLst/>
+                <a:latin typeface="Times New Roman" panose="02020603050405020304" pitchFamily="18" charset="0"/>
+                <a:ea typeface="Times New Roman" panose="02020603050405020304" pitchFamily="18" charset="0"/>
+                <a:cs typeface="Times New Roman" panose="02020603050405020304" pitchFamily="18" charset="0"/>
+              </a:rPr>
+              <a:t>4. Учет финансовых предпочтений</a:t>
+            </a:r>
+          </a:p>
+          <a:p>
+            <a:pPr indent="449580" algn="just">
+              <a:lnSpc>
+                <a:spcPct val="150000"/>
+              </a:lnSpc>
+            </a:pPr>
+            <a:r>
+              <a:rPr lang="ru-RU" sz="2400" dirty="0">
+                <a:solidFill>
+                  <a:schemeClr val="tx1"/>
+                </a:solidFill>
+                <a:effectLst/>
+                <a:latin typeface="Times New Roman" panose="02020603050405020304" pitchFamily="18" charset="0"/>
+                <a:ea typeface="Times New Roman" panose="02020603050405020304" pitchFamily="18" charset="0"/>
+                <a:cs typeface="Times New Roman" panose="02020603050405020304" pitchFamily="18" charset="0"/>
+              </a:rPr>
+              <a:t>5. Доступность на различных устройствах</a:t>
+            </a:r>
+          </a:p>
+          <a:p>
+            <a:pPr indent="449580" algn="just">
+              <a:lnSpc>
+                <a:spcPct val="150000"/>
+              </a:lnSpc>
+            </a:pPr>
+            <a:r>
+              <a:rPr lang="ru-RU" sz="2400" dirty="0">
+                <a:solidFill>
+                  <a:schemeClr val="tx1"/>
+                </a:solidFill>
+                <a:effectLst/>
+                <a:latin typeface="Times New Roman" panose="02020603050405020304" pitchFamily="18" charset="0"/>
+                <a:ea typeface="Times New Roman" panose="02020603050405020304" pitchFamily="18" charset="0"/>
+                <a:cs typeface="Times New Roman" panose="02020603050405020304" pitchFamily="18" charset="0"/>
+              </a:rPr>
+              <a:t>6. Широкий выбор операторов</a:t>
+            </a:r>
+            <a:endParaRPr lang="ru-RU" sz="2400" dirty="0">
+              <a:solidFill>
+                <a:schemeClr val="tx1"/>
+              </a:solidFill>
+              <a:latin typeface="Times New Roman" panose="02020603050405020304" pitchFamily="18" charset="0"/>
+              <a:cs typeface="Times New Roman" panose="02020603050405020304" pitchFamily="18" charset="0"/>
+            </a:endParaRPr>
+          </a:p>
+          <a:p>
+            <a:pPr algn="l"/>
+            <a:endParaRPr lang="ru-RU" sz="2400" dirty="0">
+              <a:solidFill>
+                <a:schemeClr val="tx1"/>
+              </a:solidFill>
+              <a:latin typeface="Times New Roman" panose="02020603050405020304" pitchFamily="18" charset="0"/>
+              <a:cs typeface="Times New Roman" panose="02020603050405020304" pitchFamily="18" charset="0"/>
+            </a:endParaRPr>
+          </a:p>
+        </p:txBody>
+      </p:sp>
+    </p:spTree>
+    <p:extLst>
+      <p:ext uri="{BB962C8B-B14F-4D97-AF65-F5344CB8AC3E}">
+        <p14:creationId xmlns:p14="http://schemas.microsoft.com/office/powerpoint/2010/main" val="3213516774"/>
+      </p:ext>
+    </p:extLst>
+  </p:cSld>
+  <p:clrMapOvr>
+    <a:masterClrMapping/>
+  </p:clrMapOvr>
+</p:sld>
+</file>
+
+<file path=ppt/slides/slide9.xml><?xml version="1.0" encoding="utf-8"?>
 <p:sld xmlns:a="http://schemas.openxmlformats.org/drawingml/2006/main" xmlns:r="http://schemas.openxmlformats.org/officeDocument/2006/relationships" xmlns:p="http://schemas.openxmlformats.org/presentationml/2006/main">
   <p:cSld>
     <p:spTree>
@@ -5051,2571 +7636,6 @@
 </p:sld>
 </file>
 
-<file path=ppt/slides/slide11.xml><?xml version="1.0" encoding="utf-8"?>
-<p:sld xmlns:a="http://schemas.openxmlformats.org/drawingml/2006/main" xmlns:r="http://schemas.openxmlformats.org/officeDocument/2006/relationships" xmlns:p="http://schemas.openxmlformats.org/presentationml/2006/main">
-  <p:cSld>
-    <p:spTree>
-      <p:nvGrpSpPr>
-        <p:cNvPr id="1" name=""/>
-        <p:cNvGrpSpPr/>
-        <p:nvPr/>
-      </p:nvGrpSpPr>
-      <p:grpSpPr>
-        <a:xfrm>
-          <a:off x="0" y="0"/>
-          <a:ext cx="0" cy="0"/>
-          <a:chOff x="0" y="0"/>
-          <a:chExt cx="0" cy="0"/>
-        </a:xfrm>
-      </p:grpSpPr>
-      <p:sp>
-        <p:nvSpPr>
-          <p:cNvPr id="2" name="Заголовок 1"/>
-          <p:cNvSpPr>
-            <a:spLocks noGrp="1"/>
-          </p:cNvSpPr>
-          <p:nvPr>
-            <p:ph type="ctrTitle"/>
-          </p:nvPr>
-        </p:nvSpPr>
-        <p:spPr>
-          <a:xfrm>
-            <a:off x="467544" y="188640"/>
-            <a:ext cx="8136904" cy="648071"/>
-          </a:xfrm>
-        </p:spPr>
-        <p:txBody>
-          <a:bodyPr>
-            <a:normAutofit fontScale="90000"/>
-          </a:bodyPr>
-          <a:lstStyle/>
-          <a:p>
-            <a:r>
-              <a:rPr lang="ru-RU" dirty="0"/>
-              <a:t>Функциональные требования</a:t>
-            </a:r>
-          </a:p>
-        </p:txBody>
-      </p:sp>
-      <p:sp>
-        <p:nvSpPr>
-          <p:cNvPr id="3" name="Подзаголовок 2"/>
-          <p:cNvSpPr>
-            <a:spLocks noGrp="1"/>
-          </p:cNvSpPr>
-          <p:nvPr>
-            <p:ph type="subTitle" idx="1"/>
-          </p:nvPr>
-        </p:nvSpPr>
-        <p:spPr>
-          <a:xfrm>
-            <a:off x="498190" y="1340768"/>
-            <a:ext cx="8106258" cy="4896544"/>
-          </a:xfrm>
-        </p:spPr>
-        <p:txBody>
-          <a:bodyPr numCol="1" anchor="ctr">
-            <a:normAutofit/>
-          </a:bodyPr>
-          <a:lstStyle/>
-          <a:p>
-            <a:pPr algn="l"/>
-            <a:br>
-              <a:rPr lang="ru-RU" dirty="0">
-                <a:latin typeface="Arial" panose="020B0604020202020204" pitchFamily="34" charset="0"/>
-                <a:cs typeface="Arial" panose="020B0604020202020204" pitchFamily="34" charset="0"/>
-              </a:rPr>
-            </a:br>
-            <a:r>
-              <a:rPr lang="ru-RU" sz="2600" b="0" i="0" dirty="0">
-                <a:solidFill>
-                  <a:srgbClr val="000000"/>
-                </a:solidFill>
-                <a:effectLst/>
-                <a:latin typeface="Arial" panose="020B0604020202020204" pitchFamily="34" charset="0"/>
-                <a:cs typeface="Arial" panose="020B0604020202020204" pitchFamily="34" charset="0"/>
-              </a:rPr>
-              <a:t>Сервис должен предоставлять возможность поиска тарифов по компании, количеству минут разговора, количеству гигабайт интернета</a:t>
-            </a:r>
-            <a:r>
-              <a:rPr lang="en-US" sz="2600" b="0" i="0" dirty="0">
-                <a:solidFill>
-                  <a:srgbClr val="000000"/>
-                </a:solidFill>
-                <a:effectLst/>
-                <a:latin typeface="Arial" panose="020B0604020202020204" pitchFamily="34" charset="0"/>
-                <a:cs typeface="Arial" panose="020B0604020202020204" pitchFamily="34" charset="0"/>
-              </a:rPr>
-              <a:t>,</a:t>
-            </a:r>
-            <a:r>
-              <a:rPr lang="ru-RU" sz="2600" b="0" i="0" dirty="0">
-                <a:solidFill>
-                  <a:srgbClr val="000000"/>
-                </a:solidFill>
-                <a:effectLst/>
-                <a:latin typeface="Arial" panose="020B0604020202020204" pitchFamily="34" charset="0"/>
-                <a:cs typeface="Arial" panose="020B0604020202020204" pitchFamily="34" charset="0"/>
-              </a:rPr>
-              <a:t> количеству смс.</a:t>
-            </a:r>
-            <a:br>
-              <a:rPr lang="ru-RU" sz="2600" dirty="0">
-                <a:latin typeface="Arial" panose="020B0604020202020204" pitchFamily="34" charset="0"/>
-                <a:cs typeface="Arial" panose="020B0604020202020204" pitchFamily="34" charset="0"/>
-              </a:rPr>
-            </a:br>
-            <a:br>
-              <a:rPr lang="ru-RU" sz="2600" dirty="0">
-                <a:latin typeface="Arial" panose="020B0604020202020204" pitchFamily="34" charset="0"/>
-                <a:cs typeface="Arial" panose="020B0604020202020204" pitchFamily="34" charset="0"/>
-              </a:rPr>
-            </a:br>
-            <a:r>
-              <a:rPr lang="ru-RU" sz="2600" dirty="0">
-                <a:solidFill>
-                  <a:srgbClr val="000000"/>
-                </a:solidFill>
-                <a:latin typeface="Arial" panose="020B0604020202020204" pitchFamily="34" charset="0"/>
-                <a:cs typeface="Arial" panose="020B0604020202020204" pitchFamily="34" charset="0"/>
-              </a:rPr>
-              <a:t>Сервис должен о</a:t>
-            </a:r>
-            <a:r>
-              <a:rPr lang="ru-RU" sz="2600" b="0" i="0" dirty="0">
-                <a:solidFill>
-                  <a:srgbClr val="000000"/>
-                </a:solidFill>
-                <a:effectLst/>
-                <a:latin typeface="Arial" panose="020B0604020202020204" pitchFamily="34" charset="0"/>
-                <a:cs typeface="Arial" panose="020B0604020202020204" pitchFamily="34" charset="0"/>
-              </a:rPr>
-              <a:t>тображать всю перечисленную</a:t>
-            </a:r>
-            <a:r>
-              <a:rPr lang="ru-RU" sz="2600" dirty="0">
-                <a:solidFill>
-                  <a:srgbClr val="000000"/>
-                </a:solidFill>
-                <a:latin typeface="Arial" panose="020B0604020202020204" pitchFamily="34" charset="0"/>
-                <a:cs typeface="Arial" panose="020B0604020202020204" pitchFamily="34" charset="0"/>
-              </a:rPr>
-              <a:t> </a:t>
-            </a:r>
-            <a:r>
-              <a:rPr lang="ru-RU" sz="2600" b="0" i="0" dirty="0">
-                <a:solidFill>
-                  <a:srgbClr val="000000"/>
-                </a:solidFill>
-                <a:effectLst/>
-                <a:latin typeface="Arial" panose="020B0604020202020204" pitchFamily="34" charset="0"/>
-                <a:cs typeface="Arial" panose="020B0604020202020204" pitchFamily="34" charset="0"/>
-              </a:rPr>
-              <a:t>информацию о тарифах</a:t>
-            </a:r>
-            <a:r>
-              <a:rPr lang="en-US" sz="2600" b="0" i="0" dirty="0">
-                <a:solidFill>
-                  <a:srgbClr val="000000"/>
-                </a:solidFill>
-                <a:effectLst/>
-                <a:latin typeface="Arial" panose="020B0604020202020204" pitchFamily="34" charset="0"/>
-                <a:cs typeface="Arial" panose="020B0604020202020204" pitchFamily="34" charset="0"/>
-              </a:rPr>
-              <a:t>,</a:t>
-            </a:r>
-            <a:r>
-              <a:rPr lang="ru-RU" sz="2600" b="0" i="0" dirty="0">
-                <a:solidFill>
-                  <a:srgbClr val="000000"/>
-                </a:solidFill>
-                <a:effectLst/>
-                <a:latin typeface="Arial" panose="020B0604020202020204" pitchFamily="34" charset="0"/>
-                <a:cs typeface="Arial" panose="020B0604020202020204" pitchFamily="34" charset="0"/>
-              </a:rPr>
-              <a:t> а также ссылку на страницу с выбранным тарифом у официального провайдера услуги.</a:t>
-            </a:r>
-            <a:br>
-              <a:rPr lang="ru-RU" dirty="0">
-                <a:latin typeface="Arial" panose="020B0604020202020204" pitchFamily="34" charset="0"/>
-                <a:cs typeface="Arial" panose="020B0604020202020204" pitchFamily="34" charset="0"/>
-              </a:rPr>
-            </a:br>
-            <a:endParaRPr lang="ru-RU" dirty="0">
-              <a:latin typeface="Arial" panose="020B0604020202020204" pitchFamily="34" charset="0"/>
-              <a:cs typeface="Arial" panose="020B0604020202020204" pitchFamily="34" charset="0"/>
-            </a:endParaRPr>
-          </a:p>
-        </p:txBody>
-      </p:sp>
-    </p:spTree>
-    <p:extLst>
-      <p:ext uri="{BB962C8B-B14F-4D97-AF65-F5344CB8AC3E}">
-        <p14:creationId xmlns:p14="http://schemas.microsoft.com/office/powerpoint/2010/main" val="197728668"/>
-      </p:ext>
-    </p:extLst>
-  </p:cSld>
-  <p:clrMapOvr>
-    <a:masterClrMapping/>
-  </p:clrMapOvr>
-</p:sld>
-</file>
-
-<file path=ppt/slides/slide12.xml><?xml version="1.0" encoding="utf-8"?>
-<p:sld xmlns:a="http://schemas.openxmlformats.org/drawingml/2006/main" xmlns:r="http://schemas.openxmlformats.org/officeDocument/2006/relationships" xmlns:p="http://schemas.openxmlformats.org/presentationml/2006/main">
-  <p:cSld>
-    <p:spTree>
-      <p:nvGrpSpPr>
-        <p:cNvPr id="1" name=""/>
-        <p:cNvGrpSpPr/>
-        <p:nvPr/>
-      </p:nvGrpSpPr>
-      <p:grpSpPr>
-        <a:xfrm>
-          <a:off x="0" y="0"/>
-          <a:ext cx="0" cy="0"/>
-          <a:chOff x="0" y="0"/>
-          <a:chExt cx="0" cy="0"/>
-        </a:xfrm>
-      </p:grpSpPr>
-      <p:sp>
-        <p:nvSpPr>
-          <p:cNvPr id="2" name="Заголовок 1"/>
-          <p:cNvSpPr>
-            <a:spLocks noGrp="1"/>
-          </p:cNvSpPr>
-          <p:nvPr>
-            <p:ph type="ctrTitle"/>
-          </p:nvPr>
-        </p:nvSpPr>
-        <p:spPr>
-          <a:xfrm>
-            <a:off x="467544" y="188640"/>
-            <a:ext cx="8136904" cy="648071"/>
-          </a:xfrm>
-        </p:spPr>
-        <p:txBody>
-          <a:bodyPr>
-            <a:normAutofit fontScale="90000"/>
-          </a:bodyPr>
-          <a:lstStyle/>
-          <a:p>
-            <a:r>
-              <a:rPr lang="ru-RU" dirty="0"/>
-              <a:t>Входные и выходные данные</a:t>
-            </a:r>
-          </a:p>
-        </p:txBody>
-      </p:sp>
-      <p:sp>
-        <p:nvSpPr>
-          <p:cNvPr id="3" name="Подзаголовок 2"/>
-          <p:cNvSpPr>
-            <a:spLocks noGrp="1"/>
-          </p:cNvSpPr>
-          <p:nvPr>
-            <p:ph type="subTitle" idx="1"/>
-          </p:nvPr>
-        </p:nvSpPr>
-        <p:spPr>
-          <a:xfrm>
-            <a:off x="498190" y="1340768"/>
-            <a:ext cx="8106258" cy="4896544"/>
-          </a:xfrm>
-        </p:spPr>
-        <p:txBody>
-          <a:bodyPr anchor="ctr">
-            <a:normAutofit/>
-          </a:bodyPr>
-          <a:lstStyle/>
-          <a:p>
-            <a:pPr algn="l"/>
-            <a:r>
-              <a:rPr lang="ru-RU" sz="2400" b="1" dirty="0">
-                <a:solidFill>
-                  <a:schemeClr val="tx1"/>
-                </a:solidFill>
-                <a:latin typeface="Arial" panose="020B0604020202020204" pitchFamily="34" charset="0"/>
-                <a:cs typeface="Arial" panose="020B0604020202020204" pitchFamily="34" charset="0"/>
-              </a:rPr>
-              <a:t>Входные данные: </a:t>
-            </a:r>
-          </a:p>
-          <a:p>
-            <a:pPr algn="l"/>
-            <a:r>
-              <a:rPr lang="ru-RU" sz="2400" dirty="0">
-                <a:solidFill>
-                  <a:schemeClr val="tx1"/>
-                </a:solidFill>
-                <a:latin typeface="Arial" panose="020B0604020202020204" pitchFamily="34" charset="0"/>
-                <a:cs typeface="Arial" panose="020B0604020202020204" pitchFamily="34" charset="0"/>
-              </a:rPr>
-              <a:t>Данные фильтрации</a:t>
-            </a:r>
-            <a:r>
-              <a:rPr lang="en-US" sz="2400" dirty="0">
-                <a:solidFill>
-                  <a:schemeClr val="tx1"/>
-                </a:solidFill>
-                <a:latin typeface="Arial" panose="020B0604020202020204" pitchFamily="34" charset="0"/>
-                <a:cs typeface="Arial" panose="020B0604020202020204" pitchFamily="34" charset="0"/>
-              </a:rPr>
-              <a:t>,</a:t>
-            </a:r>
-            <a:r>
-              <a:rPr lang="ru-RU" sz="2400" dirty="0">
-                <a:solidFill>
-                  <a:schemeClr val="tx1"/>
-                </a:solidFill>
-                <a:latin typeface="Arial" panose="020B0604020202020204" pitchFamily="34" charset="0"/>
-                <a:cs typeface="Arial" panose="020B0604020202020204" pitchFamily="34" charset="0"/>
-              </a:rPr>
-              <a:t> выставленный пользователем</a:t>
-            </a:r>
-          </a:p>
-          <a:p>
-            <a:pPr algn="l"/>
-            <a:endParaRPr lang="ru-RU" sz="2400" dirty="0">
-              <a:solidFill>
-                <a:schemeClr val="tx1"/>
-              </a:solidFill>
-              <a:latin typeface="Arial" panose="020B0604020202020204" pitchFamily="34" charset="0"/>
-              <a:cs typeface="Arial" panose="020B0604020202020204" pitchFamily="34" charset="0"/>
-            </a:endParaRPr>
-          </a:p>
-          <a:p>
-            <a:pPr algn="l"/>
-            <a:r>
-              <a:rPr lang="ru-RU" sz="2400" b="1" dirty="0">
-                <a:solidFill>
-                  <a:schemeClr val="tx1"/>
-                </a:solidFill>
-                <a:latin typeface="Arial" panose="020B0604020202020204" pitchFamily="34" charset="0"/>
-                <a:cs typeface="Arial" panose="020B0604020202020204" pitchFamily="34" charset="0"/>
-              </a:rPr>
-              <a:t>Выходные данные: </a:t>
-            </a:r>
-          </a:p>
-          <a:p>
-            <a:pPr algn="l"/>
-            <a:r>
-              <a:rPr lang="ru-RU" sz="2400" dirty="0">
-                <a:solidFill>
-                  <a:schemeClr val="tx1"/>
-                </a:solidFill>
-                <a:latin typeface="Arial" panose="020B0604020202020204" pitchFamily="34" charset="0"/>
-                <a:cs typeface="Arial" panose="020B0604020202020204" pitchFamily="34" charset="0"/>
-              </a:rPr>
-              <a:t>Списки тарифов мобильных операторов</a:t>
-            </a:r>
-            <a:r>
-              <a:rPr lang="en-US" sz="2400" dirty="0">
-                <a:solidFill>
-                  <a:schemeClr val="tx1"/>
-                </a:solidFill>
-                <a:latin typeface="Arial" panose="020B0604020202020204" pitchFamily="34" charset="0"/>
-                <a:cs typeface="Arial" panose="020B0604020202020204" pitchFamily="34" charset="0"/>
-              </a:rPr>
-              <a:t>,</a:t>
-            </a:r>
-            <a:r>
-              <a:rPr lang="ru-RU" sz="2400" dirty="0">
-                <a:solidFill>
-                  <a:schemeClr val="tx1"/>
-                </a:solidFill>
-                <a:latin typeface="Arial" panose="020B0604020202020204" pitchFamily="34" charset="0"/>
-                <a:cs typeface="Arial" panose="020B0604020202020204" pitchFamily="34" charset="0"/>
-              </a:rPr>
-              <a:t> попадающие под заданные пользователем условия.</a:t>
-            </a:r>
-          </a:p>
-        </p:txBody>
-      </p:sp>
-    </p:spTree>
-    <p:extLst>
-      <p:ext uri="{BB962C8B-B14F-4D97-AF65-F5344CB8AC3E}">
-        <p14:creationId xmlns:p14="http://schemas.microsoft.com/office/powerpoint/2010/main" val="3278695884"/>
-      </p:ext>
-    </p:extLst>
-  </p:cSld>
-  <p:clrMapOvr>
-    <a:masterClrMapping/>
-  </p:clrMapOvr>
-</p:sld>
-</file>
-
-<file path=ppt/slides/slide13.xml><?xml version="1.0" encoding="utf-8"?>
-<p:sld xmlns:a="http://schemas.openxmlformats.org/drawingml/2006/main" xmlns:r="http://schemas.openxmlformats.org/officeDocument/2006/relationships" xmlns:p="http://schemas.openxmlformats.org/presentationml/2006/main">
-  <p:cSld>
-    <p:spTree>
-      <p:nvGrpSpPr>
-        <p:cNvPr id="1" name=""/>
-        <p:cNvGrpSpPr/>
-        <p:nvPr/>
-      </p:nvGrpSpPr>
-      <p:grpSpPr>
-        <a:xfrm>
-          <a:off x="0" y="0"/>
-          <a:ext cx="0" cy="0"/>
-          <a:chOff x="0" y="0"/>
-          <a:chExt cx="0" cy="0"/>
-        </a:xfrm>
-      </p:grpSpPr>
-      <p:sp>
-        <p:nvSpPr>
-          <p:cNvPr id="2" name="Заголовок 1"/>
-          <p:cNvSpPr>
-            <a:spLocks noGrp="1"/>
-          </p:cNvSpPr>
-          <p:nvPr>
-            <p:ph type="ctrTitle"/>
-          </p:nvPr>
-        </p:nvSpPr>
-        <p:spPr>
-          <a:xfrm>
-            <a:off x="467544" y="188640"/>
-            <a:ext cx="8136904" cy="648071"/>
-          </a:xfrm>
-        </p:spPr>
-        <p:txBody>
-          <a:bodyPr>
-            <a:noAutofit/>
-          </a:bodyPr>
-          <a:lstStyle/>
-          <a:p>
-            <a:r>
-              <a:rPr lang="ru-RU" altLang="en-US" sz="3600" dirty="0">
-                <a:latin typeface="Arial" panose="020B0604020202020204" pitchFamily="34" charset="0"/>
-                <a:cs typeface="Arial" panose="020B0604020202020204" pitchFamily="34" charset="0"/>
-              </a:rPr>
-              <a:t>Инструментальные средства</a:t>
-            </a:r>
-          </a:p>
-        </p:txBody>
-      </p:sp>
-      <p:sp>
-        <p:nvSpPr>
-          <p:cNvPr id="3" name="Подзаголовок 2"/>
-          <p:cNvSpPr>
-            <a:spLocks noGrp="1"/>
-          </p:cNvSpPr>
-          <p:nvPr>
-            <p:ph type="subTitle" idx="1"/>
-          </p:nvPr>
-        </p:nvSpPr>
-        <p:spPr>
-          <a:xfrm>
-            <a:off x="498190" y="1340768"/>
-            <a:ext cx="8106258" cy="4896544"/>
-          </a:xfrm>
-        </p:spPr>
-        <p:txBody>
-          <a:bodyPr anchor="ctr">
-            <a:normAutofit/>
-          </a:bodyPr>
-          <a:lstStyle/>
-          <a:p>
-            <a:pPr algn="l"/>
-            <a:r>
-              <a:rPr lang="ru-RU" sz="3600" dirty="0" err="1">
-                <a:solidFill>
-                  <a:schemeClr val="tx1"/>
-                </a:solidFill>
-                <a:latin typeface="Arial" panose="020B0604020202020204" pitchFamily="34" charset="0"/>
-                <a:cs typeface="Arial" panose="020B0604020202020204" pitchFamily="34" charset="0"/>
-              </a:rPr>
-              <a:t>Фронтенд</a:t>
-            </a:r>
-            <a:r>
-              <a:rPr lang="ru-RU" sz="3600" dirty="0">
-                <a:solidFill>
-                  <a:schemeClr val="tx1"/>
-                </a:solidFill>
-                <a:latin typeface="Arial" panose="020B0604020202020204" pitchFamily="34" charset="0"/>
-                <a:cs typeface="Arial" panose="020B0604020202020204" pitchFamily="34" charset="0"/>
-              </a:rPr>
-              <a:t>: </a:t>
-            </a:r>
-            <a:r>
-              <a:rPr lang="en-US" sz="3600" dirty="0">
-                <a:solidFill>
-                  <a:schemeClr val="tx1"/>
-                </a:solidFill>
-                <a:latin typeface="Arial" panose="020B0604020202020204" pitchFamily="34" charset="0"/>
-                <a:cs typeface="Arial" panose="020B0604020202020204" pitchFamily="34" charset="0"/>
-              </a:rPr>
-              <a:t>bootstrap</a:t>
-            </a:r>
-            <a:endParaRPr lang="ru-RU" sz="3600" dirty="0">
-              <a:solidFill>
-                <a:schemeClr val="tx1"/>
-              </a:solidFill>
-              <a:latin typeface="Arial" panose="020B0604020202020204" pitchFamily="34" charset="0"/>
-              <a:cs typeface="Arial" panose="020B0604020202020204" pitchFamily="34" charset="0"/>
-            </a:endParaRPr>
-          </a:p>
-          <a:p>
-            <a:pPr algn="l"/>
-            <a:endParaRPr lang="ru-RU" sz="3600" dirty="0">
-              <a:solidFill>
-                <a:schemeClr val="tx1"/>
-              </a:solidFill>
-              <a:latin typeface="Arial" panose="020B0604020202020204" pitchFamily="34" charset="0"/>
-              <a:cs typeface="Arial" panose="020B0604020202020204" pitchFamily="34" charset="0"/>
-            </a:endParaRPr>
-          </a:p>
-          <a:p>
-            <a:pPr algn="l"/>
-            <a:r>
-              <a:rPr lang="ru-RU" sz="3600" dirty="0">
-                <a:solidFill>
-                  <a:schemeClr val="tx1"/>
-                </a:solidFill>
-                <a:latin typeface="Arial" panose="020B0604020202020204" pitchFamily="34" charset="0"/>
-                <a:cs typeface="Arial" panose="020B0604020202020204" pitchFamily="34" charset="0"/>
-              </a:rPr>
-              <a:t>Бэкенд: </a:t>
-            </a:r>
-            <a:r>
-              <a:rPr lang="en-US" sz="3600" dirty="0">
-                <a:solidFill>
-                  <a:schemeClr val="tx1"/>
-                </a:solidFill>
-                <a:latin typeface="Arial" panose="020B0604020202020204" pitchFamily="34" charset="0"/>
-                <a:cs typeface="Arial" panose="020B0604020202020204" pitchFamily="34" charset="0"/>
-              </a:rPr>
-              <a:t>Java</a:t>
-            </a:r>
-            <a:endParaRPr lang="ru-RU" sz="3600" dirty="0">
-              <a:solidFill>
-                <a:schemeClr val="tx1"/>
-              </a:solidFill>
-              <a:latin typeface="Arial" panose="020B0604020202020204" pitchFamily="34" charset="0"/>
-              <a:cs typeface="Arial" panose="020B0604020202020204" pitchFamily="34" charset="0"/>
-            </a:endParaRPr>
-          </a:p>
-        </p:txBody>
-      </p:sp>
-    </p:spTree>
-    <p:extLst>
-      <p:ext uri="{BB962C8B-B14F-4D97-AF65-F5344CB8AC3E}">
-        <p14:creationId xmlns:p14="http://schemas.microsoft.com/office/powerpoint/2010/main" val="3597652776"/>
-      </p:ext>
-    </p:extLst>
-  </p:cSld>
-  <p:clrMapOvr>
-    <a:masterClrMapping/>
-  </p:clrMapOvr>
-</p:sld>
-</file>
-
-<file path=ppt/slides/slide14.xml><?xml version="1.0" encoding="utf-8"?>
-<p:sld xmlns:a="http://schemas.openxmlformats.org/drawingml/2006/main" xmlns:r="http://schemas.openxmlformats.org/officeDocument/2006/relationships" xmlns:p="http://schemas.openxmlformats.org/presentationml/2006/main">
-  <p:cSld>
-    <p:spTree>
-      <p:nvGrpSpPr>
-        <p:cNvPr id="1" name=""/>
-        <p:cNvGrpSpPr/>
-        <p:nvPr/>
-      </p:nvGrpSpPr>
-      <p:grpSpPr>
-        <a:xfrm>
-          <a:off x="0" y="0"/>
-          <a:ext cx="0" cy="0"/>
-          <a:chOff x="0" y="0"/>
-          <a:chExt cx="0" cy="0"/>
-        </a:xfrm>
-      </p:grpSpPr>
-      <p:sp>
-        <p:nvSpPr>
-          <p:cNvPr id="2" name="Заголовок 1"/>
-          <p:cNvSpPr>
-            <a:spLocks noGrp="1"/>
-          </p:cNvSpPr>
-          <p:nvPr>
-            <p:ph type="ctrTitle"/>
-          </p:nvPr>
-        </p:nvSpPr>
-        <p:spPr>
-          <a:xfrm>
-            <a:off x="467544" y="188640"/>
-            <a:ext cx="8136904" cy="648071"/>
-          </a:xfrm>
-        </p:spPr>
-        <p:txBody>
-          <a:bodyPr>
-            <a:normAutofit fontScale="90000"/>
-          </a:bodyPr>
-          <a:lstStyle/>
-          <a:p>
-            <a:r>
-              <a:rPr lang="ru-RU" dirty="0"/>
-              <a:t>Структура классов</a:t>
-            </a:r>
-          </a:p>
-        </p:txBody>
-      </p:sp>
-      <p:sp>
-        <p:nvSpPr>
-          <p:cNvPr id="3" name="Подзаголовок 2"/>
-          <p:cNvSpPr>
-            <a:spLocks noGrp="1"/>
-          </p:cNvSpPr>
-          <p:nvPr>
-            <p:ph type="subTitle" idx="1"/>
-          </p:nvPr>
-        </p:nvSpPr>
-        <p:spPr>
-          <a:xfrm>
-            <a:off x="498190" y="5589240"/>
-            <a:ext cx="8106258" cy="648071"/>
-          </a:xfrm>
-        </p:spPr>
-        <p:txBody>
-          <a:bodyPr>
-            <a:normAutofit/>
-          </a:bodyPr>
-          <a:lstStyle/>
-          <a:p>
-            <a:r>
-              <a:rPr lang="ru-RU" altLang="en-US" sz="2400" dirty="0">
-                <a:solidFill>
-                  <a:schemeClr val="tx1"/>
-                </a:solidFill>
-                <a:latin typeface="Arial" panose="020B0604020202020204" pitchFamily="34" charset="0"/>
-                <a:cs typeface="Arial" panose="020B0604020202020204" pitchFamily="34" charset="0"/>
-              </a:rPr>
-              <a:t>Схема 3.</a:t>
-            </a:r>
-            <a:r>
-              <a:rPr lang="en-US" altLang="en-US" sz="2400" dirty="0">
-                <a:solidFill>
-                  <a:schemeClr val="tx1"/>
-                </a:solidFill>
-                <a:latin typeface="Arial" panose="020B0604020202020204" pitchFamily="34" charset="0"/>
-                <a:cs typeface="Arial" panose="020B0604020202020204" pitchFamily="34" charset="0"/>
-              </a:rPr>
-              <a:t> </a:t>
-            </a:r>
-            <a:r>
-              <a:rPr lang="ru-RU" altLang="en-US" sz="2400" dirty="0">
-                <a:solidFill>
-                  <a:schemeClr val="tx1"/>
-                </a:solidFill>
-                <a:latin typeface="Arial" panose="020B0604020202020204" pitchFamily="34" charset="0"/>
-                <a:cs typeface="Arial" panose="020B0604020202020204" pitchFamily="34" charset="0"/>
-              </a:rPr>
-              <a:t>структура классов</a:t>
-            </a:r>
-          </a:p>
-        </p:txBody>
-      </p:sp>
-      <p:pic>
-        <p:nvPicPr>
-          <p:cNvPr id="6" name="Рисунок 5">
-            <a:extLst>
-              <a:ext uri="{FF2B5EF4-FFF2-40B4-BE49-F238E27FC236}">
-                <a16:creationId xmlns:a16="http://schemas.microsoft.com/office/drawing/2014/main" id="{AFFB9863-5972-600E-6CCA-49BE86AEF086}"/>
-              </a:ext>
-            </a:extLst>
-          </p:cNvPr>
-          <p:cNvPicPr>
-            <a:picLocks noChangeAspect="1"/>
-          </p:cNvPicPr>
-          <p:nvPr/>
-        </p:nvPicPr>
-        <p:blipFill>
-          <a:blip r:embed="rId2"/>
-          <a:stretch>
-            <a:fillRect/>
-          </a:stretch>
-        </p:blipFill>
-        <p:spPr>
-          <a:xfrm>
-            <a:off x="1947862" y="1519237"/>
-            <a:ext cx="5248275" cy="3819525"/>
-          </a:xfrm>
-          <a:prstGeom prst="rect">
-            <a:avLst/>
-          </a:prstGeom>
-        </p:spPr>
-      </p:pic>
-    </p:spTree>
-    <p:extLst>
-      <p:ext uri="{BB962C8B-B14F-4D97-AF65-F5344CB8AC3E}">
-        <p14:creationId xmlns:p14="http://schemas.microsoft.com/office/powerpoint/2010/main" val="3515527969"/>
-      </p:ext>
-    </p:extLst>
-  </p:cSld>
-  <p:clrMapOvr>
-    <a:masterClrMapping/>
-  </p:clrMapOvr>
-</p:sld>
-</file>
-
-<file path=ppt/slides/slide15.xml><?xml version="1.0" encoding="utf-8"?>
-<p:sld xmlns:a="http://schemas.openxmlformats.org/drawingml/2006/main" xmlns:r="http://schemas.openxmlformats.org/officeDocument/2006/relationships" xmlns:p="http://schemas.openxmlformats.org/presentationml/2006/main">
-  <p:cSld>
-    <p:spTree>
-      <p:nvGrpSpPr>
-        <p:cNvPr id="1" name=""/>
-        <p:cNvGrpSpPr/>
-        <p:nvPr/>
-      </p:nvGrpSpPr>
-      <p:grpSpPr>
-        <a:xfrm>
-          <a:off x="0" y="0"/>
-          <a:ext cx="0" cy="0"/>
-          <a:chOff x="0" y="0"/>
-          <a:chExt cx="0" cy="0"/>
-        </a:xfrm>
-      </p:grpSpPr>
-      <p:sp>
-        <p:nvSpPr>
-          <p:cNvPr id="2" name="Заголовок 1"/>
-          <p:cNvSpPr>
-            <a:spLocks noGrp="1"/>
-          </p:cNvSpPr>
-          <p:nvPr>
-            <p:ph type="ctrTitle"/>
-          </p:nvPr>
-        </p:nvSpPr>
-        <p:spPr>
-          <a:xfrm>
-            <a:off x="467544" y="188640"/>
-            <a:ext cx="8136904" cy="648071"/>
-          </a:xfrm>
-        </p:spPr>
-        <p:txBody>
-          <a:bodyPr>
-            <a:normAutofit fontScale="90000"/>
-          </a:bodyPr>
-          <a:lstStyle/>
-          <a:p>
-            <a:r>
-              <a:rPr lang="ru-RU" dirty="0"/>
-              <a:t>Структура базы данных</a:t>
-            </a:r>
-          </a:p>
-        </p:txBody>
-      </p:sp>
-      <p:sp>
-        <p:nvSpPr>
-          <p:cNvPr id="3" name="Подзаголовок 2"/>
-          <p:cNvSpPr>
-            <a:spLocks noGrp="1"/>
-          </p:cNvSpPr>
-          <p:nvPr>
-            <p:ph type="subTitle" idx="1"/>
-          </p:nvPr>
-        </p:nvSpPr>
-        <p:spPr>
-          <a:xfrm>
-            <a:off x="498190" y="5589240"/>
-            <a:ext cx="8106258" cy="648072"/>
-          </a:xfrm>
-        </p:spPr>
-        <p:txBody>
-          <a:bodyPr>
-            <a:normAutofit/>
-          </a:bodyPr>
-          <a:lstStyle/>
-          <a:p>
-            <a:r>
-              <a:rPr lang="ru-RU" altLang="en-US" sz="2400" dirty="0">
-                <a:solidFill>
-                  <a:schemeClr val="tx1"/>
-                </a:solidFill>
-                <a:latin typeface="Arial" panose="020B0604020202020204" pitchFamily="34" charset="0"/>
-                <a:cs typeface="Arial" panose="020B0604020202020204" pitchFamily="34" charset="0"/>
-              </a:rPr>
-              <a:t>Схема 4.</a:t>
-            </a:r>
-            <a:r>
-              <a:rPr lang="en-US" altLang="en-US" sz="2400" dirty="0">
-                <a:solidFill>
-                  <a:schemeClr val="tx1"/>
-                </a:solidFill>
-                <a:latin typeface="Arial" panose="020B0604020202020204" pitchFamily="34" charset="0"/>
-                <a:cs typeface="Arial" panose="020B0604020202020204" pitchFamily="34" charset="0"/>
-              </a:rPr>
-              <a:t> </a:t>
-            </a:r>
-            <a:r>
-              <a:rPr lang="ru-RU" altLang="en-US" sz="2400" dirty="0">
-                <a:solidFill>
-                  <a:schemeClr val="tx1"/>
-                </a:solidFill>
-                <a:latin typeface="Arial" panose="020B0604020202020204" pitchFamily="34" charset="0"/>
-                <a:cs typeface="Arial" panose="020B0604020202020204" pitchFamily="34" charset="0"/>
-              </a:rPr>
-              <a:t>структура базы данных</a:t>
-            </a:r>
-          </a:p>
-        </p:txBody>
-      </p:sp>
-      <p:pic>
-        <p:nvPicPr>
-          <p:cNvPr id="5" name="Рисунок 4">
-            <a:extLst>
-              <a:ext uri="{FF2B5EF4-FFF2-40B4-BE49-F238E27FC236}">
-                <a16:creationId xmlns:a16="http://schemas.microsoft.com/office/drawing/2014/main" id="{F5DF51F1-64AA-BD6E-5614-377DC0D0D29B}"/>
-              </a:ext>
-            </a:extLst>
-          </p:cNvPr>
-          <p:cNvPicPr>
-            <a:picLocks noChangeAspect="1"/>
-          </p:cNvPicPr>
-          <p:nvPr/>
-        </p:nvPicPr>
-        <p:blipFill>
-          <a:blip r:embed="rId2"/>
-          <a:stretch>
-            <a:fillRect/>
-          </a:stretch>
-        </p:blipFill>
-        <p:spPr>
-          <a:xfrm>
-            <a:off x="3109912" y="1762125"/>
-            <a:ext cx="2924175" cy="3333750"/>
-          </a:xfrm>
-          <a:prstGeom prst="rect">
-            <a:avLst/>
-          </a:prstGeom>
-        </p:spPr>
-      </p:pic>
-    </p:spTree>
-    <p:extLst>
-      <p:ext uri="{BB962C8B-B14F-4D97-AF65-F5344CB8AC3E}">
-        <p14:creationId xmlns:p14="http://schemas.microsoft.com/office/powerpoint/2010/main" val="2839491125"/>
-      </p:ext>
-    </p:extLst>
-  </p:cSld>
-  <p:clrMapOvr>
-    <a:masterClrMapping/>
-  </p:clrMapOvr>
-</p:sld>
-</file>
-
-<file path=ppt/slides/slide16.xml><?xml version="1.0" encoding="utf-8"?>
-<p:sld xmlns:a="http://schemas.openxmlformats.org/drawingml/2006/main" xmlns:r="http://schemas.openxmlformats.org/officeDocument/2006/relationships" xmlns:p="http://schemas.openxmlformats.org/presentationml/2006/main">
-  <p:cSld>
-    <p:spTree>
-      <p:nvGrpSpPr>
-        <p:cNvPr id="1" name=""/>
-        <p:cNvGrpSpPr/>
-        <p:nvPr/>
-      </p:nvGrpSpPr>
-      <p:grpSpPr>
-        <a:xfrm>
-          <a:off x="0" y="0"/>
-          <a:ext cx="0" cy="0"/>
-          <a:chOff x="0" y="0"/>
-          <a:chExt cx="0" cy="0"/>
-        </a:xfrm>
-      </p:grpSpPr>
-      <p:sp>
-        <p:nvSpPr>
-          <p:cNvPr id="2" name="Заголовок 1">
-            <a:extLst>
-              <a:ext uri="{FF2B5EF4-FFF2-40B4-BE49-F238E27FC236}">
-                <a16:creationId xmlns:a16="http://schemas.microsoft.com/office/drawing/2014/main" id="{491F3AE5-8F5E-FB66-D9E0-D86BDEFC85E5}"/>
-              </a:ext>
-            </a:extLst>
-          </p:cNvPr>
-          <p:cNvSpPr>
-            <a:spLocks noGrp="1"/>
-          </p:cNvSpPr>
-          <p:nvPr>
-            <p:ph type="title"/>
-          </p:nvPr>
-        </p:nvSpPr>
-        <p:spPr/>
-        <p:txBody>
-          <a:bodyPr>
-            <a:normAutofit/>
-          </a:bodyPr>
-          <a:lstStyle/>
-          <a:p>
-            <a:r>
-              <a:rPr lang="ru-RU" sz="3600" dirty="0"/>
-              <a:t>Проценты готовности работ</a:t>
-            </a:r>
-          </a:p>
-        </p:txBody>
-      </p:sp>
-      <p:sp>
-        <p:nvSpPr>
-          <p:cNvPr id="3" name="Объект 2">
-            <a:extLst>
-              <a:ext uri="{FF2B5EF4-FFF2-40B4-BE49-F238E27FC236}">
-                <a16:creationId xmlns:a16="http://schemas.microsoft.com/office/drawing/2014/main" id="{86D743FF-0B1E-2705-B3B4-92263E9E1D2C}"/>
-              </a:ext>
-            </a:extLst>
-          </p:cNvPr>
-          <p:cNvSpPr>
-            <a:spLocks noGrp="1"/>
-          </p:cNvSpPr>
-          <p:nvPr>
-            <p:ph idx="1"/>
-          </p:nvPr>
-        </p:nvSpPr>
-        <p:spPr/>
-        <p:txBody>
-          <a:bodyPr anchor="ctr">
-            <a:normAutofit/>
-          </a:bodyPr>
-          <a:lstStyle/>
-          <a:p>
-            <a:pPr marL="0" indent="0" algn="ctr">
-              <a:buNone/>
-            </a:pPr>
-            <a:r>
-              <a:rPr lang="ru-RU" altLang="en-US" sz="2800" dirty="0">
-                <a:solidFill>
-                  <a:schemeClr val="tx1"/>
-                </a:solidFill>
-                <a:latin typeface="Arial" panose="020B0604020202020204" pitchFamily="34" charset="0"/>
-                <a:cs typeface="Arial" panose="020B0604020202020204" pitchFamily="34" charset="0"/>
-              </a:rPr>
-              <a:t>ТЗ: </a:t>
-            </a:r>
-            <a:r>
-              <a:rPr lang="en-US" altLang="en-US" sz="2800" dirty="0">
-                <a:latin typeface="Arial" panose="020B0604020202020204" pitchFamily="34" charset="0"/>
-                <a:cs typeface="Arial" panose="020B0604020202020204" pitchFamily="34" charset="0"/>
-              </a:rPr>
-              <a:t>~</a:t>
-            </a:r>
-            <a:r>
-              <a:rPr lang="ru-RU" altLang="en-US" sz="2800" dirty="0">
-                <a:solidFill>
-                  <a:schemeClr val="tx1"/>
-                </a:solidFill>
-                <a:latin typeface="Arial" panose="020B0604020202020204" pitchFamily="34" charset="0"/>
-                <a:cs typeface="Arial" panose="020B0604020202020204" pitchFamily="34" charset="0"/>
-              </a:rPr>
-              <a:t>готово</a:t>
-            </a:r>
-            <a:endParaRPr lang="en-US" altLang="en-US" sz="2800" dirty="0">
-              <a:solidFill>
-                <a:schemeClr val="tx1"/>
-              </a:solidFill>
-              <a:latin typeface="Arial" panose="020B0604020202020204" pitchFamily="34" charset="0"/>
-              <a:cs typeface="Arial" panose="020B0604020202020204" pitchFamily="34" charset="0"/>
-            </a:endParaRPr>
-          </a:p>
-          <a:p>
-            <a:pPr marL="0" indent="0" algn="ctr">
-              <a:buNone/>
-            </a:pPr>
-            <a:r>
-              <a:rPr lang="ru-RU" altLang="en-US" sz="2800" dirty="0">
-                <a:solidFill>
-                  <a:schemeClr val="tx1"/>
-                </a:solidFill>
-                <a:latin typeface="Arial" panose="020B0604020202020204" pitchFamily="34" charset="0"/>
-                <a:cs typeface="Arial" panose="020B0604020202020204" pitchFamily="34" charset="0"/>
-              </a:rPr>
-              <a:t>ПЗ: </a:t>
-            </a:r>
-            <a:r>
-              <a:rPr lang="en-US" altLang="en-US" sz="2800" dirty="0">
-                <a:solidFill>
-                  <a:schemeClr val="tx1"/>
-                </a:solidFill>
-                <a:latin typeface="Arial" panose="020B0604020202020204" pitchFamily="34" charset="0"/>
-                <a:cs typeface="Arial" panose="020B0604020202020204" pitchFamily="34" charset="0"/>
-              </a:rPr>
-              <a:t>~</a:t>
-            </a:r>
-            <a:r>
-              <a:rPr lang="ru-RU" altLang="en-US" sz="2800" dirty="0">
-                <a:solidFill>
-                  <a:schemeClr val="tx1"/>
-                </a:solidFill>
-                <a:latin typeface="Arial" panose="020B0604020202020204" pitchFamily="34" charset="0"/>
-                <a:cs typeface="Arial" panose="020B0604020202020204" pitchFamily="34" charset="0"/>
-              </a:rPr>
-              <a:t>50</a:t>
-            </a:r>
-            <a:r>
-              <a:rPr lang="en-US" altLang="en-US" sz="2800" dirty="0">
-                <a:solidFill>
-                  <a:schemeClr val="tx1"/>
-                </a:solidFill>
-                <a:latin typeface="Arial" panose="020B0604020202020204" pitchFamily="34" charset="0"/>
-                <a:cs typeface="Arial" panose="020B0604020202020204" pitchFamily="34" charset="0"/>
-              </a:rPr>
-              <a:t>%</a:t>
-            </a:r>
-          </a:p>
-          <a:p>
-            <a:pPr marL="0" indent="0" algn="ctr">
-              <a:buNone/>
-            </a:pPr>
-            <a:r>
-              <a:rPr lang="ru-RU" altLang="en-US" sz="2800" dirty="0">
-                <a:solidFill>
-                  <a:schemeClr val="tx1"/>
-                </a:solidFill>
-                <a:latin typeface="Arial" panose="020B0604020202020204" pitchFamily="34" charset="0"/>
-                <a:cs typeface="Arial" panose="020B0604020202020204" pitchFamily="34" charset="0"/>
-              </a:rPr>
-              <a:t>Программа: </a:t>
-            </a:r>
-            <a:r>
-              <a:rPr lang="en-US" altLang="en-US" sz="2800" dirty="0">
-                <a:solidFill>
-                  <a:schemeClr val="tx1"/>
-                </a:solidFill>
-                <a:latin typeface="Arial" panose="020B0604020202020204" pitchFamily="34" charset="0"/>
-                <a:cs typeface="Arial" panose="020B0604020202020204" pitchFamily="34" charset="0"/>
-              </a:rPr>
-              <a:t>~</a:t>
-            </a:r>
-            <a:r>
-              <a:rPr lang="ru-RU" altLang="en-US" sz="2800" dirty="0">
-                <a:solidFill>
-                  <a:schemeClr val="tx1"/>
-                </a:solidFill>
-                <a:latin typeface="Arial" panose="020B0604020202020204" pitchFamily="34" charset="0"/>
-                <a:cs typeface="Arial" panose="020B0604020202020204" pitchFamily="34" charset="0"/>
-              </a:rPr>
-              <a:t>50</a:t>
-            </a:r>
-            <a:r>
-              <a:rPr lang="en-US" altLang="en-US" sz="2800" dirty="0">
-                <a:solidFill>
-                  <a:schemeClr val="tx1"/>
-                </a:solidFill>
-                <a:latin typeface="Arial" panose="020B0604020202020204" pitchFamily="34" charset="0"/>
-                <a:cs typeface="Arial" panose="020B0604020202020204" pitchFamily="34" charset="0"/>
-              </a:rPr>
-              <a:t>%</a:t>
-            </a:r>
-          </a:p>
-        </p:txBody>
-      </p:sp>
-    </p:spTree>
-    <p:extLst>
-      <p:ext uri="{BB962C8B-B14F-4D97-AF65-F5344CB8AC3E}">
-        <p14:creationId xmlns:p14="http://schemas.microsoft.com/office/powerpoint/2010/main" val="1717102549"/>
-      </p:ext>
-    </p:extLst>
-  </p:cSld>
-  <p:clrMapOvr>
-    <a:masterClrMapping/>
-  </p:clrMapOvr>
-</p:sld>
-</file>
-
-<file path=ppt/slides/slide2.xml><?xml version="1.0" encoding="utf-8"?>
-<p:sld xmlns:a="http://schemas.openxmlformats.org/drawingml/2006/main" xmlns:r="http://schemas.openxmlformats.org/officeDocument/2006/relationships" xmlns:p="http://schemas.openxmlformats.org/presentationml/2006/main">
-  <p:cSld>
-    <p:spTree>
-      <p:nvGrpSpPr>
-        <p:cNvPr id="1" name=""/>
-        <p:cNvGrpSpPr/>
-        <p:nvPr/>
-      </p:nvGrpSpPr>
-      <p:grpSpPr>
-        <a:xfrm>
-          <a:off x="0" y="0"/>
-          <a:ext cx="0" cy="0"/>
-          <a:chOff x="0" y="0"/>
-          <a:chExt cx="0" cy="0"/>
-        </a:xfrm>
-      </p:grpSpPr>
-      <p:sp>
-        <p:nvSpPr>
-          <p:cNvPr id="2" name="Заголовок 1"/>
-          <p:cNvSpPr>
-            <a:spLocks noGrp="1"/>
-          </p:cNvSpPr>
-          <p:nvPr>
-            <p:ph type="ctrTitle"/>
-          </p:nvPr>
-        </p:nvSpPr>
-        <p:spPr>
-          <a:xfrm>
-            <a:off x="683568" y="188640"/>
-            <a:ext cx="7772400" cy="648071"/>
-          </a:xfrm>
-        </p:spPr>
-        <p:txBody>
-          <a:bodyPr>
-            <a:normAutofit/>
-          </a:bodyPr>
-          <a:lstStyle/>
-          <a:p>
-            <a:r>
-              <a:rPr lang="ru-RU" sz="3600" dirty="0"/>
-              <a:t>Актуальность работы</a:t>
-            </a:r>
-          </a:p>
-        </p:txBody>
-      </p:sp>
-      <p:sp>
-        <p:nvSpPr>
-          <p:cNvPr id="3" name="Подзаголовок 2"/>
-          <p:cNvSpPr>
-            <a:spLocks noGrp="1"/>
-          </p:cNvSpPr>
-          <p:nvPr>
-            <p:ph type="subTitle" idx="1"/>
-          </p:nvPr>
-        </p:nvSpPr>
-        <p:spPr>
-          <a:xfrm>
-            <a:off x="498190" y="1340768"/>
-            <a:ext cx="8106258" cy="4896544"/>
-          </a:xfrm>
-        </p:spPr>
-        <p:txBody>
-          <a:bodyPr anchor="ctr">
-            <a:normAutofit/>
-          </a:bodyPr>
-          <a:lstStyle/>
-          <a:p>
-            <a:pPr algn="l">
-              <a:lnSpc>
-                <a:spcPct val="120000"/>
-              </a:lnSpc>
-              <a:spcBef>
-                <a:spcPts val="600"/>
-              </a:spcBef>
-            </a:pPr>
-            <a:r>
-              <a:rPr lang="ru-RU" sz="2000" b="1" dirty="0">
-                <a:solidFill>
-                  <a:schemeClr val="tx1"/>
-                </a:solidFill>
-                <a:latin typeface="Arial" panose="020B0604020202020204" pitchFamily="34" charset="0"/>
-                <a:cs typeface="Arial" panose="020B0604020202020204" pitchFamily="34" charset="0"/>
-              </a:rPr>
-              <a:t>Актуальность работы обусловлена:</a:t>
-            </a:r>
-          </a:p>
-          <a:p>
-            <a:pPr marL="457200" indent="-457200" algn="l">
-              <a:lnSpc>
-                <a:spcPct val="120000"/>
-              </a:lnSpc>
-              <a:spcBef>
-                <a:spcPts val="600"/>
-              </a:spcBef>
-              <a:buFont typeface="Arial" panose="020B0604020202020204" pitchFamily="34" charset="0"/>
-              <a:buChar char="•"/>
-            </a:pPr>
-            <a:r>
-              <a:rPr lang="ru-RU" sz="2000" dirty="0">
-                <a:solidFill>
-                  <a:schemeClr val="tx1"/>
-                </a:solidFill>
-                <a:latin typeface="Arial" panose="020B0604020202020204" pitchFamily="34" charset="0"/>
-                <a:ea typeface="Times New Roman" panose="02020603050405020304" pitchFamily="18" charset="0"/>
-                <a:cs typeface="Arial" panose="020B0604020202020204" pitchFamily="34" charset="0"/>
-              </a:rPr>
-              <a:t>р</a:t>
-            </a:r>
-            <a:r>
-              <a:rPr lang="ru-RU" sz="2000" dirty="0">
-                <a:solidFill>
-                  <a:schemeClr val="tx1"/>
-                </a:solidFill>
-                <a:effectLst/>
-                <a:latin typeface="Arial" panose="020B0604020202020204" pitchFamily="34" charset="0"/>
-                <a:ea typeface="Times New Roman" panose="02020603050405020304" pitchFamily="18" charset="0"/>
-                <a:cs typeface="Arial" panose="020B0604020202020204" pitchFamily="34" charset="0"/>
-              </a:rPr>
-              <a:t>остом рынка мобильной связи</a:t>
-            </a:r>
-          </a:p>
-          <a:p>
-            <a:pPr marL="457200" indent="-457200" algn="l">
-              <a:lnSpc>
-                <a:spcPct val="120000"/>
-              </a:lnSpc>
-              <a:spcBef>
-                <a:spcPts val="600"/>
-              </a:spcBef>
-              <a:buFont typeface="Arial" panose="020B0604020202020204" pitchFamily="34" charset="0"/>
-              <a:buChar char="•"/>
-            </a:pPr>
-            <a:r>
-              <a:rPr lang="ru-RU" sz="2000" dirty="0">
-                <a:solidFill>
-                  <a:schemeClr val="tx1"/>
-                </a:solidFill>
-                <a:latin typeface="Arial" panose="020B0604020202020204" pitchFamily="34" charset="0"/>
-                <a:ea typeface="Times New Roman" panose="02020603050405020304" pitchFamily="18" charset="0"/>
-                <a:cs typeface="Arial" panose="020B0604020202020204" pitchFamily="34" charset="0"/>
-              </a:rPr>
-              <a:t>м</a:t>
-            </a:r>
-            <a:r>
-              <a:rPr lang="ru-RU" sz="2000" dirty="0">
-                <a:solidFill>
-                  <a:schemeClr val="tx1"/>
-                </a:solidFill>
-                <a:effectLst/>
-                <a:latin typeface="Arial" panose="020B0604020202020204" pitchFamily="34" charset="0"/>
-                <a:ea typeface="Times New Roman" panose="02020603050405020304" pitchFamily="18" charset="0"/>
-                <a:cs typeface="Arial" panose="020B0604020202020204" pitchFamily="34" charset="0"/>
-              </a:rPr>
-              <a:t>ногообразием тарифов и услуг</a:t>
-            </a:r>
-          </a:p>
-          <a:p>
-            <a:pPr marL="457200" indent="-457200" algn="l">
-              <a:lnSpc>
-                <a:spcPct val="120000"/>
-              </a:lnSpc>
-              <a:spcBef>
-                <a:spcPts val="600"/>
-              </a:spcBef>
-              <a:buFont typeface="Arial" panose="020B0604020202020204" pitchFamily="34" charset="0"/>
-              <a:buChar char="•"/>
-            </a:pPr>
-            <a:r>
-              <a:rPr lang="ru-RU" sz="2000" dirty="0">
-                <a:solidFill>
-                  <a:schemeClr val="tx1"/>
-                </a:solidFill>
-                <a:latin typeface="Arial" panose="020B0604020202020204" pitchFamily="34" charset="0"/>
-                <a:ea typeface="Times New Roman" panose="02020603050405020304" pitchFamily="18" charset="0"/>
-                <a:cs typeface="Arial" panose="020B0604020202020204" pitchFamily="34" charset="0"/>
-              </a:rPr>
-              <a:t>с</a:t>
-            </a:r>
-            <a:r>
-              <a:rPr lang="ru-RU" sz="2000" dirty="0">
-                <a:solidFill>
-                  <a:schemeClr val="tx1"/>
-                </a:solidFill>
-                <a:effectLst/>
-                <a:latin typeface="Arial" panose="020B0604020202020204" pitchFamily="34" charset="0"/>
-                <a:ea typeface="Times New Roman" panose="02020603050405020304" pitchFamily="18" charset="0"/>
-                <a:cs typeface="Arial" panose="020B0604020202020204" pitchFamily="34" charset="0"/>
-              </a:rPr>
-              <a:t>тремлением потребителей получить услуги по оптимальным ценам</a:t>
-            </a:r>
-          </a:p>
-          <a:p>
-            <a:pPr marL="457200" indent="-457200" algn="l">
-              <a:lnSpc>
-                <a:spcPct val="120000"/>
-              </a:lnSpc>
-              <a:spcBef>
-                <a:spcPts val="600"/>
-              </a:spcBef>
-              <a:buFont typeface="Arial" panose="020B0604020202020204" pitchFamily="34" charset="0"/>
-              <a:buChar char="•"/>
-            </a:pPr>
-            <a:r>
-              <a:rPr lang="ru-RU" sz="2000" dirty="0">
-                <a:solidFill>
-                  <a:schemeClr val="tx1"/>
-                </a:solidFill>
-                <a:latin typeface="Arial" panose="020B0604020202020204" pitchFamily="34" charset="0"/>
-                <a:ea typeface="Times New Roman" panose="02020603050405020304" pitchFamily="18" charset="0"/>
-                <a:cs typeface="Arial" panose="020B0604020202020204" pitchFamily="34" charset="0"/>
-              </a:rPr>
-              <a:t>цифровизацией и онлайн-сервисами</a:t>
-            </a:r>
-            <a:endParaRPr lang="ru-RU" sz="2000" dirty="0">
-              <a:solidFill>
-                <a:schemeClr val="tx1"/>
-              </a:solidFill>
-              <a:effectLst/>
-              <a:latin typeface="Arial" panose="020B0604020202020204" pitchFamily="34" charset="0"/>
-              <a:ea typeface="Times New Roman" panose="02020603050405020304" pitchFamily="18" charset="0"/>
-              <a:cs typeface="Arial" panose="020B0604020202020204" pitchFamily="34" charset="0"/>
-            </a:endParaRPr>
-          </a:p>
-          <a:p>
-            <a:pPr marL="457200" indent="-457200" algn="l">
-              <a:lnSpc>
-                <a:spcPct val="120000"/>
-              </a:lnSpc>
-              <a:spcBef>
-                <a:spcPts val="600"/>
-              </a:spcBef>
-              <a:buFont typeface="Arial" panose="020B0604020202020204" pitchFamily="34" charset="0"/>
-              <a:buChar char="•"/>
-            </a:pPr>
-            <a:r>
-              <a:rPr lang="ru-RU" sz="2000" dirty="0">
-                <a:solidFill>
-                  <a:schemeClr val="tx1"/>
-                </a:solidFill>
-                <a:latin typeface="Arial" panose="020B0604020202020204" pitchFamily="34" charset="0"/>
-                <a:ea typeface="Times New Roman" panose="02020603050405020304" pitchFamily="18" charset="0"/>
-                <a:cs typeface="Arial" panose="020B0604020202020204" pitchFamily="34" charset="0"/>
-              </a:rPr>
-              <a:t>отсутствием качественных существующих решений</a:t>
-            </a:r>
-            <a:endParaRPr lang="ru-RU" sz="2000" dirty="0">
-              <a:solidFill>
-                <a:schemeClr val="tx1"/>
-              </a:solidFill>
-              <a:effectLst/>
-              <a:latin typeface="Arial" panose="020B0604020202020204" pitchFamily="34" charset="0"/>
-              <a:ea typeface="Times New Roman" panose="02020603050405020304" pitchFamily="18" charset="0"/>
-              <a:cs typeface="Arial" panose="020B0604020202020204" pitchFamily="34" charset="0"/>
-            </a:endParaRPr>
-          </a:p>
-        </p:txBody>
-      </p:sp>
-    </p:spTree>
-    <p:extLst>
-      <p:ext uri="{BB962C8B-B14F-4D97-AF65-F5344CB8AC3E}">
-        <p14:creationId xmlns:p14="http://schemas.microsoft.com/office/powerpoint/2010/main" val="1053462166"/>
-      </p:ext>
-    </p:extLst>
-  </p:cSld>
-  <p:clrMapOvr>
-    <a:masterClrMapping/>
-  </p:clrMapOvr>
-</p:sld>
-</file>
-
-<file path=ppt/slides/slide3.xml><?xml version="1.0" encoding="utf-8"?>
-<p:sld xmlns:a="http://schemas.openxmlformats.org/drawingml/2006/main" xmlns:r="http://schemas.openxmlformats.org/officeDocument/2006/relationships" xmlns:p="http://schemas.openxmlformats.org/presentationml/2006/main">
-  <p:cSld>
-    <p:spTree>
-      <p:nvGrpSpPr>
-        <p:cNvPr id="1" name=""/>
-        <p:cNvGrpSpPr/>
-        <p:nvPr/>
-      </p:nvGrpSpPr>
-      <p:grpSpPr>
-        <a:xfrm>
-          <a:off x="0" y="0"/>
-          <a:ext cx="0" cy="0"/>
-          <a:chOff x="0" y="0"/>
-          <a:chExt cx="0" cy="0"/>
-        </a:xfrm>
-      </p:grpSpPr>
-      <p:sp>
-        <p:nvSpPr>
-          <p:cNvPr id="2" name="Заголовок 1"/>
-          <p:cNvSpPr>
-            <a:spLocks noGrp="1"/>
-          </p:cNvSpPr>
-          <p:nvPr>
-            <p:ph type="ctrTitle"/>
-          </p:nvPr>
-        </p:nvSpPr>
-        <p:spPr>
-          <a:xfrm>
-            <a:off x="467544" y="188640"/>
-            <a:ext cx="8136904" cy="648071"/>
-          </a:xfrm>
-        </p:spPr>
-        <p:txBody>
-          <a:bodyPr>
-            <a:noAutofit/>
-          </a:bodyPr>
-          <a:lstStyle/>
-          <a:p>
-            <a:r>
-              <a:rPr lang="ru-RU" sz="3600" dirty="0">
-                <a:latin typeface="Arial" panose="020B0604020202020204" pitchFamily="34" charset="0"/>
-                <a:cs typeface="Arial" panose="020B0604020202020204" pitchFamily="34" charset="0"/>
-              </a:rPr>
-              <a:t>Цель работы и задачи исследования</a:t>
-            </a:r>
-          </a:p>
-        </p:txBody>
-      </p:sp>
-      <p:sp>
-        <p:nvSpPr>
-          <p:cNvPr id="3" name="Подзаголовок 2"/>
-          <p:cNvSpPr>
-            <a:spLocks noGrp="1"/>
-          </p:cNvSpPr>
-          <p:nvPr>
-            <p:ph type="subTitle" idx="1"/>
-          </p:nvPr>
-        </p:nvSpPr>
-        <p:spPr>
-          <a:xfrm>
-            <a:off x="498190" y="1340768"/>
-            <a:ext cx="8106258" cy="5112568"/>
-          </a:xfrm>
-        </p:spPr>
-        <p:txBody>
-          <a:bodyPr anchor="ctr">
-            <a:noAutofit/>
-          </a:bodyPr>
-          <a:lstStyle/>
-          <a:p>
-            <a:pPr indent="450215" algn="just">
-              <a:lnSpc>
-                <a:spcPct val="150000"/>
-              </a:lnSpc>
-            </a:pPr>
-            <a:r>
-              <a:rPr lang="ru-RU" sz="1800" b="1" dirty="0">
-                <a:solidFill>
-                  <a:schemeClr val="tx1"/>
-                </a:solidFill>
-                <a:latin typeface="Arial" panose="020B0604020202020204" pitchFamily="34" charset="0"/>
-                <a:cs typeface="Arial" panose="020B0604020202020204" pitchFamily="34" charset="0"/>
-              </a:rPr>
-              <a:t>	Цель работы: </a:t>
-            </a:r>
-            <a:r>
-              <a:rPr lang="ru-RU" sz="1800" dirty="0">
-                <a:solidFill>
-                  <a:schemeClr val="tx1"/>
-                </a:solidFill>
-                <a:effectLst/>
-                <a:latin typeface="Arial" panose="020B0604020202020204" pitchFamily="34" charset="0"/>
-                <a:ea typeface="Times New Roman" panose="02020603050405020304" pitchFamily="18" charset="0"/>
-                <a:cs typeface="Arial" panose="020B0604020202020204" pitchFamily="34" charset="0"/>
-              </a:rPr>
-              <a:t>предоставление пользователям удобного интерфейса для выбора актуального и подходящего под личные нужны тарифного плана в Волгоградской области.</a:t>
-            </a:r>
-            <a:endParaRPr lang="ru-RU" sz="1800" dirty="0">
-              <a:solidFill>
-                <a:schemeClr val="tx1"/>
-              </a:solidFill>
-              <a:latin typeface="Arial" panose="020B0604020202020204" pitchFamily="34" charset="0"/>
-              <a:cs typeface="Arial" panose="020B0604020202020204" pitchFamily="34" charset="0"/>
-            </a:endParaRPr>
-          </a:p>
-          <a:p>
-            <a:pPr algn="just"/>
-            <a:r>
-              <a:rPr lang="ru-RU" sz="1800" b="1" dirty="0">
-                <a:solidFill>
-                  <a:schemeClr val="tx1"/>
-                </a:solidFill>
-                <a:latin typeface="Arial" panose="020B0604020202020204" pitchFamily="34" charset="0"/>
-                <a:cs typeface="Arial" panose="020B0604020202020204" pitchFamily="34" charset="0"/>
-              </a:rPr>
-              <a:t>	Задачи:</a:t>
-            </a:r>
-          </a:p>
-          <a:p>
-            <a:pPr marL="342900" indent="-342900" algn="just">
-              <a:lnSpc>
-                <a:spcPct val="150000"/>
-              </a:lnSpc>
-              <a:buFont typeface="Arial" panose="020B0604020202020204" pitchFamily="34" charset="0"/>
-              <a:buChar char="•"/>
-            </a:pPr>
-            <a:r>
-              <a:rPr lang="ru-RU" sz="1800" dirty="0">
-                <a:solidFill>
-                  <a:schemeClr val="tx1"/>
-                </a:solidFill>
-                <a:effectLst/>
-                <a:latin typeface="Arial" panose="020B0604020202020204" pitchFamily="34" charset="0"/>
-                <a:ea typeface="Times New Roman" panose="02020603050405020304" pitchFamily="18" charset="0"/>
-                <a:cs typeface="Arial" panose="020B0604020202020204" pitchFamily="34" charset="0"/>
-              </a:rPr>
-              <a:t>произвести анализ предметной области;</a:t>
-            </a:r>
-          </a:p>
-          <a:p>
-            <a:pPr marL="342900" indent="-342900" algn="just">
-              <a:lnSpc>
-                <a:spcPct val="150000"/>
-              </a:lnSpc>
-              <a:buFont typeface="Arial" panose="020B0604020202020204" pitchFamily="34" charset="0"/>
-              <a:buChar char="•"/>
-            </a:pPr>
-            <a:r>
-              <a:rPr lang="ru-RU" sz="1800" dirty="0">
-                <a:solidFill>
-                  <a:schemeClr val="tx1"/>
-                </a:solidFill>
-                <a:effectLst/>
-                <a:latin typeface="Arial" panose="020B0604020202020204" pitchFamily="34" charset="0"/>
-                <a:ea typeface="Times New Roman" panose="02020603050405020304" pitchFamily="18" charset="0"/>
-                <a:cs typeface="Arial" panose="020B0604020202020204" pitchFamily="34" charset="0"/>
-              </a:rPr>
-              <a:t>произвести обзор существующих аналогов и выявить их основные преимущества и недостатки;</a:t>
-            </a:r>
-          </a:p>
-          <a:p>
-            <a:pPr marL="342900" indent="-342900" algn="just">
-              <a:lnSpc>
-                <a:spcPct val="150000"/>
-              </a:lnSpc>
-              <a:buFont typeface="Arial" panose="020B0604020202020204" pitchFamily="34" charset="0"/>
-              <a:buChar char="•"/>
-            </a:pPr>
-            <a:r>
-              <a:rPr lang="ru-RU" sz="1800" dirty="0">
-                <a:solidFill>
-                  <a:schemeClr val="tx1"/>
-                </a:solidFill>
-                <a:effectLst/>
-                <a:latin typeface="Arial" panose="020B0604020202020204" pitchFamily="34" charset="0"/>
-                <a:ea typeface="Times New Roman" panose="02020603050405020304" pitchFamily="18" charset="0"/>
-                <a:cs typeface="Arial" panose="020B0604020202020204" pitchFamily="34" charset="0"/>
-              </a:rPr>
-              <a:t>определить требования к разрабатываемому веб-сервису;</a:t>
-            </a:r>
-          </a:p>
-          <a:p>
-            <a:pPr marL="342900" indent="-342900" algn="just">
-              <a:lnSpc>
-                <a:spcPct val="150000"/>
-              </a:lnSpc>
-              <a:buFont typeface="Arial" panose="020B0604020202020204" pitchFamily="34" charset="0"/>
-              <a:buChar char="•"/>
-            </a:pPr>
-            <a:r>
-              <a:rPr lang="ru-RU" sz="1800" dirty="0">
-                <a:solidFill>
-                  <a:schemeClr val="tx1"/>
-                </a:solidFill>
-                <a:effectLst/>
-                <a:latin typeface="Arial" panose="020B0604020202020204" pitchFamily="34" charset="0"/>
-                <a:ea typeface="Times New Roman" panose="02020603050405020304" pitchFamily="18" charset="0"/>
-                <a:cs typeface="Arial" panose="020B0604020202020204" pitchFamily="34" charset="0"/>
-              </a:rPr>
-              <a:t>произвести проектирование базы данных;</a:t>
-            </a:r>
-          </a:p>
-          <a:p>
-            <a:pPr marL="342900" indent="-342900" algn="just">
-              <a:lnSpc>
-                <a:spcPct val="150000"/>
-              </a:lnSpc>
-              <a:buFont typeface="Arial" panose="020B0604020202020204" pitchFamily="34" charset="0"/>
-              <a:buChar char="•"/>
-            </a:pPr>
-            <a:r>
-              <a:rPr lang="ru-RU" sz="1800" dirty="0">
-                <a:solidFill>
-                  <a:schemeClr val="tx1"/>
-                </a:solidFill>
-                <a:effectLst/>
-                <a:latin typeface="Arial" panose="020B0604020202020204" pitchFamily="34" charset="0"/>
-                <a:ea typeface="Times New Roman" panose="02020603050405020304" pitchFamily="18" charset="0"/>
-                <a:cs typeface="Arial" panose="020B0604020202020204" pitchFamily="34" charset="0"/>
-              </a:rPr>
-              <a:t>протестировать работоспособность разработанного веб-сервиса.</a:t>
-            </a:r>
-          </a:p>
-        </p:txBody>
-      </p:sp>
-    </p:spTree>
-    <p:extLst>
-      <p:ext uri="{BB962C8B-B14F-4D97-AF65-F5344CB8AC3E}">
-        <p14:creationId xmlns:p14="http://schemas.microsoft.com/office/powerpoint/2010/main" val="2550941481"/>
-      </p:ext>
-    </p:extLst>
-  </p:cSld>
-  <p:clrMapOvr>
-    <a:masterClrMapping/>
-  </p:clrMapOvr>
-</p:sld>
-</file>
-
-<file path=ppt/slides/slide4.xml><?xml version="1.0" encoding="utf-8"?>
-<p:sld xmlns:a="http://schemas.openxmlformats.org/drawingml/2006/main" xmlns:r="http://schemas.openxmlformats.org/officeDocument/2006/relationships" xmlns:p="http://schemas.openxmlformats.org/presentationml/2006/main">
-  <p:cSld>
-    <p:spTree>
-      <p:nvGrpSpPr>
-        <p:cNvPr id="1" name=""/>
-        <p:cNvGrpSpPr/>
-        <p:nvPr/>
-      </p:nvGrpSpPr>
-      <p:grpSpPr>
-        <a:xfrm>
-          <a:off x="0" y="0"/>
-          <a:ext cx="0" cy="0"/>
-          <a:chOff x="0" y="0"/>
-          <a:chExt cx="0" cy="0"/>
-        </a:xfrm>
-      </p:grpSpPr>
-      <p:sp>
-        <p:nvSpPr>
-          <p:cNvPr id="2" name="Заголовок 1"/>
-          <p:cNvSpPr>
-            <a:spLocks noGrp="1"/>
-          </p:cNvSpPr>
-          <p:nvPr>
-            <p:ph type="ctrTitle"/>
-          </p:nvPr>
-        </p:nvSpPr>
-        <p:spPr>
-          <a:xfrm>
-            <a:off x="467544" y="188640"/>
-            <a:ext cx="8136904" cy="648071"/>
-          </a:xfrm>
-        </p:spPr>
-        <p:txBody>
-          <a:bodyPr>
-            <a:normAutofit/>
-          </a:bodyPr>
-          <a:lstStyle/>
-          <a:p>
-            <a:r>
-              <a:rPr lang="ru-RU" sz="3600" dirty="0"/>
-              <a:t>Объект исследования</a:t>
-            </a:r>
-          </a:p>
-        </p:txBody>
-      </p:sp>
-      <p:sp>
-        <p:nvSpPr>
-          <p:cNvPr id="3" name="Подзаголовок 2"/>
-          <p:cNvSpPr>
-            <a:spLocks noGrp="1"/>
-          </p:cNvSpPr>
-          <p:nvPr>
-            <p:ph type="subTitle" idx="1"/>
-          </p:nvPr>
-        </p:nvSpPr>
-        <p:spPr>
-          <a:xfrm>
-            <a:off x="498190" y="908720"/>
-            <a:ext cx="8106258" cy="5328592"/>
-          </a:xfrm>
-        </p:spPr>
-        <p:txBody>
-          <a:bodyPr anchor="ctr">
-            <a:normAutofit/>
-          </a:bodyPr>
-          <a:lstStyle/>
-          <a:p>
-            <a:pPr indent="450215" algn="just">
-              <a:lnSpc>
-                <a:spcPct val="150000"/>
-              </a:lnSpc>
-            </a:pPr>
-            <a:r>
-              <a:rPr lang="ru-RU" sz="2400" b="1" dirty="0">
-                <a:solidFill>
-                  <a:schemeClr val="tx1"/>
-                </a:solidFill>
-                <a:effectLst/>
-                <a:latin typeface="Arial" panose="020B0604020202020204" pitchFamily="34" charset="0"/>
-                <a:ea typeface="Times New Roman" panose="02020603050405020304" pitchFamily="18" charset="0"/>
-                <a:cs typeface="Arial" panose="020B0604020202020204" pitchFamily="34" charset="0"/>
-              </a:rPr>
-              <a:t>Объектом исследования</a:t>
-            </a:r>
-            <a:r>
-              <a:rPr lang="ru-RU" sz="2400" b="1" dirty="0">
-                <a:solidFill>
-                  <a:schemeClr val="tx1"/>
-                </a:solidFill>
-                <a:latin typeface="Arial" panose="020B0604020202020204" pitchFamily="34" charset="0"/>
-                <a:ea typeface="Times New Roman" panose="02020603050405020304" pitchFamily="18" charset="0"/>
-                <a:cs typeface="Arial" panose="020B0604020202020204" pitchFamily="34" charset="0"/>
-              </a:rPr>
-              <a:t> </a:t>
-            </a:r>
-            <a:r>
-              <a:rPr lang="ru-RU" sz="2400" dirty="0">
-                <a:solidFill>
-                  <a:schemeClr val="tx1"/>
-                </a:solidFill>
-                <a:latin typeface="Arial" panose="020B0604020202020204" pitchFamily="34" charset="0"/>
-                <a:ea typeface="Times New Roman" panose="02020603050405020304" pitchFamily="18" charset="0"/>
-                <a:cs typeface="Arial" panose="020B0604020202020204" pitchFamily="34" charset="0"/>
-              </a:rPr>
-              <a:t>является рынок мобильной связи в Волгоградской области</a:t>
-            </a:r>
-            <a:r>
-              <a:rPr lang="ru-RU" sz="2400" dirty="0">
-                <a:solidFill>
-                  <a:schemeClr val="tx1"/>
-                </a:solidFill>
-                <a:effectLst/>
-                <a:latin typeface="Arial" panose="020B0604020202020204" pitchFamily="34" charset="0"/>
-                <a:ea typeface="Times New Roman" panose="02020603050405020304" pitchFamily="18" charset="0"/>
-                <a:cs typeface="Arial" panose="020B0604020202020204" pitchFamily="34" charset="0"/>
-              </a:rPr>
-              <a:t>.</a:t>
-            </a:r>
-          </a:p>
-        </p:txBody>
-      </p:sp>
-    </p:spTree>
-    <p:extLst>
-      <p:ext uri="{BB962C8B-B14F-4D97-AF65-F5344CB8AC3E}">
-        <p14:creationId xmlns:p14="http://schemas.microsoft.com/office/powerpoint/2010/main" val="4098215581"/>
-      </p:ext>
-    </p:extLst>
-  </p:cSld>
-  <p:clrMapOvr>
-    <a:masterClrMapping/>
-  </p:clrMapOvr>
-</p:sld>
-</file>
-
-<file path=ppt/slides/slide5.xml><?xml version="1.0" encoding="utf-8"?>
-<p:sld xmlns:a="http://schemas.openxmlformats.org/drawingml/2006/main" xmlns:r="http://schemas.openxmlformats.org/officeDocument/2006/relationships" xmlns:p="http://schemas.openxmlformats.org/presentationml/2006/main">
-  <p:cSld>
-    <p:spTree>
-      <p:nvGrpSpPr>
-        <p:cNvPr id="1" name=""/>
-        <p:cNvGrpSpPr/>
-        <p:nvPr/>
-      </p:nvGrpSpPr>
-      <p:grpSpPr>
-        <a:xfrm>
-          <a:off x="0" y="0"/>
-          <a:ext cx="0" cy="0"/>
-          <a:chOff x="0" y="0"/>
-          <a:chExt cx="0" cy="0"/>
-        </a:xfrm>
-      </p:grpSpPr>
-      <p:sp>
-        <p:nvSpPr>
-          <p:cNvPr id="2" name="Заголовок 1"/>
-          <p:cNvSpPr>
-            <a:spLocks noGrp="1"/>
-          </p:cNvSpPr>
-          <p:nvPr>
-            <p:ph type="ctrTitle"/>
-          </p:nvPr>
-        </p:nvSpPr>
-        <p:spPr>
-          <a:xfrm>
-            <a:off x="467544" y="188640"/>
-            <a:ext cx="8136904" cy="648071"/>
-          </a:xfrm>
-        </p:spPr>
-        <p:txBody>
-          <a:bodyPr>
-            <a:normAutofit/>
-          </a:bodyPr>
-          <a:lstStyle/>
-          <a:p>
-            <a:r>
-              <a:rPr lang="ru-RU" sz="3600" dirty="0"/>
-              <a:t>Предмет исследования</a:t>
-            </a:r>
-          </a:p>
-        </p:txBody>
-      </p:sp>
-      <p:sp>
-        <p:nvSpPr>
-          <p:cNvPr id="3" name="Подзаголовок 2"/>
-          <p:cNvSpPr>
-            <a:spLocks noGrp="1"/>
-          </p:cNvSpPr>
-          <p:nvPr>
-            <p:ph type="subTitle" idx="1"/>
-          </p:nvPr>
-        </p:nvSpPr>
-        <p:spPr>
-          <a:xfrm>
-            <a:off x="498190" y="908720"/>
-            <a:ext cx="8106258" cy="5328592"/>
-          </a:xfrm>
-        </p:spPr>
-        <p:txBody>
-          <a:bodyPr anchor="ctr">
-            <a:normAutofit/>
-          </a:bodyPr>
-          <a:lstStyle/>
-          <a:p>
-            <a:pPr indent="450215" algn="just">
-              <a:lnSpc>
-                <a:spcPct val="150000"/>
-              </a:lnSpc>
-            </a:pPr>
-            <a:r>
-              <a:rPr lang="ru-RU" sz="2400" b="1" dirty="0">
-                <a:solidFill>
-                  <a:schemeClr val="tx1"/>
-                </a:solidFill>
-                <a:effectLst/>
-                <a:latin typeface="Arial" panose="020B0604020202020204" pitchFamily="34" charset="0"/>
-                <a:ea typeface="Times New Roman" panose="02020603050405020304" pitchFamily="18" charset="0"/>
-                <a:cs typeface="Arial" panose="020B0604020202020204" pitchFamily="34" charset="0"/>
-              </a:rPr>
-              <a:t>Предметом исследования</a:t>
-            </a:r>
-            <a:r>
-              <a:rPr lang="ru-RU" sz="2400" dirty="0">
-                <a:solidFill>
-                  <a:schemeClr val="tx1"/>
-                </a:solidFill>
-                <a:effectLst/>
-                <a:latin typeface="Arial" panose="020B0604020202020204" pitchFamily="34" charset="0"/>
-                <a:ea typeface="Times New Roman" panose="02020603050405020304" pitchFamily="18" charset="0"/>
-                <a:cs typeface="Arial" panose="020B0604020202020204" pitchFamily="34" charset="0"/>
-              </a:rPr>
-              <a:t> является процесс создания веб-сервиса, который обеспечивает удобство</a:t>
-            </a:r>
-            <a:r>
-              <a:rPr lang="ru-RU" sz="2400" dirty="0">
-                <a:solidFill>
-                  <a:schemeClr val="tx1"/>
-                </a:solidFill>
-                <a:latin typeface="Arial" panose="020B0604020202020204" pitchFamily="34" charset="0"/>
-                <a:ea typeface="Times New Roman" panose="02020603050405020304" pitchFamily="18" charset="0"/>
-                <a:cs typeface="Arial" panose="020B0604020202020204" pitchFamily="34" charset="0"/>
-              </a:rPr>
-              <a:t> в выборе тарифного плана</a:t>
-            </a:r>
-            <a:r>
-              <a:rPr lang="en-US" sz="2400" dirty="0">
-                <a:solidFill>
-                  <a:schemeClr val="tx1"/>
-                </a:solidFill>
-                <a:latin typeface="Arial" panose="020B0604020202020204" pitchFamily="34" charset="0"/>
-                <a:ea typeface="Times New Roman" panose="02020603050405020304" pitchFamily="18" charset="0"/>
-                <a:cs typeface="Arial" panose="020B0604020202020204" pitchFamily="34" charset="0"/>
-              </a:rPr>
-              <a:t>,</a:t>
-            </a:r>
-            <a:r>
-              <a:rPr lang="ru-RU" sz="2400" dirty="0">
-                <a:solidFill>
-                  <a:schemeClr val="tx1"/>
-                </a:solidFill>
-                <a:latin typeface="Arial" panose="020B0604020202020204" pitchFamily="34" charset="0"/>
-                <a:ea typeface="Times New Roman" panose="02020603050405020304" pitchFamily="18" charset="0"/>
-                <a:cs typeface="Arial" panose="020B0604020202020204" pitchFamily="34" charset="0"/>
-              </a:rPr>
-              <a:t> подходящего под личные нужды пользователя</a:t>
-            </a:r>
-            <a:r>
-              <a:rPr lang="ru-RU" sz="2400" dirty="0">
-                <a:solidFill>
-                  <a:schemeClr val="tx1"/>
-                </a:solidFill>
-                <a:effectLst/>
-                <a:latin typeface="Arial" panose="020B0604020202020204" pitchFamily="34" charset="0"/>
-                <a:ea typeface="Times New Roman" panose="02020603050405020304" pitchFamily="18" charset="0"/>
-                <a:cs typeface="Arial" panose="020B0604020202020204" pitchFamily="34" charset="0"/>
-              </a:rPr>
-              <a:t>.</a:t>
-            </a:r>
-          </a:p>
-        </p:txBody>
-      </p:sp>
-    </p:spTree>
-    <p:extLst>
-      <p:ext uri="{BB962C8B-B14F-4D97-AF65-F5344CB8AC3E}">
-        <p14:creationId xmlns:p14="http://schemas.microsoft.com/office/powerpoint/2010/main" val="1592567089"/>
-      </p:ext>
-    </p:extLst>
-  </p:cSld>
-  <p:clrMapOvr>
-    <a:masterClrMapping/>
-  </p:clrMapOvr>
-</p:sld>
-</file>
-
-<file path=ppt/slides/slide6.xml><?xml version="1.0" encoding="utf-8"?>
-<p:sld xmlns:a="http://schemas.openxmlformats.org/drawingml/2006/main" xmlns:r="http://schemas.openxmlformats.org/officeDocument/2006/relationships" xmlns:p="http://schemas.openxmlformats.org/presentationml/2006/main">
-  <p:cSld>
-    <p:spTree>
-      <p:nvGrpSpPr>
-        <p:cNvPr id="1" name=""/>
-        <p:cNvGrpSpPr/>
-        <p:nvPr/>
-      </p:nvGrpSpPr>
-      <p:grpSpPr>
-        <a:xfrm>
-          <a:off x="0" y="0"/>
-          <a:ext cx="0" cy="0"/>
-          <a:chOff x="0" y="0"/>
-          <a:chExt cx="0" cy="0"/>
-        </a:xfrm>
-      </p:grpSpPr>
-      <p:sp>
-        <p:nvSpPr>
-          <p:cNvPr id="2" name="Заголовок 1"/>
-          <p:cNvSpPr>
-            <a:spLocks noGrp="1"/>
-          </p:cNvSpPr>
-          <p:nvPr>
-            <p:ph type="ctrTitle"/>
-          </p:nvPr>
-        </p:nvSpPr>
-        <p:spPr>
-          <a:xfrm>
-            <a:off x="467544" y="188640"/>
-            <a:ext cx="8136904" cy="648071"/>
-          </a:xfrm>
-        </p:spPr>
-        <p:txBody>
-          <a:bodyPr>
-            <a:noAutofit/>
-          </a:bodyPr>
-          <a:lstStyle/>
-          <a:p>
-            <a:r>
-              <a:rPr lang="ru-RU" sz="3600" dirty="0"/>
-              <a:t>Описание проблемы</a:t>
-            </a:r>
-          </a:p>
-        </p:txBody>
-      </p:sp>
-      <p:sp>
-        <p:nvSpPr>
-          <p:cNvPr id="3" name="Подзаголовок 2"/>
-          <p:cNvSpPr>
-            <a:spLocks noGrp="1"/>
-          </p:cNvSpPr>
-          <p:nvPr>
-            <p:ph type="subTitle" idx="1"/>
-          </p:nvPr>
-        </p:nvSpPr>
-        <p:spPr>
-          <a:xfrm>
-            <a:off x="498190" y="1340768"/>
-            <a:ext cx="8106258" cy="4896544"/>
-          </a:xfrm>
-        </p:spPr>
-        <p:txBody>
-          <a:bodyPr anchor="ctr">
-            <a:normAutofit/>
-          </a:bodyPr>
-          <a:lstStyle/>
-          <a:p>
-            <a:pPr algn="l"/>
-            <a:r>
-              <a:rPr lang="ru-RU" sz="2400" dirty="0">
-                <a:solidFill>
-                  <a:srgbClr val="000000"/>
-                </a:solidFill>
-                <a:latin typeface="Arial" panose="020B0604020202020204" pitchFamily="34" charset="0"/>
-                <a:cs typeface="Arial" panose="020B0604020202020204" pitchFamily="34" charset="0"/>
-              </a:rPr>
-              <a:t>Неудобство и затруднение пользователей при выборе оптимального тарифного плана мобильной связи из-за сложности сравнения большого количества предложений от различных операторов</a:t>
-            </a:r>
-            <a:r>
-              <a:rPr lang="ru-RU" sz="2400" b="0" i="0" dirty="0">
-                <a:solidFill>
-                  <a:srgbClr val="000000"/>
-                </a:solidFill>
-                <a:effectLst/>
-                <a:latin typeface="Arial" panose="020B0604020202020204" pitchFamily="34" charset="0"/>
-                <a:cs typeface="Arial" panose="020B0604020202020204" pitchFamily="34" charset="0"/>
-              </a:rPr>
-              <a:t>.</a:t>
-            </a:r>
-            <a:endParaRPr lang="en-US" sz="2400" b="0" i="0" dirty="0">
-              <a:solidFill>
-                <a:srgbClr val="000000"/>
-              </a:solidFill>
-              <a:effectLst/>
-              <a:latin typeface="Arial" panose="020B0604020202020204" pitchFamily="34" charset="0"/>
-              <a:cs typeface="Arial" panose="020B0604020202020204" pitchFamily="34" charset="0"/>
-            </a:endParaRPr>
-          </a:p>
-          <a:p>
-            <a:pPr algn="l"/>
-            <a:r>
-              <a:rPr lang="ru-RU" sz="2400" b="0" i="0" dirty="0">
-                <a:solidFill>
-                  <a:srgbClr val="000000"/>
-                </a:solidFill>
-                <a:effectLst/>
-                <a:latin typeface="Arial" panose="020B0604020202020204" pitchFamily="34" charset="0"/>
-                <a:cs typeface="Arial" panose="020B0604020202020204" pitchFamily="34" charset="0"/>
-              </a:rPr>
-              <a:t> </a:t>
-            </a:r>
-            <a:br>
-              <a:rPr lang="ru-RU" sz="2400" dirty="0">
-                <a:latin typeface="Arial" panose="020B0604020202020204" pitchFamily="34" charset="0"/>
-                <a:cs typeface="Arial" panose="020B0604020202020204" pitchFamily="34" charset="0"/>
-              </a:rPr>
-            </a:br>
-            <a:r>
-              <a:rPr lang="ru-RU" sz="2400" dirty="0">
-                <a:solidFill>
-                  <a:schemeClr val="tx1"/>
-                </a:solidFill>
-                <a:latin typeface="Arial" panose="020B0604020202020204" pitchFamily="34" charset="0"/>
-                <a:cs typeface="Arial" panose="020B0604020202020204" pitchFamily="34" charset="0"/>
-              </a:rPr>
-              <a:t>Отсутствие качественных платформ</a:t>
-            </a:r>
-            <a:r>
-              <a:rPr lang="en-US" sz="2400" dirty="0">
-                <a:solidFill>
-                  <a:schemeClr val="tx1"/>
-                </a:solidFill>
-                <a:latin typeface="Arial" panose="020B0604020202020204" pitchFamily="34" charset="0"/>
-                <a:cs typeface="Arial" panose="020B0604020202020204" pitchFamily="34" charset="0"/>
-              </a:rPr>
-              <a:t>, </a:t>
-            </a:r>
-            <a:r>
-              <a:rPr lang="ru-RU" sz="2400" dirty="0">
-                <a:solidFill>
-                  <a:schemeClr val="tx1"/>
-                </a:solidFill>
-                <a:latin typeface="Arial" panose="020B0604020202020204" pitchFamily="34" charset="0"/>
-                <a:cs typeface="Arial" panose="020B0604020202020204" pitchFamily="34" charset="0"/>
-              </a:rPr>
-              <a:t>на которых можно бы было сравнить различные тарифные планы и выбрать подходящий</a:t>
-            </a:r>
-            <a:r>
-              <a:rPr lang="en-US" sz="2400" dirty="0">
-                <a:solidFill>
-                  <a:schemeClr val="tx1"/>
-                </a:solidFill>
-                <a:latin typeface="Arial" panose="020B0604020202020204" pitchFamily="34" charset="0"/>
-                <a:cs typeface="Arial" panose="020B0604020202020204" pitchFamily="34" charset="0"/>
-              </a:rPr>
-              <a:t>,</a:t>
-            </a:r>
-            <a:r>
-              <a:rPr lang="ru-RU" sz="2400" dirty="0">
-                <a:solidFill>
-                  <a:schemeClr val="tx1"/>
-                </a:solidFill>
-                <a:latin typeface="Arial" panose="020B0604020202020204" pitchFamily="34" charset="0"/>
-                <a:cs typeface="Arial" panose="020B0604020202020204" pitchFamily="34" charset="0"/>
-              </a:rPr>
-              <a:t> исходя из личных предпочтений. </a:t>
-            </a:r>
-          </a:p>
-        </p:txBody>
-      </p:sp>
-    </p:spTree>
-    <p:extLst>
-      <p:ext uri="{BB962C8B-B14F-4D97-AF65-F5344CB8AC3E}">
-        <p14:creationId xmlns:p14="http://schemas.microsoft.com/office/powerpoint/2010/main" val="2081038248"/>
-      </p:ext>
-    </p:extLst>
-  </p:cSld>
-  <p:clrMapOvr>
-    <a:masterClrMapping/>
-  </p:clrMapOvr>
-</p:sld>
-</file>
-
-<file path=ppt/slides/slide7.xml><?xml version="1.0" encoding="utf-8"?>
-<p:sld xmlns:a="http://schemas.openxmlformats.org/drawingml/2006/main" xmlns:r="http://schemas.openxmlformats.org/officeDocument/2006/relationships" xmlns:p="http://schemas.openxmlformats.org/presentationml/2006/main">
-  <p:cSld>
-    <p:spTree>
-      <p:nvGrpSpPr>
-        <p:cNvPr id="1" name=""/>
-        <p:cNvGrpSpPr/>
-        <p:nvPr/>
-      </p:nvGrpSpPr>
-      <p:grpSpPr>
-        <a:xfrm>
-          <a:off x="0" y="0"/>
-          <a:ext cx="0" cy="0"/>
-          <a:chOff x="0" y="0"/>
-          <a:chExt cx="0" cy="0"/>
-        </a:xfrm>
-      </p:grpSpPr>
-      <p:sp>
-        <p:nvSpPr>
-          <p:cNvPr id="2" name="Заголовок 1"/>
-          <p:cNvSpPr>
-            <a:spLocks noGrp="1"/>
-          </p:cNvSpPr>
-          <p:nvPr>
-            <p:ph type="ctrTitle"/>
-          </p:nvPr>
-        </p:nvSpPr>
-        <p:spPr>
-          <a:xfrm>
-            <a:off x="467544" y="188640"/>
-            <a:ext cx="8136904" cy="648071"/>
-          </a:xfrm>
-        </p:spPr>
-        <p:txBody>
-          <a:bodyPr>
-            <a:normAutofit fontScale="90000"/>
-          </a:bodyPr>
-          <a:lstStyle/>
-          <a:p>
-            <a:r>
-              <a:rPr lang="ru-RU" dirty="0"/>
-              <a:t>Как ранее решалась проблема</a:t>
-            </a:r>
-          </a:p>
-        </p:txBody>
-      </p:sp>
-      <p:sp>
-        <p:nvSpPr>
-          <p:cNvPr id="3" name="Подзаголовок 2"/>
-          <p:cNvSpPr>
-            <a:spLocks noGrp="1"/>
-          </p:cNvSpPr>
-          <p:nvPr>
-            <p:ph type="subTitle" idx="1"/>
-          </p:nvPr>
-        </p:nvSpPr>
-        <p:spPr>
-          <a:xfrm>
-            <a:off x="498190" y="5877272"/>
-            <a:ext cx="8106258" cy="648070"/>
-          </a:xfrm>
-        </p:spPr>
-        <p:txBody>
-          <a:bodyPr>
-            <a:normAutofit/>
-          </a:bodyPr>
-          <a:lstStyle/>
-          <a:p>
-            <a:r>
-              <a:rPr lang="ru-RU" altLang="en-US" sz="2000" dirty="0">
-                <a:solidFill>
-                  <a:schemeClr val="tx1"/>
-                </a:solidFill>
-                <a:latin typeface="Arial" panose="020B0604020202020204" pitchFamily="34" charset="0"/>
-                <a:cs typeface="Arial" panose="020B0604020202020204" pitchFamily="34" charset="0"/>
-              </a:rPr>
-              <a:t>Схема </a:t>
-            </a:r>
-            <a:r>
-              <a:rPr lang="en-US" altLang="en-US" sz="2000" dirty="0">
-                <a:solidFill>
-                  <a:schemeClr val="tx1"/>
-                </a:solidFill>
-                <a:latin typeface="Arial" panose="020B0604020202020204" pitchFamily="34" charset="0"/>
-                <a:cs typeface="Arial" panose="020B0604020202020204" pitchFamily="34" charset="0"/>
-              </a:rPr>
-              <a:t>1</a:t>
-            </a:r>
-            <a:r>
-              <a:rPr lang="ru-RU" altLang="en-US" sz="2000" dirty="0">
-                <a:solidFill>
-                  <a:schemeClr val="tx1"/>
-                </a:solidFill>
-                <a:latin typeface="Arial" panose="020B0604020202020204" pitchFamily="34" charset="0"/>
-                <a:cs typeface="Arial" panose="020B0604020202020204" pitchFamily="34" charset="0"/>
-              </a:rPr>
-              <a:t>. </a:t>
-            </a:r>
-            <a:r>
-              <a:rPr lang="en-US" altLang="en-US" sz="2000" dirty="0">
-                <a:solidFill>
-                  <a:schemeClr val="tx1"/>
-                </a:solidFill>
-                <a:latin typeface="Arial" panose="020B0604020202020204" pitchFamily="34" charset="0"/>
-                <a:cs typeface="Arial" panose="020B0604020202020204" pitchFamily="34" charset="0"/>
-              </a:rPr>
-              <a:t>idef0 as is</a:t>
-            </a:r>
-            <a:endParaRPr lang="ru-RU" sz="2000" dirty="0"/>
-          </a:p>
-        </p:txBody>
-      </p:sp>
-      <p:pic>
-        <p:nvPicPr>
-          <p:cNvPr id="6" name="Рисунок 5">
-            <a:extLst>
-              <a:ext uri="{FF2B5EF4-FFF2-40B4-BE49-F238E27FC236}">
-                <a16:creationId xmlns:a16="http://schemas.microsoft.com/office/drawing/2014/main" id="{0AC609A8-DE33-075B-0120-5526E8058A4D}"/>
-              </a:ext>
-            </a:extLst>
-          </p:cNvPr>
-          <p:cNvPicPr>
-            <a:picLocks noChangeAspect="1"/>
-          </p:cNvPicPr>
-          <p:nvPr/>
-        </p:nvPicPr>
-        <p:blipFill>
-          <a:blip r:embed="rId2"/>
-          <a:stretch>
-            <a:fillRect/>
-          </a:stretch>
-        </p:blipFill>
-        <p:spPr>
-          <a:xfrm>
-            <a:off x="0" y="2573919"/>
-            <a:ext cx="9144000" cy="1710161"/>
-          </a:xfrm>
-          <a:prstGeom prst="rect">
-            <a:avLst/>
-          </a:prstGeom>
-        </p:spPr>
-      </p:pic>
-    </p:spTree>
-    <p:extLst>
-      <p:ext uri="{BB962C8B-B14F-4D97-AF65-F5344CB8AC3E}">
-        <p14:creationId xmlns:p14="http://schemas.microsoft.com/office/powerpoint/2010/main" val="3055209718"/>
-      </p:ext>
-    </p:extLst>
-  </p:cSld>
-  <p:clrMapOvr>
-    <a:masterClrMapping/>
-  </p:clrMapOvr>
-</p:sld>
-</file>
-
-<file path=ppt/slides/slide8.xml><?xml version="1.0" encoding="utf-8"?>
-<p:sld xmlns:a="http://schemas.openxmlformats.org/drawingml/2006/main" xmlns:r="http://schemas.openxmlformats.org/officeDocument/2006/relationships" xmlns:p="http://schemas.openxmlformats.org/presentationml/2006/main">
-  <p:cSld>
-    <p:spTree>
-      <p:nvGrpSpPr>
-        <p:cNvPr id="1" name=""/>
-        <p:cNvGrpSpPr/>
-        <p:nvPr/>
-      </p:nvGrpSpPr>
-      <p:grpSpPr>
-        <a:xfrm>
-          <a:off x="0" y="0"/>
-          <a:ext cx="0" cy="0"/>
-          <a:chOff x="0" y="0"/>
-          <a:chExt cx="0" cy="0"/>
-        </a:xfrm>
-      </p:grpSpPr>
-      <p:sp>
-        <p:nvSpPr>
-          <p:cNvPr id="2" name="Заголовок 1"/>
-          <p:cNvSpPr>
-            <a:spLocks noGrp="1"/>
-          </p:cNvSpPr>
-          <p:nvPr>
-            <p:ph type="ctrTitle"/>
-          </p:nvPr>
-        </p:nvSpPr>
-        <p:spPr>
-          <a:xfrm>
-            <a:off x="467544" y="188640"/>
-            <a:ext cx="8136904" cy="648071"/>
-          </a:xfrm>
-        </p:spPr>
-        <p:txBody>
-          <a:bodyPr>
-            <a:normAutofit fontScale="90000"/>
-          </a:bodyPr>
-          <a:lstStyle/>
-          <a:p>
-            <a:r>
-              <a:rPr lang="ru-RU" dirty="0"/>
-              <a:t>Предлагаемое решение</a:t>
-            </a:r>
-          </a:p>
-        </p:txBody>
-      </p:sp>
-      <p:sp>
-        <p:nvSpPr>
-          <p:cNvPr id="3" name="Подзаголовок 2"/>
-          <p:cNvSpPr>
-            <a:spLocks noGrp="1"/>
-          </p:cNvSpPr>
-          <p:nvPr>
-            <p:ph type="subTitle" idx="1"/>
-          </p:nvPr>
-        </p:nvSpPr>
-        <p:spPr>
-          <a:xfrm>
-            <a:off x="516934" y="4839681"/>
-            <a:ext cx="8106258" cy="792088"/>
-          </a:xfrm>
-        </p:spPr>
-        <p:txBody>
-          <a:bodyPr>
-            <a:normAutofit/>
-          </a:bodyPr>
-          <a:lstStyle/>
-          <a:p>
-            <a:r>
-              <a:rPr lang="ru-RU" altLang="en-US" sz="2000" dirty="0">
-                <a:solidFill>
-                  <a:schemeClr val="tx1"/>
-                </a:solidFill>
-                <a:latin typeface="Arial" panose="020B0604020202020204" pitchFamily="34" charset="0"/>
-                <a:cs typeface="Arial" panose="020B0604020202020204" pitchFamily="34" charset="0"/>
-              </a:rPr>
-              <a:t>Схема 2. </a:t>
-            </a:r>
-            <a:r>
-              <a:rPr lang="en-US" altLang="en-US" sz="2000" dirty="0">
-                <a:solidFill>
-                  <a:schemeClr val="tx1"/>
-                </a:solidFill>
-                <a:latin typeface="Arial" panose="020B0604020202020204" pitchFamily="34" charset="0"/>
-                <a:cs typeface="Arial" panose="020B0604020202020204" pitchFamily="34" charset="0"/>
-              </a:rPr>
-              <a:t>idef0 to be</a:t>
-            </a:r>
-            <a:endParaRPr lang="ru-RU" altLang="en-US" sz="2000" dirty="0">
-              <a:solidFill>
-                <a:schemeClr val="tx1"/>
-              </a:solidFill>
-              <a:latin typeface="Arial" panose="020B0604020202020204" pitchFamily="34" charset="0"/>
-              <a:cs typeface="Arial" panose="020B0604020202020204" pitchFamily="34" charset="0"/>
-            </a:endParaRPr>
-          </a:p>
-        </p:txBody>
-      </p:sp>
-      <p:pic>
-        <p:nvPicPr>
-          <p:cNvPr id="10" name="Рисунок 9">
-            <a:extLst>
-              <a:ext uri="{FF2B5EF4-FFF2-40B4-BE49-F238E27FC236}">
-                <a16:creationId xmlns:a16="http://schemas.microsoft.com/office/drawing/2014/main" id="{61D52E50-FE5C-FFC9-AFE9-A1C79AC10355}"/>
-              </a:ext>
-            </a:extLst>
-          </p:cNvPr>
-          <p:cNvPicPr>
-            <a:picLocks noChangeAspect="1"/>
-          </p:cNvPicPr>
-          <p:nvPr/>
-        </p:nvPicPr>
-        <p:blipFill>
-          <a:blip r:embed="rId2"/>
-          <a:stretch>
-            <a:fillRect/>
-          </a:stretch>
-        </p:blipFill>
-        <p:spPr>
-          <a:xfrm>
-            <a:off x="23812" y="2081212"/>
-            <a:ext cx="9096375" cy="2695575"/>
-          </a:xfrm>
-          <a:prstGeom prst="rect">
-            <a:avLst/>
-          </a:prstGeom>
-        </p:spPr>
-      </p:pic>
-    </p:spTree>
-    <p:extLst>
-      <p:ext uri="{BB962C8B-B14F-4D97-AF65-F5344CB8AC3E}">
-        <p14:creationId xmlns:p14="http://schemas.microsoft.com/office/powerpoint/2010/main" val="3514561471"/>
-      </p:ext>
-    </p:extLst>
-  </p:cSld>
-  <p:clrMapOvr>
-    <a:masterClrMapping/>
-  </p:clrMapOvr>
-</p:sld>
-</file>
-
-<file path=ppt/slides/slide9.xml><?xml version="1.0" encoding="utf-8"?>
-<p:sld xmlns:a="http://schemas.openxmlformats.org/drawingml/2006/main" xmlns:r="http://schemas.openxmlformats.org/officeDocument/2006/relationships" xmlns:p="http://schemas.openxmlformats.org/presentationml/2006/main">
-  <p:cSld>
-    <p:spTree>
-      <p:nvGrpSpPr>
-        <p:cNvPr id="1" name=""/>
-        <p:cNvGrpSpPr/>
-        <p:nvPr/>
-      </p:nvGrpSpPr>
-      <p:grpSpPr>
-        <a:xfrm>
-          <a:off x="0" y="0"/>
-          <a:ext cx="0" cy="0"/>
-          <a:chOff x="0" y="0"/>
-          <a:chExt cx="0" cy="0"/>
-        </a:xfrm>
-      </p:grpSpPr>
-      <p:sp>
-        <p:nvSpPr>
-          <p:cNvPr id="2" name="Заголовок 1"/>
-          <p:cNvSpPr>
-            <a:spLocks noGrp="1"/>
-          </p:cNvSpPr>
-          <p:nvPr>
-            <p:ph type="ctrTitle"/>
-          </p:nvPr>
-        </p:nvSpPr>
-        <p:spPr>
-          <a:xfrm>
-            <a:off x="467544" y="188640"/>
-            <a:ext cx="8136904" cy="648071"/>
-          </a:xfrm>
-        </p:spPr>
-        <p:txBody>
-          <a:bodyPr>
-            <a:normAutofit/>
-          </a:bodyPr>
-          <a:lstStyle/>
-          <a:p>
-            <a:r>
-              <a:rPr lang="ru-RU" sz="3600" dirty="0"/>
-              <a:t>Обзор аналогов</a:t>
-            </a:r>
-          </a:p>
-        </p:txBody>
-      </p:sp>
-      <p:sp>
-        <p:nvSpPr>
-          <p:cNvPr id="3" name="Подзаголовок 2"/>
-          <p:cNvSpPr>
-            <a:spLocks noGrp="1"/>
-          </p:cNvSpPr>
-          <p:nvPr>
-            <p:ph type="subTitle" idx="1"/>
-          </p:nvPr>
-        </p:nvSpPr>
-        <p:spPr>
-          <a:xfrm>
-            <a:off x="498190" y="1340768"/>
-            <a:ext cx="8106258" cy="4896544"/>
-          </a:xfrm>
-        </p:spPr>
-        <p:txBody>
-          <a:bodyPr anchor="t">
-            <a:normAutofit/>
-          </a:bodyPr>
-          <a:lstStyle/>
-          <a:p>
-            <a:pPr algn="l"/>
-            <a:r>
-              <a:rPr lang="ru-RU" sz="2300" dirty="0">
-                <a:solidFill>
-                  <a:schemeClr val="tx1"/>
-                </a:solidFill>
-                <a:latin typeface="Arial" panose="020B0604020202020204" pitchFamily="34" charset="0"/>
-                <a:cs typeface="Arial" panose="020B0604020202020204" pitchFamily="34" charset="0"/>
-              </a:rPr>
-              <a:t>Критерии сравнения:</a:t>
-            </a:r>
-          </a:p>
-          <a:p>
-            <a:pPr indent="449580" algn="just">
-              <a:lnSpc>
-                <a:spcPct val="150000"/>
-              </a:lnSpc>
-            </a:pPr>
-            <a:r>
-              <a:rPr lang="ru-RU" sz="2300" dirty="0">
-                <a:solidFill>
-                  <a:schemeClr val="tx1"/>
-                </a:solidFill>
-                <a:effectLst/>
-                <a:latin typeface="Arial" panose="020B0604020202020204" pitchFamily="34" charset="0"/>
-                <a:ea typeface="Times New Roman" panose="02020603050405020304" pitchFamily="18" charset="0"/>
-                <a:cs typeface="Arial" panose="020B0604020202020204" pitchFamily="34" charset="0"/>
-              </a:rPr>
-              <a:t>1. Интуитивность интерфейса</a:t>
-            </a:r>
-          </a:p>
-          <a:p>
-            <a:pPr indent="449580" algn="just">
-              <a:lnSpc>
-                <a:spcPct val="150000"/>
-              </a:lnSpc>
-            </a:pPr>
-            <a:r>
-              <a:rPr lang="ru-RU" sz="2300" dirty="0">
-                <a:solidFill>
-                  <a:schemeClr val="tx1"/>
-                </a:solidFill>
-                <a:effectLst/>
-                <a:latin typeface="Arial" panose="020B0604020202020204" pitchFamily="34" charset="0"/>
-                <a:ea typeface="Times New Roman" panose="02020603050405020304" pitchFamily="18" charset="0"/>
-                <a:cs typeface="Arial" panose="020B0604020202020204" pitchFamily="34" charset="0"/>
-              </a:rPr>
-              <a:t>2. Персонализированный подбор</a:t>
-            </a:r>
-          </a:p>
-          <a:p>
-            <a:pPr indent="449580" algn="just">
-              <a:lnSpc>
-                <a:spcPct val="150000"/>
-              </a:lnSpc>
-            </a:pPr>
-            <a:r>
-              <a:rPr lang="ru-RU" sz="2300" dirty="0">
-                <a:solidFill>
-                  <a:schemeClr val="tx1"/>
-                </a:solidFill>
-                <a:effectLst/>
-                <a:latin typeface="Arial" panose="020B0604020202020204" pitchFamily="34" charset="0"/>
-                <a:ea typeface="Times New Roman" panose="02020603050405020304" pitchFamily="18" charset="0"/>
-                <a:cs typeface="Arial" panose="020B0604020202020204" pitchFamily="34" charset="0"/>
-              </a:rPr>
-              <a:t>3. Сравнение тарифов и услуг</a:t>
-            </a:r>
-          </a:p>
-          <a:p>
-            <a:pPr indent="449580" algn="just">
-              <a:lnSpc>
-                <a:spcPct val="150000"/>
-              </a:lnSpc>
-            </a:pPr>
-            <a:r>
-              <a:rPr lang="ru-RU" sz="2300" dirty="0">
-                <a:solidFill>
-                  <a:schemeClr val="tx1"/>
-                </a:solidFill>
-                <a:effectLst/>
-                <a:latin typeface="Arial" panose="020B0604020202020204" pitchFamily="34" charset="0"/>
-                <a:ea typeface="Times New Roman" panose="02020603050405020304" pitchFamily="18" charset="0"/>
-                <a:cs typeface="Arial" panose="020B0604020202020204" pitchFamily="34" charset="0"/>
-              </a:rPr>
-              <a:t>4. Учет финансовых предпочтений</a:t>
-            </a:r>
-          </a:p>
-          <a:p>
-            <a:pPr indent="449580" algn="just">
-              <a:lnSpc>
-                <a:spcPct val="150000"/>
-              </a:lnSpc>
-            </a:pPr>
-            <a:r>
-              <a:rPr lang="ru-RU" sz="2300" dirty="0">
-                <a:solidFill>
-                  <a:schemeClr val="tx1"/>
-                </a:solidFill>
-                <a:effectLst/>
-                <a:latin typeface="Arial" panose="020B0604020202020204" pitchFamily="34" charset="0"/>
-                <a:ea typeface="Times New Roman" panose="02020603050405020304" pitchFamily="18" charset="0"/>
-                <a:cs typeface="Arial" panose="020B0604020202020204" pitchFamily="34" charset="0"/>
-              </a:rPr>
-              <a:t>5. Доступность на различных устройствах</a:t>
-            </a:r>
-          </a:p>
-          <a:p>
-            <a:pPr indent="449580" algn="just">
-              <a:lnSpc>
-                <a:spcPct val="150000"/>
-              </a:lnSpc>
-            </a:pPr>
-            <a:r>
-              <a:rPr lang="ru-RU" sz="2300" dirty="0">
-                <a:solidFill>
-                  <a:schemeClr val="tx1"/>
-                </a:solidFill>
-                <a:effectLst/>
-                <a:latin typeface="Arial" panose="020B0604020202020204" pitchFamily="34" charset="0"/>
-                <a:ea typeface="Times New Roman" panose="02020603050405020304" pitchFamily="18" charset="0"/>
-                <a:cs typeface="Arial" panose="020B0604020202020204" pitchFamily="34" charset="0"/>
-              </a:rPr>
-              <a:t>6. Широкий выбор операторов</a:t>
-            </a:r>
-            <a:endParaRPr lang="ru-RU" dirty="0">
-              <a:solidFill>
-                <a:schemeClr val="tx1"/>
-              </a:solidFill>
-            </a:endParaRPr>
-          </a:p>
-          <a:p>
-            <a:pPr algn="l"/>
-            <a:endParaRPr lang="ru-RU" sz="2800" dirty="0">
-              <a:solidFill>
-                <a:schemeClr val="tx1"/>
-              </a:solidFill>
-            </a:endParaRPr>
-          </a:p>
-        </p:txBody>
-      </p:sp>
-    </p:spTree>
-    <p:extLst>
-      <p:ext uri="{BB962C8B-B14F-4D97-AF65-F5344CB8AC3E}">
-        <p14:creationId xmlns:p14="http://schemas.microsoft.com/office/powerpoint/2010/main" val="3213516774"/>
-      </p:ext>
-    </p:extLst>
-  </p:cSld>
-  <p:clrMapOvr>
-    <a:masterClrMapping/>
-  </p:clrMapOvr>
-</p:sld>
-</file>
-
 <file path=ppt/theme/theme1.xml><?xml version="1.0" encoding="utf-8"?>
 <a:theme xmlns:a="http://schemas.openxmlformats.org/drawingml/2006/main" name="Тема Office">
   <a:themeElements>

--- a/Documentation/Pre-defense/First/Presentation.pptx
+++ b/Documentation/Pre-defense/First/Presentation.pptx
@@ -7,19 +7,20 @@
   <p:sldIdLst>
     <p:sldId id="270" r:id="rId2"/>
     <p:sldId id="257" r:id="rId3"/>
-    <p:sldId id="258" r:id="rId4"/>
-    <p:sldId id="259" r:id="rId5"/>
-    <p:sldId id="261" r:id="rId6"/>
+    <p:sldId id="261" r:id="rId4"/>
+    <p:sldId id="258" r:id="rId5"/>
+    <p:sldId id="259" r:id="rId6"/>
     <p:sldId id="268" r:id="rId7"/>
     <p:sldId id="262" r:id="rId8"/>
-    <p:sldId id="267" r:id="rId9"/>
-    <p:sldId id="277" r:id="rId10"/>
-    <p:sldId id="263" r:id="rId11"/>
-    <p:sldId id="264" r:id="rId12"/>
-    <p:sldId id="275" r:id="rId13"/>
-    <p:sldId id="265" r:id="rId14"/>
-    <p:sldId id="266" r:id="rId15"/>
-    <p:sldId id="272" r:id="rId16"/>
+    <p:sldId id="278" r:id="rId9"/>
+    <p:sldId id="267" r:id="rId10"/>
+    <p:sldId id="277" r:id="rId11"/>
+    <p:sldId id="263" r:id="rId12"/>
+    <p:sldId id="264" r:id="rId13"/>
+    <p:sldId id="275" r:id="rId14"/>
+    <p:sldId id="265" r:id="rId15"/>
+    <p:sldId id="266" r:id="rId16"/>
+    <p:sldId id="272" r:id="rId17"/>
   </p:sldIdLst>
   <p:sldSz cx="9144000" cy="6858000" type="screen4x3"/>
   <p:notesSz cx="6858000" cy="9144000"/>
@@ -3440,2592 +3441,6 @@
 </file>
 
 <file path=ppt/slides/slide10.xml><?xml version="1.0" encoding="utf-8"?>
-<p:sld xmlns:a="http://schemas.openxmlformats.org/drawingml/2006/main" xmlns:r="http://schemas.openxmlformats.org/officeDocument/2006/relationships" xmlns:p="http://schemas.openxmlformats.org/presentationml/2006/main">
-  <p:cSld>
-    <p:spTree>
-      <p:nvGrpSpPr>
-        <p:cNvPr id="1" name=""/>
-        <p:cNvGrpSpPr/>
-        <p:nvPr/>
-      </p:nvGrpSpPr>
-      <p:grpSpPr>
-        <a:xfrm>
-          <a:off x="0" y="0"/>
-          <a:ext cx="0" cy="0"/>
-          <a:chOff x="0" y="0"/>
-          <a:chExt cx="0" cy="0"/>
-        </a:xfrm>
-      </p:grpSpPr>
-      <p:sp>
-        <p:nvSpPr>
-          <p:cNvPr id="2" name="Заголовок 1"/>
-          <p:cNvSpPr>
-            <a:spLocks noGrp="1"/>
-          </p:cNvSpPr>
-          <p:nvPr>
-            <p:ph type="ctrTitle"/>
-          </p:nvPr>
-        </p:nvSpPr>
-        <p:spPr>
-          <a:xfrm>
-            <a:off x="467544" y="188640"/>
-            <a:ext cx="8136904" cy="648071"/>
-          </a:xfrm>
-        </p:spPr>
-        <p:txBody>
-          <a:bodyPr>
-            <a:normAutofit fontScale="90000"/>
-          </a:bodyPr>
-          <a:lstStyle/>
-          <a:p>
-            <a:r>
-              <a:rPr lang="ru-RU" dirty="0">
-                <a:latin typeface="Times New Roman" panose="02020603050405020304" pitchFamily="18" charset="0"/>
-                <a:cs typeface="Times New Roman" panose="02020603050405020304" pitchFamily="18" charset="0"/>
-              </a:rPr>
-              <a:t>Функциональные требования</a:t>
-            </a:r>
-          </a:p>
-        </p:txBody>
-      </p:sp>
-      <p:sp>
-        <p:nvSpPr>
-          <p:cNvPr id="3" name="Подзаголовок 2"/>
-          <p:cNvSpPr>
-            <a:spLocks noGrp="1"/>
-          </p:cNvSpPr>
-          <p:nvPr>
-            <p:ph type="subTitle" idx="1"/>
-          </p:nvPr>
-        </p:nvSpPr>
-        <p:spPr>
-          <a:xfrm>
-            <a:off x="498190" y="1340768"/>
-            <a:ext cx="8106258" cy="4896544"/>
-          </a:xfrm>
-        </p:spPr>
-        <p:txBody>
-          <a:bodyPr numCol="1" anchor="ctr">
-            <a:normAutofit/>
-          </a:bodyPr>
-          <a:lstStyle/>
-          <a:p>
-            <a:pPr algn="l"/>
-            <a:r>
-              <a:rPr lang="ru-RU" sz="2600" b="0" i="0" dirty="0">
-                <a:solidFill>
-                  <a:srgbClr val="000000"/>
-                </a:solidFill>
-                <a:effectLst/>
-                <a:latin typeface="Times New Roman" panose="02020603050405020304" pitchFamily="18" charset="0"/>
-                <a:cs typeface="Times New Roman" panose="02020603050405020304" pitchFamily="18" charset="0"/>
-              </a:rPr>
-              <a:t>Сервис должен предоставлять возможность поиска тарифов по компании, количеству минут разговора, количеству гигабайт интернета</a:t>
-            </a:r>
-            <a:r>
-              <a:rPr lang="en-US" sz="2600" b="0" i="0" dirty="0">
-                <a:solidFill>
-                  <a:srgbClr val="000000"/>
-                </a:solidFill>
-                <a:effectLst/>
-                <a:latin typeface="Times New Roman" panose="02020603050405020304" pitchFamily="18" charset="0"/>
-                <a:cs typeface="Times New Roman" panose="02020603050405020304" pitchFamily="18" charset="0"/>
-              </a:rPr>
-              <a:t>,</a:t>
-            </a:r>
-            <a:r>
-              <a:rPr lang="ru-RU" sz="2600" b="0" i="0" dirty="0">
-                <a:solidFill>
-                  <a:srgbClr val="000000"/>
-                </a:solidFill>
-                <a:effectLst/>
-                <a:latin typeface="Times New Roman" panose="02020603050405020304" pitchFamily="18" charset="0"/>
-                <a:cs typeface="Times New Roman" panose="02020603050405020304" pitchFamily="18" charset="0"/>
-              </a:rPr>
-              <a:t> количеству смс.</a:t>
-            </a:r>
-            <a:br>
-              <a:rPr lang="ru-RU" sz="2600" dirty="0">
-                <a:latin typeface="Times New Roman" panose="02020603050405020304" pitchFamily="18" charset="0"/>
-                <a:cs typeface="Times New Roman" panose="02020603050405020304" pitchFamily="18" charset="0"/>
-              </a:rPr>
-            </a:br>
-            <a:br>
-              <a:rPr lang="ru-RU" sz="2600" dirty="0">
-                <a:latin typeface="Times New Roman" panose="02020603050405020304" pitchFamily="18" charset="0"/>
-                <a:cs typeface="Times New Roman" panose="02020603050405020304" pitchFamily="18" charset="0"/>
-              </a:rPr>
-            </a:br>
-            <a:r>
-              <a:rPr lang="ru-RU" sz="2600" dirty="0">
-                <a:solidFill>
-                  <a:srgbClr val="000000"/>
-                </a:solidFill>
-                <a:latin typeface="Times New Roman" panose="02020603050405020304" pitchFamily="18" charset="0"/>
-                <a:cs typeface="Times New Roman" panose="02020603050405020304" pitchFamily="18" charset="0"/>
-              </a:rPr>
-              <a:t>Сервис должен о</a:t>
-            </a:r>
-            <a:r>
-              <a:rPr lang="ru-RU" sz="2600" b="0" i="0" dirty="0">
-                <a:solidFill>
-                  <a:srgbClr val="000000"/>
-                </a:solidFill>
-                <a:effectLst/>
-                <a:latin typeface="Times New Roman" panose="02020603050405020304" pitchFamily="18" charset="0"/>
-                <a:cs typeface="Times New Roman" panose="02020603050405020304" pitchFamily="18" charset="0"/>
-              </a:rPr>
-              <a:t>тображать всю перечисленную</a:t>
-            </a:r>
-            <a:r>
-              <a:rPr lang="ru-RU" sz="2600" dirty="0">
-                <a:solidFill>
-                  <a:srgbClr val="000000"/>
-                </a:solidFill>
-                <a:latin typeface="Times New Roman" panose="02020603050405020304" pitchFamily="18" charset="0"/>
-                <a:cs typeface="Times New Roman" panose="02020603050405020304" pitchFamily="18" charset="0"/>
-              </a:rPr>
-              <a:t> </a:t>
-            </a:r>
-            <a:r>
-              <a:rPr lang="ru-RU" sz="2600" b="0" i="0" dirty="0">
-                <a:solidFill>
-                  <a:srgbClr val="000000"/>
-                </a:solidFill>
-                <a:effectLst/>
-                <a:latin typeface="Times New Roman" panose="02020603050405020304" pitchFamily="18" charset="0"/>
-                <a:cs typeface="Times New Roman" panose="02020603050405020304" pitchFamily="18" charset="0"/>
-              </a:rPr>
-              <a:t>информацию о тарифах</a:t>
-            </a:r>
-            <a:r>
-              <a:rPr lang="en-US" sz="2600" b="0" i="0" dirty="0">
-                <a:solidFill>
-                  <a:srgbClr val="000000"/>
-                </a:solidFill>
-                <a:effectLst/>
-                <a:latin typeface="Times New Roman" panose="02020603050405020304" pitchFamily="18" charset="0"/>
-                <a:cs typeface="Times New Roman" panose="02020603050405020304" pitchFamily="18" charset="0"/>
-              </a:rPr>
-              <a:t>,</a:t>
-            </a:r>
-            <a:r>
-              <a:rPr lang="ru-RU" sz="2600" b="0" i="0" dirty="0">
-                <a:solidFill>
-                  <a:srgbClr val="000000"/>
-                </a:solidFill>
-                <a:effectLst/>
-                <a:latin typeface="Times New Roman" panose="02020603050405020304" pitchFamily="18" charset="0"/>
-                <a:cs typeface="Times New Roman" panose="02020603050405020304" pitchFamily="18" charset="0"/>
-              </a:rPr>
-              <a:t> а также ссылку на страницу с выбранным тарифом у официального провайдера услуги.</a:t>
-            </a:r>
-            <a:br>
-              <a:rPr lang="ru-RU" dirty="0">
-                <a:latin typeface="Times New Roman" panose="02020603050405020304" pitchFamily="18" charset="0"/>
-                <a:cs typeface="Times New Roman" panose="02020603050405020304" pitchFamily="18" charset="0"/>
-              </a:rPr>
-            </a:br>
-            <a:endParaRPr lang="ru-RU" dirty="0">
-              <a:latin typeface="Times New Roman" panose="02020603050405020304" pitchFamily="18" charset="0"/>
-              <a:cs typeface="Times New Roman" panose="02020603050405020304" pitchFamily="18" charset="0"/>
-            </a:endParaRPr>
-          </a:p>
-        </p:txBody>
-      </p:sp>
-    </p:spTree>
-    <p:extLst>
-      <p:ext uri="{BB962C8B-B14F-4D97-AF65-F5344CB8AC3E}">
-        <p14:creationId xmlns:p14="http://schemas.microsoft.com/office/powerpoint/2010/main" val="197728668"/>
-      </p:ext>
-    </p:extLst>
-  </p:cSld>
-  <p:clrMapOvr>
-    <a:masterClrMapping/>
-  </p:clrMapOvr>
-</p:sld>
-</file>
-
-<file path=ppt/slides/slide11.xml><?xml version="1.0" encoding="utf-8"?>
-<p:sld xmlns:a="http://schemas.openxmlformats.org/drawingml/2006/main" xmlns:r="http://schemas.openxmlformats.org/officeDocument/2006/relationships" xmlns:p="http://schemas.openxmlformats.org/presentationml/2006/main">
-  <p:cSld>
-    <p:spTree>
-      <p:nvGrpSpPr>
-        <p:cNvPr id="1" name=""/>
-        <p:cNvGrpSpPr/>
-        <p:nvPr/>
-      </p:nvGrpSpPr>
-      <p:grpSpPr>
-        <a:xfrm>
-          <a:off x="0" y="0"/>
-          <a:ext cx="0" cy="0"/>
-          <a:chOff x="0" y="0"/>
-          <a:chExt cx="0" cy="0"/>
-        </a:xfrm>
-      </p:grpSpPr>
-      <p:sp>
-        <p:nvSpPr>
-          <p:cNvPr id="2" name="Заголовок 1"/>
-          <p:cNvSpPr>
-            <a:spLocks noGrp="1"/>
-          </p:cNvSpPr>
-          <p:nvPr>
-            <p:ph type="ctrTitle"/>
-          </p:nvPr>
-        </p:nvSpPr>
-        <p:spPr>
-          <a:xfrm>
-            <a:off x="467544" y="188640"/>
-            <a:ext cx="8136904" cy="648071"/>
-          </a:xfrm>
-        </p:spPr>
-        <p:txBody>
-          <a:bodyPr>
-            <a:normAutofit fontScale="90000"/>
-          </a:bodyPr>
-          <a:lstStyle/>
-          <a:p>
-            <a:r>
-              <a:rPr lang="ru-RU" dirty="0">
-                <a:latin typeface="Times New Roman" panose="02020603050405020304" pitchFamily="18" charset="0"/>
-                <a:cs typeface="Times New Roman" panose="02020603050405020304" pitchFamily="18" charset="0"/>
-              </a:rPr>
-              <a:t>Входные и выходные данные</a:t>
-            </a:r>
-          </a:p>
-        </p:txBody>
-      </p:sp>
-      <p:sp>
-        <p:nvSpPr>
-          <p:cNvPr id="3" name="Подзаголовок 2"/>
-          <p:cNvSpPr>
-            <a:spLocks noGrp="1"/>
-          </p:cNvSpPr>
-          <p:nvPr>
-            <p:ph type="subTitle" idx="1"/>
-          </p:nvPr>
-        </p:nvSpPr>
-        <p:spPr>
-          <a:xfrm>
-            <a:off x="498190" y="1340768"/>
-            <a:ext cx="8106258" cy="4896544"/>
-          </a:xfrm>
-        </p:spPr>
-        <p:txBody>
-          <a:bodyPr anchor="ctr">
-            <a:normAutofit/>
-          </a:bodyPr>
-          <a:lstStyle/>
-          <a:p>
-            <a:pPr algn="l"/>
-            <a:r>
-              <a:rPr lang="ru-RU" sz="2400" b="1" dirty="0">
-                <a:solidFill>
-                  <a:schemeClr val="tx1"/>
-                </a:solidFill>
-                <a:latin typeface="Times New Roman" panose="02020603050405020304" pitchFamily="18" charset="0"/>
-                <a:cs typeface="Times New Roman" panose="02020603050405020304" pitchFamily="18" charset="0"/>
-              </a:rPr>
-              <a:t>Входные данные: </a:t>
-            </a:r>
-          </a:p>
-          <a:p>
-            <a:pPr algn="l"/>
-            <a:r>
-              <a:rPr lang="ru-RU" sz="2400" dirty="0">
-                <a:solidFill>
-                  <a:schemeClr val="tx1"/>
-                </a:solidFill>
-                <a:latin typeface="Times New Roman" panose="02020603050405020304" pitchFamily="18" charset="0"/>
-                <a:cs typeface="Times New Roman" panose="02020603050405020304" pitchFamily="18" charset="0"/>
-              </a:rPr>
-              <a:t>Данные фильтрации</a:t>
-            </a:r>
-            <a:r>
-              <a:rPr lang="en-US" sz="2400" dirty="0">
-                <a:solidFill>
-                  <a:schemeClr val="tx1"/>
-                </a:solidFill>
-                <a:latin typeface="Times New Roman" panose="02020603050405020304" pitchFamily="18" charset="0"/>
-                <a:cs typeface="Times New Roman" panose="02020603050405020304" pitchFamily="18" charset="0"/>
-              </a:rPr>
-              <a:t>,</a:t>
-            </a:r>
-            <a:r>
-              <a:rPr lang="ru-RU" sz="2400" dirty="0">
-                <a:solidFill>
-                  <a:schemeClr val="tx1"/>
-                </a:solidFill>
-                <a:latin typeface="Times New Roman" panose="02020603050405020304" pitchFamily="18" charset="0"/>
-                <a:cs typeface="Times New Roman" panose="02020603050405020304" pitchFamily="18" charset="0"/>
-              </a:rPr>
-              <a:t> выставленный пользователем</a:t>
-            </a:r>
-          </a:p>
-          <a:p>
-            <a:pPr algn="l"/>
-            <a:endParaRPr lang="ru-RU" sz="2400" dirty="0">
-              <a:solidFill>
-                <a:schemeClr val="tx1"/>
-              </a:solidFill>
-              <a:latin typeface="Times New Roman" panose="02020603050405020304" pitchFamily="18" charset="0"/>
-              <a:cs typeface="Times New Roman" panose="02020603050405020304" pitchFamily="18" charset="0"/>
-            </a:endParaRPr>
-          </a:p>
-          <a:p>
-            <a:pPr algn="l"/>
-            <a:r>
-              <a:rPr lang="ru-RU" sz="2400" b="1" dirty="0">
-                <a:solidFill>
-                  <a:schemeClr val="tx1"/>
-                </a:solidFill>
-                <a:latin typeface="Times New Roman" panose="02020603050405020304" pitchFamily="18" charset="0"/>
-                <a:cs typeface="Times New Roman" panose="02020603050405020304" pitchFamily="18" charset="0"/>
-              </a:rPr>
-              <a:t>Выходные данные: </a:t>
-            </a:r>
-          </a:p>
-          <a:p>
-            <a:pPr algn="l"/>
-            <a:r>
-              <a:rPr lang="ru-RU" sz="2400" dirty="0">
-                <a:solidFill>
-                  <a:schemeClr val="tx1"/>
-                </a:solidFill>
-                <a:latin typeface="Times New Roman" panose="02020603050405020304" pitchFamily="18" charset="0"/>
-                <a:cs typeface="Times New Roman" panose="02020603050405020304" pitchFamily="18" charset="0"/>
-              </a:rPr>
-              <a:t>Список тарифов мобильных операторов</a:t>
-            </a:r>
-            <a:r>
-              <a:rPr lang="en-US" sz="2400" dirty="0">
-                <a:solidFill>
-                  <a:schemeClr val="tx1"/>
-                </a:solidFill>
-                <a:latin typeface="Times New Roman" panose="02020603050405020304" pitchFamily="18" charset="0"/>
-                <a:cs typeface="Times New Roman" panose="02020603050405020304" pitchFamily="18" charset="0"/>
-              </a:rPr>
-              <a:t>,</a:t>
-            </a:r>
-            <a:r>
-              <a:rPr lang="ru-RU" sz="2400" dirty="0">
-                <a:solidFill>
-                  <a:schemeClr val="tx1"/>
-                </a:solidFill>
-                <a:latin typeface="Times New Roman" panose="02020603050405020304" pitchFamily="18" charset="0"/>
-                <a:cs typeface="Times New Roman" panose="02020603050405020304" pitchFamily="18" charset="0"/>
-              </a:rPr>
-              <a:t> попадающих под заданные пользователем условия.</a:t>
-            </a:r>
-          </a:p>
-        </p:txBody>
-      </p:sp>
-    </p:spTree>
-    <p:extLst>
-      <p:ext uri="{BB962C8B-B14F-4D97-AF65-F5344CB8AC3E}">
-        <p14:creationId xmlns:p14="http://schemas.microsoft.com/office/powerpoint/2010/main" val="3278695884"/>
-      </p:ext>
-    </p:extLst>
-  </p:cSld>
-  <p:clrMapOvr>
-    <a:masterClrMapping/>
-  </p:clrMapOvr>
-</p:sld>
-</file>
-
-<file path=ppt/slides/slide12.xml><?xml version="1.0" encoding="utf-8"?>
-<p:sld xmlns:a="http://schemas.openxmlformats.org/drawingml/2006/main" xmlns:r="http://schemas.openxmlformats.org/officeDocument/2006/relationships" xmlns:p="http://schemas.openxmlformats.org/presentationml/2006/main">
-  <p:cSld>
-    <p:spTree>
-      <p:nvGrpSpPr>
-        <p:cNvPr id="1" name=""/>
-        <p:cNvGrpSpPr/>
-        <p:nvPr/>
-      </p:nvGrpSpPr>
-      <p:grpSpPr>
-        <a:xfrm>
-          <a:off x="0" y="0"/>
-          <a:ext cx="0" cy="0"/>
-          <a:chOff x="0" y="0"/>
-          <a:chExt cx="0" cy="0"/>
-        </a:xfrm>
-      </p:grpSpPr>
-      <p:sp>
-        <p:nvSpPr>
-          <p:cNvPr id="2" name="Заголовок 1"/>
-          <p:cNvSpPr>
-            <a:spLocks noGrp="1"/>
-          </p:cNvSpPr>
-          <p:nvPr>
-            <p:ph type="ctrTitle"/>
-          </p:nvPr>
-        </p:nvSpPr>
-        <p:spPr>
-          <a:xfrm>
-            <a:off x="467544" y="188640"/>
-            <a:ext cx="8136904" cy="648071"/>
-          </a:xfrm>
-        </p:spPr>
-        <p:txBody>
-          <a:bodyPr>
-            <a:noAutofit/>
-          </a:bodyPr>
-          <a:lstStyle/>
-          <a:p>
-            <a:r>
-              <a:rPr lang="ru-RU" altLang="en-US" sz="3600" dirty="0">
-                <a:latin typeface="Times New Roman" panose="02020603050405020304" pitchFamily="18" charset="0"/>
-                <a:cs typeface="Times New Roman" panose="02020603050405020304" pitchFamily="18" charset="0"/>
-              </a:rPr>
-              <a:t>Инструментальные средства</a:t>
-            </a:r>
-          </a:p>
-        </p:txBody>
-      </p:sp>
-      <p:sp>
-        <p:nvSpPr>
-          <p:cNvPr id="3" name="Подзаголовок 2"/>
-          <p:cNvSpPr>
-            <a:spLocks noGrp="1"/>
-          </p:cNvSpPr>
-          <p:nvPr>
-            <p:ph type="subTitle" idx="1"/>
-          </p:nvPr>
-        </p:nvSpPr>
-        <p:spPr>
-          <a:xfrm>
-            <a:off x="498190" y="1340768"/>
-            <a:ext cx="8106258" cy="4896544"/>
-          </a:xfrm>
-        </p:spPr>
-        <p:txBody>
-          <a:bodyPr anchor="ctr">
-            <a:normAutofit/>
-          </a:bodyPr>
-          <a:lstStyle/>
-          <a:p>
-            <a:pPr algn="l"/>
-            <a:r>
-              <a:rPr lang="ru-RU" sz="3600" dirty="0" err="1">
-                <a:solidFill>
-                  <a:schemeClr val="tx1"/>
-                </a:solidFill>
-                <a:latin typeface="Times New Roman" panose="02020603050405020304" pitchFamily="18" charset="0"/>
-                <a:cs typeface="Times New Roman" panose="02020603050405020304" pitchFamily="18" charset="0"/>
-              </a:rPr>
-              <a:t>Фронтенд</a:t>
-            </a:r>
-            <a:r>
-              <a:rPr lang="ru-RU" sz="3600" dirty="0">
-                <a:solidFill>
-                  <a:schemeClr val="tx1"/>
-                </a:solidFill>
-                <a:latin typeface="Times New Roman" panose="02020603050405020304" pitchFamily="18" charset="0"/>
-                <a:cs typeface="Times New Roman" panose="02020603050405020304" pitchFamily="18" charset="0"/>
-              </a:rPr>
-              <a:t>: </a:t>
-            </a:r>
-            <a:r>
-              <a:rPr lang="en-US" sz="3600" dirty="0">
-                <a:solidFill>
-                  <a:schemeClr val="tx1"/>
-                </a:solidFill>
-                <a:latin typeface="Times New Roman" panose="02020603050405020304" pitchFamily="18" charset="0"/>
-                <a:cs typeface="Times New Roman" panose="02020603050405020304" pitchFamily="18" charset="0"/>
-              </a:rPr>
-              <a:t>bootstrap</a:t>
-            </a:r>
-            <a:endParaRPr lang="ru-RU" sz="3600" dirty="0">
-              <a:solidFill>
-                <a:schemeClr val="tx1"/>
-              </a:solidFill>
-              <a:latin typeface="Times New Roman" panose="02020603050405020304" pitchFamily="18" charset="0"/>
-              <a:cs typeface="Times New Roman" panose="02020603050405020304" pitchFamily="18" charset="0"/>
-            </a:endParaRPr>
-          </a:p>
-          <a:p>
-            <a:pPr algn="l"/>
-            <a:endParaRPr lang="ru-RU" sz="3600" dirty="0">
-              <a:solidFill>
-                <a:schemeClr val="tx1"/>
-              </a:solidFill>
-              <a:latin typeface="Times New Roman" panose="02020603050405020304" pitchFamily="18" charset="0"/>
-              <a:cs typeface="Times New Roman" panose="02020603050405020304" pitchFamily="18" charset="0"/>
-            </a:endParaRPr>
-          </a:p>
-          <a:p>
-            <a:pPr algn="l"/>
-            <a:r>
-              <a:rPr lang="ru-RU" sz="3600" dirty="0">
-                <a:solidFill>
-                  <a:schemeClr val="tx1"/>
-                </a:solidFill>
-                <a:latin typeface="Times New Roman" panose="02020603050405020304" pitchFamily="18" charset="0"/>
-                <a:cs typeface="Times New Roman" panose="02020603050405020304" pitchFamily="18" charset="0"/>
-              </a:rPr>
-              <a:t>Бэкенд: </a:t>
-            </a:r>
-            <a:r>
-              <a:rPr lang="en-US" sz="3600" dirty="0">
-                <a:solidFill>
-                  <a:schemeClr val="tx1"/>
-                </a:solidFill>
-                <a:latin typeface="Times New Roman" panose="02020603050405020304" pitchFamily="18" charset="0"/>
-                <a:cs typeface="Times New Roman" panose="02020603050405020304" pitchFamily="18" charset="0"/>
-              </a:rPr>
-              <a:t>Java</a:t>
-            </a:r>
-            <a:endParaRPr lang="ru-RU" sz="3600" dirty="0">
-              <a:solidFill>
-                <a:schemeClr val="tx1"/>
-              </a:solidFill>
-              <a:latin typeface="Times New Roman" panose="02020603050405020304" pitchFamily="18" charset="0"/>
-              <a:cs typeface="Times New Roman" panose="02020603050405020304" pitchFamily="18" charset="0"/>
-            </a:endParaRPr>
-          </a:p>
-        </p:txBody>
-      </p:sp>
-    </p:spTree>
-    <p:extLst>
-      <p:ext uri="{BB962C8B-B14F-4D97-AF65-F5344CB8AC3E}">
-        <p14:creationId xmlns:p14="http://schemas.microsoft.com/office/powerpoint/2010/main" val="3597652776"/>
-      </p:ext>
-    </p:extLst>
-  </p:cSld>
-  <p:clrMapOvr>
-    <a:masterClrMapping/>
-  </p:clrMapOvr>
-</p:sld>
-</file>
-
-<file path=ppt/slides/slide13.xml><?xml version="1.0" encoding="utf-8"?>
-<p:sld xmlns:a="http://schemas.openxmlformats.org/drawingml/2006/main" xmlns:r="http://schemas.openxmlformats.org/officeDocument/2006/relationships" xmlns:p="http://schemas.openxmlformats.org/presentationml/2006/main">
-  <p:cSld>
-    <p:spTree>
-      <p:nvGrpSpPr>
-        <p:cNvPr id="1" name=""/>
-        <p:cNvGrpSpPr/>
-        <p:nvPr/>
-      </p:nvGrpSpPr>
-      <p:grpSpPr>
-        <a:xfrm>
-          <a:off x="0" y="0"/>
-          <a:ext cx="0" cy="0"/>
-          <a:chOff x="0" y="0"/>
-          <a:chExt cx="0" cy="0"/>
-        </a:xfrm>
-      </p:grpSpPr>
-      <p:sp>
-        <p:nvSpPr>
-          <p:cNvPr id="2" name="Заголовок 1"/>
-          <p:cNvSpPr>
-            <a:spLocks noGrp="1"/>
-          </p:cNvSpPr>
-          <p:nvPr>
-            <p:ph type="ctrTitle"/>
-          </p:nvPr>
-        </p:nvSpPr>
-        <p:spPr>
-          <a:xfrm>
-            <a:off x="467544" y="188640"/>
-            <a:ext cx="8136904" cy="648071"/>
-          </a:xfrm>
-        </p:spPr>
-        <p:txBody>
-          <a:bodyPr>
-            <a:normAutofit fontScale="90000"/>
-          </a:bodyPr>
-          <a:lstStyle/>
-          <a:p>
-            <a:r>
-              <a:rPr lang="ru-RU" dirty="0">
-                <a:latin typeface="Times New Roman" panose="02020603050405020304" pitchFamily="18" charset="0"/>
-                <a:cs typeface="Times New Roman" panose="02020603050405020304" pitchFamily="18" charset="0"/>
-              </a:rPr>
-              <a:t>Структура классов</a:t>
-            </a:r>
-          </a:p>
-        </p:txBody>
-      </p:sp>
-      <p:sp>
-        <p:nvSpPr>
-          <p:cNvPr id="3" name="Подзаголовок 2"/>
-          <p:cNvSpPr>
-            <a:spLocks noGrp="1"/>
-          </p:cNvSpPr>
-          <p:nvPr>
-            <p:ph type="subTitle" idx="1"/>
-          </p:nvPr>
-        </p:nvSpPr>
-        <p:spPr>
-          <a:xfrm>
-            <a:off x="498190" y="5589240"/>
-            <a:ext cx="8106258" cy="648071"/>
-          </a:xfrm>
-        </p:spPr>
-        <p:txBody>
-          <a:bodyPr>
-            <a:normAutofit/>
-          </a:bodyPr>
-          <a:lstStyle/>
-          <a:p>
-            <a:r>
-              <a:rPr lang="ru-RU" altLang="en-US" sz="2400" dirty="0">
-                <a:solidFill>
-                  <a:schemeClr val="tx1"/>
-                </a:solidFill>
-                <a:latin typeface="Times New Roman" panose="02020603050405020304" pitchFamily="18" charset="0"/>
-                <a:cs typeface="Times New Roman" panose="02020603050405020304" pitchFamily="18" charset="0"/>
-              </a:rPr>
-              <a:t>Схема 3.</a:t>
-            </a:r>
-            <a:r>
-              <a:rPr lang="en-US" altLang="en-US" sz="2400" dirty="0">
-                <a:solidFill>
-                  <a:schemeClr val="tx1"/>
-                </a:solidFill>
-                <a:latin typeface="Times New Roman" panose="02020603050405020304" pitchFamily="18" charset="0"/>
-                <a:cs typeface="Times New Roman" panose="02020603050405020304" pitchFamily="18" charset="0"/>
-              </a:rPr>
-              <a:t> </a:t>
-            </a:r>
-            <a:r>
-              <a:rPr lang="ru-RU" altLang="en-US" sz="2400" dirty="0">
-                <a:solidFill>
-                  <a:schemeClr val="tx1"/>
-                </a:solidFill>
-                <a:latin typeface="Times New Roman" panose="02020603050405020304" pitchFamily="18" charset="0"/>
-                <a:cs typeface="Times New Roman" panose="02020603050405020304" pitchFamily="18" charset="0"/>
-              </a:rPr>
-              <a:t>структура классов</a:t>
-            </a:r>
-          </a:p>
-        </p:txBody>
-      </p:sp>
-      <p:pic>
-        <p:nvPicPr>
-          <p:cNvPr id="6" name="Рисунок 5">
-            <a:extLst>
-              <a:ext uri="{FF2B5EF4-FFF2-40B4-BE49-F238E27FC236}">
-                <a16:creationId xmlns:a16="http://schemas.microsoft.com/office/drawing/2014/main" id="{AFFB9863-5972-600E-6CCA-49BE86AEF086}"/>
-              </a:ext>
-            </a:extLst>
-          </p:cNvPr>
-          <p:cNvPicPr>
-            <a:picLocks noChangeAspect="1"/>
-          </p:cNvPicPr>
-          <p:nvPr/>
-        </p:nvPicPr>
-        <p:blipFill>
-          <a:blip r:embed="rId2"/>
-          <a:stretch>
-            <a:fillRect/>
-          </a:stretch>
-        </p:blipFill>
-        <p:spPr>
-          <a:xfrm>
-            <a:off x="1947862" y="1519237"/>
-            <a:ext cx="5248275" cy="3819525"/>
-          </a:xfrm>
-          <a:prstGeom prst="rect">
-            <a:avLst/>
-          </a:prstGeom>
-        </p:spPr>
-      </p:pic>
-    </p:spTree>
-    <p:extLst>
-      <p:ext uri="{BB962C8B-B14F-4D97-AF65-F5344CB8AC3E}">
-        <p14:creationId xmlns:p14="http://schemas.microsoft.com/office/powerpoint/2010/main" val="3515527969"/>
-      </p:ext>
-    </p:extLst>
-  </p:cSld>
-  <p:clrMapOvr>
-    <a:masterClrMapping/>
-  </p:clrMapOvr>
-</p:sld>
-</file>
-
-<file path=ppt/slides/slide14.xml><?xml version="1.0" encoding="utf-8"?>
-<p:sld xmlns:a="http://schemas.openxmlformats.org/drawingml/2006/main" xmlns:r="http://schemas.openxmlformats.org/officeDocument/2006/relationships" xmlns:p="http://schemas.openxmlformats.org/presentationml/2006/main">
-  <p:cSld>
-    <p:spTree>
-      <p:nvGrpSpPr>
-        <p:cNvPr id="1" name=""/>
-        <p:cNvGrpSpPr/>
-        <p:nvPr/>
-      </p:nvGrpSpPr>
-      <p:grpSpPr>
-        <a:xfrm>
-          <a:off x="0" y="0"/>
-          <a:ext cx="0" cy="0"/>
-          <a:chOff x="0" y="0"/>
-          <a:chExt cx="0" cy="0"/>
-        </a:xfrm>
-      </p:grpSpPr>
-      <p:sp>
-        <p:nvSpPr>
-          <p:cNvPr id="2" name="Заголовок 1"/>
-          <p:cNvSpPr>
-            <a:spLocks noGrp="1"/>
-          </p:cNvSpPr>
-          <p:nvPr>
-            <p:ph type="ctrTitle"/>
-          </p:nvPr>
-        </p:nvSpPr>
-        <p:spPr>
-          <a:xfrm>
-            <a:off x="467544" y="188640"/>
-            <a:ext cx="8136904" cy="648071"/>
-          </a:xfrm>
-        </p:spPr>
-        <p:txBody>
-          <a:bodyPr>
-            <a:normAutofit fontScale="90000"/>
-          </a:bodyPr>
-          <a:lstStyle/>
-          <a:p>
-            <a:r>
-              <a:rPr lang="ru-RU" dirty="0">
-                <a:latin typeface="Times New Roman" panose="02020603050405020304" pitchFamily="18" charset="0"/>
-                <a:cs typeface="Times New Roman" panose="02020603050405020304" pitchFamily="18" charset="0"/>
-              </a:rPr>
-              <a:t>Структура базы данных</a:t>
-            </a:r>
-          </a:p>
-        </p:txBody>
-      </p:sp>
-      <p:sp>
-        <p:nvSpPr>
-          <p:cNvPr id="3" name="Подзаголовок 2"/>
-          <p:cNvSpPr>
-            <a:spLocks noGrp="1"/>
-          </p:cNvSpPr>
-          <p:nvPr>
-            <p:ph type="subTitle" idx="1"/>
-          </p:nvPr>
-        </p:nvSpPr>
-        <p:spPr>
-          <a:xfrm>
-            <a:off x="498190" y="5589240"/>
-            <a:ext cx="8106258" cy="648072"/>
-          </a:xfrm>
-        </p:spPr>
-        <p:txBody>
-          <a:bodyPr>
-            <a:normAutofit/>
-          </a:bodyPr>
-          <a:lstStyle/>
-          <a:p>
-            <a:r>
-              <a:rPr lang="ru-RU" altLang="en-US" sz="2400" dirty="0">
-                <a:solidFill>
-                  <a:schemeClr val="tx1"/>
-                </a:solidFill>
-                <a:latin typeface="Times New Roman" panose="02020603050405020304" pitchFamily="18" charset="0"/>
-                <a:cs typeface="Times New Roman" panose="02020603050405020304" pitchFamily="18" charset="0"/>
-              </a:rPr>
-              <a:t>Схема 4.</a:t>
-            </a:r>
-            <a:r>
-              <a:rPr lang="en-US" altLang="en-US" sz="2400" dirty="0">
-                <a:solidFill>
-                  <a:schemeClr val="tx1"/>
-                </a:solidFill>
-                <a:latin typeface="Times New Roman" panose="02020603050405020304" pitchFamily="18" charset="0"/>
-                <a:cs typeface="Times New Roman" panose="02020603050405020304" pitchFamily="18" charset="0"/>
-              </a:rPr>
-              <a:t> </a:t>
-            </a:r>
-            <a:r>
-              <a:rPr lang="ru-RU" altLang="en-US" sz="2400" dirty="0">
-                <a:solidFill>
-                  <a:schemeClr val="tx1"/>
-                </a:solidFill>
-                <a:latin typeface="Times New Roman" panose="02020603050405020304" pitchFamily="18" charset="0"/>
-                <a:cs typeface="Times New Roman" panose="02020603050405020304" pitchFamily="18" charset="0"/>
-              </a:rPr>
-              <a:t>структура базы данных</a:t>
-            </a:r>
-          </a:p>
-        </p:txBody>
-      </p:sp>
-      <p:pic>
-        <p:nvPicPr>
-          <p:cNvPr id="5" name="Рисунок 4">
-            <a:extLst>
-              <a:ext uri="{FF2B5EF4-FFF2-40B4-BE49-F238E27FC236}">
-                <a16:creationId xmlns:a16="http://schemas.microsoft.com/office/drawing/2014/main" id="{F5DF51F1-64AA-BD6E-5614-377DC0D0D29B}"/>
-              </a:ext>
-            </a:extLst>
-          </p:cNvPr>
-          <p:cNvPicPr>
-            <a:picLocks noChangeAspect="1"/>
-          </p:cNvPicPr>
-          <p:nvPr/>
-        </p:nvPicPr>
-        <p:blipFill>
-          <a:blip r:embed="rId2"/>
-          <a:stretch>
-            <a:fillRect/>
-          </a:stretch>
-        </p:blipFill>
-        <p:spPr>
-          <a:xfrm>
-            <a:off x="3109912" y="1762125"/>
-            <a:ext cx="2924175" cy="3333750"/>
-          </a:xfrm>
-          <a:prstGeom prst="rect">
-            <a:avLst/>
-          </a:prstGeom>
-        </p:spPr>
-      </p:pic>
-    </p:spTree>
-    <p:extLst>
-      <p:ext uri="{BB962C8B-B14F-4D97-AF65-F5344CB8AC3E}">
-        <p14:creationId xmlns:p14="http://schemas.microsoft.com/office/powerpoint/2010/main" val="2839491125"/>
-      </p:ext>
-    </p:extLst>
-  </p:cSld>
-  <p:clrMapOvr>
-    <a:masterClrMapping/>
-  </p:clrMapOvr>
-</p:sld>
-</file>
-
-<file path=ppt/slides/slide15.xml><?xml version="1.0" encoding="utf-8"?>
-<p:sld xmlns:a="http://schemas.openxmlformats.org/drawingml/2006/main" xmlns:r="http://schemas.openxmlformats.org/officeDocument/2006/relationships" xmlns:p="http://schemas.openxmlformats.org/presentationml/2006/main">
-  <p:cSld>
-    <p:spTree>
-      <p:nvGrpSpPr>
-        <p:cNvPr id="1" name=""/>
-        <p:cNvGrpSpPr/>
-        <p:nvPr/>
-      </p:nvGrpSpPr>
-      <p:grpSpPr>
-        <a:xfrm>
-          <a:off x="0" y="0"/>
-          <a:ext cx="0" cy="0"/>
-          <a:chOff x="0" y="0"/>
-          <a:chExt cx="0" cy="0"/>
-        </a:xfrm>
-      </p:grpSpPr>
-      <p:sp>
-        <p:nvSpPr>
-          <p:cNvPr id="2" name="Заголовок 1">
-            <a:extLst>
-              <a:ext uri="{FF2B5EF4-FFF2-40B4-BE49-F238E27FC236}">
-                <a16:creationId xmlns:a16="http://schemas.microsoft.com/office/drawing/2014/main" id="{491F3AE5-8F5E-FB66-D9E0-D86BDEFC85E5}"/>
-              </a:ext>
-            </a:extLst>
-          </p:cNvPr>
-          <p:cNvSpPr>
-            <a:spLocks noGrp="1"/>
-          </p:cNvSpPr>
-          <p:nvPr>
-            <p:ph type="title"/>
-          </p:nvPr>
-        </p:nvSpPr>
-        <p:spPr/>
-        <p:txBody>
-          <a:bodyPr>
-            <a:normAutofit/>
-          </a:bodyPr>
-          <a:lstStyle/>
-          <a:p>
-            <a:r>
-              <a:rPr lang="ru-RU" sz="3600" dirty="0">
-                <a:latin typeface="Times New Roman" panose="02020603050405020304" pitchFamily="18" charset="0"/>
-                <a:cs typeface="Times New Roman" panose="02020603050405020304" pitchFamily="18" charset="0"/>
-              </a:rPr>
-              <a:t>Готовность работы</a:t>
-            </a:r>
-          </a:p>
-        </p:txBody>
-      </p:sp>
-      <p:sp>
-        <p:nvSpPr>
-          <p:cNvPr id="3" name="Объект 2">
-            <a:extLst>
-              <a:ext uri="{FF2B5EF4-FFF2-40B4-BE49-F238E27FC236}">
-                <a16:creationId xmlns:a16="http://schemas.microsoft.com/office/drawing/2014/main" id="{86D743FF-0B1E-2705-B3B4-92263E9E1D2C}"/>
-              </a:ext>
-            </a:extLst>
-          </p:cNvPr>
-          <p:cNvSpPr>
-            <a:spLocks noGrp="1"/>
-          </p:cNvSpPr>
-          <p:nvPr>
-            <p:ph idx="1"/>
-          </p:nvPr>
-        </p:nvSpPr>
-        <p:spPr/>
-        <p:txBody>
-          <a:bodyPr anchor="ctr">
-            <a:normAutofit/>
-          </a:bodyPr>
-          <a:lstStyle/>
-          <a:p>
-            <a:pPr marL="0" indent="0" algn="ctr">
-              <a:buNone/>
-            </a:pPr>
-            <a:r>
-              <a:rPr lang="ru-RU" altLang="en-US" sz="2800" dirty="0">
-                <a:solidFill>
-                  <a:schemeClr val="tx1"/>
-                </a:solidFill>
-                <a:latin typeface="Times New Roman" panose="02020603050405020304" pitchFamily="18" charset="0"/>
-                <a:cs typeface="Times New Roman" panose="02020603050405020304" pitchFamily="18" charset="0"/>
-              </a:rPr>
-              <a:t>ТЗ: </a:t>
-            </a:r>
-            <a:r>
-              <a:rPr lang="en-US" altLang="en-US" sz="2800" dirty="0">
-                <a:latin typeface="Times New Roman" panose="02020603050405020304" pitchFamily="18" charset="0"/>
-                <a:cs typeface="Times New Roman" panose="02020603050405020304" pitchFamily="18" charset="0"/>
-              </a:rPr>
-              <a:t>~</a:t>
-            </a:r>
-            <a:r>
-              <a:rPr lang="ru-RU" altLang="en-US" sz="2800" dirty="0">
-                <a:solidFill>
-                  <a:schemeClr val="tx1"/>
-                </a:solidFill>
-                <a:latin typeface="Times New Roman" panose="02020603050405020304" pitchFamily="18" charset="0"/>
-                <a:cs typeface="Times New Roman" panose="02020603050405020304" pitchFamily="18" charset="0"/>
-              </a:rPr>
-              <a:t>готово</a:t>
-            </a:r>
-            <a:endParaRPr lang="en-US" altLang="en-US" sz="2800" dirty="0">
-              <a:solidFill>
-                <a:schemeClr val="tx1"/>
-              </a:solidFill>
-              <a:latin typeface="Times New Roman" panose="02020603050405020304" pitchFamily="18" charset="0"/>
-              <a:cs typeface="Times New Roman" panose="02020603050405020304" pitchFamily="18" charset="0"/>
-            </a:endParaRPr>
-          </a:p>
-          <a:p>
-            <a:pPr marL="0" indent="0" algn="ctr">
-              <a:buNone/>
-            </a:pPr>
-            <a:r>
-              <a:rPr lang="ru-RU" altLang="en-US" sz="2800" dirty="0">
-                <a:solidFill>
-                  <a:schemeClr val="tx1"/>
-                </a:solidFill>
-                <a:latin typeface="Times New Roman" panose="02020603050405020304" pitchFamily="18" charset="0"/>
-                <a:cs typeface="Times New Roman" panose="02020603050405020304" pitchFamily="18" charset="0"/>
-              </a:rPr>
-              <a:t>ПЗ: </a:t>
-            </a:r>
-            <a:r>
-              <a:rPr lang="en-US" altLang="en-US" sz="2800" dirty="0">
-                <a:solidFill>
-                  <a:schemeClr val="tx1"/>
-                </a:solidFill>
-                <a:latin typeface="Times New Roman" panose="02020603050405020304" pitchFamily="18" charset="0"/>
-                <a:cs typeface="Times New Roman" panose="02020603050405020304" pitchFamily="18" charset="0"/>
-              </a:rPr>
-              <a:t>~</a:t>
-            </a:r>
-            <a:r>
-              <a:rPr lang="ru-RU" altLang="en-US" sz="2800" dirty="0">
-                <a:solidFill>
-                  <a:schemeClr val="tx1"/>
-                </a:solidFill>
-                <a:latin typeface="Times New Roman" panose="02020603050405020304" pitchFamily="18" charset="0"/>
-                <a:cs typeface="Times New Roman" panose="02020603050405020304" pitchFamily="18" charset="0"/>
-              </a:rPr>
-              <a:t>50</a:t>
-            </a:r>
-            <a:r>
-              <a:rPr lang="en-US" altLang="en-US" sz="2800" dirty="0">
-                <a:solidFill>
-                  <a:schemeClr val="tx1"/>
-                </a:solidFill>
-                <a:latin typeface="Times New Roman" panose="02020603050405020304" pitchFamily="18" charset="0"/>
-                <a:cs typeface="Times New Roman" panose="02020603050405020304" pitchFamily="18" charset="0"/>
-              </a:rPr>
-              <a:t>%</a:t>
-            </a:r>
-          </a:p>
-          <a:p>
-            <a:pPr marL="0" indent="0" algn="ctr">
-              <a:buNone/>
-            </a:pPr>
-            <a:r>
-              <a:rPr lang="ru-RU" altLang="en-US" sz="2800" dirty="0">
-                <a:solidFill>
-                  <a:schemeClr val="tx1"/>
-                </a:solidFill>
-                <a:latin typeface="Times New Roman" panose="02020603050405020304" pitchFamily="18" charset="0"/>
-                <a:cs typeface="Times New Roman" panose="02020603050405020304" pitchFamily="18" charset="0"/>
-              </a:rPr>
-              <a:t>Программа: </a:t>
-            </a:r>
-            <a:r>
-              <a:rPr lang="en-US" altLang="en-US" sz="2800" dirty="0">
-                <a:solidFill>
-                  <a:schemeClr val="tx1"/>
-                </a:solidFill>
-                <a:latin typeface="Times New Roman" panose="02020603050405020304" pitchFamily="18" charset="0"/>
-                <a:cs typeface="Times New Roman" panose="02020603050405020304" pitchFamily="18" charset="0"/>
-              </a:rPr>
-              <a:t>~</a:t>
-            </a:r>
-            <a:r>
-              <a:rPr lang="ru-RU" altLang="en-US" sz="2800" dirty="0">
-                <a:solidFill>
-                  <a:schemeClr val="tx1"/>
-                </a:solidFill>
-                <a:latin typeface="Times New Roman" panose="02020603050405020304" pitchFamily="18" charset="0"/>
-                <a:cs typeface="Times New Roman" panose="02020603050405020304" pitchFamily="18" charset="0"/>
-              </a:rPr>
-              <a:t>50</a:t>
-            </a:r>
-            <a:r>
-              <a:rPr lang="en-US" altLang="en-US" sz="2800" dirty="0">
-                <a:solidFill>
-                  <a:schemeClr val="tx1"/>
-                </a:solidFill>
-                <a:latin typeface="Times New Roman" panose="02020603050405020304" pitchFamily="18" charset="0"/>
-                <a:cs typeface="Times New Roman" panose="02020603050405020304" pitchFamily="18" charset="0"/>
-              </a:rPr>
-              <a:t>%</a:t>
-            </a:r>
-          </a:p>
-        </p:txBody>
-      </p:sp>
-    </p:spTree>
-    <p:extLst>
-      <p:ext uri="{BB962C8B-B14F-4D97-AF65-F5344CB8AC3E}">
-        <p14:creationId xmlns:p14="http://schemas.microsoft.com/office/powerpoint/2010/main" val="1717102549"/>
-      </p:ext>
-    </p:extLst>
-  </p:cSld>
-  <p:clrMapOvr>
-    <a:masterClrMapping/>
-  </p:clrMapOvr>
-</p:sld>
-</file>
-
-<file path=ppt/slides/slide2.xml><?xml version="1.0" encoding="utf-8"?>
-<p:sld xmlns:a="http://schemas.openxmlformats.org/drawingml/2006/main" xmlns:r="http://schemas.openxmlformats.org/officeDocument/2006/relationships" xmlns:p="http://schemas.openxmlformats.org/presentationml/2006/main">
-  <p:cSld>
-    <p:spTree>
-      <p:nvGrpSpPr>
-        <p:cNvPr id="1" name=""/>
-        <p:cNvGrpSpPr/>
-        <p:nvPr/>
-      </p:nvGrpSpPr>
-      <p:grpSpPr>
-        <a:xfrm>
-          <a:off x="0" y="0"/>
-          <a:ext cx="0" cy="0"/>
-          <a:chOff x="0" y="0"/>
-          <a:chExt cx="0" cy="0"/>
-        </a:xfrm>
-      </p:grpSpPr>
-      <p:sp>
-        <p:nvSpPr>
-          <p:cNvPr id="2" name="Заголовок 1"/>
-          <p:cNvSpPr>
-            <a:spLocks noGrp="1"/>
-          </p:cNvSpPr>
-          <p:nvPr>
-            <p:ph type="ctrTitle"/>
-          </p:nvPr>
-        </p:nvSpPr>
-        <p:spPr>
-          <a:xfrm>
-            <a:off x="683568" y="188640"/>
-            <a:ext cx="7772400" cy="648071"/>
-          </a:xfrm>
-        </p:spPr>
-        <p:txBody>
-          <a:bodyPr>
-            <a:normAutofit/>
-          </a:bodyPr>
-          <a:lstStyle/>
-          <a:p>
-            <a:r>
-              <a:rPr lang="ru-RU" sz="3600" dirty="0">
-                <a:latin typeface="Times New Roman" panose="02020603050405020304" pitchFamily="18" charset="0"/>
-                <a:cs typeface="Times New Roman" panose="02020603050405020304" pitchFamily="18" charset="0"/>
-              </a:rPr>
-              <a:t>Актуальность работы</a:t>
-            </a:r>
-          </a:p>
-        </p:txBody>
-      </p:sp>
-      <p:sp>
-        <p:nvSpPr>
-          <p:cNvPr id="3" name="Подзаголовок 2"/>
-          <p:cNvSpPr>
-            <a:spLocks noGrp="1"/>
-          </p:cNvSpPr>
-          <p:nvPr>
-            <p:ph type="subTitle" idx="1"/>
-          </p:nvPr>
-        </p:nvSpPr>
-        <p:spPr>
-          <a:xfrm>
-            <a:off x="498190" y="1340768"/>
-            <a:ext cx="8106258" cy="4896544"/>
-          </a:xfrm>
-        </p:spPr>
-        <p:txBody>
-          <a:bodyPr anchor="ctr">
-            <a:normAutofit/>
-          </a:bodyPr>
-          <a:lstStyle/>
-          <a:p>
-            <a:pPr algn="l">
-              <a:lnSpc>
-                <a:spcPct val="120000"/>
-              </a:lnSpc>
-              <a:spcBef>
-                <a:spcPts val="600"/>
-              </a:spcBef>
-            </a:pPr>
-            <a:r>
-              <a:rPr lang="ru-RU" sz="2800" b="1" dirty="0">
-                <a:solidFill>
-                  <a:schemeClr val="tx1"/>
-                </a:solidFill>
-                <a:latin typeface="Times New Roman" panose="02020603050405020304" pitchFamily="18" charset="0"/>
-                <a:cs typeface="Times New Roman" panose="02020603050405020304" pitchFamily="18" charset="0"/>
-              </a:rPr>
-              <a:t>Актуальность работы обусловлена:</a:t>
-            </a:r>
-          </a:p>
-          <a:p>
-            <a:pPr marL="457200" indent="-457200" algn="l">
-              <a:lnSpc>
-                <a:spcPct val="120000"/>
-              </a:lnSpc>
-              <a:spcBef>
-                <a:spcPts val="600"/>
-              </a:spcBef>
-              <a:buFont typeface="Arial" panose="020B0604020202020204" pitchFamily="34" charset="0"/>
-              <a:buChar char="•"/>
-            </a:pPr>
-            <a:r>
-              <a:rPr lang="ru-RU" sz="2800" dirty="0">
-                <a:solidFill>
-                  <a:schemeClr val="tx1"/>
-                </a:solidFill>
-                <a:latin typeface="Times New Roman" panose="02020603050405020304" pitchFamily="18" charset="0"/>
-                <a:ea typeface="Times New Roman" panose="02020603050405020304" pitchFamily="18" charset="0"/>
-                <a:cs typeface="Times New Roman" panose="02020603050405020304" pitchFamily="18" charset="0"/>
-              </a:rPr>
-              <a:t>р</a:t>
-            </a:r>
-            <a:r>
-              <a:rPr lang="ru-RU" sz="2800" dirty="0">
-                <a:solidFill>
-                  <a:schemeClr val="tx1"/>
-                </a:solidFill>
-                <a:effectLst/>
-                <a:latin typeface="Times New Roman" panose="02020603050405020304" pitchFamily="18" charset="0"/>
-                <a:ea typeface="Times New Roman" panose="02020603050405020304" pitchFamily="18" charset="0"/>
-                <a:cs typeface="Times New Roman" panose="02020603050405020304" pitchFamily="18" charset="0"/>
-              </a:rPr>
-              <a:t>остом рынка мобильной связи</a:t>
-            </a:r>
-          </a:p>
-          <a:p>
-            <a:pPr marL="457200" indent="-457200" algn="l">
-              <a:lnSpc>
-                <a:spcPct val="120000"/>
-              </a:lnSpc>
-              <a:spcBef>
-                <a:spcPts val="600"/>
-              </a:spcBef>
-              <a:buFont typeface="Arial" panose="020B0604020202020204" pitchFamily="34" charset="0"/>
-              <a:buChar char="•"/>
-            </a:pPr>
-            <a:r>
-              <a:rPr lang="ru-RU" sz="2800" dirty="0">
-                <a:solidFill>
-                  <a:schemeClr val="tx1"/>
-                </a:solidFill>
-                <a:latin typeface="Times New Roman" panose="02020603050405020304" pitchFamily="18" charset="0"/>
-                <a:ea typeface="Times New Roman" panose="02020603050405020304" pitchFamily="18" charset="0"/>
-                <a:cs typeface="Times New Roman" panose="02020603050405020304" pitchFamily="18" charset="0"/>
-              </a:rPr>
-              <a:t>м</a:t>
-            </a:r>
-            <a:r>
-              <a:rPr lang="ru-RU" sz="2800" dirty="0">
-                <a:solidFill>
-                  <a:schemeClr val="tx1"/>
-                </a:solidFill>
-                <a:effectLst/>
-                <a:latin typeface="Times New Roman" panose="02020603050405020304" pitchFamily="18" charset="0"/>
-                <a:ea typeface="Times New Roman" panose="02020603050405020304" pitchFamily="18" charset="0"/>
-                <a:cs typeface="Times New Roman" panose="02020603050405020304" pitchFamily="18" charset="0"/>
-              </a:rPr>
-              <a:t>ногообразием тарифов и услуг</a:t>
-            </a:r>
-          </a:p>
-          <a:p>
-            <a:pPr marL="457200" indent="-457200" algn="l">
-              <a:lnSpc>
-                <a:spcPct val="120000"/>
-              </a:lnSpc>
-              <a:spcBef>
-                <a:spcPts val="600"/>
-              </a:spcBef>
-              <a:buFont typeface="Arial" panose="020B0604020202020204" pitchFamily="34" charset="0"/>
-              <a:buChar char="•"/>
-            </a:pPr>
-            <a:r>
-              <a:rPr lang="ru-RU" sz="2800" dirty="0">
-                <a:solidFill>
-                  <a:schemeClr val="tx1"/>
-                </a:solidFill>
-                <a:latin typeface="Times New Roman" panose="02020603050405020304" pitchFamily="18" charset="0"/>
-                <a:ea typeface="Times New Roman" panose="02020603050405020304" pitchFamily="18" charset="0"/>
-                <a:cs typeface="Times New Roman" panose="02020603050405020304" pitchFamily="18" charset="0"/>
-              </a:rPr>
-              <a:t>с</a:t>
-            </a:r>
-            <a:r>
-              <a:rPr lang="ru-RU" sz="2800" dirty="0">
-                <a:solidFill>
-                  <a:schemeClr val="tx1"/>
-                </a:solidFill>
-                <a:effectLst/>
-                <a:latin typeface="Times New Roman" panose="02020603050405020304" pitchFamily="18" charset="0"/>
-                <a:ea typeface="Times New Roman" panose="02020603050405020304" pitchFamily="18" charset="0"/>
-                <a:cs typeface="Times New Roman" panose="02020603050405020304" pitchFamily="18" charset="0"/>
-              </a:rPr>
-              <a:t>тремлением потребителей получить услуги по оптимальным ценам</a:t>
-            </a:r>
-          </a:p>
-          <a:p>
-            <a:pPr marL="457200" indent="-457200" algn="l">
-              <a:lnSpc>
-                <a:spcPct val="120000"/>
-              </a:lnSpc>
-              <a:spcBef>
-                <a:spcPts val="600"/>
-              </a:spcBef>
-              <a:buFont typeface="Arial" panose="020B0604020202020204" pitchFamily="34" charset="0"/>
-              <a:buChar char="•"/>
-            </a:pPr>
-            <a:r>
-              <a:rPr lang="ru-RU" sz="2800" dirty="0">
-                <a:solidFill>
-                  <a:schemeClr val="tx1"/>
-                </a:solidFill>
-                <a:latin typeface="Times New Roman" panose="02020603050405020304" pitchFamily="18" charset="0"/>
-                <a:ea typeface="Times New Roman" panose="02020603050405020304" pitchFamily="18" charset="0"/>
-                <a:cs typeface="Times New Roman" panose="02020603050405020304" pitchFamily="18" charset="0"/>
-              </a:rPr>
-              <a:t>цифровизацией и онлайн-сервисами</a:t>
-            </a:r>
-            <a:endParaRPr lang="ru-RU" sz="2800" dirty="0">
-              <a:solidFill>
-                <a:schemeClr val="tx1"/>
-              </a:solidFill>
-              <a:effectLst/>
-              <a:latin typeface="Times New Roman" panose="02020603050405020304" pitchFamily="18" charset="0"/>
-              <a:ea typeface="Times New Roman" panose="02020603050405020304" pitchFamily="18" charset="0"/>
-              <a:cs typeface="Times New Roman" panose="02020603050405020304" pitchFamily="18" charset="0"/>
-            </a:endParaRPr>
-          </a:p>
-          <a:p>
-            <a:pPr marL="457200" indent="-457200" algn="l">
-              <a:lnSpc>
-                <a:spcPct val="120000"/>
-              </a:lnSpc>
-              <a:spcBef>
-                <a:spcPts val="600"/>
-              </a:spcBef>
-              <a:buFont typeface="Arial" panose="020B0604020202020204" pitchFamily="34" charset="0"/>
-              <a:buChar char="•"/>
-            </a:pPr>
-            <a:r>
-              <a:rPr lang="ru-RU" sz="2800" dirty="0">
-                <a:solidFill>
-                  <a:schemeClr val="tx1"/>
-                </a:solidFill>
-                <a:latin typeface="Times New Roman" panose="02020603050405020304" pitchFamily="18" charset="0"/>
-                <a:ea typeface="Times New Roman" panose="02020603050405020304" pitchFamily="18" charset="0"/>
-                <a:cs typeface="Times New Roman" panose="02020603050405020304" pitchFamily="18" charset="0"/>
-              </a:rPr>
-              <a:t>отсутствием качественных существующих решений</a:t>
-            </a:r>
-            <a:endParaRPr lang="ru-RU" sz="2800" dirty="0">
-              <a:solidFill>
-                <a:schemeClr val="tx1"/>
-              </a:solidFill>
-              <a:effectLst/>
-              <a:latin typeface="Times New Roman" panose="02020603050405020304" pitchFamily="18" charset="0"/>
-              <a:ea typeface="Times New Roman" panose="02020603050405020304" pitchFamily="18" charset="0"/>
-              <a:cs typeface="Times New Roman" panose="02020603050405020304" pitchFamily="18" charset="0"/>
-            </a:endParaRPr>
-          </a:p>
-        </p:txBody>
-      </p:sp>
-    </p:spTree>
-    <p:extLst>
-      <p:ext uri="{BB962C8B-B14F-4D97-AF65-F5344CB8AC3E}">
-        <p14:creationId xmlns:p14="http://schemas.microsoft.com/office/powerpoint/2010/main" val="1053462166"/>
-      </p:ext>
-    </p:extLst>
-  </p:cSld>
-  <p:clrMapOvr>
-    <a:masterClrMapping/>
-  </p:clrMapOvr>
-</p:sld>
-</file>
-
-<file path=ppt/slides/slide3.xml><?xml version="1.0" encoding="utf-8"?>
-<p:sld xmlns:a="http://schemas.openxmlformats.org/drawingml/2006/main" xmlns:r="http://schemas.openxmlformats.org/officeDocument/2006/relationships" xmlns:p="http://schemas.openxmlformats.org/presentationml/2006/main">
-  <p:cSld>
-    <p:spTree>
-      <p:nvGrpSpPr>
-        <p:cNvPr id="1" name=""/>
-        <p:cNvGrpSpPr/>
-        <p:nvPr/>
-      </p:nvGrpSpPr>
-      <p:grpSpPr>
-        <a:xfrm>
-          <a:off x="0" y="0"/>
-          <a:ext cx="0" cy="0"/>
-          <a:chOff x="0" y="0"/>
-          <a:chExt cx="0" cy="0"/>
-        </a:xfrm>
-      </p:grpSpPr>
-      <p:sp>
-        <p:nvSpPr>
-          <p:cNvPr id="2" name="Заголовок 1"/>
-          <p:cNvSpPr>
-            <a:spLocks noGrp="1"/>
-          </p:cNvSpPr>
-          <p:nvPr>
-            <p:ph type="ctrTitle"/>
-          </p:nvPr>
-        </p:nvSpPr>
-        <p:spPr>
-          <a:xfrm>
-            <a:off x="467544" y="188640"/>
-            <a:ext cx="8136904" cy="648071"/>
-          </a:xfrm>
-        </p:spPr>
-        <p:txBody>
-          <a:bodyPr>
-            <a:noAutofit/>
-          </a:bodyPr>
-          <a:lstStyle/>
-          <a:p>
-            <a:r>
-              <a:rPr lang="ru-RU" sz="3600" dirty="0">
-                <a:latin typeface="Times New Roman" panose="02020603050405020304" pitchFamily="18" charset="0"/>
-                <a:cs typeface="Times New Roman" panose="02020603050405020304" pitchFamily="18" charset="0"/>
-              </a:rPr>
-              <a:t>Цель работы и задачи исследования</a:t>
-            </a:r>
-          </a:p>
-        </p:txBody>
-      </p:sp>
-      <p:sp>
-        <p:nvSpPr>
-          <p:cNvPr id="3" name="Подзаголовок 2"/>
-          <p:cNvSpPr>
-            <a:spLocks noGrp="1"/>
-          </p:cNvSpPr>
-          <p:nvPr>
-            <p:ph type="subTitle" idx="1"/>
-          </p:nvPr>
-        </p:nvSpPr>
-        <p:spPr>
-          <a:xfrm>
-            <a:off x="498190" y="1340768"/>
-            <a:ext cx="8106258" cy="5112568"/>
-          </a:xfrm>
-        </p:spPr>
-        <p:txBody>
-          <a:bodyPr anchor="ctr">
-            <a:noAutofit/>
-          </a:bodyPr>
-          <a:lstStyle/>
-          <a:p>
-            <a:pPr indent="450215" algn="just">
-              <a:lnSpc>
-                <a:spcPct val="150000"/>
-              </a:lnSpc>
-            </a:pPr>
-            <a:r>
-              <a:rPr lang="ru-RU" sz="1800" b="1" dirty="0">
-                <a:solidFill>
-                  <a:schemeClr val="tx1"/>
-                </a:solidFill>
-                <a:latin typeface="Times New Roman" panose="02020603050405020304" pitchFamily="18" charset="0"/>
-                <a:cs typeface="Times New Roman" panose="02020603050405020304" pitchFamily="18" charset="0"/>
-              </a:rPr>
-              <a:t>Цель работы: </a:t>
-            </a:r>
-            <a:r>
-              <a:rPr lang="ru-RU" sz="1800" dirty="0">
-                <a:solidFill>
-                  <a:schemeClr val="tx1"/>
-                </a:solidFill>
-                <a:effectLst/>
-                <a:latin typeface="Times New Roman" panose="02020603050405020304" pitchFamily="18" charset="0"/>
-                <a:ea typeface="Times New Roman" panose="02020603050405020304" pitchFamily="18" charset="0"/>
-                <a:cs typeface="Times New Roman" panose="02020603050405020304" pitchFamily="18" charset="0"/>
-              </a:rPr>
-              <a:t>предоставление пользователям удобного интерфейса для выбора актуального и подходящего под личные нужны тарифного плана в Волгоградской области.</a:t>
-            </a:r>
-            <a:endParaRPr lang="ru-RU" sz="1800" dirty="0">
-              <a:solidFill>
-                <a:schemeClr val="tx1"/>
-              </a:solidFill>
-              <a:latin typeface="Times New Roman" panose="02020603050405020304" pitchFamily="18" charset="0"/>
-              <a:cs typeface="Times New Roman" panose="02020603050405020304" pitchFamily="18" charset="0"/>
-            </a:endParaRPr>
-          </a:p>
-          <a:p>
-            <a:pPr algn="just"/>
-            <a:r>
-              <a:rPr lang="en-US" sz="1800" b="1" dirty="0">
-                <a:solidFill>
-                  <a:schemeClr val="tx1"/>
-                </a:solidFill>
-                <a:latin typeface="Times New Roman" panose="02020603050405020304" pitchFamily="18" charset="0"/>
-                <a:cs typeface="Times New Roman" panose="02020603050405020304" pitchFamily="18" charset="0"/>
-              </a:rPr>
-              <a:t>      </a:t>
-            </a:r>
-            <a:r>
-              <a:rPr lang="ru-RU" sz="1800" b="1" dirty="0">
-                <a:solidFill>
-                  <a:schemeClr val="tx1"/>
-                </a:solidFill>
-                <a:latin typeface="Times New Roman" panose="02020603050405020304" pitchFamily="18" charset="0"/>
-                <a:cs typeface="Times New Roman" panose="02020603050405020304" pitchFamily="18" charset="0"/>
-              </a:rPr>
-              <a:t>Задачи:</a:t>
-            </a:r>
-          </a:p>
-          <a:p>
-            <a:pPr marL="342900" indent="-342900" algn="just">
-              <a:lnSpc>
-                <a:spcPct val="150000"/>
-              </a:lnSpc>
-              <a:buFont typeface="Arial" panose="020B0604020202020204" pitchFamily="34" charset="0"/>
-              <a:buChar char="•"/>
-            </a:pPr>
-            <a:r>
-              <a:rPr lang="ru-RU" sz="1800" dirty="0">
-                <a:solidFill>
-                  <a:schemeClr val="tx1"/>
-                </a:solidFill>
-                <a:effectLst/>
-                <a:latin typeface="Times New Roman" panose="02020603050405020304" pitchFamily="18" charset="0"/>
-                <a:ea typeface="Times New Roman" panose="02020603050405020304" pitchFamily="18" charset="0"/>
-                <a:cs typeface="Times New Roman" panose="02020603050405020304" pitchFamily="18" charset="0"/>
-              </a:rPr>
-              <a:t>произвести анализ предметной области;</a:t>
-            </a:r>
-          </a:p>
-          <a:p>
-            <a:pPr marL="342900" indent="-342900" algn="just">
-              <a:lnSpc>
-                <a:spcPct val="150000"/>
-              </a:lnSpc>
-              <a:buFont typeface="Arial" panose="020B0604020202020204" pitchFamily="34" charset="0"/>
-              <a:buChar char="•"/>
-            </a:pPr>
-            <a:r>
-              <a:rPr lang="ru-RU" sz="1800" dirty="0">
-                <a:solidFill>
-                  <a:schemeClr val="tx1"/>
-                </a:solidFill>
-                <a:effectLst/>
-                <a:latin typeface="Times New Roman" panose="02020603050405020304" pitchFamily="18" charset="0"/>
-                <a:ea typeface="Times New Roman" panose="02020603050405020304" pitchFamily="18" charset="0"/>
-                <a:cs typeface="Times New Roman" panose="02020603050405020304" pitchFamily="18" charset="0"/>
-              </a:rPr>
-              <a:t>произвести обзор существующих аналогов и выявить их основные преимущества и недостатки;</a:t>
-            </a:r>
-          </a:p>
-          <a:p>
-            <a:pPr marL="342900" indent="-342900" algn="just">
-              <a:lnSpc>
-                <a:spcPct val="150000"/>
-              </a:lnSpc>
-              <a:buFont typeface="Arial" panose="020B0604020202020204" pitchFamily="34" charset="0"/>
-              <a:buChar char="•"/>
-            </a:pPr>
-            <a:r>
-              <a:rPr lang="ru-RU" sz="1800" dirty="0">
-                <a:solidFill>
-                  <a:schemeClr val="tx1"/>
-                </a:solidFill>
-                <a:effectLst/>
-                <a:latin typeface="Times New Roman" panose="02020603050405020304" pitchFamily="18" charset="0"/>
-                <a:ea typeface="Times New Roman" panose="02020603050405020304" pitchFamily="18" charset="0"/>
-                <a:cs typeface="Times New Roman" panose="02020603050405020304" pitchFamily="18" charset="0"/>
-              </a:rPr>
-              <a:t>определить требования к разрабатываемому веб-сервису;</a:t>
-            </a:r>
-          </a:p>
-          <a:p>
-            <a:pPr marL="342900" indent="-342900" algn="just">
-              <a:lnSpc>
-                <a:spcPct val="150000"/>
-              </a:lnSpc>
-              <a:buFont typeface="Arial" panose="020B0604020202020204" pitchFamily="34" charset="0"/>
-              <a:buChar char="•"/>
-            </a:pPr>
-            <a:r>
-              <a:rPr lang="ru-RU" sz="1800" dirty="0">
-                <a:solidFill>
-                  <a:schemeClr val="tx1"/>
-                </a:solidFill>
-                <a:effectLst/>
-                <a:latin typeface="Times New Roman" panose="02020603050405020304" pitchFamily="18" charset="0"/>
-                <a:ea typeface="Times New Roman" panose="02020603050405020304" pitchFamily="18" charset="0"/>
-                <a:cs typeface="Times New Roman" panose="02020603050405020304" pitchFamily="18" charset="0"/>
-              </a:rPr>
-              <a:t>произвести проектирование базы данных;</a:t>
-            </a:r>
-          </a:p>
-          <a:p>
-            <a:pPr marL="342900" indent="-342900" algn="just">
-              <a:lnSpc>
-                <a:spcPct val="150000"/>
-              </a:lnSpc>
-              <a:buFont typeface="Arial" panose="020B0604020202020204" pitchFamily="34" charset="0"/>
-              <a:buChar char="•"/>
-            </a:pPr>
-            <a:r>
-              <a:rPr lang="ru-RU" sz="1800" dirty="0">
-                <a:solidFill>
-                  <a:schemeClr val="tx1"/>
-                </a:solidFill>
-                <a:effectLst/>
-                <a:latin typeface="Times New Roman" panose="02020603050405020304" pitchFamily="18" charset="0"/>
-                <a:ea typeface="Times New Roman" panose="02020603050405020304" pitchFamily="18" charset="0"/>
-                <a:cs typeface="Times New Roman" panose="02020603050405020304" pitchFamily="18" charset="0"/>
-              </a:rPr>
-              <a:t>протестировать работоспособность разработанного веб-сервиса.</a:t>
-            </a:r>
-          </a:p>
-        </p:txBody>
-      </p:sp>
-    </p:spTree>
-    <p:extLst>
-      <p:ext uri="{BB962C8B-B14F-4D97-AF65-F5344CB8AC3E}">
-        <p14:creationId xmlns:p14="http://schemas.microsoft.com/office/powerpoint/2010/main" val="2550941481"/>
-      </p:ext>
-    </p:extLst>
-  </p:cSld>
-  <p:clrMapOvr>
-    <a:masterClrMapping/>
-  </p:clrMapOvr>
-</p:sld>
-</file>
-
-<file path=ppt/slides/slide4.xml><?xml version="1.0" encoding="utf-8"?>
-<p:sld xmlns:a="http://schemas.openxmlformats.org/drawingml/2006/main" xmlns:r="http://schemas.openxmlformats.org/officeDocument/2006/relationships" xmlns:p="http://schemas.openxmlformats.org/presentationml/2006/main">
-  <p:cSld>
-    <p:spTree>
-      <p:nvGrpSpPr>
-        <p:cNvPr id="1" name=""/>
-        <p:cNvGrpSpPr/>
-        <p:nvPr/>
-      </p:nvGrpSpPr>
-      <p:grpSpPr>
-        <a:xfrm>
-          <a:off x="0" y="0"/>
-          <a:ext cx="0" cy="0"/>
-          <a:chOff x="0" y="0"/>
-          <a:chExt cx="0" cy="0"/>
-        </a:xfrm>
-      </p:grpSpPr>
-      <p:sp>
-        <p:nvSpPr>
-          <p:cNvPr id="2" name="Заголовок 1"/>
-          <p:cNvSpPr>
-            <a:spLocks noGrp="1"/>
-          </p:cNvSpPr>
-          <p:nvPr>
-            <p:ph type="ctrTitle"/>
-          </p:nvPr>
-        </p:nvSpPr>
-        <p:spPr>
-          <a:xfrm>
-            <a:off x="467544" y="188640"/>
-            <a:ext cx="8136904" cy="648071"/>
-          </a:xfrm>
-        </p:spPr>
-        <p:txBody>
-          <a:bodyPr>
-            <a:normAutofit/>
-          </a:bodyPr>
-          <a:lstStyle/>
-          <a:p>
-            <a:r>
-              <a:rPr lang="ru-RU" sz="3600" dirty="0">
-                <a:latin typeface="Times New Roman" panose="02020603050405020304" pitchFamily="18" charset="0"/>
-                <a:cs typeface="Times New Roman" panose="02020603050405020304" pitchFamily="18" charset="0"/>
-              </a:rPr>
-              <a:t>Объект</a:t>
-            </a:r>
-            <a:r>
-              <a:rPr lang="en-US" sz="3600" dirty="0">
-                <a:latin typeface="Times New Roman" panose="02020603050405020304" pitchFamily="18" charset="0"/>
-                <a:cs typeface="Times New Roman" panose="02020603050405020304" pitchFamily="18" charset="0"/>
-              </a:rPr>
-              <a:t> </a:t>
-            </a:r>
-            <a:r>
-              <a:rPr lang="ru-RU" sz="3600" dirty="0">
-                <a:latin typeface="Times New Roman" panose="02020603050405020304" pitchFamily="18" charset="0"/>
-                <a:cs typeface="Times New Roman" panose="02020603050405020304" pitchFamily="18" charset="0"/>
-              </a:rPr>
-              <a:t>и предмет исследования</a:t>
-            </a:r>
-          </a:p>
-        </p:txBody>
-      </p:sp>
-      <p:sp>
-        <p:nvSpPr>
-          <p:cNvPr id="3" name="Подзаголовок 2"/>
-          <p:cNvSpPr>
-            <a:spLocks noGrp="1"/>
-          </p:cNvSpPr>
-          <p:nvPr>
-            <p:ph type="subTitle" idx="1"/>
-          </p:nvPr>
-        </p:nvSpPr>
-        <p:spPr>
-          <a:xfrm>
-            <a:off x="498190" y="908720"/>
-            <a:ext cx="8106258" cy="5328592"/>
-          </a:xfrm>
-        </p:spPr>
-        <p:txBody>
-          <a:bodyPr anchor="ctr">
-            <a:normAutofit/>
-          </a:bodyPr>
-          <a:lstStyle/>
-          <a:p>
-            <a:pPr indent="450215" algn="just">
-              <a:lnSpc>
-                <a:spcPct val="150000"/>
-              </a:lnSpc>
-            </a:pPr>
-            <a:r>
-              <a:rPr lang="ru-RU" sz="2400" b="1" dirty="0">
-                <a:solidFill>
-                  <a:schemeClr val="tx1"/>
-                </a:solidFill>
-                <a:effectLst/>
-                <a:latin typeface="Times New Roman" panose="02020603050405020304" pitchFamily="18" charset="0"/>
-                <a:ea typeface="Times New Roman" panose="02020603050405020304" pitchFamily="18" charset="0"/>
-                <a:cs typeface="Times New Roman" panose="02020603050405020304" pitchFamily="18" charset="0"/>
-              </a:rPr>
-              <a:t>Объектом исследования</a:t>
-            </a:r>
-            <a:r>
-              <a:rPr lang="ru-RU" sz="2400" b="1" dirty="0">
-                <a:solidFill>
-                  <a:schemeClr val="tx1"/>
-                </a:solidFill>
-                <a:latin typeface="Times New Roman" panose="02020603050405020304" pitchFamily="18" charset="0"/>
-                <a:ea typeface="Times New Roman" panose="02020603050405020304" pitchFamily="18" charset="0"/>
-                <a:cs typeface="Times New Roman" panose="02020603050405020304" pitchFamily="18" charset="0"/>
-              </a:rPr>
-              <a:t> </a:t>
-            </a:r>
-            <a:r>
-              <a:rPr lang="ru-RU" sz="2400" dirty="0">
-                <a:solidFill>
-                  <a:schemeClr val="tx1"/>
-                </a:solidFill>
-                <a:latin typeface="Times New Roman" panose="02020603050405020304" pitchFamily="18" charset="0"/>
-                <a:ea typeface="Times New Roman" panose="02020603050405020304" pitchFamily="18" charset="0"/>
-                <a:cs typeface="Times New Roman" panose="02020603050405020304" pitchFamily="18" charset="0"/>
-              </a:rPr>
-              <a:t>является рынок мобильной связи в Волгоградской области</a:t>
-            </a:r>
-            <a:r>
-              <a:rPr lang="ru-RU" sz="2400" dirty="0">
-                <a:solidFill>
-                  <a:schemeClr val="tx1"/>
-                </a:solidFill>
-                <a:effectLst/>
-                <a:latin typeface="Times New Roman" panose="02020603050405020304" pitchFamily="18" charset="0"/>
-                <a:ea typeface="Times New Roman" panose="02020603050405020304" pitchFamily="18" charset="0"/>
-                <a:cs typeface="Times New Roman" panose="02020603050405020304" pitchFamily="18" charset="0"/>
-              </a:rPr>
-              <a:t>.</a:t>
-            </a:r>
-          </a:p>
-          <a:p>
-            <a:pPr indent="450215" algn="just">
-              <a:lnSpc>
-                <a:spcPct val="150000"/>
-              </a:lnSpc>
-            </a:pPr>
-            <a:endParaRPr lang="ru-RU" sz="2400" dirty="0">
-              <a:solidFill>
-                <a:schemeClr val="tx1"/>
-              </a:solidFill>
-              <a:latin typeface="Times New Roman" panose="02020603050405020304" pitchFamily="18" charset="0"/>
-              <a:ea typeface="Times New Roman" panose="02020603050405020304" pitchFamily="18" charset="0"/>
-              <a:cs typeface="Times New Roman" panose="02020603050405020304" pitchFamily="18" charset="0"/>
-            </a:endParaRPr>
-          </a:p>
-          <a:p>
-            <a:pPr indent="450215" algn="just">
-              <a:lnSpc>
-                <a:spcPct val="150000"/>
-              </a:lnSpc>
-            </a:pPr>
-            <a:r>
-              <a:rPr lang="ru-RU" sz="2400" b="1" dirty="0">
-                <a:solidFill>
-                  <a:schemeClr val="tx1"/>
-                </a:solidFill>
-                <a:effectLst/>
-                <a:latin typeface="Times New Roman" panose="02020603050405020304" pitchFamily="18" charset="0"/>
-                <a:ea typeface="Times New Roman" panose="02020603050405020304" pitchFamily="18" charset="0"/>
-                <a:cs typeface="Times New Roman" panose="02020603050405020304" pitchFamily="18" charset="0"/>
-              </a:rPr>
-              <a:t>Предметом исследования</a:t>
-            </a:r>
-            <a:r>
-              <a:rPr lang="ru-RU" sz="2400" dirty="0">
-                <a:solidFill>
-                  <a:schemeClr val="tx1"/>
-                </a:solidFill>
-                <a:effectLst/>
-                <a:latin typeface="Times New Roman" panose="02020603050405020304" pitchFamily="18" charset="0"/>
-                <a:ea typeface="Times New Roman" panose="02020603050405020304" pitchFamily="18" charset="0"/>
-                <a:cs typeface="Times New Roman" panose="02020603050405020304" pitchFamily="18" charset="0"/>
-              </a:rPr>
-              <a:t> является процесс создания веб-сервиса, который обеспечивает удобство</a:t>
-            </a:r>
-            <a:r>
-              <a:rPr lang="ru-RU" sz="2400" dirty="0">
-                <a:solidFill>
-                  <a:schemeClr val="tx1"/>
-                </a:solidFill>
-                <a:latin typeface="Times New Roman" panose="02020603050405020304" pitchFamily="18" charset="0"/>
-                <a:ea typeface="Times New Roman" panose="02020603050405020304" pitchFamily="18" charset="0"/>
-                <a:cs typeface="Times New Roman" panose="02020603050405020304" pitchFamily="18" charset="0"/>
-              </a:rPr>
-              <a:t> в выборе тарифного плана</a:t>
-            </a:r>
-            <a:r>
-              <a:rPr lang="en-US" sz="2400" dirty="0">
-                <a:solidFill>
-                  <a:schemeClr val="tx1"/>
-                </a:solidFill>
-                <a:latin typeface="Times New Roman" panose="02020603050405020304" pitchFamily="18" charset="0"/>
-                <a:ea typeface="Times New Roman" panose="02020603050405020304" pitchFamily="18" charset="0"/>
-                <a:cs typeface="Times New Roman" panose="02020603050405020304" pitchFamily="18" charset="0"/>
-              </a:rPr>
-              <a:t>,</a:t>
-            </a:r>
-            <a:r>
-              <a:rPr lang="ru-RU" sz="2400" dirty="0">
-                <a:solidFill>
-                  <a:schemeClr val="tx1"/>
-                </a:solidFill>
-                <a:latin typeface="Times New Roman" panose="02020603050405020304" pitchFamily="18" charset="0"/>
-                <a:ea typeface="Times New Roman" panose="02020603050405020304" pitchFamily="18" charset="0"/>
-                <a:cs typeface="Times New Roman" panose="02020603050405020304" pitchFamily="18" charset="0"/>
-              </a:rPr>
-              <a:t> подходящего под личные нужды пользователя</a:t>
-            </a:r>
-            <a:r>
-              <a:rPr lang="ru-RU" sz="2400" dirty="0">
-                <a:solidFill>
-                  <a:schemeClr val="tx1"/>
-                </a:solidFill>
-                <a:effectLst/>
-                <a:latin typeface="Times New Roman" panose="02020603050405020304" pitchFamily="18" charset="0"/>
-                <a:ea typeface="Times New Roman" panose="02020603050405020304" pitchFamily="18" charset="0"/>
-                <a:cs typeface="Times New Roman" panose="02020603050405020304" pitchFamily="18" charset="0"/>
-              </a:rPr>
-              <a:t>.</a:t>
-            </a:r>
-          </a:p>
-          <a:p>
-            <a:pPr indent="450215" algn="just">
-              <a:lnSpc>
-                <a:spcPct val="150000"/>
-              </a:lnSpc>
-            </a:pPr>
-            <a:endParaRPr lang="ru-RU" sz="2400" dirty="0">
-              <a:solidFill>
-                <a:schemeClr val="tx1"/>
-              </a:solidFill>
-              <a:effectLst/>
-              <a:latin typeface="Times New Roman" panose="02020603050405020304" pitchFamily="18" charset="0"/>
-              <a:ea typeface="Times New Roman" panose="02020603050405020304" pitchFamily="18" charset="0"/>
-              <a:cs typeface="Times New Roman" panose="02020603050405020304" pitchFamily="18" charset="0"/>
-            </a:endParaRPr>
-          </a:p>
-        </p:txBody>
-      </p:sp>
-    </p:spTree>
-    <p:extLst>
-      <p:ext uri="{BB962C8B-B14F-4D97-AF65-F5344CB8AC3E}">
-        <p14:creationId xmlns:p14="http://schemas.microsoft.com/office/powerpoint/2010/main" val="4098215581"/>
-      </p:ext>
-    </p:extLst>
-  </p:cSld>
-  <p:clrMapOvr>
-    <a:masterClrMapping/>
-  </p:clrMapOvr>
-</p:sld>
-</file>
-
-<file path=ppt/slides/slide5.xml><?xml version="1.0" encoding="utf-8"?>
-<p:sld xmlns:a="http://schemas.openxmlformats.org/drawingml/2006/main" xmlns:r="http://schemas.openxmlformats.org/officeDocument/2006/relationships" xmlns:p="http://schemas.openxmlformats.org/presentationml/2006/main">
-  <p:cSld>
-    <p:spTree>
-      <p:nvGrpSpPr>
-        <p:cNvPr id="1" name=""/>
-        <p:cNvGrpSpPr/>
-        <p:nvPr/>
-      </p:nvGrpSpPr>
-      <p:grpSpPr>
-        <a:xfrm>
-          <a:off x="0" y="0"/>
-          <a:ext cx="0" cy="0"/>
-          <a:chOff x="0" y="0"/>
-          <a:chExt cx="0" cy="0"/>
-        </a:xfrm>
-      </p:grpSpPr>
-      <p:sp>
-        <p:nvSpPr>
-          <p:cNvPr id="2" name="Заголовок 1"/>
-          <p:cNvSpPr>
-            <a:spLocks noGrp="1"/>
-          </p:cNvSpPr>
-          <p:nvPr>
-            <p:ph type="ctrTitle"/>
-          </p:nvPr>
-        </p:nvSpPr>
-        <p:spPr>
-          <a:xfrm>
-            <a:off x="467544" y="188640"/>
-            <a:ext cx="8136904" cy="648071"/>
-          </a:xfrm>
-        </p:spPr>
-        <p:txBody>
-          <a:bodyPr>
-            <a:noAutofit/>
-          </a:bodyPr>
-          <a:lstStyle/>
-          <a:p>
-            <a:r>
-              <a:rPr lang="ru-RU" sz="3600" dirty="0">
-                <a:latin typeface="Times New Roman" panose="02020603050405020304" pitchFamily="18" charset="0"/>
-                <a:cs typeface="Times New Roman" panose="02020603050405020304" pitchFamily="18" charset="0"/>
-              </a:rPr>
-              <a:t>Описание</a:t>
-            </a:r>
-            <a:r>
-              <a:rPr lang="ru-RU" sz="3600" dirty="0"/>
-              <a:t> проблемы</a:t>
-            </a:r>
-          </a:p>
-        </p:txBody>
-      </p:sp>
-      <p:sp>
-        <p:nvSpPr>
-          <p:cNvPr id="3" name="Подзаголовок 2"/>
-          <p:cNvSpPr>
-            <a:spLocks noGrp="1"/>
-          </p:cNvSpPr>
-          <p:nvPr>
-            <p:ph type="subTitle" idx="1"/>
-          </p:nvPr>
-        </p:nvSpPr>
-        <p:spPr>
-          <a:xfrm>
-            <a:off x="498190" y="1340768"/>
-            <a:ext cx="8106258" cy="4896544"/>
-          </a:xfrm>
-        </p:spPr>
-        <p:txBody>
-          <a:bodyPr anchor="ctr">
-            <a:normAutofit/>
-          </a:bodyPr>
-          <a:lstStyle/>
-          <a:p>
-            <a:pPr algn="l"/>
-            <a:r>
-              <a:rPr lang="ru-RU" sz="2400" dirty="0">
-                <a:solidFill>
-                  <a:srgbClr val="000000"/>
-                </a:solidFill>
-                <a:latin typeface="Times New Roman" panose="02020603050405020304" pitchFamily="18" charset="0"/>
-                <a:cs typeface="Times New Roman" panose="02020603050405020304" pitchFamily="18" charset="0"/>
-              </a:rPr>
-              <a:t>Неудобство и затруднение пользователей при выборе оптимального тарифного плана мобильной связи из-за сложности сравнения большого количества предложений от различных операторов</a:t>
-            </a:r>
-            <a:r>
-              <a:rPr lang="ru-RU" sz="2400" b="0" i="0" dirty="0">
-                <a:solidFill>
-                  <a:srgbClr val="000000"/>
-                </a:solidFill>
-                <a:effectLst/>
-                <a:latin typeface="Times New Roman" panose="02020603050405020304" pitchFamily="18" charset="0"/>
-                <a:cs typeface="Times New Roman" panose="02020603050405020304" pitchFamily="18" charset="0"/>
-              </a:rPr>
-              <a:t>.</a:t>
-            </a:r>
-            <a:endParaRPr lang="en-US" sz="2400" b="0" i="0" dirty="0">
-              <a:solidFill>
-                <a:srgbClr val="000000"/>
-              </a:solidFill>
-              <a:effectLst/>
-              <a:latin typeface="Times New Roman" panose="02020603050405020304" pitchFamily="18" charset="0"/>
-              <a:cs typeface="Times New Roman" panose="02020603050405020304" pitchFamily="18" charset="0"/>
-            </a:endParaRPr>
-          </a:p>
-          <a:p>
-            <a:pPr algn="l"/>
-            <a:r>
-              <a:rPr lang="ru-RU" sz="2400" b="0" i="0" dirty="0">
-                <a:solidFill>
-                  <a:srgbClr val="000000"/>
-                </a:solidFill>
-                <a:effectLst/>
-                <a:latin typeface="Times New Roman" panose="02020603050405020304" pitchFamily="18" charset="0"/>
-                <a:cs typeface="Times New Roman" panose="02020603050405020304" pitchFamily="18" charset="0"/>
-              </a:rPr>
-              <a:t> </a:t>
-            </a:r>
-            <a:br>
-              <a:rPr lang="ru-RU" sz="2400" dirty="0">
-                <a:latin typeface="Times New Roman" panose="02020603050405020304" pitchFamily="18" charset="0"/>
-                <a:cs typeface="Times New Roman" panose="02020603050405020304" pitchFamily="18" charset="0"/>
-              </a:rPr>
-            </a:br>
-            <a:r>
-              <a:rPr lang="ru-RU" sz="2400" dirty="0">
-                <a:solidFill>
-                  <a:schemeClr val="tx1"/>
-                </a:solidFill>
-                <a:latin typeface="Times New Roman" panose="02020603050405020304" pitchFamily="18" charset="0"/>
-                <a:cs typeface="Times New Roman" panose="02020603050405020304" pitchFamily="18" charset="0"/>
-              </a:rPr>
-              <a:t>Отсутствие качественных платформ</a:t>
-            </a:r>
-            <a:r>
-              <a:rPr lang="en-US" sz="2400" dirty="0">
-                <a:solidFill>
-                  <a:schemeClr val="tx1"/>
-                </a:solidFill>
-                <a:latin typeface="Times New Roman" panose="02020603050405020304" pitchFamily="18" charset="0"/>
-                <a:cs typeface="Times New Roman" panose="02020603050405020304" pitchFamily="18" charset="0"/>
-              </a:rPr>
-              <a:t>, </a:t>
-            </a:r>
-            <a:r>
-              <a:rPr lang="ru-RU" sz="2400" dirty="0">
-                <a:solidFill>
-                  <a:schemeClr val="tx1"/>
-                </a:solidFill>
-                <a:latin typeface="Times New Roman" panose="02020603050405020304" pitchFamily="18" charset="0"/>
-                <a:cs typeface="Times New Roman" panose="02020603050405020304" pitchFamily="18" charset="0"/>
-              </a:rPr>
-              <a:t>на которых можно бы было сравнить различные тарифные планы и выбрать подходящий</a:t>
-            </a:r>
-            <a:r>
-              <a:rPr lang="en-US" sz="2400" dirty="0">
-                <a:solidFill>
-                  <a:schemeClr val="tx1"/>
-                </a:solidFill>
-                <a:latin typeface="Times New Roman" panose="02020603050405020304" pitchFamily="18" charset="0"/>
-                <a:cs typeface="Times New Roman" panose="02020603050405020304" pitchFamily="18" charset="0"/>
-              </a:rPr>
-              <a:t>,</a:t>
-            </a:r>
-            <a:r>
-              <a:rPr lang="ru-RU" sz="2400" dirty="0">
-                <a:solidFill>
-                  <a:schemeClr val="tx1"/>
-                </a:solidFill>
-                <a:latin typeface="Times New Roman" panose="02020603050405020304" pitchFamily="18" charset="0"/>
-                <a:cs typeface="Times New Roman" panose="02020603050405020304" pitchFamily="18" charset="0"/>
-              </a:rPr>
-              <a:t> исходя из личных предпочтений. </a:t>
-            </a:r>
-          </a:p>
-        </p:txBody>
-      </p:sp>
-    </p:spTree>
-    <p:extLst>
-      <p:ext uri="{BB962C8B-B14F-4D97-AF65-F5344CB8AC3E}">
-        <p14:creationId xmlns:p14="http://schemas.microsoft.com/office/powerpoint/2010/main" val="2081038248"/>
-      </p:ext>
-    </p:extLst>
-  </p:cSld>
-  <p:clrMapOvr>
-    <a:masterClrMapping/>
-  </p:clrMapOvr>
-</p:sld>
-</file>
-
-<file path=ppt/slides/slide6.xml><?xml version="1.0" encoding="utf-8"?>
-<p:sld xmlns:a="http://schemas.openxmlformats.org/drawingml/2006/main" xmlns:r="http://schemas.openxmlformats.org/officeDocument/2006/relationships" xmlns:p="http://schemas.openxmlformats.org/presentationml/2006/main">
-  <p:cSld>
-    <p:spTree>
-      <p:nvGrpSpPr>
-        <p:cNvPr id="1" name=""/>
-        <p:cNvGrpSpPr/>
-        <p:nvPr/>
-      </p:nvGrpSpPr>
-      <p:grpSpPr>
-        <a:xfrm>
-          <a:off x="0" y="0"/>
-          <a:ext cx="0" cy="0"/>
-          <a:chOff x="0" y="0"/>
-          <a:chExt cx="0" cy="0"/>
-        </a:xfrm>
-      </p:grpSpPr>
-      <p:sp>
-        <p:nvSpPr>
-          <p:cNvPr id="2" name="Заголовок 1"/>
-          <p:cNvSpPr>
-            <a:spLocks noGrp="1"/>
-          </p:cNvSpPr>
-          <p:nvPr>
-            <p:ph type="ctrTitle"/>
-          </p:nvPr>
-        </p:nvSpPr>
-        <p:spPr>
-          <a:xfrm>
-            <a:off x="467544" y="188640"/>
-            <a:ext cx="8136904" cy="648071"/>
-          </a:xfrm>
-        </p:spPr>
-        <p:txBody>
-          <a:bodyPr>
-            <a:normAutofit fontScale="90000"/>
-          </a:bodyPr>
-          <a:lstStyle/>
-          <a:p>
-            <a:r>
-              <a:rPr lang="ru-RU" dirty="0">
-                <a:latin typeface="Times New Roman" panose="02020603050405020304" pitchFamily="18" charset="0"/>
-                <a:cs typeface="Times New Roman" panose="02020603050405020304" pitchFamily="18" charset="0"/>
-              </a:rPr>
-              <a:t>Как ранее решалась проблема</a:t>
-            </a:r>
-          </a:p>
-        </p:txBody>
-      </p:sp>
-      <p:sp>
-        <p:nvSpPr>
-          <p:cNvPr id="3" name="Подзаголовок 2"/>
-          <p:cNvSpPr>
-            <a:spLocks noGrp="1"/>
-          </p:cNvSpPr>
-          <p:nvPr>
-            <p:ph type="subTitle" idx="1"/>
-          </p:nvPr>
-        </p:nvSpPr>
-        <p:spPr>
-          <a:xfrm>
-            <a:off x="498190" y="5877272"/>
-            <a:ext cx="8106258" cy="648070"/>
-          </a:xfrm>
-        </p:spPr>
-        <p:txBody>
-          <a:bodyPr>
-            <a:normAutofit/>
-          </a:bodyPr>
-          <a:lstStyle/>
-          <a:p>
-            <a:r>
-              <a:rPr lang="ru-RU" altLang="en-US" sz="2000" dirty="0">
-                <a:solidFill>
-                  <a:schemeClr val="tx1"/>
-                </a:solidFill>
-                <a:latin typeface="Times New Roman" panose="02020603050405020304" pitchFamily="18" charset="0"/>
-                <a:cs typeface="Times New Roman" panose="02020603050405020304" pitchFamily="18" charset="0"/>
-              </a:rPr>
-              <a:t>Схема </a:t>
-            </a:r>
-            <a:r>
-              <a:rPr lang="en-US" altLang="en-US" sz="2000" dirty="0">
-                <a:solidFill>
-                  <a:schemeClr val="tx1"/>
-                </a:solidFill>
-                <a:latin typeface="Times New Roman" panose="02020603050405020304" pitchFamily="18" charset="0"/>
-                <a:cs typeface="Times New Roman" panose="02020603050405020304" pitchFamily="18" charset="0"/>
-              </a:rPr>
-              <a:t>1</a:t>
-            </a:r>
-            <a:r>
-              <a:rPr lang="ru-RU" altLang="en-US" sz="2000" dirty="0">
-                <a:solidFill>
-                  <a:schemeClr val="tx1"/>
-                </a:solidFill>
-                <a:latin typeface="Times New Roman" panose="02020603050405020304" pitchFamily="18" charset="0"/>
-                <a:cs typeface="Times New Roman" panose="02020603050405020304" pitchFamily="18" charset="0"/>
-              </a:rPr>
-              <a:t>. </a:t>
-            </a:r>
-            <a:r>
-              <a:rPr lang="en-US" altLang="en-US" sz="2000" dirty="0">
-                <a:solidFill>
-                  <a:schemeClr val="tx1"/>
-                </a:solidFill>
-                <a:latin typeface="Times New Roman" panose="02020603050405020304" pitchFamily="18" charset="0"/>
-                <a:cs typeface="Times New Roman" panose="02020603050405020304" pitchFamily="18" charset="0"/>
-              </a:rPr>
-              <a:t>idef0 as is</a:t>
-            </a:r>
-            <a:endParaRPr lang="ru-RU" sz="2000" dirty="0">
-              <a:latin typeface="Times New Roman" panose="02020603050405020304" pitchFamily="18" charset="0"/>
-              <a:cs typeface="Times New Roman" panose="02020603050405020304" pitchFamily="18" charset="0"/>
-            </a:endParaRPr>
-          </a:p>
-        </p:txBody>
-      </p:sp>
-      <p:pic>
-        <p:nvPicPr>
-          <p:cNvPr id="6" name="Рисунок 5">
-            <a:extLst>
-              <a:ext uri="{FF2B5EF4-FFF2-40B4-BE49-F238E27FC236}">
-                <a16:creationId xmlns:a16="http://schemas.microsoft.com/office/drawing/2014/main" id="{0AC609A8-DE33-075B-0120-5526E8058A4D}"/>
-              </a:ext>
-            </a:extLst>
-          </p:cNvPr>
-          <p:cNvPicPr>
-            <a:picLocks noChangeAspect="1"/>
-          </p:cNvPicPr>
-          <p:nvPr/>
-        </p:nvPicPr>
-        <p:blipFill>
-          <a:blip r:embed="rId2"/>
-          <a:stretch>
-            <a:fillRect/>
-          </a:stretch>
-        </p:blipFill>
-        <p:spPr>
-          <a:xfrm>
-            <a:off x="0" y="2573919"/>
-            <a:ext cx="9144000" cy="1710161"/>
-          </a:xfrm>
-          <a:prstGeom prst="rect">
-            <a:avLst/>
-          </a:prstGeom>
-        </p:spPr>
-      </p:pic>
-    </p:spTree>
-    <p:extLst>
-      <p:ext uri="{BB962C8B-B14F-4D97-AF65-F5344CB8AC3E}">
-        <p14:creationId xmlns:p14="http://schemas.microsoft.com/office/powerpoint/2010/main" val="3055209718"/>
-      </p:ext>
-    </p:extLst>
-  </p:cSld>
-  <p:clrMapOvr>
-    <a:masterClrMapping/>
-  </p:clrMapOvr>
-</p:sld>
-</file>
-
-<file path=ppt/slides/slide7.xml><?xml version="1.0" encoding="utf-8"?>
-<p:sld xmlns:a="http://schemas.openxmlformats.org/drawingml/2006/main" xmlns:r="http://schemas.openxmlformats.org/officeDocument/2006/relationships" xmlns:p="http://schemas.openxmlformats.org/presentationml/2006/main">
-  <p:cSld>
-    <p:spTree>
-      <p:nvGrpSpPr>
-        <p:cNvPr id="1" name=""/>
-        <p:cNvGrpSpPr/>
-        <p:nvPr/>
-      </p:nvGrpSpPr>
-      <p:grpSpPr>
-        <a:xfrm>
-          <a:off x="0" y="0"/>
-          <a:ext cx="0" cy="0"/>
-          <a:chOff x="0" y="0"/>
-          <a:chExt cx="0" cy="0"/>
-        </a:xfrm>
-      </p:grpSpPr>
-      <p:sp>
-        <p:nvSpPr>
-          <p:cNvPr id="2" name="Заголовок 1"/>
-          <p:cNvSpPr>
-            <a:spLocks noGrp="1"/>
-          </p:cNvSpPr>
-          <p:nvPr>
-            <p:ph type="ctrTitle"/>
-          </p:nvPr>
-        </p:nvSpPr>
-        <p:spPr>
-          <a:xfrm>
-            <a:off x="467544" y="188640"/>
-            <a:ext cx="8136904" cy="648071"/>
-          </a:xfrm>
-        </p:spPr>
-        <p:txBody>
-          <a:bodyPr>
-            <a:normAutofit fontScale="90000"/>
-          </a:bodyPr>
-          <a:lstStyle/>
-          <a:p>
-            <a:r>
-              <a:rPr lang="ru-RU" dirty="0">
-                <a:latin typeface="Times New Roman" panose="02020603050405020304" pitchFamily="18" charset="0"/>
-                <a:cs typeface="Times New Roman" panose="02020603050405020304" pitchFamily="18" charset="0"/>
-              </a:rPr>
-              <a:t>Предлагаемое решение</a:t>
-            </a:r>
-          </a:p>
-        </p:txBody>
-      </p:sp>
-      <p:sp>
-        <p:nvSpPr>
-          <p:cNvPr id="3" name="Подзаголовок 2"/>
-          <p:cNvSpPr>
-            <a:spLocks noGrp="1"/>
-          </p:cNvSpPr>
-          <p:nvPr>
-            <p:ph type="subTitle" idx="1"/>
-          </p:nvPr>
-        </p:nvSpPr>
-        <p:spPr>
-          <a:xfrm>
-            <a:off x="516934" y="4839681"/>
-            <a:ext cx="8106258" cy="792088"/>
-          </a:xfrm>
-        </p:spPr>
-        <p:txBody>
-          <a:bodyPr>
-            <a:normAutofit/>
-          </a:bodyPr>
-          <a:lstStyle/>
-          <a:p>
-            <a:r>
-              <a:rPr lang="ru-RU" altLang="en-US" sz="2000" dirty="0">
-                <a:solidFill>
-                  <a:schemeClr val="tx1"/>
-                </a:solidFill>
-                <a:latin typeface="Times New Roman" panose="02020603050405020304" pitchFamily="18" charset="0"/>
-                <a:cs typeface="Times New Roman" panose="02020603050405020304" pitchFamily="18" charset="0"/>
-              </a:rPr>
-              <a:t>Схема 2. </a:t>
-            </a:r>
-            <a:r>
-              <a:rPr lang="en-US" altLang="en-US" sz="2000" dirty="0">
-                <a:solidFill>
-                  <a:schemeClr val="tx1"/>
-                </a:solidFill>
-                <a:latin typeface="Times New Roman" panose="02020603050405020304" pitchFamily="18" charset="0"/>
-                <a:cs typeface="Times New Roman" panose="02020603050405020304" pitchFamily="18" charset="0"/>
-              </a:rPr>
-              <a:t>idef0 to be</a:t>
-            </a:r>
-            <a:endParaRPr lang="ru-RU" altLang="en-US" sz="2000" dirty="0">
-              <a:solidFill>
-                <a:schemeClr val="tx1"/>
-              </a:solidFill>
-              <a:latin typeface="Times New Roman" panose="02020603050405020304" pitchFamily="18" charset="0"/>
-              <a:cs typeface="Times New Roman" panose="02020603050405020304" pitchFamily="18" charset="0"/>
-            </a:endParaRPr>
-          </a:p>
-        </p:txBody>
-      </p:sp>
-      <p:pic>
-        <p:nvPicPr>
-          <p:cNvPr id="10" name="Рисунок 9">
-            <a:extLst>
-              <a:ext uri="{FF2B5EF4-FFF2-40B4-BE49-F238E27FC236}">
-                <a16:creationId xmlns:a16="http://schemas.microsoft.com/office/drawing/2014/main" id="{61D52E50-FE5C-FFC9-AFE9-A1C79AC10355}"/>
-              </a:ext>
-            </a:extLst>
-          </p:cNvPr>
-          <p:cNvPicPr>
-            <a:picLocks noChangeAspect="1"/>
-          </p:cNvPicPr>
-          <p:nvPr/>
-        </p:nvPicPr>
-        <p:blipFill>
-          <a:blip r:embed="rId2"/>
-          <a:stretch>
-            <a:fillRect/>
-          </a:stretch>
-        </p:blipFill>
-        <p:spPr>
-          <a:xfrm>
-            <a:off x="23812" y="2081212"/>
-            <a:ext cx="9096375" cy="2695575"/>
-          </a:xfrm>
-          <a:prstGeom prst="rect">
-            <a:avLst/>
-          </a:prstGeom>
-        </p:spPr>
-      </p:pic>
-    </p:spTree>
-    <p:extLst>
-      <p:ext uri="{BB962C8B-B14F-4D97-AF65-F5344CB8AC3E}">
-        <p14:creationId xmlns:p14="http://schemas.microsoft.com/office/powerpoint/2010/main" val="3514561471"/>
-      </p:ext>
-    </p:extLst>
-  </p:cSld>
-  <p:clrMapOvr>
-    <a:masterClrMapping/>
-  </p:clrMapOvr>
-</p:sld>
-</file>
-
-<file path=ppt/slides/slide8.xml><?xml version="1.0" encoding="utf-8"?>
-<p:sld xmlns:a="http://schemas.openxmlformats.org/drawingml/2006/main" xmlns:r="http://schemas.openxmlformats.org/officeDocument/2006/relationships" xmlns:p="http://schemas.openxmlformats.org/presentationml/2006/main">
-  <p:cSld>
-    <p:spTree>
-      <p:nvGrpSpPr>
-        <p:cNvPr id="1" name=""/>
-        <p:cNvGrpSpPr/>
-        <p:nvPr/>
-      </p:nvGrpSpPr>
-      <p:grpSpPr>
-        <a:xfrm>
-          <a:off x="0" y="0"/>
-          <a:ext cx="0" cy="0"/>
-          <a:chOff x="0" y="0"/>
-          <a:chExt cx="0" cy="0"/>
-        </a:xfrm>
-      </p:grpSpPr>
-      <p:sp>
-        <p:nvSpPr>
-          <p:cNvPr id="2" name="Заголовок 1"/>
-          <p:cNvSpPr>
-            <a:spLocks noGrp="1"/>
-          </p:cNvSpPr>
-          <p:nvPr>
-            <p:ph type="ctrTitle"/>
-          </p:nvPr>
-        </p:nvSpPr>
-        <p:spPr>
-          <a:xfrm>
-            <a:off x="467544" y="188640"/>
-            <a:ext cx="8136904" cy="648071"/>
-          </a:xfrm>
-        </p:spPr>
-        <p:txBody>
-          <a:bodyPr>
-            <a:normAutofit/>
-          </a:bodyPr>
-          <a:lstStyle/>
-          <a:p>
-            <a:r>
-              <a:rPr lang="ru-RU" sz="3600" dirty="0">
-                <a:latin typeface="Times New Roman" panose="02020603050405020304" pitchFamily="18" charset="0"/>
-                <a:cs typeface="Times New Roman" panose="02020603050405020304" pitchFamily="18" charset="0"/>
-              </a:rPr>
-              <a:t>Обзор аналогов</a:t>
-            </a:r>
-          </a:p>
-        </p:txBody>
-      </p:sp>
-      <p:sp>
-        <p:nvSpPr>
-          <p:cNvPr id="3" name="Подзаголовок 2"/>
-          <p:cNvSpPr>
-            <a:spLocks noGrp="1"/>
-          </p:cNvSpPr>
-          <p:nvPr>
-            <p:ph type="subTitle" idx="1"/>
-          </p:nvPr>
-        </p:nvSpPr>
-        <p:spPr>
-          <a:xfrm>
-            <a:off x="498190" y="1340768"/>
-            <a:ext cx="8106258" cy="4896544"/>
-          </a:xfrm>
-        </p:spPr>
-        <p:txBody>
-          <a:bodyPr anchor="t">
-            <a:normAutofit/>
-          </a:bodyPr>
-          <a:lstStyle/>
-          <a:p>
-            <a:pPr algn="l"/>
-            <a:r>
-              <a:rPr lang="ru-RU" sz="2400" b="1" dirty="0">
-                <a:solidFill>
-                  <a:schemeClr val="tx1"/>
-                </a:solidFill>
-                <a:latin typeface="Times New Roman" panose="02020603050405020304" pitchFamily="18" charset="0"/>
-                <a:cs typeface="Times New Roman" panose="02020603050405020304" pitchFamily="18" charset="0"/>
-              </a:rPr>
-              <a:t>Критерии сравнения</a:t>
-            </a:r>
-            <a:r>
-              <a:rPr lang="ru-RU" sz="2400" dirty="0">
-                <a:solidFill>
-                  <a:schemeClr val="tx1"/>
-                </a:solidFill>
-                <a:latin typeface="Times New Roman" panose="02020603050405020304" pitchFamily="18" charset="0"/>
-                <a:cs typeface="Times New Roman" panose="02020603050405020304" pitchFamily="18" charset="0"/>
-              </a:rPr>
-              <a:t>:</a:t>
-            </a:r>
-          </a:p>
-          <a:p>
-            <a:pPr indent="449580" algn="just">
-              <a:lnSpc>
-                <a:spcPct val="150000"/>
-              </a:lnSpc>
-            </a:pPr>
-            <a:r>
-              <a:rPr lang="ru-RU" sz="2400" dirty="0">
-                <a:solidFill>
-                  <a:schemeClr val="tx1"/>
-                </a:solidFill>
-                <a:effectLst/>
-                <a:latin typeface="Times New Roman" panose="02020603050405020304" pitchFamily="18" charset="0"/>
-                <a:ea typeface="Times New Roman" panose="02020603050405020304" pitchFamily="18" charset="0"/>
-                <a:cs typeface="Times New Roman" panose="02020603050405020304" pitchFamily="18" charset="0"/>
-              </a:rPr>
-              <a:t>1. Интуитивность интерфейса</a:t>
-            </a:r>
-          </a:p>
-          <a:p>
-            <a:pPr indent="449580" algn="just">
-              <a:lnSpc>
-                <a:spcPct val="150000"/>
-              </a:lnSpc>
-            </a:pPr>
-            <a:r>
-              <a:rPr lang="ru-RU" sz="2400" dirty="0">
-                <a:solidFill>
-                  <a:schemeClr val="tx1"/>
-                </a:solidFill>
-                <a:effectLst/>
-                <a:latin typeface="Times New Roman" panose="02020603050405020304" pitchFamily="18" charset="0"/>
-                <a:ea typeface="Times New Roman" panose="02020603050405020304" pitchFamily="18" charset="0"/>
-                <a:cs typeface="Times New Roman" panose="02020603050405020304" pitchFamily="18" charset="0"/>
-              </a:rPr>
-              <a:t>2. Персонализированный подбор</a:t>
-            </a:r>
-          </a:p>
-          <a:p>
-            <a:pPr indent="449580" algn="just">
-              <a:lnSpc>
-                <a:spcPct val="150000"/>
-              </a:lnSpc>
-            </a:pPr>
-            <a:r>
-              <a:rPr lang="ru-RU" sz="2400" dirty="0">
-                <a:solidFill>
-                  <a:schemeClr val="tx1"/>
-                </a:solidFill>
-                <a:effectLst/>
-                <a:latin typeface="Times New Roman" panose="02020603050405020304" pitchFamily="18" charset="0"/>
-                <a:ea typeface="Times New Roman" panose="02020603050405020304" pitchFamily="18" charset="0"/>
-                <a:cs typeface="Times New Roman" panose="02020603050405020304" pitchFamily="18" charset="0"/>
-              </a:rPr>
-              <a:t>3. Сравнение тарифов и услуг</a:t>
-            </a:r>
-          </a:p>
-          <a:p>
-            <a:pPr indent="449580" algn="just">
-              <a:lnSpc>
-                <a:spcPct val="150000"/>
-              </a:lnSpc>
-            </a:pPr>
-            <a:r>
-              <a:rPr lang="ru-RU" sz="2400" dirty="0">
-                <a:solidFill>
-                  <a:schemeClr val="tx1"/>
-                </a:solidFill>
-                <a:effectLst/>
-                <a:latin typeface="Times New Roman" panose="02020603050405020304" pitchFamily="18" charset="0"/>
-                <a:ea typeface="Times New Roman" panose="02020603050405020304" pitchFamily="18" charset="0"/>
-                <a:cs typeface="Times New Roman" panose="02020603050405020304" pitchFamily="18" charset="0"/>
-              </a:rPr>
-              <a:t>4. Учет финансовых предпочтений</a:t>
-            </a:r>
-          </a:p>
-          <a:p>
-            <a:pPr indent="449580" algn="just">
-              <a:lnSpc>
-                <a:spcPct val="150000"/>
-              </a:lnSpc>
-            </a:pPr>
-            <a:r>
-              <a:rPr lang="ru-RU" sz="2400" dirty="0">
-                <a:solidFill>
-                  <a:schemeClr val="tx1"/>
-                </a:solidFill>
-                <a:effectLst/>
-                <a:latin typeface="Times New Roman" panose="02020603050405020304" pitchFamily="18" charset="0"/>
-                <a:ea typeface="Times New Roman" panose="02020603050405020304" pitchFamily="18" charset="0"/>
-                <a:cs typeface="Times New Roman" panose="02020603050405020304" pitchFamily="18" charset="0"/>
-              </a:rPr>
-              <a:t>5. Доступность на различных устройствах</a:t>
-            </a:r>
-          </a:p>
-          <a:p>
-            <a:pPr indent="449580" algn="just">
-              <a:lnSpc>
-                <a:spcPct val="150000"/>
-              </a:lnSpc>
-            </a:pPr>
-            <a:r>
-              <a:rPr lang="ru-RU" sz="2400" dirty="0">
-                <a:solidFill>
-                  <a:schemeClr val="tx1"/>
-                </a:solidFill>
-                <a:effectLst/>
-                <a:latin typeface="Times New Roman" panose="02020603050405020304" pitchFamily="18" charset="0"/>
-                <a:ea typeface="Times New Roman" panose="02020603050405020304" pitchFamily="18" charset="0"/>
-                <a:cs typeface="Times New Roman" panose="02020603050405020304" pitchFamily="18" charset="0"/>
-              </a:rPr>
-              <a:t>6. Широкий выбор операторов</a:t>
-            </a:r>
-            <a:endParaRPr lang="ru-RU" sz="2400" dirty="0">
-              <a:solidFill>
-                <a:schemeClr val="tx1"/>
-              </a:solidFill>
-              <a:latin typeface="Times New Roman" panose="02020603050405020304" pitchFamily="18" charset="0"/>
-              <a:cs typeface="Times New Roman" panose="02020603050405020304" pitchFamily="18" charset="0"/>
-            </a:endParaRPr>
-          </a:p>
-          <a:p>
-            <a:pPr algn="l"/>
-            <a:endParaRPr lang="ru-RU" sz="2400" dirty="0">
-              <a:solidFill>
-                <a:schemeClr val="tx1"/>
-              </a:solidFill>
-              <a:latin typeface="Times New Roman" panose="02020603050405020304" pitchFamily="18" charset="0"/>
-              <a:cs typeface="Times New Roman" panose="02020603050405020304" pitchFamily="18" charset="0"/>
-            </a:endParaRPr>
-          </a:p>
-        </p:txBody>
-      </p:sp>
-    </p:spTree>
-    <p:extLst>
-      <p:ext uri="{BB962C8B-B14F-4D97-AF65-F5344CB8AC3E}">
-        <p14:creationId xmlns:p14="http://schemas.microsoft.com/office/powerpoint/2010/main" val="3213516774"/>
-      </p:ext>
-    </p:extLst>
-  </p:cSld>
-  <p:clrMapOvr>
-    <a:masterClrMapping/>
-  </p:clrMapOvr>
-</p:sld>
-</file>
-
-<file path=ppt/slides/slide9.xml><?xml version="1.0" encoding="utf-8"?>
 <p:sld xmlns:a="http://schemas.openxmlformats.org/drawingml/2006/main" xmlns:r="http://schemas.openxmlformats.org/officeDocument/2006/relationships" xmlns:p="http://schemas.openxmlformats.org/presentationml/2006/main">
   <p:cSld>
     <p:spTree>
@@ -7636,6 +5051,2717 @@
 </p:sld>
 </file>
 
+<file path=ppt/slides/slide11.xml><?xml version="1.0" encoding="utf-8"?>
+<p:sld xmlns:a="http://schemas.openxmlformats.org/drawingml/2006/main" xmlns:r="http://schemas.openxmlformats.org/officeDocument/2006/relationships" xmlns:p="http://schemas.openxmlformats.org/presentationml/2006/main">
+  <p:cSld>
+    <p:spTree>
+      <p:nvGrpSpPr>
+        <p:cNvPr id="1" name=""/>
+        <p:cNvGrpSpPr/>
+        <p:nvPr/>
+      </p:nvGrpSpPr>
+      <p:grpSpPr>
+        <a:xfrm>
+          <a:off x="0" y="0"/>
+          <a:ext cx="0" cy="0"/>
+          <a:chOff x="0" y="0"/>
+          <a:chExt cx="0" cy="0"/>
+        </a:xfrm>
+      </p:grpSpPr>
+      <p:sp>
+        <p:nvSpPr>
+          <p:cNvPr id="2" name="Заголовок 1"/>
+          <p:cNvSpPr>
+            <a:spLocks noGrp="1"/>
+          </p:cNvSpPr>
+          <p:nvPr>
+            <p:ph type="ctrTitle"/>
+          </p:nvPr>
+        </p:nvSpPr>
+        <p:spPr>
+          <a:xfrm>
+            <a:off x="467544" y="188640"/>
+            <a:ext cx="8136904" cy="648071"/>
+          </a:xfrm>
+        </p:spPr>
+        <p:txBody>
+          <a:bodyPr>
+            <a:normAutofit fontScale="90000"/>
+          </a:bodyPr>
+          <a:lstStyle/>
+          <a:p>
+            <a:r>
+              <a:rPr lang="ru-RU" dirty="0">
+                <a:latin typeface="Times New Roman" panose="02020603050405020304" pitchFamily="18" charset="0"/>
+                <a:cs typeface="Times New Roman" panose="02020603050405020304" pitchFamily="18" charset="0"/>
+              </a:rPr>
+              <a:t>Функциональные требования</a:t>
+            </a:r>
+          </a:p>
+        </p:txBody>
+      </p:sp>
+      <p:sp>
+        <p:nvSpPr>
+          <p:cNvPr id="3" name="Подзаголовок 2"/>
+          <p:cNvSpPr>
+            <a:spLocks noGrp="1"/>
+          </p:cNvSpPr>
+          <p:nvPr>
+            <p:ph type="subTitle" idx="1"/>
+          </p:nvPr>
+        </p:nvSpPr>
+        <p:spPr>
+          <a:xfrm>
+            <a:off x="498190" y="1340768"/>
+            <a:ext cx="8106258" cy="4896544"/>
+          </a:xfrm>
+        </p:spPr>
+        <p:txBody>
+          <a:bodyPr numCol="1" anchor="ctr">
+            <a:normAutofit/>
+          </a:bodyPr>
+          <a:lstStyle/>
+          <a:p>
+            <a:pPr algn="l"/>
+            <a:r>
+              <a:rPr lang="ru-RU" sz="2600" b="0" i="0" dirty="0">
+                <a:solidFill>
+                  <a:srgbClr val="000000"/>
+                </a:solidFill>
+                <a:effectLst/>
+                <a:latin typeface="Times New Roman" panose="02020603050405020304" pitchFamily="18" charset="0"/>
+                <a:cs typeface="Times New Roman" panose="02020603050405020304" pitchFamily="18" charset="0"/>
+              </a:rPr>
+              <a:t>Сервис должен предоставлять возможность поиска тарифов по компании, количеству минут разговора, количеству гигабайт интернета</a:t>
+            </a:r>
+            <a:r>
+              <a:rPr lang="en-US" sz="2600" b="0" i="0" dirty="0">
+                <a:solidFill>
+                  <a:srgbClr val="000000"/>
+                </a:solidFill>
+                <a:effectLst/>
+                <a:latin typeface="Times New Roman" panose="02020603050405020304" pitchFamily="18" charset="0"/>
+                <a:cs typeface="Times New Roman" panose="02020603050405020304" pitchFamily="18" charset="0"/>
+              </a:rPr>
+              <a:t>,</a:t>
+            </a:r>
+            <a:r>
+              <a:rPr lang="ru-RU" sz="2600" b="0" i="0" dirty="0">
+                <a:solidFill>
+                  <a:srgbClr val="000000"/>
+                </a:solidFill>
+                <a:effectLst/>
+                <a:latin typeface="Times New Roman" panose="02020603050405020304" pitchFamily="18" charset="0"/>
+                <a:cs typeface="Times New Roman" panose="02020603050405020304" pitchFamily="18" charset="0"/>
+              </a:rPr>
+              <a:t> количеству смс.</a:t>
+            </a:r>
+            <a:br>
+              <a:rPr lang="ru-RU" sz="2600" dirty="0">
+                <a:latin typeface="Times New Roman" panose="02020603050405020304" pitchFamily="18" charset="0"/>
+                <a:cs typeface="Times New Roman" panose="02020603050405020304" pitchFamily="18" charset="0"/>
+              </a:rPr>
+            </a:br>
+            <a:br>
+              <a:rPr lang="ru-RU" sz="2600" dirty="0">
+                <a:latin typeface="Times New Roman" panose="02020603050405020304" pitchFamily="18" charset="0"/>
+                <a:cs typeface="Times New Roman" panose="02020603050405020304" pitchFamily="18" charset="0"/>
+              </a:rPr>
+            </a:br>
+            <a:r>
+              <a:rPr lang="ru-RU" sz="2600" dirty="0">
+                <a:solidFill>
+                  <a:srgbClr val="000000"/>
+                </a:solidFill>
+                <a:latin typeface="Times New Roman" panose="02020603050405020304" pitchFamily="18" charset="0"/>
+                <a:cs typeface="Times New Roman" panose="02020603050405020304" pitchFamily="18" charset="0"/>
+              </a:rPr>
+              <a:t>Сервис должен о</a:t>
+            </a:r>
+            <a:r>
+              <a:rPr lang="ru-RU" sz="2600" b="0" i="0" dirty="0">
+                <a:solidFill>
+                  <a:srgbClr val="000000"/>
+                </a:solidFill>
+                <a:effectLst/>
+                <a:latin typeface="Times New Roman" panose="02020603050405020304" pitchFamily="18" charset="0"/>
+                <a:cs typeface="Times New Roman" panose="02020603050405020304" pitchFamily="18" charset="0"/>
+              </a:rPr>
+              <a:t>тображать всю перечисленную</a:t>
+            </a:r>
+            <a:r>
+              <a:rPr lang="ru-RU" sz="2600" dirty="0">
+                <a:solidFill>
+                  <a:srgbClr val="000000"/>
+                </a:solidFill>
+                <a:latin typeface="Times New Roman" panose="02020603050405020304" pitchFamily="18" charset="0"/>
+                <a:cs typeface="Times New Roman" panose="02020603050405020304" pitchFamily="18" charset="0"/>
+              </a:rPr>
+              <a:t> </a:t>
+            </a:r>
+            <a:r>
+              <a:rPr lang="ru-RU" sz="2600" b="0" i="0" dirty="0">
+                <a:solidFill>
+                  <a:srgbClr val="000000"/>
+                </a:solidFill>
+                <a:effectLst/>
+                <a:latin typeface="Times New Roman" panose="02020603050405020304" pitchFamily="18" charset="0"/>
+                <a:cs typeface="Times New Roman" panose="02020603050405020304" pitchFamily="18" charset="0"/>
+              </a:rPr>
+              <a:t>информацию о тарифах</a:t>
+            </a:r>
+            <a:r>
+              <a:rPr lang="en-US" sz="2600" b="0" i="0" dirty="0">
+                <a:solidFill>
+                  <a:srgbClr val="000000"/>
+                </a:solidFill>
+                <a:effectLst/>
+                <a:latin typeface="Times New Roman" panose="02020603050405020304" pitchFamily="18" charset="0"/>
+                <a:cs typeface="Times New Roman" panose="02020603050405020304" pitchFamily="18" charset="0"/>
+              </a:rPr>
+              <a:t>,</a:t>
+            </a:r>
+            <a:r>
+              <a:rPr lang="ru-RU" sz="2600" b="0" i="0" dirty="0">
+                <a:solidFill>
+                  <a:srgbClr val="000000"/>
+                </a:solidFill>
+                <a:effectLst/>
+                <a:latin typeface="Times New Roman" panose="02020603050405020304" pitchFamily="18" charset="0"/>
+                <a:cs typeface="Times New Roman" panose="02020603050405020304" pitchFamily="18" charset="0"/>
+              </a:rPr>
+              <a:t> а также ссылку на страницу с выбранным тарифом у официального провайдера услуги.</a:t>
+            </a:r>
+            <a:br>
+              <a:rPr lang="ru-RU" dirty="0">
+                <a:latin typeface="Times New Roman" panose="02020603050405020304" pitchFamily="18" charset="0"/>
+                <a:cs typeface="Times New Roman" panose="02020603050405020304" pitchFamily="18" charset="0"/>
+              </a:rPr>
+            </a:br>
+            <a:endParaRPr lang="ru-RU" dirty="0">
+              <a:latin typeface="Times New Roman" panose="02020603050405020304" pitchFamily="18" charset="0"/>
+              <a:cs typeface="Times New Roman" panose="02020603050405020304" pitchFamily="18" charset="0"/>
+            </a:endParaRPr>
+          </a:p>
+        </p:txBody>
+      </p:sp>
+    </p:spTree>
+    <p:extLst>
+      <p:ext uri="{BB962C8B-B14F-4D97-AF65-F5344CB8AC3E}">
+        <p14:creationId xmlns:p14="http://schemas.microsoft.com/office/powerpoint/2010/main" val="197728668"/>
+      </p:ext>
+    </p:extLst>
+  </p:cSld>
+  <p:clrMapOvr>
+    <a:masterClrMapping/>
+  </p:clrMapOvr>
+</p:sld>
+</file>
+
+<file path=ppt/slides/slide12.xml><?xml version="1.0" encoding="utf-8"?>
+<p:sld xmlns:a="http://schemas.openxmlformats.org/drawingml/2006/main" xmlns:r="http://schemas.openxmlformats.org/officeDocument/2006/relationships" xmlns:p="http://schemas.openxmlformats.org/presentationml/2006/main">
+  <p:cSld>
+    <p:spTree>
+      <p:nvGrpSpPr>
+        <p:cNvPr id="1" name=""/>
+        <p:cNvGrpSpPr/>
+        <p:nvPr/>
+      </p:nvGrpSpPr>
+      <p:grpSpPr>
+        <a:xfrm>
+          <a:off x="0" y="0"/>
+          <a:ext cx="0" cy="0"/>
+          <a:chOff x="0" y="0"/>
+          <a:chExt cx="0" cy="0"/>
+        </a:xfrm>
+      </p:grpSpPr>
+      <p:sp>
+        <p:nvSpPr>
+          <p:cNvPr id="2" name="Заголовок 1"/>
+          <p:cNvSpPr>
+            <a:spLocks noGrp="1"/>
+          </p:cNvSpPr>
+          <p:nvPr>
+            <p:ph type="ctrTitle"/>
+          </p:nvPr>
+        </p:nvSpPr>
+        <p:spPr>
+          <a:xfrm>
+            <a:off x="467544" y="188640"/>
+            <a:ext cx="8136904" cy="648071"/>
+          </a:xfrm>
+        </p:spPr>
+        <p:txBody>
+          <a:bodyPr>
+            <a:normAutofit fontScale="90000"/>
+          </a:bodyPr>
+          <a:lstStyle/>
+          <a:p>
+            <a:r>
+              <a:rPr lang="ru-RU" dirty="0">
+                <a:latin typeface="Times New Roman" panose="02020603050405020304" pitchFamily="18" charset="0"/>
+                <a:cs typeface="Times New Roman" panose="02020603050405020304" pitchFamily="18" charset="0"/>
+              </a:rPr>
+              <a:t>Входные и выходные данные</a:t>
+            </a:r>
+          </a:p>
+        </p:txBody>
+      </p:sp>
+      <p:sp>
+        <p:nvSpPr>
+          <p:cNvPr id="3" name="Подзаголовок 2"/>
+          <p:cNvSpPr>
+            <a:spLocks noGrp="1"/>
+          </p:cNvSpPr>
+          <p:nvPr>
+            <p:ph type="subTitle" idx="1"/>
+          </p:nvPr>
+        </p:nvSpPr>
+        <p:spPr>
+          <a:xfrm>
+            <a:off x="498190" y="1340768"/>
+            <a:ext cx="8106258" cy="4896544"/>
+          </a:xfrm>
+        </p:spPr>
+        <p:txBody>
+          <a:bodyPr anchor="ctr">
+            <a:normAutofit/>
+          </a:bodyPr>
+          <a:lstStyle/>
+          <a:p>
+            <a:pPr algn="l"/>
+            <a:r>
+              <a:rPr lang="ru-RU" sz="2400" b="1" dirty="0">
+                <a:solidFill>
+                  <a:schemeClr val="tx1"/>
+                </a:solidFill>
+                <a:latin typeface="Times New Roman" panose="02020603050405020304" pitchFamily="18" charset="0"/>
+                <a:cs typeface="Times New Roman" panose="02020603050405020304" pitchFamily="18" charset="0"/>
+              </a:rPr>
+              <a:t>Входные данные: </a:t>
+            </a:r>
+          </a:p>
+          <a:p>
+            <a:pPr algn="l"/>
+            <a:r>
+              <a:rPr lang="ru-RU" sz="2400" dirty="0">
+                <a:solidFill>
+                  <a:schemeClr val="tx1"/>
+                </a:solidFill>
+                <a:latin typeface="Times New Roman" panose="02020603050405020304" pitchFamily="18" charset="0"/>
+                <a:cs typeface="Times New Roman" panose="02020603050405020304" pitchFamily="18" charset="0"/>
+              </a:rPr>
+              <a:t>Данные фильтрации</a:t>
+            </a:r>
+            <a:r>
+              <a:rPr lang="en-US" sz="2400" dirty="0">
+                <a:solidFill>
+                  <a:schemeClr val="tx1"/>
+                </a:solidFill>
+                <a:latin typeface="Times New Roman" panose="02020603050405020304" pitchFamily="18" charset="0"/>
+                <a:cs typeface="Times New Roman" panose="02020603050405020304" pitchFamily="18" charset="0"/>
+              </a:rPr>
+              <a:t>,</a:t>
+            </a:r>
+            <a:r>
+              <a:rPr lang="ru-RU" sz="2400" dirty="0">
+                <a:solidFill>
+                  <a:schemeClr val="tx1"/>
+                </a:solidFill>
+                <a:latin typeface="Times New Roman" panose="02020603050405020304" pitchFamily="18" charset="0"/>
+                <a:cs typeface="Times New Roman" panose="02020603050405020304" pitchFamily="18" charset="0"/>
+              </a:rPr>
+              <a:t> выставленный пользователем</a:t>
+            </a:r>
+          </a:p>
+          <a:p>
+            <a:pPr algn="l"/>
+            <a:endParaRPr lang="ru-RU" sz="2400" dirty="0">
+              <a:solidFill>
+                <a:schemeClr val="tx1"/>
+              </a:solidFill>
+              <a:latin typeface="Times New Roman" panose="02020603050405020304" pitchFamily="18" charset="0"/>
+              <a:cs typeface="Times New Roman" panose="02020603050405020304" pitchFamily="18" charset="0"/>
+            </a:endParaRPr>
+          </a:p>
+          <a:p>
+            <a:pPr algn="l"/>
+            <a:r>
+              <a:rPr lang="ru-RU" sz="2400" b="1" dirty="0">
+                <a:solidFill>
+                  <a:schemeClr val="tx1"/>
+                </a:solidFill>
+                <a:latin typeface="Times New Roman" panose="02020603050405020304" pitchFamily="18" charset="0"/>
+                <a:cs typeface="Times New Roman" panose="02020603050405020304" pitchFamily="18" charset="0"/>
+              </a:rPr>
+              <a:t>Выходные данные: </a:t>
+            </a:r>
+          </a:p>
+          <a:p>
+            <a:pPr algn="l"/>
+            <a:r>
+              <a:rPr lang="ru-RU" sz="2400" dirty="0">
+                <a:solidFill>
+                  <a:schemeClr val="tx1"/>
+                </a:solidFill>
+                <a:latin typeface="Times New Roman" panose="02020603050405020304" pitchFamily="18" charset="0"/>
+                <a:cs typeface="Times New Roman" panose="02020603050405020304" pitchFamily="18" charset="0"/>
+              </a:rPr>
+              <a:t>Список тарифов мобильных операторов</a:t>
+            </a:r>
+            <a:r>
+              <a:rPr lang="en-US" sz="2400" dirty="0">
+                <a:solidFill>
+                  <a:schemeClr val="tx1"/>
+                </a:solidFill>
+                <a:latin typeface="Times New Roman" panose="02020603050405020304" pitchFamily="18" charset="0"/>
+                <a:cs typeface="Times New Roman" panose="02020603050405020304" pitchFamily="18" charset="0"/>
+              </a:rPr>
+              <a:t>,</a:t>
+            </a:r>
+            <a:r>
+              <a:rPr lang="ru-RU" sz="2400" dirty="0">
+                <a:solidFill>
+                  <a:schemeClr val="tx1"/>
+                </a:solidFill>
+                <a:latin typeface="Times New Roman" panose="02020603050405020304" pitchFamily="18" charset="0"/>
+                <a:cs typeface="Times New Roman" panose="02020603050405020304" pitchFamily="18" charset="0"/>
+              </a:rPr>
+              <a:t> попадающих под заданные пользователем условия.</a:t>
+            </a:r>
+          </a:p>
+        </p:txBody>
+      </p:sp>
+    </p:spTree>
+    <p:extLst>
+      <p:ext uri="{BB962C8B-B14F-4D97-AF65-F5344CB8AC3E}">
+        <p14:creationId xmlns:p14="http://schemas.microsoft.com/office/powerpoint/2010/main" val="3278695884"/>
+      </p:ext>
+    </p:extLst>
+  </p:cSld>
+  <p:clrMapOvr>
+    <a:masterClrMapping/>
+  </p:clrMapOvr>
+</p:sld>
+</file>
+
+<file path=ppt/slides/slide13.xml><?xml version="1.0" encoding="utf-8"?>
+<p:sld xmlns:a="http://schemas.openxmlformats.org/drawingml/2006/main" xmlns:r="http://schemas.openxmlformats.org/officeDocument/2006/relationships" xmlns:p="http://schemas.openxmlformats.org/presentationml/2006/main">
+  <p:cSld>
+    <p:spTree>
+      <p:nvGrpSpPr>
+        <p:cNvPr id="1" name=""/>
+        <p:cNvGrpSpPr/>
+        <p:nvPr/>
+      </p:nvGrpSpPr>
+      <p:grpSpPr>
+        <a:xfrm>
+          <a:off x="0" y="0"/>
+          <a:ext cx="0" cy="0"/>
+          <a:chOff x="0" y="0"/>
+          <a:chExt cx="0" cy="0"/>
+        </a:xfrm>
+      </p:grpSpPr>
+      <p:sp>
+        <p:nvSpPr>
+          <p:cNvPr id="2" name="Заголовок 1"/>
+          <p:cNvSpPr>
+            <a:spLocks noGrp="1"/>
+          </p:cNvSpPr>
+          <p:nvPr>
+            <p:ph type="ctrTitle"/>
+          </p:nvPr>
+        </p:nvSpPr>
+        <p:spPr>
+          <a:xfrm>
+            <a:off x="467544" y="188640"/>
+            <a:ext cx="8136904" cy="648071"/>
+          </a:xfrm>
+        </p:spPr>
+        <p:txBody>
+          <a:bodyPr>
+            <a:noAutofit/>
+          </a:bodyPr>
+          <a:lstStyle/>
+          <a:p>
+            <a:r>
+              <a:rPr lang="ru-RU" altLang="en-US" sz="3600" dirty="0">
+                <a:latin typeface="Times New Roman" panose="02020603050405020304" pitchFamily="18" charset="0"/>
+                <a:cs typeface="Times New Roman" panose="02020603050405020304" pitchFamily="18" charset="0"/>
+              </a:rPr>
+              <a:t>Инструментальные средства</a:t>
+            </a:r>
+          </a:p>
+        </p:txBody>
+      </p:sp>
+      <p:sp>
+        <p:nvSpPr>
+          <p:cNvPr id="3" name="Подзаголовок 2"/>
+          <p:cNvSpPr>
+            <a:spLocks noGrp="1"/>
+          </p:cNvSpPr>
+          <p:nvPr>
+            <p:ph type="subTitle" idx="1"/>
+          </p:nvPr>
+        </p:nvSpPr>
+        <p:spPr>
+          <a:xfrm>
+            <a:off x="498190" y="1340768"/>
+            <a:ext cx="8106258" cy="4896544"/>
+          </a:xfrm>
+        </p:spPr>
+        <p:txBody>
+          <a:bodyPr anchor="ctr">
+            <a:normAutofit/>
+          </a:bodyPr>
+          <a:lstStyle/>
+          <a:p>
+            <a:pPr algn="l"/>
+            <a:r>
+              <a:rPr lang="en-US" sz="3600" dirty="0">
+                <a:solidFill>
+                  <a:schemeClr val="tx1"/>
+                </a:solidFill>
+                <a:latin typeface="Times New Roman" panose="02020603050405020304" pitchFamily="18" charset="0"/>
+                <a:cs typeface="Times New Roman" panose="02020603050405020304" pitchFamily="18" charset="0"/>
+              </a:rPr>
+              <a:t> </a:t>
+            </a:r>
+            <a:endParaRPr lang="ru-RU" sz="3600" dirty="0">
+              <a:solidFill>
+                <a:schemeClr val="tx1"/>
+              </a:solidFill>
+              <a:latin typeface="Times New Roman" panose="02020603050405020304" pitchFamily="18" charset="0"/>
+              <a:cs typeface="Times New Roman" panose="02020603050405020304" pitchFamily="18" charset="0"/>
+            </a:endParaRPr>
+          </a:p>
+        </p:txBody>
+      </p:sp>
+      <p:pic>
+        <p:nvPicPr>
+          <p:cNvPr id="1026" name="Picture 2" descr="Что такое Bootstrap и как он связан с разработкой сайтов?">
+            <a:extLst>
+              <a:ext uri="{FF2B5EF4-FFF2-40B4-BE49-F238E27FC236}">
+                <a16:creationId xmlns:a16="http://schemas.microsoft.com/office/drawing/2014/main" id="{D37CC923-2077-1401-9980-12314DFBAE4A}"/>
+              </a:ext>
+            </a:extLst>
+          </p:cNvPr>
+          <p:cNvPicPr>
+            <a:picLocks noChangeAspect="1" noChangeArrowheads="1"/>
+          </p:cNvPicPr>
+          <p:nvPr/>
+        </p:nvPicPr>
+        <p:blipFill>
+          <a:blip r:embed="rId2" cstate="print">
+            <a:extLst>
+              <a:ext uri="{28A0092B-C50C-407E-A947-70E740481C1C}">
+                <a14:useLocalDpi xmlns:a14="http://schemas.microsoft.com/office/drawing/2010/main" val="0"/>
+              </a:ext>
+            </a:extLst>
+          </a:blip>
+          <a:srcRect/>
+          <a:stretch>
+            <a:fillRect/>
+          </a:stretch>
+        </p:blipFill>
+        <p:spPr bwMode="auto">
+          <a:xfrm>
+            <a:off x="1130727" y="2276872"/>
+            <a:ext cx="2859344" cy="1736030"/>
+          </a:xfrm>
+          <a:prstGeom prst="rect">
+            <a:avLst/>
+          </a:prstGeom>
+          <a:noFill/>
+          <a:extLst>
+            <a:ext uri="{909E8E84-426E-40DD-AFC4-6F175D3DCCD1}">
+              <a14:hiddenFill xmlns:a14="http://schemas.microsoft.com/office/drawing/2010/main">
+                <a:solidFill>
+                  <a:srgbClr val="FFFFFF"/>
+                </a:solidFill>
+              </a14:hiddenFill>
+            </a:ext>
+          </a:extLst>
+        </p:spPr>
+      </p:pic>
+      <p:pic>
+        <p:nvPicPr>
+          <p:cNvPr id="1032" name="Picture 8" descr="Spring Framework - что это за фреймворк для Java и зачем нужен">
+            <a:extLst>
+              <a:ext uri="{FF2B5EF4-FFF2-40B4-BE49-F238E27FC236}">
+                <a16:creationId xmlns:a16="http://schemas.microsoft.com/office/drawing/2014/main" id="{C8FD9F43-A9F6-87FC-FF2B-49DCAC488C45}"/>
+              </a:ext>
+            </a:extLst>
+          </p:cNvPr>
+          <p:cNvPicPr>
+            <a:picLocks noChangeAspect="1" noChangeArrowheads="1"/>
+          </p:cNvPicPr>
+          <p:nvPr/>
+        </p:nvPicPr>
+        <p:blipFill>
+          <a:blip r:embed="rId3" cstate="print">
+            <a:extLst>
+              <a:ext uri="{28A0092B-C50C-407E-A947-70E740481C1C}">
+                <a14:useLocalDpi xmlns:a14="http://schemas.microsoft.com/office/drawing/2010/main" val="0"/>
+              </a:ext>
+            </a:extLst>
+          </a:blip>
+          <a:srcRect/>
+          <a:stretch>
+            <a:fillRect/>
+          </a:stretch>
+        </p:blipFill>
+        <p:spPr bwMode="auto">
+          <a:xfrm>
+            <a:off x="5153930" y="2695671"/>
+            <a:ext cx="3491880" cy="898432"/>
+          </a:xfrm>
+          <a:prstGeom prst="rect">
+            <a:avLst/>
+          </a:prstGeom>
+          <a:noFill/>
+          <a:extLst>
+            <a:ext uri="{909E8E84-426E-40DD-AFC4-6F175D3DCCD1}">
+              <a14:hiddenFill xmlns:a14="http://schemas.microsoft.com/office/drawing/2010/main">
+                <a:solidFill>
+                  <a:srgbClr val="FFFFFF"/>
+                </a:solidFill>
+              </a14:hiddenFill>
+            </a:ext>
+          </a:extLst>
+        </p:spPr>
+      </p:pic>
+    </p:spTree>
+    <p:extLst>
+      <p:ext uri="{BB962C8B-B14F-4D97-AF65-F5344CB8AC3E}">
+        <p14:creationId xmlns:p14="http://schemas.microsoft.com/office/powerpoint/2010/main" val="3597652776"/>
+      </p:ext>
+    </p:extLst>
+  </p:cSld>
+  <p:clrMapOvr>
+    <a:masterClrMapping/>
+  </p:clrMapOvr>
+</p:sld>
+</file>
+
+<file path=ppt/slides/slide14.xml><?xml version="1.0" encoding="utf-8"?>
+<p:sld xmlns:a="http://schemas.openxmlformats.org/drawingml/2006/main" xmlns:r="http://schemas.openxmlformats.org/officeDocument/2006/relationships" xmlns:p="http://schemas.openxmlformats.org/presentationml/2006/main">
+  <p:cSld>
+    <p:spTree>
+      <p:nvGrpSpPr>
+        <p:cNvPr id="1" name=""/>
+        <p:cNvGrpSpPr/>
+        <p:nvPr/>
+      </p:nvGrpSpPr>
+      <p:grpSpPr>
+        <a:xfrm>
+          <a:off x="0" y="0"/>
+          <a:ext cx="0" cy="0"/>
+          <a:chOff x="0" y="0"/>
+          <a:chExt cx="0" cy="0"/>
+        </a:xfrm>
+      </p:grpSpPr>
+      <p:sp>
+        <p:nvSpPr>
+          <p:cNvPr id="2" name="Заголовок 1"/>
+          <p:cNvSpPr>
+            <a:spLocks noGrp="1"/>
+          </p:cNvSpPr>
+          <p:nvPr>
+            <p:ph type="ctrTitle"/>
+          </p:nvPr>
+        </p:nvSpPr>
+        <p:spPr>
+          <a:xfrm>
+            <a:off x="463352" y="420032"/>
+            <a:ext cx="8136904" cy="648071"/>
+          </a:xfrm>
+        </p:spPr>
+        <p:txBody>
+          <a:bodyPr>
+            <a:normAutofit fontScale="90000"/>
+          </a:bodyPr>
+          <a:lstStyle/>
+          <a:p>
+            <a:r>
+              <a:rPr lang="ru-RU" dirty="0">
+                <a:latin typeface="Times New Roman" panose="02020603050405020304" pitchFamily="18" charset="0"/>
+                <a:cs typeface="Times New Roman" panose="02020603050405020304" pitchFamily="18" charset="0"/>
+              </a:rPr>
+              <a:t>Структура классов концептуального уровня</a:t>
+            </a:r>
+          </a:p>
+        </p:txBody>
+      </p:sp>
+      <p:sp>
+        <p:nvSpPr>
+          <p:cNvPr id="3" name="Подзаголовок 2"/>
+          <p:cNvSpPr>
+            <a:spLocks noGrp="1"/>
+          </p:cNvSpPr>
+          <p:nvPr>
+            <p:ph type="subTitle" idx="1"/>
+          </p:nvPr>
+        </p:nvSpPr>
+        <p:spPr>
+          <a:xfrm>
+            <a:off x="498190" y="5589240"/>
+            <a:ext cx="8106258" cy="648071"/>
+          </a:xfrm>
+        </p:spPr>
+        <p:txBody>
+          <a:bodyPr>
+            <a:normAutofit/>
+          </a:bodyPr>
+          <a:lstStyle/>
+          <a:p>
+            <a:r>
+              <a:rPr lang="ru-RU" altLang="en-US" sz="2400" dirty="0">
+                <a:solidFill>
+                  <a:schemeClr val="tx1"/>
+                </a:solidFill>
+                <a:latin typeface="Times New Roman" panose="02020603050405020304" pitchFamily="18" charset="0"/>
+                <a:cs typeface="Times New Roman" panose="02020603050405020304" pitchFamily="18" charset="0"/>
+              </a:rPr>
+              <a:t>Схема 3.</a:t>
+            </a:r>
+            <a:r>
+              <a:rPr lang="en-US" altLang="en-US" sz="2400" dirty="0">
+                <a:solidFill>
+                  <a:schemeClr val="tx1"/>
+                </a:solidFill>
+                <a:latin typeface="Times New Roman" panose="02020603050405020304" pitchFamily="18" charset="0"/>
+                <a:cs typeface="Times New Roman" panose="02020603050405020304" pitchFamily="18" charset="0"/>
+              </a:rPr>
+              <a:t> </a:t>
+            </a:r>
+            <a:r>
+              <a:rPr lang="ru-RU" altLang="en-US" sz="2400" dirty="0">
+                <a:solidFill>
+                  <a:schemeClr val="tx1"/>
+                </a:solidFill>
+                <a:latin typeface="Times New Roman" panose="02020603050405020304" pitchFamily="18" charset="0"/>
+                <a:cs typeface="Times New Roman" panose="02020603050405020304" pitchFamily="18" charset="0"/>
+              </a:rPr>
+              <a:t>структура классов</a:t>
+            </a:r>
+          </a:p>
+        </p:txBody>
+      </p:sp>
+      <p:pic>
+        <p:nvPicPr>
+          <p:cNvPr id="6" name="Рисунок 5">
+            <a:extLst>
+              <a:ext uri="{FF2B5EF4-FFF2-40B4-BE49-F238E27FC236}">
+                <a16:creationId xmlns:a16="http://schemas.microsoft.com/office/drawing/2014/main" id="{AFFB9863-5972-600E-6CCA-49BE86AEF086}"/>
+              </a:ext>
+            </a:extLst>
+          </p:cNvPr>
+          <p:cNvPicPr>
+            <a:picLocks noChangeAspect="1"/>
+          </p:cNvPicPr>
+          <p:nvPr/>
+        </p:nvPicPr>
+        <p:blipFill>
+          <a:blip r:embed="rId2"/>
+          <a:stretch>
+            <a:fillRect/>
+          </a:stretch>
+        </p:blipFill>
+        <p:spPr>
+          <a:xfrm>
+            <a:off x="1947862" y="1519237"/>
+            <a:ext cx="5248275" cy="3819525"/>
+          </a:xfrm>
+          <a:prstGeom prst="rect">
+            <a:avLst/>
+          </a:prstGeom>
+        </p:spPr>
+      </p:pic>
+    </p:spTree>
+    <p:extLst>
+      <p:ext uri="{BB962C8B-B14F-4D97-AF65-F5344CB8AC3E}">
+        <p14:creationId xmlns:p14="http://schemas.microsoft.com/office/powerpoint/2010/main" val="3515527969"/>
+      </p:ext>
+    </p:extLst>
+  </p:cSld>
+  <p:clrMapOvr>
+    <a:masterClrMapping/>
+  </p:clrMapOvr>
+</p:sld>
+</file>
+
+<file path=ppt/slides/slide15.xml><?xml version="1.0" encoding="utf-8"?>
+<p:sld xmlns:a="http://schemas.openxmlformats.org/drawingml/2006/main" xmlns:r="http://schemas.openxmlformats.org/officeDocument/2006/relationships" xmlns:p="http://schemas.openxmlformats.org/presentationml/2006/main">
+  <p:cSld>
+    <p:spTree>
+      <p:nvGrpSpPr>
+        <p:cNvPr id="1" name=""/>
+        <p:cNvGrpSpPr/>
+        <p:nvPr/>
+      </p:nvGrpSpPr>
+      <p:grpSpPr>
+        <a:xfrm>
+          <a:off x="0" y="0"/>
+          <a:ext cx="0" cy="0"/>
+          <a:chOff x="0" y="0"/>
+          <a:chExt cx="0" cy="0"/>
+        </a:xfrm>
+      </p:grpSpPr>
+      <p:sp>
+        <p:nvSpPr>
+          <p:cNvPr id="2" name="Заголовок 1"/>
+          <p:cNvSpPr>
+            <a:spLocks noGrp="1"/>
+          </p:cNvSpPr>
+          <p:nvPr>
+            <p:ph type="ctrTitle"/>
+          </p:nvPr>
+        </p:nvSpPr>
+        <p:spPr>
+          <a:xfrm>
+            <a:off x="467544" y="188640"/>
+            <a:ext cx="8136904" cy="648071"/>
+          </a:xfrm>
+        </p:spPr>
+        <p:txBody>
+          <a:bodyPr>
+            <a:normAutofit fontScale="90000"/>
+          </a:bodyPr>
+          <a:lstStyle/>
+          <a:p>
+            <a:r>
+              <a:rPr lang="ru-RU" dirty="0">
+                <a:latin typeface="Times New Roman" panose="02020603050405020304" pitchFamily="18" charset="0"/>
+                <a:cs typeface="Times New Roman" panose="02020603050405020304" pitchFamily="18" charset="0"/>
+              </a:rPr>
+              <a:t>Структура базы данных</a:t>
+            </a:r>
+          </a:p>
+        </p:txBody>
+      </p:sp>
+      <p:sp>
+        <p:nvSpPr>
+          <p:cNvPr id="3" name="Подзаголовок 2"/>
+          <p:cNvSpPr>
+            <a:spLocks noGrp="1"/>
+          </p:cNvSpPr>
+          <p:nvPr>
+            <p:ph type="subTitle" idx="1"/>
+          </p:nvPr>
+        </p:nvSpPr>
+        <p:spPr>
+          <a:xfrm>
+            <a:off x="498190" y="5589240"/>
+            <a:ext cx="8106258" cy="648072"/>
+          </a:xfrm>
+        </p:spPr>
+        <p:txBody>
+          <a:bodyPr>
+            <a:normAutofit/>
+          </a:bodyPr>
+          <a:lstStyle/>
+          <a:p>
+            <a:r>
+              <a:rPr lang="ru-RU" altLang="en-US" sz="2400" dirty="0">
+                <a:solidFill>
+                  <a:schemeClr val="tx1"/>
+                </a:solidFill>
+                <a:latin typeface="Times New Roman" panose="02020603050405020304" pitchFamily="18" charset="0"/>
+                <a:cs typeface="Times New Roman" panose="02020603050405020304" pitchFamily="18" charset="0"/>
+              </a:rPr>
+              <a:t>Схема 4.</a:t>
+            </a:r>
+            <a:r>
+              <a:rPr lang="en-US" altLang="en-US" sz="2400" dirty="0">
+                <a:solidFill>
+                  <a:schemeClr val="tx1"/>
+                </a:solidFill>
+                <a:latin typeface="Times New Roman" panose="02020603050405020304" pitchFamily="18" charset="0"/>
+                <a:cs typeface="Times New Roman" panose="02020603050405020304" pitchFamily="18" charset="0"/>
+              </a:rPr>
+              <a:t> </a:t>
+            </a:r>
+            <a:r>
+              <a:rPr lang="ru-RU" altLang="en-US" sz="2400" dirty="0">
+                <a:solidFill>
+                  <a:schemeClr val="tx1"/>
+                </a:solidFill>
+                <a:latin typeface="Times New Roman" panose="02020603050405020304" pitchFamily="18" charset="0"/>
+                <a:cs typeface="Times New Roman" panose="02020603050405020304" pitchFamily="18" charset="0"/>
+              </a:rPr>
+              <a:t>структура базы данных</a:t>
+            </a:r>
+          </a:p>
+        </p:txBody>
+      </p:sp>
+      <p:pic>
+        <p:nvPicPr>
+          <p:cNvPr id="5" name="Рисунок 4">
+            <a:extLst>
+              <a:ext uri="{FF2B5EF4-FFF2-40B4-BE49-F238E27FC236}">
+                <a16:creationId xmlns:a16="http://schemas.microsoft.com/office/drawing/2014/main" id="{F5DF51F1-64AA-BD6E-5614-377DC0D0D29B}"/>
+              </a:ext>
+            </a:extLst>
+          </p:cNvPr>
+          <p:cNvPicPr>
+            <a:picLocks noChangeAspect="1"/>
+          </p:cNvPicPr>
+          <p:nvPr/>
+        </p:nvPicPr>
+        <p:blipFill>
+          <a:blip r:embed="rId2"/>
+          <a:stretch>
+            <a:fillRect/>
+          </a:stretch>
+        </p:blipFill>
+        <p:spPr>
+          <a:xfrm>
+            <a:off x="3109912" y="1762125"/>
+            <a:ext cx="2924175" cy="3333750"/>
+          </a:xfrm>
+          <a:prstGeom prst="rect">
+            <a:avLst/>
+          </a:prstGeom>
+        </p:spPr>
+      </p:pic>
+    </p:spTree>
+    <p:extLst>
+      <p:ext uri="{BB962C8B-B14F-4D97-AF65-F5344CB8AC3E}">
+        <p14:creationId xmlns:p14="http://schemas.microsoft.com/office/powerpoint/2010/main" val="2839491125"/>
+      </p:ext>
+    </p:extLst>
+  </p:cSld>
+  <p:clrMapOvr>
+    <a:masterClrMapping/>
+  </p:clrMapOvr>
+</p:sld>
+</file>
+
+<file path=ppt/slides/slide16.xml><?xml version="1.0" encoding="utf-8"?>
+<p:sld xmlns:a="http://schemas.openxmlformats.org/drawingml/2006/main" xmlns:r="http://schemas.openxmlformats.org/officeDocument/2006/relationships" xmlns:p="http://schemas.openxmlformats.org/presentationml/2006/main">
+  <p:cSld>
+    <p:spTree>
+      <p:nvGrpSpPr>
+        <p:cNvPr id="1" name=""/>
+        <p:cNvGrpSpPr/>
+        <p:nvPr/>
+      </p:nvGrpSpPr>
+      <p:grpSpPr>
+        <a:xfrm>
+          <a:off x="0" y="0"/>
+          <a:ext cx="0" cy="0"/>
+          <a:chOff x="0" y="0"/>
+          <a:chExt cx="0" cy="0"/>
+        </a:xfrm>
+      </p:grpSpPr>
+      <p:sp>
+        <p:nvSpPr>
+          <p:cNvPr id="2" name="Заголовок 1">
+            <a:extLst>
+              <a:ext uri="{FF2B5EF4-FFF2-40B4-BE49-F238E27FC236}">
+                <a16:creationId xmlns:a16="http://schemas.microsoft.com/office/drawing/2014/main" id="{491F3AE5-8F5E-FB66-D9E0-D86BDEFC85E5}"/>
+              </a:ext>
+            </a:extLst>
+          </p:cNvPr>
+          <p:cNvSpPr>
+            <a:spLocks noGrp="1"/>
+          </p:cNvSpPr>
+          <p:nvPr>
+            <p:ph type="title"/>
+          </p:nvPr>
+        </p:nvSpPr>
+        <p:spPr/>
+        <p:txBody>
+          <a:bodyPr>
+            <a:normAutofit/>
+          </a:bodyPr>
+          <a:lstStyle/>
+          <a:p>
+            <a:r>
+              <a:rPr lang="ru-RU" sz="3600" dirty="0">
+                <a:latin typeface="Times New Roman" panose="02020603050405020304" pitchFamily="18" charset="0"/>
+                <a:cs typeface="Times New Roman" panose="02020603050405020304" pitchFamily="18" charset="0"/>
+              </a:rPr>
+              <a:t>Готовность работы</a:t>
+            </a:r>
+          </a:p>
+        </p:txBody>
+      </p:sp>
+      <p:sp>
+        <p:nvSpPr>
+          <p:cNvPr id="3" name="Объект 2">
+            <a:extLst>
+              <a:ext uri="{FF2B5EF4-FFF2-40B4-BE49-F238E27FC236}">
+                <a16:creationId xmlns:a16="http://schemas.microsoft.com/office/drawing/2014/main" id="{86D743FF-0B1E-2705-B3B4-92263E9E1D2C}"/>
+              </a:ext>
+            </a:extLst>
+          </p:cNvPr>
+          <p:cNvSpPr>
+            <a:spLocks noGrp="1"/>
+          </p:cNvSpPr>
+          <p:nvPr>
+            <p:ph idx="1"/>
+          </p:nvPr>
+        </p:nvSpPr>
+        <p:spPr/>
+        <p:txBody>
+          <a:bodyPr anchor="ctr">
+            <a:normAutofit/>
+          </a:bodyPr>
+          <a:lstStyle/>
+          <a:p>
+            <a:pPr marL="0" indent="0" algn="ctr">
+              <a:buNone/>
+            </a:pPr>
+            <a:r>
+              <a:rPr lang="ru-RU" altLang="en-US" sz="2800" dirty="0">
+                <a:solidFill>
+                  <a:schemeClr val="tx1"/>
+                </a:solidFill>
+                <a:latin typeface="Times New Roman" panose="02020603050405020304" pitchFamily="18" charset="0"/>
+                <a:cs typeface="Times New Roman" panose="02020603050405020304" pitchFamily="18" charset="0"/>
+              </a:rPr>
+              <a:t>ТЗ: </a:t>
+            </a:r>
+            <a:r>
+              <a:rPr lang="en-US" altLang="en-US" sz="2800" dirty="0">
+                <a:latin typeface="Times New Roman" panose="02020603050405020304" pitchFamily="18" charset="0"/>
+                <a:cs typeface="Times New Roman" panose="02020603050405020304" pitchFamily="18" charset="0"/>
+              </a:rPr>
+              <a:t>~</a:t>
+            </a:r>
+            <a:r>
+              <a:rPr lang="ru-RU" altLang="en-US" sz="2800" dirty="0">
+                <a:solidFill>
+                  <a:schemeClr val="tx1"/>
+                </a:solidFill>
+                <a:latin typeface="Times New Roman" panose="02020603050405020304" pitchFamily="18" charset="0"/>
+                <a:cs typeface="Times New Roman" panose="02020603050405020304" pitchFamily="18" charset="0"/>
+              </a:rPr>
+              <a:t>готово</a:t>
+            </a:r>
+            <a:endParaRPr lang="en-US" altLang="en-US" sz="2800" dirty="0">
+              <a:solidFill>
+                <a:schemeClr val="tx1"/>
+              </a:solidFill>
+              <a:latin typeface="Times New Roman" panose="02020603050405020304" pitchFamily="18" charset="0"/>
+              <a:cs typeface="Times New Roman" panose="02020603050405020304" pitchFamily="18" charset="0"/>
+            </a:endParaRPr>
+          </a:p>
+          <a:p>
+            <a:pPr marL="0" indent="0" algn="ctr">
+              <a:buNone/>
+            </a:pPr>
+            <a:r>
+              <a:rPr lang="ru-RU" altLang="en-US" sz="2800" dirty="0">
+                <a:solidFill>
+                  <a:schemeClr val="tx1"/>
+                </a:solidFill>
+                <a:latin typeface="Times New Roman" panose="02020603050405020304" pitchFamily="18" charset="0"/>
+                <a:cs typeface="Times New Roman" panose="02020603050405020304" pitchFamily="18" charset="0"/>
+              </a:rPr>
+              <a:t>ПЗ: </a:t>
+            </a:r>
+            <a:r>
+              <a:rPr lang="en-US" altLang="en-US" sz="2800" dirty="0">
+                <a:solidFill>
+                  <a:schemeClr val="tx1"/>
+                </a:solidFill>
+                <a:latin typeface="Times New Roman" panose="02020603050405020304" pitchFamily="18" charset="0"/>
+                <a:cs typeface="Times New Roman" panose="02020603050405020304" pitchFamily="18" charset="0"/>
+              </a:rPr>
+              <a:t>~</a:t>
+            </a:r>
+            <a:r>
+              <a:rPr lang="ru-RU" altLang="en-US" sz="2800" dirty="0">
+                <a:solidFill>
+                  <a:schemeClr val="tx1"/>
+                </a:solidFill>
+                <a:latin typeface="Times New Roman" panose="02020603050405020304" pitchFamily="18" charset="0"/>
+                <a:cs typeface="Times New Roman" panose="02020603050405020304" pitchFamily="18" charset="0"/>
+              </a:rPr>
+              <a:t>50</a:t>
+            </a:r>
+            <a:r>
+              <a:rPr lang="en-US" altLang="en-US" sz="2800" dirty="0">
+                <a:solidFill>
+                  <a:schemeClr val="tx1"/>
+                </a:solidFill>
+                <a:latin typeface="Times New Roman" panose="02020603050405020304" pitchFamily="18" charset="0"/>
+                <a:cs typeface="Times New Roman" panose="02020603050405020304" pitchFamily="18" charset="0"/>
+              </a:rPr>
+              <a:t>%</a:t>
+            </a:r>
+          </a:p>
+          <a:p>
+            <a:pPr marL="0" indent="0" algn="ctr">
+              <a:buNone/>
+            </a:pPr>
+            <a:r>
+              <a:rPr lang="ru-RU" altLang="en-US" sz="2800" dirty="0">
+                <a:solidFill>
+                  <a:schemeClr val="tx1"/>
+                </a:solidFill>
+                <a:latin typeface="Times New Roman" panose="02020603050405020304" pitchFamily="18" charset="0"/>
+                <a:cs typeface="Times New Roman" panose="02020603050405020304" pitchFamily="18" charset="0"/>
+              </a:rPr>
+              <a:t>Программа: </a:t>
+            </a:r>
+            <a:r>
+              <a:rPr lang="en-US" altLang="en-US" sz="2800" dirty="0">
+                <a:solidFill>
+                  <a:schemeClr val="tx1"/>
+                </a:solidFill>
+                <a:latin typeface="Times New Roman" panose="02020603050405020304" pitchFamily="18" charset="0"/>
+                <a:cs typeface="Times New Roman" panose="02020603050405020304" pitchFamily="18" charset="0"/>
+              </a:rPr>
+              <a:t>~</a:t>
+            </a:r>
+            <a:r>
+              <a:rPr lang="ru-RU" altLang="en-US" sz="2800" dirty="0">
+                <a:solidFill>
+                  <a:schemeClr val="tx1"/>
+                </a:solidFill>
+                <a:latin typeface="Times New Roman" panose="02020603050405020304" pitchFamily="18" charset="0"/>
+                <a:cs typeface="Times New Roman" panose="02020603050405020304" pitchFamily="18" charset="0"/>
+              </a:rPr>
+              <a:t>50</a:t>
+            </a:r>
+            <a:r>
+              <a:rPr lang="en-US" altLang="en-US" sz="2800" dirty="0">
+                <a:solidFill>
+                  <a:schemeClr val="tx1"/>
+                </a:solidFill>
+                <a:latin typeface="Times New Roman" panose="02020603050405020304" pitchFamily="18" charset="0"/>
+                <a:cs typeface="Times New Roman" panose="02020603050405020304" pitchFamily="18" charset="0"/>
+              </a:rPr>
+              <a:t>%</a:t>
+            </a:r>
+          </a:p>
+        </p:txBody>
+      </p:sp>
+    </p:spTree>
+    <p:extLst>
+      <p:ext uri="{BB962C8B-B14F-4D97-AF65-F5344CB8AC3E}">
+        <p14:creationId xmlns:p14="http://schemas.microsoft.com/office/powerpoint/2010/main" val="1717102549"/>
+      </p:ext>
+    </p:extLst>
+  </p:cSld>
+  <p:clrMapOvr>
+    <a:masterClrMapping/>
+  </p:clrMapOvr>
+</p:sld>
+</file>
+
+<file path=ppt/slides/slide2.xml><?xml version="1.0" encoding="utf-8"?>
+<p:sld xmlns:a="http://schemas.openxmlformats.org/drawingml/2006/main" xmlns:r="http://schemas.openxmlformats.org/officeDocument/2006/relationships" xmlns:p="http://schemas.openxmlformats.org/presentationml/2006/main">
+  <p:cSld>
+    <p:spTree>
+      <p:nvGrpSpPr>
+        <p:cNvPr id="1" name=""/>
+        <p:cNvGrpSpPr/>
+        <p:nvPr/>
+      </p:nvGrpSpPr>
+      <p:grpSpPr>
+        <a:xfrm>
+          <a:off x="0" y="0"/>
+          <a:ext cx="0" cy="0"/>
+          <a:chOff x="0" y="0"/>
+          <a:chExt cx="0" cy="0"/>
+        </a:xfrm>
+      </p:grpSpPr>
+      <p:sp>
+        <p:nvSpPr>
+          <p:cNvPr id="2" name="Заголовок 1"/>
+          <p:cNvSpPr>
+            <a:spLocks noGrp="1"/>
+          </p:cNvSpPr>
+          <p:nvPr>
+            <p:ph type="ctrTitle"/>
+          </p:nvPr>
+        </p:nvSpPr>
+        <p:spPr>
+          <a:xfrm>
+            <a:off x="683568" y="188640"/>
+            <a:ext cx="7772400" cy="648071"/>
+          </a:xfrm>
+        </p:spPr>
+        <p:txBody>
+          <a:bodyPr>
+            <a:normAutofit/>
+          </a:bodyPr>
+          <a:lstStyle/>
+          <a:p>
+            <a:r>
+              <a:rPr lang="ru-RU" sz="3600" dirty="0">
+                <a:latin typeface="Times New Roman" panose="02020603050405020304" pitchFamily="18" charset="0"/>
+                <a:cs typeface="Times New Roman" panose="02020603050405020304" pitchFamily="18" charset="0"/>
+              </a:rPr>
+              <a:t>Актуальность работы</a:t>
+            </a:r>
+          </a:p>
+        </p:txBody>
+      </p:sp>
+      <p:sp>
+        <p:nvSpPr>
+          <p:cNvPr id="3" name="Подзаголовок 2"/>
+          <p:cNvSpPr>
+            <a:spLocks noGrp="1"/>
+          </p:cNvSpPr>
+          <p:nvPr>
+            <p:ph type="subTitle" idx="1"/>
+          </p:nvPr>
+        </p:nvSpPr>
+        <p:spPr>
+          <a:xfrm>
+            <a:off x="498190" y="1340768"/>
+            <a:ext cx="8106258" cy="4896544"/>
+          </a:xfrm>
+        </p:spPr>
+        <p:txBody>
+          <a:bodyPr anchor="ctr">
+            <a:normAutofit/>
+          </a:bodyPr>
+          <a:lstStyle/>
+          <a:p>
+            <a:pPr algn="l">
+              <a:lnSpc>
+                <a:spcPct val="120000"/>
+              </a:lnSpc>
+              <a:spcBef>
+                <a:spcPts val="600"/>
+              </a:spcBef>
+            </a:pPr>
+            <a:r>
+              <a:rPr lang="ru-RU" sz="2800" b="1" dirty="0">
+                <a:solidFill>
+                  <a:schemeClr val="tx1"/>
+                </a:solidFill>
+                <a:latin typeface="Times New Roman" panose="02020603050405020304" pitchFamily="18" charset="0"/>
+                <a:cs typeface="Times New Roman" panose="02020603050405020304" pitchFamily="18" charset="0"/>
+              </a:rPr>
+              <a:t>Актуальность работы обусловлена:</a:t>
+            </a:r>
+          </a:p>
+          <a:p>
+            <a:pPr marL="457200" indent="-457200" algn="l">
+              <a:lnSpc>
+                <a:spcPct val="120000"/>
+              </a:lnSpc>
+              <a:spcBef>
+                <a:spcPts val="600"/>
+              </a:spcBef>
+              <a:buFont typeface="Arial" panose="020B0604020202020204" pitchFamily="34" charset="0"/>
+              <a:buChar char="•"/>
+            </a:pPr>
+            <a:r>
+              <a:rPr lang="ru-RU" sz="2800" dirty="0">
+                <a:solidFill>
+                  <a:schemeClr val="tx1"/>
+                </a:solidFill>
+                <a:latin typeface="Times New Roman" panose="02020603050405020304" pitchFamily="18" charset="0"/>
+                <a:ea typeface="Times New Roman" panose="02020603050405020304" pitchFamily="18" charset="0"/>
+                <a:cs typeface="Times New Roman" panose="02020603050405020304" pitchFamily="18" charset="0"/>
+              </a:rPr>
+              <a:t>р</a:t>
+            </a:r>
+            <a:r>
+              <a:rPr lang="ru-RU" sz="2800" dirty="0">
+                <a:solidFill>
+                  <a:schemeClr val="tx1"/>
+                </a:solidFill>
+                <a:effectLst/>
+                <a:latin typeface="Times New Roman" panose="02020603050405020304" pitchFamily="18" charset="0"/>
+                <a:ea typeface="Times New Roman" panose="02020603050405020304" pitchFamily="18" charset="0"/>
+                <a:cs typeface="Times New Roman" panose="02020603050405020304" pitchFamily="18" charset="0"/>
+              </a:rPr>
+              <a:t>остом рынка мобильной связи</a:t>
+            </a:r>
+          </a:p>
+          <a:p>
+            <a:pPr marL="457200" indent="-457200" algn="l">
+              <a:lnSpc>
+                <a:spcPct val="120000"/>
+              </a:lnSpc>
+              <a:spcBef>
+                <a:spcPts val="600"/>
+              </a:spcBef>
+              <a:buFont typeface="Arial" panose="020B0604020202020204" pitchFamily="34" charset="0"/>
+              <a:buChar char="•"/>
+            </a:pPr>
+            <a:r>
+              <a:rPr lang="ru-RU" sz="2800" dirty="0">
+                <a:solidFill>
+                  <a:schemeClr val="tx1"/>
+                </a:solidFill>
+                <a:latin typeface="Times New Roman" panose="02020603050405020304" pitchFamily="18" charset="0"/>
+                <a:ea typeface="Times New Roman" panose="02020603050405020304" pitchFamily="18" charset="0"/>
+                <a:cs typeface="Times New Roman" panose="02020603050405020304" pitchFamily="18" charset="0"/>
+              </a:rPr>
+              <a:t>м</a:t>
+            </a:r>
+            <a:r>
+              <a:rPr lang="ru-RU" sz="2800" dirty="0">
+                <a:solidFill>
+                  <a:schemeClr val="tx1"/>
+                </a:solidFill>
+                <a:effectLst/>
+                <a:latin typeface="Times New Roman" panose="02020603050405020304" pitchFamily="18" charset="0"/>
+                <a:ea typeface="Times New Roman" panose="02020603050405020304" pitchFamily="18" charset="0"/>
+                <a:cs typeface="Times New Roman" panose="02020603050405020304" pitchFamily="18" charset="0"/>
+              </a:rPr>
+              <a:t>ногообразием тарифов и услуг</a:t>
+            </a:r>
+          </a:p>
+          <a:p>
+            <a:pPr marL="457200" indent="-457200" algn="l">
+              <a:lnSpc>
+                <a:spcPct val="120000"/>
+              </a:lnSpc>
+              <a:spcBef>
+                <a:spcPts val="600"/>
+              </a:spcBef>
+              <a:buFont typeface="Arial" panose="020B0604020202020204" pitchFamily="34" charset="0"/>
+              <a:buChar char="•"/>
+            </a:pPr>
+            <a:r>
+              <a:rPr lang="ru-RU" sz="2800" dirty="0">
+                <a:solidFill>
+                  <a:schemeClr val="tx1"/>
+                </a:solidFill>
+                <a:latin typeface="Times New Roman" panose="02020603050405020304" pitchFamily="18" charset="0"/>
+                <a:ea typeface="Times New Roman" panose="02020603050405020304" pitchFamily="18" charset="0"/>
+                <a:cs typeface="Times New Roman" panose="02020603050405020304" pitchFamily="18" charset="0"/>
+              </a:rPr>
+              <a:t>с</a:t>
+            </a:r>
+            <a:r>
+              <a:rPr lang="ru-RU" sz="2800" dirty="0">
+                <a:solidFill>
+                  <a:schemeClr val="tx1"/>
+                </a:solidFill>
+                <a:effectLst/>
+                <a:latin typeface="Times New Roman" panose="02020603050405020304" pitchFamily="18" charset="0"/>
+                <a:ea typeface="Times New Roman" panose="02020603050405020304" pitchFamily="18" charset="0"/>
+                <a:cs typeface="Times New Roman" panose="02020603050405020304" pitchFamily="18" charset="0"/>
+              </a:rPr>
+              <a:t>тремлением потребителей получить услуги по оптимальным ценам</a:t>
+            </a:r>
+          </a:p>
+          <a:p>
+            <a:pPr marL="457200" indent="-457200" algn="l">
+              <a:lnSpc>
+                <a:spcPct val="120000"/>
+              </a:lnSpc>
+              <a:spcBef>
+                <a:spcPts val="600"/>
+              </a:spcBef>
+              <a:buFont typeface="Arial" panose="020B0604020202020204" pitchFamily="34" charset="0"/>
+              <a:buChar char="•"/>
+            </a:pPr>
+            <a:r>
+              <a:rPr lang="ru-RU" sz="2800" dirty="0">
+                <a:solidFill>
+                  <a:schemeClr val="tx1"/>
+                </a:solidFill>
+                <a:latin typeface="Times New Roman" panose="02020603050405020304" pitchFamily="18" charset="0"/>
+                <a:ea typeface="Times New Roman" panose="02020603050405020304" pitchFamily="18" charset="0"/>
+                <a:cs typeface="Times New Roman" panose="02020603050405020304" pitchFamily="18" charset="0"/>
+              </a:rPr>
+              <a:t>цифровизацией и онлайн-сервисами</a:t>
+            </a:r>
+            <a:endParaRPr lang="ru-RU" sz="2800" dirty="0">
+              <a:solidFill>
+                <a:schemeClr val="tx1"/>
+              </a:solidFill>
+              <a:effectLst/>
+              <a:latin typeface="Times New Roman" panose="02020603050405020304" pitchFamily="18" charset="0"/>
+              <a:ea typeface="Times New Roman" panose="02020603050405020304" pitchFamily="18" charset="0"/>
+              <a:cs typeface="Times New Roman" panose="02020603050405020304" pitchFamily="18" charset="0"/>
+            </a:endParaRPr>
+          </a:p>
+          <a:p>
+            <a:pPr marL="457200" indent="-457200" algn="l">
+              <a:lnSpc>
+                <a:spcPct val="120000"/>
+              </a:lnSpc>
+              <a:spcBef>
+                <a:spcPts val="600"/>
+              </a:spcBef>
+              <a:buFont typeface="Arial" panose="020B0604020202020204" pitchFamily="34" charset="0"/>
+              <a:buChar char="•"/>
+            </a:pPr>
+            <a:r>
+              <a:rPr lang="ru-RU" sz="2800" dirty="0">
+                <a:solidFill>
+                  <a:schemeClr val="tx1"/>
+                </a:solidFill>
+                <a:latin typeface="Times New Roman" panose="02020603050405020304" pitchFamily="18" charset="0"/>
+                <a:ea typeface="Times New Roman" panose="02020603050405020304" pitchFamily="18" charset="0"/>
+                <a:cs typeface="Times New Roman" panose="02020603050405020304" pitchFamily="18" charset="0"/>
+              </a:rPr>
+              <a:t>отсутствием качественных существующих решений</a:t>
+            </a:r>
+            <a:endParaRPr lang="ru-RU" sz="2800" dirty="0">
+              <a:solidFill>
+                <a:schemeClr val="tx1"/>
+              </a:solidFill>
+              <a:effectLst/>
+              <a:latin typeface="Times New Roman" panose="02020603050405020304" pitchFamily="18" charset="0"/>
+              <a:ea typeface="Times New Roman" panose="02020603050405020304" pitchFamily="18" charset="0"/>
+              <a:cs typeface="Times New Roman" panose="02020603050405020304" pitchFamily="18" charset="0"/>
+            </a:endParaRPr>
+          </a:p>
+        </p:txBody>
+      </p:sp>
+    </p:spTree>
+    <p:extLst>
+      <p:ext uri="{BB962C8B-B14F-4D97-AF65-F5344CB8AC3E}">
+        <p14:creationId xmlns:p14="http://schemas.microsoft.com/office/powerpoint/2010/main" val="1053462166"/>
+      </p:ext>
+    </p:extLst>
+  </p:cSld>
+  <p:clrMapOvr>
+    <a:masterClrMapping/>
+  </p:clrMapOvr>
+</p:sld>
+</file>
+
+<file path=ppt/slides/slide3.xml><?xml version="1.0" encoding="utf-8"?>
+<p:sld xmlns:a="http://schemas.openxmlformats.org/drawingml/2006/main" xmlns:r="http://schemas.openxmlformats.org/officeDocument/2006/relationships" xmlns:p="http://schemas.openxmlformats.org/presentationml/2006/main">
+  <p:cSld>
+    <p:spTree>
+      <p:nvGrpSpPr>
+        <p:cNvPr id="1" name=""/>
+        <p:cNvGrpSpPr/>
+        <p:nvPr/>
+      </p:nvGrpSpPr>
+      <p:grpSpPr>
+        <a:xfrm>
+          <a:off x="0" y="0"/>
+          <a:ext cx="0" cy="0"/>
+          <a:chOff x="0" y="0"/>
+          <a:chExt cx="0" cy="0"/>
+        </a:xfrm>
+      </p:grpSpPr>
+      <p:sp>
+        <p:nvSpPr>
+          <p:cNvPr id="2" name="Заголовок 1"/>
+          <p:cNvSpPr>
+            <a:spLocks noGrp="1"/>
+          </p:cNvSpPr>
+          <p:nvPr>
+            <p:ph type="ctrTitle"/>
+          </p:nvPr>
+        </p:nvSpPr>
+        <p:spPr>
+          <a:xfrm>
+            <a:off x="467544" y="188640"/>
+            <a:ext cx="8136904" cy="648071"/>
+          </a:xfrm>
+        </p:spPr>
+        <p:txBody>
+          <a:bodyPr>
+            <a:noAutofit/>
+          </a:bodyPr>
+          <a:lstStyle/>
+          <a:p>
+            <a:r>
+              <a:rPr lang="ru-RU" sz="3600" dirty="0">
+                <a:latin typeface="Times New Roman" panose="02020603050405020304" pitchFamily="18" charset="0"/>
+                <a:cs typeface="Times New Roman" panose="02020603050405020304" pitchFamily="18" charset="0"/>
+              </a:rPr>
+              <a:t>Описание</a:t>
+            </a:r>
+            <a:r>
+              <a:rPr lang="ru-RU" sz="3600" dirty="0"/>
+              <a:t> проблемы</a:t>
+            </a:r>
+          </a:p>
+        </p:txBody>
+      </p:sp>
+      <p:sp>
+        <p:nvSpPr>
+          <p:cNvPr id="3" name="Подзаголовок 2"/>
+          <p:cNvSpPr>
+            <a:spLocks noGrp="1"/>
+          </p:cNvSpPr>
+          <p:nvPr>
+            <p:ph type="subTitle" idx="1"/>
+          </p:nvPr>
+        </p:nvSpPr>
+        <p:spPr>
+          <a:xfrm>
+            <a:off x="498190" y="1340768"/>
+            <a:ext cx="8106258" cy="4896544"/>
+          </a:xfrm>
+        </p:spPr>
+        <p:txBody>
+          <a:bodyPr anchor="ctr">
+            <a:normAutofit/>
+          </a:bodyPr>
+          <a:lstStyle/>
+          <a:p>
+            <a:pPr algn="l"/>
+            <a:r>
+              <a:rPr lang="ru-RU" sz="2400" dirty="0">
+                <a:solidFill>
+                  <a:srgbClr val="000000"/>
+                </a:solidFill>
+                <a:latin typeface="Times New Roman" panose="02020603050405020304" pitchFamily="18" charset="0"/>
+                <a:cs typeface="Times New Roman" panose="02020603050405020304" pitchFamily="18" charset="0"/>
+              </a:rPr>
+              <a:t>Неудобство и затруднение пользователей при выборе оптимального тарифного плана мобильной связи из-за сложности сравнения большого количества предложений от различных операторов</a:t>
+            </a:r>
+            <a:r>
+              <a:rPr lang="ru-RU" sz="2400" b="0" i="0" dirty="0">
+                <a:solidFill>
+                  <a:srgbClr val="000000"/>
+                </a:solidFill>
+                <a:effectLst/>
+                <a:latin typeface="Times New Roman" panose="02020603050405020304" pitchFamily="18" charset="0"/>
+                <a:cs typeface="Times New Roman" panose="02020603050405020304" pitchFamily="18" charset="0"/>
+              </a:rPr>
+              <a:t>.</a:t>
+            </a:r>
+            <a:endParaRPr lang="en-US" sz="2400" b="0" i="0" dirty="0">
+              <a:solidFill>
+                <a:srgbClr val="000000"/>
+              </a:solidFill>
+              <a:effectLst/>
+              <a:latin typeface="Times New Roman" panose="02020603050405020304" pitchFamily="18" charset="0"/>
+              <a:cs typeface="Times New Roman" panose="02020603050405020304" pitchFamily="18" charset="0"/>
+            </a:endParaRPr>
+          </a:p>
+          <a:p>
+            <a:pPr algn="l"/>
+            <a:r>
+              <a:rPr lang="ru-RU" sz="2400" b="0" i="0" dirty="0">
+                <a:solidFill>
+                  <a:srgbClr val="000000"/>
+                </a:solidFill>
+                <a:effectLst/>
+                <a:latin typeface="Times New Roman" panose="02020603050405020304" pitchFamily="18" charset="0"/>
+                <a:cs typeface="Times New Roman" panose="02020603050405020304" pitchFamily="18" charset="0"/>
+              </a:rPr>
+              <a:t> </a:t>
+            </a:r>
+            <a:br>
+              <a:rPr lang="ru-RU" sz="2400" dirty="0">
+                <a:latin typeface="Times New Roman" panose="02020603050405020304" pitchFamily="18" charset="0"/>
+                <a:cs typeface="Times New Roman" panose="02020603050405020304" pitchFamily="18" charset="0"/>
+              </a:rPr>
+            </a:br>
+            <a:r>
+              <a:rPr lang="ru-RU" sz="2400" dirty="0">
+                <a:solidFill>
+                  <a:schemeClr val="tx1"/>
+                </a:solidFill>
+                <a:latin typeface="Times New Roman" panose="02020603050405020304" pitchFamily="18" charset="0"/>
+                <a:cs typeface="Times New Roman" panose="02020603050405020304" pitchFamily="18" charset="0"/>
+              </a:rPr>
+              <a:t>Отсутствие качественных платформ</a:t>
+            </a:r>
+            <a:r>
+              <a:rPr lang="en-US" sz="2400" dirty="0">
+                <a:solidFill>
+                  <a:schemeClr val="tx1"/>
+                </a:solidFill>
+                <a:latin typeface="Times New Roman" panose="02020603050405020304" pitchFamily="18" charset="0"/>
+                <a:cs typeface="Times New Roman" panose="02020603050405020304" pitchFamily="18" charset="0"/>
+              </a:rPr>
+              <a:t>, </a:t>
+            </a:r>
+            <a:r>
+              <a:rPr lang="ru-RU" sz="2400" dirty="0">
+                <a:solidFill>
+                  <a:schemeClr val="tx1"/>
+                </a:solidFill>
+                <a:latin typeface="Times New Roman" panose="02020603050405020304" pitchFamily="18" charset="0"/>
+                <a:cs typeface="Times New Roman" panose="02020603050405020304" pitchFamily="18" charset="0"/>
+              </a:rPr>
+              <a:t>на которых можно бы было сравнить различные тарифные планы и выбрать подходящий</a:t>
+            </a:r>
+            <a:r>
+              <a:rPr lang="en-US" sz="2400" dirty="0">
+                <a:solidFill>
+                  <a:schemeClr val="tx1"/>
+                </a:solidFill>
+                <a:latin typeface="Times New Roman" panose="02020603050405020304" pitchFamily="18" charset="0"/>
+                <a:cs typeface="Times New Roman" panose="02020603050405020304" pitchFamily="18" charset="0"/>
+              </a:rPr>
+              <a:t>,</a:t>
+            </a:r>
+            <a:r>
+              <a:rPr lang="ru-RU" sz="2400" dirty="0">
+                <a:solidFill>
+                  <a:schemeClr val="tx1"/>
+                </a:solidFill>
+                <a:latin typeface="Times New Roman" panose="02020603050405020304" pitchFamily="18" charset="0"/>
+                <a:cs typeface="Times New Roman" panose="02020603050405020304" pitchFamily="18" charset="0"/>
+              </a:rPr>
+              <a:t> исходя из личных предпочтений. </a:t>
+            </a:r>
+          </a:p>
+        </p:txBody>
+      </p:sp>
+    </p:spTree>
+    <p:extLst>
+      <p:ext uri="{BB962C8B-B14F-4D97-AF65-F5344CB8AC3E}">
+        <p14:creationId xmlns:p14="http://schemas.microsoft.com/office/powerpoint/2010/main" val="2081038248"/>
+      </p:ext>
+    </p:extLst>
+  </p:cSld>
+  <p:clrMapOvr>
+    <a:masterClrMapping/>
+  </p:clrMapOvr>
+</p:sld>
+</file>
+
+<file path=ppt/slides/slide4.xml><?xml version="1.0" encoding="utf-8"?>
+<p:sld xmlns:a="http://schemas.openxmlformats.org/drawingml/2006/main" xmlns:r="http://schemas.openxmlformats.org/officeDocument/2006/relationships" xmlns:p="http://schemas.openxmlformats.org/presentationml/2006/main">
+  <p:cSld>
+    <p:spTree>
+      <p:nvGrpSpPr>
+        <p:cNvPr id="1" name=""/>
+        <p:cNvGrpSpPr/>
+        <p:nvPr/>
+      </p:nvGrpSpPr>
+      <p:grpSpPr>
+        <a:xfrm>
+          <a:off x="0" y="0"/>
+          <a:ext cx="0" cy="0"/>
+          <a:chOff x="0" y="0"/>
+          <a:chExt cx="0" cy="0"/>
+        </a:xfrm>
+      </p:grpSpPr>
+      <p:sp>
+        <p:nvSpPr>
+          <p:cNvPr id="2" name="Заголовок 1"/>
+          <p:cNvSpPr>
+            <a:spLocks noGrp="1"/>
+          </p:cNvSpPr>
+          <p:nvPr>
+            <p:ph type="ctrTitle"/>
+          </p:nvPr>
+        </p:nvSpPr>
+        <p:spPr>
+          <a:xfrm>
+            <a:off x="467544" y="188640"/>
+            <a:ext cx="8136904" cy="648071"/>
+          </a:xfrm>
+        </p:spPr>
+        <p:txBody>
+          <a:bodyPr>
+            <a:noAutofit/>
+          </a:bodyPr>
+          <a:lstStyle/>
+          <a:p>
+            <a:r>
+              <a:rPr lang="ru-RU" sz="3600" dirty="0">
+                <a:latin typeface="Times New Roman" panose="02020603050405020304" pitchFamily="18" charset="0"/>
+                <a:cs typeface="Times New Roman" panose="02020603050405020304" pitchFamily="18" charset="0"/>
+              </a:rPr>
+              <a:t>Цель работы и задачи исследования</a:t>
+            </a:r>
+          </a:p>
+        </p:txBody>
+      </p:sp>
+      <p:sp>
+        <p:nvSpPr>
+          <p:cNvPr id="3" name="Подзаголовок 2"/>
+          <p:cNvSpPr>
+            <a:spLocks noGrp="1"/>
+          </p:cNvSpPr>
+          <p:nvPr>
+            <p:ph type="subTitle" idx="1"/>
+          </p:nvPr>
+        </p:nvSpPr>
+        <p:spPr>
+          <a:xfrm>
+            <a:off x="498190" y="1340768"/>
+            <a:ext cx="8106258" cy="5112568"/>
+          </a:xfrm>
+        </p:spPr>
+        <p:txBody>
+          <a:bodyPr anchor="ctr">
+            <a:noAutofit/>
+          </a:bodyPr>
+          <a:lstStyle/>
+          <a:p>
+            <a:pPr indent="450215" algn="just">
+              <a:lnSpc>
+                <a:spcPct val="150000"/>
+              </a:lnSpc>
+            </a:pPr>
+            <a:r>
+              <a:rPr lang="ru-RU" sz="1800" b="1" dirty="0">
+                <a:solidFill>
+                  <a:schemeClr val="tx1"/>
+                </a:solidFill>
+                <a:latin typeface="Times New Roman" panose="02020603050405020304" pitchFamily="18" charset="0"/>
+                <a:cs typeface="Times New Roman" panose="02020603050405020304" pitchFamily="18" charset="0"/>
+              </a:rPr>
+              <a:t>Цель работы: </a:t>
+            </a:r>
+            <a:r>
+              <a:rPr lang="ru-RU" sz="1800" dirty="0">
+                <a:solidFill>
+                  <a:schemeClr val="tx1"/>
+                </a:solidFill>
+                <a:effectLst/>
+                <a:latin typeface="Times New Roman" panose="02020603050405020304" pitchFamily="18" charset="0"/>
+                <a:ea typeface="Times New Roman" panose="02020603050405020304" pitchFamily="18" charset="0"/>
+                <a:cs typeface="Times New Roman" panose="02020603050405020304" pitchFamily="18" charset="0"/>
+              </a:rPr>
+              <a:t>упрощение процесса поиска и экономия времени пользователя при выборе оптимального тарифа мобильных операторов.</a:t>
+            </a:r>
+            <a:endParaRPr lang="ru-RU" sz="1800" dirty="0">
+              <a:solidFill>
+                <a:schemeClr val="tx1"/>
+              </a:solidFill>
+              <a:latin typeface="Times New Roman" panose="02020603050405020304" pitchFamily="18" charset="0"/>
+              <a:cs typeface="Times New Roman" panose="02020603050405020304" pitchFamily="18" charset="0"/>
+            </a:endParaRPr>
+          </a:p>
+          <a:p>
+            <a:pPr algn="just"/>
+            <a:r>
+              <a:rPr lang="en-US" sz="1800" b="1" dirty="0">
+                <a:solidFill>
+                  <a:schemeClr val="tx1"/>
+                </a:solidFill>
+                <a:latin typeface="Times New Roman" panose="02020603050405020304" pitchFamily="18" charset="0"/>
+                <a:cs typeface="Times New Roman" panose="02020603050405020304" pitchFamily="18" charset="0"/>
+              </a:rPr>
+              <a:t>      </a:t>
+            </a:r>
+            <a:r>
+              <a:rPr lang="ru-RU" sz="1800" b="1" dirty="0">
+                <a:solidFill>
+                  <a:schemeClr val="tx1"/>
+                </a:solidFill>
+                <a:latin typeface="Times New Roman" panose="02020603050405020304" pitchFamily="18" charset="0"/>
+                <a:cs typeface="Times New Roman" panose="02020603050405020304" pitchFamily="18" charset="0"/>
+              </a:rPr>
+              <a:t>Задачи:</a:t>
+            </a:r>
+          </a:p>
+          <a:p>
+            <a:pPr marL="342900" indent="-342900" algn="just">
+              <a:lnSpc>
+                <a:spcPct val="150000"/>
+              </a:lnSpc>
+              <a:buFont typeface="Arial" panose="020B0604020202020204" pitchFamily="34" charset="0"/>
+              <a:buChar char="•"/>
+            </a:pPr>
+            <a:r>
+              <a:rPr lang="ru-RU" sz="1800" dirty="0">
+                <a:solidFill>
+                  <a:schemeClr val="tx1"/>
+                </a:solidFill>
+                <a:effectLst/>
+                <a:latin typeface="Times New Roman" panose="02020603050405020304" pitchFamily="18" charset="0"/>
+                <a:ea typeface="Times New Roman" panose="02020603050405020304" pitchFamily="18" charset="0"/>
+                <a:cs typeface="Times New Roman" panose="02020603050405020304" pitchFamily="18" charset="0"/>
+              </a:rPr>
+              <a:t>произвести анализ предметной области;</a:t>
+            </a:r>
+          </a:p>
+          <a:p>
+            <a:pPr marL="342900" indent="-342900" algn="just">
+              <a:lnSpc>
+                <a:spcPct val="150000"/>
+              </a:lnSpc>
+              <a:buFont typeface="Arial" panose="020B0604020202020204" pitchFamily="34" charset="0"/>
+              <a:buChar char="•"/>
+            </a:pPr>
+            <a:r>
+              <a:rPr lang="ru-RU" sz="1800" dirty="0">
+                <a:solidFill>
+                  <a:schemeClr val="tx1"/>
+                </a:solidFill>
+                <a:effectLst/>
+                <a:latin typeface="Times New Roman" panose="02020603050405020304" pitchFamily="18" charset="0"/>
+                <a:ea typeface="Times New Roman" panose="02020603050405020304" pitchFamily="18" charset="0"/>
+                <a:cs typeface="Times New Roman" panose="02020603050405020304" pitchFamily="18" charset="0"/>
+              </a:rPr>
+              <a:t>произвести обзор существующих аналогов и выявить их основные преимущества и недостатки;</a:t>
+            </a:r>
+          </a:p>
+          <a:p>
+            <a:pPr marL="342900" indent="-342900" algn="just">
+              <a:lnSpc>
+                <a:spcPct val="150000"/>
+              </a:lnSpc>
+              <a:buFont typeface="Arial" panose="020B0604020202020204" pitchFamily="34" charset="0"/>
+              <a:buChar char="•"/>
+            </a:pPr>
+            <a:r>
+              <a:rPr lang="ru-RU" sz="1800" dirty="0">
+                <a:solidFill>
+                  <a:schemeClr val="tx1"/>
+                </a:solidFill>
+                <a:effectLst/>
+                <a:latin typeface="Times New Roman" panose="02020603050405020304" pitchFamily="18" charset="0"/>
+                <a:ea typeface="Times New Roman" panose="02020603050405020304" pitchFamily="18" charset="0"/>
+                <a:cs typeface="Times New Roman" panose="02020603050405020304" pitchFamily="18" charset="0"/>
+              </a:rPr>
+              <a:t>определить требования к разрабатываемому веб-сервису;</a:t>
+            </a:r>
+          </a:p>
+          <a:p>
+            <a:pPr marL="342900" indent="-342900" algn="just">
+              <a:lnSpc>
+                <a:spcPct val="150000"/>
+              </a:lnSpc>
+              <a:buFont typeface="Arial" panose="020B0604020202020204" pitchFamily="34" charset="0"/>
+              <a:buChar char="•"/>
+            </a:pPr>
+            <a:r>
+              <a:rPr lang="ru-RU" sz="1800" dirty="0">
+                <a:solidFill>
+                  <a:schemeClr val="tx1"/>
+                </a:solidFill>
+                <a:effectLst/>
+                <a:latin typeface="Times New Roman" panose="02020603050405020304" pitchFamily="18" charset="0"/>
+                <a:ea typeface="Times New Roman" panose="02020603050405020304" pitchFamily="18" charset="0"/>
+                <a:cs typeface="Times New Roman" panose="02020603050405020304" pitchFamily="18" charset="0"/>
+              </a:rPr>
+              <a:t>произвести проектирование базы данных;</a:t>
+            </a:r>
+          </a:p>
+          <a:p>
+            <a:pPr marL="342900" indent="-342900" algn="just">
+              <a:lnSpc>
+                <a:spcPct val="150000"/>
+              </a:lnSpc>
+              <a:buFont typeface="Arial" panose="020B0604020202020204" pitchFamily="34" charset="0"/>
+              <a:buChar char="•"/>
+            </a:pPr>
+            <a:r>
+              <a:rPr lang="ru-RU" sz="1800" dirty="0">
+                <a:solidFill>
+                  <a:schemeClr val="tx1"/>
+                </a:solidFill>
+                <a:effectLst/>
+                <a:latin typeface="Times New Roman" panose="02020603050405020304" pitchFamily="18" charset="0"/>
+                <a:ea typeface="Times New Roman" panose="02020603050405020304" pitchFamily="18" charset="0"/>
+                <a:cs typeface="Times New Roman" panose="02020603050405020304" pitchFamily="18" charset="0"/>
+              </a:rPr>
+              <a:t>протестировать работоспособность разработанного веб-сервиса.</a:t>
+            </a:r>
+          </a:p>
+        </p:txBody>
+      </p:sp>
+    </p:spTree>
+    <p:extLst>
+      <p:ext uri="{BB962C8B-B14F-4D97-AF65-F5344CB8AC3E}">
+        <p14:creationId xmlns:p14="http://schemas.microsoft.com/office/powerpoint/2010/main" val="2550941481"/>
+      </p:ext>
+    </p:extLst>
+  </p:cSld>
+  <p:clrMapOvr>
+    <a:masterClrMapping/>
+  </p:clrMapOvr>
+</p:sld>
+</file>
+
+<file path=ppt/slides/slide5.xml><?xml version="1.0" encoding="utf-8"?>
+<p:sld xmlns:a="http://schemas.openxmlformats.org/drawingml/2006/main" xmlns:r="http://schemas.openxmlformats.org/officeDocument/2006/relationships" xmlns:p="http://schemas.openxmlformats.org/presentationml/2006/main">
+  <p:cSld>
+    <p:spTree>
+      <p:nvGrpSpPr>
+        <p:cNvPr id="1" name=""/>
+        <p:cNvGrpSpPr/>
+        <p:nvPr/>
+      </p:nvGrpSpPr>
+      <p:grpSpPr>
+        <a:xfrm>
+          <a:off x="0" y="0"/>
+          <a:ext cx="0" cy="0"/>
+          <a:chOff x="0" y="0"/>
+          <a:chExt cx="0" cy="0"/>
+        </a:xfrm>
+      </p:grpSpPr>
+      <p:sp>
+        <p:nvSpPr>
+          <p:cNvPr id="2" name="Заголовок 1"/>
+          <p:cNvSpPr>
+            <a:spLocks noGrp="1"/>
+          </p:cNvSpPr>
+          <p:nvPr>
+            <p:ph type="ctrTitle"/>
+          </p:nvPr>
+        </p:nvSpPr>
+        <p:spPr>
+          <a:xfrm>
+            <a:off x="467544" y="188640"/>
+            <a:ext cx="8136904" cy="648071"/>
+          </a:xfrm>
+        </p:spPr>
+        <p:txBody>
+          <a:bodyPr>
+            <a:normAutofit/>
+          </a:bodyPr>
+          <a:lstStyle/>
+          <a:p>
+            <a:r>
+              <a:rPr lang="ru-RU" sz="3600" dirty="0">
+                <a:latin typeface="Times New Roman" panose="02020603050405020304" pitchFamily="18" charset="0"/>
+                <a:cs typeface="Times New Roman" panose="02020603050405020304" pitchFamily="18" charset="0"/>
+              </a:rPr>
+              <a:t>Объект</a:t>
+            </a:r>
+            <a:r>
+              <a:rPr lang="en-US" sz="3600" dirty="0">
+                <a:latin typeface="Times New Roman" panose="02020603050405020304" pitchFamily="18" charset="0"/>
+                <a:cs typeface="Times New Roman" panose="02020603050405020304" pitchFamily="18" charset="0"/>
+              </a:rPr>
+              <a:t> </a:t>
+            </a:r>
+            <a:r>
+              <a:rPr lang="ru-RU" sz="3600" dirty="0">
+                <a:latin typeface="Times New Roman" panose="02020603050405020304" pitchFamily="18" charset="0"/>
+                <a:cs typeface="Times New Roman" panose="02020603050405020304" pitchFamily="18" charset="0"/>
+              </a:rPr>
+              <a:t>и предмет исследования</a:t>
+            </a:r>
+          </a:p>
+        </p:txBody>
+      </p:sp>
+      <p:sp>
+        <p:nvSpPr>
+          <p:cNvPr id="3" name="Подзаголовок 2"/>
+          <p:cNvSpPr>
+            <a:spLocks noGrp="1"/>
+          </p:cNvSpPr>
+          <p:nvPr>
+            <p:ph type="subTitle" idx="1"/>
+          </p:nvPr>
+        </p:nvSpPr>
+        <p:spPr>
+          <a:xfrm>
+            <a:off x="498190" y="908720"/>
+            <a:ext cx="8106258" cy="5328592"/>
+          </a:xfrm>
+        </p:spPr>
+        <p:txBody>
+          <a:bodyPr anchor="ctr">
+            <a:normAutofit/>
+          </a:bodyPr>
+          <a:lstStyle/>
+          <a:p>
+            <a:pPr indent="450215" algn="just">
+              <a:lnSpc>
+                <a:spcPct val="150000"/>
+              </a:lnSpc>
+            </a:pPr>
+            <a:r>
+              <a:rPr lang="ru-RU" sz="2400" b="1" dirty="0">
+                <a:solidFill>
+                  <a:schemeClr val="tx1"/>
+                </a:solidFill>
+                <a:effectLst/>
+                <a:latin typeface="Times New Roman" panose="02020603050405020304" pitchFamily="18" charset="0"/>
+                <a:ea typeface="Times New Roman" panose="02020603050405020304" pitchFamily="18" charset="0"/>
+                <a:cs typeface="Times New Roman" panose="02020603050405020304" pitchFamily="18" charset="0"/>
+              </a:rPr>
+              <a:t>Объектом исследования </a:t>
+            </a:r>
+            <a:r>
+              <a:rPr lang="ru-RU" sz="2400" dirty="0">
+                <a:solidFill>
+                  <a:schemeClr val="tx1"/>
+                </a:solidFill>
+                <a:effectLst/>
+                <a:latin typeface="Times New Roman" panose="02020603050405020304" pitchFamily="18" charset="0"/>
+                <a:ea typeface="Times New Roman" panose="02020603050405020304" pitchFamily="18" charset="0"/>
+                <a:cs typeface="Times New Roman" panose="02020603050405020304" pitchFamily="18" charset="0"/>
+              </a:rPr>
+              <a:t>в работе является процесс подбора и сравнения тарифов мобильных операторов.</a:t>
+            </a:r>
+            <a:endParaRPr lang="ru-RU" sz="2400" dirty="0">
+              <a:solidFill>
+                <a:schemeClr val="tx1"/>
+              </a:solidFill>
+              <a:latin typeface="Times New Roman" panose="02020603050405020304" pitchFamily="18" charset="0"/>
+              <a:ea typeface="Times New Roman" panose="02020603050405020304" pitchFamily="18" charset="0"/>
+              <a:cs typeface="Times New Roman" panose="02020603050405020304" pitchFamily="18" charset="0"/>
+            </a:endParaRPr>
+          </a:p>
+          <a:p>
+            <a:pPr indent="450215" algn="just">
+              <a:lnSpc>
+                <a:spcPct val="150000"/>
+              </a:lnSpc>
+            </a:pPr>
+            <a:r>
+              <a:rPr lang="ru-RU" sz="2400" b="1" dirty="0">
+                <a:solidFill>
+                  <a:schemeClr val="tx1"/>
+                </a:solidFill>
+                <a:effectLst/>
+                <a:latin typeface="Times New Roman" panose="02020603050405020304" pitchFamily="18" charset="0"/>
+                <a:ea typeface="Times New Roman" panose="02020603050405020304" pitchFamily="18" charset="0"/>
+                <a:cs typeface="Times New Roman" panose="02020603050405020304" pitchFamily="18" charset="0"/>
+              </a:rPr>
+              <a:t>Предметом исследования </a:t>
+            </a:r>
+            <a:r>
+              <a:rPr lang="ru-RU" sz="2400" dirty="0">
+                <a:solidFill>
+                  <a:schemeClr val="tx1"/>
+                </a:solidFill>
+                <a:effectLst/>
+                <a:latin typeface="Times New Roman" panose="02020603050405020304" pitchFamily="18" charset="0"/>
+                <a:ea typeface="Times New Roman" panose="02020603050405020304" pitchFamily="18" charset="0"/>
+                <a:cs typeface="Times New Roman" panose="02020603050405020304" pitchFamily="18" charset="0"/>
+              </a:rPr>
+              <a:t>является процесс разработки и функционирования веб-сервиса для упрощения выбора и экономии времени при подборе тарифов мобильных операторов.</a:t>
+            </a:r>
+          </a:p>
+        </p:txBody>
+      </p:sp>
+    </p:spTree>
+    <p:extLst>
+      <p:ext uri="{BB962C8B-B14F-4D97-AF65-F5344CB8AC3E}">
+        <p14:creationId xmlns:p14="http://schemas.microsoft.com/office/powerpoint/2010/main" val="4098215581"/>
+      </p:ext>
+    </p:extLst>
+  </p:cSld>
+  <p:clrMapOvr>
+    <a:masterClrMapping/>
+  </p:clrMapOvr>
+</p:sld>
+</file>
+
+<file path=ppt/slides/slide6.xml><?xml version="1.0" encoding="utf-8"?>
+<p:sld xmlns:a="http://schemas.openxmlformats.org/drawingml/2006/main" xmlns:r="http://schemas.openxmlformats.org/officeDocument/2006/relationships" xmlns:p="http://schemas.openxmlformats.org/presentationml/2006/main">
+  <p:cSld>
+    <p:spTree>
+      <p:nvGrpSpPr>
+        <p:cNvPr id="1" name=""/>
+        <p:cNvGrpSpPr/>
+        <p:nvPr/>
+      </p:nvGrpSpPr>
+      <p:grpSpPr>
+        <a:xfrm>
+          <a:off x="0" y="0"/>
+          <a:ext cx="0" cy="0"/>
+          <a:chOff x="0" y="0"/>
+          <a:chExt cx="0" cy="0"/>
+        </a:xfrm>
+      </p:grpSpPr>
+      <p:sp>
+        <p:nvSpPr>
+          <p:cNvPr id="2" name="Заголовок 1"/>
+          <p:cNvSpPr>
+            <a:spLocks noGrp="1"/>
+          </p:cNvSpPr>
+          <p:nvPr>
+            <p:ph type="ctrTitle"/>
+          </p:nvPr>
+        </p:nvSpPr>
+        <p:spPr>
+          <a:xfrm>
+            <a:off x="467544" y="188640"/>
+            <a:ext cx="8136904" cy="648071"/>
+          </a:xfrm>
+        </p:spPr>
+        <p:txBody>
+          <a:bodyPr>
+            <a:normAutofit fontScale="90000"/>
+          </a:bodyPr>
+          <a:lstStyle/>
+          <a:p>
+            <a:r>
+              <a:rPr lang="ru-RU" dirty="0">
+                <a:latin typeface="Times New Roman" panose="02020603050405020304" pitchFamily="18" charset="0"/>
+                <a:cs typeface="Times New Roman" panose="02020603050405020304" pitchFamily="18" charset="0"/>
+              </a:rPr>
+              <a:t>Как ранее решалась проблема</a:t>
+            </a:r>
+          </a:p>
+        </p:txBody>
+      </p:sp>
+      <p:sp>
+        <p:nvSpPr>
+          <p:cNvPr id="3" name="Подзаголовок 2"/>
+          <p:cNvSpPr>
+            <a:spLocks noGrp="1"/>
+          </p:cNvSpPr>
+          <p:nvPr>
+            <p:ph type="subTitle" idx="1"/>
+          </p:nvPr>
+        </p:nvSpPr>
+        <p:spPr>
+          <a:xfrm>
+            <a:off x="498190" y="5877272"/>
+            <a:ext cx="8106258" cy="648070"/>
+          </a:xfrm>
+        </p:spPr>
+        <p:txBody>
+          <a:bodyPr>
+            <a:normAutofit/>
+          </a:bodyPr>
+          <a:lstStyle/>
+          <a:p>
+            <a:r>
+              <a:rPr lang="ru-RU" altLang="en-US" sz="2000" dirty="0">
+                <a:solidFill>
+                  <a:schemeClr val="tx1"/>
+                </a:solidFill>
+                <a:latin typeface="Times New Roman" panose="02020603050405020304" pitchFamily="18" charset="0"/>
+                <a:cs typeface="Times New Roman" panose="02020603050405020304" pitchFamily="18" charset="0"/>
+              </a:rPr>
+              <a:t>Схема </a:t>
+            </a:r>
+            <a:r>
+              <a:rPr lang="en-US" altLang="en-US" sz="2000" dirty="0">
+                <a:solidFill>
+                  <a:schemeClr val="tx1"/>
+                </a:solidFill>
+                <a:latin typeface="Times New Roman" panose="02020603050405020304" pitchFamily="18" charset="0"/>
+                <a:cs typeface="Times New Roman" panose="02020603050405020304" pitchFamily="18" charset="0"/>
+              </a:rPr>
+              <a:t>1</a:t>
+            </a:r>
+            <a:r>
+              <a:rPr lang="ru-RU" altLang="en-US" sz="2000" dirty="0">
+                <a:solidFill>
+                  <a:schemeClr val="tx1"/>
+                </a:solidFill>
+                <a:latin typeface="Times New Roman" panose="02020603050405020304" pitchFamily="18" charset="0"/>
+                <a:cs typeface="Times New Roman" panose="02020603050405020304" pitchFamily="18" charset="0"/>
+              </a:rPr>
+              <a:t>. </a:t>
+            </a:r>
+            <a:r>
+              <a:rPr lang="en-US" altLang="en-US" sz="2000" dirty="0">
+                <a:solidFill>
+                  <a:schemeClr val="tx1"/>
+                </a:solidFill>
+                <a:latin typeface="Times New Roman" panose="02020603050405020304" pitchFamily="18" charset="0"/>
+                <a:cs typeface="Times New Roman" panose="02020603050405020304" pitchFamily="18" charset="0"/>
+              </a:rPr>
+              <a:t>idef0 as is</a:t>
+            </a:r>
+            <a:endParaRPr lang="ru-RU" sz="2000" dirty="0">
+              <a:latin typeface="Times New Roman" panose="02020603050405020304" pitchFamily="18" charset="0"/>
+              <a:cs typeface="Times New Roman" panose="02020603050405020304" pitchFamily="18" charset="0"/>
+            </a:endParaRPr>
+          </a:p>
+        </p:txBody>
+      </p:sp>
+      <p:pic>
+        <p:nvPicPr>
+          <p:cNvPr id="5" name="Рисунок 4">
+            <a:extLst>
+              <a:ext uri="{FF2B5EF4-FFF2-40B4-BE49-F238E27FC236}">
+                <a16:creationId xmlns:a16="http://schemas.microsoft.com/office/drawing/2014/main" id="{AC631A0B-24DC-FECB-9D36-123198BAC548}"/>
+              </a:ext>
+            </a:extLst>
+          </p:cNvPr>
+          <p:cNvPicPr>
+            <a:picLocks noChangeAspect="1"/>
+          </p:cNvPicPr>
+          <p:nvPr/>
+        </p:nvPicPr>
+        <p:blipFill>
+          <a:blip r:embed="rId2"/>
+          <a:stretch>
+            <a:fillRect/>
+          </a:stretch>
+        </p:blipFill>
+        <p:spPr>
+          <a:xfrm>
+            <a:off x="1101437" y="977850"/>
+            <a:ext cx="6941126" cy="4758283"/>
+          </a:xfrm>
+          <a:prstGeom prst="rect">
+            <a:avLst/>
+          </a:prstGeom>
+        </p:spPr>
+      </p:pic>
+    </p:spTree>
+    <p:extLst>
+      <p:ext uri="{BB962C8B-B14F-4D97-AF65-F5344CB8AC3E}">
+        <p14:creationId xmlns:p14="http://schemas.microsoft.com/office/powerpoint/2010/main" val="3055209718"/>
+      </p:ext>
+    </p:extLst>
+  </p:cSld>
+  <p:clrMapOvr>
+    <a:masterClrMapping/>
+  </p:clrMapOvr>
+</p:sld>
+</file>
+
+<file path=ppt/slides/slide7.xml><?xml version="1.0" encoding="utf-8"?>
+<p:sld xmlns:a="http://schemas.openxmlformats.org/drawingml/2006/main" xmlns:r="http://schemas.openxmlformats.org/officeDocument/2006/relationships" xmlns:p="http://schemas.openxmlformats.org/presentationml/2006/main">
+  <p:cSld>
+    <p:spTree>
+      <p:nvGrpSpPr>
+        <p:cNvPr id="1" name=""/>
+        <p:cNvGrpSpPr/>
+        <p:nvPr/>
+      </p:nvGrpSpPr>
+      <p:grpSpPr>
+        <a:xfrm>
+          <a:off x="0" y="0"/>
+          <a:ext cx="0" cy="0"/>
+          <a:chOff x="0" y="0"/>
+          <a:chExt cx="0" cy="0"/>
+        </a:xfrm>
+      </p:grpSpPr>
+      <p:sp>
+        <p:nvSpPr>
+          <p:cNvPr id="2" name="Заголовок 1"/>
+          <p:cNvSpPr>
+            <a:spLocks noGrp="1"/>
+          </p:cNvSpPr>
+          <p:nvPr>
+            <p:ph type="ctrTitle"/>
+          </p:nvPr>
+        </p:nvSpPr>
+        <p:spPr>
+          <a:xfrm>
+            <a:off x="467544" y="188640"/>
+            <a:ext cx="8136904" cy="648071"/>
+          </a:xfrm>
+        </p:spPr>
+        <p:txBody>
+          <a:bodyPr>
+            <a:normAutofit fontScale="90000"/>
+          </a:bodyPr>
+          <a:lstStyle/>
+          <a:p>
+            <a:r>
+              <a:rPr lang="ru-RU" dirty="0">
+                <a:latin typeface="Times New Roman" panose="02020603050405020304" pitchFamily="18" charset="0"/>
+                <a:cs typeface="Times New Roman" panose="02020603050405020304" pitchFamily="18" charset="0"/>
+              </a:rPr>
+              <a:t>Предлагаемое решение</a:t>
+            </a:r>
+          </a:p>
+        </p:txBody>
+      </p:sp>
+      <p:sp>
+        <p:nvSpPr>
+          <p:cNvPr id="3" name="Подзаголовок 2"/>
+          <p:cNvSpPr>
+            <a:spLocks noGrp="1"/>
+          </p:cNvSpPr>
+          <p:nvPr>
+            <p:ph type="subTitle" idx="1"/>
+          </p:nvPr>
+        </p:nvSpPr>
+        <p:spPr>
+          <a:xfrm>
+            <a:off x="516934" y="4839681"/>
+            <a:ext cx="8106258" cy="792088"/>
+          </a:xfrm>
+        </p:spPr>
+        <p:txBody>
+          <a:bodyPr>
+            <a:normAutofit/>
+          </a:bodyPr>
+          <a:lstStyle/>
+          <a:p>
+            <a:r>
+              <a:rPr lang="ru-RU" altLang="en-US" sz="2000" dirty="0">
+                <a:solidFill>
+                  <a:schemeClr val="tx1"/>
+                </a:solidFill>
+                <a:latin typeface="Times New Roman" panose="02020603050405020304" pitchFamily="18" charset="0"/>
+                <a:cs typeface="Times New Roman" panose="02020603050405020304" pitchFamily="18" charset="0"/>
+              </a:rPr>
+              <a:t>Схема </a:t>
+            </a:r>
+            <a:r>
+              <a:rPr lang="en-US" altLang="en-US" sz="2000" dirty="0">
+                <a:solidFill>
+                  <a:schemeClr val="tx1"/>
+                </a:solidFill>
+                <a:latin typeface="Times New Roman" panose="02020603050405020304" pitchFamily="18" charset="0"/>
+                <a:cs typeface="Times New Roman" panose="02020603050405020304" pitchFamily="18" charset="0"/>
+              </a:rPr>
+              <a:t>3</a:t>
+            </a:r>
+            <a:r>
+              <a:rPr lang="ru-RU" altLang="en-US" sz="2000" dirty="0">
+                <a:solidFill>
+                  <a:schemeClr val="tx1"/>
+                </a:solidFill>
+                <a:latin typeface="Times New Roman" panose="02020603050405020304" pitchFamily="18" charset="0"/>
+                <a:cs typeface="Times New Roman" panose="02020603050405020304" pitchFamily="18" charset="0"/>
+              </a:rPr>
+              <a:t>. </a:t>
+            </a:r>
+            <a:r>
+              <a:rPr lang="en-US" altLang="en-US" sz="2000" dirty="0">
+                <a:solidFill>
+                  <a:schemeClr val="tx1"/>
+                </a:solidFill>
+                <a:latin typeface="Times New Roman" panose="02020603050405020304" pitchFamily="18" charset="0"/>
+                <a:cs typeface="Times New Roman" panose="02020603050405020304" pitchFamily="18" charset="0"/>
+              </a:rPr>
+              <a:t>idef0 to be</a:t>
+            </a:r>
+            <a:endParaRPr lang="ru-RU" altLang="en-US" sz="2000" dirty="0">
+              <a:solidFill>
+                <a:schemeClr val="tx1"/>
+              </a:solidFill>
+              <a:latin typeface="Times New Roman" panose="02020603050405020304" pitchFamily="18" charset="0"/>
+              <a:cs typeface="Times New Roman" panose="02020603050405020304" pitchFamily="18" charset="0"/>
+            </a:endParaRPr>
+          </a:p>
+        </p:txBody>
+      </p:sp>
+      <p:pic>
+        <p:nvPicPr>
+          <p:cNvPr id="10" name="Рисунок 9">
+            <a:extLst>
+              <a:ext uri="{FF2B5EF4-FFF2-40B4-BE49-F238E27FC236}">
+                <a16:creationId xmlns:a16="http://schemas.microsoft.com/office/drawing/2014/main" id="{61D52E50-FE5C-FFC9-AFE9-A1C79AC10355}"/>
+              </a:ext>
+            </a:extLst>
+          </p:cNvPr>
+          <p:cNvPicPr>
+            <a:picLocks noChangeAspect="1"/>
+          </p:cNvPicPr>
+          <p:nvPr/>
+        </p:nvPicPr>
+        <p:blipFill>
+          <a:blip r:embed="rId2"/>
+          <a:stretch>
+            <a:fillRect/>
+          </a:stretch>
+        </p:blipFill>
+        <p:spPr>
+          <a:xfrm>
+            <a:off x="23812" y="2081212"/>
+            <a:ext cx="9096375" cy="2695575"/>
+          </a:xfrm>
+          <a:prstGeom prst="rect">
+            <a:avLst/>
+          </a:prstGeom>
+        </p:spPr>
+      </p:pic>
+    </p:spTree>
+    <p:extLst>
+      <p:ext uri="{BB962C8B-B14F-4D97-AF65-F5344CB8AC3E}">
+        <p14:creationId xmlns:p14="http://schemas.microsoft.com/office/powerpoint/2010/main" val="3514561471"/>
+      </p:ext>
+    </p:extLst>
+  </p:cSld>
+  <p:clrMapOvr>
+    <a:masterClrMapping/>
+  </p:clrMapOvr>
+</p:sld>
+</file>
+
+<file path=ppt/slides/slide8.xml><?xml version="1.0" encoding="utf-8"?>
+<p:sld xmlns:a="http://schemas.openxmlformats.org/drawingml/2006/main" xmlns:r="http://schemas.openxmlformats.org/officeDocument/2006/relationships" xmlns:p="http://schemas.openxmlformats.org/presentationml/2006/main">
+  <p:cSld>
+    <p:spTree>
+      <p:nvGrpSpPr>
+        <p:cNvPr id="1" name=""/>
+        <p:cNvGrpSpPr/>
+        <p:nvPr/>
+      </p:nvGrpSpPr>
+      <p:grpSpPr>
+        <a:xfrm>
+          <a:off x="0" y="0"/>
+          <a:ext cx="0" cy="0"/>
+          <a:chOff x="0" y="0"/>
+          <a:chExt cx="0" cy="0"/>
+        </a:xfrm>
+      </p:grpSpPr>
+      <p:sp>
+        <p:nvSpPr>
+          <p:cNvPr id="2" name="Заголовок 1"/>
+          <p:cNvSpPr>
+            <a:spLocks noGrp="1"/>
+          </p:cNvSpPr>
+          <p:nvPr>
+            <p:ph type="ctrTitle"/>
+          </p:nvPr>
+        </p:nvSpPr>
+        <p:spPr>
+          <a:xfrm>
+            <a:off x="467544" y="188640"/>
+            <a:ext cx="8136904" cy="648071"/>
+          </a:xfrm>
+        </p:spPr>
+        <p:txBody>
+          <a:bodyPr>
+            <a:normAutofit fontScale="90000"/>
+          </a:bodyPr>
+          <a:lstStyle/>
+          <a:p>
+            <a:r>
+              <a:rPr lang="ru-RU" dirty="0">
+                <a:latin typeface="Times New Roman" panose="02020603050405020304" pitchFamily="18" charset="0"/>
+                <a:cs typeface="Times New Roman" panose="02020603050405020304" pitchFamily="18" charset="0"/>
+              </a:rPr>
+              <a:t>Парсер</a:t>
+            </a:r>
+          </a:p>
+        </p:txBody>
+      </p:sp>
+      <p:sp>
+        <p:nvSpPr>
+          <p:cNvPr id="3" name="Подзаголовок 2"/>
+          <p:cNvSpPr>
+            <a:spLocks noGrp="1"/>
+          </p:cNvSpPr>
+          <p:nvPr>
+            <p:ph type="subTitle" idx="1"/>
+          </p:nvPr>
+        </p:nvSpPr>
+        <p:spPr>
+          <a:xfrm>
+            <a:off x="498190" y="5877272"/>
+            <a:ext cx="8106258" cy="648070"/>
+          </a:xfrm>
+        </p:spPr>
+        <p:txBody>
+          <a:bodyPr>
+            <a:normAutofit/>
+          </a:bodyPr>
+          <a:lstStyle/>
+          <a:p>
+            <a:r>
+              <a:rPr lang="ru-RU" altLang="en-US" sz="2000" dirty="0">
+                <a:solidFill>
+                  <a:schemeClr val="tx1"/>
+                </a:solidFill>
+                <a:latin typeface="Times New Roman" panose="02020603050405020304" pitchFamily="18" charset="0"/>
+                <a:cs typeface="Times New Roman" panose="02020603050405020304" pitchFamily="18" charset="0"/>
+              </a:rPr>
+              <a:t>Схема </a:t>
+            </a:r>
+            <a:r>
+              <a:rPr lang="en-US" altLang="en-US" sz="2000" dirty="0">
+                <a:solidFill>
+                  <a:schemeClr val="tx1"/>
+                </a:solidFill>
+                <a:latin typeface="Times New Roman" panose="02020603050405020304" pitchFamily="18" charset="0"/>
+                <a:cs typeface="Times New Roman" panose="02020603050405020304" pitchFamily="18" charset="0"/>
+              </a:rPr>
+              <a:t>2</a:t>
+            </a:r>
+            <a:r>
+              <a:rPr lang="ru-RU" altLang="en-US" sz="2000" dirty="0">
+                <a:solidFill>
+                  <a:schemeClr val="tx1"/>
+                </a:solidFill>
+                <a:latin typeface="Times New Roman" panose="02020603050405020304" pitchFamily="18" charset="0"/>
+                <a:cs typeface="Times New Roman" panose="02020603050405020304" pitchFamily="18" charset="0"/>
+              </a:rPr>
+              <a:t>. </a:t>
+            </a:r>
+            <a:r>
+              <a:rPr lang="en-US" altLang="en-US" sz="2000" dirty="0">
+                <a:solidFill>
+                  <a:schemeClr val="tx1"/>
+                </a:solidFill>
+                <a:latin typeface="Times New Roman" panose="02020603050405020304" pitchFamily="18" charset="0"/>
+                <a:cs typeface="Times New Roman" panose="02020603050405020304" pitchFamily="18" charset="0"/>
+              </a:rPr>
+              <a:t>idef0 as is</a:t>
+            </a:r>
+            <a:endParaRPr lang="ru-RU" sz="2000" dirty="0">
+              <a:latin typeface="Times New Roman" panose="02020603050405020304" pitchFamily="18" charset="0"/>
+              <a:cs typeface="Times New Roman" panose="02020603050405020304" pitchFamily="18" charset="0"/>
+            </a:endParaRPr>
+          </a:p>
+        </p:txBody>
+      </p:sp>
+      <p:pic>
+        <p:nvPicPr>
+          <p:cNvPr id="5" name="Рисунок 4">
+            <a:extLst>
+              <a:ext uri="{FF2B5EF4-FFF2-40B4-BE49-F238E27FC236}">
+                <a16:creationId xmlns:a16="http://schemas.microsoft.com/office/drawing/2014/main" id="{858D69CC-450D-3DB3-11DD-901525C36A73}"/>
+              </a:ext>
+            </a:extLst>
+          </p:cNvPr>
+          <p:cNvPicPr>
+            <a:picLocks noChangeAspect="1"/>
+          </p:cNvPicPr>
+          <p:nvPr/>
+        </p:nvPicPr>
+        <p:blipFill>
+          <a:blip r:embed="rId2"/>
+          <a:stretch>
+            <a:fillRect/>
+          </a:stretch>
+        </p:blipFill>
+        <p:spPr>
+          <a:xfrm>
+            <a:off x="14287" y="2100262"/>
+            <a:ext cx="9115425" cy="2657475"/>
+          </a:xfrm>
+          <a:prstGeom prst="rect">
+            <a:avLst/>
+          </a:prstGeom>
+        </p:spPr>
+      </p:pic>
+    </p:spTree>
+    <p:extLst>
+      <p:ext uri="{BB962C8B-B14F-4D97-AF65-F5344CB8AC3E}">
+        <p14:creationId xmlns:p14="http://schemas.microsoft.com/office/powerpoint/2010/main" val="1617564459"/>
+      </p:ext>
+    </p:extLst>
+  </p:cSld>
+  <p:clrMapOvr>
+    <a:masterClrMapping/>
+  </p:clrMapOvr>
+</p:sld>
+</file>
+
+<file path=ppt/slides/slide9.xml><?xml version="1.0" encoding="utf-8"?>
+<p:sld xmlns:a="http://schemas.openxmlformats.org/drawingml/2006/main" xmlns:r="http://schemas.openxmlformats.org/officeDocument/2006/relationships" xmlns:p="http://schemas.openxmlformats.org/presentationml/2006/main">
+  <p:cSld>
+    <p:spTree>
+      <p:nvGrpSpPr>
+        <p:cNvPr id="1" name=""/>
+        <p:cNvGrpSpPr/>
+        <p:nvPr/>
+      </p:nvGrpSpPr>
+      <p:grpSpPr>
+        <a:xfrm>
+          <a:off x="0" y="0"/>
+          <a:ext cx="0" cy="0"/>
+          <a:chOff x="0" y="0"/>
+          <a:chExt cx="0" cy="0"/>
+        </a:xfrm>
+      </p:grpSpPr>
+      <p:sp>
+        <p:nvSpPr>
+          <p:cNvPr id="2" name="Заголовок 1"/>
+          <p:cNvSpPr>
+            <a:spLocks noGrp="1"/>
+          </p:cNvSpPr>
+          <p:nvPr>
+            <p:ph type="ctrTitle"/>
+          </p:nvPr>
+        </p:nvSpPr>
+        <p:spPr>
+          <a:xfrm>
+            <a:off x="467544" y="188640"/>
+            <a:ext cx="8136904" cy="648071"/>
+          </a:xfrm>
+        </p:spPr>
+        <p:txBody>
+          <a:bodyPr>
+            <a:normAutofit/>
+          </a:bodyPr>
+          <a:lstStyle/>
+          <a:p>
+            <a:r>
+              <a:rPr lang="ru-RU" sz="3600" dirty="0">
+                <a:latin typeface="Times New Roman" panose="02020603050405020304" pitchFamily="18" charset="0"/>
+                <a:cs typeface="Times New Roman" panose="02020603050405020304" pitchFamily="18" charset="0"/>
+              </a:rPr>
+              <a:t>Обзор аналогов</a:t>
+            </a:r>
+          </a:p>
+        </p:txBody>
+      </p:sp>
+      <p:sp>
+        <p:nvSpPr>
+          <p:cNvPr id="3" name="Подзаголовок 2"/>
+          <p:cNvSpPr>
+            <a:spLocks noGrp="1"/>
+          </p:cNvSpPr>
+          <p:nvPr>
+            <p:ph type="subTitle" idx="1"/>
+          </p:nvPr>
+        </p:nvSpPr>
+        <p:spPr>
+          <a:xfrm>
+            <a:off x="498190" y="1340768"/>
+            <a:ext cx="8106258" cy="4896544"/>
+          </a:xfrm>
+        </p:spPr>
+        <p:txBody>
+          <a:bodyPr anchor="t">
+            <a:normAutofit/>
+          </a:bodyPr>
+          <a:lstStyle/>
+          <a:p>
+            <a:pPr algn="l"/>
+            <a:r>
+              <a:rPr lang="ru-RU" sz="2400" b="1" dirty="0">
+                <a:solidFill>
+                  <a:schemeClr val="tx1"/>
+                </a:solidFill>
+                <a:latin typeface="Times New Roman" panose="02020603050405020304" pitchFamily="18" charset="0"/>
+                <a:cs typeface="Times New Roman" panose="02020603050405020304" pitchFamily="18" charset="0"/>
+              </a:rPr>
+              <a:t>Критерии сравнения</a:t>
+            </a:r>
+            <a:r>
+              <a:rPr lang="ru-RU" sz="2400" dirty="0">
+                <a:solidFill>
+                  <a:schemeClr val="tx1"/>
+                </a:solidFill>
+                <a:latin typeface="Times New Roman" panose="02020603050405020304" pitchFamily="18" charset="0"/>
+                <a:cs typeface="Times New Roman" panose="02020603050405020304" pitchFamily="18" charset="0"/>
+              </a:rPr>
+              <a:t>:</a:t>
+            </a:r>
+          </a:p>
+          <a:p>
+            <a:pPr indent="449580" algn="just">
+              <a:lnSpc>
+                <a:spcPct val="150000"/>
+              </a:lnSpc>
+            </a:pPr>
+            <a:r>
+              <a:rPr lang="ru-RU" sz="2400" dirty="0">
+                <a:solidFill>
+                  <a:schemeClr val="tx1"/>
+                </a:solidFill>
+                <a:effectLst/>
+                <a:latin typeface="Times New Roman" panose="02020603050405020304" pitchFamily="18" charset="0"/>
+                <a:ea typeface="Times New Roman" panose="02020603050405020304" pitchFamily="18" charset="0"/>
+                <a:cs typeface="Times New Roman" panose="02020603050405020304" pitchFamily="18" charset="0"/>
+              </a:rPr>
+              <a:t>1. Интуитивность интерфейса</a:t>
+            </a:r>
+          </a:p>
+          <a:p>
+            <a:pPr indent="449580" algn="just">
+              <a:lnSpc>
+                <a:spcPct val="150000"/>
+              </a:lnSpc>
+            </a:pPr>
+            <a:r>
+              <a:rPr lang="ru-RU" sz="2400" dirty="0">
+                <a:solidFill>
+                  <a:schemeClr val="tx1"/>
+                </a:solidFill>
+                <a:effectLst/>
+                <a:latin typeface="Times New Roman" panose="02020603050405020304" pitchFamily="18" charset="0"/>
+                <a:ea typeface="Times New Roman" panose="02020603050405020304" pitchFamily="18" charset="0"/>
+                <a:cs typeface="Times New Roman" panose="02020603050405020304" pitchFamily="18" charset="0"/>
+              </a:rPr>
+              <a:t>2. Персонализированный подбор</a:t>
+            </a:r>
+          </a:p>
+          <a:p>
+            <a:pPr indent="449580" algn="just">
+              <a:lnSpc>
+                <a:spcPct val="150000"/>
+              </a:lnSpc>
+            </a:pPr>
+            <a:r>
+              <a:rPr lang="ru-RU" sz="2400" dirty="0">
+                <a:solidFill>
+                  <a:schemeClr val="tx1"/>
+                </a:solidFill>
+                <a:effectLst/>
+                <a:latin typeface="Times New Roman" panose="02020603050405020304" pitchFamily="18" charset="0"/>
+                <a:ea typeface="Times New Roman" panose="02020603050405020304" pitchFamily="18" charset="0"/>
+                <a:cs typeface="Times New Roman" panose="02020603050405020304" pitchFamily="18" charset="0"/>
+              </a:rPr>
+              <a:t>3. Сравнение тарифов и услуг</a:t>
+            </a:r>
+          </a:p>
+          <a:p>
+            <a:pPr indent="449580" algn="just">
+              <a:lnSpc>
+                <a:spcPct val="150000"/>
+              </a:lnSpc>
+            </a:pPr>
+            <a:r>
+              <a:rPr lang="ru-RU" sz="2400" dirty="0">
+                <a:solidFill>
+                  <a:schemeClr val="tx1"/>
+                </a:solidFill>
+                <a:effectLst/>
+                <a:latin typeface="Times New Roman" panose="02020603050405020304" pitchFamily="18" charset="0"/>
+                <a:ea typeface="Times New Roman" panose="02020603050405020304" pitchFamily="18" charset="0"/>
+                <a:cs typeface="Times New Roman" panose="02020603050405020304" pitchFamily="18" charset="0"/>
+              </a:rPr>
+              <a:t>4. Учет финансовых предпочтений</a:t>
+            </a:r>
+          </a:p>
+          <a:p>
+            <a:pPr indent="449580" algn="just">
+              <a:lnSpc>
+                <a:spcPct val="150000"/>
+              </a:lnSpc>
+            </a:pPr>
+            <a:r>
+              <a:rPr lang="ru-RU" sz="2400" dirty="0">
+                <a:solidFill>
+                  <a:schemeClr val="tx1"/>
+                </a:solidFill>
+                <a:effectLst/>
+                <a:latin typeface="Times New Roman" panose="02020603050405020304" pitchFamily="18" charset="0"/>
+                <a:ea typeface="Times New Roman" panose="02020603050405020304" pitchFamily="18" charset="0"/>
+                <a:cs typeface="Times New Roman" panose="02020603050405020304" pitchFamily="18" charset="0"/>
+              </a:rPr>
+              <a:t>5. Доступность на различных устройствах</a:t>
+            </a:r>
+          </a:p>
+          <a:p>
+            <a:pPr indent="449580" algn="just">
+              <a:lnSpc>
+                <a:spcPct val="150000"/>
+              </a:lnSpc>
+            </a:pPr>
+            <a:r>
+              <a:rPr lang="ru-RU" sz="2400" dirty="0">
+                <a:solidFill>
+                  <a:schemeClr val="tx1"/>
+                </a:solidFill>
+                <a:effectLst/>
+                <a:latin typeface="Times New Roman" panose="02020603050405020304" pitchFamily="18" charset="0"/>
+                <a:ea typeface="Times New Roman" panose="02020603050405020304" pitchFamily="18" charset="0"/>
+                <a:cs typeface="Times New Roman" panose="02020603050405020304" pitchFamily="18" charset="0"/>
+              </a:rPr>
+              <a:t>6. Широкий выбор операторов</a:t>
+            </a:r>
+            <a:endParaRPr lang="ru-RU" sz="2400" dirty="0">
+              <a:solidFill>
+                <a:schemeClr val="tx1"/>
+              </a:solidFill>
+              <a:latin typeface="Times New Roman" panose="02020603050405020304" pitchFamily="18" charset="0"/>
+              <a:cs typeface="Times New Roman" panose="02020603050405020304" pitchFamily="18" charset="0"/>
+            </a:endParaRPr>
+          </a:p>
+          <a:p>
+            <a:pPr algn="l"/>
+            <a:endParaRPr lang="ru-RU" sz="2400" dirty="0">
+              <a:solidFill>
+                <a:schemeClr val="tx1"/>
+              </a:solidFill>
+              <a:latin typeface="Times New Roman" panose="02020603050405020304" pitchFamily="18" charset="0"/>
+              <a:cs typeface="Times New Roman" panose="02020603050405020304" pitchFamily="18" charset="0"/>
+            </a:endParaRPr>
+          </a:p>
+        </p:txBody>
+      </p:sp>
+    </p:spTree>
+    <p:extLst>
+      <p:ext uri="{BB962C8B-B14F-4D97-AF65-F5344CB8AC3E}">
+        <p14:creationId xmlns:p14="http://schemas.microsoft.com/office/powerpoint/2010/main" val="3213516774"/>
+      </p:ext>
+    </p:extLst>
+  </p:cSld>
+  <p:clrMapOvr>
+    <a:masterClrMapping/>
+  </p:clrMapOvr>
+</p:sld>
+</file>
+
 <file path=ppt/theme/theme1.xml><?xml version="1.0" encoding="utf-8"?>
 <a:theme xmlns:a="http://schemas.openxmlformats.org/drawingml/2006/main" name="Тема Office">
   <a:themeElements>

--- a/Documentation/Pre-defense/First/Presentation.pptx
+++ b/Documentation/Pre-defense/First/Presentation.pptx
@@ -1,35 +1,35 @@
 
 <file path=ppt/presentation.xml><?xml version="1.0" encoding="utf-8"?>
-<p:presentation xmlns:a="http://schemas.openxmlformats.org/drawingml/2006/main" xmlns:r="http://schemas.openxmlformats.org/officeDocument/2006/relationships" xmlns:p="http://schemas.openxmlformats.org/presentationml/2006/main" saveSubsetFonts="1">
+<p:presentation xmlns:a="http://schemas.openxmlformats.org/drawingml/2006/main" xmlns:r="http://schemas.openxmlformats.org/officeDocument/2006/relationships" xmlns:p="http://schemas.openxmlformats.org/presentationml/2006/main" xmlns:m="http://schemas.openxmlformats.org/officeDocument/2006/math" xmlns:w="http://schemas.openxmlformats.org/wordprocessingml/2006/main" saveSubsetFonts="1">
   <p:sldMasterIdLst>
     <p:sldMasterId id="2147483648" r:id="rId1"/>
   </p:sldMasterIdLst>
   <p:sldIdLst>
-    <p:sldId id="270" r:id="rId2"/>
-    <p:sldId id="257" r:id="rId3"/>
-    <p:sldId id="261" r:id="rId4"/>
+    <p:sldId id="256" r:id="rId3"/>
+    <p:sldId id="257" r:id="rId4"/>
     <p:sldId id="258" r:id="rId5"/>
     <p:sldId id="259" r:id="rId6"/>
-    <p:sldId id="268" r:id="rId7"/>
-    <p:sldId id="262" r:id="rId8"/>
-    <p:sldId id="278" r:id="rId9"/>
-    <p:sldId id="267" r:id="rId10"/>
-    <p:sldId id="277" r:id="rId11"/>
-    <p:sldId id="263" r:id="rId12"/>
-    <p:sldId id="264" r:id="rId13"/>
-    <p:sldId id="275" r:id="rId14"/>
-    <p:sldId id="265" r:id="rId15"/>
-    <p:sldId id="266" r:id="rId16"/>
-    <p:sldId id="272" r:id="rId17"/>
+    <p:sldId id="260" r:id="rId7"/>
+    <p:sldId id="261" r:id="rId8"/>
+    <p:sldId id="262" r:id="rId9"/>
+    <p:sldId id="263" r:id="rId10"/>
+    <p:sldId id="264" r:id="rId11"/>
+    <p:sldId id="265" r:id="rId12"/>
+    <p:sldId id="266" r:id="rId13"/>
+    <p:sldId id="267" r:id="rId14"/>
+    <p:sldId id="268" r:id="rId15"/>
+    <p:sldId id="269" r:id="rId16"/>
+    <p:sldId id="270" r:id="rId17"/>
+    <p:sldId id="271" r:id="rId18"/>
   </p:sldIdLst>
   <p:sldSz cx="9144000" cy="6858000" type="screen4x3"/>
-  <p:notesSz cx="6858000" cy="9144000"/>
+  <p:notesSz cx="9144000" cy="6858000"/>
   <p:defaultTextStyle>
     <a:defPPr>
       <a:defRPr lang="ru-RU"/>
     </a:defPPr>
-    <a:lvl1pPr marL="0" algn="l" defTabSz="914400" rtl="0" eaLnBrk="1" latinLnBrk="0" hangingPunct="1">
-      <a:defRPr sz="1800" kern="1200">
+    <a:lvl1pPr marL="0" algn="l" defTabSz="914400">
+      <a:defRPr sz="1800">
         <a:solidFill>
           <a:schemeClr val="tx1"/>
         </a:solidFill>
@@ -38,8 +38,8 @@
         <a:cs typeface="+mn-cs"/>
       </a:defRPr>
     </a:lvl1pPr>
-    <a:lvl2pPr marL="457200" algn="l" defTabSz="914400" rtl="0" eaLnBrk="1" latinLnBrk="0" hangingPunct="1">
-      <a:defRPr sz="1800" kern="1200">
+    <a:lvl2pPr marL="457200" algn="l" defTabSz="914400">
+      <a:defRPr sz="1800">
         <a:solidFill>
           <a:schemeClr val="tx1"/>
         </a:solidFill>
@@ -48,8 +48,8 @@
         <a:cs typeface="+mn-cs"/>
       </a:defRPr>
     </a:lvl2pPr>
-    <a:lvl3pPr marL="914400" algn="l" defTabSz="914400" rtl="0" eaLnBrk="1" latinLnBrk="0" hangingPunct="1">
-      <a:defRPr sz="1800" kern="1200">
+    <a:lvl3pPr marL="914400" algn="l" defTabSz="914400">
+      <a:defRPr sz="1800">
         <a:solidFill>
           <a:schemeClr val="tx1"/>
         </a:solidFill>
@@ -58,8 +58,8 @@
         <a:cs typeface="+mn-cs"/>
       </a:defRPr>
     </a:lvl3pPr>
-    <a:lvl4pPr marL="1371600" algn="l" defTabSz="914400" rtl="0" eaLnBrk="1" latinLnBrk="0" hangingPunct="1">
-      <a:defRPr sz="1800" kern="1200">
+    <a:lvl4pPr marL="1371600" algn="l" defTabSz="914400">
+      <a:defRPr sz="1800">
         <a:solidFill>
           <a:schemeClr val="tx1"/>
         </a:solidFill>
@@ -68,8 +68,8 @@
         <a:cs typeface="+mn-cs"/>
       </a:defRPr>
     </a:lvl4pPr>
-    <a:lvl5pPr marL="1828800" algn="l" defTabSz="914400" rtl="0" eaLnBrk="1" latinLnBrk="0" hangingPunct="1">
-      <a:defRPr sz="1800" kern="1200">
+    <a:lvl5pPr marL="1828800" algn="l" defTabSz="914400">
+      <a:defRPr sz="1800">
         <a:solidFill>
           <a:schemeClr val="tx1"/>
         </a:solidFill>
@@ -78,8 +78,8 @@
         <a:cs typeface="+mn-cs"/>
       </a:defRPr>
     </a:lvl5pPr>
-    <a:lvl6pPr marL="2286000" algn="l" defTabSz="914400" rtl="0" eaLnBrk="1" latinLnBrk="0" hangingPunct="1">
-      <a:defRPr sz="1800" kern="1200">
+    <a:lvl6pPr marL="2286000" algn="l" defTabSz="914400">
+      <a:defRPr sz="1800">
         <a:solidFill>
           <a:schemeClr val="tx1"/>
         </a:solidFill>
@@ -88,8 +88,8 @@
         <a:cs typeface="+mn-cs"/>
       </a:defRPr>
     </a:lvl6pPr>
-    <a:lvl7pPr marL="2743200" algn="l" defTabSz="914400" rtl="0" eaLnBrk="1" latinLnBrk="0" hangingPunct="1">
-      <a:defRPr sz="1800" kern="1200">
+    <a:lvl7pPr marL="2743200" algn="l" defTabSz="914400">
+      <a:defRPr sz="1800">
         <a:solidFill>
           <a:schemeClr val="tx1"/>
         </a:solidFill>
@@ -98,8 +98,8 @@
         <a:cs typeface="+mn-cs"/>
       </a:defRPr>
     </a:lvl7pPr>
-    <a:lvl8pPr marL="3200400" algn="l" defTabSz="914400" rtl="0" eaLnBrk="1" latinLnBrk="0" hangingPunct="1">
-      <a:defRPr sz="1800" kern="1200">
+    <a:lvl8pPr marL="3200400" algn="l" defTabSz="914400">
+      <a:defRPr sz="1800">
         <a:solidFill>
           <a:schemeClr val="tx1"/>
         </a:solidFill>
@@ -108,8 +108,8 @@
         <a:cs typeface="+mn-cs"/>
       </a:defRPr>
     </a:lvl8pPr>
-    <a:lvl9pPr marL="3657600" algn="l" defTabSz="914400" rtl="0" eaLnBrk="1" latinLnBrk="0" hangingPunct="1">
-      <a:defRPr sz="1800" kern="1200">
+    <a:lvl9pPr marL="3657600" algn="l" defTabSz="914400">
+      <a:defRPr sz="1800">
         <a:solidFill>
           <a:schemeClr val="tx1"/>
         </a:solidFill>
@@ -119,27 +119,11 @@
       </a:defRPr>
     </a:lvl9pPr>
   </p:defaultTextStyle>
-  <p:extLst>
-    <p:ext uri="{EFAFB233-063F-42B5-8137-9DF3F51BA10A}">
-      <p15:sldGuideLst xmlns:p15="http://schemas.microsoft.com/office/powerpoint/2012/main">
-        <p15:guide id="1" orient="horz" pos="2160">
-          <p15:clr>
-            <a:srgbClr val="A4A3A4"/>
-          </p15:clr>
-        </p15:guide>
-        <p15:guide id="2" pos="2880">
-          <p15:clr>
-            <a:srgbClr val="A4A3A4"/>
-          </p15:clr>
-        </p15:guide>
-      </p15:sldGuideLst>
-    </p:ext>
-  </p:extLst>
 </p:presentation>
 </file>
 
 <file path=ppt/slideLayouts/slideLayout1.xml><?xml version="1.0" encoding="utf-8"?>
-<p:sldLayout xmlns:a="http://schemas.openxmlformats.org/drawingml/2006/main" xmlns:r="http://schemas.openxmlformats.org/officeDocument/2006/relationships" xmlns:p="http://schemas.openxmlformats.org/presentationml/2006/main" type="title" preserve="1">
+<p:sldLayout xmlns:a="http://schemas.openxmlformats.org/drawingml/2006/main" xmlns:r="http://schemas.openxmlformats.org/officeDocument/2006/relationships" xmlns:p="http://schemas.openxmlformats.org/presentationml/2006/main" xmlns:m="http://schemas.openxmlformats.org/officeDocument/2006/math" xmlns:w="http://schemas.openxmlformats.org/wordprocessingml/2006/main" matchingName="" preserve="1" showMasterPhAnim="0" type="title" userDrawn="1">
   <p:cSld name="Титульный слайд">
     <p:spTree>
       <p:nvGrpSpPr>
@@ -147,7 +131,7 @@
         <p:cNvGrpSpPr/>
         <p:nvPr/>
       </p:nvGrpSpPr>
-      <p:grpSpPr>
+      <p:grpSpPr bwMode="auto">
         <a:xfrm>
           <a:off x="0" y="0"/>
           <a:ext cx="0" cy="0"/>
@@ -165,7 +149,7 @@
             <p:ph type="ctrTitle"/>
           </p:nvPr>
         </p:nvSpPr>
-        <p:spPr>
+        <p:spPr bwMode="auto">
           <a:xfrm>
             <a:off x="685800" y="2130425"/>
             <a:ext cx="7772400" cy="1470025"/>
@@ -175,10 +159,14 @@
           <a:bodyPr/>
           <a:lstStyle/>
           <a:p>
+            <a:pPr>
+              <a:defRPr/>
+            </a:pPr>
             <a:r>
               <a:rPr lang="ru-RU"/>
               <a:t>Образец заголовка</a:t>
             </a:r>
+            <a:endParaRPr/>
           </a:p>
         </p:txBody>
       </p:sp>
@@ -192,10 +180,10 @@
             <p:ph type="subTitle" idx="1"/>
           </p:nvPr>
         </p:nvSpPr>
-        <p:spPr>
+        <p:spPr bwMode="auto">
           <a:xfrm>
             <a:off x="1371600" y="3886200"/>
-            <a:ext cx="6400800" cy="1752600"/>
+            <a:ext cx="6400800" cy="1752599"/>
           </a:xfrm>
         </p:spPr>
         <p:txBody>
@@ -293,10 +281,14 @@
             </a:lvl9pPr>
           </a:lstStyle>
           <a:p>
+            <a:pPr>
+              <a:defRPr/>
+            </a:pPr>
             <a:r>
               <a:rPr lang="ru-RU"/>
               <a:t>Образец подзаголовка</a:t>
             </a:r>
+            <a:endParaRPr/>
           </a:p>
         </p:txBody>
       </p:sp>
@@ -310,14 +302,17 @@
             <p:ph type="dt" sz="half" idx="10"/>
           </p:nvPr>
         </p:nvSpPr>
-        <p:spPr/>
+        <p:spPr bwMode="auto"/>
         <p:txBody>
           <a:bodyPr/>
           <a:lstStyle/>
           <a:p>
+            <a:pPr>
+              <a:defRPr/>
+            </a:pPr>
             <a:fld id="{6E62D75B-C3F4-4E3C-ADB7-33E3808D6CE4}" type="datetimeFigureOut">
-              <a:rPr lang="ru-RU" smtClean="0"/>
-              <a:t>25.04.2024</a:t>
+              <a:rPr lang="ru-RU"/>
+              <a:t/>
             </a:fld>
             <a:endParaRPr lang="ru-RU"/>
           </a:p>
@@ -333,11 +328,14 @@
             <p:ph type="ftr" sz="quarter" idx="11"/>
           </p:nvPr>
         </p:nvSpPr>
-        <p:spPr/>
+        <p:spPr bwMode="auto"/>
         <p:txBody>
           <a:bodyPr/>
           <a:lstStyle/>
           <a:p>
+            <a:pPr>
+              <a:defRPr/>
+            </a:pPr>
             <a:endParaRPr lang="ru-RU"/>
           </a:p>
         </p:txBody>
@@ -352,25 +350,23 @@
             <p:ph type="sldNum" sz="quarter" idx="12"/>
           </p:nvPr>
         </p:nvSpPr>
-        <p:spPr/>
+        <p:spPr bwMode="auto"/>
         <p:txBody>
           <a:bodyPr/>
           <a:lstStyle/>
           <a:p>
+            <a:pPr>
+              <a:defRPr/>
+            </a:pPr>
             <a:fld id="{A8D4CE12-0AFA-4111-B533-B38A2B9BBD8D}" type="slidenum">
-              <a:rPr lang="ru-RU" smtClean="0"/>
-              <a:t>‹#›</a:t>
+              <a:rPr lang="ru-RU"/>
+              <a:t/>
             </a:fld>
             <a:endParaRPr lang="ru-RU"/>
           </a:p>
         </p:txBody>
       </p:sp>
     </p:spTree>
-    <p:extLst>
-      <p:ext uri="{BB962C8B-B14F-4D97-AF65-F5344CB8AC3E}">
-        <p14:creationId xmlns:p14="http://schemas.microsoft.com/office/powerpoint/2010/main" val="1998828679"/>
-      </p:ext>
-    </p:extLst>
   </p:cSld>
   <p:clrMapOvr>
     <a:masterClrMapping/>
@@ -379,7 +375,7 @@
 </file>
 
 <file path=ppt/slideLayouts/slideLayout10.xml><?xml version="1.0" encoding="utf-8"?>
-<p:sldLayout xmlns:a="http://schemas.openxmlformats.org/drawingml/2006/main" xmlns:r="http://schemas.openxmlformats.org/officeDocument/2006/relationships" xmlns:p="http://schemas.openxmlformats.org/presentationml/2006/main" type="vertTx" preserve="1">
+<p:sldLayout xmlns:a="http://schemas.openxmlformats.org/drawingml/2006/main" xmlns:r="http://schemas.openxmlformats.org/officeDocument/2006/relationships" xmlns:p="http://schemas.openxmlformats.org/presentationml/2006/main" xmlns:m="http://schemas.openxmlformats.org/officeDocument/2006/math" xmlns:w="http://schemas.openxmlformats.org/wordprocessingml/2006/main" matchingName="" preserve="1" showMasterPhAnim="0" type="vertTx" userDrawn="1">
   <p:cSld name="Заголовок и вертикальный текст">
     <p:spTree>
       <p:nvGrpSpPr>
@@ -387,7 +383,7 @@
         <p:cNvGrpSpPr/>
         <p:nvPr/>
       </p:nvGrpSpPr>
-      <p:grpSpPr>
+      <p:grpSpPr bwMode="auto">
         <a:xfrm>
           <a:off x="0" y="0"/>
           <a:ext cx="0" cy="0"/>
@@ -405,15 +401,19 @@
             <p:ph type="title"/>
           </p:nvPr>
         </p:nvSpPr>
-        <p:spPr/>
+        <p:spPr bwMode="auto"/>
         <p:txBody>
           <a:bodyPr/>
           <a:lstStyle/>
           <a:p>
+            <a:pPr>
+              <a:defRPr/>
+            </a:pPr>
             <a:r>
               <a:rPr lang="ru-RU"/>
               <a:t>Образец заголовка</a:t>
             </a:r>
+            <a:endParaRPr/>
           </a:p>
         </p:txBody>
       </p:sp>
@@ -427,44 +427,59 @@
             <p:ph type="body" orient="vert" idx="1"/>
           </p:nvPr>
         </p:nvSpPr>
-        <p:spPr/>
+        <p:spPr bwMode="auto"/>
         <p:txBody>
           <a:bodyPr vert="eaVert"/>
           <a:lstStyle/>
           <a:p>
-            <a:pPr lvl="0"/>
+            <a:pPr lvl="0">
+              <a:defRPr/>
+            </a:pPr>
             <a:r>
               <a:rPr lang="ru-RU"/>
               <a:t>Образец текста</a:t>
             </a:r>
-          </a:p>
-          <a:p>
-            <a:pPr lvl="1"/>
+            <a:endParaRPr/>
+          </a:p>
+          <a:p>
+            <a:pPr lvl="1">
+              <a:defRPr/>
+            </a:pPr>
             <a:r>
               <a:rPr lang="ru-RU"/>
               <a:t>Второй уровень</a:t>
             </a:r>
-          </a:p>
-          <a:p>
-            <a:pPr lvl="2"/>
+            <a:endParaRPr/>
+          </a:p>
+          <a:p>
+            <a:pPr lvl="2">
+              <a:defRPr/>
+            </a:pPr>
             <a:r>
               <a:rPr lang="ru-RU"/>
               <a:t>Третий уровень</a:t>
             </a:r>
-          </a:p>
-          <a:p>
-            <a:pPr lvl="3"/>
+            <a:endParaRPr/>
+          </a:p>
+          <a:p>
+            <a:pPr lvl="3">
+              <a:defRPr/>
+            </a:pPr>
             <a:r>
               <a:rPr lang="ru-RU"/>
               <a:t>Четвертый уровень</a:t>
             </a:r>
-          </a:p>
-          <a:p>
-            <a:pPr lvl="4"/>
+            <a:endParaRPr/>
+          </a:p>
+          <a:p>
+            <a:pPr lvl="4">
+              <a:defRPr/>
+            </a:pPr>
             <a:r>
               <a:rPr lang="ru-RU"/>
               <a:t>Пятый уровень</a:t>
             </a:r>
+            <a:endParaRPr/>
           </a:p>
         </p:txBody>
       </p:sp>
@@ -478,14 +493,17 @@
             <p:ph type="dt" sz="half" idx="10"/>
           </p:nvPr>
         </p:nvSpPr>
-        <p:spPr/>
+        <p:spPr bwMode="auto"/>
         <p:txBody>
           <a:bodyPr/>
           <a:lstStyle/>
           <a:p>
+            <a:pPr>
+              <a:defRPr/>
+            </a:pPr>
             <a:fld id="{6E62D75B-C3F4-4E3C-ADB7-33E3808D6CE4}" type="datetimeFigureOut">
-              <a:rPr lang="ru-RU" smtClean="0"/>
-              <a:t>25.04.2024</a:t>
+              <a:rPr lang="ru-RU"/>
+              <a:t/>
             </a:fld>
             <a:endParaRPr lang="ru-RU"/>
           </a:p>
@@ -501,11 +519,14 @@
             <p:ph type="ftr" sz="quarter" idx="11"/>
           </p:nvPr>
         </p:nvSpPr>
-        <p:spPr/>
+        <p:spPr bwMode="auto"/>
         <p:txBody>
           <a:bodyPr/>
           <a:lstStyle/>
           <a:p>
+            <a:pPr>
+              <a:defRPr/>
+            </a:pPr>
             <a:endParaRPr lang="ru-RU"/>
           </a:p>
         </p:txBody>
@@ -520,25 +541,23 @@
             <p:ph type="sldNum" sz="quarter" idx="12"/>
           </p:nvPr>
         </p:nvSpPr>
-        <p:spPr/>
+        <p:spPr bwMode="auto"/>
         <p:txBody>
           <a:bodyPr/>
           <a:lstStyle/>
           <a:p>
+            <a:pPr>
+              <a:defRPr/>
+            </a:pPr>
             <a:fld id="{A8D4CE12-0AFA-4111-B533-B38A2B9BBD8D}" type="slidenum">
-              <a:rPr lang="ru-RU" smtClean="0"/>
-              <a:t>‹#›</a:t>
+              <a:rPr lang="ru-RU"/>
+              <a:t/>
             </a:fld>
             <a:endParaRPr lang="ru-RU"/>
           </a:p>
         </p:txBody>
       </p:sp>
     </p:spTree>
-    <p:extLst>
-      <p:ext uri="{BB962C8B-B14F-4D97-AF65-F5344CB8AC3E}">
-        <p14:creationId xmlns:p14="http://schemas.microsoft.com/office/powerpoint/2010/main" val="1728746793"/>
-      </p:ext>
-    </p:extLst>
   </p:cSld>
   <p:clrMapOvr>
     <a:masterClrMapping/>
@@ -547,7 +566,7 @@
 </file>
 
 <file path=ppt/slideLayouts/slideLayout11.xml><?xml version="1.0" encoding="utf-8"?>
-<p:sldLayout xmlns:a="http://schemas.openxmlformats.org/drawingml/2006/main" xmlns:r="http://schemas.openxmlformats.org/officeDocument/2006/relationships" xmlns:p="http://schemas.openxmlformats.org/presentationml/2006/main" type="vertTitleAndTx" preserve="1">
+<p:sldLayout xmlns:a="http://schemas.openxmlformats.org/drawingml/2006/main" xmlns:r="http://schemas.openxmlformats.org/officeDocument/2006/relationships" xmlns:p="http://schemas.openxmlformats.org/presentationml/2006/main" xmlns:m="http://schemas.openxmlformats.org/officeDocument/2006/math" xmlns:w="http://schemas.openxmlformats.org/wordprocessingml/2006/main" matchingName="" preserve="1" showMasterPhAnim="0" type="vertTitleAndTx" userDrawn="1">
   <p:cSld name="Вертикальный заголовок и текст">
     <p:spTree>
       <p:nvGrpSpPr>
@@ -555,7 +574,7 @@
         <p:cNvGrpSpPr/>
         <p:nvPr/>
       </p:nvGrpSpPr>
-      <p:grpSpPr>
+      <p:grpSpPr bwMode="auto">
         <a:xfrm>
           <a:off x="0" y="0"/>
           <a:ext cx="0" cy="0"/>
@@ -573,7 +592,7 @@
             <p:ph type="title" orient="vert"/>
           </p:nvPr>
         </p:nvSpPr>
-        <p:spPr>
+        <p:spPr bwMode="auto">
           <a:xfrm>
             <a:off x="6629400" y="274638"/>
             <a:ext cx="2057400" cy="5851525"/>
@@ -583,10 +602,14 @@
           <a:bodyPr vert="eaVert"/>
           <a:lstStyle/>
           <a:p>
+            <a:pPr>
+              <a:defRPr/>
+            </a:pPr>
             <a:r>
               <a:rPr lang="ru-RU"/>
               <a:t>Образец заголовка</a:t>
             </a:r>
+            <a:endParaRPr/>
           </a:p>
         </p:txBody>
       </p:sp>
@@ -600,7 +623,7 @@
             <p:ph type="body" orient="vert" idx="1"/>
           </p:nvPr>
         </p:nvSpPr>
-        <p:spPr>
+        <p:spPr bwMode="auto">
           <a:xfrm>
             <a:off x="457200" y="274638"/>
             <a:ext cx="6019800" cy="5851525"/>
@@ -610,39 +633,54 @@
           <a:bodyPr vert="eaVert"/>
           <a:lstStyle/>
           <a:p>
-            <a:pPr lvl="0"/>
+            <a:pPr lvl="0">
+              <a:defRPr/>
+            </a:pPr>
             <a:r>
               <a:rPr lang="ru-RU"/>
               <a:t>Образец текста</a:t>
             </a:r>
-          </a:p>
-          <a:p>
-            <a:pPr lvl="1"/>
+            <a:endParaRPr/>
+          </a:p>
+          <a:p>
+            <a:pPr lvl="1">
+              <a:defRPr/>
+            </a:pPr>
             <a:r>
               <a:rPr lang="ru-RU"/>
               <a:t>Второй уровень</a:t>
             </a:r>
-          </a:p>
-          <a:p>
-            <a:pPr lvl="2"/>
+            <a:endParaRPr/>
+          </a:p>
+          <a:p>
+            <a:pPr lvl="2">
+              <a:defRPr/>
+            </a:pPr>
             <a:r>
               <a:rPr lang="ru-RU"/>
               <a:t>Третий уровень</a:t>
             </a:r>
-          </a:p>
-          <a:p>
-            <a:pPr lvl="3"/>
+            <a:endParaRPr/>
+          </a:p>
+          <a:p>
+            <a:pPr lvl="3">
+              <a:defRPr/>
+            </a:pPr>
             <a:r>
               <a:rPr lang="ru-RU"/>
               <a:t>Четвертый уровень</a:t>
             </a:r>
-          </a:p>
-          <a:p>
-            <a:pPr lvl="4"/>
+            <a:endParaRPr/>
+          </a:p>
+          <a:p>
+            <a:pPr lvl="4">
+              <a:defRPr/>
+            </a:pPr>
             <a:r>
               <a:rPr lang="ru-RU"/>
               <a:t>Пятый уровень</a:t>
             </a:r>
+            <a:endParaRPr/>
           </a:p>
         </p:txBody>
       </p:sp>
@@ -656,14 +694,17 @@
             <p:ph type="dt" sz="half" idx="10"/>
           </p:nvPr>
         </p:nvSpPr>
-        <p:spPr/>
+        <p:spPr bwMode="auto"/>
         <p:txBody>
           <a:bodyPr/>
           <a:lstStyle/>
           <a:p>
+            <a:pPr>
+              <a:defRPr/>
+            </a:pPr>
             <a:fld id="{6E62D75B-C3F4-4E3C-ADB7-33E3808D6CE4}" type="datetimeFigureOut">
-              <a:rPr lang="ru-RU" smtClean="0"/>
-              <a:t>25.04.2024</a:t>
+              <a:rPr lang="ru-RU"/>
+              <a:t/>
             </a:fld>
             <a:endParaRPr lang="ru-RU"/>
           </a:p>
@@ -679,11 +720,14 @@
             <p:ph type="ftr" sz="quarter" idx="11"/>
           </p:nvPr>
         </p:nvSpPr>
-        <p:spPr/>
+        <p:spPr bwMode="auto"/>
         <p:txBody>
           <a:bodyPr/>
           <a:lstStyle/>
           <a:p>
+            <a:pPr>
+              <a:defRPr/>
+            </a:pPr>
             <a:endParaRPr lang="ru-RU"/>
           </a:p>
         </p:txBody>
@@ -698,25 +742,23 @@
             <p:ph type="sldNum" sz="quarter" idx="12"/>
           </p:nvPr>
         </p:nvSpPr>
-        <p:spPr/>
+        <p:spPr bwMode="auto"/>
         <p:txBody>
           <a:bodyPr/>
           <a:lstStyle/>
           <a:p>
+            <a:pPr>
+              <a:defRPr/>
+            </a:pPr>
             <a:fld id="{A8D4CE12-0AFA-4111-B533-B38A2B9BBD8D}" type="slidenum">
-              <a:rPr lang="ru-RU" smtClean="0"/>
-              <a:t>‹#›</a:t>
+              <a:rPr lang="ru-RU"/>
+              <a:t/>
             </a:fld>
             <a:endParaRPr lang="ru-RU"/>
           </a:p>
         </p:txBody>
       </p:sp>
     </p:spTree>
-    <p:extLst>
-      <p:ext uri="{BB962C8B-B14F-4D97-AF65-F5344CB8AC3E}">
-        <p14:creationId xmlns:p14="http://schemas.microsoft.com/office/powerpoint/2010/main" val="1983405825"/>
-      </p:ext>
-    </p:extLst>
   </p:cSld>
   <p:clrMapOvr>
     <a:masterClrMapping/>
@@ -725,7 +767,7 @@
 </file>
 
 <file path=ppt/slideLayouts/slideLayout2.xml><?xml version="1.0" encoding="utf-8"?>
-<p:sldLayout xmlns:a="http://schemas.openxmlformats.org/drawingml/2006/main" xmlns:r="http://schemas.openxmlformats.org/officeDocument/2006/relationships" xmlns:p="http://schemas.openxmlformats.org/presentationml/2006/main" type="obj" preserve="1">
+<p:sldLayout xmlns:a="http://schemas.openxmlformats.org/drawingml/2006/main" xmlns:r="http://schemas.openxmlformats.org/officeDocument/2006/relationships" xmlns:p="http://schemas.openxmlformats.org/presentationml/2006/main" xmlns:m="http://schemas.openxmlformats.org/officeDocument/2006/math" xmlns:w="http://schemas.openxmlformats.org/wordprocessingml/2006/main" matchingName="" preserve="1" showMasterPhAnim="0" type="obj" userDrawn="1">
   <p:cSld name="Заголовок и объект">
     <p:spTree>
       <p:nvGrpSpPr>
@@ -733,7 +775,7 @@
         <p:cNvGrpSpPr/>
         <p:nvPr/>
       </p:nvGrpSpPr>
-      <p:grpSpPr>
+      <p:grpSpPr bwMode="auto">
         <a:xfrm>
           <a:off x="0" y="0"/>
           <a:ext cx="0" cy="0"/>
@@ -751,15 +793,19 @@
             <p:ph type="title"/>
           </p:nvPr>
         </p:nvSpPr>
-        <p:spPr/>
+        <p:spPr bwMode="auto"/>
         <p:txBody>
           <a:bodyPr/>
           <a:lstStyle/>
           <a:p>
+            <a:pPr>
+              <a:defRPr/>
+            </a:pPr>
             <a:r>
               <a:rPr lang="ru-RU"/>
               <a:t>Образец заголовка</a:t>
             </a:r>
+            <a:endParaRPr/>
           </a:p>
         </p:txBody>
       </p:sp>
@@ -773,44 +819,59 @@
             <p:ph idx="1"/>
           </p:nvPr>
         </p:nvSpPr>
-        <p:spPr/>
+        <p:spPr bwMode="auto"/>
         <p:txBody>
           <a:bodyPr/>
           <a:lstStyle/>
           <a:p>
-            <a:pPr lvl="0"/>
+            <a:pPr lvl="0">
+              <a:defRPr/>
+            </a:pPr>
             <a:r>
               <a:rPr lang="ru-RU"/>
               <a:t>Образец текста</a:t>
             </a:r>
-          </a:p>
-          <a:p>
-            <a:pPr lvl="1"/>
+            <a:endParaRPr/>
+          </a:p>
+          <a:p>
+            <a:pPr lvl="1">
+              <a:defRPr/>
+            </a:pPr>
             <a:r>
               <a:rPr lang="ru-RU"/>
               <a:t>Второй уровень</a:t>
             </a:r>
-          </a:p>
-          <a:p>
-            <a:pPr lvl="2"/>
+            <a:endParaRPr/>
+          </a:p>
+          <a:p>
+            <a:pPr lvl="2">
+              <a:defRPr/>
+            </a:pPr>
             <a:r>
               <a:rPr lang="ru-RU"/>
               <a:t>Третий уровень</a:t>
             </a:r>
-          </a:p>
-          <a:p>
-            <a:pPr lvl="3"/>
+            <a:endParaRPr/>
+          </a:p>
+          <a:p>
+            <a:pPr lvl="3">
+              <a:defRPr/>
+            </a:pPr>
             <a:r>
               <a:rPr lang="ru-RU"/>
               <a:t>Четвертый уровень</a:t>
             </a:r>
-          </a:p>
-          <a:p>
-            <a:pPr lvl="4"/>
+            <a:endParaRPr/>
+          </a:p>
+          <a:p>
+            <a:pPr lvl="4">
+              <a:defRPr/>
+            </a:pPr>
             <a:r>
               <a:rPr lang="ru-RU"/>
               <a:t>Пятый уровень</a:t>
             </a:r>
+            <a:endParaRPr/>
           </a:p>
         </p:txBody>
       </p:sp>
@@ -824,14 +885,17 @@
             <p:ph type="dt" sz="half" idx="10"/>
           </p:nvPr>
         </p:nvSpPr>
-        <p:spPr/>
+        <p:spPr bwMode="auto"/>
         <p:txBody>
           <a:bodyPr/>
           <a:lstStyle/>
           <a:p>
+            <a:pPr>
+              <a:defRPr/>
+            </a:pPr>
             <a:fld id="{6E62D75B-C3F4-4E3C-ADB7-33E3808D6CE4}" type="datetimeFigureOut">
-              <a:rPr lang="ru-RU" smtClean="0"/>
-              <a:t>25.04.2024</a:t>
+              <a:rPr lang="ru-RU"/>
+              <a:t/>
             </a:fld>
             <a:endParaRPr lang="ru-RU"/>
           </a:p>
@@ -847,11 +911,14 @@
             <p:ph type="ftr" sz="quarter" idx="11"/>
           </p:nvPr>
         </p:nvSpPr>
-        <p:spPr/>
+        <p:spPr bwMode="auto"/>
         <p:txBody>
           <a:bodyPr/>
           <a:lstStyle/>
           <a:p>
+            <a:pPr>
+              <a:defRPr/>
+            </a:pPr>
             <a:endParaRPr lang="ru-RU"/>
           </a:p>
         </p:txBody>
@@ -866,25 +933,23 @@
             <p:ph type="sldNum" sz="quarter" idx="12"/>
           </p:nvPr>
         </p:nvSpPr>
-        <p:spPr/>
+        <p:spPr bwMode="auto"/>
         <p:txBody>
           <a:bodyPr/>
           <a:lstStyle/>
           <a:p>
+            <a:pPr>
+              <a:defRPr/>
+            </a:pPr>
             <a:fld id="{A8D4CE12-0AFA-4111-B533-B38A2B9BBD8D}" type="slidenum">
-              <a:rPr lang="ru-RU" smtClean="0"/>
-              <a:t>‹#›</a:t>
+              <a:rPr lang="ru-RU"/>
+              <a:t/>
             </a:fld>
             <a:endParaRPr lang="ru-RU"/>
           </a:p>
         </p:txBody>
       </p:sp>
     </p:spTree>
-    <p:extLst>
-      <p:ext uri="{BB962C8B-B14F-4D97-AF65-F5344CB8AC3E}">
-        <p14:creationId xmlns:p14="http://schemas.microsoft.com/office/powerpoint/2010/main" val="1356942610"/>
-      </p:ext>
-    </p:extLst>
   </p:cSld>
   <p:clrMapOvr>
     <a:masterClrMapping/>
@@ -893,7 +958,7 @@
 </file>
 
 <file path=ppt/slideLayouts/slideLayout3.xml><?xml version="1.0" encoding="utf-8"?>
-<p:sldLayout xmlns:a="http://schemas.openxmlformats.org/drawingml/2006/main" xmlns:r="http://schemas.openxmlformats.org/officeDocument/2006/relationships" xmlns:p="http://schemas.openxmlformats.org/presentationml/2006/main" type="secHead" preserve="1">
+<p:sldLayout xmlns:a="http://schemas.openxmlformats.org/drawingml/2006/main" xmlns:r="http://schemas.openxmlformats.org/officeDocument/2006/relationships" xmlns:p="http://schemas.openxmlformats.org/presentationml/2006/main" xmlns:m="http://schemas.openxmlformats.org/officeDocument/2006/math" xmlns:w="http://schemas.openxmlformats.org/wordprocessingml/2006/main" matchingName="" preserve="1" showMasterPhAnim="0" type="secHead" userDrawn="1">
   <p:cSld name="Заголовок раздела">
     <p:spTree>
       <p:nvGrpSpPr>
@@ -901,7 +966,7 @@
         <p:cNvGrpSpPr/>
         <p:nvPr/>
       </p:nvGrpSpPr>
-      <p:grpSpPr>
+      <p:grpSpPr bwMode="auto">
         <a:xfrm>
           <a:off x="0" y="0"/>
           <a:ext cx="0" cy="0"/>
@@ -919,7 +984,7 @@
             <p:ph type="title"/>
           </p:nvPr>
         </p:nvSpPr>
-        <p:spPr>
+        <p:spPr bwMode="auto">
           <a:xfrm>
             <a:off x="722313" y="4406900"/>
             <a:ext cx="7772400" cy="1362075"/>
@@ -933,10 +998,14 @@
             </a:lvl1pPr>
           </a:lstStyle>
           <a:p>
+            <a:pPr>
+              <a:defRPr/>
+            </a:pPr>
             <a:r>
               <a:rPr lang="ru-RU"/>
               <a:t>Образец заголовка</a:t>
             </a:r>
+            <a:endParaRPr/>
           </a:p>
         </p:txBody>
       </p:sp>
@@ -950,7 +1019,7 @@
             <p:ph type="body" idx="1"/>
           </p:nvPr>
         </p:nvSpPr>
-        <p:spPr>
+        <p:spPr bwMode="auto">
           <a:xfrm>
             <a:off x="722313" y="2906713"/>
             <a:ext cx="7772400" cy="1500187"/>
@@ -1051,11 +1120,14 @@
             </a:lvl9pPr>
           </a:lstStyle>
           <a:p>
-            <a:pPr lvl="0"/>
+            <a:pPr lvl="0">
+              <a:defRPr/>
+            </a:pPr>
             <a:r>
               <a:rPr lang="ru-RU"/>
               <a:t>Образец текста</a:t>
             </a:r>
+            <a:endParaRPr/>
           </a:p>
         </p:txBody>
       </p:sp>
@@ -1069,14 +1141,17 @@
             <p:ph type="dt" sz="half" idx="10"/>
           </p:nvPr>
         </p:nvSpPr>
-        <p:spPr/>
+        <p:spPr bwMode="auto"/>
         <p:txBody>
           <a:bodyPr/>
           <a:lstStyle/>
           <a:p>
+            <a:pPr>
+              <a:defRPr/>
+            </a:pPr>
             <a:fld id="{6E62D75B-C3F4-4E3C-ADB7-33E3808D6CE4}" type="datetimeFigureOut">
-              <a:rPr lang="ru-RU" smtClean="0"/>
-              <a:t>25.04.2024</a:t>
+              <a:rPr lang="ru-RU"/>
+              <a:t/>
             </a:fld>
             <a:endParaRPr lang="ru-RU"/>
           </a:p>
@@ -1092,11 +1167,14 @@
             <p:ph type="ftr" sz="quarter" idx="11"/>
           </p:nvPr>
         </p:nvSpPr>
-        <p:spPr/>
+        <p:spPr bwMode="auto"/>
         <p:txBody>
           <a:bodyPr/>
           <a:lstStyle/>
           <a:p>
+            <a:pPr>
+              <a:defRPr/>
+            </a:pPr>
             <a:endParaRPr lang="ru-RU"/>
           </a:p>
         </p:txBody>
@@ -1111,25 +1189,23 @@
             <p:ph type="sldNum" sz="quarter" idx="12"/>
           </p:nvPr>
         </p:nvSpPr>
-        <p:spPr/>
+        <p:spPr bwMode="auto"/>
         <p:txBody>
           <a:bodyPr/>
           <a:lstStyle/>
           <a:p>
+            <a:pPr>
+              <a:defRPr/>
+            </a:pPr>
             <a:fld id="{A8D4CE12-0AFA-4111-B533-B38A2B9BBD8D}" type="slidenum">
-              <a:rPr lang="ru-RU" smtClean="0"/>
-              <a:t>‹#›</a:t>
+              <a:rPr lang="ru-RU"/>
+              <a:t/>
             </a:fld>
             <a:endParaRPr lang="ru-RU"/>
           </a:p>
         </p:txBody>
       </p:sp>
     </p:spTree>
-    <p:extLst>
-      <p:ext uri="{BB962C8B-B14F-4D97-AF65-F5344CB8AC3E}">
-        <p14:creationId xmlns:p14="http://schemas.microsoft.com/office/powerpoint/2010/main" val="1568864777"/>
-      </p:ext>
-    </p:extLst>
   </p:cSld>
   <p:clrMapOvr>
     <a:masterClrMapping/>
@@ -1138,7 +1214,7 @@
 </file>
 
 <file path=ppt/slideLayouts/slideLayout4.xml><?xml version="1.0" encoding="utf-8"?>
-<p:sldLayout xmlns:a="http://schemas.openxmlformats.org/drawingml/2006/main" xmlns:r="http://schemas.openxmlformats.org/officeDocument/2006/relationships" xmlns:p="http://schemas.openxmlformats.org/presentationml/2006/main" type="twoObj" preserve="1">
+<p:sldLayout xmlns:a="http://schemas.openxmlformats.org/drawingml/2006/main" xmlns:r="http://schemas.openxmlformats.org/officeDocument/2006/relationships" xmlns:p="http://schemas.openxmlformats.org/presentationml/2006/main" xmlns:m="http://schemas.openxmlformats.org/officeDocument/2006/math" xmlns:w="http://schemas.openxmlformats.org/wordprocessingml/2006/main" matchingName="" preserve="1" showMasterPhAnim="0" type="twoObj" userDrawn="1">
   <p:cSld name="Два объекта">
     <p:spTree>
       <p:nvGrpSpPr>
@@ -1146,7 +1222,7 @@
         <p:cNvGrpSpPr/>
         <p:nvPr/>
       </p:nvGrpSpPr>
-      <p:grpSpPr>
+      <p:grpSpPr bwMode="auto">
         <a:xfrm>
           <a:off x="0" y="0"/>
           <a:ext cx="0" cy="0"/>
@@ -1164,15 +1240,19 @@
             <p:ph type="title"/>
           </p:nvPr>
         </p:nvSpPr>
-        <p:spPr/>
+        <p:spPr bwMode="auto"/>
         <p:txBody>
           <a:bodyPr/>
           <a:lstStyle/>
           <a:p>
+            <a:pPr>
+              <a:defRPr/>
+            </a:pPr>
             <a:r>
               <a:rPr lang="ru-RU"/>
               <a:t>Образец заголовка</a:t>
             </a:r>
+            <a:endParaRPr/>
           </a:p>
         </p:txBody>
       </p:sp>
@@ -1186,7 +1266,7 @@
             <p:ph sz="half" idx="1"/>
           </p:nvPr>
         </p:nvSpPr>
-        <p:spPr>
+        <p:spPr bwMode="auto">
           <a:xfrm>
             <a:off x="457200" y="1600200"/>
             <a:ext cx="4038600" cy="4525963"/>
@@ -1224,39 +1304,54 @@
             </a:lvl9pPr>
           </a:lstStyle>
           <a:p>
-            <a:pPr lvl="0"/>
+            <a:pPr lvl="0">
+              <a:defRPr/>
+            </a:pPr>
             <a:r>
               <a:rPr lang="ru-RU"/>
               <a:t>Образец текста</a:t>
             </a:r>
-          </a:p>
-          <a:p>
-            <a:pPr lvl="1"/>
+            <a:endParaRPr/>
+          </a:p>
+          <a:p>
+            <a:pPr lvl="1">
+              <a:defRPr/>
+            </a:pPr>
             <a:r>
               <a:rPr lang="ru-RU"/>
               <a:t>Второй уровень</a:t>
             </a:r>
-          </a:p>
-          <a:p>
-            <a:pPr lvl="2"/>
+            <a:endParaRPr/>
+          </a:p>
+          <a:p>
+            <a:pPr lvl="2">
+              <a:defRPr/>
+            </a:pPr>
             <a:r>
               <a:rPr lang="ru-RU"/>
               <a:t>Третий уровень</a:t>
             </a:r>
-          </a:p>
-          <a:p>
-            <a:pPr lvl="3"/>
+            <a:endParaRPr/>
+          </a:p>
+          <a:p>
+            <a:pPr lvl="3">
+              <a:defRPr/>
+            </a:pPr>
             <a:r>
               <a:rPr lang="ru-RU"/>
               <a:t>Четвертый уровень</a:t>
             </a:r>
-          </a:p>
-          <a:p>
-            <a:pPr lvl="4"/>
+            <a:endParaRPr/>
+          </a:p>
+          <a:p>
+            <a:pPr lvl="4">
+              <a:defRPr/>
+            </a:pPr>
             <a:r>
               <a:rPr lang="ru-RU"/>
               <a:t>Пятый уровень</a:t>
             </a:r>
+            <a:endParaRPr/>
           </a:p>
         </p:txBody>
       </p:sp>
@@ -1270,7 +1365,7 @@
             <p:ph sz="half" idx="2"/>
           </p:nvPr>
         </p:nvSpPr>
-        <p:spPr>
+        <p:spPr bwMode="auto">
           <a:xfrm>
             <a:off x="4648200" y="1600200"/>
             <a:ext cx="4038600" cy="4525963"/>
@@ -1308,39 +1403,54 @@
             </a:lvl9pPr>
           </a:lstStyle>
           <a:p>
-            <a:pPr lvl="0"/>
+            <a:pPr lvl="0">
+              <a:defRPr/>
+            </a:pPr>
             <a:r>
               <a:rPr lang="ru-RU"/>
               <a:t>Образец текста</a:t>
             </a:r>
-          </a:p>
-          <a:p>
-            <a:pPr lvl="1"/>
+            <a:endParaRPr/>
+          </a:p>
+          <a:p>
+            <a:pPr lvl="1">
+              <a:defRPr/>
+            </a:pPr>
             <a:r>
               <a:rPr lang="ru-RU"/>
               <a:t>Второй уровень</a:t>
             </a:r>
-          </a:p>
-          <a:p>
-            <a:pPr lvl="2"/>
+            <a:endParaRPr/>
+          </a:p>
+          <a:p>
+            <a:pPr lvl="2">
+              <a:defRPr/>
+            </a:pPr>
             <a:r>
               <a:rPr lang="ru-RU"/>
               <a:t>Третий уровень</a:t>
             </a:r>
-          </a:p>
-          <a:p>
-            <a:pPr lvl="3"/>
+            <a:endParaRPr/>
+          </a:p>
+          <a:p>
+            <a:pPr lvl="3">
+              <a:defRPr/>
+            </a:pPr>
             <a:r>
               <a:rPr lang="ru-RU"/>
               <a:t>Четвертый уровень</a:t>
             </a:r>
-          </a:p>
-          <a:p>
-            <a:pPr lvl="4"/>
+            <a:endParaRPr/>
+          </a:p>
+          <a:p>
+            <a:pPr lvl="4">
+              <a:defRPr/>
+            </a:pPr>
             <a:r>
               <a:rPr lang="ru-RU"/>
               <a:t>Пятый уровень</a:t>
             </a:r>
+            <a:endParaRPr/>
           </a:p>
         </p:txBody>
       </p:sp>
@@ -1354,14 +1464,17 @@
             <p:ph type="dt" sz="half" idx="10"/>
           </p:nvPr>
         </p:nvSpPr>
-        <p:spPr/>
+        <p:spPr bwMode="auto"/>
         <p:txBody>
           <a:bodyPr/>
           <a:lstStyle/>
           <a:p>
+            <a:pPr>
+              <a:defRPr/>
+            </a:pPr>
             <a:fld id="{6E62D75B-C3F4-4E3C-ADB7-33E3808D6CE4}" type="datetimeFigureOut">
-              <a:rPr lang="ru-RU" smtClean="0"/>
-              <a:t>25.04.2024</a:t>
+              <a:rPr lang="ru-RU"/>
+              <a:t/>
             </a:fld>
             <a:endParaRPr lang="ru-RU"/>
           </a:p>
@@ -1377,11 +1490,14 @@
             <p:ph type="ftr" sz="quarter" idx="11"/>
           </p:nvPr>
         </p:nvSpPr>
-        <p:spPr/>
+        <p:spPr bwMode="auto"/>
         <p:txBody>
           <a:bodyPr/>
           <a:lstStyle/>
           <a:p>
+            <a:pPr>
+              <a:defRPr/>
+            </a:pPr>
             <a:endParaRPr lang="ru-RU"/>
           </a:p>
         </p:txBody>
@@ -1396,25 +1512,23 @@
             <p:ph type="sldNum" sz="quarter" idx="12"/>
           </p:nvPr>
         </p:nvSpPr>
-        <p:spPr/>
+        <p:spPr bwMode="auto"/>
         <p:txBody>
           <a:bodyPr/>
           <a:lstStyle/>
           <a:p>
+            <a:pPr>
+              <a:defRPr/>
+            </a:pPr>
             <a:fld id="{A8D4CE12-0AFA-4111-B533-B38A2B9BBD8D}" type="slidenum">
-              <a:rPr lang="ru-RU" smtClean="0"/>
-              <a:t>‹#›</a:t>
+              <a:rPr lang="ru-RU"/>
+              <a:t/>
             </a:fld>
             <a:endParaRPr lang="ru-RU"/>
           </a:p>
         </p:txBody>
       </p:sp>
     </p:spTree>
-    <p:extLst>
-      <p:ext uri="{BB962C8B-B14F-4D97-AF65-F5344CB8AC3E}">
-        <p14:creationId xmlns:p14="http://schemas.microsoft.com/office/powerpoint/2010/main" val="1204539529"/>
-      </p:ext>
-    </p:extLst>
   </p:cSld>
   <p:clrMapOvr>
     <a:masterClrMapping/>
@@ -1423,7 +1537,7 @@
 </file>
 
 <file path=ppt/slideLayouts/slideLayout5.xml><?xml version="1.0" encoding="utf-8"?>
-<p:sldLayout xmlns:a="http://schemas.openxmlformats.org/drawingml/2006/main" xmlns:r="http://schemas.openxmlformats.org/officeDocument/2006/relationships" xmlns:p="http://schemas.openxmlformats.org/presentationml/2006/main" type="twoTxTwoObj" preserve="1">
+<p:sldLayout xmlns:a="http://schemas.openxmlformats.org/drawingml/2006/main" xmlns:r="http://schemas.openxmlformats.org/officeDocument/2006/relationships" xmlns:p="http://schemas.openxmlformats.org/presentationml/2006/main" xmlns:m="http://schemas.openxmlformats.org/officeDocument/2006/math" xmlns:w="http://schemas.openxmlformats.org/wordprocessingml/2006/main" matchingName="" preserve="1" showMasterPhAnim="0" type="twoTxTwoObj" userDrawn="1">
   <p:cSld name="Сравнение">
     <p:spTree>
       <p:nvGrpSpPr>
@@ -1431,7 +1545,7 @@
         <p:cNvGrpSpPr/>
         <p:nvPr/>
       </p:nvGrpSpPr>
-      <p:grpSpPr>
+      <p:grpSpPr bwMode="auto">
         <a:xfrm>
           <a:off x="0" y="0"/>
           <a:ext cx="0" cy="0"/>
@@ -1449,7 +1563,7 @@
             <p:ph type="title"/>
           </p:nvPr>
         </p:nvSpPr>
-        <p:spPr/>
+        <p:spPr bwMode="auto"/>
         <p:txBody>
           <a:bodyPr/>
           <a:lstStyle>
@@ -1458,10 +1572,14 @@
             </a:lvl1pPr>
           </a:lstStyle>
           <a:p>
+            <a:pPr>
+              <a:defRPr/>
+            </a:pPr>
             <a:r>
               <a:rPr lang="ru-RU"/>
               <a:t>Образец заголовка</a:t>
             </a:r>
+            <a:endParaRPr/>
           </a:p>
         </p:txBody>
       </p:sp>
@@ -1475,7 +1593,7 @@
             <p:ph type="body" idx="1"/>
           </p:nvPr>
         </p:nvSpPr>
-        <p:spPr>
+        <p:spPr bwMode="auto">
           <a:xfrm>
             <a:off x="457200" y="1535113"/>
             <a:ext cx="4040188" cy="639762"/>
@@ -1522,11 +1640,14 @@
             </a:lvl9pPr>
           </a:lstStyle>
           <a:p>
-            <a:pPr lvl="0"/>
+            <a:pPr lvl="0">
+              <a:defRPr/>
+            </a:pPr>
             <a:r>
               <a:rPr lang="ru-RU"/>
               <a:t>Образец текста</a:t>
             </a:r>
+            <a:endParaRPr/>
           </a:p>
         </p:txBody>
       </p:sp>
@@ -1540,7 +1661,7 @@
             <p:ph sz="half" idx="2"/>
           </p:nvPr>
         </p:nvSpPr>
-        <p:spPr>
+        <p:spPr bwMode="auto">
           <a:xfrm>
             <a:off x="457200" y="2174875"/>
             <a:ext cx="4040188" cy="3951288"/>
@@ -1578,39 +1699,54 @@
             </a:lvl9pPr>
           </a:lstStyle>
           <a:p>
-            <a:pPr lvl="0"/>
+            <a:pPr lvl="0">
+              <a:defRPr/>
+            </a:pPr>
             <a:r>
               <a:rPr lang="ru-RU"/>
               <a:t>Образец текста</a:t>
             </a:r>
-          </a:p>
-          <a:p>
-            <a:pPr lvl="1"/>
+            <a:endParaRPr/>
+          </a:p>
+          <a:p>
+            <a:pPr lvl="1">
+              <a:defRPr/>
+            </a:pPr>
             <a:r>
               <a:rPr lang="ru-RU"/>
               <a:t>Второй уровень</a:t>
             </a:r>
-          </a:p>
-          <a:p>
-            <a:pPr lvl="2"/>
+            <a:endParaRPr/>
+          </a:p>
+          <a:p>
+            <a:pPr lvl="2">
+              <a:defRPr/>
+            </a:pPr>
             <a:r>
               <a:rPr lang="ru-RU"/>
               <a:t>Третий уровень</a:t>
             </a:r>
-          </a:p>
-          <a:p>
-            <a:pPr lvl="3"/>
+            <a:endParaRPr/>
+          </a:p>
+          <a:p>
+            <a:pPr lvl="3">
+              <a:defRPr/>
+            </a:pPr>
             <a:r>
               <a:rPr lang="ru-RU"/>
               <a:t>Четвертый уровень</a:t>
             </a:r>
-          </a:p>
-          <a:p>
-            <a:pPr lvl="4"/>
+            <a:endParaRPr/>
+          </a:p>
+          <a:p>
+            <a:pPr lvl="4">
+              <a:defRPr/>
+            </a:pPr>
             <a:r>
               <a:rPr lang="ru-RU"/>
               <a:t>Пятый уровень</a:t>
             </a:r>
+            <a:endParaRPr/>
           </a:p>
         </p:txBody>
       </p:sp>
@@ -1624,7 +1760,7 @@
             <p:ph type="body" sz="quarter" idx="3"/>
           </p:nvPr>
         </p:nvSpPr>
-        <p:spPr>
+        <p:spPr bwMode="auto">
           <a:xfrm>
             <a:off x="4645025" y="1535113"/>
             <a:ext cx="4041775" cy="639762"/>
@@ -1671,11 +1807,14 @@
             </a:lvl9pPr>
           </a:lstStyle>
           <a:p>
-            <a:pPr lvl="0"/>
+            <a:pPr lvl="0">
+              <a:defRPr/>
+            </a:pPr>
             <a:r>
               <a:rPr lang="ru-RU"/>
               <a:t>Образец текста</a:t>
             </a:r>
+            <a:endParaRPr/>
           </a:p>
         </p:txBody>
       </p:sp>
@@ -1689,7 +1828,7 @@
             <p:ph sz="quarter" idx="4"/>
           </p:nvPr>
         </p:nvSpPr>
-        <p:spPr>
+        <p:spPr bwMode="auto">
           <a:xfrm>
             <a:off x="4645025" y="2174875"/>
             <a:ext cx="4041775" cy="3951288"/>
@@ -1727,39 +1866,54 @@
             </a:lvl9pPr>
           </a:lstStyle>
           <a:p>
-            <a:pPr lvl="0"/>
+            <a:pPr lvl="0">
+              <a:defRPr/>
+            </a:pPr>
             <a:r>
               <a:rPr lang="ru-RU"/>
               <a:t>Образец текста</a:t>
             </a:r>
-          </a:p>
-          <a:p>
-            <a:pPr lvl="1"/>
+            <a:endParaRPr/>
+          </a:p>
+          <a:p>
+            <a:pPr lvl="1">
+              <a:defRPr/>
+            </a:pPr>
             <a:r>
               <a:rPr lang="ru-RU"/>
               <a:t>Второй уровень</a:t>
             </a:r>
-          </a:p>
-          <a:p>
-            <a:pPr lvl="2"/>
+            <a:endParaRPr/>
+          </a:p>
+          <a:p>
+            <a:pPr lvl="2">
+              <a:defRPr/>
+            </a:pPr>
             <a:r>
               <a:rPr lang="ru-RU"/>
               <a:t>Третий уровень</a:t>
             </a:r>
-          </a:p>
-          <a:p>
-            <a:pPr lvl="3"/>
+            <a:endParaRPr/>
+          </a:p>
+          <a:p>
+            <a:pPr lvl="3">
+              <a:defRPr/>
+            </a:pPr>
             <a:r>
               <a:rPr lang="ru-RU"/>
               <a:t>Четвертый уровень</a:t>
             </a:r>
-          </a:p>
-          <a:p>
-            <a:pPr lvl="4"/>
+            <a:endParaRPr/>
+          </a:p>
+          <a:p>
+            <a:pPr lvl="4">
+              <a:defRPr/>
+            </a:pPr>
             <a:r>
               <a:rPr lang="ru-RU"/>
               <a:t>Пятый уровень</a:t>
             </a:r>
+            <a:endParaRPr/>
           </a:p>
         </p:txBody>
       </p:sp>
@@ -1773,14 +1927,17 @@
             <p:ph type="dt" sz="half" idx="10"/>
           </p:nvPr>
         </p:nvSpPr>
-        <p:spPr/>
+        <p:spPr bwMode="auto"/>
         <p:txBody>
           <a:bodyPr/>
           <a:lstStyle/>
           <a:p>
+            <a:pPr>
+              <a:defRPr/>
+            </a:pPr>
             <a:fld id="{6E62D75B-C3F4-4E3C-ADB7-33E3808D6CE4}" type="datetimeFigureOut">
-              <a:rPr lang="ru-RU" smtClean="0"/>
-              <a:t>25.04.2024</a:t>
+              <a:rPr lang="ru-RU"/>
+              <a:t/>
             </a:fld>
             <a:endParaRPr lang="ru-RU"/>
           </a:p>
@@ -1796,11 +1953,14 @@
             <p:ph type="ftr" sz="quarter" idx="11"/>
           </p:nvPr>
         </p:nvSpPr>
-        <p:spPr/>
+        <p:spPr bwMode="auto"/>
         <p:txBody>
           <a:bodyPr/>
           <a:lstStyle/>
           <a:p>
+            <a:pPr>
+              <a:defRPr/>
+            </a:pPr>
             <a:endParaRPr lang="ru-RU"/>
           </a:p>
         </p:txBody>
@@ -1815,25 +1975,23 @@
             <p:ph type="sldNum" sz="quarter" idx="12"/>
           </p:nvPr>
         </p:nvSpPr>
-        <p:spPr/>
+        <p:spPr bwMode="auto"/>
         <p:txBody>
           <a:bodyPr/>
           <a:lstStyle/>
           <a:p>
+            <a:pPr>
+              <a:defRPr/>
+            </a:pPr>
             <a:fld id="{A8D4CE12-0AFA-4111-B533-B38A2B9BBD8D}" type="slidenum">
-              <a:rPr lang="ru-RU" smtClean="0"/>
-              <a:t>‹#›</a:t>
+              <a:rPr lang="ru-RU"/>
+              <a:t/>
             </a:fld>
             <a:endParaRPr lang="ru-RU"/>
           </a:p>
         </p:txBody>
       </p:sp>
     </p:spTree>
-    <p:extLst>
-      <p:ext uri="{BB962C8B-B14F-4D97-AF65-F5344CB8AC3E}">
-        <p14:creationId xmlns:p14="http://schemas.microsoft.com/office/powerpoint/2010/main" val="483664784"/>
-      </p:ext>
-    </p:extLst>
   </p:cSld>
   <p:clrMapOvr>
     <a:masterClrMapping/>
@@ -1842,7 +2000,7 @@
 </file>
 
 <file path=ppt/slideLayouts/slideLayout6.xml><?xml version="1.0" encoding="utf-8"?>
-<p:sldLayout xmlns:a="http://schemas.openxmlformats.org/drawingml/2006/main" xmlns:r="http://schemas.openxmlformats.org/officeDocument/2006/relationships" xmlns:p="http://schemas.openxmlformats.org/presentationml/2006/main" type="titleOnly" preserve="1">
+<p:sldLayout xmlns:a="http://schemas.openxmlformats.org/drawingml/2006/main" xmlns:r="http://schemas.openxmlformats.org/officeDocument/2006/relationships" xmlns:p="http://schemas.openxmlformats.org/presentationml/2006/main" xmlns:m="http://schemas.openxmlformats.org/officeDocument/2006/math" xmlns:w="http://schemas.openxmlformats.org/wordprocessingml/2006/main" matchingName="" preserve="1" showMasterPhAnim="0" type="titleOnly" userDrawn="1">
   <p:cSld name="Только заголовок">
     <p:spTree>
       <p:nvGrpSpPr>
@@ -1850,7 +2008,7 @@
         <p:cNvGrpSpPr/>
         <p:nvPr/>
       </p:nvGrpSpPr>
-      <p:grpSpPr>
+      <p:grpSpPr bwMode="auto">
         <a:xfrm>
           <a:off x="0" y="0"/>
           <a:ext cx="0" cy="0"/>
@@ -1868,15 +2026,19 @@
             <p:ph type="title"/>
           </p:nvPr>
         </p:nvSpPr>
-        <p:spPr/>
+        <p:spPr bwMode="auto"/>
         <p:txBody>
           <a:bodyPr/>
           <a:lstStyle/>
           <a:p>
+            <a:pPr>
+              <a:defRPr/>
+            </a:pPr>
             <a:r>
               <a:rPr lang="ru-RU"/>
               <a:t>Образец заголовка</a:t>
             </a:r>
+            <a:endParaRPr/>
           </a:p>
         </p:txBody>
       </p:sp>
@@ -1890,14 +2052,17 @@
             <p:ph type="dt" sz="half" idx="10"/>
           </p:nvPr>
         </p:nvSpPr>
-        <p:spPr/>
+        <p:spPr bwMode="auto"/>
         <p:txBody>
           <a:bodyPr/>
           <a:lstStyle/>
           <a:p>
+            <a:pPr>
+              <a:defRPr/>
+            </a:pPr>
             <a:fld id="{6E62D75B-C3F4-4E3C-ADB7-33E3808D6CE4}" type="datetimeFigureOut">
-              <a:rPr lang="ru-RU" smtClean="0"/>
-              <a:t>25.04.2024</a:t>
+              <a:rPr lang="ru-RU"/>
+              <a:t/>
             </a:fld>
             <a:endParaRPr lang="ru-RU"/>
           </a:p>
@@ -1913,11 +2078,14 @@
             <p:ph type="ftr" sz="quarter" idx="11"/>
           </p:nvPr>
         </p:nvSpPr>
-        <p:spPr/>
+        <p:spPr bwMode="auto"/>
         <p:txBody>
           <a:bodyPr/>
           <a:lstStyle/>
           <a:p>
+            <a:pPr>
+              <a:defRPr/>
+            </a:pPr>
             <a:endParaRPr lang="ru-RU"/>
           </a:p>
         </p:txBody>
@@ -1932,25 +2100,23 @@
             <p:ph type="sldNum" sz="quarter" idx="12"/>
           </p:nvPr>
         </p:nvSpPr>
-        <p:spPr/>
+        <p:spPr bwMode="auto"/>
         <p:txBody>
           <a:bodyPr/>
           <a:lstStyle/>
           <a:p>
+            <a:pPr>
+              <a:defRPr/>
+            </a:pPr>
             <a:fld id="{A8D4CE12-0AFA-4111-B533-B38A2B9BBD8D}" type="slidenum">
-              <a:rPr lang="ru-RU" smtClean="0"/>
-              <a:t>‹#›</a:t>
+              <a:rPr lang="ru-RU"/>
+              <a:t/>
             </a:fld>
             <a:endParaRPr lang="ru-RU"/>
           </a:p>
         </p:txBody>
       </p:sp>
     </p:spTree>
-    <p:extLst>
-      <p:ext uri="{BB962C8B-B14F-4D97-AF65-F5344CB8AC3E}">
-        <p14:creationId xmlns:p14="http://schemas.microsoft.com/office/powerpoint/2010/main" val="2573452885"/>
-      </p:ext>
-    </p:extLst>
   </p:cSld>
   <p:clrMapOvr>
     <a:masterClrMapping/>
@@ -1959,7 +2125,7 @@
 </file>
 
 <file path=ppt/slideLayouts/slideLayout7.xml><?xml version="1.0" encoding="utf-8"?>
-<p:sldLayout xmlns:a="http://schemas.openxmlformats.org/drawingml/2006/main" xmlns:r="http://schemas.openxmlformats.org/officeDocument/2006/relationships" xmlns:p="http://schemas.openxmlformats.org/presentationml/2006/main" type="blank" preserve="1">
+<p:sldLayout xmlns:a="http://schemas.openxmlformats.org/drawingml/2006/main" xmlns:r="http://schemas.openxmlformats.org/officeDocument/2006/relationships" xmlns:p="http://schemas.openxmlformats.org/presentationml/2006/main" xmlns:m="http://schemas.openxmlformats.org/officeDocument/2006/math" xmlns:w="http://schemas.openxmlformats.org/wordprocessingml/2006/main" matchingName="" preserve="1" showMasterPhAnim="0" type="blank" userDrawn="1">
   <p:cSld name="Пустой слайд">
     <p:spTree>
       <p:nvGrpSpPr>
@@ -1967,7 +2133,7 @@
         <p:cNvGrpSpPr/>
         <p:nvPr/>
       </p:nvGrpSpPr>
-      <p:grpSpPr>
+      <p:grpSpPr bwMode="auto">
         <a:xfrm>
           <a:off x="0" y="0"/>
           <a:ext cx="0" cy="0"/>
@@ -1985,14 +2151,17 @@
             <p:ph type="dt" sz="half" idx="10"/>
           </p:nvPr>
         </p:nvSpPr>
-        <p:spPr/>
+        <p:spPr bwMode="auto"/>
         <p:txBody>
           <a:bodyPr/>
           <a:lstStyle/>
           <a:p>
+            <a:pPr>
+              <a:defRPr/>
+            </a:pPr>
             <a:fld id="{6E62D75B-C3F4-4E3C-ADB7-33E3808D6CE4}" type="datetimeFigureOut">
-              <a:rPr lang="ru-RU" smtClean="0"/>
-              <a:t>25.04.2024</a:t>
+              <a:rPr lang="ru-RU"/>
+              <a:t/>
             </a:fld>
             <a:endParaRPr lang="ru-RU"/>
           </a:p>
@@ -2008,11 +2177,14 @@
             <p:ph type="ftr" sz="quarter" idx="11"/>
           </p:nvPr>
         </p:nvSpPr>
-        <p:spPr/>
+        <p:spPr bwMode="auto"/>
         <p:txBody>
           <a:bodyPr/>
           <a:lstStyle/>
           <a:p>
+            <a:pPr>
+              <a:defRPr/>
+            </a:pPr>
             <a:endParaRPr lang="ru-RU"/>
           </a:p>
         </p:txBody>
@@ -2027,25 +2199,23 @@
             <p:ph type="sldNum" sz="quarter" idx="12"/>
           </p:nvPr>
         </p:nvSpPr>
-        <p:spPr/>
+        <p:spPr bwMode="auto"/>
         <p:txBody>
           <a:bodyPr/>
           <a:lstStyle/>
           <a:p>
+            <a:pPr>
+              <a:defRPr/>
+            </a:pPr>
             <a:fld id="{A8D4CE12-0AFA-4111-B533-B38A2B9BBD8D}" type="slidenum">
-              <a:rPr lang="ru-RU" smtClean="0"/>
-              <a:t>‹#›</a:t>
+              <a:rPr lang="ru-RU"/>
+              <a:t/>
             </a:fld>
             <a:endParaRPr lang="ru-RU"/>
           </a:p>
         </p:txBody>
       </p:sp>
     </p:spTree>
-    <p:extLst>
-      <p:ext uri="{BB962C8B-B14F-4D97-AF65-F5344CB8AC3E}">
-        <p14:creationId xmlns:p14="http://schemas.microsoft.com/office/powerpoint/2010/main" val="3170230836"/>
-      </p:ext>
-    </p:extLst>
   </p:cSld>
   <p:clrMapOvr>
     <a:masterClrMapping/>
@@ -2054,7 +2224,7 @@
 </file>
 
 <file path=ppt/slideLayouts/slideLayout8.xml><?xml version="1.0" encoding="utf-8"?>
-<p:sldLayout xmlns:a="http://schemas.openxmlformats.org/drawingml/2006/main" xmlns:r="http://schemas.openxmlformats.org/officeDocument/2006/relationships" xmlns:p="http://schemas.openxmlformats.org/presentationml/2006/main" type="objTx" preserve="1">
+<p:sldLayout xmlns:a="http://schemas.openxmlformats.org/drawingml/2006/main" xmlns:r="http://schemas.openxmlformats.org/officeDocument/2006/relationships" xmlns:p="http://schemas.openxmlformats.org/presentationml/2006/main" xmlns:m="http://schemas.openxmlformats.org/officeDocument/2006/math" xmlns:w="http://schemas.openxmlformats.org/wordprocessingml/2006/main" matchingName="" preserve="1" showMasterPhAnim="0" type="objTx" userDrawn="1">
   <p:cSld name="Объект с подписью">
     <p:spTree>
       <p:nvGrpSpPr>
@@ -2062,7 +2232,7 @@
         <p:cNvGrpSpPr/>
         <p:nvPr/>
       </p:nvGrpSpPr>
-      <p:grpSpPr>
+      <p:grpSpPr bwMode="auto">
         <a:xfrm>
           <a:off x="0" y="0"/>
           <a:ext cx="0" cy="0"/>
@@ -2080,7 +2250,7 @@
             <p:ph type="title"/>
           </p:nvPr>
         </p:nvSpPr>
-        <p:spPr>
+        <p:spPr bwMode="auto">
           <a:xfrm>
             <a:off x="457200" y="273050"/>
             <a:ext cx="3008313" cy="1162050"/>
@@ -2094,10 +2264,14 @@
             </a:lvl1pPr>
           </a:lstStyle>
           <a:p>
+            <a:pPr>
+              <a:defRPr/>
+            </a:pPr>
             <a:r>
               <a:rPr lang="ru-RU"/>
               <a:t>Образец заголовка</a:t>
             </a:r>
+            <a:endParaRPr/>
           </a:p>
         </p:txBody>
       </p:sp>
@@ -2111,7 +2285,7 @@
             <p:ph idx="1"/>
           </p:nvPr>
         </p:nvSpPr>
-        <p:spPr>
+        <p:spPr bwMode="auto">
           <a:xfrm>
             <a:off x="3575050" y="273050"/>
             <a:ext cx="5111750" cy="5853113"/>
@@ -2149,39 +2323,54 @@
             </a:lvl9pPr>
           </a:lstStyle>
           <a:p>
-            <a:pPr lvl="0"/>
+            <a:pPr lvl="0">
+              <a:defRPr/>
+            </a:pPr>
             <a:r>
               <a:rPr lang="ru-RU"/>
               <a:t>Образец текста</a:t>
             </a:r>
-          </a:p>
-          <a:p>
-            <a:pPr lvl="1"/>
+            <a:endParaRPr/>
+          </a:p>
+          <a:p>
+            <a:pPr lvl="1">
+              <a:defRPr/>
+            </a:pPr>
             <a:r>
               <a:rPr lang="ru-RU"/>
               <a:t>Второй уровень</a:t>
             </a:r>
-          </a:p>
-          <a:p>
-            <a:pPr lvl="2"/>
+            <a:endParaRPr/>
+          </a:p>
+          <a:p>
+            <a:pPr lvl="2">
+              <a:defRPr/>
+            </a:pPr>
             <a:r>
               <a:rPr lang="ru-RU"/>
               <a:t>Третий уровень</a:t>
             </a:r>
-          </a:p>
-          <a:p>
-            <a:pPr lvl="3"/>
+            <a:endParaRPr/>
+          </a:p>
+          <a:p>
+            <a:pPr lvl="3">
+              <a:defRPr/>
+            </a:pPr>
             <a:r>
               <a:rPr lang="ru-RU"/>
               <a:t>Четвертый уровень</a:t>
             </a:r>
-          </a:p>
-          <a:p>
-            <a:pPr lvl="4"/>
+            <a:endParaRPr/>
+          </a:p>
+          <a:p>
+            <a:pPr lvl="4">
+              <a:defRPr/>
+            </a:pPr>
             <a:r>
               <a:rPr lang="ru-RU"/>
               <a:t>Пятый уровень</a:t>
             </a:r>
+            <a:endParaRPr/>
           </a:p>
         </p:txBody>
       </p:sp>
@@ -2195,7 +2384,7 @@
             <p:ph type="body" sz="half" idx="2"/>
           </p:nvPr>
         </p:nvSpPr>
-        <p:spPr>
+        <p:spPr bwMode="auto">
           <a:xfrm>
             <a:off x="457200" y="1435100"/>
             <a:ext cx="3008313" cy="4691063"/>
@@ -2242,11 +2431,14 @@
             </a:lvl9pPr>
           </a:lstStyle>
           <a:p>
-            <a:pPr lvl="0"/>
+            <a:pPr lvl="0">
+              <a:defRPr/>
+            </a:pPr>
             <a:r>
               <a:rPr lang="ru-RU"/>
               <a:t>Образец текста</a:t>
             </a:r>
+            <a:endParaRPr/>
           </a:p>
         </p:txBody>
       </p:sp>
@@ -2260,14 +2452,17 @@
             <p:ph type="dt" sz="half" idx="10"/>
           </p:nvPr>
         </p:nvSpPr>
-        <p:spPr/>
+        <p:spPr bwMode="auto"/>
         <p:txBody>
           <a:bodyPr/>
           <a:lstStyle/>
           <a:p>
+            <a:pPr>
+              <a:defRPr/>
+            </a:pPr>
             <a:fld id="{6E62D75B-C3F4-4E3C-ADB7-33E3808D6CE4}" type="datetimeFigureOut">
-              <a:rPr lang="ru-RU" smtClean="0"/>
-              <a:t>25.04.2024</a:t>
+              <a:rPr lang="ru-RU"/>
+              <a:t/>
             </a:fld>
             <a:endParaRPr lang="ru-RU"/>
           </a:p>
@@ -2283,11 +2478,14 @@
             <p:ph type="ftr" sz="quarter" idx="11"/>
           </p:nvPr>
         </p:nvSpPr>
-        <p:spPr/>
+        <p:spPr bwMode="auto"/>
         <p:txBody>
           <a:bodyPr/>
           <a:lstStyle/>
           <a:p>
+            <a:pPr>
+              <a:defRPr/>
+            </a:pPr>
             <a:endParaRPr lang="ru-RU"/>
           </a:p>
         </p:txBody>
@@ -2302,25 +2500,23 @@
             <p:ph type="sldNum" sz="quarter" idx="12"/>
           </p:nvPr>
         </p:nvSpPr>
-        <p:spPr/>
+        <p:spPr bwMode="auto"/>
         <p:txBody>
           <a:bodyPr/>
           <a:lstStyle/>
           <a:p>
+            <a:pPr>
+              <a:defRPr/>
+            </a:pPr>
             <a:fld id="{A8D4CE12-0AFA-4111-B533-B38A2B9BBD8D}" type="slidenum">
-              <a:rPr lang="ru-RU" smtClean="0"/>
-              <a:t>‹#›</a:t>
+              <a:rPr lang="ru-RU"/>
+              <a:t/>
             </a:fld>
             <a:endParaRPr lang="ru-RU"/>
           </a:p>
         </p:txBody>
       </p:sp>
     </p:spTree>
-    <p:extLst>
-      <p:ext uri="{BB962C8B-B14F-4D97-AF65-F5344CB8AC3E}">
-        <p14:creationId xmlns:p14="http://schemas.microsoft.com/office/powerpoint/2010/main" val="1719242039"/>
-      </p:ext>
-    </p:extLst>
   </p:cSld>
   <p:clrMapOvr>
     <a:masterClrMapping/>
@@ -2329,7 +2525,7 @@
 </file>
 
 <file path=ppt/slideLayouts/slideLayout9.xml><?xml version="1.0" encoding="utf-8"?>
-<p:sldLayout xmlns:a="http://schemas.openxmlformats.org/drawingml/2006/main" xmlns:r="http://schemas.openxmlformats.org/officeDocument/2006/relationships" xmlns:p="http://schemas.openxmlformats.org/presentationml/2006/main" type="picTx" preserve="1">
+<p:sldLayout xmlns:a="http://schemas.openxmlformats.org/drawingml/2006/main" xmlns:r="http://schemas.openxmlformats.org/officeDocument/2006/relationships" xmlns:p="http://schemas.openxmlformats.org/presentationml/2006/main" xmlns:m="http://schemas.openxmlformats.org/officeDocument/2006/math" xmlns:w="http://schemas.openxmlformats.org/wordprocessingml/2006/main" matchingName="" preserve="1" showMasterPhAnim="0" type="picTx" userDrawn="1">
   <p:cSld name="Рисунок с подписью">
     <p:spTree>
       <p:nvGrpSpPr>
@@ -2337,7 +2533,7 @@
         <p:cNvGrpSpPr/>
         <p:nvPr/>
       </p:nvGrpSpPr>
-      <p:grpSpPr>
+      <p:grpSpPr bwMode="auto">
         <a:xfrm>
           <a:off x="0" y="0"/>
           <a:ext cx="0" cy="0"/>
@@ -2355,7 +2551,7 @@
             <p:ph type="title"/>
           </p:nvPr>
         </p:nvSpPr>
-        <p:spPr>
+        <p:spPr bwMode="auto">
           <a:xfrm>
             <a:off x="1792288" y="4800600"/>
             <a:ext cx="5486400" cy="566738"/>
@@ -2369,10 +2565,14 @@
             </a:lvl1pPr>
           </a:lstStyle>
           <a:p>
+            <a:pPr>
+              <a:defRPr/>
+            </a:pPr>
             <a:r>
               <a:rPr lang="ru-RU"/>
               <a:t>Образец заголовка</a:t>
             </a:r>
+            <a:endParaRPr/>
           </a:p>
         </p:txBody>
       </p:sp>
@@ -2386,7 +2586,7 @@
             <p:ph type="pic" idx="1"/>
           </p:nvPr>
         </p:nvSpPr>
-        <p:spPr>
+        <p:spPr bwMode="auto">
           <a:xfrm>
             <a:off x="1792288" y="612775"/>
             <a:ext cx="5486400" cy="4114800"/>
@@ -2433,6 +2633,9 @@
             </a:lvl9pPr>
           </a:lstStyle>
           <a:p>
+            <a:pPr>
+              <a:defRPr/>
+            </a:pPr>
             <a:endParaRPr lang="ru-RU"/>
           </a:p>
         </p:txBody>
@@ -2447,7 +2650,7 @@
             <p:ph type="body" sz="half" idx="2"/>
           </p:nvPr>
         </p:nvSpPr>
-        <p:spPr>
+        <p:spPr bwMode="auto">
           <a:xfrm>
             <a:off x="1792288" y="5367338"/>
             <a:ext cx="5486400" cy="804862"/>
@@ -2494,11 +2697,14 @@
             </a:lvl9pPr>
           </a:lstStyle>
           <a:p>
-            <a:pPr lvl="0"/>
+            <a:pPr lvl="0">
+              <a:defRPr/>
+            </a:pPr>
             <a:r>
               <a:rPr lang="ru-RU"/>
               <a:t>Образец текста</a:t>
             </a:r>
+            <a:endParaRPr/>
           </a:p>
         </p:txBody>
       </p:sp>
@@ -2512,14 +2718,17 @@
             <p:ph type="dt" sz="half" idx="10"/>
           </p:nvPr>
         </p:nvSpPr>
-        <p:spPr/>
+        <p:spPr bwMode="auto"/>
         <p:txBody>
           <a:bodyPr/>
           <a:lstStyle/>
           <a:p>
+            <a:pPr>
+              <a:defRPr/>
+            </a:pPr>
             <a:fld id="{6E62D75B-C3F4-4E3C-ADB7-33E3808D6CE4}" type="datetimeFigureOut">
-              <a:rPr lang="ru-RU" smtClean="0"/>
-              <a:t>25.04.2024</a:t>
+              <a:rPr lang="ru-RU"/>
+              <a:t/>
             </a:fld>
             <a:endParaRPr lang="ru-RU"/>
           </a:p>
@@ -2535,11 +2744,14 @@
             <p:ph type="ftr" sz="quarter" idx="11"/>
           </p:nvPr>
         </p:nvSpPr>
-        <p:spPr/>
+        <p:spPr bwMode="auto"/>
         <p:txBody>
           <a:bodyPr/>
           <a:lstStyle/>
           <a:p>
+            <a:pPr>
+              <a:defRPr/>
+            </a:pPr>
             <a:endParaRPr lang="ru-RU"/>
           </a:p>
         </p:txBody>
@@ -2554,25 +2766,23 @@
             <p:ph type="sldNum" sz="quarter" idx="12"/>
           </p:nvPr>
         </p:nvSpPr>
-        <p:spPr/>
+        <p:spPr bwMode="auto"/>
         <p:txBody>
           <a:bodyPr/>
           <a:lstStyle/>
           <a:p>
+            <a:pPr>
+              <a:defRPr/>
+            </a:pPr>
             <a:fld id="{A8D4CE12-0AFA-4111-B533-B38A2B9BBD8D}" type="slidenum">
-              <a:rPr lang="ru-RU" smtClean="0"/>
-              <a:t>‹#›</a:t>
+              <a:rPr lang="ru-RU"/>
+              <a:t/>
             </a:fld>
             <a:endParaRPr lang="ru-RU"/>
           </a:p>
         </p:txBody>
       </p:sp>
     </p:spTree>
-    <p:extLst>
-      <p:ext uri="{BB962C8B-B14F-4D97-AF65-F5344CB8AC3E}">
-        <p14:creationId xmlns:p14="http://schemas.microsoft.com/office/powerpoint/2010/main" val="1359077594"/>
-      </p:ext>
-    </p:extLst>
   </p:cSld>
   <p:clrMapOvr>
     <a:masterClrMapping/>
@@ -2581,8 +2791,8 @@
 </file>
 
 <file path=ppt/slideMasters/slideMaster1.xml><?xml version="1.0" encoding="utf-8"?>
-<p:sldMaster xmlns:a="http://schemas.openxmlformats.org/drawingml/2006/main" xmlns:r="http://schemas.openxmlformats.org/officeDocument/2006/relationships" xmlns:p="http://schemas.openxmlformats.org/presentationml/2006/main">
-  <p:cSld>
+<p:sldMaster xmlns:a="http://schemas.openxmlformats.org/drawingml/2006/main" xmlns:r="http://schemas.openxmlformats.org/officeDocument/2006/relationships" xmlns:p="http://schemas.openxmlformats.org/presentationml/2006/main" xmlns:m="http://schemas.openxmlformats.org/officeDocument/2006/math" xmlns:w="http://schemas.openxmlformats.org/wordprocessingml/2006/main" preserve="0">
+  <p:cSld name="">
     <p:bg>
       <p:bgRef idx="1001">
         <a:schemeClr val="bg1"/>
@@ -2594,7 +2804,7 @@
         <p:cNvGrpSpPr/>
         <p:nvPr/>
       </p:nvGrpSpPr>
-      <p:grpSpPr>
+      <p:grpSpPr bwMode="auto">
         <a:xfrm>
           <a:off x="0" y="0"/>
           <a:ext cx="0" cy="0"/>
@@ -2612,7 +2822,7 @@
             <p:ph type="title"/>
           </p:nvPr>
         </p:nvSpPr>
-        <p:spPr>
+        <p:spPr bwMode="auto">
           <a:xfrm>
             <a:off x="457200" y="274638"/>
             <a:ext cx="8229600" cy="1143000"/>
@@ -2627,10 +2837,14 @@
           </a:bodyPr>
           <a:lstStyle/>
           <a:p>
+            <a:pPr>
+              <a:defRPr/>
+            </a:pPr>
             <a:r>
               <a:rPr lang="ru-RU"/>
               <a:t>Образец заголовка</a:t>
             </a:r>
+            <a:endParaRPr/>
           </a:p>
         </p:txBody>
       </p:sp>
@@ -2644,7 +2858,7 @@
             <p:ph type="body" idx="1"/>
           </p:nvPr>
         </p:nvSpPr>
-        <p:spPr>
+        <p:spPr bwMode="auto">
           <a:xfrm>
             <a:off x="457200" y="1600200"/>
             <a:ext cx="8229600" cy="4525963"/>
@@ -2659,39 +2873,54 @@
           </a:bodyPr>
           <a:lstStyle/>
           <a:p>
-            <a:pPr lvl="0"/>
+            <a:pPr lvl="0">
+              <a:defRPr/>
+            </a:pPr>
             <a:r>
               <a:rPr lang="ru-RU"/>
               <a:t>Образец текста</a:t>
             </a:r>
-          </a:p>
-          <a:p>
-            <a:pPr lvl="1"/>
+            <a:endParaRPr/>
+          </a:p>
+          <a:p>
+            <a:pPr lvl="1">
+              <a:defRPr/>
+            </a:pPr>
             <a:r>
               <a:rPr lang="ru-RU"/>
               <a:t>Второй уровень</a:t>
             </a:r>
-          </a:p>
-          <a:p>
-            <a:pPr lvl="2"/>
+            <a:endParaRPr/>
+          </a:p>
+          <a:p>
+            <a:pPr lvl="2">
+              <a:defRPr/>
+            </a:pPr>
             <a:r>
               <a:rPr lang="ru-RU"/>
               <a:t>Третий уровень</a:t>
             </a:r>
-          </a:p>
-          <a:p>
-            <a:pPr lvl="3"/>
+            <a:endParaRPr/>
+          </a:p>
+          <a:p>
+            <a:pPr lvl="3">
+              <a:defRPr/>
+            </a:pPr>
             <a:r>
               <a:rPr lang="ru-RU"/>
               <a:t>Четвертый уровень</a:t>
             </a:r>
-          </a:p>
-          <a:p>
-            <a:pPr lvl="4"/>
+            <a:endParaRPr/>
+          </a:p>
+          <a:p>
+            <a:pPr lvl="4">
+              <a:defRPr/>
+            </a:pPr>
             <a:r>
               <a:rPr lang="ru-RU"/>
               <a:t>Пятый уровень</a:t>
             </a:r>
+            <a:endParaRPr/>
           </a:p>
         </p:txBody>
       </p:sp>
@@ -2705,7 +2934,7 @@
             <p:ph type="dt" sz="half" idx="2"/>
           </p:nvPr>
         </p:nvSpPr>
-        <p:spPr>
+        <p:spPr bwMode="auto">
           <a:xfrm>
             <a:off x="457200" y="6356350"/>
             <a:ext cx="2133600" cy="365125"/>
@@ -2728,9 +2957,12 @@
             </a:lvl1pPr>
           </a:lstStyle>
           <a:p>
+            <a:pPr>
+              <a:defRPr/>
+            </a:pPr>
             <a:fld id="{6E62D75B-C3F4-4E3C-ADB7-33E3808D6CE4}" type="datetimeFigureOut">
-              <a:rPr lang="ru-RU" smtClean="0"/>
-              <a:t>25.04.2024</a:t>
+              <a:rPr lang="ru-RU"/>
+              <a:t/>
             </a:fld>
             <a:endParaRPr lang="ru-RU"/>
           </a:p>
@@ -2746,7 +2978,7 @@
             <p:ph type="ftr" sz="quarter" idx="3"/>
           </p:nvPr>
         </p:nvSpPr>
-        <p:spPr>
+        <p:spPr bwMode="auto">
           <a:xfrm>
             <a:off x="3124200" y="6356350"/>
             <a:ext cx="2895600" cy="365125"/>
@@ -2769,6 +3001,9 @@
             </a:lvl1pPr>
           </a:lstStyle>
           <a:p>
+            <a:pPr>
+              <a:defRPr/>
+            </a:pPr>
             <a:endParaRPr lang="ru-RU"/>
           </a:p>
         </p:txBody>
@@ -2783,7 +3018,7 @@
             <p:ph type="sldNum" sz="quarter" idx="4"/>
           </p:nvPr>
         </p:nvSpPr>
-        <p:spPr>
+        <p:spPr bwMode="auto">
           <a:xfrm>
             <a:off x="6553200" y="6356350"/>
             <a:ext cx="2133600" cy="365125"/>
@@ -2806,20 +3041,18 @@
             </a:lvl1pPr>
           </a:lstStyle>
           <a:p>
+            <a:pPr>
+              <a:defRPr/>
+            </a:pPr>
             <a:fld id="{A8D4CE12-0AFA-4111-B533-B38A2B9BBD8D}" type="slidenum">
-              <a:rPr lang="ru-RU" smtClean="0"/>
-              <a:t>‹#›</a:t>
+              <a:rPr lang="ru-RU"/>
+              <a:t/>
             </a:fld>
             <a:endParaRPr lang="ru-RU"/>
           </a:p>
         </p:txBody>
       </p:sp>
     </p:spTree>
-    <p:extLst>
-      <p:ext uri="{BB962C8B-B14F-4D97-AF65-F5344CB8AC3E}">
-        <p14:creationId xmlns:p14="http://schemas.microsoft.com/office/powerpoint/2010/main" val="110693841"/>
-      </p:ext>
-    </p:extLst>
   </p:cSld>
   <p:clrMap bg1="lt1" tx1="dk1" bg2="lt2" tx2="dk2" accent1="accent1" accent2="accent2" accent3="accent3" accent4="accent4" accent5="accent5" accent6="accent6" hlink="hlink" folHlink="folHlink"/>
   <p:sldLayoutIdLst>
@@ -2837,12 +3070,12 @@
   </p:sldLayoutIdLst>
   <p:txStyles>
     <p:titleStyle>
-      <a:lvl1pPr algn="ctr" defTabSz="914400" rtl="0" eaLnBrk="1" latinLnBrk="0" hangingPunct="1">
+      <a:lvl1pPr algn="ctr" defTabSz="914400">
         <a:spcBef>
-          <a:spcPct val="0"/>
+          <a:spcPts val="0"/>
         </a:spcBef>
         <a:buNone/>
-        <a:defRPr sz="4400" kern="1200">
+        <a:defRPr sz="4400">
           <a:solidFill>
             <a:schemeClr val="tx1"/>
           </a:solidFill>
@@ -2853,13 +3086,13 @@
       </a:lvl1pPr>
     </p:titleStyle>
     <p:bodyStyle>
-      <a:lvl1pPr marL="342900" indent="-342900" algn="l" defTabSz="914400" rtl="0" eaLnBrk="1" latinLnBrk="0" hangingPunct="1">
+      <a:lvl1pPr marL="342900" indent="-342900" algn="l" defTabSz="914400">
         <a:spcBef>
-          <a:spcPct val="20000"/>
+          <a:spcPts val="0"/>
         </a:spcBef>
-        <a:buFont typeface="Arial" panose="020B0604020202020204" pitchFamily="34" charset="0"/>
+        <a:buFont typeface="Arial"/>
         <a:buChar char="•"/>
-        <a:defRPr sz="3200" kern="1200">
+        <a:defRPr sz="3200">
           <a:solidFill>
             <a:schemeClr val="tx1"/>
           </a:solidFill>
@@ -2868,13 +3101,13 @@
           <a:cs typeface="+mn-cs"/>
         </a:defRPr>
       </a:lvl1pPr>
-      <a:lvl2pPr marL="742950" indent="-285750" algn="l" defTabSz="914400" rtl="0" eaLnBrk="1" latinLnBrk="0" hangingPunct="1">
+      <a:lvl2pPr marL="742950" indent="-285750" algn="l" defTabSz="914400">
         <a:spcBef>
-          <a:spcPct val="20000"/>
+          <a:spcPts val="0"/>
         </a:spcBef>
-        <a:buFont typeface="Arial" panose="020B0604020202020204" pitchFamily="34" charset="0"/>
+        <a:buFont typeface="Arial"/>
         <a:buChar char="–"/>
-        <a:defRPr sz="2800" kern="1200">
+        <a:defRPr sz="2800">
           <a:solidFill>
             <a:schemeClr val="tx1"/>
           </a:solidFill>
@@ -2883,13 +3116,13 @@
           <a:cs typeface="+mn-cs"/>
         </a:defRPr>
       </a:lvl2pPr>
-      <a:lvl3pPr marL="1143000" indent="-228600" algn="l" defTabSz="914400" rtl="0" eaLnBrk="1" latinLnBrk="0" hangingPunct="1">
+      <a:lvl3pPr marL="1143000" indent="-228600" algn="l" defTabSz="914400">
         <a:spcBef>
-          <a:spcPct val="20000"/>
+          <a:spcPts val="0"/>
         </a:spcBef>
-        <a:buFont typeface="Arial" panose="020B0604020202020204" pitchFamily="34" charset="0"/>
+        <a:buFont typeface="Arial"/>
         <a:buChar char="•"/>
-        <a:defRPr sz="2400" kern="1200">
+        <a:defRPr sz="2400">
           <a:solidFill>
             <a:schemeClr val="tx1"/>
           </a:solidFill>
@@ -2898,13 +3131,13 @@
           <a:cs typeface="+mn-cs"/>
         </a:defRPr>
       </a:lvl3pPr>
-      <a:lvl4pPr marL="1600200" indent="-228600" algn="l" defTabSz="914400" rtl="0" eaLnBrk="1" latinLnBrk="0" hangingPunct="1">
+      <a:lvl4pPr marL="1600200" indent="-228600" algn="l" defTabSz="914400">
         <a:spcBef>
-          <a:spcPct val="20000"/>
+          <a:spcPts val="0"/>
         </a:spcBef>
-        <a:buFont typeface="Arial" panose="020B0604020202020204" pitchFamily="34" charset="0"/>
+        <a:buFont typeface="Arial"/>
         <a:buChar char="–"/>
-        <a:defRPr sz="2000" kern="1200">
+        <a:defRPr sz="2000">
           <a:solidFill>
             <a:schemeClr val="tx1"/>
           </a:solidFill>
@@ -2913,13 +3146,13 @@
           <a:cs typeface="+mn-cs"/>
         </a:defRPr>
       </a:lvl4pPr>
-      <a:lvl5pPr marL="2057400" indent="-228600" algn="l" defTabSz="914400" rtl="0" eaLnBrk="1" latinLnBrk="0" hangingPunct="1">
+      <a:lvl5pPr marL="2057400" indent="-228600" algn="l" defTabSz="914400">
         <a:spcBef>
-          <a:spcPct val="20000"/>
+          <a:spcPts val="0"/>
         </a:spcBef>
-        <a:buFont typeface="Arial" panose="020B0604020202020204" pitchFamily="34" charset="0"/>
+        <a:buFont typeface="Arial"/>
         <a:buChar char="»"/>
-        <a:defRPr sz="2000" kern="1200">
+        <a:defRPr sz="2000">
           <a:solidFill>
             <a:schemeClr val="tx1"/>
           </a:solidFill>
@@ -2928,13 +3161,13 @@
           <a:cs typeface="+mn-cs"/>
         </a:defRPr>
       </a:lvl5pPr>
-      <a:lvl6pPr marL="2514600" indent="-228600" algn="l" defTabSz="914400" rtl="0" eaLnBrk="1" latinLnBrk="0" hangingPunct="1">
+      <a:lvl6pPr marL="2514600" indent="-228600" algn="l" defTabSz="914400">
         <a:spcBef>
-          <a:spcPct val="20000"/>
+          <a:spcPts val="0"/>
         </a:spcBef>
-        <a:buFont typeface="Arial" panose="020B0604020202020204" pitchFamily="34" charset="0"/>
+        <a:buFont typeface="Arial"/>
         <a:buChar char="•"/>
-        <a:defRPr sz="2000" kern="1200">
+        <a:defRPr sz="2000">
           <a:solidFill>
             <a:schemeClr val="tx1"/>
           </a:solidFill>
@@ -2943,13 +3176,13 @@
           <a:cs typeface="+mn-cs"/>
         </a:defRPr>
       </a:lvl6pPr>
-      <a:lvl7pPr marL="2971800" indent="-228600" algn="l" defTabSz="914400" rtl="0" eaLnBrk="1" latinLnBrk="0" hangingPunct="1">
+      <a:lvl7pPr marL="2971800" indent="-228600" algn="l" defTabSz="914400">
         <a:spcBef>
-          <a:spcPct val="20000"/>
+          <a:spcPts val="0"/>
         </a:spcBef>
-        <a:buFont typeface="Arial" panose="020B0604020202020204" pitchFamily="34" charset="0"/>
+        <a:buFont typeface="Arial"/>
         <a:buChar char="•"/>
-        <a:defRPr sz="2000" kern="1200">
+        <a:defRPr sz="2000">
           <a:solidFill>
             <a:schemeClr val="tx1"/>
           </a:solidFill>
@@ -2958,13 +3191,13 @@
           <a:cs typeface="+mn-cs"/>
         </a:defRPr>
       </a:lvl7pPr>
-      <a:lvl8pPr marL="3429000" indent="-228600" algn="l" defTabSz="914400" rtl="0" eaLnBrk="1" latinLnBrk="0" hangingPunct="1">
+      <a:lvl8pPr marL="3429000" indent="-228600" algn="l" defTabSz="914400">
         <a:spcBef>
-          <a:spcPct val="20000"/>
+          <a:spcPts val="0"/>
         </a:spcBef>
-        <a:buFont typeface="Arial" panose="020B0604020202020204" pitchFamily="34" charset="0"/>
+        <a:buFont typeface="Arial"/>
         <a:buChar char="•"/>
-        <a:defRPr sz="2000" kern="1200">
+        <a:defRPr sz="2000">
           <a:solidFill>
             <a:schemeClr val="tx1"/>
           </a:solidFill>
@@ -2973,13 +3206,13 @@
           <a:cs typeface="+mn-cs"/>
         </a:defRPr>
       </a:lvl8pPr>
-      <a:lvl9pPr marL="3886200" indent="-228600" algn="l" defTabSz="914400" rtl="0" eaLnBrk="1" latinLnBrk="0" hangingPunct="1">
+      <a:lvl9pPr marL="3886200" indent="-228600" algn="l" defTabSz="914400">
         <a:spcBef>
-          <a:spcPct val="20000"/>
+          <a:spcPts val="0"/>
         </a:spcBef>
-        <a:buFont typeface="Arial" panose="020B0604020202020204" pitchFamily="34" charset="0"/>
+        <a:buFont typeface="Arial"/>
         <a:buChar char="•"/>
-        <a:defRPr sz="2000" kern="1200">
+        <a:defRPr sz="2000">
           <a:solidFill>
             <a:schemeClr val="tx1"/>
           </a:solidFill>
@@ -2993,8 +3226,8 @@
       <a:defPPr>
         <a:defRPr lang="ru-RU"/>
       </a:defPPr>
-      <a:lvl1pPr marL="0" algn="l" defTabSz="914400" rtl="0" eaLnBrk="1" latinLnBrk="0" hangingPunct="1">
-        <a:defRPr sz="1800" kern="1200">
+      <a:lvl1pPr marL="0" algn="l" defTabSz="914400">
+        <a:defRPr sz="1800">
           <a:solidFill>
             <a:schemeClr val="tx1"/>
           </a:solidFill>
@@ -3003,8 +3236,8 @@
           <a:cs typeface="+mn-cs"/>
         </a:defRPr>
       </a:lvl1pPr>
-      <a:lvl2pPr marL="457200" algn="l" defTabSz="914400" rtl="0" eaLnBrk="1" latinLnBrk="0" hangingPunct="1">
-        <a:defRPr sz="1800" kern="1200">
+      <a:lvl2pPr marL="457200" algn="l" defTabSz="914400">
+        <a:defRPr sz="1800">
           <a:solidFill>
             <a:schemeClr val="tx1"/>
           </a:solidFill>
@@ -3013,8 +3246,8 @@
           <a:cs typeface="+mn-cs"/>
         </a:defRPr>
       </a:lvl2pPr>
-      <a:lvl3pPr marL="914400" algn="l" defTabSz="914400" rtl="0" eaLnBrk="1" latinLnBrk="0" hangingPunct="1">
-        <a:defRPr sz="1800" kern="1200">
+      <a:lvl3pPr marL="914400" algn="l" defTabSz="914400">
+        <a:defRPr sz="1800">
           <a:solidFill>
             <a:schemeClr val="tx1"/>
           </a:solidFill>
@@ -3023,8 +3256,8 @@
           <a:cs typeface="+mn-cs"/>
         </a:defRPr>
       </a:lvl3pPr>
-      <a:lvl4pPr marL="1371600" algn="l" defTabSz="914400" rtl="0" eaLnBrk="1" latinLnBrk="0" hangingPunct="1">
-        <a:defRPr sz="1800" kern="1200">
+      <a:lvl4pPr marL="1371600" algn="l" defTabSz="914400">
+        <a:defRPr sz="1800">
           <a:solidFill>
             <a:schemeClr val="tx1"/>
           </a:solidFill>
@@ -3033,8 +3266,8 @@
           <a:cs typeface="+mn-cs"/>
         </a:defRPr>
       </a:lvl4pPr>
-      <a:lvl5pPr marL="1828800" algn="l" defTabSz="914400" rtl="0" eaLnBrk="1" latinLnBrk="0" hangingPunct="1">
-        <a:defRPr sz="1800" kern="1200">
+      <a:lvl5pPr marL="1828800" algn="l" defTabSz="914400">
+        <a:defRPr sz="1800">
           <a:solidFill>
             <a:schemeClr val="tx1"/>
           </a:solidFill>
@@ -3043,8 +3276,8 @@
           <a:cs typeface="+mn-cs"/>
         </a:defRPr>
       </a:lvl5pPr>
-      <a:lvl6pPr marL="2286000" algn="l" defTabSz="914400" rtl="0" eaLnBrk="1" latinLnBrk="0" hangingPunct="1">
-        <a:defRPr sz="1800" kern="1200">
+      <a:lvl6pPr marL="2286000" algn="l" defTabSz="914400">
+        <a:defRPr sz="1800">
           <a:solidFill>
             <a:schemeClr val="tx1"/>
           </a:solidFill>
@@ -3053,8 +3286,8 @@
           <a:cs typeface="+mn-cs"/>
         </a:defRPr>
       </a:lvl6pPr>
-      <a:lvl7pPr marL="2743200" algn="l" defTabSz="914400" rtl="0" eaLnBrk="1" latinLnBrk="0" hangingPunct="1">
-        <a:defRPr sz="1800" kern="1200">
+      <a:lvl7pPr marL="2743200" algn="l" defTabSz="914400">
+        <a:defRPr sz="1800">
           <a:solidFill>
             <a:schemeClr val="tx1"/>
           </a:solidFill>
@@ -3063,8 +3296,8 @@
           <a:cs typeface="+mn-cs"/>
         </a:defRPr>
       </a:lvl7pPr>
-      <a:lvl8pPr marL="3200400" algn="l" defTabSz="914400" rtl="0" eaLnBrk="1" latinLnBrk="0" hangingPunct="1">
-        <a:defRPr sz="1800" kern="1200">
+      <a:lvl8pPr marL="3200400" algn="l" defTabSz="914400">
+        <a:defRPr sz="1800">
           <a:solidFill>
             <a:schemeClr val="tx1"/>
           </a:solidFill>
@@ -3073,8 +3306,8 @@
           <a:cs typeface="+mn-cs"/>
         </a:defRPr>
       </a:lvl8pPr>
-      <a:lvl9pPr marL="3657600" algn="l" defTabSz="914400" rtl="0" eaLnBrk="1" latinLnBrk="0" hangingPunct="1">
-        <a:defRPr sz="1800" kern="1200">
+      <a:lvl9pPr marL="3657600" algn="l" defTabSz="914400">
+        <a:defRPr sz="1800">
           <a:solidFill>
             <a:schemeClr val="tx1"/>
           </a:solidFill>
@@ -3089,15 +3322,15 @@
 </file>
 
 <file path=ppt/slides/slide1.xml><?xml version="1.0" encoding="utf-8"?>
-<p:sld xmlns:a="http://schemas.openxmlformats.org/drawingml/2006/main" xmlns:r="http://schemas.openxmlformats.org/officeDocument/2006/relationships" xmlns:p="http://schemas.openxmlformats.org/presentationml/2006/main">
-  <p:cSld>
+<p:sld xmlns:a="http://schemas.openxmlformats.org/drawingml/2006/main" xmlns:r="http://schemas.openxmlformats.org/officeDocument/2006/relationships" xmlns:p="http://schemas.openxmlformats.org/presentationml/2006/main" xmlns:m="http://schemas.openxmlformats.org/officeDocument/2006/math" xmlns:w="http://schemas.openxmlformats.org/wordprocessingml/2006/main" showMasterPhAnim="0" show="1">
+  <p:cSld name="">
     <p:spTree>
       <p:nvGrpSpPr>
         <p:cNvPr id="1" name=""/>
         <p:cNvGrpSpPr/>
         <p:nvPr/>
       </p:nvGrpSpPr>
-      <p:grpSpPr>
+      <p:grpSpPr bwMode="auto">
         <a:xfrm>
           <a:off x="0" y="0"/>
           <a:ext cx="0" cy="0"/>
@@ -3115,7 +3348,7 @@
             <p:ph type="ctrTitle"/>
           </p:nvPr>
         </p:nvSpPr>
-        <p:spPr>
+        <p:spPr bwMode="auto">
           <a:xfrm>
             <a:off x="683568" y="2060848"/>
             <a:ext cx="7774632" cy="2736304"/>
@@ -3127,7 +3360,7 @@
           </a:bodyPr>
           <a:lstStyle/>
           <a:p>
-            <a:pPr marL="0" marR="0" lvl="0" indent="0" algn="ctr" rtl="0">
+            <a:pPr marL="0" marR="0" lvl="0" indent="0" algn="ctr">
               <a:lnSpc>
                 <a:spcPct val="100000"/>
               </a:lnSpc>
@@ -3143,27 +3376,26 @@
               <a:buSzPts val="3200"/>
               <a:buFont typeface="Arial"/>
               <a:buNone/>
-            </a:pPr>
-            <a:r>
-              <a:rPr lang="ru-RU" sz="2800" b="1" i="0" u="none" strike="noStrike" cap="none" dirty="0">
+              <a:defRPr/>
+            </a:pPr>
+            <a:r>
+              <a:rPr lang="ru-RU" sz="2800" b="1" i="0" u="none" strike="noStrike" cap="none">
                 <a:solidFill>
                   <a:schemeClr val="dk1"/>
                 </a:solidFill>
                 <a:latin typeface="Times New Roman"/>
                 <a:ea typeface="Times New Roman"/>
                 <a:cs typeface="Times New Roman"/>
-                <a:sym typeface="Times New Roman"/>
               </a:rPr>
               <a:t>Создание веб-сервиса для индивидуального подбора и сравнения тарифов мобильных операторов с учетом финансовых предпочтений пользователя</a:t>
             </a:r>
-            <a:endParaRPr lang="ru-RU" sz="2800" b="0" i="0" u="none" strike="noStrike" cap="none" dirty="0">
+            <a:endParaRPr lang="ru-RU" sz="2800" b="0" i="0" u="none" strike="noStrike" cap="none">
               <a:solidFill>
                 <a:srgbClr val="000000"/>
               </a:solidFill>
               <a:latin typeface="Arial"/>
               <a:ea typeface="Arial"/>
               <a:cs typeface="Arial"/>
-              <a:sym typeface="Arial"/>
             </a:endParaRPr>
           </a:p>
         </p:txBody>
@@ -3178,7 +3410,7 @@
             <p:ph type="subTitle" idx="1"/>
           </p:nvPr>
         </p:nvSpPr>
-        <p:spPr>
+        <p:spPr bwMode="auto">
           <a:xfrm>
             <a:off x="683568" y="5373216"/>
             <a:ext cx="8136904" cy="1152128"/>
@@ -3190,7 +3422,7 @@
           </a:bodyPr>
           <a:lstStyle/>
           <a:p>
-            <a:pPr marL="0" marR="0" lvl="0" indent="0" algn="l" rtl="0">
+            <a:pPr marL="0" marR="0" lvl="0" indent="0" algn="l">
               <a:lnSpc>
                 <a:spcPct val="100000"/>
               </a:lnSpc>
@@ -3206,117 +3438,102 @@
               <a:buSzPts val="2400"/>
               <a:buFont typeface="Arial"/>
               <a:buNone/>
-            </a:pPr>
-            <a:r>
-              <a:rPr lang="ru-RU" sz="2000" b="0" i="0" u="none" strike="noStrike" cap="none" dirty="0">
+              <a:defRPr/>
+            </a:pPr>
+            <a:r>
+              <a:rPr lang="ru-RU" sz="2000" b="0" i="0" u="none" strike="noStrike" cap="none">
                 <a:solidFill>
                   <a:schemeClr val="dk1"/>
                 </a:solidFill>
                 <a:latin typeface="Times New Roman"/>
                 <a:ea typeface="Times New Roman"/>
                 <a:cs typeface="Times New Roman"/>
-                <a:sym typeface="Times New Roman"/>
               </a:rPr>
               <a:t>Исполнитель: студент группы ПрИн-466 </a:t>
             </a:r>
             <a:r>
-              <a:rPr lang="ru-RU" sz="2000" dirty="0" err="1">
+              <a:rPr lang="ru-RU" sz="2000">
                 <a:solidFill>
                   <a:schemeClr val="dk1"/>
                 </a:solidFill>
                 <a:latin typeface="Times New Roman"/>
                 <a:ea typeface="Times New Roman"/>
                 <a:cs typeface="Times New Roman"/>
-                <a:sym typeface="Times New Roman"/>
               </a:rPr>
               <a:t>Козарез</a:t>
             </a:r>
             <a:r>
-              <a:rPr lang="ru-RU" sz="2000" dirty="0">
+              <a:rPr lang="ru-RU" sz="2000">
                 <a:solidFill>
                   <a:schemeClr val="dk1"/>
                 </a:solidFill>
                 <a:latin typeface="Times New Roman"/>
                 <a:ea typeface="Times New Roman"/>
                 <a:cs typeface="Times New Roman"/>
-                <a:sym typeface="Times New Roman"/>
               </a:rPr>
               <a:t> М.В.</a:t>
             </a:r>
             <a:br>
-              <a:rPr lang="ru-RU" sz="2000" b="0" i="0" u="none" strike="noStrike" cap="none" dirty="0">
+              <a:rPr lang="ru-RU" sz="2000" b="0" i="0" u="none" strike="noStrike" cap="none">
                 <a:solidFill>
                   <a:schemeClr val="dk1"/>
                 </a:solidFill>
                 <a:latin typeface="Times New Roman"/>
                 <a:ea typeface="Times New Roman"/>
                 <a:cs typeface="Times New Roman"/>
-                <a:sym typeface="Times New Roman"/>
               </a:rPr>
             </a:br>
             <a:r>
-              <a:rPr lang="ru-RU" sz="2000" b="0" i="0" u="none" strike="noStrike" cap="none" dirty="0">
+              <a:rPr lang="ru-RU" sz="2000" b="0" i="0" u="none" strike="noStrike" cap="none">
                 <a:solidFill>
                   <a:schemeClr val="dk1"/>
                 </a:solidFill>
                 <a:latin typeface="Times New Roman"/>
                 <a:ea typeface="Times New Roman"/>
                 <a:cs typeface="Times New Roman"/>
-                <a:sym typeface="Times New Roman"/>
               </a:rPr>
               <a:t>Научный руководитель: </a:t>
             </a:r>
             <a:r>
-              <a:rPr lang="ru-RU" sz="2000" b="0" i="0" u="none" strike="noStrike" cap="none" dirty="0" err="1">
+              <a:rPr lang="ru-RU" sz="2000" b="0" i="0" u="none" strike="noStrike" cap="none">
                 <a:solidFill>
                   <a:schemeClr val="dk1"/>
                 </a:solidFill>
                 <a:latin typeface="Times New Roman"/>
                 <a:ea typeface="Times New Roman"/>
                 <a:cs typeface="Times New Roman"/>
-                <a:sym typeface="Times New Roman"/>
               </a:rPr>
               <a:t>Гилка</a:t>
             </a:r>
             <a:r>
-              <a:rPr lang="ru-RU" sz="2000" b="0" i="0" u="none" strike="noStrike" cap="none" dirty="0">
+              <a:rPr lang="ru-RU" sz="2000" b="0" i="0" u="none" strike="noStrike" cap="none">
                 <a:solidFill>
                   <a:schemeClr val="dk1"/>
                 </a:solidFill>
                 <a:latin typeface="Times New Roman"/>
                 <a:ea typeface="Times New Roman"/>
                 <a:cs typeface="Times New Roman"/>
-                <a:sym typeface="Times New Roman"/>
               </a:rPr>
               <a:t> В.В., ст. преподаватель </a:t>
             </a:r>
-            <a:endParaRPr lang="ru-RU" sz="1200" b="0" i="0" u="none" strike="noStrike" cap="none" dirty="0">
+            <a:endParaRPr lang="ru-RU" sz="1200" b="0" i="0" u="none" strike="noStrike" cap="none">
               <a:solidFill>
                 <a:srgbClr val="000000"/>
               </a:solidFill>
               <a:latin typeface="Arial"/>
               <a:ea typeface="Arial"/>
               <a:cs typeface="Arial"/>
-              <a:sym typeface="Arial"/>
             </a:endParaRPr>
           </a:p>
         </p:txBody>
       </p:sp>
       <p:sp>
         <p:nvSpPr>
-          <p:cNvPr id="5" name="Заголовок 1">
-            <a:extLst>
-              <a:ext uri="{FF2B5EF4-FFF2-40B4-BE49-F238E27FC236}">
-                <a16:creationId xmlns:a16="http://schemas.microsoft.com/office/drawing/2014/main" id="{E5B3596C-C9D3-6940-D6E6-B037A96045E1}"/>
-              </a:ext>
-            </a:extLst>
-          </p:cNvPr>
-          <p:cNvSpPr txBox="1">
-            <a:spLocks/>
-          </p:cNvSpPr>
+          <p:cNvPr id="5" name="Заголовок 1"/>
+          <p:cNvSpPr txBox="1"/>
           <p:nvPr/>
         </p:nvSpPr>
-        <p:spPr>
+        <p:spPr bwMode="auto">
           <a:xfrm>
             <a:off x="685800" y="476672"/>
             <a:ext cx="7772400" cy="1512168"/>
@@ -3330,12 +3547,12 @@
             <a:normAutofit/>
           </a:bodyPr>
           <a:lstStyle>
-            <a:lvl1pPr algn="ctr" defTabSz="914400" rtl="0" eaLnBrk="1" latinLnBrk="0" hangingPunct="1">
+            <a:lvl1pPr algn="ctr" defTabSz="914400">
               <a:spcBef>
-                <a:spcPct val="0"/>
+                <a:spcPts val="0"/>
               </a:spcBef>
               <a:buNone/>
-              <a:defRPr sz="4400" kern="1200">
+              <a:defRPr sz="4400">
                 <a:solidFill>
                   <a:schemeClr val="tx1"/>
                 </a:solidFill>
@@ -3346,7 +3563,7 @@
             </a:lvl1pPr>
           </a:lstStyle>
           <a:p>
-            <a:pPr marL="0" marR="0" lvl="0" indent="0" algn="ctr" rtl="0">
+            <a:pPr marL="0" marR="0" lvl="0" indent="0" algn="ctr">
               <a:lnSpc>
                 <a:spcPct val="100000"/>
               </a:lnSpc>
@@ -3362,31 +3579,30 @@
               <a:buSzPts val="2400"/>
               <a:buFont typeface="Arial"/>
               <a:buNone/>
-            </a:pPr>
-            <a:r>
-              <a:rPr lang="ru-RU" sz="2000" b="0" i="0" u="none" strike="noStrike" cap="none" dirty="0">
+              <a:defRPr/>
+            </a:pPr>
+            <a:r>
+              <a:rPr lang="ru-RU" sz="2000" b="0" i="0" u="none" strike="noStrike" cap="none">
                 <a:solidFill>
                   <a:schemeClr val="dk1"/>
                 </a:solidFill>
                 <a:latin typeface="Times New Roman"/>
                 <a:ea typeface="Times New Roman"/>
                 <a:cs typeface="Times New Roman"/>
-                <a:sym typeface="Times New Roman"/>
               </a:rPr>
               <a:t>Волгоградский Государственный Технический Университет </a:t>
             </a:r>
-            <a:endParaRPr lang="ru-RU" sz="1200" b="0" i="0" u="none" strike="noStrike" cap="none" dirty="0">
+            <a:endParaRPr lang="ru-RU" sz="1200" b="0" i="0" u="none" strike="noStrike" cap="none">
               <a:solidFill>
                 <a:srgbClr val="000000"/>
               </a:solidFill>
               <a:latin typeface="Arial"/>
               <a:ea typeface="Arial"/>
               <a:cs typeface="Arial"/>
-              <a:sym typeface="Arial"/>
             </a:endParaRPr>
           </a:p>
           <a:p>
-            <a:pPr marL="0" marR="0" lvl="0" indent="0" algn="ctr" rtl="0">
+            <a:pPr marL="0" marR="0" lvl="0" indent="0" algn="ctr">
               <a:lnSpc>
                 <a:spcPct val="100000"/>
               </a:lnSpc>
@@ -3402,54 +3618,56 @@
               <a:buSzPts val="2400"/>
               <a:buFont typeface="Arial"/>
               <a:buNone/>
-            </a:pPr>
-            <a:r>
-              <a:rPr lang="ru-RU" sz="2000" b="0" i="0" u="none" strike="noStrike" cap="none" dirty="0">
+              <a:defRPr/>
+            </a:pPr>
+            <a:r>
+              <a:rPr lang="ru-RU" sz="2000" b="0" i="0" u="none" strike="noStrike" cap="none">
                 <a:solidFill>
                   <a:schemeClr val="dk1"/>
                 </a:solidFill>
                 <a:latin typeface="Times New Roman"/>
                 <a:ea typeface="Times New Roman"/>
                 <a:cs typeface="Times New Roman"/>
-                <a:sym typeface="Times New Roman"/>
               </a:rPr>
               <a:t>Кафедра «Программное обеспечение автоматизированных систем»</a:t>
             </a:r>
-            <a:endParaRPr lang="ru-RU" sz="1200" b="0" i="0" u="none" strike="noStrike" cap="none" dirty="0">
+            <a:endParaRPr lang="ru-RU" sz="1200" b="0" i="0" u="none" strike="noStrike" cap="none">
               <a:solidFill>
                 <a:srgbClr val="000000"/>
               </a:solidFill>
               <a:latin typeface="Arial"/>
               <a:ea typeface="Arial"/>
               <a:cs typeface="Arial"/>
-              <a:sym typeface="Arial"/>
             </a:endParaRPr>
           </a:p>
         </p:txBody>
       </p:sp>
     </p:spTree>
-    <p:extLst>
-      <p:ext uri="{BB962C8B-B14F-4D97-AF65-F5344CB8AC3E}">
-        <p14:creationId xmlns:p14="http://schemas.microsoft.com/office/powerpoint/2010/main" val="2934706840"/>
-      </p:ext>
-    </p:extLst>
   </p:cSld>
   <p:clrMapOvr>
     <a:masterClrMapping/>
   </p:clrMapOvr>
+  <mc:AlternateContent xmlns:mc="http://schemas.openxmlformats.org/markup-compatibility/2006">
+    <mc:Choice xmlns:p14="http://schemas.microsoft.com/office/powerpoint/2010/main" Requires="p14">
+      <p:transition p14:dur="2000" advClick="1"/>
+    </mc:Choice>
+    <mc:Fallback>
+      <p:transition advClick="1"/>
+    </mc:Fallback>
+  </mc:AlternateContent>
 </p:sld>
 </file>
 
 <file path=ppt/slides/slide10.xml><?xml version="1.0" encoding="utf-8"?>
-<p:sld xmlns:a="http://schemas.openxmlformats.org/drawingml/2006/main" xmlns:r="http://schemas.openxmlformats.org/officeDocument/2006/relationships" xmlns:p="http://schemas.openxmlformats.org/presentationml/2006/main">
-  <p:cSld>
+<p:sld xmlns:a="http://schemas.openxmlformats.org/drawingml/2006/main" xmlns:r="http://schemas.openxmlformats.org/officeDocument/2006/relationships" xmlns:p="http://schemas.openxmlformats.org/presentationml/2006/main" xmlns:m="http://schemas.openxmlformats.org/officeDocument/2006/math" xmlns:w="http://schemas.openxmlformats.org/wordprocessingml/2006/main" showMasterPhAnim="0" show="1">
+  <p:cSld name="">
     <p:spTree>
       <p:nvGrpSpPr>
         <p:cNvPr id="1" name=""/>
         <p:cNvGrpSpPr/>
         <p:nvPr/>
       </p:nvGrpSpPr>
-      <p:grpSpPr>
+      <p:grpSpPr bwMode="auto">
         <a:xfrm>
           <a:off x="0" y="0"/>
           <a:ext cx="0" cy="0"/>
@@ -3467,7 +3685,7 @@
             <p:ph type="ctrTitle"/>
           </p:nvPr>
         </p:nvSpPr>
-        <p:spPr>
+        <p:spPr bwMode="auto">
           <a:xfrm>
             <a:off x="467544" y="188640"/>
             <a:ext cx="8136904" cy="648071"/>
@@ -3479,10 +3697,14 @@
           </a:bodyPr>
           <a:lstStyle/>
           <a:p>
-            <a:r>
-              <a:rPr lang="ru-RU" sz="3600" dirty="0"/>
+            <a:pPr>
+              <a:defRPr/>
+            </a:pPr>
+            <a:r>
+              <a:rPr lang="ru-RU" sz="3600"/>
               <a:t>Обзор аналогов</a:t>
             </a:r>
+            <a:endParaRPr/>
           </a:p>
         </p:txBody>
       </p:sp>
@@ -3496,7 +3718,7 @@
             <p:ph type="subTitle" idx="1"/>
           </p:nvPr>
         </p:nvSpPr>
-        <p:spPr>
+        <p:spPr bwMode="auto">
           <a:xfrm>
             <a:off x="498190" y="1340768"/>
             <a:ext cx="8106258" cy="4896544"/>
@@ -3508,16 +3730,18 @@
           </a:bodyPr>
           <a:lstStyle/>
           <a:p>
-            <a:pPr algn="l"/>
-            <a:r>
-              <a:rPr lang="en-US" sz="2800" dirty="0">
+            <a:pPr algn="l">
+              <a:defRPr/>
+            </a:pPr>
+            <a:r>
+              <a:rPr lang="en-US" sz="2800">
                 <a:solidFill>
                   <a:schemeClr val="tx1"/>
                 </a:solidFill>
               </a:rPr>
               <a:t> </a:t>
             </a:r>
-            <a:endParaRPr lang="ru-RU" sz="2800" dirty="0">
+            <a:endParaRPr lang="ru-RU" sz="2800">
               <a:solidFill>
                 <a:schemeClr val="tx1"/>
               </a:solidFill>
@@ -3527,105 +3751,51 @@
       </p:sp>
       <p:graphicFrame>
         <p:nvGraphicFramePr>
-          <p:cNvPr id="6" name="Таблица 5">
-            <a:extLst>
-              <a:ext uri="{FF2B5EF4-FFF2-40B4-BE49-F238E27FC236}">
-                <a16:creationId xmlns:a16="http://schemas.microsoft.com/office/drawing/2014/main" id="{09C1BE9A-A813-D15B-9A1D-4AE9A80D08A0}"/>
-              </a:ext>
-            </a:extLst>
-          </p:cNvPr>
+          <p:cNvPr id="6" name="Таблица 5"/>
           <p:cNvGraphicFramePr>
-            <a:graphicFrameLocks noGrp="1"/>
+            <a:graphicFrameLocks xmlns:a="http://schemas.openxmlformats.org/drawingml/2006/main" noGrp="1"/>
           </p:cNvGraphicFramePr>
-          <p:nvPr>
-            <p:extLst>
-              <p:ext uri="{D42A27DB-BD31-4B8C-83A1-F6EECF244321}">
-                <p14:modId xmlns:p14="http://schemas.microsoft.com/office/powerpoint/2010/main" val="824645015"/>
-              </p:ext>
-            </p:extLst>
-          </p:nvPr>
+          <p:nvPr/>
         </p:nvGraphicFramePr>
         <p:xfrm>
           <a:off x="107504" y="1052737"/>
-          <a:ext cx="8928990" cy="6048674"/>
+          <a:ext cx="8928990" cy="6048673"/>
         </p:xfrm>
         <a:graphic>
           <a:graphicData uri="http://schemas.openxmlformats.org/drawingml/2006/table">
             <a:tbl>
-              <a:tblPr firstRow="1" bandRow="1">
+              <a:tblPr firstRow="1" firstCol="0" lastRow="0" lastCol="0" bandRow="1" bandCol="0">
                 <a:tableStyleId>{5C22544A-7EE6-4342-B048-85BDC9FD1C3A}</a:tableStyleId>
               </a:tblPr>
               <a:tblGrid>
-                <a:gridCol w="1669649">
-                  <a:extLst>
-                    <a:ext uri="{9D8B030D-6E8A-4147-A177-3AD203B41FA5}">
-                      <a16:colId xmlns:a16="http://schemas.microsoft.com/office/drawing/2014/main" val="1853289122"/>
-                    </a:ext>
-                  </a:extLst>
-                </a:gridCol>
-                <a:gridCol w="1016308">
-                  <a:extLst>
-                    <a:ext uri="{9D8B030D-6E8A-4147-A177-3AD203B41FA5}">
-                      <a16:colId xmlns:a16="http://schemas.microsoft.com/office/drawing/2014/main" val="3865696790"/>
-                    </a:ext>
-                  </a:extLst>
-                </a:gridCol>
-                <a:gridCol w="1306682">
-                  <a:extLst>
-                    <a:ext uri="{9D8B030D-6E8A-4147-A177-3AD203B41FA5}">
-                      <a16:colId xmlns:a16="http://schemas.microsoft.com/office/drawing/2014/main" val="3416216570"/>
-                    </a:ext>
-                  </a:extLst>
-                </a:gridCol>
-                <a:gridCol w="943715">
-                  <a:extLst>
-                    <a:ext uri="{9D8B030D-6E8A-4147-A177-3AD203B41FA5}">
-                      <a16:colId xmlns:a16="http://schemas.microsoft.com/office/drawing/2014/main" val="3210278197"/>
-                    </a:ext>
-                  </a:extLst>
-                </a:gridCol>
-                <a:gridCol w="871121">
-                  <a:extLst>
-                    <a:ext uri="{9D8B030D-6E8A-4147-A177-3AD203B41FA5}">
-                      <a16:colId xmlns:a16="http://schemas.microsoft.com/office/drawing/2014/main" val="352165895"/>
-                    </a:ext>
-                  </a:extLst>
-                </a:gridCol>
-                <a:gridCol w="1597056">
-                  <a:extLst>
-                    <a:ext uri="{9D8B030D-6E8A-4147-A177-3AD203B41FA5}">
-                      <a16:colId xmlns:a16="http://schemas.microsoft.com/office/drawing/2014/main" val="1852640172"/>
-                    </a:ext>
-                  </a:extLst>
-                </a:gridCol>
-                <a:gridCol w="1524459">
-                  <a:extLst>
-                    <a:ext uri="{9D8B030D-6E8A-4147-A177-3AD203B41FA5}">
-                      <a16:colId xmlns:a16="http://schemas.microsoft.com/office/drawing/2014/main" val="985756075"/>
-                    </a:ext>
-                  </a:extLst>
-                </a:gridCol>
+                <a:gridCol w="1669649"/>
+                <a:gridCol w="1016308"/>
+                <a:gridCol w="1306682"/>
+                <a:gridCol w="943715"/>
+                <a:gridCol w="871121"/>
+                <a:gridCol w="1597056"/>
+                <a:gridCol w="1524459"/>
               </a:tblGrid>
               <a:tr h="732662">
                 <a:tc>
                   <a:txBody>
                     <a:bodyPr/>
-                    <a:lstStyle/>
                     <a:p>
-                      <a:pPr algn="ctr"/>
+                      <a:pPr algn="ctr">
+                        <a:defRPr/>
+                      </a:pPr>
                       <a:r>
-                        <a:rPr lang="ru-RU" sz="1800" b="1" kern="1200" dirty="0">
+                        <a:rPr lang="ru-RU" sz="1800" b="1">
                           <a:solidFill>
                             <a:schemeClr val="lt1"/>
                           </a:solidFill>
-                          <a:effectLst/>
                           <a:latin typeface="+mn-lt"/>
                           <a:ea typeface="+mn-ea"/>
                           <a:cs typeface="+mn-cs"/>
                         </a:rPr>
                         <a:t>Критерий сравнения</a:t>
                       </a:r>
-                      <a:endParaRPr lang="ru-RU" dirty="0"/>
+                      <a:endParaRPr lang="ru-RU"/>
                     </a:p>
                   </a:txBody>
                   <a:tcPr/>
@@ -3633,22 +3803,22 @@
                 <a:tc>
                   <a:txBody>
                     <a:bodyPr/>
-                    <a:lstStyle/>
                     <a:p>
-                      <a:pPr algn="ctr"/>
+                      <a:pPr algn="ctr">
+                        <a:defRPr/>
+                      </a:pPr>
                       <a:r>
-                        <a:rPr lang="en-US" sz="1800" b="1" kern="1200" dirty="0">
+                        <a:rPr lang="en-US" sz="1800" b="1">
                           <a:solidFill>
                             <a:schemeClr val="lt1"/>
                           </a:solidFill>
-                          <a:effectLst/>
                           <a:latin typeface="+mn-lt"/>
                           <a:ea typeface="+mn-ea"/>
                           <a:cs typeface="+mn-cs"/>
                         </a:rPr>
                         <a:t>Banki.ru</a:t>
                       </a:r>
-                      <a:endParaRPr lang="ru-RU" dirty="0"/>
+                      <a:endParaRPr lang="ru-RU"/>
                     </a:p>
                   </a:txBody>
                   <a:tcPr/>
@@ -3656,15 +3826,15 @@
                 <a:tc>
                   <a:txBody>
                     <a:bodyPr/>
-                    <a:lstStyle/>
                     <a:p>
-                      <a:pPr algn="ctr"/>
+                      <a:pPr algn="ctr">
+                        <a:defRPr/>
+                      </a:pPr>
                       <a:r>
-                        <a:rPr lang="ru-RU" sz="1800" b="1" kern="1200" dirty="0">
+                        <a:rPr lang="ru-RU" sz="1800" b="1">
                           <a:solidFill>
                             <a:schemeClr val="lt1"/>
                           </a:solidFill>
-                          <a:effectLst/>
                           <a:latin typeface="+mn-lt"/>
                           <a:ea typeface="+mn-ea"/>
                           <a:cs typeface="+mn-cs"/>
@@ -3672,11 +3842,10 @@
                         <a:t>Сравни</a:t>
                       </a:r>
                       <a:r>
-                        <a:rPr lang="en-US" sz="1800" b="1" kern="1200" dirty="0">
+                        <a:rPr lang="en-US" sz="1800" b="1">
                           <a:solidFill>
                             <a:schemeClr val="lt1"/>
                           </a:solidFill>
-                          <a:effectLst/>
                           <a:latin typeface="+mn-lt"/>
                           <a:ea typeface="+mn-ea"/>
                           <a:cs typeface="+mn-cs"/>
@@ -3684,18 +3853,17 @@
                         <a:t>.</a:t>
                       </a:r>
                       <a:r>
-                        <a:rPr lang="ru-RU" sz="1800" b="1" kern="1200" dirty="0" err="1">
+                        <a:rPr lang="ru-RU" sz="1800" b="1">
                           <a:solidFill>
                             <a:schemeClr val="lt1"/>
                           </a:solidFill>
-                          <a:effectLst/>
                           <a:latin typeface="+mn-lt"/>
                           <a:ea typeface="+mn-ea"/>
                           <a:cs typeface="+mn-cs"/>
                         </a:rPr>
                         <a:t>ру</a:t>
                       </a:r>
-                      <a:endParaRPr lang="ru-RU" dirty="0"/>
+                      <a:endParaRPr lang="ru-RU"/>
                     </a:p>
                   </a:txBody>
                   <a:tcPr/>
@@ -3703,15 +3871,15 @@
                 <a:tc>
                   <a:txBody>
                     <a:bodyPr/>
-                    <a:lstStyle/>
                     <a:p>
-                      <a:pPr algn="ctr"/>
+                      <a:pPr algn="ctr">
+                        <a:defRPr/>
+                      </a:pPr>
                       <a:r>
-                        <a:rPr lang="en-US" sz="1800" b="1" kern="1200" dirty="0" err="1">
+                        <a:rPr lang="en-US" sz="1800" b="1">
                           <a:solidFill>
                             <a:schemeClr val="lt1"/>
                           </a:solidFill>
-                          <a:effectLst/>
                           <a:latin typeface="+mn-lt"/>
                           <a:ea typeface="+mn-ea"/>
                           <a:cs typeface="+mn-cs"/>
@@ -3719,18 +3887,17 @@
                         <a:t>Unlim</a:t>
                       </a:r>
                       <a:r>
-                        <a:rPr lang="en-US" sz="1800" b="1" kern="1200" dirty="0">
+                        <a:rPr lang="en-US" sz="1800" b="1">
                           <a:solidFill>
                             <a:schemeClr val="lt1"/>
                           </a:solidFill>
-                          <a:effectLst/>
                           <a:latin typeface="+mn-lt"/>
                           <a:ea typeface="+mn-ea"/>
                           <a:cs typeface="+mn-cs"/>
                         </a:rPr>
                         <a:t> Tariffs</a:t>
                       </a:r>
-                      <a:endParaRPr lang="ru-RU" dirty="0"/>
+                      <a:endParaRPr lang="ru-RU"/>
                     </a:p>
                   </a:txBody>
                   <a:tcPr/>
@@ -3738,22 +3905,22 @@
                 <a:tc>
                   <a:txBody>
                     <a:bodyPr/>
-                    <a:lstStyle/>
                     <a:p>
-                      <a:pPr algn="ctr"/>
+                      <a:pPr algn="ctr">
+                        <a:defRPr/>
+                      </a:pPr>
                       <a:r>
-                        <a:rPr lang="en-US" sz="1800" b="1" kern="1200" dirty="0" err="1">
+                        <a:rPr lang="en-US" sz="1800" b="1">
                           <a:solidFill>
                             <a:schemeClr val="lt1"/>
                           </a:solidFill>
-                          <a:effectLst/>
                           <a:latin typeface="+mn-lt"/>
                           <a:ea typeface="+mn-ea"/>
                           <a:cs typeface="+mn-cs"/>
                         </a:rPr>
                         <a:t>Tarifer</a:t>
                       </a:r>
-                      <a:endParaRPr lang="ru-RU" dirty="0"/>
+                      <a:endParaRPr lang="ru-RU"/>
                     </a:p>
                   </a:txBody>
                   <a:tcPr/>
@@ -3761,22 +3928,22 @@
                 <a:tc>
                   <a:txBody>
                     <a:bodyPr/>
-                    <a:lstStyle/>
                     <a:p>
-                      <a:pPr algn="ctr"/>
+                      <a:pPr algn="ctr">
+                        <a:defRPr/>
+                      </a:pPr>
                       <a:r>
-                        <a:rPr lang="ru-RU" sz="1800" b="1" kern="1200" dirty="0" err="1">
+                        <a:rPr lang="ru-RU" sz="1800" b="1">
                           <a:solidFill>
                             <a:schemeClr val="lt1"/>
                           </a:solidFill>
-                          <a:effectLst/>
                           <a:latin typeface="+mn-lt"/>
                           <a:ea typeface="+mn-ea"/>
                           <a:cs typeface="+mn-cs"/>
                         </a:rPr>
                         <a:t>Сравни.Тариф</a:t>
                       </a:r>
-                      <a:endParaRPr lang="ru-RU" dirty="0"/>
+                      <a:endParaRPr lang="ru-RU"/>
                     </a:p>
                   </a:txBody>
                   <a:tcPr/>
@@ -3784,52 +3951,47 @@
                 <a:tc>
                   <a:txBody>
                     <a:bodyPr/>
-                    <a:lstStyle/>
                     <a:p>
-                      <a:pPr algn="ctr"/>
+                      <a:pPr algn="ctr">
+                        <a:defRPr/>
+                      </a:pPr>
                       <a:r>
-                        <a:rPr lang="en-US" sz="1800" b="1" kern="1200" dirty="0">
+                        <a:rPr lang="en-US" sz="1800" b="1">
                           <a:solidFill>
                             <a:schemeClr val="lt1"/>
                           </a:solidFill>
-                          <a:effectLst/>
                           <a:latin typeface="+mn-lt"/>
                           <a:ea typeface="+mn-ea"/>
                           <a:cs typeface="+mn-cs"/>
                         </a:rPr>
                         <a:t>Pro.traif.info</a:t>
                       </a:r>
-                      <a:endParaRPr lang="ru-RU" dirty="0"/>
+                      <a:endParaRPr lang="ru-RU"/>
                     </a:p>
                   </a:txBody>
                   <a:tcPr/>
                 </a:tc>
-                <a:extLst>
-                  <a:ext uri="{0D108BD9-81ED-4DB2-BD59-A6C34878D82A}">
-                    <a16:rowId xmlns:a16="http://schemas.microsoft.com/office/drawing/2014/main" val="1469680773"/>
-                  </a:ext>
-                </a:extLst>
               </a:tr>
               <a:tr h="732662">
                 <a:tc>
                   <a:txBody>
                     <a:bodyPr/>
-                    <a:lstStyle/>
                     <a:p>
-                      <a:pPr algn="ctr"/>
+                      <a:pPr algn="ctr">
+                        <a:defRPr/>
+                      </a:pPr>
                       <a:r>
-                        <a:rPr lang="ru-RU" sz="1800" kern="1200" dirty="0">
+                        <a:rPr lang="ru-RU" sz="1800">
                           <a:solidFill>
                             <a:schemeClr val="dk1"/>
                           </a:solidFill>
-                          <a:effectLst/>
                           <a:latin typeface="+mn-lt"/>
                           <a:ea typeface="+mn-ea"/>
                           <a:cs typeface="+mn-cs"/>
                         </a:rPr>
                         <a:t>Интуитивность интерфейса</a:t>
                       </a:r>
-                      <a:endParaRPr lang="ru-RU" dirty="0"/>
+                      <a:endParaRPr lang="ru-RU"/>
                     </a:p>
                   </a:txBody>
                   <a:tcPr/>
@@ -3837,27 +3999,25 @@
                 <a:tc>
                   <a:txBody>
                     <a:bodyPr/>
-                    <a:lstStyle/>
                     <a:p>
                       <a:pPr algn="ctr">
                         <a:lnSpc>
                           <a:spcPct val="150000"/>
                         </a:lnSpc>
+                        <a:defRPr/>
                       </a:pPr>
                       <a:r>
-                        <a:rPr lang="ru-RU" sz="1400" dirty="0">
-                          <a:effectLst/>
-                          <a:latin typeface="Times New Roman" panose="02020603050405020304" pitchFamily="18" charset="0"/>
-                          <a:ea typeface="Times New Roman" panose="02020603050405020304" pitchFamily="18" charset="0"/>
-                          <a:cs typeface="Times New Roman" panose="02020603050405020304" pitchFamily="18" charset="0"/>
+                        <a:rPr lang="ru-RU" sz="1400">
+                          <a:latin typeface="Times New Roman"/>
+                          <a:ea typeface="Times New Roman"/>
+                          <a:cs typeface="Times New Roman"/>
                         </a:rPr>
                         <a:t>-</a:t>
                       </a:r>
-                      <a:endParaRPr lang="ru-RU" sz="1200" dirty="0">
-                        <a:effectLst/>
-                        <a:latin typeface="Times New Roman" panose="02020603050405020304" pitchFamily="18" charset="0"/>
-                        <a:ea typeface="Times New Roman" panose="02020603050405020304" pitchFamily="18" charset="0"/>
-                        <a:cs typeface="Times New Roman" panose="02020603050405020304" pitchFamily="18" charset="0"/>
+                      <a:endParaRPr lang="ru-RU" sz="1200">
+                        <a:latin typeface="Times New Roman"/>
+                        <a:ea typeface="Times New Roman"/>
+                        <a:cs typeface="Times New Roman"/>
                       </a:endParaRPr>
                     </a:p>
                   </a:txBody>
@@ -3866,27 +4026,25 @@
                 <a:tc>
                   <a:txBody>
                     <a:bodyPr/>
-                    <a:lstStyle/>
                     <a:p>
                       <a:pPr algn="ctr">
                         <a:lnSpc>
                           <a:spcPct val="150000"/>
                         </a:lnSpc>
+                        <a:defRPr/>
                       </a:pPr>
                       <a:r>
                         <a:rPr lang="ru-RU" sz="1400">
-                          <a:effectLst/>
-                          <a:latin typeface="Times New Roman" panose="02020603050405020304" pitchFamily="18" charset="0"/>
-                          <a:ea typeface="Times New Roman" panose="02020603050405020304" pitchFamily="18" charset="0"/>
-                          <a:cs typeface="Times New Roman" panose="02020603050405020304" pitchFamily="18" charset="0"/>
+                          <a:latin typeface="Times New Roman"/>
+                          <a:ea typeface="Times New Roman"/>
+                          <a:cs typeface="Times New Roman"/>
                         </a:rPr>
                         <a:t>-</a:t>
                       </a:r>
                       <a:endParaRPr lang="ru-RU" sz="1200">
-                        <a:effectLst/>
-                        <a:latin typeface="Times New Roman" panose="02020603050405020304" pitchFamily="18" charset="0"/>
-                        <a:ea typeface="Times New Roman" panose="02020603050405020304" pitchFamily="18" charset="0"/>
-                        <a:cs typeface="Times New Roman" panose="02020603050405020304" pitchFamily="18" charset="0"/>
+                        <a:latin typeface="Times New Roman"/>
+                        <a:ea typeface="Times New Roman"/>
+                        <a:cs typeface="Times New Roman"/>
                       </a:endParaRPr>
                     </a:p>
                   </a:txBody>
@@ -3895,27 +4053,25 @@
                 <a:tc>
                   <a:txBody>
                     <a:bodyPr/>
-                    <a:lstStyle/>
                     <a:p>
                       <a:pPr algn="ctr">
                         <a:lnSpc>
                           <a:spcPct val="150000"/>
                         </a:lnSpc>
+                        <a:defRPr/>
                       </a:pPr>
                       <a:r>
                         <a:rPr lang="en-US" sz="1400">
-                          <a:effectLst/>
-                          <a:latin typeface="Times New Roman" panose="02020603050405020304" pitchFamily="18" charset="0"/>
-                          <a:ea typeface="Times New Roman" panose="02020603050405020304" pitchFamily="18" charset="0"/>
-                          <a:cs typeface="Times New Roman" panose="02020603050405020304" pitchFamily="18" charset="0"/>
+                          <a:latin typeface="Times New Roman"/>
+                          <a:ea typeface="Times New Roman"/>
+                          <a:cs typeface="Times New Roman"/>
                         </a:rPr>
                         <a:t>+</a:t>
                       </a:r>
                       <a:endParaRPr lang="ru-RU" sz="1200">
-                        <a:effectLst/>
-                        <a:latin typeface="Times New Roman" panose="02020603050405020304" pitchFamily="18" charset="0"/>
-                        <a:ea typeface="Times New Roman" panose="02020603050405020304" pitchFamily="18" charset="0"/>
-                        <a:cs typeface="Times New Roman" panose="02020603050405020304" pitchFamily="18" charset="0"/>
+                        <a:latin typeface="Times New Roman"/>
+                        <a:ea typeface="Times New Roman"/>
+                        <a:cs typeface="Times New Roman"/>
                       </a:endParaRPr>
                     </a:p>
                   </a:txBody>
@@ -3924,27 +4080,25 @@
                 <a:tc>
                   <a:txBody>
                     <a:bodyPr/>
-                    <a:lstStyle/>
                     <a:p>
                       <a:pPr algn="ctr">
                         <a:lnSpc>
                           <a:spcPct val="150000"/>
                         </a:lnSpc>
+                        <a:defRPr/>
                       </a:pPr>
                       <a:r>
                         <a:rPr lang="en-US" sz="1400">
-                          <a:effectLst/>
-                          <a:latin typeface="Times New Roman" panose="02020603050405020304" pitchFamily="18" charset="0"/>
-                          <a:ea typeface="Times New Roman" panose="02020603050405020304" pitchFamily="18" charset="0"/>
-                          <a:cs typeface="Times New Roman" panose="02020603050405020304" pitchFamily="18" charset="0"/>
+                          <a:latin typeface="Times New Roman"/>
+                          <a:ea typeface="Times New Roman"/>
+                          <a:cs typeface="Times New Roman"/>
                         </a:rPr>
                         <a:t>+</a:t>
                       </a:r>
                       <a:endParaRPr lang="ru-RU" sz="1200">
-                        <a:effectLst/>
-                        <a:latin typeface="Times New Roman" panose="02020603050405020304" pitchFamily="18" charset="0"/>
-                        <a:ea typeface="Times New Roman" panose="02020603050405020304" pitchFamily="18" charset="0"/>
-                        <a:cs typeface="Times New Roman" panose="02020603050405020304" pitchFamily="18" charset="0"/>
+                        <a:latin typeface="Times New Roman"/>
+                        <a:ea typeface="Times New Roman"/>
+                        <a:cs typeface="Times New Roman"/>
                       </a:endParaRPr>
                     </a:p>
                   </a:txBody>
@@ -3953,27 +4107,25 @@
                 <a:tc>
                   <a:txBody>
                     <a:bodyPr/>
-                    <a:lstStyle/>
                     <a:p>
                       <a:pPr algn="ctr">
                         <a:lnSpc>
                           <a:spcPct val="150000"/>
                         </a:lnSpc>
+                        <a:defRPr/>
                       </a:pPr>
                       <a:r>
                         <a:rPr lang="ru-RU" sz="1400">
-                          <a:effectLst/>
-                          <a:latin typeface="Times New Roman" panose="02020603050405020304" pitchFamily="18" charset="0"/>
-                          <a:ea typeface="Times New Roman" panose="02020603050405020304" pitchFamily="18" charset="0"/>
-                          <a:cs typeface="Times New Roman" panose="02020603050405020304" pitchFamily="18" charset="0"/>
+                          <a:latin typeface="Times New Roman"/>
+                          <a:ea typeface="Times New Roman"/>
+                          <a:cs typeface="Times New Roman"/>
                         </a:rPr>
                         <a:t>-</a:t>
                       </a:r>
                       <a:endParaRPr lang="ru-RU" sz="1200">
-                        <a:effectLst/>
-                        <a:latin typeface="Times New Roman" panose="02020603050405020304" pitchFamily="18" charset="0"/>
-                        <a:ea typeface="Times New Roman" panose="02020603050405020304" pitchFamily="18" charset="0"/>
-                        <a:cs typeface="Times New Roman" panose="02020603050405020304" pitchFamily="18" charset="0"/>
+                        <a:latin typeface="Times New Roman"/>
+                        <a:ea typeface="Times New Roman"/>
+                        <a:cs typeface="Times New Roman"/>
                       </a:endParaRPr>
                     </a:p>
                   </a:txBody>
@@ -3982,58 +4134,51 @@
                 <a:tc>
                   <a:txBody>
                     <a:bodyPr/>
-                    <a:lstStyle/>
                     <a:p>
                       <a:pPr algn="ctr">
                         <a:lnSpc>
                           <a:spcPct val="150000"/>
                         </a:lnSpc>
+                        <a:defRPr/>
                       </a:pPr>
                       <a:r>
-                        <a:rPr lang="en-US" sz="1400" dirty="0">
-                          <a:effectLst/>
-                          <a:latin typeface="Times New Roman" panose="02020603050405020304" pitchFamily="18" charset="0"/>
-                          <a:ea typeface="Times New Roman" panose="02020603050405020304" pitchFamily="18" charset="0"/>
-                          <a:cs typeface="Times New Roman" panose="02020603050405020304" pitchFamily="18" charset="0"/>
+                        <a:rPr lang="en-US" sz="1400">
+                          <a:latin typeface="Times New Roman"/>
+                          <a:ea typeface="Times New Roman"/>
+                          <a:cs typeface="Times New Roman"/>
                         </a:rPr>
                         <a:t>-</a:t>
                       </a:r>
-                      <a:endParaRPr lang="ru-RU" sz="1200" dirty="0">
-                        <a:effectLst/>
-                        <a:latin typeface="Times New Roman" panose="02020603050405020304" pitchFamily="18" charset="0"/>
-                        <a:ea typeface="Times New Roman" panose="02020603050405020304" pitchFamily="18" charset="0"/>
-                        <a:cs typeface="Times New Roman" panose="02020603050405020304" pitchFamily="18" charset="0"/>
+                      <a:endParaRPr lang="ru-RU" sz="1200">
+                        <a:latin typeface="Times New Roman"/>
+                        <a:ea typeface="Times New Roman"/>
+                        <a:cs typeface="Times New Roman"/>
                       </a:endParaRPr>
                     </a:p>
                   </a:txBody>
                   <a:tcPr marL="68580" marR="68580" marT="0" marB="0"/>
                 </a:tc>
-                <a:extLst>
-                  <a:ext uri="{0D108BD9-81ED-4DB2-BD59-A6C34878D82A}">
-                    <a16:rowId xmlns:a16="http://schemas.microsoft.com/office/drawing/2014/main" val="584492435"/>
-                  </a:ext>
-                </a:extLst>
               </a:tr>
               <a:tr h="916670">
                 <a:tc>
                   <a:txBody>
                     <a:bodyPr/>
-                    <a:lstStyle/>
                     <a:p>
-                      <a:pPr algn="ctr"/>
+                      <a:pPr algn="ctr">
+                        <a:defRPr/>
+                      </a:pPr>
                       <a:r>
-                        <a:rPr lang="ru-RU" sz="1800" kern="1200" dirty="0">
+                        <a:rPr lang="ru-RU" sz="1800">
                           <a:solidFill>
                             <a:schemeClr val="dk1"/>
                           </a:solidFill>
-                          <a:effectLst/>
                           <a:latin typeface="+mn-lt"/>
                           <a:ea typeface="+mn-ea"/>
                           <a:cs typeface="+mn-cs"/>
                         </a:rPr>
                         <a:t>Персонализированный подбор</a:t>
                       </a:r>
-                      <a:endParaRPr lang="ru-RU" dirty="0"/>
+                      <a:endParaRPr lang="ru-RU"/>
                     </a:p>
                   </a:txBody>
                   <a:tcPr/>
@@ -4041,27 +4186,25 @@
                 <a:tc>
                   <a:txBody>
                     <a:bodyPr/>
-                    <a:lstStyle/>
                     <a:p>
                       <a:pPr algn="ctr">
                         <a:lnSpc>
                           <a:spcPct val="150000"/>
                         </a:lnSpc>
+                        <a:defRPr/>
                       </a:pPr>
                       <a:r>
-                        <a:rPr lang="en-US" sz="1400" dirty="0">
-                          <a:effectLst/>
-                          <a:latin typeface="Times New Roman" panose="02020603050405020304" pitchFamily="18" charset="0"/>
-                          <a:ea typeface="Times New Roman" panose="02020603050405020304" pitchFamily="18" charset="0"/>
-                          <a:cs typeface="Times New Roman" panose="02020603050405020304" pitchFamily="18" charset="0"/>
+                        <a:rPr lang="en-US" sz="1400">
+                          <a:latin typeface="Times New Roman"/>
+                          <a:ea typeface="Times New Roman"/>
+                          <a:cs typeface="Times New Roman"/>
                         </a:rPr>
                         <a:t>-</a:t>
                       </a:r>
-                      <a:endParaRPr lang="ru-RU" sz="1200" dirty="0">
-                        <a:effectLst/>
-                        <a:latin typeface="Times New Roman" panose="02020603050405020304" pitchFamily="18" charset="0"/>
-                        <a:ea typeface="Times New Roman" panose="02020603050405020304" pitchFamily="18" charset="0"/>
-                        <a:cs typeface="Times New Roman" panose="02020603050405020304" pitchFamily="18" charset="0"/>
+                      <a:endParaRPr lang="ru-RU" sz="1200">
+                        <a:latin typeface="Times New Roman"/>
+                        <a:ea typeface="Times New Roman"/>
+                        <a:cs typeface="Times New Roman"/>
                       </a:endParaRPr>
                     </a:p>
                   </a:txBody>
@@ -4070,27 +4213,25 @@
                 <a:tc>
                   <a:txBody>
                     <a:bodyPr/>
-                    <a:lstStyle/>
                     <a:p>
                       <a:pPr algn="ctr">
                         <a:lnSpc>
                           <a:spcPct val="150000"/>
                         </a:lnSpc>
+                        <a:defRPr/>
                       </a:pPr>
                       <a:r>
                         <a:rPr lang="ru-RU" sz="1400">
-                          <a:effectLst/>
-                          <a:latin typeface="Times New Roman" panose="02020603050405020304" pitchFamily="18" charset="0"/>
-                          <a:ea typeface="Times New Roman" panose="02020603050405020304" pitchFamily="18" charset="0"/>
-                          <a:cs typeface="Times New Roman" panose="02020603050405020304" pitchFamily="18" charset="0"/>
+                          <a:latin typeface="Times New Roman"/>
+                          <a:ea typeface="Times New Roman"/>
+                          <a:cs typeface="Times New Roman"/>
                         </a:rPr>
                         <a:t>-</a:t>
                       </a:r>
                       <a:endParaRPr lang="ru-RU" sz="1200">
-                        <a:effectLst/>
-                        <a:latin typeface="Times New Roman" panose="02020603050405020304" pitchFamily="18" charset="0"/>
-                        <a:ea typeface="Times New Roman" panose="02020603050405020304" pitchFamily="18" charset="0"/>
-                        <a:cs typeface="Times New Roman" panose="02020603050405020304" pitchFamily="18" charset="0"/>
+                        <a:latin typeface="Times New Roman"/>
+                        <a:ea typeface="Times New Roman"/>
+                        <a:cs typeface="Times New Roman"/>
                       </a:endParaRPr>
                     </a:p>
                   </a:txBody>
@@ -4099,27 +4240,25 @@
                 <a:tc>
                   <a:txBody>
                     <a:bodyPr/>
-                    <a:lstStyle/>
                     <a:p>
                       <a:pPr algn="ctr">
                         <a:lnSpc>
                           <a:spcPct val="150000"/>
                         </a:lnSpc>
+                        <a:defRPr/>
                       </a:pPr>
                       <a:r>
                         <a:rPr lang="en-US" sz="1400">
-                          <a:effectLst/>
-                          <a:latin typeface="Times New Roman" panose="02020603050405020304" pitchFamily="18" charset="0"/>
-                          <a:ea typeface="Times New Roman" panose="02020603050405020304" pitchFamily="18" charset="0"/>
-                          <a:cs typeface="Times New Roman" panose="02020603050405020304" pitchFamily="18" charset="0"/>
+                          <a:latin typeface="Times New Roman"/>
+                          <a:ea typeface="Times New Roman"/>
+                          <a:cs typeface="Times New Roman"/>
                         </a:rPr>
                         <a:t>+</a:t>
                       </a:r>
                       <a:endParaRPr lang="ru-RU" sz="1200">
-                        <a:effectLst/>
-                        <a:latin typeface="Times New Roman" panose="02020603050405020304" pitchFamily="18" charset="0"/>
-                        <a:ea typeface="Times New Roman" panose="02020603050405020304" pitchFamily="18" charset="0"/>
-                        <a:cs typeface="Times New Roman" panose="02020603050405020304" pitchFamily="18" charset="0"/>
+                        <a:latin typeface="Times New Roman"/>
+                        <a:ea typeface="Times New Roman"/>
+                        <a:cs typeface="Times New Roman"/>
                       </a:endParaRPr>
                     </a:p>
                   </a:txBody>
@@ -4128,27 +4267,25 @@
                 <a:tc>
                   <a:txBody>
                     <a:bodyPr/>
-                    <a:lstStyle/>
                     <a:p>
                       <a:pPr algn="ctr">
                         <a:lnSpc>
                           <a:spcPct val="150000"/>
                         </a:lnSpc>
+                        <a:defRPr/>
                       </a:pPr>
                       <a:r>
                         <a:rPr lang="en-US" sz="1400">
-                          <a:effectLst/>
-                          <a:latin typeface="Times New Roman" panose="02020603050405020304" pitchFamily="18" charset="0"/>
-                          <a:ea typeface="Times New Roman" panose="02020603050405020304" pitchFamily="18" charset="0"/>
-                          <a:cs typeface="Times New Roman" panose="02020603050405020304" pitchFamily="18" charset="0"/>
+                          <a:latin typeface="Times New Roman"/>
+                          <a:ea typeface="Times New Roman"/>
+                          <a:cs typeface="Times New Roman"/>
                         </a:rPr>
                         <a:t>+</a:t>
                       </a:r>
                       <a:endParaRPr lang="ru-RU" sz="1200">
-                        <a:effectLst/>
-                        <a:latin typeface="Times New Roman" panose="02020603050405020304" pitchFamily="18" charset="0"/>
-                        <a:ea typeface="Times New Roman" panose="02020603050405020304" pitchFamily="18" charset="0"/>
-                        <a:cs typeface="Times New Roman" panose="02020603050405020304" pitchFamily="18" charset="0"/>
+                        <a:latin typeface="Times New Roman"/>
+                        <a:ea typeface="Times New Roman"/>
+                        <a:cs typeface="Times New Roman"/>
                       </a:endParaRPr>
                     </a:p>
                   </a:txBody>
@@ -4157,27 +4294,25 @@
                 <a:tc>
                   <a:txBody>
                     <a:bodyPr/>
-                    <a:lstStyle/>
                     <a:p>
                       <a:pPr algn="ctr">
                         <a:lnSpc>
                           <a:spcPct val="150000"/>
                         </a:lnSpc>
+                        <a:defRPr/>
                       </a:pPr>
                       <a:r>
                         <a:rPr lang="ru-RU" sz="1400">
-                          <a:effectLst/>
-                          <a:latin typeface="Times New Roman" panose="02020603050405020304" pitchFamily="18" charset="0"/>
-                          <a:ea typeface="Times New Roman" panose="02020603050405020304" pitchFamily="18" charset="0"/>
-                          <a:cs typeface="Times New Roman" panose="02020603050405020304" pitchFamily="18" charset="0"/>
+                          <a:latin typeface="Times New Roman"/>
+                          <a:ea typeface="Times New Roman"/>
+                          <a:cs typeface="Times New Roman"/>
                         </a:rPr>
                         <a:t>+</a:t>
                       </a:r>
                       <a:endParaRPr lang="ru-RU" sz="1200">
-                        <a:effectLst/>
-                        <a:latin typeface="Times New Roman" panose="02020603050405020304" pitchFamily="18" charset="0"/>
-                        <a:ea typeface="Times New Roman" panose="02020603050405020304" pitchFamily="18" charset="0"/>
-                        <a:cs typeface="Times New Roman" panose="02020603050405020304" pitchFamily="18" charset="0"/>
+                        <a:latin typeface="Times New Roman"/>
+                        <a:ea typeface="Times New Roman"/>
+                        <a:cs typeface="Times New Roman"/>
                       </a:endParaRPr>
                     </a:p>
                   </a:txBody>
@@ -4186,58 +4321,51 @@
                 <a:tc>
                   <a:txBody>
                     <a:bodyPr/>
-                    <a:lstStyle/>
                     <a:p>
                       <a:pPr algn="ctr">
                         <a:lnSpc>
                           <a:spcPct val="150000"/>
                         </a:lnSpc>
+                        <a:defRPr/>
                       </a:pPr>
                       <a:r>
                         <a:rPr lang="en-US" sz="1400">
-                          <a:effectLst/>
-                          <a:latin typeface="Times New Roman" panose="02020603050405020304" pitchFamily="18" charset="0"/>
-                          <a:ea typeface="Times New Roman" panose="02020603050405020304" pitchFamily="18" charset="0"/>
-                          <a:cs typeface="Times New Roman" panose="02020603050405020304" pitchFamily="18" charset="0"/>
+                          <a:latin typeface="Times New Roman"/>
+                          <a:ea typeface="Times New Roman"/>
+                          <a:cs typeface="Times New Roman"/>
                         </a:rPr>
                         <a:t>+</a:t>
                       </a:r>
                       <a:endParaRPr lang="ru-RU" sz="1200">
-                        <a:effectLst/>
-                        <a:latin typeface="Times New Roman" panose="02020603050405020304" pitchFamily="18" charset="0"/>
-                        <a:ea typeface="Times New Roman" panose="02020603050405020304" pitchFamily="18" charset="0"/>
-                        <a:cs typeface="Times New Roman" panose="02020603050405020304" pitchFamily="18" charset="0"/>
+                        <a:latin typeface="Times New Roman"/>
+                        <a:ea typeface="Times New Roman"/>
+                        <a:cs typeface="Times New Roman"/>
                       </a:endParaRPr>
                     </a:p>
                   </a:txBody>
                   <a:tcPr marL="68580" marR="68580" marT="0" marB="0"/>
                 </a:tc>
-                <a:extLst>
-                  <a:ext uri="{0D108BD9-81ED-4DB2-BD59-A6C34878D82A}">
-                    <a16:rowId xmlns:a16="http://schemas.microsoft.com/office/drawing/2014/main" val="2809063575"/>
-                  </a:ext>
-                </a:extLst>
               </a:tr>
               <a:tr h="916670">
                 <a:tc>
                   <a:txBody>
                     <a:bodyPr/>
-                    <a:lstStyle/>
                     <a:p>
-                      <a:pPr algn="ctr"/>
+                      <a:pPr algn="ctr">
+                        <a:defRPr/>
+                      </a:pPr>
                       <a:r>
-                        <a:rPr lang="ru-RU" sz="1800" kern="1200" dirty="0">
+                        <a:rPr lang="ru-RU" sz="1800">
                           <a:solidFill>
                             <a:schemeClr val="dk1"/>
                           </a:solidFill>
-                          <a:effectLst/>
                           <a:latin typeface="+mn-lt"/>
                           <a:ea typeface="+mn-ea"/>
                           <a:cs typeface="+mn-cs"/>
                         </a:rPr>
                         <a:t>Сравнение тарифов и услуг</a:t>
                       </a:r>
-                      <a:endParaRPr lang="ru-RU" dirty="0"/>
+                      <a:endParaRPr lang="ru-RU"/>
                     </a:p>
                   </a:txBody>
                   <a:tcPr/>
@@ -4245,27 +4373,25 @@
                 <a:tc>
                   <a:txBody>
                     <a:bodyPr/>
-                    <a:lstStyle/>
                     <a:p>
                       <a:pPr algn="ctr">
                         <a:lnSpc>
                           <a:spcPct val="150000"/>
                         </a:lnSpc>
+                        <a:defRPr/>
                       </a:pPr>
                       <a:r>
                         <a:rPr lang="en-US" sz="1400">
-                          <a:effectLst/>
-                          <a:latin typeface="Times New Roman" panose="02020603050405020304" pitchFamily="18" charset="0"/>
-                          <a:ea typeface="Times New Roman" panose="02020603050405020304" pitchFamily="18" charset="0"/>
-                          <a:cs typeface="Times New Roman" panose="02020603050405020304" pitchFamily="18" charset="0"/>
+                          <a:latin typeface="Times New Roman"/>
+                          <a:ea typeface="Times New Roman"/>
+                          <a:cs typeface="Times New Roman"/>
                         </a:rPr>
                         <a:t>+</a:t>
                       </a:r>
                       <a:endParaRPr lang="ru-RU" sz="1200">
-                        <a:effectLst/>
-                        <a:latin typeface="Times New Roman" panose="02020603050405020304" pitchFamily="18" charset="0"/>
-                        <a:ea typeface="Times New Roman" panose="02020603050405020304" pitchFamily="18" charset="0"/>
-                        <a:cs typeface="Times New Roman" panose="02020603050405020304" pitchFamily="18" charset="0"/>
+                        <a:latin typeface="Times New Roman"/>
+                        <a:ea typeface="Times New Roman"/>
+                        <a:cs typeface="Times New Roman"/>
                       </a:endParaRPr>
                     </a:p>
                   </a:txBody>
@@ -4274,27 +4400,25 @@
                 <a:tc>
                   <a:txBody>
                     <a:bodyPr/>
-                    <a:lstStyle/>
                     <a:p>
                       <a:pPr algn="ctr">
                         <a:lnSpc>
                           <a:spcPct val="150000"/>
                         </a:lnSpc>
+                        <a:defRPr/>
                       </a:pPr>
                       <a:r>
                         <a:rPr lang="ru-RU" sz="1400">
-                          <a:effectLst/>
-                          <a:latin typeface="Times New Roman" panose="02020603050405020304" pitchFamily="18" charset="0"/>
-                          <a:ea typeface="Times New Roman" panose="02020603050405020304" pitchFamily="18" charset="0"/>
-                          <a:cs typeface="Times New Roman" panose="02020603050405020304" pitchFamily="18" charset="0"/>
+                          <a:latin typeface="Times New Roman"/>
+                          <a:ea typeface="Times New Roman"/>
+                          <a:cs typeface="Times New Roman"/>
                         </a:rPr>
                         <a:t>+</a:t>
                       </a:r>
                       <a:endParaRPr lang="ru-RU" sz="1200">
-                        <a:effectLst/>
-                        <a:latin typeface="Times New Roman" panose="02020603050405020304" pitchFamily="18" charset="0"/>
-                        <a:ea typeface="Times New Roman" panose="02020603050405020304" pitchFamily="18" charset="0"/>
-                        <a:cs typeface="Times New Roman" panose="02020603050405020304" pitchFamily="18" charset="0"/>
+                        <a:latin typeface="Times New Roman"/>
+                        <a:ea typeface="Times New Roman"/>
+                        <a:cs typeface="Times New Roman"/>
                       </a:endParaRPr>
                     </a:p>
                   </a:txBody>
@@ -4303,27 +4427,25 @@
                 <a:tc>
                   <a:txBody>
                     <a:bodyPr/>
-                    <a:lstStyle/>
                     <a:p>
                       <a:pPr algn="ctr">
                         <a:lnSpc>
                           <a:spcPct val="150000"/>
                         </a:lnSpc>
+                        <a:defRPr/>
                       </a:pPr>
                       <a:r>
                         <a:rPr lang="en-US" sz="1400">
-                          <a:effectLst/>
-                          <a:latin typeface="Times New Roman" panose="02020603050405020304" pitchFamily="18" charset="0"/>
-                          <a:ea typeface="Times New Roman" panose="02020603050405020304" pitchFamily="18" charset="0"/>
-                          <a:cs typeface="Times New Roman" panose="02020603050405020304" pitchFamily="18" charset="0"/>
+                          <a:latin typeface="Times New Roman"/>
+                          <a:ea typeface="Times New Roman"/>
+                          <a:cs typeface="Times New Roman"/>
                         </a:rPr>
                         <a:t>+</a:t>
                       </a:r>
                       <a:endParaRPr lang="ru-RU" sz="1200">
-                        <a:effectLst/>
-                        <a:latin typeface="Times New Roman" panose="02020603050405020304" pitchFamily="18" charset="0"/>
-                        <a:ea typeface="Times New Roman" panose="02020603050405020304" pitchFamily="18" charset="0"/>
-                        <a:cs typeface="Times New Roman" panose="02020603050405020304" pitchFamily="18" charset="0"/>
+                        <a:latin typeface="Times New Roman"/>
+                        <a:ea typeface="Times New Roman"/>
+                        <a:cs typeface="Times New Roman"/>
                       </a:endParaRPr>
                     </a:p>
                   </a:txBody>
@@ -4332,27 +4454,25 @@
                 <a:tc>
                   <a:txBody>
                     <a:bodyPr/>
-                    <a:lstStyle/>
                     <a:p>
                       <a:pPr algn="ctr">
                         <a:lnSpc>
                           <a:spcPct val="150000"/>
                         </a:lnSpc>
+                        <a:defRPr/>
                       </a:pPr>
                       <a:r>
                         <a:rPr lang="en-US" sz="1400">
-                          <a:effectLst/>
-                          <a:latin typeface="Times New Roman" panose="02020603050405020304" pitchFamily="18" charset="0"/>
-                          <a:ea typeface="Times New Roman" panose="02020603050405020304" pitchFamily="18" charset="0"/>
-                          <a:cs typeface="Times New Roman" panose="02020603050405020304" pitchFamily="18" charset="0"/>
+                          <a:latin typeface="Times New Roman"/>
+                          <a:ea typeface="Times New Roman"/>
+                          <a:cs typeface="Times New Roman"/>
                         </a:rPr>
                         <a:t>+</a:t>
                       </a:r>
                       <a:endParaRPr lang="ru-RU" sz="1200">
-                        <a:effectLst/>
-                        <a:latin typeface="Times New Roman" panose="02020603050405020304" pitchFamily="18" charset="0"/>
-                        <a:ea typeface="Times New Roman" panose="02020603050405020304" pitchFamily="18" charset="0"/>
-                        <a:cs typeface="Times New Roman" panose="02020603050405020304" pitchFamily="18" charset="0"/>
+                        <a:latin typeface="Times New Roman"/>
+                        <a:ea typeface="Times New Roman"/>
+                        <a:cs typeface="Times New Roman"/>
                       </a:endParaRPr>
                     </a:p>
                   </a:txBody>
@@ -4361,27 +4481,25 @@
                 <a:tc>
                   <a:txBody>
                     <a:bodyPr/>
-                    <a:lstStyle/>
                     <a:p>
                       <a:pPr algn="ctr">
                         <a:lnSpc>
                           <a:spcPct val="150000"/>
                         </a:lnSpc>
+                        <a:defRPr/>
                       </a:pPr>
                       <a:r>
                         <a:rPr lang="ru-RU" sz="1400">
-                          <a:effectLst/>
-                          <a:latin typeface="Times New Roman" panose="02020603050405020304" pitchFamily="18" charset="0"/>
-                          <a:ea typeface="Times New Roman" panose="02020603050405020304" pitchFamily="18" charset="0"/>
-                          <a:cs typeface="Times New Roman" panose="02020603050405020304" pitchFamily="18" charset="0"/>
+                          <a:latin typeface="Times New Roman"/>
+                          <a:ea typeface="Times New Roman"/>
+                          <a:cs typeface="Times New Roman"/>
                         </a:rPr>
                         <a:t>+</a:t>
                       </a:r>
                       <a:endParaRPr lang="ru-RU" sz="1200">
-                        <a:effectLst/>
-                        <a:latin typeface="Times New Roman" panose="02020603050405020304" pitchFamily="18" charset="0"/>
-                        <a:ea typeface="Times New Roman" panose="02020603050405020304" pitchFamily="18" charset="0"/>
-                        <a:cs typeface="Times New Roman" panose="02020603050405020304" pitchFamily="18" charset="0"/>
+                        <a:latin typeface="Times New Roman"/>
+                        <a:ea typeface="Times New Roman"/>
+                        <a:cs typeface="Times New Roman"/>
                       </a:endParaRPr>
                     </a:p>
                   </a:txBody>
@@ -4390,58 +4508,51 @@
                 <a:tc>
                   <a:txBody>
                     <a:bodyPr/>
-                    <a:lstStyle/>
                     <a:p>
                       <a:pPr algn="ctr">
                         <a:lnSpc>
                           <a:spcPct val="150000"/>
                         </a:lnSpc>
+                        <a:defRPr/>
                       </a:pPr>
                       <a:r>
                         <a:rPr lang="en-US" sz="1400">
-                          <a:effectLst/>
-                          <a:latin typeface="Times New Roman" panose="02020603050405020304" pitchFamily="18" charset="0"/>
-                          <a:ea typeface="Times New Roman" panose="02020603050405020304" pitchFamily="18" charset="0"/>
-                          <a:cs typeface="Times New Roman" panose="02020603050405020304" pitchFamily="18" charset="0"/>
+                          <a:latin typeface="Times New Roman"/>
+                          <a:ea typeface="Times New Roman"/>
+                          <a:cs typeface="Times New Roman"/>
                         </a:rPr>
                         <a:t>-</a:t>
                       </a:r>
                       <a:endParaRPr lang="ru-RU" sz="1200">
-                        <a:effectLst/>
-                        <a:latin typeface="Times New Roman" panose="02020603050405020304" pitchFamily="18" charset="0"/>
-                        <a:ea typeface="Times New Roman" panose="02020603050405020304" pitchFamily="18" charset="0"/>
-                        <a:cs typeface="Times New Roman" panose="02020603050405020304" pitchFamily="18" charset="0"/>
+                        <a:latin typeface="Times New Roman"/>
+                        <a:ea typeface="Times New Roman"/>
+                        <a:cs typeface="Times New Roman"/>
                       </a:endParaRPr>
                     </a:p>
                   </a:txBody>
                   <a:tcPr marL="68580" marR="68580" marT="0" marB="0"/>
                 </a:tc>
-                <a:extLst>
-                  <a:ext uri="{0D108BD9-81ED-4DB2-BD59-A6C34878D82A}">
-                    <a16:rowId xmlns:a16="http://schemas.microsoft.com/office/drawing/2014/main" val="3991569839"/>
-                  </a:ext>
-                </a:extLst>
               </a:tr>
               <a:tr h="916670">
                 <a:tc>
                   <a:txBody>
                     <a:bodyPr/>
-                    <a:lstStyle/>
                     <a:p>
-                      <a:pPr algn="ctr"/>
+                      <a:pPr algn="ctr">
+                        <a:defRPr/>
+                      </a:pPr>
                       <a:r>
-                        <a:rPr lang="ru-RU" sz="1800" kern="1200" dirty="0">
+                        <a:rPr lang="ru-RU" sz="1800">
                           <a:solidFill>
                             <a:schemeClr val="dk1"/>
                           </a:solidFill>
-                          <a:effectLst/>
                           <a:latin typeface="+mn-lt"/>
                           <a:ea typeface="+mn-ea"/>
                           <a:cs typeface="+mn-cs"/>
                         </a:rPr>
                         <a:t>Учет финансовых предпочтений</a:t>
                       </a:r>
-                      <a:endParaRPr lang="ru-RU" dirty="0"/>
+                      <a:endParaRPr lang="ru-RU"/>
                     </a:p>
                   </a:txBody>
                   <a:tcPr/>
@@ -4449,27 +4560,25 @@
                 <a:tc>
                   <a:txBody>
                     <a:bodyPr/>
-                    <a:lstStyle/>
                     <a:p>
                       <a:pPr algn="ctr">
                         <a:lnSpc>
                           <a:spcPct val="150000"/>
                         </a:lnSpc>
+                        <a:defRPr/>
                       </a:pPr>
                       <a:r>
                         <a:rPr lang="en-US" sz="1400">
-                          <a:effectLst/>
-                          <a:latin typeface="Times New Roman" panose="02020603050405020304" pitchFamily="18" charset="0"/>
-                          <a:ea typeface="Times New Roman" panose="02020603050405020304" pitchFamily="18" charset="0"/>
-                          <a:cs typeface="Times New Roman" panose="02020603050405020304" pitchFamily="18" charset="0"/>
+                          <a:latin typeface="Times New Roman"/>
+                          <a:ea typeface="Times New Roman"/>
+                          <a:cs typeface="Times New Roman"/>
                         </a:rPr>
                         <a:t>-</a:t>
                       </a:r>
                       <a:endParaRPr lang="ru-RU" sz="1200">
-                        <a:effectLst/>
-                        <a:latin typeface="Times New Roman" panose="02020603050405020304" pitchFamily="18" charset="0"/>
-                        <a:ea typeface="Times New Roman" panose="02020603050405020304" pitchFamily="18" charset="0"/>
-                        <a:cs typeface="Times New Roman" panose="02020603050405020304" pitchFamily="18" charset="0"/>
+                        <a:latin typeface="Times New Roman"/>
+                        <a:ea typeface="Times New Roman"/>
+                        <a:cs typeface="Times New Roman"/>
                       </a:endParaRPr>
                     </a:p>
                   </a:txBody>
@@ -4478,27 +4587,25 @@
                 <a:tc>
                   <a:txBody>
                     <a:bodyPr/>
-                    <a:lstStyle/>
                     <a:p>
                       <a:pPr algn="ctr">
                         <a:lnSpc>
                           <a:spcPct val="150000"/>
                         </a:lnSpc>
+                        <a:defRPr/>
                       </a:pPr>
                       <a:r>
                         <a:rPr lang="ru-RU" sz="1400">
-                          <a:effectLst/>
-                          <a:latin typeface="Times New Roman" panose="02020603050405020304" pitchFamily="18" charset="0"/>
-                          <a:ea typeface="Times New Roman" panose="02020603050405020304" pitchFamily="18" charset="0"/>
-                          <a:cs typeface="Times New Roman" panose="02020603050405020304" pitchFamily="18" charset="0"/>
+                          <a:latin typeface="Times New Roman"/>
+                          <a:ea typeface="Times New Roman"/>
+                          <a:cs typeface="Times New Roman"/>
                         </a:rPr>
                         <a:t>-</a:t>
                       </a:r>
                       <a:endParaRPr lang="ru-RU" sz="1200">
-                        <a:effectLst/>
-                        <a:latin typeface="Times New Roman" panose="02020603050405020304" pitchFamily="18" charset="0"/>
-                        <a:ea typeface="Times New Roman" panose="02020603050405020304" pitchFamily="18" charset="0"/>
-                        <a:cs typeface="Times New Roman" panose="02020603050405020304" pitchFamily="18" charset="0"/>
+                        <a:latin typeface="Times New Roman"/>
+                        <a:ea typeface="Times New Roman"/>
+                        <a:cs typeface="Times New Roman"/>
                       </a:endParaRPr>
                     </a:p>
                   </a:txBody>
@@ -4507,27 +4614,25 @@
                 <a:tc>
                   <a:txBody>
                     <a:bodyPr/>
-                    <a:lstStyle/>
                     <a:p>
                       <a:pPr algn="ctr">
                         <a:lnSpc>
                           <a:spcPct val="150000"/>
                         </a:lnSpc>
+                        <a:defRPr/>
                       </a:pPr>
                       <a:r>
                         <a:rPr lang="en-US" sz="1400">
-                          <a:effectLst/>
-                          <a:latin typeface="Times New Roman" panose="02020603050405020304" pitchFamily="18" charset="0"/>
-                          <a:ea typeface="Times New Roman" panose="02020603050405020304" pitchFamily="18" charset="0"/>
-                          <a:cs typeface="Times New Roman" panose="02020603050405020304" pitchFamily="18" charset="0"/>
+                          <a:latin typeface="Times New Roman"/>
+                          <a:ea typeface="Times New Roman"/>
+                          <a:cs typeface="Times New Roman"/>
                         </a:rPr>
                         <a:t>-</a:t>
                       </a:r>
                       <a:endParaRPr lang="ru-RU" sz="1200">
-                        <a:effectLst/>
-                        <a:latin typeface="Times New Roman" panose="02020603050405020304" pitchFamily="18" charset="0"/>
-                        <a:ea typeface="Times New Roman" panose="02020603050405020304" pitchFamily="18" charset="0"/>
-                        <a:cs typeface="Times New Roman" panose="02020603050405020304" pitchFamily="18" charset="0"/>
+                        <a:latin typeface="Times New Roman"/>
+                        <a:ea typeface="Times New Roman"/>
+                        <a:cs typeface="Times New Roman"/>
                       </a:endParaRPr>
                     </a:p>
                   </a:txBody>
@@ -4536,27 +4641,25 @@
                 <a:tc>
                   <a:txBody>
                     <a:bodyPr/>
-                    <a:lstStyle/>
                     <a:p>
                       <a:pPr algn="ctr">
                         <a:lnSpc>
                           <a:spcPct val="150000"/>
                         </a:lnSpc>
+                        <a:defRPr/>
                       </a:pPr>
                       <a:r>
                         <a:rPr lang="en-US" sz="1400">
-                          <a:effectLst/>
-                          <a:latin typeface="Times New Roman" panose="02020603050405020304" pitchFamily="18" charset="0"/>
-                          <a:ea typeface="Times New Roman" panose="02020603050405020304" pitchFamily="18" charset="0"/>
-                          <a:cs typeface="Times New Roman" panose="02020603050405020304" pitchFamily="18" charset="0"/>
+                          <a:latin typeface="Times New Roman"/>
+                          <a:ea typeface="Times New Roman"/>
+                          <a:cs typeface="Times New Roman"/>
                         </a:rPr>
                         <a:t>-</a:t>
                       </a:r>
                       <a:endParaRPr lang="ru-RU" sz="1200">
-                        <a:effectLst/>
-                        <a:latin typeface="Times New Roman" panose="02020603050405020304" pitchFamily="18" charset="0"/>
-                        <a:ea typeface="Times New Roman" panose="02020603050405020304" pitchFamily="18" charset="0"/>
-                        <a:cs typeface="Times New Roman" panose="02020603050405020304" pitchFamily="18" charset="0"/>
+                        <a:latin typeface="Times New Roman"/>
+                        <a:ea typeface="Times New Roman"/>
+                        <a:cs typeface="Times New Roman"/>
                       </a:endParaRPr>
                     </a:p>
                   </a:txBody>
@@ -4565,27 +4668,25 @@
                 <a:tc>
                   <a:txBody>
                     <a:bodyPr/>
-                    <a:lstStyle/>
                     <a:p>
                       <a:pPr algn="ctr">
                         <a:lnSpc>
                           <a:spcPct val="150000"/>
                         </a:lnSpc>
+                        <a:defRPr/>
                       </a:pPr>
                       <a:r>
-                        <a:rPr lang="ru-RU" sz="1400" dirty="0">
-                          <a:effectLst/>
-                          <a:latin typeface="Times New Roman" panose="02020603050405020304" pitchFamily="18" charset="0"/>
-                          <a:ea typeface="Times New Roman" panose="02020603050405020304" pitchFamily="18" charset="0"/>
-                          <a:cs typeface="Times New Roman" panose="02020603050405020304" pitchFamily="18" charset="0"/>
+                        <a:rPr lang="ru-RU" sz="1400">
+                          <a:latin typeface="Times New Roman"/>
+                          <a:ea typeface="Times New Roman"/>
+                          <a:cs typeface="Times New Roman"/>
                         </a:rPr>
                         <a:t>-</a:t>
                       </a:r>
-                      <a:endParaRPr lang="ru-RU" sz="1200" dirty="0">
-                        <a:effectLst/>
-                        <a:latin typeface="Times New Roman" panose="02020603050405020304" pitchFamily="18" charset="0"/>
-                        <a:ea typeface="Times New Roman" panose="02020603050405020304" pitchFamily="18" charset="0"/>
-                        <a:cs typeface="Times New Roman" panose="02020603050405020304" pitchFamily="18" charset="0"/>
+                      <a:endParaRPr lang="ru-RU" sz="1200">
+                        <a:latin typeface="Times New Roman"/>
+                        <a:ea typeface="Times New Roman"/>
+                        <a:cs typeface="Times New Roman"/>
                       </a:endParaRPr>
                     </a:p>
                   </a:txBody>
@@ -4594,58 +4695,51 @@
                 <a:tc>
                   <a:txBody>
                     <a:bodyPr/>
-                    <a:lstStyle/>
                     <a:p>
                       <a:pPr algn="ctr">
                         <a:lnSpc>
                           <a:spcPct val="150000"/>
                         </a:lnSpc>
+                        <a:defRPr/>
                       </a:pPr>
                       <a:r>
                         <a:rPr lang="en-US" sz="1400">
-                          <a:effectLst/>
-                          <a:latin typeface="Times New Roman" panose="02020603050405020304" pitchFamily="18" charset="0"/>
-                          <a:ea typeface="Times New Roman" panose="02020603050405020304" pitchFamily="18" charset="0"/>
-                          <a:cs typeface="Times New Roman" panose="02020603050405020304" pitchFamily="18" charset="0"/>
+                          <a:latin typeface="Times New Roman"/>
+                          <a:ea typeface="Times New Roman"/>
+                          <a:cs typeface="Times New Roman"/>
                         </a:rPr>
                         <a:t>-</a:t>
                       </a:r>
                       <a:endParaRPr lang="ru-RU" sz="1200">
-                        <a:effectLst/>
-                        <a:latin typeface="Times New Roman" panose="02020603050405020304" pitchFamily="18" charset="0"/>
-                        <a:ea typeface="Times New Roman" panose="02020603050405020304" pitchFamily="18" charset="0"/>
-                        <a:cs typeface="Times New Roman" panose="02020603050405020304" pitchFamily="18" charset="0"/>
+                        <a:latin typeface="Times New Roman"/>
+                        <a:ea typeface="Times New Roman"/>
+                        <a:cs typeface="Times New Roman"/>
                       </a:endParaRPr>
                     </a:p>
                   </a:txBody>
                   <a:tcPr marL="68580" marR="68580" marT="0" marB="0"/>
                 </a:tc>
-                <a:extLst>
-                  <a:ext uri="{0D108BD9-81ED-4DB2-BD59-A6C34878D82A}">
-                    <a16:rowId xmlns:a16="http://schemas.microsoft.com/office/drawing/2014/main" val="811782538"/>
-                  </a:ext>
-                </a:extLst>
               </a:tr>
               <a:tr h="916670">
                 <a:tc>
                   <a:txBody>
                     <a:bodyPr/>
-                    <a:lstStyle/>
                     <a:p>
-                      <a:pPr algn="ctr"/>
+                      <a:pPr algn="ctr">
+                        <a:defRPr/>
+                      </a:pPr>
                       <a:r>
-                        <a:rPr lang="ru-RU" sz="1800" kern="1200" dirty="0">
+                        <a:rPr lang="ru-RU" sz="1800">
                           <a:solidFill>
                             <a:schemeClr val="dk1"/>
                           </a:solidFill>
-                          <a:effectLst/>
                           <a:latin typeface="+mn-lt"/>
                           <a:ea typeface="+mn-ea"/>
                           <a:cs typeface="+mn-cs"/>
                         </a:rPr>
                         <a:t>Доступность на различных устройствах</a:t>
                       </a:r>
-                      <a:endParaRPr lang="ru-RU" dirty="0"/>
+                      <a:endParaRPr lang="ru-RU"/>
                     </a:p>
                   </a:txBody>
                   <a:tcPr/>
@@ -4653,27 +4747,25 @@
                 <a:tc>
                   <a:txBody>
                     <a:bodyPr/>
-                    <a:lstStyle/>
                     <a:p>
                       <a:pPr algn="ctr">
                         <a:lnSpc>
                           <a:spcPct val="150000"/>
                         </a:lnSpc>
+                        <a:defRPr/>
                       </a:pPr>
                       <a:r>
                         <a:rPr lang="en-US" sz="1400">
-                          <a:effectLst/>
-                          <a:latin typeface="Times New Roman" panose="02020603050405020304" pitchFamily="18" charset="0"/>
-                          <a:ea typeface="Times New Roman" panose="02020603050405020304" pitchFamily="18" charset="0"/>
-                          <a:cs typeface="Times New Roman" panose="02020603050405020304" pitchFamily="18" charset="0"/>
+                          <a:latin typeface="Times New Roman"/>
+                          <a:ea typeface="Times New Roman"/>
+                          <a:cs typeface="Times New Roman"/>
                         </a:rPr>
                         <a:t>-</a:t>
                       </a:r>
                       <a:endParaRPr lang="ru-RU" sz="1200">
-                        <a:effectLst/>
-                        <a:latin typeface="Times New Roman" panose="02020603050405020304" pitchFamily="18" charset="0"/>
-                        <a:ea typeface="Times New Roman" panose="02020603050405020304" pitchFamily="18" charset="0"/>
-                        <a:cs typeface="Times New Roman" panose="02020603050405020304" pitchFamily="18" charset="0"/>
+                        <a:latin typeface="Times New Roman"/>
+                        <a:ea typeface="Times New Roman"/>
+                        <a:cs typeface="Times New Roman"/>
                       </a:endParaRPr>
                     </a:p>
                   </a:txBody>
@@ -4682,27 +4774,25 @@
                 <a:tc>
                   <a:txBody>
                     <a:bodyPr/>
-                    <a:lstStyle/>
                     <a:p>
                       <a:pPr algn="ctr">
                         <a:lnSpc>
                           <a:spcPct val="150000"/>
                         </a:lnSpc>
+                        <a:defRPr/>
                       </a:pPr>
                       <a:r>
                         <a:rPr lang="en-US" sz="1400">
-                          <a:effectLst/>
-                          <a:latin typeface="Times New Roman" panose="02020603050405020304" pitchFamily="18" charset="0"/>
-                          <a:ea typeface="Times New Roman" panose="02020603050405020304" pitchFamily="18" charset="0"/>
-                          <a:cs typeface="Times New Roman" panose="02020603050405020304" pitchFamily="18" charset="0"/>
+                          <a:latin typeface="Times New Roman"/>
+                          <a:ea typeface="Times New Roman"/>
+                          <a:cs typeface="Times New Roman"/>
                         </a:rPr>
                         <a:t>+</a:t>
                       </a:r>
                       <a:endParaRPr lang="ru-RU" sz="1200">
-                        <a:effectLst/>
-                        <a:latin typeface="Times New Roman" panose="02020603050405020304" pitchFamily="18" charset="0"/>
-                        <a:ea typeface="Times New Roman" panose="02020603050405020304" pitchFamily="18" charset="0"/>
-                        <a:cs typeface="Times New Roman" panose="02020603050405020304" pitchFamily="18" charset="0"/>
+                        <a:latin typeface="Times New Roman"/>
+                        <a:ea typeface="Times New Roman"/>
+                        <a:cs typeface="Times New Roman"/>
                       </a:endParaRPr>
                     </a:p>
                   </a:txBody>
@@ -4711,27 +4801,25 @@
                 <a:tc>
                   <a:txBody>
                     <a:bodyPr/>
-                    <a:lstStyle/>
                     <a:p>
                       <a:pPr algn="ctr">
                         <a:lnSpc>
                           <a:spcPct val="150000"/>
                         </a:lnSpc>
+                        <a:defRPr/>
                       </a:pPr>
                       <a:r>
                         <a:rPr lang="en-US" sz="1400">
-                          <a:effectLst/>
-                          <a:latin typeface="Times New Roman" panose="02020603050405020304" pitchFamily="18" charset="0"/>
-                          <a:ea typeface="Times New Roman" panose="02020603050405020304" pitchFamily="18" charset="0"/>
-                          <a:cs typeface="Times New Roman" panose="02020603050405020304" pitchFamily="18" charset="0"/>
+                          <a:latin typeface="Times New Roman"/>
+                          <a:ea typeface="Times New Roman"/>
+                          <a:cs typeface="Times New Roman"/>
                         </a:rPr>
                         <a:t>+</a:t>
                       </a:r>
                       <a:endParaRPr lang="ru-RU" sz="1200">
-                        <a:effectLst/>
-                        <a:latin typeface="Times New Roman" panose="02020603050405020304" pitchFamily="18" charset="0"/>
-                        <a:ea typeface="Times New Roman" panose="02020603050405020304" pitchFamily="18" charset="0"/>
-                        <a:cs typeface="Times New Roman" panose="02020603050405020304" pitchFamily="18" charset="0"/>
+                        <a:latin typeface="Times New Roman"/>
+                        <a:ea typeface="Times New Roman"/>
+                        <a:cs typeface="Times New Roman"/>
                       </a:endParaRPr>
                     </a:p>
                   </a:txBody>
@@ -4740,27 +4828,25 @@
                 <a:tc>
                   <a:txBody>
                     <a:bodyPr/>
-                    <a:lstStyle/>
                     <a:p>
                       <a:pPr algn="ctr">
                         <a:lnSpc>
                           <a:spcPct val="150000"/>
                         </a:lnSpc>
+                        <a:defRPr/>
                       </a:pPr>
                       <a:r>
                         <a:rPr lang="en-US" sz="1400">
-                          <a:effectLst/>
-                          <a:latin typeface="Times New Roman" panose="02020603050405020304" pitchFamily="18" charset="0"/>
-                          <a:ea typeface="Times New Roman" panose="02020603050405020304" pitchFamily="18" charset="0"/>
-                          <a:cs typeface="Times New Roman" panose="02020603050405020304" pitchFamily="18" charset="0"/>
+                          <a:latin typeface="Times New Roman"/>
+                          <a:ea typeface="Times New Roman"/>
+                          <a:cs typeface="Times New Roman"/>
                         </a:rPr>
                         <a:t>-</a:t>
                       </a:r>
                       <a:endParaRPr lang="ru-RU" sz="1200">
-                        <a:effectLst/>
-                        <a:latin typeface="Times New Roman" panose="02020603050405020304" pitchFamily="18" charset="0"/>
-                        <a:ea typeface="Times New Roman" panose="02020603050405020304" pitchFamily="18" charset="0"/>
-                        <a:cs typeface="Times New Roman" panose="02020603050405020304" pitchFamily="18" charset="0"/>
+                        <a:latin typeface="Times New Roman"/>
+                        <a:ea typeface="Times New Roman"/>
+                        <a:cs typeface="Times New Roman"/>
                       </a:endParaRPr>
                     </a:p>
                   </a:txBody>
@@ -4769,27 +4855,25 @@
                 <a:tc>
                   <a:txBody>
                     <a:bodyPr/>
-                    <a:lstStyle/>
                     <a:p>
                       <a:pPr algn="ctr">
                         <a:lnSpc>
                           <a:spcPct val="150000"/>
                         </a:lnSpc>
+                        <a:defRPr/>
                       </a:pPr>
                       <a:r>
                         <a:rPr lang="en-US" sz="1400">
-                          <a:effectLst/>
-                          <a:latin typeface="Times New Roman" panose="02020603050405020304" pitchFamily="18" charset="0"/>
-                          <a:ea typeface="Times New Roman" panose="02020603050405020304" pitchFamily="18" charset="0"/>
-                          <a:cs typeface="Times New Roman" panose="02020603050405020304" pitchFamily="18" charset="0"/>
+                          <a:latin typeface="Times New Roman"/>
+                          <a:ea typeface="Times New Roman"/>
+                          <a:cs typeface="Times New Roman"/>
                         </a:rPr>
                         <a:t>+</a:t>
                       </a:r>
                       <a:endParaRPr lang="ru-RU" sz="1200">
-                        <a:effectLst/>
-                        <a:latin typeface="Times New Roman" panose="02020603050405020304" pitchFamily="18" charset="0"/>
-                        <a:ea typeface="Times New Roman" panose="02020603050405020304" pitchFamily="18" charset="0"/>
-                        <a:cs typeface="Times New Roman" panose="02020603050405020304" pitchFamily="18" charset="0"/>
+                        <a:latin typeface="Times New Roman"/>
+                        <a:ea typeface="Times New Roman"/>
+                        <a:cs typeface="Times New Roman"/>
                       </a:endParaRPr>
                     </a:p>
                   </a:txBody>
@@ -4798,58 +4882,51 @@
                 <a:tc>
                   <a:txBody>
                     <a:bodyPr/>
-                    <a:lstStyle/>
                     <a:p>
                       <a:pPr algn="ctr">
                         <a:lnSpc>
                           <a:spcPct val="150000"/>
                         </a:lnSpc>
+                        <a:defRPr/>
                       </a:pPr>
                       <a:r>
                         <a:rPr lang="en-US" sz="1400">
-                          <a:effectLst/>
-                          <a:latin typeface="Times New Roman" panose="02020603050405020304" pitchFamily="18" charset="0"/>
-                          <a:ea typeface="Times New Roman" panose="02020603050405020304" pitchFamily="18" charset="0"/>
-                          <a:cs typeface="Times New Roman" panose="02020603050405020304" pitchFamily="18" charset="0"/>
+                          <a:latin typeface="Times New Roman"/>
+                          <a:ea typeface="Times New Roman"/>
+                          <a:cs typeface="Times New Roman"/>
                         </a:rPr>
                         <a:t>-</a:t>
                       </a:r>
                       <a:endParaRPr lang="ru-RU" sz="1200">
-                        <a:effectLst/>
-                        <a:latin typeface="Times New Roman" panose="02020603050405020304" pitchFamily="18" charset="0"/>
-                        <a:ea typeface="Times New Roman" panose="02020603050405020304" pitchFamily="18" charset="0"/>
-                        <a:cs typeface="Times New Roman" panose="02020603050405020304" pitchFamily="18" charset="0"/>
+                        <a:latin typeface="Times New Roman"/>
+                        <a:ea typeface="Times New Roman"/>
+                        <a:cs typeface="Times New Roman"/>
                       </a:endParaRPr>
                     </a:p>
                   </a:txBody>
                   <a:tcPr marL="68580" marR="68580" marT="0" marB="0"/>
                 </a:tc>
-                <a:extLst>
-                  <a:ext uri="{0D108BD9-81ED-4DB2-BD59-A6C34878D82A}">
-                    <a16:rowId xmlns:a16="http://schemas.microsoft.com/office/drawing/2014/main" val="4219437226"/>
-                  </a:ext>
-                </a:extLst>
               </a:tr>
               <a:tr h="916670">
                 <a:tc>
                   <a:txBody>
                     <a:bodyPr/>
-                    <a:lstStyle/>
                     <a:p>
-                      <a:pPr algn="ctr"/>
+                      <a:pPr algn="ctr">
+                        <a:defRPr/>
+                      </a:pPr>
                       <a:r>
-                        <a:rPr lang="ru-RU" sz="1800" kern="1200" dirty="0">
+                        <a:rPr lang="ru-RU" sz="1800">
                           <a:solidFill>
                             <a:schemeClr val="dk1"/>
                           </a:solidFill>
-                          <a:effectLst/>
                           <a:latin typeface="+mn-lt"/>
                           <a:ea typeface="+mn-ea"/>
                           <a:cs typeface="+mn-cs"/>
                         </a:rPr>
                         <a:t>Широкий выбор операторов</a:t>
                       </a:r>
-                      <a:endParaRPr lang="ru-RU" dirty="0"/>
+                      <a:endParaRPr lang="ru-RU"/>
                     </a:p>
                   </a:txBody>
                   <a:tcPr/>
@@ -4857,27 +4934,25 @@
                 <a:tc>
                   <a:txBody>
                     <a:bodyPr/>
-                    <a:lstStyle/>
                     <a:p>
                       <a:pPr algn="ctr">
                         <a:lnSpc>
                           <a:spcPct val="150000"/>
                         </a:lnSpc>
+                        <a:defRPr/>
                       </a:pPr>
                       <a:r>
                         <a:rPr lang="ru-RU" sz="1400">
-                          <a:effectLst/>
-                          <a:latin typeface="Times New Roman" panose="02020603050405020304" pitchFamily="18" charset="0"/>
-                          <a:ea typeface="Times New Roman" panose="02020603050405020304" pitchFamily="18" charset="0"/>
-                          <a:cs typeface="Times New Roman" panose="02020603050405020304" pitchFamily="18" charset="0"/>
+                          <a:latin typeface="Times New Roman"/>
+                          <a:ea typeface="Times New Roman"/>
+                          <a:cs typeface="Times New Roman"/>
                         </a:rPr>
                         <a:t>-</a:t>
                       </a:r>
                       <a:endParaRPr lang="ru-RU" sz="1200">
-                        <a:effectLst/>
-                        <a:latin typeface="Times New Roman" panose="02020603050405020304" pitchFamily="18" charset="0"/>
-                        <a:ea typeface="Times New Roman" panose="02020603050405020304" pitchFamily="18" charset="0"/>
-                        <a:cs typeface="Times New Roman" panose="02020603050405020304" pitchFamily="18" charset="0"/>
+                        <a:latin typeface="Times New Roman"/>
+                        <a:ea typeface="Times New Roman"/>
+                        <a:cs typeface="Times New Roman"/>
                       </a:endParaRPr>
                     </a:p>
                   </a:txBody>
@@ -4886,27 +4961,25 @@
                 <a:tc>
                   <a:txBody>
                     <a:bodyPr/>
-                    <a:lstStyle/>
                     <a:p>
                       <a:pPr algn="ctr">
                         <a:lnSpc>
                           <a:spcPct val="150000"/>
                         </a:lnSpc>
+                        <a:defRPr/>
                       </a:pPr>
                       <a:r>
                         <a:rPr lang="ru-RU" sz="1400">
-                          <a:effectLst/>
-                          <a:latin typeface="Times New Roman" panose="02020603050405020304" pitchFamily="18" charset="0"/>
-                          <a:ea typeface="Times New Roman" panose="02020603050405020304" pitchFamily="18" charset="0"/>
-                          <a:cs typeface="Times New Roman" panose="02020603050405020304" pitchFamily="18" charset="0"/>
+                          <a:latin typeface="Times New Roman"/>
+                          <a:ea typeface="Times New Roman"/>
+                          <a:cs typeface="Times New Roman"/>
                         </a:rPr>
                         <a:t>+</a:t>
                       </a:r>
                       <a:endParaRPr lang="ru-RU" sz="1200">
-                        <a:effectLst/>
-                        <a:latin typeface="Times New Roman" panose="02020603050405020304" pitchFamily="18" charset="0"/>
-                        <a:ea typeface="Times New Roman" panose="02020603050405020304" pitchFamily="18" charset="0"/>
-                        <a:cs typeface="Times New Roman" panose="02020603050405020304" pitchFamily="18" charset="0"/>
+                        <a:latin typeface="Times New Roman"/>
+                        <a:ea typeface="Times New Roman"/>
+                        <a:cs typeface="Times New Roman"/>
                       </a:endParaRPr>
                     </a:p>
                   </a:txBody>
@@ -4915,27 +4988,25 @@
                 <a:tc>
                   <a:txBody>
                     <a:bodyPr/>
-                    <a:lstStyle/>
                     <a:p>
                       <a:pPr algn="ctr">
                         <a:lnSpc>
                           <a:spcPct val="150000"/>
                         </a:lnSpc>
+                        <a:defRPr/>
                       </a:pPr>
                       <a:r>
                         <a:rPr lang="en-US" sz="1400">
-                          <a:effectLst/>
-                          <a:latin typeface="Times New Roman" panose="02020603050405020304" pitchFamily="18" charset="0"/>
-                          <a:ea typeface="Times New Roman" panose="02020603050405020304" pitchFamily="18" charset="0"/>
-                          <a:cs typeface="Times New Roman" panose="02020603050405020304" pitchFamily="18" charset="0"/>
+                          <a:latin typeface="Times New Roman"/>
+                          <a:ea typeface="Times New Roman"/>
+                          <a:cs typeface="Times New Roman"/>
                         </a:rPr>
                         <a:t>-</a:t>
                       </a:r>
                       <a:endParaRPr lang="ru-RU" sz="1200">
-                        <a:effectLst/>
-                        <a:latin typeface="Times New Roman" panose="02020603050405020304" pitchFamily="18" charset="0"/>
-                        <a:ea typeface="Times New Roman" panose="02020603050405020304" pitchFamily="18" charset="0"/>
-                        <a:cs typeface="Times New Roman" panose="02020603050405020304" pitchFamily="18" charset="0"/>
+                        <a:latin typeface="Times New Roman"/>
+                        <a:ea typeface="Times New Roman"/>
+                        <a:cs typeface="Times New Roman"/>
                       </a:endParaRPr>
                     </a:p>
                   </a:txBody>
@@ -4944,27 +5015,25 @@
                 <a:tc>
                   <a:txBody>
                     <a:bodyPr/>
-                    <a:lstStyle/>
                     <a:p>
                       <a:pPr algn="ctr">
                         <a:lnSpc>
                           <a:spcPct val="150000"/>
                         </a:lnSpc>
+                        <a:defRPr/>
                       </a:pPr>
                       <a:r>
                         <a:rPr lang="en-US" sz="1400">
-                          <a:effectLst/>
-                          <a:latin typeface="Times New Roman" panose="02020603050405020304" pitchFamily="18" charset="0"/>
-                          <a:ea typeface="Times New Roman" panose="02020603050405020304" pitchFamily="18" charset="0"/>
-                          <a:cs typeface="Times New Roman" panose="02020603050405020304" pitchFamily="18" charset="0"/>
+                          <a:latin typeface="Times New Roman"/>
+                          <a:ea typeface="Times New Roman"/>
+                          <a:cs typeface="Times New Roman"/>
                         </a:rPr>
                         <a:t>-</a:t>
                       </a:r>
                       <a:endParaRPr lang="ru-RU" sz="1200">
-                        <a:effectLst/>
-                        <a:latin typeface="Times New Roman" panose="02020603050405020304" pitchFamily="18" charset="0"/>
-                        <a:ea typeface="Times New Roman" panose="02020603050405020304" pitchFamily="18" charset="0"/>
-                        <a:cs typeface="Times New Roman" panose="02020603050405020304" pitchFamily="18" charset="0"/>
+                        <a:latin typeface="Times New Roman"/>
+                        <a:ea typeface="Times New Roman"/>
+                        <a:cs typeface="Times New Roman"/>
                       </a:endParaRPr>
                     </a:p>
                   </a:txBody>
@@ -4973,27 +5042,25 @@
                 <a:tc>
                   <a:txBody>
                     <a:bodyPr/>
-                    <a:lstStyle/>
                     <a:p>
                       <a:pPr algn="ctr">
                         <a:lnSpc>
                           <a:spcPct val="150000"/>
                         </a:lnSpc>
+                        <a:defRPr/>
                       </a:pPr>
                       <a:r>
                         <a:rPr lang="ru-RU" sz="1400">
-                          <a:effectLst/>
-                          <a:latin typeface="Times New Roman" panose="02020603050405020304" pitchFamily="18" charset="0"/>
-                          <a:ea typeface="Times New Roman" panose="02020603050405020304" pitchFamily="18" charset="0"/>
-                          <a:cs typeface="Times New Roman" panose="02020603050405020304" pitchFamily="18" charset="0"/>
+                          <a:latin typeface="Times New Roman"/>
+                          <a:ea typeface="Times New Roman"/>
+                          <a:cs typeface="Times New Roman"/>
                         </a:rPr>
                         <a:t>+</a:t>
                       </a:r>
                       <a:endParaRPr lang="ru-RU" sz="1200">
-                        <a:effectLst/>
-                        <a:latin typeface="Times New Roman" panose="02020603050405020304" pitchFamily="18" charset="0"/>
-                        <a:ea typeface="Times New Roman" panose="02020603050405020304" pitchFamily="18" charset="0"/>
-                        <a:cs typeface="Times New Roman" panose="02020603050405020304" pitchFamily="18" charset="0"/>
+                        <a:latin typeface="Times New Roman"/>
+                        <a:ea typeface="Times New Roman"/>
+                        <a:cs typeface="Times New Roman"/>
                       </a:endParaRPr>
                     </a:p>
                   </a:txBody>
@@ -5002,65 +5069,61 @@
                 <a:tc>
                   <a:txBody>
                     <a:bodyPr/>
-                    <a:lstStyle/>
                     <a:p>
                       <a:pPr algn="ctr">
                         <a:lnSpc>
                           <a:spcPct val="150000"/>
                         </a:lnSpc>
+                        <a:defRPr/>
                       </a:pPr>
                       <a:r>
-                        <a:rPr lang="en-US" sz="1400" dirty="0">
-                          <a:effectLst/>
-                          <a:latin typeface="Times New Roman" panose="02020603050405020304" pitchFamily="18" charset="0"/>
-                          <a:ea typeface="Times New Roman" panose="02020603050405020304" pitchFamily="18" charset="0"/>
-                          <a:cs typeface="Times New Roman" panose="02020603050405020304" pitchFamily="18" charset="0"/>
+                        <a:rPr lang="en-US" sz="1400">
+                          <a:latin typeface="Times New Roman"/>
+                          <a:ea typeface="Times New Roman"/>
+                          <a:cs typeface="Times New Roman"/>
                         </a:rPr>
                         <a:t>+</a:t>
                       </a:r>
-                      <a:endParaRPr lang="ru-RU" sz="1200" dirty="0">
-                        <a:effectLst/>
-                        <a:latin typeface="Times New Roman" panose="02020603050405020304" pitchFamily="18" charset="0"/>
-                        <a:ea typeface="Times New Roman" panose="02020603050405020304" pitchFamily="18" charset="0"/>
-                        <a:cs typeface="Times New Roman" panose="02020603050405020304" pitchFamily="18" charset="0"/>
+                      <a:endParaRPr lang="ru-RU" sz="1200">
+                        <a:latin typeface="Times New Roman"/>
+                        <a:ea typeface="Times New Roman"/>
+                        <a:cs typeface="Times New Roman"/>
                       </a:endParaRPr>
                     </a:p>
                   </a:txBody>
                   <a:tcPr marL="68580" marR="68580" marT="0" marB="0"/>
                 </a:tc>
-                <a:extLst>
-                  <a:ext uri="{0D108BD9-81ED-4DB2-BD59-A6C34878D82A}">
-                    <a16:rowId xmlns:a16="http://schemas.microsoft.com/office/drawing/2014/main" val="3419388810"/>
-                  </a:ext>
-                </a:extLst>
               </a:tr>
             </a:tbl>
           </a:graphicData>
         </a:graphic>
       </p:graphicFrame>
     </p:spTree>
-    <p:extLst>
-      <p:ext uri="{BB962C8B-B14F-4D97-AF65-F5344CB8AC3E}">
-        <p14:creationId xmlns:p14="http://schemas.microsoft.com/office/powerpoint/2010/main" val="3676795437"/>
-      </p:ext>
-    </p:extLst>
   </p:cSld>
   <p:clrMapOvr>
     <a:masterClrMapping/>
   </p:clrMapOvr>
+  <mc:AlternateContent xmlns:mc="http://schemas.openxmlformats.org/markup-compatibility/2006">
+    <mc:Choice xmlns:p14="http://schemas.microsoft.com/office/powerpoint/2010/main" Requires="p14">
+      <p:transition p14:dur="2000" advClick="1"/>
+    </mc:Choice>
+    <mc:Fallback>
+      <p:transition advClick="1"/>
+    </mc:Fallback>
+  </mc:AlternateContent>
 </p:sld>
 </file>
 
 <file path=ppt/slides/slide11.xml><?xml version="1.0" encoding="utf-8"?>
-<p:sld xmlns:a="http://schemas.openxmlformats.org/drawingml/2006/main" xmlns:r="http://schemas.openxmlformats.org/officeDocument/2006/relationships" xmlns:p="http://schemas.openxmlformats.org/presentationml/2006/main">
-  <p:cSld>
+<p:sld xmlns:a="http://schemas.openxmlformats.org/drawingml/2006/main" xmlns:r="http://schemas.openxmlformats.org/officeDocument/2006/relationships" xmlns:p="http://schemas.openxmlformats.org/presentationml/2006/main" xmlns:m="http://schemas.openxmlformats.org/officeDocument/2006/math" xmlns:w="http://schemas.openxmlformats.org/wordprocessingml/2006/main" showMasterPhAnim="0" show="1">
+  <p:cSld name="">
     <p:spTree>
       <p:nvGrpSpPr>
         <p:cNvPr id="1" name=""/>
         <p:cNvGrpSpPr/>
         <p:nvPr/>
       </p:nvGrpSpPr>
-      <p:grpSpPr>
+      <p:grpSpPr bwMode="auto">
         <a:xfrm>
           <a:off x="0" y="0"/>
           <a:ext cx="0" cy="0"/>
@@ -5078,7 +5141,7 @@
             <p:ph type="ctrTitle"/>
           </p:nvPr>
         </p:nvSpPr>
-        <p:spPr>
+        <p:spPr bwMode="auto">
           <a:xfrm>
             <a:off x="467544" y="188640"/>
             <a:ext cx="8136904" cy="648071"/>
@@ -5090,13 +5153,17 @@
           </a:bodyPr>
           <a:lstStyle/>
           <a:p>
-            <a:r>
-              <a:rPr lang="ru-RU" dirty="0">
-                <a:latin typeface="Times New Roman" panose="02020603050405020304" pitchFamily="18" charset="0"/>
-                <a:cs typeface="Times New Roman" panose="02020603050405020304" pitchFamily="18" charset="0"/>
+            <a:pPr>
+              <a:defRPr/>
+            </a:pPr>
+            <a:r>
+              <a:rPr lang="ru-RU">
+                <a:latin typeface="Times New Roman"/>
+                <a:cs typeface="Times New Roman"/>
               </a:rPr>
               <a:t>Функциональные требования</a:t>
             </a:r>
+            <a:endParaRPr/>
           </a:p>
         </p:txBody>
       </p:sp>
@@ -5110,7 +5177,7 @@
             <p:ph type="subTitle" idx="1"/>
           </p:nvPr>
         </p:nvSpPr>
-        <p:spPr>
+        <p:spPr bwMode="auto">
           <a:xfrm>
             <a:off x="498190" y="1340768"/>
             <a:ext cx="8106258" cy="4896544"/>
@@ -5122,152 +5189,150 @@
           </a:bodyPr>
           <a:lstStyle/>
           <a:p>
-            <a:pPr algn="l"/>
-            <a:r>
-              <a:rPr lang="ru-RU" sz="2600" b="0" i="0" dirty="0">
+            <a:pPr algn="l">
+              <a:defRPr/>
+            </a:pPr>
+            <a:r>
+              <a:rPr lang="ru-RU" sz="2600" b="0" i="0">
                 <a:solidFill>
                   <a:srgbClr val="000000"/>
                 </a:solidFill>
-                <a:effectLst/>
-                <a:latin typeface="Times New Roman" panose="02020603050405020304" pitchFamily="18" charset="0"/>
-                <a:cs typeface="Times New Roman" panose="02020603050405020304" pitchFamily="18" charset="0"/>
+                <a:latin typeface="Times New Roman"/>
+                <a:cs typeface="Times New Roman"/>
               </a:rPr>
               <a:t>Сервис должен предоставлять возможность поиска тарифов по компании, количеству минут разговора, количеству гигабайт интернета</a:t>
             </a:r>
             <a:r>
-              <a:rPr lang="en-US" sz="2600" b="0" i="0" dirty="0">
+              <a:rPr lang="en-US" sz="2600" b="0" i="0">
                 <a:solidFill>
                   <a:srgbClr val="000000"/>
                 </a:solidFill>
-                <a:effectLst/>
-                <a:latin typeface="Times New Roman" panose="02020603050405020304" pitchFamily="18" charset="0"/>
-                <a:cs typeface="Times New Roman" panose="02020603050405020304" pitchFamily="18" charset="0"/>
+                <a:latin typeface="Times New Roman"/>
+                <a:cs typeface="Times New Roman"/>
               </a:rPr>
               <a:t>,</a:t>
             </a:r>
             <a:r>
-              <a:rPr lang="ru-RU" sz="2600" b="0" i="0" dirty="0">
+              <a:rPr lang="ru-RU" sz="2600" b="0" i="0">
                 <a:solidFill>
                   <a:srgbClr val="000000"/>
                 </a:solidFill>
-                <a:effectLst/>
-                <a:latin typeface="Times New Roman" panose="02020603050405020304" pitchFamily="18" charset="0"/>
-                <a:cs typeface="Times New Roman" panose="02020603050405020304" pitchFamily="18" charset="0"/>
+                <a:latin typeface="Times New Roman"/>
+                <a:cs typeface="Times New Roman"/>
               </a:rPr>
               <a:t> количеству смс.</a:t>
             </a:r>
             <a:br>
-              <a:rPr lang="ru-RU" sz="2600" dirty="0">
-                <a:latin typeface="Times New Roman" panose="02020603050405020304" pitchFamily="18" charset="0"/>
-                <a:cs typeface="Times New Roman" panose="02020603050405020304" pitchFamily="18" charset="0"/>
+              <a:rPr lang="ru-RU" sz="2600">
+                <a:latin typeface="Times New Roman"/>
+                <a:cs typeface="Times New Roman"/>
               </a:rPr>
             </a:br>
             <a:br>
-              <a:rPr lang="ru-RU" sz="2600" dirty="0">
-                <a:latin typeface="Times New Roman" panose="02020603050405020304" pitchFamily="18" charset="0"/>
-                <a:cs typeface="Times New Roman" panose="02020603050405020304" pitchFamily="18" charset="0"/>
+              <a:rPr lang="ru-RU" sz="2600">
+                <a:latin typeface="Times New Roman"/>
+                <a:cs typeface="Times New Roman"/>
               </a:rPr>
             </a:br>
             <a:r>
-              <a:rPr lang="ru-RU" sz="2600" dirty="0">
+              <a:rPr lang="ru-RU" sz="2600">
                 <a:solidFill>
                   <a:srgbClr val="000000"/>
                 </a:solidFill>
-                <a:latin typeface="Times New Roman" panose="02020603050405020304" pitchFamily="18" charset="0"/>
-                <a:cs typeface="Times New Roman" panose="02020603050405020304" pitchFamily="18" charset="0"/>
+                <a:latin typeface="Times New Roman"/>
+                <a:cs typeface="Times New Roman"/>
               </a:rPr>
               <a:t>Сервис должен о</a:t>
             </a:r>
             <a:r>
-              <a:rPr lang="ru-RU" sz="2600" b="0" i="0" dirty="0">
+              <a:rPr lang="ru-RU" sz="2600" b="0" i="0">
                 <a:solidFill>
                   <a:srgbClr val="000000"/>
                 </a:solidFill>
-                <a:effectLst/>
-                <a:latin typeface="Times New Roman" panose="02020603050405020304" pitchFamily="18" charset="0"/>
-                <a:cs typeface="Times New Roman" panose="02020603050405020304" pitchFamily="18" charset="0"/>
+                <a:latin typeface="Times New Roman"/>
+                <a:cs typeface="Times New Roman"/>
               </a:rPr>
               <a:t>тображать всю перечисленную</a:t>
             </a:r>
             <a:r>
-              <a:rPr lang="ru-RU" sz="2600" dirty="0">
+              <a:rPr lang="ru-RU" sz="2600">
                 <a:solidFill>
                   <a:srgbClr val="000000"/>
                 </a:solidFill>
-                <a:latin typeface="Times New Roman" panose="02020603050405020304" pitchFamily="18" charset="0"/>
-                <a:cs typeface="Times New Roman" panose="02020603050405020304" pitchFamily="18" charset="0"/>
+                <a:latin typeface="Times New Roman"/>
+                <a:cs typeface="Times New Roman"/>
               </a:rPr>
               <a:t> </a:t>
             </a:r>
             <a:r>
-              <a:rPr lang="ru-RU" sz="2600" b="0" i="0" dirty="0">
+              <a:rPr lang="ru-RU" sz="2600" b="0" i="0">
                 <a:solidFill>
                   <a:srgbClr val="000000"/>
                 </a:solidFill>
-                <a:effectLst/>
-                <a:latin typeface="Times New Roman" panose="02020603050405020304" pitchFamily="18" charset="0"/>
-                <a:cs typeface="Times New Roman" panose="02020603050405020304" pitchFamily="18" charset="0"/>
+                <a:latin typeface="Times New Roman"/>
+                <a:cs typeface="Times New Roman"/>
               </a:rPr>
               <a:t>информацию о тарифах</a:t>
             </a:r>
             <a:r>
-              <a:rPr lang="en-US" sz="2600" b="0" i="0" dirty="0">
+              <a:rPr lang="en-US" sz="2600" b="0" i="0">
                 <a:solidFill>
                   <a:srgbClr val="000000"/>
                 </a:solidFill>
-                <a:effectLst/>
-                <a:latin typeface="Times New Roman" panose="02020603050405020304" pitchFamily="18" charset="0"/>
-                <a:cs typeface="Times New Roman" panose="02020603050405020304" pitchFamily="18" charset="0"/>
+                <a:latin typeface="Times New Roman"/>
+                <a:cs typeface="Times New Roman"/>
               </a:rPr>
               <a:t>,</a:t>
             </a:r>
             <a:r>
-              <a:rPr lang="ru-RU" sz="2600" b="0" i="0" dirty="0">
+              <a:rPr lang="ru-RU" sz="2600" b="0" i="0">
                 <a:solidFill>
                   <a:srgbClr val="000000"/>
                 </a:solidFill>
-                <a:effectLst/>
-                <a:latin typeface="Times New Roman" panose="02020603050405020304" pitchFamily="18" charset="0"/>
-                <a:cs typeface="Times New Roman" panose="02020603050405020304" pitchFamily="18" charset="0"/>
+                <a:latin typeface="Times New Roman"/>
+                <a:cs typeface="Times New Roman"/>
               </a:rPr>
               <a:t> а также ссылку на страницу с выбранным тарифом у официального провайдера услуги.</a:t>
             </a:r>
             <a:br>
-              <a:rPr lang="ru-RU" dirty="0">
-                <a:latin typeface="Times New Roman" panose="02020603050405020304" pitchFamily="18" charset="0"/>
-                <a:cs typeface="Times New Roman" panose="02020603050405020304" pitchFamily="18" charset="0"/>
+              <a:rPr lang="ru-RU">
+                <a:latin typeface="Times New Roman"/>
+                <a:cs typeface="Times New Roman"/>
               </a:rPr>
             </a:br>
-            <a:endParaRPr lang="ru-RU" dirty="0">
-              <a:latin typeface="Times New Roman" panose="02020603050405020304" pitchFamily="18" charset="0"/>
-              <a:cs typeface="Times New Roman" panose="02020603050405020304" pitchFamily="18" charset="0"/>
+            <a:endParaRPr lang="ru-RU">
+              <a:latin typeface="Times New Roman"/>
+              <a:cs typeface="Times New Roman"/>
             </a:endParaRPr>
           </a:p>
         </p:txBody>
       </p:sp>
     </p:spTree>
-    <p:extLst>
-      <p:ext uri="{BB962C8B-B14F-4D97-AF65-F5344CB8AC3E}">
-        <p14:creationId xmlns:p14="http://schemas.microsoft.com/office/powerpoint/2010/main" val="197728668"/>
-      </p:ext>
-    </p:extLst>
   </p:cSld>
   <p:clrMapOvr>
     <a:masterClrMapping/>
   </p:clrMapOvr>
+  <mc:AlternateContent xmlns:mc="http://schemas.openxmlformats.org/markup-compatibility/2006">
+    <mc:Choice xmlns:p14="http://schemas.microsoft.com/office/powerpoint/2010/main" Requires="p14">
+      <p:transition p14:dur="2000" advClick="1"/>
+    </mc:Choice>
+    <mc:Fallback>
+      <p:transition advClick="1"/>
+    </mc:Fallback>
+  </mc:AlternateContent>
 </p:sld>
 </file>
 
 <file path=ppt/slides/slide12.xml><?xml version="1.0" encoding="utf-8"?>
-<p:sld xmlns:a="http://schemas.openxmlformats.org/drawingml/2006/main" xmlns:r="http://schemas.openxmlformats.org/officeDocument/2006/relationships" xmlns:p="http://schemas.openxmlformats.org/presentationml/2006/main">
-  <p:cSld>
+<p:sld xmlns:a="http://schemas.openxmlformats.org/drawingml/2006/main" xmlns:r="http://schemas.openxmlformats.org/officeDocument/2006/relationships" xmlns:p="http://schemas.openxmlformats.org/presentationml/2006/main" xmlns:m="http://schemas.openxmlformats.org/officeDocument/2006/math" xmlns:w="http://schemas.openxmlformats.org/wordprocessingml/2006/main" showMasterPhAnim="0" show="1">
+  <p:cSld name="">
     <p:spTree>
       <p:nvGrpSpPr>
         <p:cNvPr id="1" name=""/>
         <p:cNvGrpSpPr/>
         <p:nvPr/>
       </p:nvGrpSpPr>
-      <p:grpSpPr>
+      <p:grpSpPr bwMode="auto">
         <a:xfrm>
           <a:off x="0" y="0"/>
           <a:ext cx="0" cy="0"/>
@@ -5285,7 +5350,7 @@
             <p:ph type="ctrTitle"/>
           </p:nvPr>
         </p:nvSpPr>
-        <p:spPr>
+        <p:spPr bwMode="auto">
           <a:xfrm>
             <a:off x="467544" y="188640"/>
             <a:ext cx="8136904" cy="648071"/>
@@ -5297,13 +5362,17 @@
           </a:bodyPr>
           <a:lstStyle/>
           <a:p>
-            <a:r>
-              <a:rPr lang="ru-RU" dirty="0">
-                <a:latin typeface="Times New Roman" panose="02020603050405020304" pitchFamily="18" charset="0"/>
-                <a:cs typeface="Times New Roman" panose="02020603050405020304" pitchFamily="18" charset="0"/>
+            <a:pPr>
+              <a:defRPr/>
+            </a:pPr>
+            <a:r>
+              <a:rPr lang="ru-RU">
+                <a:latin typeface="Times New Roman"/>
+                <a:cs typeface="Times New Roman"/>
               </a:rPr>
               <a:t>Входные и выходные данные</a:t>
             </a:r>
+            <a:endParaRPr/>
           </a:p>
         </p:txBody>
       </p:sp>
@@ -5317,7 +5386,7 @@
             <p:ph type="subTitle" idx="1"/>
           </p:nvPr>
         </p:nvSpPr>
-        <p:spPr>
+        <p:spPr bwMode="auto">
           <a:xfrm>
             <a:off x="498190" y="1340768"/>
             <a:ext cx="8106258" cy="4896544"/>
@@ -5329,132 +5398,149 @@
           </a:bodyPr>
           <a:lstStyle/>
           <a:p>
-            <a:pPr algn="l"/>
-            <a:r>
-              <a:rPr lang="ru-RU" sz="2400" b="1" dirty="0">
+            <a:pPr algn="l">
+              <a:defRPr/>
+            </a:pPr>
+            <a:r>
+              <a:rPr lang="ru-RU" sz="2400" b="1">
                 <a:solidFill>
                   <a:schemeClr val="tx1"/>
                 </a:solidFill>
-                <a:latin typeface="Times New Roman" panose="02020603050405020304" pitchFamily="18" charset="0"/>
-                <a:cs typeface="Times New Roman" panose="02020603050405020304" pitchFamily="18" charset="0"/>
+                <a:latin typeface="Times New Roman"/>
+                <a:cs typeface="Times New Roman"/>
               </a:rPr>
               <a:t>Входные данные: </a:t>
             </a:r>
-          </a:p>
-          <a:p>
-            <a:pPr algn="l"/>
-            <a:r>
-              <a:rPr lang="ru-RU" sz="2400" dirty="0">
+            <a:endParaRPr/>
+          </a:p>
+          <a:p>
+            <a:pPr algn="l">
+              <a:defRPr/>
+            </a:pPr>
+            <a:r>
+              <a:rPr lang="ru-RU" sz="2400">
                 <a:solidFill>
                   <a:schemeClr val="tx1"/>
                 </a:solidFill>
-                <a:latin typeface="Times New Roman" panose="02020603050405020304" pitchFamily="18" charset="0"/>
-                <a:cs typeface="Times New Roman" panose="02020603050405020304" pitchFamily="18" charset="0"/>
+                <a:latin typeface="Times New Roman"/>
+                <a:cs typeface="Times New Roman"/>
               </a:rPr>
               <a:t>Данные фильтрации</a:t>
             </a:r>
             <a:r>
-              <a:rPr lang="en-US" sz="2400" dirty="0">
+              <a:rPr lang="en-US" sz="2400">
                 <a:solidFill>
                   <a:schemeClr val="tx1"/>
                 </a:solidFill>
-                <a:latin typeface="Times New Roman" panose="02020603050405020304" pitchFamily="18" charset="0"/>
-                <a:cs typeface="Times New Roman" panose="02020603050405020304" pitchFamily="18" charset="0"/>
+                <a:latin typeface="Times New Roman"/>
+                <a:cs typeface="Times New Roman"/>
               </a:rPr>
               <a:t>,</a:t>
             </a:r>
             <a:r>
-              <a:rPr lang="ru-RU" sz="2400" dirty="0">
+              <a:rPr lang="ru-RU" sz="2400">
                 <a:solidFill>
                   <a:schemeClr val="tx1"/>
                 </a:solidFill>
-                <a:latin typeface="Times New Roman" panose="02020603050405020304" pitchFamily="18" charset="0"/>
-                <a:cs typeface="Times New Roman" panose="02020603050405020304" pitchFamily="18" charset="0"/>
+                <a:latin typeface="Times New Roman"/>
+                <a:cs typeface="Times New Roman"/>
               </a:rPr>
               <a:t> выставленный пользователем</a:t>
             </a:r>
-          </a:p>
-          <a:p>
-            <a:pPr algn="l"/>
-            <a:endParaRPr lang="ru-RU" sz="2400" dirty="0">
+            <a:endParaRPr/>
+          </a:p>
+          <a:p>
+            <a:pPr algn="l">
+              <a:defRPr/>
+            </a:pPr>
+            <a:endParaRPr lang="ru-RU" sz="2400">
               <a:solidFill>
                 <a:schemeClr val="tx1"/>
               </a:solidFill>
-              <a:latin typeface="Times New Roman" panose="02020603050405020304" pitchFamily="18" charset="0"/>
-              <a:cs typeface="Times New Roman" panose="02020603050405020304" pitchFamily="18" charset="0"/>
+              <a:latin typeface="Times New Roman"/>
+              <a:cs typeface="Times New Roman"/>
             </a:endParaRPr>
           </a:p>
           <a:p>
-            <a:pPr algn="l"/>
-            <a:r>
-              <a:rPr lang="ru-RU" sz="2400" b="1" dirty="0">
+            <a:pPr algn="l">
+              <a:defRPr/>
+            </a:pPr>
+            <a:r>
+              <a:rPr lang="ru-RU" sz="2400" b="1">
                 <a:solidFill>
                   <a:schemeClr val="tx1"/>
                 </a:solidFill>
-                <a:latin typeface="Times New Roman" panose="02020603050405020304" pitchFamily="18" charset="0"/>
-                <a:cs typeface="Times New Roman" panose="02020603050405020304" pitchFamily="18" charset="0"/>
+                <a:latin typeface="Times New Roman"/>
+                <a:cs typeface="Times New Roman"/>
               </a:rPr>
               <a:t>Выходные данные: </a:t>
             </a:r>
-          </a:p>
-          <a:p>
-            <a:pPr algn="l"/>
-            <a:r>
-              <a:rPr lang="ru-RU" sz="2400" dirty="0">
+            <a:endParaRPr/>
+          </a:p>
+          <a:p>
+            <a:pPr algn="l">
+              <a:defRPr/>
+            </a:pPr>
+            <a:r>
+              <a:rPr lang="ru-RU" sz="2400">
                 <a:solidFill>
                   <a:schemeClr val="tx1"/>
                 </a:solidFill>
-                <a:latin typeface="Times New Roman" panose="02020603050405020304" pitchFamily="18" charset="0"/>
-                <a:cs typeface="Times New Roman" panose="02020603050405020304" pitchFamily="18" charset="0"/>
+                <a:latin typeface="Times New Roman"/>
+                <a:cs typeface="Times New Roman"/>
               </a:rPr>
               <a:t>Список тарифов мобильных операторов</a:t>
             </a:r>
             <a:r>
-              <a:rPr lang="en-US" sz="2400" dirty="0">
+              <a:rPr lang="en-US" sz="2400">
                 <a:solidFill>
                   <a:schemeClr val="tx1"/>
                 </a:solidFill>
-                <a:latin typeface="Times New Roman" panose="02020603050405020304" pitchFamily="18" charset="0"/>
-                <a:cs typeface="Times New Roman" panose="02020603050405020304" pitchFamily="18" charset="0"/>
+                <a:latin typeface="Times New Roman"/>
+                <a:cs typeface="Times New Roman"/>
               </a:rPr>
               <a:t>,</a:t>
             </a:r>
             <a:r>
-              <a:rPr lang="ru-RU" sz="2400" dirty="0">
+              <a:rPr lang="ru-RU" sz="2400">
                 <a:solidFill>
                   <a:schemeClr val="tx1"/>
                 </a:solidFill>
-                <a:latin typeface="Times New Roman" panose="02020603050405020304" pitchFamily="18" charset="0"/>
-                <a:cs typeface="Times New Roman" panose="02020603050405020304" pitchFamily="18" charset="0"/>
+                <a:latin typeface="Times New Roman"/>
+                <a:cs typeface="Times New Roman"/>
               </a:rPr>
               <a:t> попадающих под заданные пользователем условия.</a:t>
             </a:r>
+            <a:endParaRPr/>
           </a:p>
         </p:txBody>
       </p:sp>
     </p:spTree>
-    <p:extLst>
-      <p:ext uri="{BB962C8B-B14F-4D97-AF65-F5344CB8AC3E}">
-        <p14:creationId xmlns:p14="http://schemas.microsoft.com/office/powerpoint/2010/main" val="3278695884"/>
-      </p:ext>
-    </p:extLst>
   </p:cSld>
   <p:clrMapOvr>
     <a:masterClrMapping/>
   </p:clrMapOvr>
+  <mc:AlternateContent xmlns:mc="http://schemas.openxmlformats.org/markup-compatibility/2006">
+    <mc:Choice xmlns:p14="http://schemas.microsoft.com/office/powerpoint/2010/main" Requires="p14">
+      <p:transition p14:dur="2000" advClick="1"/>
+    </mc:Choice>
+    <mc:Fallback>
+      <p:transition advClick="1"/>
+    </mc:Fallback>
+  </mc:AlternateContent>
 </p:sld>
 </file>
 
 <file path=ppt/slides/slide13.xml><?xml version="1.0" encoding="utf-8"?>
-<p:sld xmlns:a="http://schemas.openxmlformats.org/drawingml/2006/main" xmlns:r="http://schemas.openxmlformats.org/officeDocument/2006/relationships" xmlns:p="http://schemas.openxmlformats.org/presentationml/2006/main">
-  <p:cSld>
+<p:sld xmlns:a="http://schemas.openxmlformats.org/drawingml/2006/main" xmlns:r="http://schemas.openxmlformats.org/officeDocument/2006/relationships" xmlns:p="http://schemas.openxmlformats.org/presentationml/2006/main" xmlns:m="http://schemas.openxmlformats.org/officeDocument/2006/math" xmlns:w="http://schemas.openxmlformats.org/wordprocessingml/2006/main" showMasterPhAnim="0" show="1">
+  <p:cSld name="">
     <p:spTree>
       <p:nvGrpSpPr>
         <p:cNvPr id="1" name=""/>
         <p:cNvGrpSpPr/>
         <p:nvPr/>
       </p:nvGrpSpPr>
-      <p:grpSpPr>
+      <p:grpSpPr bwMode="auto">
         <a:xfrm>
           <a:off x="0" y="0"/>
           <a:ext cx="0" cy="0"/>
@@ -5472,7 +5558,7 @@
             <p:ph type="ctrTitle"/>
           </p:nvPr>
         </p:nvSpPr>
-        <p:spPr>
+        <p:spPr bwMode="auto">
           <a:xfrm>
             <a:off x="467544" y="188640"/>
             <a:ext cx="8136904" cy="648071"/>
@@ -5484,13 +5570,17 @@
           </a:bodyPr>
           <a:lstStyle/>
           <a:p>
-            <a:r>
-              <a:rPr lang="ru-RU" altLang="en-US" sz="3600" dirty="0">
-                <a:latin typeface="Times New Roman" panose="02020603050405020304" pitchFamily="18" charset="0"/>
-                <a:cs typeface="Times New Roman" panose="02020603050405020304" pitchFamily="18" charset="0"/>
+            <a:pPr>
+              <a:defRPr/>
+            </a:pPr>
+            <a:r>
+              <a:rPr lang="ru-RU" sz="3600">
+                <a:latin typeface="Times New Roman"/>
+                <a:cs typeface="Times New Roman"/>
               </a:rPr>
               <a:t>Инструментальные средства</a:t>
             </a:r>
+            <a:endParaRPr/>
           </a:p>
         </p:txBody>
       </p:sp>
@@ -5504,7 +5594,7 @@
             <p:ph type="subTitle" idx="1"/>
           </p:nvPr>
         </p:nvSpPr>
-        <p:spPr>
+        <p:spPr bwMode="auto">
           <a:xfrm>
             <a:off x="498190" y="1340768"/>
             <a:ext cx="8106258" cy="4896544"/>
@@ -5516,53 +5606,40 @@
           </a:bodyPr>
           <a:lstStyle/>
           <a:p>
-            <a:pPr algn="l"/>
-            <a:r>
-              <a:rPr lang="en-US" sz="3600" dirty="0">
+            <a:pPr algn="l">
+              <a:defRPr/>
+            </a:pPr>
+            <a:r>
+              <a:rPr lang="en-US" sz="3600">
                 <a:solidFill>
                   <a:schemeClr val="tx1"/>
                 </a:solidFill>
-                <a:latin typeface="Times New Roman" panose="02020603050405020304" pitchFamily="18" charset="0"/>
-                <a:cs typeface="Times New Roman" panose="02020603050405020304" pitchFamily="18" charset="0"/>
+                <a:latin typeface="Times New Roman"/>
+                <a:cs typeface="Times New Roman"/>
               </a:rPr>
               <a:t> </a:t>
             </a:r>
-            <a:endParaRPr lang="ru-RU" sz="3600" dirty="0">
+            <a:endParaRPr lang="ru-RU" sz="3600">
               <a:solidFill>
                 <a:schemeClr val="tx1"/>
               </a:solidFill>
-              <a:latin typeface="Times New Roman" panose="02020603050405020304" pitchFamily="18" charset="0"/>
-              <a:cs typeface="Times New Roman" panose="02020603050405020304" pitchFamily="18" charset="0"/>
+              <a:latin typeface="Times New Roman"/>
+              <a:cs typeface="Times New Roman"/>
             </a:endParaRPr>
           </a:p>
         </p:txBody>
       </p:sp>
       <p:pic>
         <p:nvPicPr>
-          <p:cNvPr id="1026" name="Picture 2" descr="Что такое Bootstrap и как он связан с разработкой сайтов?">
-            <a:extLst>
-              <a:ext uri="{FF2B5EF4-FFF2-40B4-BE49-F238E27FC236}">
-                <a16:creationId xmlns:a16="http://schemas.microsoft.com/office/drawing/2014/main" id="{D37CC923-2077-1401-9980-12314DFBAE4A}"/>
-              </a:ext>
-            </a:extLst>
-          </p:cNvPr>
+          <p:cNvPr id="1026" name="Picture 2" descr="Что такое Bootstrap и как он связан с разработкой сайтов?"/>
           <p:cNvPicPr>
             <a:picLocks noChangeAspect="1" noChangeArrowheads="1"/>
           </p:cNvPicPr>
           <p:nvPr/>
         </p:nvPicPr>
         <p:blipFill>
-          <a:blip r:embed="rId2" cstate="print">
-            <a:extLst>
-              <a:ext uri="{28A0092B-C50C-407E-A947-70E740481C1C}">
-                <a14:useLocalDpi xmlns:a14="http://schemas.microsoft.com/office/drawing/2010/main" val="0"/>
-              </a:ext>
-            </a:extLst>
-          </a:blip>
-          <a:srcRect/>
-          <a:stretch>
-            <a:fillRect/>
-          </a:stretch>
+          <a:blip r:embed="rId2"/>
+          <a:stretch/>
         </p:blipFill>
         <p:spPr bwMode="auto">
           <a:xfrm>
@@ -5573,43 +5650,19 @@
             <a:avLst/>
           </a:prstGeom>
           <a:noFill/>
-          <a:extLst>
-            <a:ext uri="{909E8E84-426E-40DD-AFC4-6F175D3DCCD1}">
-              <a14:hiddenFill xmlns:a14="http://schemas.microsoft.com/office/drawing/2010/main">
-                <a:solidFill>
-                  <a:srgbClr val="FFFFFF"/>
-                </a:solidFill>
-              </a14:hiddenFill>
-            </a:ext>
-          </a:extLst>
         </p:spPr>
       </p:pic>
       <p:pic>
         <p:nvPicPr>
-          <p:cNvPr id="1032" name="Picture 8" descr="Spring Framework - что это за фреймворк для Java и зачем нужен">
-            <a:extLst>
-              <a:ext uri="{FF2B5EF4-FFF2-40B4-BE49-F238E27FC236}">
-                <a16:creationId xmlns:a16="http://schemas.microsoft.com/office/drawing/2014/main" id="{C8FD9F43-A9F6-87FC-FF2B-49DCAC488C45}"/>
-              </a:ext>
-            </a:extLst>
-          </p:cNvPr>
+          <p:cNvPr id="1032" name="Picture 8" descr="Spring Framework - что это за фреймворк для Java и зачем нужен"/>
           <p:cNvPicPr>
             <a:picLocks noChangeAspect="1" noChangeArrowheads="1"/>
           </p:cNvPicPr>
           <p:nvPr/>
         </p:nvPicPr>
         <p:blipFill>
-          <a:blip r:embed="rId3" cstate="print">
-            <a:extLst>
-              <a:ext uri="{28A0092B-C50C-407E-A947-70E740481C1C}">
-                <a14:useLocalDpi xmlns:a14="http://schemas.microsoft.com/office/drawing/2010/main" val="0"/>
-              </a:ext>
-            </a:extLst>
-          </a:blip>
-          <a:srcRect/>
-          <a:stretch>
-            <a:fillRect/>
-          </a:stretch>
+          <a:blip r:embed="rId3"/>
+          <a:stretch/>
         </p:blipFill>
         <p:spPr bwMode="auto">
           <a:xfrm>
@@ -5620,40 +5673,34 @@
             <a:avLst/>
           </a:prstGeom>
           <a:noFill/>
-          <a:extLst>
-            <a:ext uri="{909E8E84-426E-40DD-AFC4-6F175D3DCCD1}">
-              <a14:hiddenFill xmlns:a14="http://schemas.microsoft.com/office/drawing/2010/main">
-                <a:solidFill>
-                  <a:srgbClr val="FFFFFF"/>
-                </a:solidFill>
-              </a14:hiddenFill>
-            </a:ext>
-          </a:extLst>
         </p:spPr>
       </p:pic>
     </p:spTree>
-    <p:extLst>
-      <p:ext uri="{BB962C8B-B14F-4D97-AF65-F5344CB8AC3E}">
-        <p14:creationId xmlns:p14="http://schemas.microsoft.com/office/powerpoint/2010/main" val="3597652776"/>
-      </p:ext>
-    </p:extLst>
   </p:cSld>
   <p:clrMapOvr>
     <a:masterClrMapping/>
   </p:clrMapOvr>
+  <mc:AlternateContent xmlns:mc="http://schemas.openxmlformats.org/markup-compatibility/2006">
+    <mc:Choice xmlns:p14="http://schemas.microsoft.com/office/powerpoint/2010/main" Requires="p14">
+      <p:transition p14:dur="2000" advClick="1"/>
+    </mc:Choice>
+    <mc:Fallback>
+      <p:transition advClick="1"/>
+    </mc:Fallback>
+  </mc:AlternateContent>
 </p:sld>
 </file>
 
 <file path=ppt/slides/slide14.xml><?xml version="1.0" encoding="utf-8"?>
-<p:sld xmlns:a="http://schemas.openxmlformats.org/drawingml/2006/main" xmlns:r="http://schemas.openxmlformats.org/officeDocument/2006/relationships" xmlns:p="http://schemas.openxmlformats.org/presentationml/2006/main">
-  <p:cSld>
+<p:sld xmlns:a="http://schemas.openxmlformats.org/drawingml/2006/main" xmlns:r="http://schemas.openxmlformats.org/officeDocument/2006/relationships" xmlns:p="http://schemas.openxmlformats.org/presentationml/2006/main" xmlns:m="http://schemas.openxmlformats.org/officeDocument/2006/math" xmlns:w="http://schemas.openxmlformats.org/wordprocessingml/2006/main" showMasterPhAnim="0" show="1">
+  <p:cSld name="">
     <p:spTree>
       <p:nvGrpSpPr>
         <p:cNvPr id="1" name=""/>
         <p:cNvGrpSpPr/>
         <p:nvPr/>
       </p:nvGrpSpPr>
-      <p:grpSpPr>
+      <p:grpSpPr bwMode="auto">
         <a:xfrm>
           <a:off x="0" y="0"/>
           <a:ext cx="0" cy="0"/>
@@ -5671,7 +5718,7 @@
             <p:ph type="ctrTitle"/>
           </p:nvPr>
         </p:nvSpPr>
-        <p:spPr>
+        <p:spPr bwMode="auto">
           <a:xfrm>
             <a:off x="463352" y="420032"/>
             <a:ext cx="8136904" cy="648071"/>
@@ -5683,13 +5730,17 @@
           </a:bodyPr>
           <a:lstStyle/>
           <a:p>
-            <a:r>
-              <a:rPr lang="ru-RU" dirty="0">
-                <a:latin typeface="Times New Roman" panose="02020603050405020304" pitchFamily="18" charset="0"/>
-                <a:cs typeface="Times New Roman" panose="02020603050405020304" pitchFamily="18" charset="0"/>
+            <a:pPr>
+              <a:defRPr/>
+            </a:pPr>
+            <a:r>
+              <a:rPr lang="ru-RU">
+                <a:latin typeface="Times New Roman"/>
+                <a:cs typeface="Times New Roman"/>
               </a:rPr>
               <a:t>Структура классов концептуального уровня</a:t>
             </a:r>
+            <a:endParaRPr/>
           </a:p>
         </p:txBody>
       </p:sp>
@@ -5703,7 +5754,7 @@
             <p:ph type="subTitle" idx="1"/>
           </p:nvPr>
         </p:nvSpPr>
-        <p:spPr>
+        <p:spPr bwMode="auto">
           <a:xfrm>
             <a:off x="498190" y="5589240"/>
             <a:ext cx="8106258" cy="648071"/>
@@ -5715,48 +5766,46 @@
           </a:bodyPr>
           <a:lstStyle/>
           <a:p>
-            <a:r>
-              <a:rPr lang="ru-RU" altLang="en-US" sz="2400" dirty="0">
+            <a:pPr>
+              <a:defRPr/>
+            </a:pPr>
+            <a:r>
+              <a:rPr lang="ru-RU" sz="2400">
                 <a:solidFill>
                   <a:schemeClr val="tx1"/>
                 </a:solidFill>
-                <a:latin typeface="Times New Roman" panose="02020603050405020304" pitchFamily="18" charset="0"/>
-                <a:cs typeface="Times New Roman" panose="02020603050405020304" pitchFamily="18" charset="0"/>
+                <a:latin typeface="Times New Roman"/>
+                <a:cs typeface="Times New Roman"/>
               </a:rPr>
               <a:t>Схема 3.</a:t>
             </a:r>
             <a:r>
-              <a:rPr lang="en-US" altLang="en-US" sz="2400" dirty="0">
+              <a:rPr lang="en-US" sz="2400">
                 <a:solidFill>
                   <a:schemeClr val="tx1"/>
                 </a:solidFill>
-                <a:latin typeface="Times New Roman" panose="02020603050405020304" pitchFamily="18" charset="0"/>
-                <a:cs typeface="Times New Roman" panose="02020603050405020304" pitchFamily="18" charset="0"/>
+                <a:latin typeface="Times New Roman"/>
+                <a:cs typeface="Times New Roman"/>
               </a:rPr>
               <a:t> </a:t>
             </a:r>
             <a:r>
-              <a:rPr lang="ru-RU" altLang="en-US" sz="2400" dirty="0">
+              <a:rPr lang="ru-RU" sz="2400">
                 <a:solidFill>
                   <a:schemeClr val="tx1"/>
                 </a:solidFill>
-                <a:latin typeface="Times New Roman" panose="02020603050405020304" pitchFamily="18" charset="0"/>
-                <a:cs typeface="Times New Roman" panose="02020603050405020304" pitchFamily="18" charset="0"/>
+                <a:latin typeface="Times New Roman"/>
+                <a:cs typeface="Times New Roman"/>
               </a:rPr>
               <a:t>структура классов</a:t>
             </a:r>
+            <a:endParaRPr/>
           </a:p>
         </p:txBody>
       </p:sp>
       <p:pic>
         <p:nvPicPr>
-          <p:cNvPr id="6" name="Рисунок 5">
-            <a:extLst>
-              <a:ext uri="{FF2B5EF4-FFF2-40B4-BE49-F238E27FC236}">
-                <a16:creationId xmlns:a16="http://schemas.microsoft.com/office/drawing/2014/main" id="{AFFB9863-5972-600E-6CCA-49BE86AEF086}"/>
-              </a:ext>
-            </a:extLst>
-          </p:cNvPr>
+          <p:cNvPr id="6" name="Рисунок 5"/>
           <p:cNvPicPr>
             <a:picLocks noChangeAspect="1"/>
           </p:cNvPicPr>
@@ -5764,13 +5813,11 @@
         </p:nvPicPr>
         <p:blipFill>
           <a:blip r:embed="rId2"/>
-          <a:stretch>
-            <a:fillRect/>
-          </a:stretch>
+          <a:stretch/>
         </p:blipFill>
-        <p:spPr>
+        <p:spPr bwMode="auto">
           <a:xfrm>
-            <a:off x="1947862" y="1519237"/>
+            <a:off x="1947861" y="1519236"/>
             <a:ext cx="5248275" cy="3819525"/>
           </a:xfrm>
           <a:prstGeom prst="rect">
@@ -5779,28 +5826,31 @@
         </p:spPr>
       </p:pic>
     </p:spTree>
-    <p:extLst>
-      <p:ext uri="{BB962C8B-B14F-4D97-AF65-F5344CB8AC3E}">
-        <p14:creationId xmlns:p14="http://schemas.microsoft.com/office/powerpoint/2010/main" val="3515527969"/>
-      </p:ext>
-    </p:extLst>
   </p:cSld>
   <p:clrMapOvr>
     <a:masterClrMapping/>
   </p:clrMapOvr>
+  <mc:AlternateContent xmlns:mc="http://schemas.openxmlformats.org/markup-compatibility/2006">
+    <mc:Choice xmlns:p14="http://schemas.microsoft.com/office/powerpoint/2010/main" Requires="p14">
+      <p:transition p14:dur="2000" advClick="1"/>
+    </mc:Choice>
+    <mc:Fallback>
+      <p:transition advClick="1"/>
+    </mc:Fallback>
+  </mc:AlternateContent>
 </p:sld>
 </file>
 
 <file path=ppt/slides/slide15.xml><?xml version="1.0" encoding="utf-8"?>
-<p:sld xmlns:a="http://schemas.openxmlformats.org/drawingml/2006/main" xmlns:r="http://schemas.openxmlformats.org/officeDocument/2006/relationships" xmlns:p="http://schemas.openxmlformats.org/presentationml/2006/main">
-  <p:cSld>
+<p:sld xmlns:a="http://schemas.openxmlformats.org/drawingml/2006/main" xmlns:r="http://schemas.openxmlformats.org/officeDocument/2006/relationships" xmlns:p="http://schemas.openxmlformats.org/presentationml/2006/main" xmlns:m="http://schemas.openxmlformats.org/officeDocument/2006/math" xmlns:w="http://schemas.openxmlformats.org/wordprocessingml/2006/main" showMasterPhAnim="0" show="1">
+  <p:cSld name="">
     <p:spTree>
       <p:nvGrpSpPr>
         <p:cNvPr id="1" name=""/>
         <p:cNvGrpSpPr/>
         <p:nvPr/>
       </p:nvGrpSpPr>
-      <p:grpSpPr>
+      <p:grpSpPr bwMode="auto">
         <a:xfrm>
           <a:off x="0" y="0"/>
           <a:ext cx="0" cy="0"/>
@@ -5818,7 +5868,7 @@
             <p:ph type="ctrTitle"/>
           </p:nvPr>
         </p:nvSpPr>
-        <p:spPr>
+        <p:spPr bwMode="auto">
           <a:xfrm>
             <a:off x="467544" y="188640"/>
             <a:ext cx="8136904" cy="648071"/>
@@ -5830,13 +5880,17 @@
           </a:bodyPr>
           <a:lstStyle/>
           <a:p>
-            <a:r>
-              <a:rPr lang="ru-RU" dirty="0">
-                <a:latin typeface="Times New Roman" panose="02020603050405020304" pitchFamily="18" charset="0"/>
-                <a:cs typeface="Times New Roman" panose="02020603050405020304" pitchFamily="18" charset="0"/>
+            <a:pPr>
+              <a:defRPr/>
+            </a:pPr>
+            <a:r>
+              <a:rPr lang="ru-RU">
+                <a:latin typeface="Times New Roman"/>
+                <a:cs typeface="Times New Roman"/>
               </a:rPr>
               <a:t>Структура базы данных</a:t>
             </a:r>
+            <a:endParaRPr/>
           </a:p>
         </p:txBody>
       </p:sp>
@@ -5850,7 +5904,7 @@
             <p:ph type="subTitle" idx="1"/>
           </p:nvPr>
         </p:nvSpPr>
-        <p:spPr>
+        <p:spPr bwMode="auto">
           <a:xfrm>
             <a:off x="498190" y="5589240"/>
             <a:ext cx="8106258" cy="648072"/>
@@ -5862,48 +5916,46 @@
           </a:bodyPr>
           <a:lstStyle/>
           <a:p>
-            <a:r>
-              <a:rPr lang="ru-RU" altLang="en-US" sz="2400" dirty="0">
+            <a:pPr>
+              <a:defRPr/>
+            </a:pPr>
+            <a:r>
+              <a:rPr lang="ru-RU" sz="2400">
                 <a:solidFill>
                   <a:schemeClr val="tx1"/>
                 </a:solidFill>
-                <a:latin typeface="Times New Roman" panose="02020603050405020304" pitchFamily="18" charset="0"/>
-                <a:cs typeface="Times New Roman" panose="02020603050405020304" pitchFamily="18" charset="0"/>
+                <a:latin typeface="Times New Roman"/>
+                <a:cs typeface="Times New Roman"/>
               </a:rPr>
               <a:t>Схема 4.</a:t>
             </a:r>
             <a:r>
-              <a:rPr lang="en-US" altLang="en-US" sz="2400" dirty="0">
+              <a:rPr lang="en-US" sz="2400">
                 <a:solidFill>
                   <a:schemeClr val="tx1"/>
                 </a:solidFill>
-                <a:latin typeface="Times New Roman" panose="02020603050405020304" pitchFamily="18" charset="0"/>
-                <a:cs typeface="Times New Roman" panose="02020603050405020304" pitchFamily="18" charset="0"/>
+                <a:latin typeface="Times New Roman"/>
+                <a:cs typeface="Times New Roman"/>
               </a:rPr>
               <a:t> </a:t>
             </a:r>
             <a:r>
-              <a:rPr lang="ru-RU" altLang="en-US" sz="2400" dirty="0">
+              <a:rPr lang="ru-RU" sz="2400">
                 <a:solidFill>
                   <a:schemeClr val="tx1"/>
                 </a:solidFill>
-                <a:latin typeface="Times New Roman" panose="02020603050405020304" pitchFamily="18" charset="0"/>
-                <a:cs typeface="Times New Roman" panose="02020603050405020304" pitchFamily="18" charset="0"/>
+                <a:latin typeface="Times New Roman"/>
+                <a:cs typeface="Times New Roman"/>
               </a:rPr>
               <a:t>структура базы данных</a:t>
             </a:r>
+            <a:endParaRPr/>
           </a:p>
         </p:txBody>
       </p:sp>
       <p:pic>
         <p:nvPicPr>
-          <p:cNvPr id="5" name="Рисунок 4">
-            <a:extLst>
-              <a:ext uri="{FF2B5EF4-FFF2-40B4-BE49-F238E27FC236}">
-                <a16:creationId xmlns:a16="http://schemas.microsoft.com/office/drawing/2014/main" id="{F5DF51F1-64AA-BD6E-5614-377DC0D0D29B}"/>
-              </a:ext>
-            </a:extLst>
-          </p:cNvPr>
+          <p:cNvPr id="5" name="Рисунок 4"/>
           <p:cNvPicPr>
             <a:picLocks noChangeAspect="1"/>
           </p:cNvPicPr>
@@ -5911,11 +5963,9 @@
         </p:nvPicPr>
         <p:blipFill>
           <a:blip r:embed="rId2"/>
-          <a:stretch>
-            <a:fillRect/>
-          </a:stretch>
+          <a:stretch/>
         </p:blipFill>
-        <p:spPr>
+        <p:spPr bwMode="auto">
           <a:xfrm>
             <a:off x="3109912" y="1762125"/>
             <a:ext cx="2924175" cy="3333750"/>
@@ -5926,28 +5976,31 @@
         </p:spPr>
       </p:pic>
     </p:spTree>
-    <p:extLst>
-      <p:ext uri="{BB962C8B-B14F-4D97-AF65-F5344CB8AC3E}">
-        <p14:creationId xmlns:p14="http://schemas.microsoft.com/office/powerpoint/2010/main" val="2839491125"/>
-      </p:ext>
-    </p:extLst>
   </p:cSld>
   <p:clrMapOvr>
     <a:masterClrMapping/>
   </p:clrMapOvr>
+  <mc:AlternateContent xmlns:mc="http://schemas.openxmlformats.org/markup-compatibility/2006">
+    <mc:Choice xmlns:p14="http://schemas.microsoft.com/office/powerpoint/2010/main" Requires="p14">
+      <p:transition p14:dur="2000" advClick="1"/>
+    </mc:Choice>
+    <mc:Fallback>
+      <p:transition advClick="1"/>
+    </mc:Fallback>
+  </mc:AlternateContent>
 </p:sld>
 </file>
 
 <file path=ppt/slides/slide16.xml><?xml version="1.0" encoding="utf-8"?>
-<p:sld xmlns:a="http://schemas.openxmlformats.org/drawingml/2006/main" xmlns:r="http://schemas.openxmlformats.org/officeDocument/2006/relationships" xmlns:p="http://schemas.openxmlformats.org/presentationml/2006/main">
-  <p:cSld>
+<p:sld xmlns:a="http://schemas.openxmlformats.org/drawingml/2006/main" xmlns:r="http://schemas.openxmlformats.org/officeDocument/2006/relationships" xmlns:p="http://schemas.openxmlformats.org/presentationml/2006/main" xmlns:m="http://schemas.openxmlformats.org/officeDocument/2006/math" xmlns:w="http://schemas.openxmlformats.org/wordprocessingml/2006/main" showMasterPhAnim="0" show="1">
+  <p:cSld name="">
     <p:spTree>
       <p:nvGrpSpPr>
         <p:cNvPr id="1" name=""/>
         <p:cNvGrpSpPr/>
         <p:nvPr/>
       </p:nvGrpSpPr>
-      <p:grpSpPr>
+      <p:grpSpPr bwMode="auto">
         <a:xfrm>
           <a:off x="0" y="0"/>
           <a:ext cx="0" cy="0"/>
@@ -5957,13 +6010,7 @@
       </p:grpSpPr>
       <p:sp>
         <p:nvSpPr>
-          <p:cNvPr id="2" name="Заголовок 1">
-            <a:extLst>
-              <a:ext uri="{FF2B5EF4-FFF2-40B4-BE49-F238E27FC236}">
-                <a16:creationId xmlns:a16="http://schemas.microsoft.com/office/drawing/2014/main" id="{491F3AE5-8F5E-FB66-D9E0-D86BDEFC85E5}"/>
-              </a:ext>
-            </a:extLst>
-          </p:cNvPr>
+          <p:cNvPr id="2" name="Заголовок 1"/>
           <p:cNvSpPr>
             <a:spLocks noGrp="1"/>
           </p:cNvSpPr>
@@ -5971,32 +6018,30 @@
             <p:ph type="title"/>
           </p:nvPr>
         </p:nvSpPr>
-        <p:spPr/>
+        <p:spPr bwMode="auto"/>
         <p:txBody>
           <a:bodyPr>
             <a:normAutofit/>
           </a:bodyPr>
           <a:lstStyle/>
           <a:p>
-            <a:r>
-              <a:rPr lang="ru-RU" sz="3600" dirty="0">
-                <a:latin typeface="Times New Roman" panose="02020603050405020304" pitchFamily="18" charset="0"/>
-                <a:cs typeface="Times New Roman" panose="02020603050405020304" pitchFamily="18" charset="0"/>
+            <a:pPr>
+              <a:defRPr/>
+            </a:pPr>
+            <a:r>
+              <a:rPr lang="ru-RU" sz="3600">
+                <a:latin typeface="Times New Roman"/>
+                <a:cs typeface="Times New Roman"/>
               </a:rPr>
               <a:t>Готовность работы</a:t>
             </a:r>
-          </a:p>
-        </p:txBody>
-      </p:sp>
-      <p:sp>
-        <p:nvSpPr>
-          <p:cNvPr id="3" name="Объект 2">
-            <a:extLst>
-              <a:ext uri="{FF2B5EF4-FFF2-40B4-BE49-F238E27FC236}">
-                <a16:creationId xmlns:a16="http://schemas.microsoft.com/office/drawing/2014/main" id="{86D743FF-0B1E-2705-B3B4-92263E9E1D2C}"/>
-              </a:ext>
-            </a:extLst>
-          </p:cNvPr>
+            <a:endParaRPr/>
+          </a:p>
+        </p:txBody>
+      </p:sp>
+      <p:sp>
+        <p:nvSpPr>
+          <p:cNvPr id="3" name="Объект 2"/>
           <p:cNvSpPr>
             <a:spLocks noGrp="1"/>
           </p:cNvSpPr>
@@ -6004,7 +6049,7 @@
             <p:ph idx="1"/>
           </p:nvPr>
         </p:nvSpPr>
-        <p:spPr/>
+        <p:spPr bwMode="auto"/>
         <p:txBody>
           <a:bodyPr anchor="ctr">
             <a:normAutofit/>
@@ -6013,157 +6058,165 @@
           <a:p>
             <a:pPr marL="0" indent="0" algn="ctr">
               <a:buNone/>
-            </a:pPr>
-            <a:r>
-              <a:rPr lang="ru-RU" altLang="en-US" sz="2800" dirty="0">
+              <a:defRPr/>
+            </a:pPr>
+            <a:r>
+              <a:rPr lang="ru-RU" sz="2800">
                 <a:solidFill>
                   <a:schemeClr val="tx1"/>
                 </a:solidFill>
-                <a:latin typeface="Times New Roman" panose="02020603050405020304" pitchFamily="18" charset="0"/>
-                <a:cs typeface="Times New Roman" panose="02020603050405020304" pitchFamily="18" charset="0"/>
+                <a:latin typeface="Times New Roman"/>
+                <a:cs typeface="Times New Roman"/>
               </a:rPr>
               <a:t>ТЗ: </a:t>
             </a:r>
             <a:r>
-              <a:rPr lang="en-US" altLang="en-US" sz="2800" dirty="0">
-                <a:latin typeface="Times New Roman" panose="02020603050405020304" pitchFamily="18" charset="0"/>
-                <a:cs typeface="Times New Roman" panose="02020603050405020304" pitchFamily="18" charset="0"/>
+              <a:rPr lang="en-US" sz="2800">
+                <a:latin typeface="Times New Roman"/>
+                <a:cs typeface="Times New Roman"/>
               </a:rPr>
               <a:t>~</a:t>
             </a:r>
             <a:r>
-              <a:rPr lang="ru-RU" altLang="en-US" sz="2800" dirty="0">
+              <a:rPr lang="ru-RU" sz="2800">
                 <a:solidFill>
                   <a:schemeClr val="tx1"/>
                 </a:solidFill>
-                <a:latin typeface="Times New Roman" panose="02020603050405020304" pitchFamily="18" charset="0"/>
-                <a:cs typeface="Times New Roman" panose="02020603050405020304" pitchFamily="18" charset="0"/>
+                <a:latin typeface="Times New Roman"/>
+                <a:cs typeface="Times New Roman"/>
               </a:rPr>
               <a:t>готово</a:t>
             </a:r>
-            <a:endParaRPr lang="en-US" altLang="en-US" sz="2800" dirty="0">
+            <a:endParaRPr lang="en-US" sz="2800">
               <a:solidFill>
                 <a:schemeClr val="tx1"/>
               </a:solidFill>
-              <a:latin typeface="Times New Roman" panose="02020603050405020304" pitchFamily="18" charset="0"/>
-              <a:cs typeface="Times New Roman" panose="02020603050405020304" pitchFamily="18" charset="0"/>
+              <a:latin typeface="Times New Roman"/>
+              <a:cs typeface="Times New Roman"/>
             </a:endParaRPr>
           </a:p>
           <a:p>
             <a:pPr marL="0" indent="0" algn="ctr">
               <a:buNone/>
-            </a:pPr>
-            <a:r>
-              <a:rPr lang="ru-RU" altLang="en-US" sz="2800" dirty="0">
+              <a:defRPr/>
+            </a:pPr>
+            <a:r>
+              <a:rPr lang="ru-RU" sz="2800">
                 <a:solidFill>
                   <a:schemeClr val="tx1"/>
                 </a:solidFill>
-                <a:latin typeface="Times New Roman" panose="02020603050405020304" pitchFamily="18" charset="0"/>
-                <a:cs typeface="Times New Roman" panose="02020603050405020304" pitchFamily="18" charset="0"/>
+                <a:latin typeface="Times New Roman"/>
+                <a:cs typeface="Times New Roman"/>
               </a:rPr>
               <a:t>ПЗ: </a:t>
             </a:r>
             <a:r>
-              <a:rPr lang="en-US" altLang="en-US" sz="2800" dirty="0">
+              <a:rPr lang="en-US" sz="2800">
                 <a:solidFill>
                   <a:schemeClr val="tx1"/>
                 </a:solidFill>
-                <a:latin typeface="Times New Roman" panose="02020603050405020304" pitchFamily="18" charset="0"/>
-                <a:cs typeface="Times New Roman" panose="02020603050405020304" pitchFamily="18" charset="0"/>
+                <a:latin typeface="Times New Roman"/>
+                <a:cs typeface="Times New Roman"/>
               </a:rPr>
               <a:t>~</a:t>
             </a:r>
             <a:r>
-              <a:rPr lang="ru-RU" altLang="en-US" sz="2800" dirty="0">
+              <a:rPr lang="ru-RU" sz="2800">
                 <a:solidFill>
                   <a:schemeClr val="tx1"/>
                 </a:solidFill>
-                <a:latin typeface="Times New Roman" panose="02020603050405020304" pitchFamily="18" charset="0"/>
-                <a:cs typeface="Times New Roman" panose="02020603050405020304" pitchFamily="18" charset="0"/>
+                <a:latin typeface="Times New Roman"/>
+                <a:cs typeface="Times New Roman"/>
               </a:rPr>
               <a:t>50</a:t>
             </a:r>
             <a:r>
-              <a:rPr lang="en-US" altLang="en-US" sz="2800" dirty="0">
+              <a:rPr lang="en-US" sz="2800">
                 <a:solidFill>
                   <a:schemeClr val="tx1"/>
                 </a:solidFill>
-                <a:latin typeface="Times New Roman" panose="02020603050405020304" pitchFamily="18" charset="0"/>
-                <a:cs typeface="Times New Roman" panose="02020603050405020304" pitchFamily="18" charset="0"/>
+                <a:latin typeface="Times New Roman"/>
+                <a:cs typeface="Times New Roman"/>
               </a:rPr>
               <a:t>%</a:t>
             </a:r>
+            <a:endParaRPr/>
           </a:p>
           <a:p>
             <a:pPr marL="0" indent="0" algn="ctr">
               <a:buNone/>
-            </a:pPr>
-            <a:r>
-              <a:rPr lang="ru-RU" altLang="en-US" sz="2800" dirty="0">
+              <a:defRPr/>
+            </a:pPr>
+            <a:r>
+              <a:rPr lang="ru-RU" sz="2800">
                 <a:solidFill>
                   <a:schemeClr val="tx1"/>
                 </a:solidFill>
-                <a:latin typeface="Times New Roman" panose="02020603050405020304" pitchFamily="18" charset="0"/>
-                <a:cs typeface="Times New Roman" panose="02020603050405020304" pitchFamily="18" charset="0"/>
+                <a:latin typeface="Times New Roman"/>
+                <a:cs typeface="Times New Roman"/>
               </a:rPr>
               <a:t>Программа: </a:t>
             </a:r>
             <a:r>
-              <a:rPr lang="en-US" altLang="en-US" sz="2800" dirty="0">
+              <a:rPr lang="en-US" sz="2800">
                 <a:solidFill>
                   <a:schemeClr val="tx1"/>
                 </a:solidFill>
-                <a:latin typeface="Times New Roman" panose="02020603050405020304" pitchFamily="18" charset="0"/>
-                <a:cs typeface="Times New Roman" panose="02020603050405020304" pitchFamily="18" charset="0"/>
+                <a:latin typeface="Times New Roman"/>
+                <a:cs typeface="Times New Roman"/>
               </a:rPr>
               <a:t>~</a:t>
             </a:r>
             <a:r>
-              <a:rPr lang="ru-RU" altLang="en-US" sz="2800" dirty="0">
+              <a:rPr lang="ru-RU" sz="2800">
                 <a:solidFill>
                   <a:schemeClr val="tx1"/>
                 </a:solidFill>
-                <a:latin typeface="Times New Roman" panose="02020603050405020304" pitchFamily="18" charset="0"/>
-                <a:cs typeface="Times New Roman" panose="02020603050405020304" pitchFamily="18" charset="0"/>
+                <a:latin typeface="Times New Roman"/>
+                <a:cs typeface="Times New Roman"/>
               </a:rPr>
               <a:t>50</a:t>
             </a:r>
             <a:r>
-              <a:rPr lang="en-US" altLang="en-US" sz="2800" dirty="0">
+              <a:rPr lang="en-US" sz="2800">
                 <a:solidFill>
                   <a:schemeClr val="tx1"/>
                 </a:solidFill>
-                <a:latin typeface="Times New Roman" panose="02020603050405020304" pitchFamily="18" charset="0"/>
-                <a:cs typeface="Times New Roman" panose="02020603050405020304" pitchFamily="18" charset="0"/>
+                <a:latin typeface="Times New Roman"/>
+                <a:cs typeface="Times New Roman"/>
               </a:rPr>
               <a:t>%</a:t>
             </a:r>
+            <a:endParaRPr/>
           </a:p>
         </p:txBody>
       </p:sp>
     </p:spTree>
-    <p:extLst>
-      <p:ext uri="{BB962C8B-B14F-4D97-AF65-F5344CB8AC3E}">
-        <p14:creationId xmlns:p14="http://schemas.microsoft.com/office/powerpoint/2010/main" val="1717102549"/>
-      </p:ext>
-    </p:extLst>
   </p:cSld>
   <p:clrMapOvr>
     <a:masterClrMapping/>
   </p:clrMapOvr>
+  <mc:AlternateContent xmlns:mc="http://schemas.openxmlformats.org/markup-compatibility/2006">
+    <mc:Choice xmlns:p14="http://schemas.microsoft.com/office/powerpoint/2010/main" Requires="p14">
+      <p:transition p14:dur="2000" advClick="1"/>
+    </mc:Choice>
+    <mc:Fallback>
+      <p:transition advClick="1"/>
+    </mc:Fallback>
+  </mc:AlternateContent>
 </p:sld>
 </file>
 
 <file path=ppt/slides/slide2.xml><?xml version="1.0" encoding="utf-8"?>
-<p:sld xmlns:a="http://schemas.openxmlformats.org/drawingml/2006/main" xmlns:r="http://schemas.openxmlformats.org/officeDocument/2006/relationships" xmlns:p="http://schemas.openxmlformats.org/presentationml/2006/main">
-  <p:cSld>
+<p:sld xmlns:a="http://schemas.openxmlformats.org/drawingml/2006/main" xmlns:r="http://schemas.openxmlformats.org/officeDocument/2006/relationships" xmlns:p="http://schemas.openxmlformats.org/presentationml/2006/main" xmlns:m="http://schemas.openxmlformats.org/officeDocument/2006/math" xmlns:w="http://schemas.openxmlformats.org/wordprocessingml/2006/main" showMasterPhAnim="0" show="1">
+  <p:cSld name="">
     <p:spTree>
       <p:nvGrpSpPr>
         <p:cNvPr id="1" name=""/>
         <p:cNvGrpSpPr/>
         <p:nvPr/>
       </p:nvGrpSpPr>
-      <p:grpSpPr>
+      <p:grpSpPr bwMode="auto">
         <a:xfrm>
           <a:off x="0" y="0"/>
           <a:ext cx="0" cy="0"/>
@@ -6181,7 +6234,7 @@
             <p:ph type="ctrTitle"/>
           </p:nvPr>
         </p:nvSpPr>
-        <p:spPr>
+        <p:spPr bwMode="auto">
           <a:xfrm>
             <a:off x="683568" y="188640"/>
             <a:ext cx="7772400" cy="648071"/>
@@ -6193,13 +6246,17 @@
           </a:bodyPr>
           <a:lstStyle/>
           <a:p>
-            <a:r>
-              <a:rPr lang="ru-RU" sz="3600" dirty="0">
-                <a:latin typeface="Times New Roman" panose="02020603050405020304" pitchFamily="18" charset="0"/>
-                <a:cs typeface="Times New Roman" panose="02020603050405020304" pitchFamily="18" charset="0"/>
+            <a:pPr>
+              <a:defRPr/>
+            </a:pPr>
+            <a:r>
+              <a:rPr lang="ru-RU" sz="3600">
+                <a:latin typeface="Times New Roman"/>
+                <a:cs typeface="Times New Roman"/>
               </a:rPr>
               <a:t>Актуальность работы</a:t>
             </a:r>
+            <a:endParaRPr/>
           </a:p>
         </p:txBody>
       </p:sp>
@@ -6213,7 +6270,7 @@
             <p:ph type="subTitle" idx="1"/>
           </p:nvPr>
         </p:nvSpPr>
-        <p:spPr>
+        <p:spPr bwMode="auto">
           <a:xfrm>
             <a:off x="498190" y="1340768"/>
             <a:ext cx="8106258" cy="4896544"/>
@@ -6232,17 +6289,19 @@
               <a:spcBef>
                 <a:spcPts val="600"/>
               </a:spcBef>
-            </a:pPr>
-            <a:r>
-              <a:rPr lang="ru-RU" sz="2800" b="1" dirty="0">
+              <a:defRPr/>
+            </a:pPr>
+            <a:r>
+              <a:rPr lang="ru-RU" sz="2800" b="1">
                 <a:solidFill>
                   <a:schemeClr val="tx1"/>
                 </a:solidFill>
-                <a:latin typeface="Times New Roman" panose="02020603050405020304" pitchFamily="18" charset="0"/>
-                <a:cs typeface="Times New Roman" panose="02020603050405020304" pitchFamily="18" charset="0"/>
+                <a:latin typeface="Times New Roman"/>
+                <a:cs typeface="Times New Roman"/>
               </a:rPr>
               <a:t>Актуальность работы обусловлена:</a:t>
             </a:r>
+            <a:endParaRPr/>
           </a:p>
           <a:p>
             <a:pPr marL="457200" indent="-457200" algn="l">
@@ -6252,32 +6311,33 @@
               <a:spcBef>
                 <a:spcPts val="600"/>
               </a:spcBef>
-              <a:buFont typeface="Arial" panose="020B0604020202020204" pitchFamily="34" charset="0"/>
+              <a:buFont typeface="Arial"/>
               <a:buChar char="•"/>
-            </a:pPr>
-            <a:r>
-              <a:rPr lang="ru-RU" sz="2800" dirty="0">
+              <a:defRPr/>
+            </a:pPr>
+            <a:r>
+              <a:rPr lang="ru-RU" sz="2800">
                 <a:solidFill>
                   <a:schemeClr val="tx1"/>
                 </a:solidFill>
-                <a:latin typeface="Times New Roman" panose="02020603050405020304" pitchFamily="18" charset="0"/>
-                <a:ea typeface="Times New Roman" panose="02020603050405020304" pitchFamily="18" charset="0"/>
-                <a:cs typeface="Times New Roman" panose="02020603050405020304" pitchFamily="18" charset="0"/>
+                <a:latin typeface="Times New Roman"/>
+                <a:ea typeface="Times New Roman"/>
+                <a:cs typeface="Times New Roman"/>
               </a:rPr>
               <a:t>р</a:t>
             </a:r>
             <a:r>
-              <a:rPr lang="ru-RU" sz="2800" dirty="0">
+              <a:rPr lang="ru-RU" sz="2800">
                 <a:solidFill>
                   <a:schemeClr val="tx1"/>
                 </a:solidFill>
-                <a:effectLst/>
-                <a:latin typeface="Times New Roman" panose="02020603050405020304" pitchFamily="18" charset="0"/>
-                <a:ea typeface="Times New Roman" panose="02020603050405020304" pitchFamily="18" charset="0"/>
-                <a:cs typeface="Times New Roman" panose="02020603050405020304" pitchFamily="18" charset="0"/>
+                <a:latin typeface="Times New Roman"/>
+                <a:ea typeface="Times New Roman"/>
+                <a:cs typeface="Times New Roman"/>
               </a:rPr>
               <a:t>остом рынка мобильной связи</a:t>
             </a:r>
+            <a:endParaRPr/>
           </a:p>
           <a:p>
             <a:pPr marL="457200" indent="-457200" algn="l">
@@ -6287,32 +6347,33 @@
               <a:spcBef>
                 <a:spcPts val="600"/>
               </a:spcBef>
-              <a:buFont typeface="Arial" panose="020B0604020202020204" pitchFamily="34" charset="0"/>
+              <a:buFont typeface="Arial"/>
               <a:buChar char="•"/>
-            </a:pPr>
-            <a:r>
-              <a:rPr lang="ru-RU" sz="2800" dirty="0">
+              <a:defRPr/>
+            </a:pPr>
+            <a:r>
+              <a:rPr lang="ru-RU" sz="2800">
                 <a:solidFill>
                   <a:schemeClr val="tx1"/>
                 </a:solidFill>
-                <a:latin typeface="Times New Roman" panose="02020603050405020304" pitchFamily="18" charset="0"/>
-                <a:ea typeface="Times New Roman" panose="02020603050405020304" pitchFamily="18" charset="0"/>
-                <a:cs typeface="Times New Roman" panose="02020603050405020304" pitchFamily="18" charset="0"/>
+                <a:latin typeface="Times New Roman"/>
+                <a:ea typeface="Times New Roman"/>
+                <a:cs typeface="Times New Roman"/>
               </a:rPr>
               <a:t>м</a:t>
             </a:r>
             <a:r>
-              <a:rPr lang="ru-RU" sz="2800" dirty="0">
+              <a:rPr lang="ru-RU" sz="2800">
                 <a:solidFill>
                   <a:schemeClr val="tx1"/>
                 </a:solidFill>
-                <a:effectLst/>
-                <a:latin typeface="Times New Roman" panose="02020603050405020304" pitchFamily="18" charset="0"/>
-                <a:ea typeface="Times New Roman" panose="02020603050405020304" pitchFamily="18" charset="0"/>
-                <a:cs typeface="Times New Roman" panose="02020603050405020304" pitchFamily="18" charset="0"/>
+                <a:latin typeface="Times New Roman"/>
+                <a:ea typeface="Times New Roman"/>
+                <a:cs typeface="Times New Roman"/>
               </a:rPr>
               <a:t>ногообразием тарифов и услуг</a:t>
             </a:r>
+            <a:endParaRPr/>
           </a:p>
           <a:p>
             <a:pPr marL="457200" indent="-457200" algn="l">
@@ -6322,32 +6383,33 @@
               <a:spcBef>
                 <a:spcPts val="600"/>
               </a:spcBef>
-              <a:buFont typeface="Arial" panose="020B0604020202020204" pitchFamily="34" charset="0"/>
+              <a:buFont typeface="Arial"/>
               <a:buChar char="•"/>
-            </a:pPr>
-            <a:r>
-              <a:rPr lang="ru-RU" sz="2800" dirty="0">
+              <a:defRPr/>
+            </a:pPr>
+            <a:r>
+              <a:rPr lang="ru-RU" sz="2800">
                 <a:solidFill>
                   <a:schemeClr val="tx1"/>
                 </a:solidFill>
-                <a:latin typeface="Times New Roman" panose="02020603050405020304" pitchFamily="18" charset="0"/>
-                <a:ea typeface="Times New Roman" panose="02020603050405020304" pitchFamily="18" charset="0"/>
-                <a:cs typeface="Times New Roman" panose="02020603050405020304" pitchFamily="18" charset="0"/>
+                <a:latin typeface="Times New Roman"/>
+                <a:ea typeface="Times New Roman"/>
+                <a:cs typeface="Times New Roman"/>
               </a:rPr>
               <a:t>с</a:t>
             </a:r>
             <a:r>
-              <a:rPr lang="ru-RU" sz="2800" dirty="0">
+              <a:rPr lang="ru-RU" sz="2800">
                 <a:solidFill>
                   <a:schemeClr val="tx1"/>
                 </a:solidFill>
-                <a:effectLst/>
-                <a:latin typeface="Times New Roman" panose="02020603050405020304" pitchFamily="18" charset="0"/>
-                <a:ea typeface="Times New Roman" panose="02020603050405020304" pitchFamily="18" charset="0"/>
-                <a:cs typeface="Times New Roman" panose="02020603050405020304" pitchFamily="18" charset="0"/>
+                <a:latin typeface="Times New Roman"/>
+                <a:ea typeface="Times New Roman"/>
+                <a:cs typeface="Times New Roman"/>
               </a:rPr>
               <a:t>тремлением потребителей получить услуги по оптимальным ценам</a:t>
             </a:r>
+            <a:endParaRPr/>
           </a:p>
           <a:p>
             <a:pPr marL="457200" indent="-457200" algn="l">
@@ -6357,28 +6419,28 @@
               <a:spcBef>
                 <a:spcPts val="600"/>
               </a:spcBef>
-              <a:buFont typeface="Arial" panose="020B0604020202020204" pitchFamily="34" charset="0"/>
+              <a:buFont typeface="Arial"/>
               <a:buChar char="•"/>
-            </a:pPr>
-            <a:r>
-              <a:rPr lang="ru-RU" sz="2800" dirty="0">
+              <a:defRPr/>
+            </a:pPr>
+            <a:r>
+              <a:rPr lang="ru-RU" sz="2800">
                 <a:solidFill>
                   <a:schemeClr val="tx1"/>
                 </a:solidFill>
-                <a:latin typeface="Times New Roman" panose="02020603050405020304" pitchFamily="18" charset="0"/>
-                <a:ea typeface="Times New Roman" panose="02020603050405020304" pitchFamily="18" charset="0"/>
-                <a:cs typeface="Times New Roman" panose="02020603050405020304" pitchFamily="18" charset="0"/>
+                <a:latin typeface="Times New Roman"/>
+                <a:ea typeface="Times New Roman"/>
+                <a:cs typeface="Times New Roman"/>
               </a:rPr>
               <a:t>цифровизацией и онлайн-сервисами</a:t>
             </a:r>
-            <a:endParaRPr lang="ru-RU" sz="2800" dirty="0">
+            <a:endParaRPr lang="ru-RU" sz="2800">
               <a:solidFill>
                 <a:schemeClr val="tx1"/>
               </a:solidFill>
-              <a:effectLst/>
-              <a:latin typeface="Times New Roman" panose="02020603050405020304" pitchFamily="18" charset="0"/>
-              <a:ea typeface="Times New Roman" panose="02020603050405020304" pitchFamily="18" charset="0"/>
-              <a:cs typeface="Times New Roman" panose="02020603050405020304" pitchFamily="18" charset="0"/>
+              <a:latin typeface="Times New Roman"/>
+              <a:ea typeface="Times New Roman"/>
+              <a:cs typeface="Times New Roman"/>
             </a:endParaRPr>
           </a:p>
           <a:p>
@@ -6389,55 +6451,58 @@
               <a:spcBef>
                 <a:spcPts val="600"/>
               </a:spcBef>
-              <a:buFont typeface="Arial" panose="020B0604020202020204" pitchFamily="34" charset="0"/>
+              <a:buFont typeface="Arial"/>
               <a:buChar char="•"/>
-            </a:pPr>
-            <a:r>
-              <a:rPr lang="ru-RU" sz="2800" dirty="0">
+              <a:defRPr/>
+            </a:pPr>
+            <a:r>
+              <a:rPr lang="ru-RU" sz="2800">
                 <a:solidFill>
                   <a:schemeClr val="tx1"/>
                 </a:solidFill>
-                <a:latin typeface="Times New Roman" panose="02020603050405020304" pitchFamily="18" charset="0"/>
-                <a:ea typeface="Times New Roman" panose="02020603050405020304" pitchFamily="18" charset="0"/>
-                <a:cs typeface="Times New Roman" panose="02020603050405020304" pitchFamily="18" charset="0"/>
+                <a:latin typeface="Times New Roman"/>
+                <a:ea typeface="Times New Roman"/>
+                <a:cs typeface="Times New Roman"/>
               </a:rPr>
               <a:t>отсутствием качественных существующих решений</a:t>
             </a:r>
-            <a:endParaRPr lang="ru-RU" sz="2800" dirty="0">
+            <a:endParaRPr lang="ru-RU" sz="2800">
               <a:solidFill>
                 <a:schemeClr val="tx1"/>
               </a:solidFill>
-              <a:effectLst/>
-              <a:latin typeface="Times New Roman" panose="02020603050405020304" pitchFamily="18" charset="0"/>
-              <a:ea typeface="Times New Roman" panose="02020603050405020304" pitchFamily="18" charset="0"/>
-              <a:cs typeface="Times New Roman" panose="02020603050405020304" pitchFamily="18" charset="0"/>
+              <a:latin typeface="Times New Roman"/>
+              <a:ea typeface="Times New Roman"/>
+              <a:cs typeface="Times New Roman"/>
             </a:endParaRPr>
           </a:p>
         </p:txBody>
       </p:sp>
     </p:spTree>
-    <p:extLst>
-      <p:ext uri="{BB962C8B-B14F-4D97-AF65-F5344CB8AC3E}">
-        <p14:creationId xmlns:p14="http://schemas.microsoft.com/office/powerpoint/2010/main" val="1053462166"/>
-      </p:ext>
-    </p:extLst>
   </p:cSld>
   <p:clrMapOvr>
     <a:masterClrMapping/>
   </p:clrMapOvr>
+  <mc:AlternateContent xmlns:mc="http://schemas.openxmlformats.org/markup-compatibility/2006">
+    <mc:Choice xmlns:p14="http://schemas.microsoft.com/office/powerpoint/2010/main" Requires="p14">
+      <p:transition p14:dur="2000" advClick="1"/>
+    </mc:Choice>
+    <mc:Fallback>
+      <p:transition advClick="1"/>
+    </mc:Fallback>
+  </mc:AlternateContent>
 </p:sld>
 </file>
 
 <file path=ppt/slides/slide3.xml><?xml version="1.0" encoding="utf-8"?>
-<p:sld xmlns:a="http://schemas.openxmlformats.org/drawingml/2006/main" xmlns:r="http://schemas.openxmlformats.org/officeDocument/2006/relationships" xmlns:p="http://schemas.openxmlformats.org/presentationml/2006/main">
-  <p:cSld>
+<p:sld xmlns:a="http://schemas.openxmlformats.org/drawingml/2006/main" xmlns:r="http://schemas.openxmlformats.org/officeDocument/2006/relationships" xmlns:p="http://schemas.openxmlformats.org/presentationml/2006/main" xmlns:m="http://schemas.openxmlformats.org/officeDocument/2006/math" xmlns:w="http://schemas.openxmlformats.org/wordprocessingml/2006/main" showMasterPhAnim="0" show="1">
+  <p:cSld name="">
     <p:spTree>
       <p:nvGrpSpPr>
         <p:cNvPr id="1" name=""/>
         <p:cNvGrpSpPr/>
         <p:nvPr/>
       </p:nvGrpSpPr>
-      <p:grpSpPr>
+      <p:grpSpPr bwMode="auto">
         <a:xfrm>
           <a:off x="0" y="0"/>
           <a:ext cx="0" cy="0"/>
@@ -6455,7 +6520,7 @@
             <p:ph type="ctrTitle"/>
           </p:nvPr>
         </p:nvSpPr>
-        <p:spPr>
+        <p:spPr bwMode="auto">
           <a:xfrm>
             <a:off x="467544" y="188640"/>
             <a:ext cx="8136904" cy="648071"/>
@@ -6467,17 +6532,21 @@
           </a:bodyPr>
           <a:lstStyle/>
           <a:p>
-            <a:r>
-              <a:rPr lang="ru-RU" sz="3600" dirty="0">
-                <a:latin typeface="Times New Roman" panose="02020603050405020304" pitchFamily="18" charset="0"/>
-                <a:cs typeface="Times New Roman" panose="02020603050405020304" pitchFamily="18" charset="0"/>
+            <a:pPr>
+              <a:defRPr/>
+            </a:pPr>
+            <a:r>
+              <a:rPr lang="ru-RU" sz="3600">
+                <a:latin typeface="Times New Roman"/>
+                <a:cs typeface="Times New Roman"/>
               </a:rPr>
               <a:t>Описание</a:t>
             </a:r>
             <a:r>
-              <a:rPr lang="ru-RU" sz="3600" dirty="0"/>
+              <a:rPr lang="ru-RU" sz="3600"/>
               <a:t> проблемы</a:t>
             </a:r>
+            <a:endParaRPr/>
           </a:p>
         </p:txBody>
       </p:sp>
@@ -6491,7 +6560,7 @@
             <p:ph type="subTitle" idx="1"/>
           </p:nvPr>
         </p:nvSpPr>
-        <p:spPr>
+        <p:spPr bwMode="auto">
           <a:xfrm>
             <a:off x="498190" y="1340768"/>
             <a:ext cx="8106258" cy="4896544"/>
@@ -6503,132 +6572,137 @@
           </a:bodyPr>
           <a:lstStyle/>
           <a:p>
-            <a:pPr algn="l"/>
-            <a:r>
-              <a:rPr lang="ru-RU" sz="2400" dirty="0">
+            <a:pPr algn="l">
+              <a:defRPr/>
+            </a:pPr>
+            <a:r>
+              <a:rPr lang="ru-RU" sz="2400">
                 <a:solidFill>
                   <a:srgbClr val="000000"/>
                 </a:solidFill>
-                <a:latin typeface="Times New Roman" panose="02020603050405020304" pitchFamily="18" charset="0"/>
-                <a:cs typeface="Times New Roman" panose="02020603050405020304" pitchFamily="18" charset="0"/>
+                <a:latin typeface="Times New Roman"/>
+                <a:cs typeface="Times New Roman"/>
               </a:rPr>
               <a:t>Неудобство и затруднение пользователей при выборе оптимального тарифного плана мобильной связи из-за сложности сравнения большого количества предложений от различных операторов</a:t>
             </a:r>
             <a:r>
-              <a:rPr lang="ru-RU" sz="2400" b="0" i="0" dirty="0">
+              <a:rPr lang="ru-RU" sz="2400" b="0" i="0">
                 <a:solidFill>
                   <a:srgbClr val="000000"/>
                 </a:solidFill>
-                <a:effectLst/>
-                <a:latin typeface="Times New Roman" panose="02020603050405020304" pitchFamily="18" charset="0"/>
-                <a:cs typeface="Times New Roman" panose="02020603050405020304" pitchFamily="18" charset="0"/>
+                <a:latin typeface="Times New Roman"/>
+                <a:cs typeface="Times New Roman"/>
               </a:rPr>
               <a:t>.</a:t>
             </a:r>
-            <a:endParaRPr lang="en-US" sz="2400" b="0" i="0" dirty="0">
+            <a:endParaRPr lang="en-US" sz="2400" b="0" i="0">
               <a:solidFill>
                 <a:srgbClr val="000000"/>
               </a:solidFill>
-              <a:effectLst/>
-              <a:latin typeface="Times New Roman" panose="02020603050405020304" pitchFamily="18" charset="0"/>
-              <a:cs typeface="Times New Roman" panose="02020603050405020304" pitchFamily="18" charset="0"/>
+              <a:latin typeface="Times New Roman"/>
+              <a:cs typeface="Times New Roman"/>
             </a:endParaRPr>
           </a:p>
           <a:p>
-            <a:pPr algn="l"/>
-            <a:r>
-              <a:rPr lang="ru-RU" sz="2400" b="0" i="0" dirty="0">
+            <a:pPr algn="l">
+              <a:defRPr/>
+            </a:pPr>
+            <a:r>
+              <a:rPr lang="ru-RU" sz="2400" b="0" i="0">
                 <a:solidFill>
                   <a:srgbClr val="000000"/>
                 </a:solidFill>
-                <a:effectLst/>
-                <a:latin typeface="Times New Roman" panose="02020603050405020304" pitchFamily="18" charset="0"/>
-                <a:cs typeface="Times New Roman" panose="02020603050405020304" pitchFamily="18" charset="0"/>
+                <a:latin typeface="Times New Roman"/>
+                <a:cs typeface="Times New Roman"/>
               </a:rPr>
               <a:t> </a:t>
             </a:r>
             <a:br>
-              <a:rPr lang="ru-RU" sz="2400" dirty="0">
-                <a:latin typeface="Times New Roman" panose="02020603050405020304" pitchFamily="18" charset="0"/>
-                <a:cs typeface="Times New Roman" panose="02020603050405020304" pitchFamily="18" charset="0"/>
+              <a:rPr lang="ru-RU" sz="2400">
+                <a:latin typeface="Times New Roman"/>
+                <a:cs typeface="Times New Roman"/>
               </a:rPr>
             </a:br>
             <a:r>
-              <a:rPr lang="ru-RU" sz="2400" dirty="0">
+              <a:rPr lang="ru-RU" sz="2400">
                 <a:solidFill>
                   <a:schemeClr val="tx1"/>
                 </a:solidFill>
-                <a:latin typeface="Times New Roman" panose="02020603050405020304" pitchFamily="18" charset="0"/>
-                <a:cs typeface="Times New Roman" panose="02020603050405020304" pitchFamily="18" charset="0"/>
+                <a:latin typeface="Times New Roman"/>
+                <a:cs typeface="Times New Roman"/>
               </a:rPr>
               <a:t>Отсутствие качественных платформ</a:t>
             </a:r>
             <a:r>
-              <a:rPr lang="en-US" sz="2400" dirty="0">
+              <a:rPr lang="en-US" sz="2400">
                 <a:solidFill>
                   <a:schemeClr val="tx1"/>
                 </a:solidFill>
-                <a:latin typeface="Times New Roman" panose="02020603050405020304" pitchFamily="18" charset="0"/>
-                <a:cs typeface="Times New Roman" panose="02020603050405020304" pitchFamily="18" charset="0"/>
+                <a:latin typeface="Times New Roman"/>
+                <a:cs typeface="Times New Roman"/>
               </a:rPr>
               <a:t>, </a:t>
             </a:r>
             <a:r>
-              <a:rPr lang="ru-RU" sz="2400" dirty="0">
+              <a:rPr lang="ru-RU" sz="2400">
                 <a:solidFill>
                   <a:schemeClr val="tx1"/>
                 </a:solidFill>
-                <a:latin typeface="Times New Roman" panose="02020603050405020304" pitchFamily="18" charset="0"/>
-                <a:cs typeface="Times New Roman" panose="02020603050405020304" pitchFamily="18" charset="0"/>
+                <a:latin typeface="Times New Roman"/>
+                <a:cs typeface="Times New Roman"/>
               </a:rPr>
               <a:t>на которых можно бы было сравнить различные тарифные планы и выбрать подходящий</a:t>
             </a:r>
             <a:r>
-              <a:rPr lang="en-US" sz="2400" dirty="0">
+              <a:rPr lang="en-US" sz="2400">
                 <a:solidFill>
                   <a:schemeClr val="tx1"/>
                 </a:solidFill>
-                <a:latin typeface="Times New Roman" panose="02020603050405020304" pitchFamily="18" charset="0"/>
-                <a:cs typeface="Times New Roman" panose="02020603050405020304" pitchFamily="18" charset="0"/>
+                <a:latin typeface="Times New Roman"/>
+                <a:cs typeface="Times New Roman"/>
               </a:rPr>
               <a:t>,</a:t>
             </a:r>
             <a:r>
-              <a:rPr lang="ru-RU" sz="2400" dirty="0">
+              <a:rPr lang="ru-RU" sz="2400">
                 <a:solidFill>
                   <a:schemeClr val="tx1"/>
                 </a:solidFill>
-                <a:latin typeface="Times New Roman" panose="02020603050405020304" pitchFamily="18" charset="0"/>
-                <a:cs typeface="Times New Roman" panose="02020603050405020304" pitchFamily="18" charset="0"/>
+                <a:latin typeface="Times New Roman"/>
+                <a:cs typeface="Times New Roman"/>
               </a:rPr>
               <a:t> исходя из личных предпочтений. </a:t>
             </a:r>
+            <a:endParaRPr/>
           </a:p>
         </p:txBody>
       </p:sp>
     </p:spTree>
-    <p:extLst>
-      <p:ext uri="{BB962C8B-B14F-4D97-AF65-F5344CB8AC3E}">
-        <p14:creationId xmlns:p14="http://schemas.microsoft.com/office/powerpoint/2010/main" val="2081038248"/>
-      </p:ext>
-    </p:extLst>
   </p:cSld>
   <p:clrMapOvr>
     <a:masterClrMapping/>
   </p:clrMapOvr>
+  <mc:AlternateContent xmlns:mc="http://schemas.openxmlformats.org/markup-compatibility/2006">
+    <mc:Choice xmlns:p14="http://schemas.microsoft.com/office/powerpoint/2010/main" Requires="p14">
+      <p:transition p14:dur="2000" advClick="1"/>
+    </mc:Choice>
+    <mc:Fallback>
+      <p:transition advClick="1"/>
+    </mc:Fallback>
+  </mc:AlternateContent>
 </p:sld>
 </file>
 
 <file path=ppt/slides/slide4.xml><?xml version="1.0" encoding="utf-8"?>
-<p:sld xmlns:a="http://schemas.openxmlformats.org/drawingml/2006/main" xmlns:r="http://schemas.openxmlformats.org/officeDocument/2006/relationships" xmlns:p="http://schemas.openxmlformats.org/presentationml/2006/main">
-  <p:cSld>
+<p:sld xmlns:a="http://schemas.openxmlformats.org/drawingml/2006/main" xmlns:r="http://schemas.openxmlformats.org/officeDocument/2006/relationships" xmlns:p="http://schemas.openxmlformats.org/presentationml/2006/main" xmlns:m="http://schemas.openxmlformats.org/officeDocument/2006/math" xmlns:w="http://schemas.openxmlformats.org/wordprocessingml/2006/main" showMasterPhAnim="0" show="1">
+  <p:cSld name="">
     <p:spTree>
       <p:nvGrpSpPr>
         <p:cNvPr id="1" name=""/>
         <p:cNvGrpSpPr/>
         <p:nvPr/>
       </p:nvGrpSpPr>
-      <p:grpSpPr>
+      <p:grpSpPr bwMode="auto">
         <a:xfrm>
           <a:off x="0" y="0"/>
           <a:ext cx="0" cy="0"/>
@@ -6646,7 +6720,7 @@
             <p:ph type="ctrTitle"/>
           </p:nvPr>
         </p:nvSpPr>
-        <p:spPr>
+        <p:spPr bwMode="auto">
           <a:xfrm>
             <a:off x="467544" y="188640"/>
             <a:ext cx="8136904" cy="648071"/>
@@ -6658,13 +6732,17 @@
           </a:bodyPr>
           <a:lstStyle/>
           <a:p>
-            <a:r>
-              <a:rPr lang="ru-RU" sz="3600" dirty="0">
-                <a:latin typeface="Times New Roman" panose="02020603050405020304" pitchFamily="18" charset="0"/>
-                <a:cs typeface="Times New Roman" panose="02020603050405020304" pitchFamily="18" charset="0"/>
+            <a:pPr>
+              <a:defRPr/>
+            </a:pPr>
+            <a:r>
+              <a:rPr lang="ru-RU" sz="3600">
+                <a:latin typeface="Times New Roman"/>
+                <a:cs typeface="Times New Roman"/>
               </a:rPr>
               <a:t>Цель работы и задачи исследования</a:t>
             </a:r>
+            <a:endParaRPr/>
           </a:p>
         </p:txBody>
       </p:sp>
@@ -6678,7 +6756,7 @@
             <p:ph type="subTitle" idx="1"/>
           </p:nvPr>
         </p:nvSpPr>
-        <p:spPr>
+        <p:spPr bwMode="auto">
           <a:xfrm>
             <a:off x="498190" y="1340768"/>
             <a:ext cx="8106258" cy="5112568"/>
@@ -6694,190 +6772,201 @@
               <a:lnSpc>
                 <a:spcPct val="150000"/>
               </a:lnSpc>
-            </a:pPr>
-            <a:r>
-              <a:rPr lang="ru-RU" sz="1800" b="1" dirty="0">
+              <a:defRPr/>
+            </a:pPr>
+            <a:r>
+              <a:rPr lang="ru-RU" sz="1800" b="1">
                 <a:solidFill>
                   <a:schemeClr val="tx1"/>
                 </a:solidFill>
-                <a:latin typeface="Times New Roman" panose="02020603050405020304" pitchFamily="18" charset="0"/>
-                <a:cs typeface="Times New Roman" panose="02020603050405020304" pitchFamily="18" charset="0"/>
+                <a:latin typeface="Times New Roman"/>
+                <a:cs typeface="Times New Roman"/>
               </a:rPr>
               <a:t>Цель работы: </a:t>
             </a:r>
             <a:r>
-              <a:rPr lang="ru-RU" sz="1800" dirty="0">
+              <a:rPr lang="ru-RU" sz="1800">
                 <a:solidFill>
                   <a:schemeClr val="tx1"/>
                 </a:solidFill>
-                <a:effectLst/>
-                <a:latin typeface="Times New Roman" panose="02020603050405020304" pitchFamily="18" charset="0"/>
-                <a:ea typeface="Times New Roman" panose="02020603050405020304" pitchFamily="18" charset="0"/>
-                <a:cs typeface="Times New Roman" panose="02020603050405020304" pitchFamily="18" charset="0"/>
+                <a:latin typeface="Times New Roman"/>
+                <a:ea typeface="Times New Roman"/>
+                <a:cs typeface="Times New Roman"/>
               </a:rPr>
               <a:t>упрощение процесса поиска и экономия времени пользователя при выборе оптимального тарифа мобильных операторов.</a:t>
             </a:r>
-            <a:endParaRPr lang="ru-RU" sz="1800" dirty="0">
+            <a:endParaRPr lang="ru-RU" sz="1800">
               <a:solidFill>
                 <a:schemeClr val="tx1"/>
               </a:solidFill>
-              <a:latin typeface="Times New Roman" panose="02020603050405020304" pitchFamily="18" charset="0"/>
-              <a:cs typeface="Times New Roman" panose="02020603050405020304" pitchFamily="18" charset="0"/>
+              <a:latin typeface="Times New Roman"/>
+              <a:cs typeface="Times New Roman"/>
             </a:endParaRPr>
           </a:p>
           <a:p>
-            <a:pPr algn="just"/>
-            <a:r>
-              <a:rPr lang="en-US" sz="1800" b="1" dirty="0">
+            <a:pPr algn="just">
+              <a:defRPr/>
+            </a:pPr>
+            <a:r>
+              <a:rPr lang="en-US" sz="1800" b="1">
                 <a:solidFill>
                   <a:schemeClr val="tx1"/>
                 </a:solidFill>
-                <a:latin typeface="Times New Roman" panose="02020603050405020304" pitchFamily="18" charset="0"/>
-                <a:cs typeface="Times New Roman" panose="02020603050405020304" pitchFamily="18" charset="0"/>
+                <a:latin typeface="Times New Roman"/>
+                <a:cs typeface="Times New Roman"/>
               </a:rPr>
               <a:t>      </a:t>
             </a:r>
             <a:r>
-              <a:rPr lang="ru-RU" sz="1800" b="1" dirty="0">
+              <a:rPr lang="ru-RU" sz="1800" b="1">
                 <a:solidFill>
                   <a:schemeClr val="tx1"/>
                 </a:solidFill>
-                <a:latin typeface="Times New Roman" panose="02020603050405020304" pitchFamily="18" charset="0"/>
-                <a:cs typeface="Times New Roman" panose="02020603050405020304" pitchFamily="18" charset="0"/>
+                <a:latin typeface="Times New Roman"/>
+                <a:cs typeface="Times New Roman"/>
               </a:rPr>
               <a:t>Задачи:</a:t>
             </a:r>
+            <a:endParaRPr/>
           </a:p>
           <a:p>
             <a:pPr marL="342900" indent="-342900" algn="just">
               <a:lnSpc>
                 <a:spcPct val="150000"/>
               </a:lnSpc>
-              <a:buFont typeface="Arial" panose="020B0604020202020204" pitchFamily="34" charset="0"/>
+              <a:buFont typeface="Arial"/>
               <a:buChar char="•"/>
-            </a:pPr>
-            <a:r>
-              <a:rPr lang="ru-RU" sz="1800" dirty="0">
+              <a:defRPr/>
+            </a:pPr>
+            <a:r>
+              <a:rPr lang="ru-RU" sz="1800">
                 <a:solidFill>
                   <a:schemeClr val="tx1"/>
                 </a:solidFill>
-                <a:effectLst/>
-                <a:latin typeface="Times New Roman" panose="02020603050405020304" pitchFamily="18" charset="0"/>
-                <a:ea typeface="Times New Roman" panose="02020603050405020304" pitchFamily="18" charset="0"/>
-                <a:cs typeface="Times New Roman" panose="02020603050405020304" pitchFamily="18" charset="0"/>
+                <a:latin typeface="Times New Roman"/>
+                <a:ea typeface="Times New Roman"/>
+                <a:cs typeface="Times New Roman"/>
               </a:rPr>
               <a:t>произвести анализ предметной области;</a:t>
             </a:r>
+            <a:endParaRPr/>
           </a:p>
           <a:p>
             <a:pPr marL="342900" indent="-342900" algn="just">
               <a:lnSpc>
                 <a:spcPct val="150000"/>
               </a:lnSpc>
-              <a:buFont typeface="Arial" panose="020B0604020202020204" pitchFamily="34" charset="0"/>
+              <a:buFont typeface="Arial"/>
               <a:buChar char="•"/>
-            </a:pPr>
-            <a:r>
-              <a:rPr lang="ru-RU" sz="1800" dirty="0">
+              <a:defRPr/>
+            </a:pPr>
+            <a:r>
+              <a:rPr lang="ru-RU" sz="1800">
                 <a:solidFill>
                   <a:schemeClr val="tx1"/>
                 </a:solidFill>
-                <a:effectLst/>
-                <a:latin typeface="Times New Roman" panose="02020603050405020304" pitchFamily="18" charset="0"/>
-                <a:ea typeface="Times New Roman" panose="02020603050405020304" pitchFamily="18" charset="0"/>
-                <a:cs typeface="Times New Roman" panose="02020603050405020304" pitchFamily="18" charset="0"/>
+                <a:latin typeface="Times New Roman"/>
+                <a:ea typeface="Times New Roman"/>
+                <a:cs typeface="Times New Roman"/>
               </a:rPr>
               <a:t>произвести обзор существующих аналогов и выявить их основные преимущества и недостатки;</a:t>
             </a:r>
+            <a:endParaRPr/>
           </a:p>
           <a:p>
             <a:pPr marL="342900" indent="-342900" algn="just">
               <a:lnSpc>
                 <a:spcPct val="150000"/>
               </a:lnSpc>
-              <a:buFont typeface="Arial" panose="020B0604020202020204" pitchFamily="34" charset="0"/>
+              <a:buFont typeface="Arial"/>
               <a:buChar char="•"/>
-            </a:pPr>
-            <a:r>
-              <a:rPr lang="ru-RU" sz="1800" dirty="0">
+              <a:defRPr/>
+            </a:pPr>
+            <a:r>
+              <a:rPr lang="ru-RU" sz="1800">
                 <a:solidFill>
                   <a:schemeClr val="tx1"/>
                 </a:solidFill>
-                <a:effectLst/>
-                <a:latin typeface="Times New Roman" panose="02020603050405020304" pitchFamily="18" charset="0"/>
-                <a:ea typeface="Times New Roman" panose="02020603050405020304" pitchFamily="18" charset="0"/>
-                <a:cs typeface="Times New Roman" panose="02020603050405020304" pitchFamily="18" charset="0"/>
+                <a:latin typeface="Times New Roman"/>
+                <a:ea typeface="Times New Roman"/>
+                <a:cs typeface="Times New Roman"/>
               </a:rPr>
               <a:t>определить требования к разрабатываемому веб-сервису;</a:t>
             </a:r>
+            <a:endParaRPr/>
           </a:p>
           <a:p>
             <a:pPr marL="342900" indent="-342900" algn="just">
               <a:lnSpc>
                 <a:spcPct val="150000"/>
               </a:lnSpc>
-              <a:buFont typeface="Arial" panose="020B0604020202020204" pitchFamily="34" charset="0"/>
+              <a:buFont typeface="Arial"/>
               <a:buChar char="•"/>
-            </a:pPr>
-            <a:r>
-              <a:rPr lang="ru-RU" sz="1800" dirty="0">
+              <a:defRPr/>
+            </a:pPr>
+            <a:r>
+              <a:rPr lang="ru-RU" sz="1800">
                 <a:solidFill>
                   <a:schemeClr val="tx1"/>
                 </a:solidFill>
-                <a:effectLst/>
-                <a:latin typeface="Times New Roman" panose="02020603050405020304" pitchFamily="18" charset="0"/>
-                <a:ea typeface="Times New Roman" panose="02020603050405020304" pitchFamily="18" charset="0"/>
-                <a:cs typeface="Times New Roman" panose="02020603050405020304" pitchFamily="18" charset="0"/>
+                <a:latin typeface="Times New Roman"/>
+                <a:ea typeface="Times New Roman"/>
+                <a:cs typeface="Times New Roman"/>
               </a:rPr>
               <a:t>произвести проектирование базы данных;</a:t>
             </a:r>
+            <a:endParaRPr/>
           </a:p>
           <a:p>
             <a:pPr marL="342900" indent="-342900" algn="just">
               <a:lnSpc>
                 <a:spcPct val="150000"/>
               </a:lnSpc>
-              <a:buFont typeface="Arial" panose="020B0604020202020204" pitchFamily="34" charset="0"/>
+              <a:buFont typeface="Arial"/>
               <a:buChar char="•"/>
-            </a:pPr>
-            <a:r>
-              <a:rPr lang="ru-RU" sz="1800" dirty="0">
+              <a:defRPr/>
+            </a:pPr>
+            <a:r>
+              <a:rPr lang="ru-RU" sz="1800">
                 <a:solidFill>
                   <a:schemeClr val="tx1"/>
                 </a:solidFill>
-                <a:effectLst/>
-                <a:latin typeface="Times New Roman" panose="02020603050405020304" pitchFamily="18" charset="0"/>
-                <a:ea typeface="Times New Roman" panose="02020603050405020304" pitchFamily="18" charset="0"/>
-                <a:cs typeface="Times New Roman" panose="02020603050405020304" pitchFamily="18" charset="0"/>
+                <a:latin typeface="Times New Roman"/>
+                <a:ea typeface="Times New Roman"/>
+                <a:cs typeface="Times New Roman"/>
               </a:rPr>
               <a:t>протестировать работоспособность разработанного веб-сервиса.</a:t>
             </a:r>
+            <a:endParaRPr/>
           </a:p>
         </p:txBody>
       </p:sp>
     </p:spTree>
-    <p:extLst>
-      <p:ext uri="{BB962C8B-B14F-4D97-AF65-F5344CB8AC3E}">
-        <p14:creationId xmlns:p14="http://schemas.microsoft.com/office/powerpoint/2010/main" val="2550941481"/>
-      </p:ext>
-    </p:extLst>
   </p:cSld>
   <p:clrMapOvr>
     <a:masterClrMapping/>
   </p:clrMapOvr>
+  <mc:AlternateContent xmlns:mc="http://schemas.openxmlformats.org/markup-compatibility/2006">
+    <mc:Choice xmlns:p14="http://schemas.microsoft.com/office/powerpoint/2010/main" Requires="p14">
+      <p:transition p14:dur="2000" advClick="1"/>
+    </mc:Choice>
+    <mc:Fallback>
+      <p:transition advClick="1"/>
+    </mc:Fallback>
+  </mc:AlternateContent>
 </p:sld>
 </file>
 
 <file path=ppt/slides/slide5.xml><?xml version="1.0" encoding="utf-8"?>
-<p:sld xmlns:a="http://schemas.openxmlformats.org/drawingml/2006/main" xmlns:r="http://schemas.openxmlformats.org/officeDocument/2006/relationships" xmlns:p="http://schemas.openxmlformats.org/presentationml/2006/main">
-  <p:cSld>
+<p:sld xmlns:a="http://schemas.openxmlformats.org/drawingml/2006/main" xmlns:r="http://schemas.openxmlformats.org/officeDocument/2006/relationships" xmlns:p="http://schemas.openxmlformats.org/presentationml/2006/main" xmlns:m="http://schemas.openxmlformats.org/officeDocument/2006/math" xmlns:w="http://schemas.openxmlformats.org/wordprocessingml/2006/main" showMasterPhAnim="0" show="1">
+  <p:cSld name="">
     <p:spTree>
       <p:nvGrpSpPr>
         <p:cNvPr id="1" name=""/>
         <p:cNvGrpSpPr/>
         <p:nvPr/>
       </p:nvGrpSpPr>
-      <p:grpSpPr>
+      <p:grpSpPr bwMode="auto">
         <a:xfrm>
           <a:off x="0" y="0"/>
           <a:ext cx="0" cy="0"/>
@@ -6895,7 +6984,7 @@
             <p:ph type="ctrTitle"/>
           </p:nvPr>
         </p:nvSpPr>
-        <p:spPr>
+        <p:spPr bwMode="auto">
           <a:xfrm>
             <a:off x="467544" y="188640"/>
             <a:ext cx="8136904" cy="648071"/>
@@ -6907,27 +6996,31 @@
           </a:bodyPr>
           <a:lstStyle/>
           <a:p>
-            <a:r>
-              <a:rPr lang="ru-RU" sz="3600" dirty="0">
-                <a:latin typeface="Times New Roman" panose="02020603050405020304" pitchFamily="18" charset="0"/>
-                <a:cs typeface="Times New Roman" panose="02020603050405020304" pitchFamily="18" charset="0"/>
+            <a:pPr>
+              <a:defRPr/>
+            </a:pPr>
+            <a:r>
+              <a:rPr lang="ru-RU" sz="3600">
+                <a:latin typeface="Times New Roman"/>
+                <a:cs typeface="Times New Roman"/>
               </a:rPr>
               <a:t>Объект</a:t>
             </a:r>
             <a:r>
-              <a:rPr lang="en-US" sz="3600" dirty="0">
-                <a:latin typeface="Times New Roman" panose="02020603050405020304" pitchFamily="18" charset="0"/>
-                <a:cs typeface="Times New Roman" panose="02020603050405020304" pitchFamily="18" charset="0"/>
+              <a:rPr lang="en-US" sz="3600">
+                <a:latin typeface="Times New Roman"/>
+                <a:cs typeface="Times New Roman"/>
               </a:rPr>
               <a:t> </a:t>
             </a:r>
             <a:r>
-              <a:rPr lang="ru-RU" sz="3600" dirty="0">
-                <a:latin typeface="Times New Roman" panose="02020603050405020304" pitchFamily="18" charset="0"/>
-                <a:cs typeface="Times New Roman" panose="02020603050405020304" pitchFamily="18" charset="0"/>
+              <a:rPr lang="ru-RU" sz="3600">
+                <a:latin typeface="Times New Roman"/>
+                <a:cs typeface="Times New Roman"/>
               </a:rPr>
               <a:t>и предмет исследования</a:t>
             </a:r>
+            <a:endParaRPr/>
           </a:p>
         </p:txBody>
       </p:sp>
@@ -6941,10 +7034,10 @@
             <p:ph type="subTitle" idx="1"/>
           </p:nvPr>
         </p:nvSpPr>
-        <p:spPr>
+        <p:spPr bwMode="auto">
           <a:xfrm>
             <a:off x="498190" y="908720"/>
-            <a:ext cx="8106258" cy="5328592"/>
+            <a:ext cx="8106258" cy="5328591"/>
           </a:xfrm>
         </p:spPr>
         <p:txBody>
@@ -6957,38 +7050,37 @@
               <a:lnSpc>
                 <a:spcPct val="150000"/>
               </a:lnSpc>
-            </a:pPr>
-            <a:r>
-              <a:rPr lang="ru-RU" sz="2400" b="1" dirty="0">
+              <a:defRPr/>
+            </a:pPr>
+            <a:r>
+              <a:rPr lang="ru-RU" sz="2400" b="1">
                 <a:solidFill>
                   <a:schemeClr val="tx1"/>
                 </a:solidFill>
-                <a:effectLst/>
-                <a:latin typeface="Times New Roman" panose="02020603050405020304" pitchFamily="18" charset="0"/>
-                <a:ea typeface="Times New Roman" panose="02020603050405020304" pitchFamily="18" charset="0"/>
-                <a:cs typeface="Times New Roman" panose="02020603050405020304" pitchFamily="18" charset="0"/>
+                <a:latin typeface="Times New Roman"/>
+                <a:ea typeface="Times New Roman"/>
+                <a:cs typeface="Times New Roman"/>
               </a:rPr>
               <a:t>Объектом исследования </a:t>
             </a:r>
             <a:r>
-              <a:rPr lang="ru-RU" sz="2400" dirty="0">
+              <a:rPr lang="ru-RU" sz="2400">
                 <a:solidFill>
                   <a:schemeClr val="tx1"/>
                 </a:solidFill>
-                <a:effectLst/>
-                <a:latin typeface="Times New Roman" panose="02020603050405020304" pitchFamily="18" charset="0"/>
-                <a:ea typeface="Times New Roman" panose="02020603050405020304" pitchFamily="18" charset="0"/>
-                <a:cs typeface="Times New Roman" panose="02020603050405020304" pitchFamily="18" charset="0"/>
+                <a:latin typeface="Times New Roman"/>
+                <a:ea typeface="Times New Roman"/>
+                <a:cs typeface="Times New Roman"/>
               </a:rPr>
               <a:t>в работе является процесс подбора и сравнения тарифов мобильных операторов.</a:t>
             </a:r>
-            <a:endParaRPr lang="ru-RU" sz="2400" dirty="0">
+            <a:endParaRPr lang="ru-RU" sz="2400">
               <a:solidFill>
                 <a:schemeClr val="tx1"/>
               </a:solidFill>
-              <a:latin typeface="Times New Roman" panose="02020603050405020304" pitchFamily="18" charset="0"/>
-              <a:ea typeface="Times New Roman" panose="02020603050405020304" pitchFamily="18" charset="0"/>
-              <a:cs typeface="Times New Roman" panose="02020603050405020304" pitchFamily="18" charset="0"/>
+              <a:latin typeface="Times New Roman"/>
+              <a:ea typeface="Times New Roman"/>
+              <a:cs typeface="Times New Roman"/>
             </a:endParaRPr>
           </a:p>
           <a:p>
@@ -6996,57 +7088,60 @@
               <a:lnSpc>
                 <a:spcPct val="150000"/>
               </a:lnSpc>
-            </a:pPr>
-            <a:r>
-              <a:rPr lang="ru-RU" sz="2400" b="1" dirty="0">
+              <a:defRPr/>
+            </a:pPr>
+            <a:r>
+              <a:rPr lang="ru-RU" sz="2400" b="1">
                 <a:solidFill>
                   <a:schemeClr val="tx1"/>
                 </a:solidFill>
-                <a:effectLst/>
-                <a:latin typeface="Times New Roman" panose="02020603050405020304" pitchFamily="18" charset="0"/>
-                <a:ea typeface="Times New Roman" panose="02020603050405020304" pitchFamily="18" charset="0"/>
-                <a:cs typeface="Times New Roman" panose="02020603050405020304" pitchFamily="18" charset="0"/>
+                <a:latin typeface="Times New Roman"/>
+                <a:ea typeface="Times New Roman"/>
+                <a:cs typeface="Times New Roman"/>
               </a:rPr>
               <a:t>Предметом исследования </a:t>
             </a:r>
             <a:r>
-              <a:rPr lang="ru-RU" sz="2400" dirty="0">
+              <a:rPr lang="ru-RU" sz="2400">
                 <a:solidFill>
                   <a:schemeClr val="tx1"/>
                 </a:solidFill>
-                <a:effectLst/>
-                <a:latin typeface="Times New Roman" panose="02020603050405020304" pitchFamily="18" charset="0"/>
-                <a:ea typeface="Times New Roman" panose="02020603050405020304" pitchFamily="18" charset="0"/>
-                <a:cs typeface="Times New Roman" panose="02020603050405020304" pitchFamily="18" charset="0"/>
+                <a:latin typeface="Times New Roman"/>
+                <a:ea typeface="Times New Roman"/>
+                <a:cs typeface="Times New Roman"/>
               </a:rPr>
               <a:t>является процесс разработки и функционирования веб-сервиса для упрощения выбора и экономии времени при подборе тарифов мобильных операторов.</a:t>
             </a:r>
+            <a:endParaRPr/>
           </a:p>
         </p:txBody>
       </p:sp>
     </p:spTree>
-    <p:extLst>
-      <p:ext uri="{BB962C8B-B14F-4D97-AF65-F5344CB8AC3E}">
-        <p14:creationId xmlns:p14="http://schemas.microsoft.com/office/powerpoint/2010/main" val="4098215581"/>
-      </p:ext>
-    </p:extLst>
   </p:cSld>
   <p:clrMapOvr>
     <a:masterClrMapping/>
   </p:clrMapOvr>
+  <mc:AlternateContent xmlns:mc="http://schemas.openxmlformats.org/markup-compatibility/2006">
+    <mc:Choice xmlns:p14="http://schemas.microsoft.com/office/powerpoint/2010/main" Requires="p14">
+      <p:transition p14:dur="2000" advClick="1"/>
+    </mc:Choice>
+    <mc:Fallback>
+      <p:transition advClick="1"/>
+    </mc:Fallback>
+  </mc:AlternateContent>
 </p:sld>
 </file>
 
 <file path=ppt/slides/slide6.xml><?xml version="1.0" encoding="utf-8"?>
-<p:sld xmlns:a="http://schemas.openxmlformats.org/drawingml/2006/main" xmlns:r="http://schemas.openxmlformats.org/officeDocument/2006/relationships" xmlns:p="http://schemas.openxmlformats.org/presentationml/2006/main">
-  <p:cSld>
+<p:sld xmlns:a="http://schemas.openxmlformats.org/drawingml/2006/main" xmlns:r="http://schemas.openxmlformats.org/officeDocument/2006/relationships" xmlns:p="http://schemas.openxmlformats.org/presentationml/2006/main" xmlns:m="http://schemas.openxmlformats.org/officeDocument/2006/math" xmlns:w="http://schemas.openxmlformats.org/wordprocessingml/2006/main" showMasterPhAnim="0" show="1">
+  <p:cSld name="">
     <p:spTree>
       <p:nvGrpSpPr>
         <p:cNvPr id="1" name=""/>
         <p:cNvGrpSpPr/>
         <p:nvPr/>
       </p:nvGrpSpPr>
-      <p:grpSpPr>
+      <p:grpSpPr bwMode="auto">
         <a:xfrm>
           <a:off x="0" y="0"/>
           <a:ext cx="0" cy="0"/>
@@ -7064,7 +7159,7 @@
             <p:ph type="ctrTitle"/>
           </p:nvPr>
         </p:nvSpPr>
-        <p:spPr>
+        <p:spPr bwMode="auto">
           <a:xfrm>
             <a:off x="467544" y="188640"/>
             <a:ext cx="8136904" cy="648071"/>
@@ -7076,13 +7171,17 @@
           </a:bodyPr>
           <a:lstStyle/>
           <a:p>
-            <a:r>
-              <a:rPr lang="ru-RU" dirty="0">
-                <a:latin typeface="Times New Roman" panose="02020603050405020304" pitchFamily="18" charset="0"/>
-                <a:cs typeface="Times New Roman" panose="02020603050405020304" pitchFamily="18" charset="0"/>
+            <a:pPr>
+              <a:defRPr/>
+            </a:pPr>
+            <a:r>
+              <a:rPr lang="ru-RU">
+                <a:latin typeface="Times New Roman"/>
+                <a:cs typeface="Times New Roman"/>
               </a:rPr>
               <a:t>Как ранее решалась проблема</a:t>
             </a:r>
+            <a:endParaRPr/>
           </a:p>
         </p:txBody>
       </p:sp>
@@ -7096,7 +7195,7 @@
             <p:ph type="subTitle" idx="1"/>
           </p:nvPr>
         </p:nvSpPr>
-        <p:spPr>
+        <p:spPr bwMode="auto">
           <a:xfrm>
             <a:off x="498190" y="5877272"/>
             <a:ext cx="8106258" cy="648070"/>
@@ -7108,62 +7207,59 @@
           </a:bodyPr>
           <a:lstStyle/>
           <a:p>
-            <a:r>
-              <a:rPr lang="ru-RU" altLang="en-US" sz="2000" dirty="0">
+            <a:pPr>
+              <a:defRPr/>
+            </a:pPr>
+            <a:r>
+              <a:rPr lang="ru-RU" sz="2000">
                 <a:solidFill>
                   <a:schemeClr val="tx1"/>
                 </a:solidFill>
-                <a:latin typeface="Times New Roman" panose="02020603050405020304" pitchFamily="18" charset="0"/>
-                <a:cs typeface="Times New Roman" panose="02020603050405020304" pitchFamily="18" charset="0"/>
+                <a:latin typeface="Times New Roman"/>
+                <a:cs typeface="Times New Roman"/>
               </a:rPr>
               <a:t>Схема </a:t>
             </a:r>
             <a:r>
-              <a:rPr lang="en-US" altLang="en-US" sz="2000" dirty="0">
+              <a:rPr lang="en-US" sz="2000">
                 <a:solidFill>
                   <a:schemeClr val="tx1"/>
                 </a:solidFill>
-                <a:latin typeface="Times New Roman" panose="02020603050405020304" pitchFamily="18" charset="0"/>
-                <a:cs typeface="Times New Roman" panose="02020603050405020304" pitchFamily="18" charset="0"/>
+                <a:latin typeface="Times New Roman"/>
+                <a:cs typeface="Times New Roman"/>
               </a:rPr>
               <a:t>1</a:t>
             </a:r>
             <a:r>
-              <a:rPr lang="ru-RU" altLang="en-US" sz="2000" dirty="0">
+              <a:rPr lang="ru-RU" sz="2000">
                 <a:solidFill>
                   <a:schemeClr val="tx1"/>
                 </a:solidFill>
-                <a:latin typeface="Times New Roman" panose="02020603050405020304" pitchFamily="18" charset="0"/>
-                <a:cs typeface="Times New Roman" panose="02020603050405020304" pitchFamily="18" charset="0"/>
+                <a:latin typeface="Times New Roman"/>
+                <a:cs typeface="Times New Roman"/>
               </a:rPr>
               <a:t>. </a:t>
             </a:r>
             <a:r>
-              <a:rPr lang="en-US" altLang="en-US" sz="2000" dirty="0">
+              <a:rPr lang="en-US" sz="2000">
                 <a:solidFill>
                   <a:schemeClr val="tx1"/>
                 </a:solidFill>
-                <a:latin typeface="Times New Roman" panose="02020603050405020304" pitchFamily="18" charset="0"/>
-                <a:cs typeface="Times New Roman" panose="02020603050405020304" pitchFamily="18" charset="0"/>
+                <a:latin typeface="Times New Roman"/>
+                <a:cs typeface="Times New Roman"/>
               </a:rPr>
               <a:t>idef0 as is</a:t>
             </a:r>
-            <a:endParaRPr lang="ru-RU" sz="2000" dirty="0">
-              <a:latin typeface="Times New Roman" panose="02020603050405020304" pitchFamily="18" charset="0"/>
-              <a:cs typeface="Times New Roman" panose="02020603050405020304" pitchFamily="18" charset="0"/>
+            <a:endParaRPr lang="ru-RU" sz="2000">
+              <a:latin typeface="Times New Roman"/>
+              <a:cs typeface="Times New Roman"/>
             </a:endParaRPr>
           </a:p>
         </p:txBody>
       </p:sp>
       <p:pic>
         <p:nvPicPr>
-          <p:cNvPr id="5" name="Рисунок 4">
-            <a:extLst>
-              <a:ext uri="{FF2B5EF4-FFF2-40B4-BE49-F238E27FC236}">
-                <a16:creationId xmlns:a16="http://schemas.microsoft.com/office/drawing/2014/main" id="{AC631A0B-24DC-FECB-9D36-123198BAC548}"/>
-              </a:ext>
-            </a:extLst>
-          </p:cNvPr>
+          <p:cNvPr id="5" name="Рисунок 4"/>
           <p:cNvPicPr>
             <a:picLocks noChangeAspect="1"/>
           </p:cNvPicPr>
@@ -7171,11 +7267,9 @@
         </p:nvPicPr>
         <p:blipFill>
           <a:blip r:embed="rId2"/>
-          <a:stretch>
-            <a:fillRect/>
-          </a:stretch>
+          <a:stretch/>
         </p:blipFill>
-        <p:spPr>
+        <p:spPr bwMode="auto">
           <a:xfrm>
             <a:off x="1101437" y="977850"/>
             <a:ext cx="6941126" cy="4758283"/>
@@ -7186,28 +7280,31 @@
         </p:spPr>
       </p:pic>
     </p:spTree>
-    <p:extLst>
-      <p:ext uri="{BB962C8B-B14F-4D97-AF65-F5344CB8AC3E}">
-        <p14:creationId xmlns:p14="http://schemas.microsoft.com/office/powerpoint/2010/main" val="3055209718"/>
-      </p:ext>
-    </p:extLst>
   </p:cSld>
   <p:clrMapOvr>
     <a:masterClrMapping/>
   </p:clrMapOvr>
+  <mc:AlternateContent xmlns:mc="http://schemas.openxmlformats.org/markup-compatibility/2006">
+    <mc:Choice xmlns:p14="http://schemas.microsoft.com/office/powerpoint/2010/main" Requires="p14">
+      <p:transition p14:dur="2000" advClick="1"/>
+    </mc:Choice>
+    <mc:Fallback>
+      <p:transition advClick="1"/>
+    </mc:Fallback>
+  </mc:AlternateContent>
 </p:sld>
 </file>
 
 <file path=ppt/slides/slide7.xml><?xml version="1.0" encoding="utf-8"?>
-<p:sld xmlns:a="http://schemas.openxmlformats.org/drawingml/2006/main" xmlns:r="http://schemas.openxmlformats.org/officeDocument/2006/relationships" xmlns:p="http://schemas.openxmlformats.org/presentationml/2006/main">
-  <p:cSld>
+<p:sld xmlns:a="http://schemas.openxmlformats.org/drawingml/2006/main" xmlns:r="http://schemas.openxmlformats.org/officeDocument/2006/relationships" xmlns:p="http://schemas.openxmlformats.org/presentationml/2006/main" xmlns:m="http://schemas.openxmlformats.org/officeDocument/2006/math" xmlns:w="http://schemas.openxmlformats.org/wordprocessingml/2006/main" showMasterPhAnim="0" show="1">
+  <p:cSld name="">
     <p:spTree>
       <p:nvGrpSpPr>
         <p:cNvPr id="1" name=""/>
         <p:cNvGrpSpPr/>
         <p:nvPr/>
       </p:nvGrpSpPr>
-      <p:grpSpPr>
+      <p:grpSpPr bwMode="auto">
         <a:xfrm>
           <a:off x="0" y="0"/>
           <a:ext cx="0" cy="0"/>
@@ -7225,7 +7322,7 @@
             <p:ph type="ctrTitle"/>
           </p:nvPr>
         </p:nvSpPr>
-        <p:spPr>
+        <p:spPr bwMode="auto">
           <a:xfrm>
             <a:off x="467544" y="188640"/>
             <a:ext cx="8136904" cy="648071"/>
@@ -7237,13 +7334,17 @@
           </a:bodyPr>
           <a:lstStyle/>
           <a:p>
-            <a:r>
-              <a:rPr lang="ru-RU" dirty="0">
-                <a:latin typeface="Times New Roman" panose="02020603050405020304" pitchFamily="18" charset="0"/>
-                <a:cs typeface="Times New Roman" panose="02020603050405020304" pitchFamily="18" charset="0"/>
+            <a:pPr>
+              <a:defRPr/>
+            </a:pPr>
+            <a:r>
+              <a:rPr lang="ru-RU">
+                <a:latin typeface="Times New Roman"/>
+                <a:cs typeface="Times New Roman"/>
               </a:rPr>
               <a:t>Предлагаемое решение</a:t>
             </a:r>
+            <a:endParaRPr/>
           </a:p>
         </p:txBody>
       </p:sp>
@@ -7257,10 +7358,10 @@
             <p:ph type="subTitle" idx="1"/>
           </p:nvPr>
         </p:nvSpPr>
-        <p:spPr>
+        <p:spPr bwMode="auto">
           <a:xfrm>
-            <a:off x="516934" y="4839681"/>
-            <a:ext cx="8106258" cy="792088"/>
+            <a:off x="516933" y="4839681"/>
+            <a:ext cx="8106258" cy="792087"/>
           </a:xfrm>
         </p:spPr>
         <p:txBody>
@@ -7269,65 +7370,62 @@
           </a:bodyPr>
           <a:lstStyle/>
           <a:p>
-            <a:r>
-              <a:rPr lang="ru-RU" altLang="en-US" sz="2000" dirty="0">
+            <a:pPr>
+              <a:defRPr/>
+            </a:pPr>
+            <a:r>
+              <a:rPr lang="ru-RU" sz="2000">
                 <a:solidFill>
                   <a:schemeClr val="tx1"/>
                 </a:solidFill>
-                <a:latin typeface="Times New Roman" panose="02020603050405020304" pitchFamily="18" charset="0"/>
-                <a:cs typeface="Times New Roman" panose="02020603050405020304" pitchFamily="18" charset="0"/>
+                <a:latin typeface="Times New Roman"/>
+                <a:cs typeface="Times New Roman"/>
               </a:rPr>
               <a:t>Схема </a:t>
             </a:r>
             <a:r>
-              <a:rPr lang="en-US" altLang="en-US" sz="2000" dirty="0">
+              <a:rPr lang="en-US" sz="2000">
                 <a:solidFill>
                   <a:schemeClr val="tx1"/>
                 </a:solidFill>
-                <a:latin typeface="Times New Roman" panose="02020603050405020304" pitchFamily="18" charset="0"/>
-                <a:cs typeface="Times New Roman" panose="02020603050405020304" pitchFamily="18" charset="0"/>
+                <a:latin typeface="Times New Roman"/>
+                <a:cs typeface="Times New Roman"/>
               </a:rPr>
               <a:t>3</a:t>
             </a:r>
             <a:r>
-              <a:rPr lang="ru-RU" altLang="en-US" sz="2000" dirty="0">
+              <a:rPr lang="ru-RU" sz="2000">
                 <a:solidFill>
                   <a:schemeClr val="tx1"/>
                 </a:solidFill>
-                <a:latin typeface="Times New Roman" panose="02020603050405020304" pitchFamily="18" charset="0"/>
-                <a:cs typeface="Times New Roman" panose="02020603050405020304" pitchFamily="18" charset="0"/>
+                <a:latin typeface="Times New Roman"/>
+                <a:cs typeface="Times New Roman"/>
               </a:rPr>
               <a:t>. </a:t>
             </a:r>
             <a:r>
-              <a:rPr lang="en-US" altLang="en-US" sz="2000" dirty="0">
+              <a:rPr lang="en-US" sz="2000">
                 <a:solidFill>
                   <a:schemeClr val="tx1"/>
                 </a:solidFill>
-                <a:latin typeface="Times New Roman" panose="02020603050405020304" pitchFamily="18" charset="0"/>
-                <a:cs typeface="Times New Roman" panose="02020603050405020304" pitchFamily="18" charset="0"/>
+                <a:latin typeface="Times New Roman"/>
+                <a:cs typeface="Times New Roman"/>
               </a:rPr>
               <a:t>idef0 to be</a:t>
             </a:r>
-            <a:endParaRPr lang="ru-RU" altLang="en-US" sz="2000" dirty="0">
+            <a:endParaRPr lang="ru-RU" sz="2000">
               <a:solidFill>
                 <a:schemeClr val="tx1"/>
               </a:solidFill>
-              <a:latin typeface="Times New Roman" panose="02020603050405020304" pitchFamily="18" charset="0"/>
-              <a:cs typeface="Times New Roman" panose="02020603050405020304" pitchFamily="18" charset="0"/>
+              <a:latin typeface="Times New Roman"/>
+              <a:cs typeface="Times New Roman"/>
             </a:endParaRPr>
           </a:p>
         </p:txBody>
       </p:sp>
       <p:pic>
         <p:nvPicPr>
-          <p:cNvPr id="10" name="Рисунок 9">
-            <a:extLst>
-              <a:ext uri="{FF2B5EF4-FFF2-40B4-BE49-F238E27FC236}">
-                <a16:creationId xmlns:a16="http://schemas.microsoft.com/office/drawing/2014/main" id="{61D52E50-FE5C-FFC9-AFE9-A1C79AC10355}"/>
-              </a:ext>
-            </a:extLst>
-          </p:cNvPr>
+          <p:cNvPr id="10" name="Рисунок 9"/>
           <p:cNvPicPr>
             <a:picLocks noChangeAspect="1"/>
           </p:cNvPicPr>
@@ -7335,13 +7433,11 @@
         </p:nvPicPr>
         <p:blipFill>
           <a:blip r:embed="rId2"/>
-          <a:stretch>
-            <a:fillRect/>
-          </a:stretch>
+          <a:stretch/>
         </p:blipFill>
-        <p:spPr>
+        <p:spPr bwMode="auto">
           <a:xfrm>
-            <a:off x="23812" y="2081212"/>
+            <a:off x="23811" y="2081212"/>
             <a:ext cx="9096375" cy="2695575"/>
           </a:xfrm>
           <a:prstGeom prst="rect">
@@ -7350,28 +7446,31 @@
         </p:spPr>
       </p:pic>
     </p:spTree>
-    <p:extLst>
-      <p:ext uri="{BB962C8B-B14F-4D97-AF65-F5344CB8AC3E}">
-        <p14:creationId xmlns:p14="http://schemas.microsoft.com/office/powerpoint/2010/main" val="3514561471"/>
-      </p:ext>
-    </p:extLst>
   </p:cSld>
   <p:clrMapOvr>
     <a:masterClrMapping/>
   </p:clrMapOvr>
+  <mc:AlternateContent xmlns:mc="http://schemas.openxmlformats.org/markup-compatibility/2006">
+    <mc:Choice xmlns:p14="http://schemas.microsoft.com/office/powerpoint/2010/main" Requires="p14">
+      <p:transition p14:dur="2000" advClick="1"/>
+    </mc:Choice>
+    <mc:Fallback>
+      <p:transition advClick="1"/>
+    </mc:Fallback>
+  </mc:AlternateContent>
 </p:sld>
 </file>
 
 <file path=ppt/slides/slide8.xml><?xml version="1.0" encoding="utf-8"?>
-<p:sld xmlns:a="http://schemas.openxmlformats.org/drawingml/2006/main" xmlns:r="http://schemas.openxmlformats.org/officeDocument/2006/relationships" xmlns:p="http://schemas.openxmlformats.org/presentationml/2006/main">
-  <p:cSld>
+<p:sld xmlns:a="http://schemas.openxmlformats.org/drawingml/2006/main" xmlns:r="http://schemas.openxmlformats.org/officeDocument/2006/relationships" xmlns:p="http://schemas.openxmlformats.org/presentationml/2006/main" xmlns:m="http://schemas.openxmlformats.org/officeDocument/2006/math" xmlns:w="http://schemas.openxmlformats.org/wordprocessingml/2006/main" showMasterPhAnim="0" show="1">
+  <p:cSld name="">
     <p:spTree>
       <p:nvGrpSpPr>
         <p:cNvPr id="1" name=""/>
         <p:cNvGrpSpPr/>
         <p:nvPr/>
       </p:nvGrpSpPr>
-      <p:grpSpPr>
+      <p:grpSpPr bwMode="auto">
         <a:xfrm>
           <a:off x="0" y="0"/>
           <a:ext cx="0" cy="0"/>
@@ -7389,7 +7488,7 @@
             <p:ph type="ctrTitle"/>
           </p:nvPr>
         </p:nvSpPr>
-        <p:spPr>
+        <p:spPr bwMode="auto">
           <a:xfrm>
             <a:off x="467544" y="188640"/>
             <a:ext cx="8136904" cy="648071"/>
@@ -7401,13 +7500,17 @@
           </a:bodyPr>
           <a:lstStyle/>
           <a:p>
-            <a:r>
-              <a:rPr lang="ru-RU" dirty="0">
-                <a:latin typeface="Times New Roman" panose="02020603050405020304" pitchFamily="18" charset="0"/>
-                <a:cs typeface="Times New Roman" panose="02020603050405020304" pitchFamily="18" charset="0"/>
+            <a:pPr>
+              <a:defRPr/>
+            </a:pPr>
+            <a:r>
+              <a:rPr lang="ru-RU">
+                <a:latin typeface="Times New Roman"/>
+                <a:cs typeface="Times New Roman"/>
               </a:rPr>
               <a:t>Парсер</a:t>
             </a:r>
+            <a:endParaRPr/>
           </a:p>
         </p:txBody>
       </p:sp>
@@ -7421,7 +7524,7 @@
             <p:ph type="subTitle" idx="1"/>
           </p:nvPr>
         </p:nvSpPr>
-        <p:spPr>
+        <p:spPr bwMode="auto">
           <a:xfrm>
             <a:off x="498190" y="5877272"/>
             <a:ext cx="8106258" cy="648070"/>
@@ -7433,62 +7536,59 @@
           </a:bodyPr>
           <a:lstStyle/>
           <a:p>
-            <a:r>
-              <a:rPr lang="ru-RU" altLang="en-US" sz="2000" dirty="0">
+            <a:pPr>
+              <a:defRPr/>
+            </a:pPr>
+            <a:r>
+              <a:rPr lang="ru-RU" sz="2000">
                 <a:solidFill>
                   <a:schemeClr val="tx1"/>
                 </a:solidFill>
-                <a:latin typeface="Times New Roman" panose="02020603050405020304" pitchFamily="18" charset="0"/>
-                <a:cs typeface="Times New Roman" panose="02020603050405020304" pitchFamily="18" charset="0"/>
+                <a:latin typeface="Times New Roman"/>
+                <a:cs typeface="Times New Roman"/>
               </a:rPr>
               <a:t>Схема </a:t>
             </a:r>
             <a:r>
-              <a:rPr lang="en-US" altLang="en-US" sz="2000" dirty="0">
+              <a:rPr lang="en-US" sz="2000">
                 <a:solidFill>
                   <a:schemeClr val="tx1"/>
                 </a:solidFill>
-                <a:latin typeface="Times New Roman" panose="02020603050405020304" pitchFamily="18" charset="0"/>
-                <a:cs typeface="Times New Roman" panose="02020603050405020304" pitchFamily="18" charset="0"/>
+                <a:latin typeface="Times New Roman"/>
+                <a:cs typeface="Times New Roman"/>
               </a:rPr>
               <a:t>2</a:t>
             </a:r>
             <a:r>
-              <a:rPr lang="ru-RU" altLang="en-US" sz="2000" dirty="0">
+              <a:rPr lang="ru-RU" sz="2000">
                 <a:solidFill>
                   <a:schemeClr val="tx1"/>
                 </a:solidFill>
-                <a:latin typeface="Times New Roman" panose="02020603050405020304" pitchFamily="18" charset="0"/>
-                <a:cs typeface="Times New Roman" panose="02020603050405020304" pitchFamily="18" charset="0"/>
+                <a:latin typeface="Times New Roman"/>
+                <a:cs typeface="Times New Roman"/>
               </a:rPr>
               <a:t>. </a:t>
             </a:r>
             <a:r>
-              <a:rPr lang="en-US" altLang="en-US" sz="2000" dirty="0">
+              <a:rPr lang="en-US" sz="2000">
                 <a:solidFill>
                   <a:schemeClr val="tx1"/>
                 </a:solidFill>
-                <a:latin typeface="Times New Roman" panose="02020603050405020304" pitchFamily="18" charset="0"/>
-                <a:cs typeface="Times New Roman" panose="02020603050405020304" pitchFamily="18" charset="0"/>
+                <a:latin typeface="Times New Roman"/>
+                <a:cs typeface="Times New Roman"/>
               </a:rPr>
               <a:t>idef0 as is</a:t>
             </a:r>
-            <a:endParaRPr lang="ru-RU" sz="2000" dirty="0">
-              <a:latin typeface="Times New Roman" panose="02020603050405020304" pitchFamily="18" charset="0"/>
-              <a:cs typeface="Times New Roman" panose="02020603050405020304" pitchFamily="18" charset="0"/>
+            <a:endParaRPr lang="ru-RU" sz="2000">
+              <a:latin typeface="Times New Roman"/>
+              <a:cs typeface="Times New Roman"/>
             </a:endParaRPr>
           </a:p>
         </p:txBody>
       </p:sp>
       <p:pic>
         <p:nvPicPr>
-          <p:cNvPr id="5" name="Рисунок 4">
-            <a:extLst>
-              <a:ext uri="{FF2B5EF4-FFF2-40B4-BE49-F238E27FC236}">
-                <a16:creationId xmlns:a16="http://schemas.microsoft.com/office/drawing/2014/main" id="{858D69CC-450D-3DB3-11DD-901525C36A73}"/>
-              </a:ext>
-            </a:extLst>
-          </p:cNvPr>
+          <p:cNvPr id="2103625245" name=""/>
           <p:cNvPicPr>
             <a:picLocks noChangeAspect="1"/>
           </p:cNvPicPr>
@@ -7496,14 +7596,12 @@
         </p:nvPicPr>
         <p:blipFill>
           <a:blip r:embed="rId2"/>
-          <a:stretch>
-            <a:fillRect/>
-          </a:stretch>
+          <a:stretch/>
         </p:blipFill>
-        <p:spPr>
-          <a:xfrm>
-            <a:off x="14287" y="2100262"/>
-            <a:ext cx="9115425" cy="2657475"/>
+        <p:spPr bwMode="auto">
+          <a:xfrm flipH="0" flipV="0">
+            <a:off x="245470" y="2114550"/>
+            <a:ext cx="8581050" cy="2489603"/>
           </a:xfrm>
           <a:prstGeom prst="rect">
             <a:avLst/>
@@ -7511,28 +7609,31 @@
         </p:spPr>
       </p:pic>
     </p:spTree>
-    <p:extLst>
-      <p:ext uri="{BB962C8B-B14F-4D97-AF65-F5344CB8AC3E}">
-        <p14:creationId xmlns:p14="http://schemas.microsoft.com/office/powerpoint/2010/main" val="1617564459"/>
-      </p:ext>
-    </p:extLst>
   </p:cSld>
   <p:clrMapOvr>
     <a:masterClrMapping/>
   </p:clrMapOvr>
+  <mc:AlternateContent xmlns:mc="http://schemas.openxmlformats.org/markup-compatibility/2006">
+    <mc:Choice xmlns:p14="http://schemas.microsoft.com/office/powerpoint/2010/main" Requires="p14">
+      <p:transition p14:dur="2000" advClick="1"/>
+    </mc:Choice>
+    <mc:Fallback>
+      <p:transition advClick="1"/>
+    </mc:Fallback>
+  </mc:AlternateContent>
 </p:sld>
 </file>
 
 <file path=ppt/slides/slide9.xml><?xml version="1.0" encoding="utf-8"?>
-<p:sld xmlns:a="http://schemas.openxmlformats.org/drawingml/2006/main" xmlns:r="http://schemas.openxmlformats.org/officeDocument/2006/relationships" xmlns:p="http://schemas.openxmlformats.org/presentationml/2006/main">
-  <p:cSld>
+<p:sld xmlns:a="http://schemas.openxmlformats.org/drawingml/2006/main" xmlns:r="http://schemas.openxmlformats.org/officeDocument/2006/relationships" xmlns:p="http://schemas.openxmlformats.org/presentationml/2006/main" xmlns:m="http://schemas.openxmlformats.org/officeDocument/2006/math" xmlns:w="http://schemas.openxmlformats.org/wordprocessingml/2006/main" showMasterPhAnim="0" show="1">
+  <p:cSld name="">
     <p:spTree>
       <p:nvGrpSpPr>
         <p:cNvPr id="1" name=""/>
         <p:cNvGrpSpPr/>
         <p:nvPr/>
       </p:nvGrpSpPr>
-      <p:grpSpPr>
+      <p:grpSpPr bwMode="auto">
         <a:xfrm>
           <a:off x="0" y="0"/>
           <a:ext cx="0" cy="0"/>
@@ -7550,7 +7651,7 @@
             <p:ph type="ctrTitle"/>
           </p:nvPr>
         </p:nvSpPr>
-        <p:spPr>
+        <p:spPr bwMode="auto">
           <a:xfrm>
             <a:off x="467544" y="188640"/>
             <a:ext cx="8136904" cy="648071"/>
@@ -7562,13 +7663,17 @@
           </a:bodyPr>
           <a:lstStyle/>
           <a:p>
-            <a:r>
-              <a:rPr lang="ru-RU" sz="3600" dirty="0">
-                <a:latin typeface="Times New Roman" panose="02020603050405020304" pitchFamily="18" charset="0"/>
-                <a:cs typeface="Times New Roman" panose="02020603050405020304" pitchFamily="18" charset="0"/>
+            <a:pPr>
+              <a:defRPr/>
+            </a:pPr>
+            <a:r>
+              <a:rPr lang="ru-RU" sz="3600">
+                <a:latin typeface="Times New Roman"/>
+                <a:cs typeface="Times New Roman"/>
               </a:rPr>
               <a:t>Обзор аналогов</a:t>
             </a:r>
+            <a:endParaRPr/>
           </a:p>
         </p:txBody>
       </p:sp>
@@ -7582,7 +7687,7 @@
             <p:ph type="subTitle" idx="1"/>
           </p:nvPr>
         </p:nvSpPr>
-        <p:spPr>
+        <p:spPr bwMode="auto">
           <a:xfrm>
             <a:off x="498190" y="1340768"/>
             <a:ext cx="8106258" cy="4896544"/>
@@ -7594,176 +7699,189 @@
           </a:bodyPr>
           <a:lstStyle/>
           <a:p>
-            <a:pPr algn="l"/>
-            <a:r>
-              <a:rPr lang="ru-RU" sz="2400" b="1" dirty="0">
+            <a:pPr algn="l">
+              <a:defRPr/>
+            </a:pPr>
+            <a:r>
+              <a:rPr lang="ru-RU" sz="2400" b="1">
                 <a:solidFill>
                   <a:schemeClr val="tx1"/>
                 </a:solidFill>
-                <a:latin typeface="Times New Roman" panose="02020603050405020304" pitchFamily="18" charset="0"/>
-                <a:cs typeface="Times New Roman" panose="02020603050405020304" pitchFamily="18" charset="0"/>
+                <a:latin typeface="Times New Roman"/>
+                <a:cs typeface="Times New Roman"/>
               </a:rPr>
               <a:t>Критерии сравнения</a:t>
             </a:r>
             <a:r>
-              <a:rPr lang="ru-RU" sz="2400" dirty="0">
+              <a:rPr lang="ru-RU" sz="2400">
                 <a:solidFill>
                   <a:schemeClr val="tx1"/>
                 </a:solidFill>
-                <a:latin typeface="Times New Roman" panose="02020603050405020304" pitchFamily="18" charset="0"/>
-                <a:cs typeface="Times New Roman" panose="02020603050405020304" pitchFamily="18" charset="0"/>
+                <a:latin typeface="Times New Roman"/>
+                <a:cs typeface="Times New Roman"/>
               </a:rPr>
               <a:t>:</a:t>
             </a:r>
+            <a:endParaRPr/>
           </a:p>
           <a:p>
             <a:pPr indent="449580" algn="just">
               <a:lnSpc>
                 <a:spcPct val="150000"/>
               </a:lnSpc>
-            </a:pPr>
-            <a:r>
-              <a:rPr lang="ru-RU" sz="2400" dirty="0">
+              <a:defRPr/>
+            </a:pPr>
+            <a:r>
+              <a:rPr lang="ru-RU" sz="2400">
                 <a:solidFill>
                   <a:schemeClr val="tx1"/>
                 </a:solidFill>
-                <a:effectLst/>
-                <a:latin typeface="Times New Roman" panose="02020603050405020304" pitchFamily="18" charset="0"/>
-                <a:ea typeface="Times New Roman" panose="02020603050405020304" pitchFamily="18" charset="0"/>
-                <a:cs typeface="Times New Roman" panose="02020603050405020304" pitchFamily="18" charset="0"/>
+                <a:latin typeface="Times New Roman"/>
+                <a:ea typeface="Times New Roman"/>
+                <a:cs typeface="Times New Roman"/>
               </a:rPr>
               <a:t>1. Интуитивность интерфейса</a:t>
             </a:r>
+            <a:endParaRPr/>
           </a:p>
           <a:p>
             <a:pPr indent="449580" algn="just">
               <a:lnSpc>
                 <a:spcPct val="150000"/>
               </a:lnSpc>
-            </a:pPr>
-            <a:r>
-              <a:rPr lang="ru-RU" sz="2400" dirty="0">
+              <a:defRPr/>
+            </a:pPr>
+            <a:r>
+              <a:rPr lang="ru-RU" sz="2400">
                 <a:solidFill>
                   <a:schemeClr val="tx1"/>
                 </a:solidFill>
-                <a:effectLst/>
-                <a:latin typeface="Times New Roman" panose="02020603050405020304" pitchFamily="18" charset="0"/>
-                <a:ea typeface="Times New Roman" panose="02020603050405020304" pitchFamily="18" charset="0"/>
-                <a:cs typeface="Times New Roman" panose="02020603050405020304" pitchFamily="18" charset="0"/>
+                <a:latin typeface="Times New Roman"/>
+                <a:ea typeface="Times New Roman"/>
+                <a:cs typeface="Times New Roman"/>
               </a:rPr>
               <a:t>2. Персонализированный подбор</a:t>
             </a:r>
+            <a:endParaRPr/>
           </a:p>
           <a:p>
             <a:pPr indent="449580" algn="just">
               <a:lnSpc>
                 <a:spcPct val="150000"/>
               </a:lnSpc>
-            </a:pPr>
-            <a:r>
-              <a:rPr lang="ru-RU" sz="2400" dirty="0">
+              <a:defRPr/>
+            </a:pPr>
+            <a:r>
+              <a:rPr lang="ru-RU" sz="2400">
                 <a:solidFill>
                   <a:schemeClr val="tx1"/>
                 </a:solidFill>
-                <a:effectLst/>
-                <a:latin typeface="Times New Roman" panose="02020603050405020304" pitchFamily="18" charset="0"/>
-                <a:ea typeface="Times New Roman" panose="02020603050405020304" pitchFamily="18" charset="0"/>
-                <a:cs typeface="Times New Roman" panose="02020603050405020304" pitchFamily="18" charset="0"/>
+                <a:latin typeface="Times New Roman"/>
+                <a:ea typeface="Times New Roman"/>
+                <a:cs typeface="Times New Roman"/>
               </a:rPr>
               <a:t>3. Сравнение тарифов и услуг</a:t>
             </a:r>
+            <a:endParaRPr/>
           </a:p>
           <a:p>
             <a:pPr indent="449580" algn="just">
               <a:lnSpc>
                 <a:spcPct val="150000"/>
               </a:lnSpc>
-            </a:pPr>
-            <a:r>
-              <a:rPr lang="ru-RU" sz="2400" dirty="0">
+              <a:defRPr/>
+            </a:pPr>
+            <a:r>
+              <a:rPr lang="ru-RU" sz="2400">
                 <a:solidFill>
                   <a:schemeClr val="tx1"/>
                 </a:solidFill>
-                <a:effectLst/>
-                <a:latin typeface="Times New Roman" panose="02020603050405020304" pitchFamily="18" charset="0"/>
-                <a:ea typeface="Times New Roman" panose="02020603050405020304" pitchFamily="18" charset="0"/>
-                <a:cs typeface="Times New Roman" panose="02020603050405020304" pitchFamily="18" charset="0"/>
+                <a:latin typeface="Times New Roman"/>
+                <a:ea typeface="Times New Roman"/>
+                <a:cs typeface="Times New Roman"/>
               </a:rPr>
               <a:t>4. Учет финансовых предпочтений</a:t>
             </a:r>
+            <a:endParaRPr/>
           </a:p>
           <a:p>
             <a:pPr indent="449580" algn="just">
               <a:lnSpc>
                 <a:spcPct val="150000"/>
               </a:lnSpc>
-            </a:pPr>
-            <a:r>
-              <a:rPr lang="ru-RU" sz="2400" dirty="0">
+              <a:defRPr/>
+            </a:pPr>
+            <a:r>
+              <a:rPr lang="ru-RU" sz="2400">
                 <a:solidFill>
                   <a:schemeClr val="tx1"/>
                 </a:solidFill>
-                <a:effectLst/>
-                <a:latin typeface="Times New Roman" panose="02020603050405020304" pitchFamily="18" charset="0"/>
-                <a:ea typeface="Times New Roman" panose="02020603050405020304" pitchFamily="18" charset="0"/>
-                <a:cs typeface="Times New Roman" panose="02020603050405020304" pitchFamily="18" charset="0"/>
+                <a:latin typeface="Times New Roman"/>
+                <a:ea typeface="Times New Roman"/>
+                <a:cs typeface="Times New Roman"/>
               </a:rPr>
               <a:t>5. Доступность на различных устройствах</a:t>
             </a:r>
+            <a:endParaRPr/>
           </a:p>
           <a:p>
             <a:pPr indent="449580" algn="just">
               <a:lnSpc>
                 <a:spcPct val="150000"/>
               </a:lnSpc>
-            </a:pPr>
-            <a:r>
-              <a:rPr lang="ru-RU" sz="2400" dirty="0">
+              <a:defRPr/>
+            </a:pPr>
+            <a:r>
+              <a:rPr lang="ru-RU" sz="2400">
                 <a:solidFill>
                   <a:schemeClr val="tx1"/>
                 </a:solidFill>
-                <a:effectLst/>
-                <a:latin typeface="Times New Roman" panose="02020603050405020304" pitchFamily="18" charset="0"/>
-                <a:ea typeface="Times New Roman" panose="02020603050405020304" pitchFamily="18" charset="0"/>
-                <a:cs typeface="Times New Roman" panose="02020603050405020304" pitchFamily="18" charset="0"/>
+                <a:latin typeface="Times New Roman"/>
+                <a:ea typeface="Times New Roman"/>
+                <a:cs typeface="Times New Roman"/>
               </a:rPr>
               <a:t>6. Широкий выбор операторов</a:t>
             </a:r>
-            <a:endParaRPr lang="ru-RU" sz="2400" dirty="0">
+            <a:endParaRPr lang="ru-RU" sz="2400">
               <a:solidFill>
                 <a:schemeClr val="tx1"/>
               </a:solidFill>
-              <a:latin typeface="Times New Roman" panose="02020603050405020304" pitchFamily="18" charset="0"/>
-              <a:cs typeface="Times New Roman" panose="02020603050405020304" pitchFamily="18" charset="0"/>
+              <a:latin typeface="Times New Roman"/>
+              <a:cs typeface="Times New Roman"/>
             </a:endParaRPr>
           </a:p>
           <a:p>
-            <a:pPr algn="l"/>
-            <a:endParaRPr lang="ru-RU" sz="2400" dirty="0">
+            <a:pPr algn="l">
+              <a:defRPr/>
+            </a:pPr>
+            <a:endParaRPr lang="ru-RU" sz="2400">
               <a:solidFill>
                 <a:schemeClr val="tx1"/>
               </a:solidFill>
-              <a:latin typeface="Times New Roman" panose="02020603050405020304" pitchFamily="18" charset="0"/>
-              <a:cs typeface="Times New Roman" panose="02020603050405020304" pitchFamily="18" charset="0"/>
+              <a:latin typeface="Times New Roman"/>
+              <a:cs typeface="Times New Roman"/>
             </a:endParaRPr>
           </a:p>
         </p:txBody>
       </p:sp>
     </p:spTree>
-    <p:extLst>
-      <p:ext uri="{BB962C8B-B14F-4D97-AF65-F5344CB8AC3E}">
-        <p14:creationId xmlns:p14="http://schemas.microsoft.com/office/powerpoint/2010/main" val="3213516774"/>
-      </p:ext>
-    </p:extLst>
   </p:cSld>
   <p:clrMapOvr>
     <a:masterClrMapping/>
   </p:clrMapOvr>
+  <mc:AlternateContent xmlns:mc="http://schemas.openxmlformats.org/markup-compatibility/2006">
+    <mc:Choice xmlns:p14="http://schemas.microsoft.com/office/powerpoint/2010/main" Requires="p14">
+      <p:transition p14:dur="2000" advClick="1"/>
+    </mc:Choice>
+    <mc:Fallback>
+      <p:transition advClick="1"/>
+    </mc:Fallback>
+  </mc:AlternateContent>
 </p:sld>
 </file>
 
 <file path=ppt/theme/theme1.xml><?xml version="1.0" encoding="utf-8"?>
-<a:theme xmlns:a="http://schemas.openxmlformats.org/drawingml/2006/main" name="Тема Office">
+<a:theme xmlns:a="http://schemas.openxmlformats.org/drawingml/2006/main" xmlns:r="http://schemas.openxmlformats.org/officeDocument/2006/relationships" xmlns:p="http://schemas.openxmlformats.org/presentationml/2006/main" name="Тема Office">
   <a:themeElements>
     <a:clrScheme name="Стандартная">
       <a:dk1>
@@ -7806,73 +7924,13 @@
     <a:fontScheme name="Стандартная">
       <a:majorFont>
         <a:latin typeface="Calibri"/>
-        <a:ea typeface=""/>
-        <a:cs typeface=""/>
-        <a:font script="Jpan" typeface="ＭＳ Ｐゴシック"/>
-        <a:font script="Hang" typeface="맑은 고딕"/>
-        <a:font script="Hans" typeface="宋体"/>
-        <a:font script="Hant" typeface="新細明體"/>
-        <a:font script="Arab" typeface="Times New Roman"/>
-        <a:font script="Hebr" typeface="Times New Roman"/>
-        <a:font script="Thai" typeface="Angsana New"/>
-        <a:font script="Ethi" typeface="Nyala"/>
-        <a:font script="Beng" typeface="Vrinda"/>
-        <a:font script="Gujr" typeface="Shruti"/>
-        <a:font script="Khmr" typeface="MoolBoran"/>
-        <a:font script="Knda" typeface="Tunga"/>
-        <a:font script="Guru" typeface="Raavi"/>
-        <a:font script="Cans" typeface="Euphemia"/>
-        <a:font script="Cher" typeface="Plantagenet Cherokee"/>
-        <a:font script="Yiii" typeface="Microsoft Yi Baiti"/>
-        <a:font script="Tibt" typeface="Microsoft Himalaya"/>
-        <a:font script="Thaa" typeface="MV Boli"/>
-        <a:font script="Deva" typeface="Mangal"/>
-        <a:font script="Telu" typeface="Gautami"/>
-        <a:font script="Taml" typeface="Latha"/>
-        <a:font script="Syrc" typeface="Estrangelo Edessa"/>
-        <a:font script="Orya" typeface="Kalinga"/>
-        <a:font script="Mlym" typeface="Kartika"/>
-        <a:font script="Laoo" typeface="DokChampa"/>
-        <a:font script="Sinh" typeface="Iskoola Pota"/>
-        <a:font script="Mong" typeface="Mongolian Baiti"/>
-        <a:font script="Viet" typeface="Times New Roman"/>
-        <a:font script="Uigh" typeface="Microsoft Uighur"/>
-        <a:font script="Geor" typeface="Sylfaen"/>
+        <a:ea typeface="Arial"/>
+        <a:cs typeface="Arial"/>
       </a:majorFont>
       <a:minorFont>
         <a:latin typeface="Calibri"/>
-        <a:ea typeface=""/>
-        <a:cs typeface=""/>
-        <a:font script="Jpan" typeface="ＭＳ Ｐゴシック"/>
-        <a:font script="Hang" typeface="맑은 고딕"/>
-        <a:font script="Hans" typeface="宋体"/>
-        <a:font script="Hant" typeface="新細明體"/>
-        <a:font script="Arab" typeface="Arial"/>
-        <a:font script="Hebr" typeface="Arial"/>
-        <a:font script="Thai" typeface="Cordia New"/>
-        <a:font script="Ethi" typeface="Nyala"/>
-        <a:font script="Beng" typeface="Vrinda"/>
-        <a:font script="Gujr" typeface="Shruti"/>
-        <a:font script="Khmr" typeface="DaunPenh"/>
-        <a:font script="Knda" typeface="Tunga"/>
-        <a:font script="Guru" typeface="Raavi"/>
-        <a:font script="Cans" typeface="Euphemia"/>
-        <a:font script="Cher" typeface="Plantagenet Cherokee"/>
-        <a:font script="Yiii" typeface="Microsoft Yi Baiti"/>
-        <a:font script="Tibt" typeface="Microsoft Himalaya"/>
-        <a:font script="Thaa" typeface="MV Boli"/>
-        <a:font script="Deva" typeface="Mangal"/>
-        <a:font script="Telu" typeface="Gautami"/>
-        <a:font script="Taml" typeface="Latha"/>
-        <a:font script="Syrc" typeface="Estrangelo Edessa"/>
-        <a:font script="Orya" typeface="Kalinga"/>
-        <a:font script="Mlym" typeface="Kartika"/>
-        <a:font script="Laoo" typeface="DokChampa"/>
-        <a:font script="Sinh" typeface="Iskoola Pota"/>
-        <a:font script="Mong" typeface="Mongolian Baiti"/>
-        <a:font script="Viet" typeface="Arial"/>
-        <a:font script="Uigh" typeface="Microsoft Uighur"/>
-        <a:font script="Geor" typeface="Sylfaen"/>
+        <a:ea typeface="Arial"/>
+        <a:cs typeface="Arial"/>
       </a:minorFont>
     </a:fontScheme>
     <a:fmtScheme name="Стандартная">
@@ -7880,7 +7938,7 @@
         <a:solidFill>
           <a:schemeClr val="phClr"/>
         </a:solidFill>
-        <a:gradFill rotWithShape="1">
+        <a:gradFill>
           <a:gsLst>
             <a:gs pos="0">
               <a:schemeClr val="phClr">
@@ -7903,7 +7961,7 @@
           </a:gsLst>
           <a:lin ang="16200000" scaled="1"/>
         </a:gradFill>
-        <a:gradFill rotWithShape="1">
+        <a:gradFill>
           <a:gsLst>
             <a:gs pos="0">
               <a:schemeClr val="phClr">
@@ -7977,24 +8035,13 @@
               </a:srgbClr>
             </a:outerShdw>
           </a:effectLst>
-          <a:scene3d>
-            <a:camera prst="orthographicFront">
-              <a:rot lat="0" lon="0" rev="0"/>
-            </a:camera>
-            <a:lightRig rig="threePt" dir="t">
-              <a:rot lat="0" lon="0" rev="1200000"/>
-            </a:lightRig>
-          </a:scene3d>
-          <a:sp3d>
-            <a:bevelT w="63500" h="25400"/>
-          </a:sp3d>
         </a:effectStyle>
       </a:effectStyleLst>
       <a:bgFillStyleLst>
         <a:solidFill>
           <a:schemeClr val="phClr"/>
         </a:solidFill>
-        <a:gradFill rotWithShape="1">
+        <a:gradFill>
           <a:gsLst>
             <a:gs pos="0">
               <a:schemeClr val="phClr">
@@ -8016,11 +8063,9 @@
               </a:schemeClr>
             </a:gs>
           </a:gsLst>
-          <a:path path="circle">
-            <a:fillToRect l="50000" t="-80000" r="50000" b="180000"/>
-          </a:path>
+          <a:path path="circle"/>
         </a:gradFill>
-        <a:gradFill rotWithShape="1">
+        <a:gradFill>
           <a:gsLst>
             <a:gs pos="0">
               <a:schemeClr val="phClr">
@@ -8035,14 +8080,11 @@
               </a:schemeClr>
             </a:gs>
           </a:gsLst>
-          <a:path path="circle">
-            <a:fillToRect l="50000" t="50000" r="50000" b="50000"/>
-          </a:path>
+          <a:path path="circle"/>
         </a:gradFill>
       </a:bgFillStyleLst>
     </a:fmtScheme>
   </a:themeElements>
   <a:objectDefaults/>
-  <a:extraClrSchemeLst/>
 </a:theme>
 </file>